--- a/cam.pptx
+++ b/cam.pptx
@@ -5,7 +5,7 @@
     <p:sldMasterId id="2147483648" r:id="rId1"/>
   </p:sldMasterIdLst>
   <p:notesMasterIdLst>
-    <p:notesMasterId r:id="rId13"/>
+    <p:notesMasterId r:id="rId18"/>
   </p:notesMasterIdLst>
   <p:sldIdLst>
     <p:sldId id="256" r:id="rId2"/>
@@ -17,8 +17,13 @@
     <p:sldId id="262" r:id="rId8"/>
     <p:sldId id="263" r:id="rId9"/>
     <p:sldId id="264" r:id="rId10"/>
-    <p:sldId id="266" r:id="rId11"/>
-    <p:sldId id="267" r:id="rId12"/>
+    <p:sldId id="267" r:id="rId11"/>
+    <p:sldId id="266" r:id="rId12"/>
+    <p:sldId id="268" r:id="rId13"/>
+    <p:sldId id="269" r:id="rId14"/>
+    <p:sldId id="270" r:id="rId15"/>
+    <p:sldId id="271" r:id="rId16"/>
+    <p:sldId id="272" r:id="rId17"/>
   </p:sldIdLst>
   <p:sldSz cx="12192000" cy="6858000"/>
   <p:notesSz cx="6858000" cy="9144000"/>
@@ -117,6 +122,11 @@
       </a:defRPr>
     </a:lvl9pPr>
   </p:defaultTextStyle>
+  <p:extLst>
+    <p:ext uri="{EFAFB233-063F-42B5-8137-9DF3F51BA10A}">
+      <p15:sldGuideLst xmlns:p15="http://schemas.microsoft.com/office/powerpoint/2012/main"/>
+    </p:ext>
+  </p:extLst>
 </p:presentation>
 </file>
 
@@ -202,7 +212,7 @@
           <a:p>
             <a:fld id="{56A1F9FD-016A-4124-8D30-0380AF34A37C}" type="datetimeFigureOut">
               <a:rPr lang="it-IT" smtClean="0"/>
-              <a:t>04/07/2025</a:t>
+              <a:t>06/07/2025</a:t>
             </a:fld>
             <a:endParaRPr lang="it-IT"/>
           </a:p>
@@ -616,7 +626,7 @@
           <a:p>
             <a:fld id="{F804CF06-F6AA-4421-AC31-3DD167B981C6}" type="datetime1">
               <a:rPr lang="it-IT" smtClean="0"/>
-              <a:t>04/07/2025</a:t>
+              <a:t>06/07/2025</a:t>
             </a:fld>
             <a:endParaRPr lang="it-IT"/>
           </a:p>
@@ -817,7 +827,7 @@
           <a:p>
             <a:fld id="{3AC0856E-0EEC-4D9D-B3F3-0F60AC013038}" type="datetime1">
               <a:rPr lang="it-IT" smtClean="0"/>
-              <a:t>04/07/2025</a:t>
+              <a:t>06/07/2025</a:t>
             </a:fld>
             <a:endParaRPr lang="it-IT"/>
           </a:p>
@@ -1028,7 +1038,7 @@
           <a:p>
             <a:fld id="{31FBD0A2-0152-4121-A372-5FF90CF4435C}" type="datetime1">
               <a:rPr lang="it-IT" smtClean="0"/>
-              <a:t>04/07/2025</a:t>
+              <a:t>06/07/2025</a:t>
             </a:fld>
             <a:endParaRPr lang="it-IT"/>
           </a:p>
@@ -1229,7 +1239,7 @@
           <a:p>
             <a:fld id="{1C766833-17E6-48D3-9220-DDB953048839}" type="datetime1">
               <a:rPr lang="it-IT" smtClean="0"/>
-              <a:t>04/07/2025</a:t>
+              <a:t>06/07/2025</a:t>
             </a:fld>
             <a:endParaRPr lang="it-IT"/>
           </a:p>
@@ -1507,7 +1517,7 @@
           <a:p>
             <a:fld id="{469C5ADA-E8F5-431F-84DA-235CA7F5C00B}" type="datetime1">
               <a:rPr lang="it-IT" smtClean="0"/>
-              <a:t>04/07/2025</a:t>
+              <a:t>06/07/2025</a:t>
             </a:fld>
             <a:endParaRPr lang="it-IT"/>
           </a:p>
@@ -1775,7 +1785,7 @@
           <a:p>
             <a:fld id="{A1AA3935-594E-4276-85A8-E7A26E6E2775}" type="datetime1">
               <a:rPr lang="it-IT" smtClean="0"/>
-              <a:t>04/07/2025</a:t>
+              <a:t>06/07/2025</a:t>
             </a:fld>
             <a:endParaRPr lang="it-IT"/>
           </a:p>
@@ -2190,7 +2200,7 @@
           <a:p>
             <a:fld id="{982D92E5-5262-4086-8D05-3F8DB806C94C}" type="datetime1">
               <a:rPr lang="it-IT" smtClean="0"/>
-              <a:t>04/07/2025</a:t>
+              <a:t>06/07/2025</a:t>
             </a:fld>
             <a:endParaRPr lang="it-IT"/>
           </a:p>
@@ -2334,7 +2344,7 @@
           <a:p>
             <a:fld id="{00BC9BF5-FDCD-4A4E-8285-15B626CF0A1C}" type="datetime1">
               <a:rPr lang="it-IT" smtClean="0"/>
-              <a:t>04/07/2025</a:t>
+              <a:t>06/07/2025</a:t>
             </a:fld>
             <a:endParaRPr lang="it-IT"/>
           </a:p>
@@ -2450,7 +2460,7 @@
           <a:p>
             <a:fld id="{3C91FFCA-9EDB-4E57-A3C0-4622103A86AF}" type="datetime1">
               <a:rPr lang="it-IT" smtClean="0"/>
-              <a:t>04/07/2025</a:t>
+              <a:t>06/07/2025</a:t>
             </a:fld>
             <a:endParaRPr lang="it-IT"/>
           </a:p>
@@ -2764,7 +2774,7 @@
           <a:p>
             <a:fld id="{BA1124F2-45D5-40AD-B547-4419BD233EA8}" type="datetime1">
               <a:rPr lang="it-IT" smtClean="0"/>
-              <a:t>04/07/2025</a:t>
+              <a:t>06/07/2025</a:t>
             </a:fld>
             <a:endParaRPr lang="it-IT"/>
           </a:p>
@@ -3055,7 +3065,7 @@
           <a:p>
             <a:fld id="{C75E478A-11ED-433A-926B-EB237C1401CE}" type="datetime1">
               <a:rPr lang="it-IT" smtClean="0"/>
-              <a:t>04/07/2025</a:t>
+              <a:t>06/07/2025</a:t>
             </a:fld>
             <a:endParaRPr lang="it-IT"/>
           </a:p>
@@ -3299,7 +3309,7 @@
           <a:p>
             <a:fld id="{3227FB25-0A6E-4247-90E3-2D54F40238BD}" type="datetime1">
               <a:rPr lang="it-IT" smtClean="0"/>
-              <a:t>04/07/2025</a:t>
+              <a:t>06/07/2025</a:t>
             </a:fld>
             <a:endParaRPr lang="it-IT"/>
           </a:p>
@@ -3956,13 +3966,13 @@
   <p:clrMapOvr>
     <a:overrideClrMapping bg1="dk1" tx1="lt1" bg2="dk2" tx2="lt2" accent1="accent1" accent2="accent2" accent3="accent3" accent4="accent4" accent5="accent5" accent6="accent6" hlink="hlink" folHlink="folHlink"/>
   </p:clrMapOvr>
-  <mc:AlternateContent xmlns:mc="http://schemas.openxmlformats.org/markup-compatibility/2006">
-    <mc:Choice xmlns:p159="http://schemas.microsoft.com/office/powerpoint/2015/09/main" Requires="p159">
+  <mc:AlternateContent xmlns:mc="http://schemas.openxmlformats.org/markup-compatibility/2006" xmlns:p159="http://schemas.microsoft.com/office/powerpoint/2015/09/main">
+    <mc:Choice Requires="p159">
       <p:transition xmlns:p14="http://schemas.microsoft.com/office/powerpoint/2010/main" spd="slow" p14:dur="2000">
         <p159:morph option="byObject"/>
       </p:transition>
     </mc:Choice>
-    <mc:Fallback>
+    <mc:Fallback xmlns="">
       <p:transition spd="slow">
         <p:fade/>
       </p:transition>
@@ -4123,6 +4133,1327 @@
     </p:bg>
     <p:spTree>
       <p:nvGrpSpPr>
+        <p:cNvPr id="1" name="">
+          <a:extLst>
+            <a:ext uri="{FF2B5EF4-FFF2-40B4-BE49-F238E27FC236}">
+              <a16:creationId xmlns:a16="http://schemas.microsoft.com/office/drawing/2014/main" id="{54DDAAEE-FB13-940C-4385-CB020D61F2A6}"/>
+            </a:ext>
+          </a:extLst>
+        </p:cNvPr>
+        <p:cNvGrpSpPr/>
+        <p:nvPr/>
+      </p:nvGrpSpPr>
+      <p:grpSpPr>
+        <a:xfrm>
+          <a:off x="0" y="0"/>
+          <a:ext cx="0" cy="0"/>
+          <a:chOff x="0" y="0"/>
+          <a:chExt cx="0" cy="0"/>
+        </a:xfrm>
+      </p:grpSpPr>
+      <p:sp useBgFill="1">
+        <p:nvSpPr>
+          <p:cNvPr id="12" name="Rectangle 11">
+            <a:extLst>
+              <a:ext uri="{FF2B5EF4-FFF2-40B4-BE49-F238E27FC236}">
+                <a16:creationId xmlns:a16="http://schemas.microsoft.com/office/drawing/2014/main" id="{DAF1966E-FD40-4A4A-B61B-C4DF7FA05F06}"/>
+              </a:ext>
+              <a:ext uri="{C183D7F6-B498-43B3-948B-1728B52AA6E4}">
+                <adec:decorative xmlns:adec="http://schemas.microsoft.com/office/drawing/2017/decorative" val="1"/>
+              </a:ext>
+            </a:extLst>
+          </p:cNvPr>
+          <p:cNvSpPr>
+            <a:spLocks noGrp="1" noRot="1" noChangeAspect="1" noMove="1" noResize="1" noEditPoints="1" noAdjustHandles="1" noChangeArrowheads="1" noChangeShapeType="1" noTextEdit="1"/>
+          </p:cNvSpPr>
+          <p:nvPr>
+            <p:extLst>
+              <p:ext uri="{386F3935-93C4-4BCD-93E2-E3B085C9AB24}">
+                <p16:designElem xmlns:p16="http://schemas.microsoft.com/office/powerpoint/2015/main" val="1"/>
+              </p:ext>
+            </p:extLst>
+          </p:nvPr>
+        </p:nvSpPr>
+        <p:spPr>
+          <a:xfrm>
+            <a:off x="0" y="0"/>
+            <a:ext cx="12192000" cy="6858000"/>
+          </a:xfrm>
+          <a:prstGeom prst="rect">
+            <a:avLst/>
+          </a:prstGeom>
+          <a:ln>
+            <a:noFill/>
+          </a:ln>
+        </p:spPr>
+        <p:style>
+          <a:lnRef idx="2">
+            <a:schemeClr val="accent1">
+              <a:shade val="50000"/>
+            </a:schemeClr>
+          </a:lnRef>
+          <a:fillRef idx="1">
+            <a:schemeClr val="accent1"/>
+          </a:fillRef>
+          <a:effectRef idx="0">
+            <a:schemeClr val="accent1"/>
+          </a:effectRef>
+          <a:fontRef idx="minor">
+            <a:schemeClr val="lt1"/>
+          </a:fontRef>
+        </p:style>
+        <p:txBody>
+          <a:bodyPr rtlCol="0" anchor="ctr"/>
+          <a:lstStyle/>
+          <a:p>
+            <a:pPr algn="ctr"/>
+            <a:endParaRPr lang="en-US"/>
+          </a:p>
+        </p:txBody>
+      </p:sp>
+      <p:sp useBgFill="1">
+        <p:nvSpPr>
+          <p:cNvPr id="14" name="Rectangle 13">
+            <a:extLst>
+              <a:ext uri="{FF2B5EF4-FFF2-40B4-BE49-F238E27FC236}">
+                <a16:creationId xmlns:a16="http://schemas.microsoft.com/office/drawing/2014/main" id="{047BFA19-D45E-416B-A404-7AF2F3F27017}"/>
+              </a:ext>
+              <a:ext uri="{C183D7F6-B498-43B3-948B-1728B52AA6E4}">
+                <adec:decorative xmlns:adec="http://schemas.microsoft.com/office/drawing/2017/decorative" val="1"/>
+              </a:ext>
+            </a:extLst>
+          </p:cNvPr>
+          <p:cNvSpPr>
+            <a:spLocks noGrp="1" noRot="1" noChangeAspect="1" noMove="1" noResize="1" noEditPoints="1" noAdjustHandles="1" noChangeArrowheads="1" noChangeShapeType="1" noTextEdit="1"/>
+          </p:cNvSpPr>
+          <p:nvPr>
+            <p:extLst>
+              <p:ext uri="{386F3935-93C4-4BCD-93E2-E3B085C9AB24}">
+                <p16:designElem xmlns:p16="http://schemas.microsoft.com/office/powerpoint/2015/main" val="1"/>
+              </p:ext>
+            </p:extLst>
+          </p:nvPr>
+        </p:nvSpPr>
+        <p:spPr>
+          <a:xfrm>
+            <a:off x="558209" y="0"/>
+            <a:ext cx="11167447" cy="2018806"/>
+          </a:xfrm>
+          <a:prstGeom prst="rect">
+            <a:avLst/>
+          </a:prstGeom>
+          <a:ln w="9525">
+            <a:solidFill>
+              <a:srgbClr val="E1E1E1"/>
+            </a:solidFill>
+          </a:ln>
+          <a:effectLst>
+            <a:outerShdw blurRad="50800" dist="38100" dir="2700000" algn="tl" rotWithShape="0">
+              <a:schemeClr val="bg1">
+                <a:lumMod val="85000"/>
+                <a:alpha val="50000"/>
+              </a:schemeClr>
+            </a:outerShdw>
+          </a:effectLst>
+        </p:spPr>
+        <p:style>
+          <a:lnRef idx="2">
+            <a:schemeClr val="accent1">
+              <a:shade val="50000"/>
+            </a:schemeClr>
+          </a:lnRef>
+          <a:fillRef idx="1">
+            <a:schemeClr val="accent1"/>
+          </a:fillRef>
+          <a:effectRef idx="0">
+            <a:schemeClr val="accent1"/>
+          </a:effectRef>
+          <a:fontRef idx="minor">
+            <a:schemeClr val="lt1"/>
+          </a:fontRef>
+        </p:style>
+        <p:txBody>
+          <a:bodyPr rtlCol="0" anchor="ctr"/>
+          <a:lstStyle/>
+          <a:p>
+            <a:pPr marL="0" marR="0" lvl="0" indent="0" algn="ctr" defTabSz="914400" rtl="0" eaLnBrk="1" fontAlgn="auto" latinLnBrk="0" hangingPunct="1">
+              <a:lnSpc>
+                <a:spcPct val="100000"/>
+              </a:lnSpc>
+              <a:spcBef>
+                <a:spcPts val="0"/>
+              </a:spcBef>
+              <a:spcAft>
+                <a:spcPts val="0"/>
+              </a:spcAft>
+              <a:buClrTx/>
+              <a:buSzTx/>
+              <a:buFontTx/>
+              <a:buNone/>
+              <a:tabLst/>
+              <a:defRPr/>
+            </a:pPr>
+            <a:endParaRPr kumimoji="0" lang="en-US" sz="1800" b="0" i="0" u="none" strike="noStrike" kern="1200" cap="none" spc="0" normalizeH="0" baseline="0" noProof="0">
+              <a:ln>
+                <a:noFill/>
+              </a:ln>
+              <a:solidFill>
+                <a:prstClr val="white"/>
+              </a:solidFill>
+              <a:effectLst/>
+              <a:uLnTx/>
+              <a:uFillTx/>
+              <a:latin typeface="Calibri" panose="020F0502020204030204"/>
+              <a:ea typeface="+mn-ea"/>
+              <a:cs typeface="+mn-cs"/>
+            </a:endParaRPr>
+          </a:p>
+        </p:txBody>
+      </p:sp>
+      <p:sp useBgFill="1">
+        <p:nvSpPr>
+          <p:cNvPr id="16" name="Rectangle 15">
+            <a:extLst>
+              <a:ext uri="{FF2B5EF4-FFF2-40B4-BE49-F238E27FC236}">
+                <a16:creationId xmlns:a16="http://schemas.microsoft.com/office/drawing/2014/main" id="{8E0105E7-23DB-4CF2-8258-FF47C7620F6E}"/>
+              </a:ext>
+              <a:ext uri="{C183D7F6-B498-43B3-948B-1728B52AA6E4}">
+                <adec:decorative xmlns:adec="http://schemas.microsoft.com/office/drawing/2017/decorative" val="1"/>
+              </a:ext>
+            </a:extLst>
+          </p:cNvPr>
+          <p:cNvSpPr>
+            <a:spLocks noGrp="1" noRot="1" noChangeAspect="1" noMove="1" noResize="1" noEditPoints="1" noAdjustHandles="1" noChangeArrowheads="1" noChangeShapeType="1" noTextEdit="1"/>
+          </p:cNvSpPr>
+          <p:nvPr>
+            <p:extLst>
+              <p:ext uri="{386F3935-93C4-4BCD-93E2-E3B085C9AB24}">
+                <p16:designElem xmlns:p16="http://schemas.microsoft.com/office/powerpoint/2015/main" val="1"/>
+              </p:ext>
+            </p:extLst>
+          </p:nvPr>
+        </p:nvSpPr>
+        <p:spPr>
+          <a:xfrm>
+            <a:off x="566928" y="0"/>
+            <a:ext cx="11155680" cy="2011680"/>
+          </a:xfrm>
+          <a:prstGeom prst="rect">
+            <a:avLst/>
+          </a:prstGeom>
+          <a:ln w="9525">
+            <a:noFill/>
+          </a:ln>
+          <a:effectLst/>
+        </p:spPr>
+        <p:style>
+          <a:lnRef idx="2">
+            <a:schemeClr val="accent1">
+              <a:shade val="50000"/>
+            </a:schemeClr>
+          </a:lnRef>
+          <a:fillRef idx="1">
+            <a:schemeClr val="accent1"/>
+          </a:fillRef>
+          <a:effectRef idx="0">
+            <a:schemeClr val="accent1"/>
+          </a:effectRef>
+          <a:fontRef idx="minor">
+            <a:schemeClr val="lt1"/>
+          </a:fontRef>
+        </p:style>
+        <p:txBody>
+          <a:bodyPr rtlCol="0" anchor="ctr"/>
+          <a:lstStyle/>
+          <a:p>
+            <a:pPr marL="0" marR="0" lvl="0" indent="0" algn="ctr" defTabSz="914400" rtl="0" eaLnBrk="1" fontAlgn="auto" latinLnBrk="0" hangingPunct="1">
+              <a:lnSpc>
+                <a:spcPct val="100000"/>
+              </a:lnSpc>
+              <a:spcBef>
+                <a:spcPts val="0"/>
+              </a:spcBef>
+              <a:spcAft>
+                <a:spcPts val="0"/>
+              </a:spcAft>
+              <a:buClrTx/>
+              <a:buSzTx/>
+              <a:buFontTx/>
+              <a:buNone/>
+              <a:tabLst/>
+              <a:defRPr/>
+            </a:pPr>
+            <a:endParaRPr kumimoji="0" lang="en-US" sz="1800" b="0" i="0" u="none" strike="noStrike" kern="1200" cap="none" spc="0" normalizeH="0" baseline="0" noProof="0">
+              <a:ln>
+                <a:noFill/>
+              </a:ln>
+              <a:solidFill>
+                <a:prstClr val="white"/>
+              </a:solidFill>
+              <a:effectLst/>
+              <a:uLnTx/>
+              <a:uFillTx/>
+              <a:latin typeface="Calibri" panose="020F0502020204030204"/>
+              <a:ea typeface="+mn-ea"/>
+              <a:cs typeface="+mn-cs"/>
+            </a:endParaRPr>
+          </a:p>
+        </p:txBody>
+      </p:sp>
+      <p:sp>
+        <p:nvSpPr>
+          <p:cNvPr id="2" name="Titolo 1">
+            <a:extLst>
+              <a:ext uri="{FF2B5EF4-FFF2-40B4-BE49-F238E27FC236}">
+                <a16:creationId xmlns:a16="http://schemas.microsoft.com/office/drawing/2014/main" id="{D3F1682E-5CAA-4EF3-182B-25617A58A2E3}"/>
+              </a:ext>
+            </a:extLst>
+          </p:cNvPr>
+          <p:cNvSpPr>
+            <a:spLocks noGrp="1"/>
+          </p:cNvSpPr>
+          <p:nvPr>
+            <p:ph type="title"/>
+          </p:nvPr>
+        </p:nvSpPr>
+        <p:spPr>
+          <a:xfrm>
+            <a:off x="1115568" y="548640"/>
+            <a:ext cx="10168128" cy="1179576"/>
+          </a:xfrm>
+        </p:spPr>
+        <p:txBody>
+          <a:bodyPr vert="horz" lIns="91440" tIns="45720" rIns="91440" bIns="45720" rtlCol="0" anchor="ctr">
+            <a:normAutofit/>
+          </a:bodyPr>
+          <a:lstStyle/>
+          <a:p>
+            <a:r>
+              <a:rPr lang="en-US" sz="4000" kern="1200">
+                <a:solidFill>
+                  <a:schemeClr val="tx1"/>
+                </a:solidFill>
+                <a:latin typeface="+mj-lt"/>
+                <a:ea typeface="+mj-ea"/>
+                <a:cs typeface="+mj-cs"/>
+              </a:rPr>
+              <a:t>Raggiungibilità – </a:t>
+            </a:r>
+            <a:r>
+              <a:rPr lang="en-US" sz="4000" i="1" kern="1200">
+                <a:solidFill>
+                  <a:schemeClr val="tx1"/>
+                </a:solidFill>
+                <a:latin typeface="+mj-lt"/>
+                <a:ea typeface="+mj-ea"/>
+                <a:cs typeface="+mj-cs"/>
+              </a:rPr>
+              <a:t>«modello.m»</a:t>
+            </a:r>
+            <a:endParaRPr lang="en-US" sz="4000" kern="1200">
+              <a:solidFill>
+                <a:schemeClr val="tx1"/>
+              </a:solidFill>
+              <a:latin typeface="+mj-lt"/>
+              <a:ea typeface="+mj-ea"/>
+              <a:cs typeface="+mj-cs"/>
+            </a:endParaRPr>
+          </a:p>
+        </p:txBody>
+      </p:sp>
+      <p:sp>
+        <p:nvSpPr>
+          <p:cNvPr id="18" name="Rectangle 17">
+            <a:extLst>
+              <a:ext uri="{FF2B5EF4-FFF2-40B4-BE49-F238E27FC236}">
+                <a16:creationId xmlns:a16="http://schemas.microsoft.com/office/drawing/2014/main" id="{074B4F7D-14B2-478B-8BF5-01E4E0C5D263}"/>
+              </a:ext>
+              <a:ext uri="{C183D7F6-B498-43B3-948B-1728B52AA6E4}">
+                <adec:decorative xmlns:adec="http://schemas.microsoft.com/office/drawing/2017/decorative" val="1"/>
+              </a:ext>
+            </a:extLst>
+          </p:cNvPr>
+          <p:cNvSpPr>
+            <a:spLocks noGrp="1" noRot="1" noChangeAspect="1" noMove="1" noResize="1" noEditPoints="1" noAdjustHandles="1" noChangeArrowheads="1" noChangeShapeType="1" noTextEdit="1"/>
+          </p:cNvSpPr>
+          <p:nvPr>
+            <p:extLst>
+              <p:ext uri="{386F3935-93C4-4BCD-93E2-E3B085C9AB24}">
+                <p16:designElem xmlns:p16="http://schemas.microsoft.com/office/powerpoint/2015/main" val="1"/>
+              </p:ext>
+            </p:extLst>
+          </p:nvPr>
+        </p:nvSpPr>
+        <p:spPr>
+          <a:xfrm>
+            <a:off x="498834" y="758952"/>
+            <a:ext cx="128016" cy="704088"/>
+          </a:xfrm>
+          <a:prstGeom prst="rect">
+            <a:avLst/>
+          </a:prstGeom>
+          <a:solidFill>
+            <a:schemeClr val="accent2"/>
+          </a:solidFill>
+          <a:ln>
+            <a:noFill/>
+          </a:ln>
+        </p:spPr>
+        <p:style>
+          <a:lnRef idx="2">
+            <a:schemeClr val="accent1">
+              <a:shade val="50000"/>
+            </a:schemeClr>
+          </a:lnRef>
+          <a:fillRef idx="1">
+            <a:schemeClr val="accent1"/>
+          </a:fillRef>
+          <a:effectRef idx="0">
+            <a:schemeClr val="accent1"/>
+          </a:effectRef>
+          <a:fontRef idx="minor">
+            <a:schemeClr val="lt1"/>
+          </a:fontRef>
+        </p:style>
+        <p:txBody>
+          <a:bodyPr rtlCol="0" anchor="ctr"/>
+          <a:lstStyle/>
+          <a:p>
+            <a:pPr algn="ctr"/>
+            <a:endParaRPr lang="en-US">
+              <a:solidFill>
+                <a:prstClr val="white"/>
+              </a:solidFill>
+              <a:latin typeface="Calibri" panose="020F0502020204030204"/>
+            </a:endParaRPr>
+          </a:p>
+        </p:txBody>
+      </p:sp>
+      <p:sp>
+        <p:nvSpPr>
+          <p:cNvPr id="6" name="Rectangle 1">
+            <a:extLst>
+              <a:ext uri="{FF2B5EF4-FFF2-40B4-BE49-F238E27FC236}">
+                <a16:creationId xmlns:a16="http://schemas.microsoft.com/office/drawing/2014/main" id="{F3EA9266-3D85-6477-22B4-9AB24F55867E}"/>
+              </a:ext>
+            </a:extLst>
+          </p:cNvPr>
+          <p:cNvSpPr>
+            <a:spLocks noChangeArrowheads="1"/>
+          </p:cNvSpPr>
+          <p:nvPr/>
+        </p:nvSpPr>
+        <p:spPr bwMode="auto">
+          <a:xfrm>
+            <a:off x="1115568" y="2481943"/>
+            <a:ext cx="10168128" cy="3695020"/>
+          </a:xfrm>
+          <a:prstGeom prst="rect">
+            <a:avLst/>
+          </a:prstGeom>
+          <a:extLst>
+            <a:ext uri="{909E8E84-426E-40DD-AFC4-6F175D3DCCD1}">
+              <a14:hiddenFill xmlns:a14="http://schemas.microsoft.com/office/drawing/2010/main">
+                <a:solidFill>
+                  <a:schemeClr val="accent1"/>
+                </a:solidFill>
+              </a14:hiddenFill>
+            </a:ext>
+            <a:ext uri="{91240B29-F687-4F45-9708-019B960494DF}">
+              <a14:hiddenLine xmlns:a14="http://schemas.microsoft.com/office/drawing/2010/main" w="9525">
+                <a:solidFill>
+                  <a:schemeClr val="tx1"/>
+                </a:solidFill>
+                <a:miter lim="800000"/>
+                <a:headEnd/>
+                <a:tailEnd/>
+              </a14:hiddenLine>
+            </a:ext>
+            <a:ext uri="{AF507438-7753-43E0-B8FC-AC1667EBCBE1}">
+              <a14:hiddenEffects xmlns:a14="http://schemas.microsoft.com/office/drawing/2010/main">
+                <a:effectLst>
+                  <a:outerShdw dist="35921" dir="2700000" algn="ctr" rotWithShape="0">
+                    <a:schemeClr val="bg2"/>
+                  </a:outerShdw>
+                </a:effectLst>
+              </a14:hiddenEffects>
+            </a:ext>
+          </a:extLst>
+        </p:spPr>
+        <p:txBody>
+          <a:bodyPr vert="horz" lIns="91440" tIns="45720" rIns="91440" bIns="45720" numCol="1" rtlCol="0" anchorCtr="0" compatLnSpc="1">
+            <a:prstTxWarp prst="textNoShape">
+              <a:avLst/>
+            </a:prstTxWarp>
+            <a:normAutofit/>
+          </a:bodyPr>
+          <a:lstStyle/>
+          <a:p>
+            <a:pPr marR="0" lvl="0" fontAlgn="base">
+              <a:lnSpc>
+                <a:spcPct val="90000"/>
+              </a:lnSpc>
+              <a:spcBef>
+                <a:spcPct val="0"/>
+              </a:spcBef>
+              <a:spcAft>
+                <a:spcPts val="600"/>
+              </a:spcAft>
+              <a:buClrTx/>
+              <a:buSzTx/>
+              <a:tabLst/>
+            </a:pPr>
+            <a:r>
+              <a:rPr kumimoji="0" lang="en-US" altLang="it-IT" sz="2200" strike="noStrike" cap="none" normalizeH="0" baseline="0" dirty="0">
+                <a:ln>
+                  <a:noFill/>
+                </a:ln>
+                <a:effectLst/>
+              </a:rPr>
+              <a:t>È </a:t>
+            </a:r>
+            <a:r>
+              <a:rPr kumimoji="0" lang="en-US" altLang="it-IT" sz="2200" strike="noStrike" cap="none" normalizeH="0" baseline="0" dirty="0" err="1">
+                <a:ln>
+                  <a:noFill/>
+                </a:ln>
+                <a:effectLst/>
+              </a:rPr>
+              <a:t>stata</a:t>
+            </a:r>
+            <a:r>
+              <a:rPr kumimoji="0" lang="en-US" altLang="it-IT" sz="2200" strike="noStrike" cap="none" normalizeH="0" baseline="0" dirty="0">
+                <a:ln>
+                  <a:noFill/>
+                </a:ln>
+                <a:effectLst/>
+              </a:rPr>
+              <a:t> </a:t>
+            </a:r>
+            <a:r>
+              <a:rPr kumimoji="0" lang="en-US" altLang="it-IT" sz="2200" strike="noStrike" cap="none" normalizeH="0" baseline="0" dirty="0" err="1">
+                <a:ln>
+                  <a:noFill/>
+                </a:ln>
+                <a:effectLst/>
+              </a:rPr>
+              <a:t>verificata</a:t>
+            </a:r>
+            <a:r>
+              <a:rPr kumimoji="0" lang="en-US" altLang="it-IT" sz="2200" strike="noStrike" cap="none" normalizeH="0" baseline="0" dirty="0">
+                <a:ln>
+                  <a:noFill/>
+                </a:ln>
+                <a:effectLst/>
+              </a:rPr>
+              <a:t> la </a:t>
+            </a:r>
+            <a:r>
+              <a:rPr kumimoji="0" lang="en-US" altLang="it-IT" sz="2200" strike="noStrike" cap="none" normalizeH="0" baseline="0" dirty="0" err="1">
+                <a:ln>
+                  <a:noFill/>
+                </a:ln>
+                <a:effectLst/>
+              </a:rPr>
+              <a:t>raggiungibilità</a:t>
+            </a:r>
+            <a:r>
+              <a:rPr kumimoji="0" lang="en-US" altLang="it-IT" sz="2200" strike="noStrike" cap="none" normalizeH="0" baseline="0" dirty="0">
+                <a:ln>
+                  <a:noFill/>
+                </a:ln>
+                <a:effectLst/>
+              </a:rPr>
+              <a:t> del </a:t>
+            </a:r>
+            <a:r>
+              <a:rPr kumimoji="0" lang="en-US" altLang="it-IT" sz="2200" strike="noStrike" cap="none" normalizeH="0" baseline="0" dirty="0" err="1">
+                <a:ln>
+                  <a:noFill/>
+                </a:ln>
+                <a:effectLst/>
+              </a:rPr>
+              <a:t>sistema</a:t>
+            </a:r>
+            <a:r>
+              <a:rPr kumimoji="0" lang="en-US" altLang="it-IT" sz="2200" strike="noStrike" cap="none" normalizeH="0" baseline="0" dirty="0">
+                <a:ln>
+                  <a:noFill/>
+                </a:ln>
+                <a:effectLst/>
+              </a:rPr>
+              <a:t>, </a:t>
+            </a:r>
+            <a:r>
+              <a:rPr kumimoji="0" lang="en-US" altLang="it-IT" sz="2200" strike="noStrike" cap="none" normalizeH="0" baseline="0" dirty="0" err="1">
+                <a:ln>
+                  <a:noFill/>
+                </a:ln>
+                <a:effectLst/>
+              </a:rPr>
+              <a:t>sia</a:t>
+            </a:r>
+            <a:r>
+              <a:rPr kumimoji="0" lang="en-US" altLang="it-IT" sz="2200" strike="noStrike" cap="none" normalizeH="0" baseline="0" dirty="0">
+                <a:ln>
+                  <a:noFill/>
+                </a:ln>
+                <a:effectLst/>
+              </a:rPr>
+              <a:t> in forma continua </a:t>
+            </a:r>
+            <a:r>
+              <a:rPr kumimoji="0" lang="en-US" altLang="it-IT" sz="2200" strike="noStrike" cap="none" normalizeH="0" baseline="0" dirty="0" err="1">
+                <a:ln>
+                  <a:noFill/>
+                </a:ln>
+                <a:effectLst/>
+              </a:rPr>
+              <a:t>che</a:t>
+            </a:r>
+            <a:r>
+              <a:rPr kumimoji="0" lang="en-US" altLang="it-IT" sz="2200" strike="noStrike" cap="none" normalizeH="0" baseline="0" dirty="0">
+                <a:ln>
+                  <a:noFill/>
+                </a:ln>
+                <a:effectLst/>
+              </a:rPr>
+              <a:t> </a:t>
+            </a:r>
+            <a:r>
+              <a:rPr kumimoji="0" lang="en-US" altLang="it-IT" sz="2200" strike="noStrike" cap="none" normalizeH="0" baseline="0" dirty="0" err="1">
+                <a:ln>
+                  <a:noFill/>
+                </a:ln>
+                <a:effectLst/>
+              </a:rPr>
+              <a:t>discreta</a:t>
+            </a:r>
+            <a:r>
+              <a:rPr kumimoji="0" lang="en-US" altLang="it-IT" sz="2200" strike="noStrike" cap="none" normalizeH="0" baseline="0" dirty="0">
+                <a:ln>
+                  <a:noFill/>
+                </a:ln>
+                <a:effectLst/>
+              </a:rPr>
+              <a:t>, </a:t>
+            </a:r>
+            <a:r>
+              <a:rPr kumimoji="0" lang="en-US" altLang="it-IT" sz="2200" strike="noStrike" cap="none" normalizeH="0" baseline="0" dirty="0" err="1">
+                <a:ln>
+                  <a:noFill/>
+                </a:ln>
+                <a:effectLst/>
+              </a:rPr>
+              <a:t>calcolando</a:t>
+            </a:r>
+            <a:r>
+              <a:rPr kumimoji="0" lang="en-US" altLang="it-IT" sz="2200" strike="noStrike" cap="none" normalizeH="0" baseline="0" dirty="0">
+                <a:ln>
+                  <a:noFill/>
+                </a:ln>
+                <a:effectLst/>
+              </a:rPr>
+              <a:t> le relative </a:t>
+            </a:r>
+            <a:r>
+              <a:rPr kumimoji="0" lang="en-US" altLang="it-IT" sz="2200" strike="noStrike" cap="none" normalizeH="0" baseline="0" dirty="0" err="1">
+                <a:ln>
+                  <a:noFill/>
+                </a:ln>
+                <a:effectLst/>
+              </a:rPr>
+              <a:t>matrici</a:t>
+            </a:r>
+            <a:r>
+              <a:rPr kumimoji="0" lang="en-US" altLang="it-IT" sz="2200" strike="noStrike" cap="none" normalizeH="0" baseline="0" dirty="0">
+                <a:ln>
+                  <a:noFill/>
+                </a:ln>
+                <a:effectLst/>
+              </a:rPr>
+              <a:t> con la </a:t>
+            </a:r>
+            <a:r>
+              <a:rPr kumimoji="0" lang="en-US" altLang="it-IT" sz="2200" strike="noStrike" cap="none" normalizeH="0" baseline="0" dirty="0" err="1">
+                <a:ln>
+                  <a:noFill/>
+                </a:ln>
+                <a:effectLst/>
+              </a:rPr>
+              <a:t>funzione</a:t>
+            </a:r>
+            <a:r>
+              <a:rPr kumimoji="0" lang="en-US" altLang="it-IT" sz="2200" strike="noStrike" cap="none" normalizeH="0" baseline="0" dirty="0">
+                <a:ln>
+                  <a:noFill/>
+                </a:ln>
+                <a:effectLst/>
+              </a:rPr>
+              <a:t> «</a:t>
+            </a:r>
+            <a:r>
+              <a:rPr kumimoji="0" lang="en-US" altLang="it-IT" sz="2200" strike="noStrike" cap="none" normalizeH="0" baseline="0" dirty="0" err="1">
+                <a:ln>
+                  <a:noFill/>
+                </a:ln>
+                <a:effectLst/>
+              </a:rPr>
+              <a:t>ctrb</a:t>
+            </a:r>
+            <a:r>
+              <a:rPr kumimoji="0" lang="en-US" altLang="it-IT" sz="2200" strike="noStrike" cap="none" normalizeH="0" baseline="0" dirty="0">
+                <a:ln>
+                  <a:noFill/>
+                </a:ln>
+                <a:effectLst/>
+              </a:rPr>
+              <a:t>».</a:t>
+            </a:r>
+            <a:br>
+              <a:rPr kumimoji="0" lang="en-US" altLang="it-IT" sz="2200" strike="noStrike" cap="none" normalizeH="0" baseline="0" dirty="0">
+                <a:ln>
+                  <a:noFill/>
+                </a:ln>
+                <a:effectLst/>
+              </a:rPr>
+            </a:br>
+            <a:r>
+              <a:rPr kumimoji="0" lang="en-US" altLang="it-IT" sz="2200" strike="noStrike" cap="none" normalizeH="0" baseline="0" dirty="0">
+                <a:ln>
+                  <a:noFill/>
+                </a:ln>
+                <a:effectLst/>
+              </a:rPr>
+              <a:t>Se </a:t>
+            </a:r>
+            <a:r>
+              <a:rPr lang="en-US" altLang="it-IT" sz="2200" dirty="0"/>
+              <a:t>i</a:t>
+            </a:r>
+            <a:r>
+              <a:rPr kumimoji="0" lang="en-US" altLang="it-IT" sz="2200" strike="noStrike" cap="none" normalizeH="0" baseline="0" dirty="0">
+                <a:ln>
+                  <a:noFill/>
+                </a:ln>
+                <a:effectLst/>
+              </a:rPr>
+              <a:t>l </a:t>
+            </a:r>
+            <a:r>
+              <a:rPr kumimoji="0" lang="en-US" altLang="it-IT" sz="2200" strike="noStrike" cap="none" normalizeH="0" baseline="0" dirty="0" err="1">
+                <a:ln>
+                  <a:noFill/>
+                </a:ln>
+                <a:effectLst/>
+              </a:rPr>
+              <a:t>rango</a:t>
+            </a:r>
+            <a:r>
+              <a:rPr kumimoji="0" lang="en-US" altLang="it-IT" sz="2200" strike="noStrike" cap="none" normalizeH="0" baseline="0" dirty="0">
+                <a:ln>
+                  <a:noFill/>
+                </a:ln>
+                <a:effectLst/>
+              </a:rPr>
+              <a:t> </a:t>
+            </a:r>
+            <a:r>
+              <a:rPr kumimoji="0" lang="en-US" altLang="it-IT" sz="2200" strike="noStrike" cap="none" normalizeH="0" baseline="0" dirty="0" err="1">
+                <a:ln>
+                  <a:noFill/>
+                </a:ln>
+                <a:effectLst/>
+              </a:rPr>
+              <a:t>delle</a:t>
+            </a:r>
+            <a:r>
+              <a:rPr kumimoji="0" lang="en-US" altLang="it-IT" sz="2200" strike="noStrike" cap="none" normalizeH="0" baseline="0" dirty="0">
+                <a:ln>
+                  <a:noFill/>
+                </a:ln>
+                <a:effectLst/>
+              </a:rPr>
+              <a:t> </a:t>
+            </a:r>
+            <a:r>
+              <a:rPr kumimoji="0" lang="en-US" altLang="it-IT" sz="2200" strike="noStrike" cap="none" normalizeH="0" baseline="0" dirty="0" err="1">
+                <a:ln>
+                  <a:noFill/>
+                </a:ln>
+                <a:effectLst/>
+              </a:rPr>
+              <a:t>matrici</a:t>
+            </a:r>
+            <a:r>
+              <a:rPr kumimoji="0" lang="en-US" altLang="it-IT" sz="2200" strike="noStrike" cap="none" normalizeH="0" baseline="0" dirty="0">
+                <a:ln>
+                  <a:noFill/>
+                </a:ln>
+                <a:effectLst/>
+              </a:rPr>
+              <a:t> </a:t>
+            </a:r>
+            <a:r>
+              <a:rPr kumimoji="0" lang="en-US" altLang="it-IT" sz="2200" strike="noStrike" cap="none" normalizeH="0" baseline="0" dirty="0" err="1">
+                <a:ln>
+                  <a:noFill/>
+                </a:ln>
+                <a:effectLst/>
+              </a:rPr>
+              <a:t>ottenute</a:t>
+            </a:r>
+            <a:r>
+              <a:rPr kumimoji="0" lang="en-US" altLang="it-IT" sz="2200" strike="noStrike" cap="none" normalizeH="0" baseline="0" dirty="0">
+                <a:ln>
+                  <a:noFill/>
+                </a:ln>
+                <a:effectLst/>
+              </a:rPr>
+              <a:t> è </a:t>
+            </a:r>
+            <a:r>
+              <a:rPr kumimoji="0" lang="en-US" altLang="it-IT" sz="2200" strike="noStrike" cap="none" normalizeH="0" baseline="0" dirty="0" err="1">
+                <a:ln>
+                  <a:noFill/>
+                </a:ln>
+                <a:effectLst/>
+              </a:rPr>
+              <a:t>pari</a:t>
+            </a:r>
+            <a:r>
+              <a:rPr kumimoji="0" lang="en-US" altLang="it-IT" sz="2200" strike="noStrike" cap="none" normalizeH="0" baseline="0" dirty="0">
+                <a:ln>
+                  <a:noFill/>
+                </a:ln>
+                <a:effectLst/>
+              </a:rPr>
+              <a:t> al </a:t>
+            </a:r>
+            <a:r>
+              <a:rPr kumimoji="0" lang="en-US" altLang="it-IT" sz="2200" strike="noStrike" cap="none" normalizeH="0" baseline="0" dirty="0" err="1">
+                <a:ln>
+                  <a:noFill/>
+                </a:ln>
+                <a:effectLst/>
+              </a:rPr>
+              <a:t>numero</a:t>
+            </a:r>
+            <a:r>
+              <a:rPr kumimoji="0" lang="en-US" altLang="it-IT" sz="2200" strike="noStrike" cap="none" normalizeH="0" baseline="0" dirty="0">
+                <a:ln>
+                  <a:noFill/>
+                </a:ln>
+                <a:effectLst/>
+              </a:rPr>
+              <a:t> </a:t>
+            </a:r>
+            <a:r>
+              <a:rPr kumimoji="0" lang="en-US" altLang="it-IT" sz="2200" strike="noStrike" cap="none" normalizeH="0" baseline="0" dirty="0" err="1">
+                <a:ln>
+                  <a:noFill/>
+                </a:ln>
+                <a:effectLst/>
+              </a:rPr>
+              <a:t>degli</a:t>
+            </a:r>
+            <a:r>
+              <a:rPr kumimoji="0" lang="en-US" altLang="it-IT" sz="2200" strike="noStrike" cap="none" normalizeH="0" baseline="0" dirty="0">
+                <a:ln>
+                  <a:noFill/>
+                </a:ln>
+                <a:effectLst/>
+              </a:rPr>
+              <a:t> </a:t>
+            </a:r>
+            <a:r>
+              <a:rPr kumimoji="0" lang="en-US" altLang="it-IT" sz="2200" strike="noStrike" cap="none" normalizeH="0" baseline="0" dirty="0" err="1">
+                <a:ln>
+                  <a:noFill/>
+                </a:ln>
+                <a:effectLst/>
+              </a:rPr>
+              <a:t>stati</a:t>
+            </a:r>
+            <a:r>
+              <a:rPr kumimoji="0" lang="en-US" altLang="it-IT" sz="2200" strike="noStrike" cap="none" normalizeH="0" baseline="0" dirty="0">
+                <a:ln>
+                  <a:noFill/>
+                </a:ln>
+                <a:effectLst/>
+              </a:rPr>
+              <a:t> </a:t>
+            </a:r>
+            <a:r>
+              <a:rPr kumimoji="0" lang="en-US" altLang="it-IT" sz="2200" strike="noStrike" cap="none" normalizeH="0" baseline="0" dirty="0" err="1">
+                <a:ln>
+                  <a:noFill/>
+                </a:ln>
+                <a:effectLst/>
+              </a:rPr>
+              <a:t>allora</a:t>
+            </a:r>
+            <a:r>
+              <a:rPr kumimoji="0" lang="en-US" altLang="it-IT" sz="2200" strike="noStrike" cap="none" normalizeH="0" baseline="0" dirty="0">
+                <a:ln>
+                  <a:noFill/>
+                </a:ln>
+                <a:effectLst/>
+              </a:rPr>
+              <a:t> il </a:t>
+            </a:r>
+            <a:r>
+              <a:rPr kumimoji="0" lang="en-US" altLang="it-IT" sz="2200" strike="noStrike" cap="none" normalizeH="0" baseline="0" dirty="0" err="1">
+                <a:ln>
+                  <a:noFill/>
+                </a:ln>
+                <a:effectLst/>
+              </a:rPr>
+              <a:t>sistema</a:t>
+            </a:r>
+            <a:r>
+              <a:rPr kumimoji="0" lang="en-US" altLang="it-IT" sz="2200" strike="noStrike" cap="none" normalizeH="0" baseline="0" dirty="0">
+                <a:ln>
+                  <a:noFill/>
+                </a:ln>
+                <a:effectLst/>
+              </a:rPr>
+              <a:t> è </a:t>
+            </a:r>
+            <a:r>
+              <a:rPr kumimoji="0" lang="en-US" altLang="it-IT" sz="2200" strike="noStrike" cap="none" normalizeH="0" baseline="0" dirty="0" err="1">
+                <a:ln>
+                  <a:noFill/>
+                </a:ln>
+                <a:effectLst/>
+              </a:rPr>
+              <a:t>completamente</a:t>
+            </a:r>
+            <a:r>
+              <a:rPr kumimoji="0" lang="en-US" altLang="it-IT" sz="2200" strike="noStrike" cap="none" normalizeH="0" baseline="0" dirty="0">
+                <a:ln>
+                  <a:noFill/>
+                </a:ln>
+                <a:effectLst/>
+              </a:rPr>
+              <a:t> </a:t>
+            </a:r>
+            <a:r>
+              <a:rPr kumimoji="0" lang="en-US" altLang="it-IT" sz="2200" strike="noStrike" cap="none" normalizeH="0" baseline="0" dirty="0" err="1">
+                <a:ln>
+                  <a:noFill/>
+                </a:ln>
+                <a:effectLst/>
+              </a:rPr>
+              <a:t>controllabile</a:t>
+            </a:r>
+            <a:r>
+              <a:rPr kumimoji="0" lang="en-US" altLang="it-IT" sz="2200" strike="noStrike" cap="none" normalizeH="0" baseline="0" dirty="0">
+                <a:ln>
+                  <a:noFill/>
+                </a:ln>
+                <a:effectLst/>
+              </a:rPr>
+              <a:t> in </a:t>
+            </a:r>
+            <a:r>
+              <a:rPr kumimoji="0" lang="en-US" altLang="it-IT" sz="2200" strike="noStrike" cap="none" normalizeH="0" baseline="0" dirty="0" err="1">
+                <a:ln>
+                  <a:noFill/>
+                </a:ln>
+                <a:effectLst/>
+              </a:rPr>
+              <a:t>entrambe</a:t>
+            </a:r>
+            <a:r>
+              <a:rPr kumimoji="0" lang="en-US" altLang="it-IT" sz="2200" strike="noStrike" cap="none" normalizeH="0" baseline="0" dirty="0">
+                <a:ln>
+                  <a:noFill/>
+                </a:ln>
+                <a:effectLst/>
+              </a:rPr>
+              <a:t> le </a:t>
+            </a:r>
+            <a:r>
+              <a:rPr kumimoji="0" lang="en-US" altLang="it-IT" sz="2200" strike="noStrike" cap="none" normalizeH="0" baseline="0" dirty="0" err="1">
+                <a:ln>
+                  <a:noFill/>
+                </a:ln>
+                <a:effectLst/>
+              </a:rPr>
+              <a:t>versioni</a:t>
+            </a:r>
+            <a:r>
+              <a:rPr kumimoji="0" lang="en-US" altLang="it-IT" sz="2200" strike="noStrike" cap="none" normalizeH="0" baseline="0" dirty="0">
+                <a:ln>
+                  <a:noFill/>
+                </a:ln>
+                <a:effectLst/>
+              </a:rPr>
+              <a:t>.</a:t>
+            </a:r>
+            <a:br>
+              <a:rPr kumimoji="0" lang="en-US" altLang="it-IT" sz="2200" strike="noStrike" cap="none" normalizeH="0" baseline="0" dirty="0">
+                <a:ln>
+                  <a:noFill/>
+                </a:ln>
+                <a:effectLst/>
+              </a:rPr>
+            </a:br>
+            <a:r>
+              <a:rPr kumimoji="0" lang="en-US" altLang="it-IT" sz="2200" strike="noStrike" cap="none" normalizeH="0" baseline="0" dirty="0">
+                <a:ln>
+                  <a:noFill/>
+                </a:ln>
+                <a:effectLst/>
+              </a:rPr>
+              <a:t>Questa </a:t>
+            </a:r>
+            <a:r>
+              <a:rPr kumimoji="0" lang="en-US" altLang="it-IT" sz="2200" strike="noStrike" cap="none" normalizeH="0" baseline="0" dirty="0" err="1">
+                <a:ln>
+                  <a:noFill/>
+                </a:ln>
+                <a:effectLst/>
+              </a:rPr>
+              <a:t>proprietà</a:t>
+            </a:r>
+            <a:r>
+              <a:rPr kumimoji="0" lang="en-US" altLang="it-IT" sz="2200" strike="noStrike" cap="none" normalizeH="0" baseline="0" dirty="0">
+                <a:ln>
+                  <a:noFill/>
+                </a:ln>
+                <a:effectLst/>
+              </a:rPr>
+              <a:t> è </a:t>
+            </a:r>
+            <a:r>
+              <a:rPr kumimoji="0" lang="en-US" altLang="it-IT" sz="2200" strike="noStrike" cap="none" normalizeH="0" baseline="0" dirty="0" err="1">
+                <a:ln>
+                  <a:noFill/>
+                </a:ln>
+                <a:effectLst/>
+              </a:rPr>
+              <a:t>essenziale</a:t>
+            </a:r>
+            <a:r>
+              <a:rPr kumimoji="0" lang="en-US" altLang="it-IT" sz="2200" strike="noStrike" cap="none" normalizeH="0" baseline="0" dirty="0">
+                <a:ln>
+                  <a:noFill/>
+                </a:ln>
+                <a:effectLst/>
+              </a:rPr>
+              <a:t> per </a:t>
+            </a:r>
+            <a:r>
+              <a:rPr kumimoji="0" lang="en-US" altLang="it-IT" sz="2200" strike="noStrike" cap="none" normalizeH="0" baseline="0" dirty="0" err="1">
+                <a:ln>
+                  <a:noFill/>
+                </a:ln>
+                <a:effectLst/>
+              </a:rPr>
+              <a:t>garantire</a:t>
+            </a:r>
+            <a:r>
+              <a:rPr kumimoji="0" lang="en-US" altLang="it-IT" sz="2200" strike="noStrike" cap="none" normalizeH="0" baseline="0" dirty="0">
+                <a:ln>
+                  <a:noFill/>
+                </a:ln>
+                <a:effectLst/>
+              </a:rPr>
+              <a:t> </a:t>
+            </a:r>
+            <a:r>
+              <a:rPr kumimoji="0" lang="en-US" altLang="it-IT" sz="2200" strike="noStrike" cap="none" normalizeH="0" baseline="0" dirty="0" err="1">
+                <a:ln>
+                  <a:noFill/>
+                </a:ln>
+                <a:effectLst/>
+              </a:rPr>
+              <a:t>l'efficacia</a:t>
+            </a:r>
+            <a:r>
+              <a:rPr kumimoji="0" lang="en-US" altLang="it-IT" sz="2200" strike="noStrike" cap="none" normalizeH="0" baseline="0" dirty="0">
+                <a:ln>
+                  <a:noFill/>
+                </a:ln>
+                <a:effectLst/>
+              </a:rPr>
+              <a:t> </a:t>
+            </a:r>
+            <a:r>
+              <a:rPr kumimoji="0" lang="en-US" altLang="it-IT" sz="2200" strike="noStrike" cap="none" normalizeH="0" baseline="0" dirty="0" err="1">
+                <a:ln>
+                  <a:noFill/>
+                </a:ln>
+                <a:effectLst/>
+              </a:rPr>
+              <a:t>dell’MPC</a:t>
+            </a:r>
+            <a:r>
+              <a:rPr kumimoji="0" lang="en-US" altLang="it-IT" sz="2200" strike="noStrike" cap="none" normalizeH="0" baseline="0" dirty="0">
+                <a:ln>
+                  <a:noFill/>
+                </a:ln>
+                <a:effectLst/>
+              </a:rPr>
+              <a:t>: senza </a:t>
+            </a:r>
+            <a:r>
+              <a:rPr kumimoji="0" lang="en-US" altLang="it-IT" sz="2200" strike="noStrike" cap="none" normalizeH="0" baseline="0" dirty="0" err="1">
+                <a:ln>
+                  <a:noFill/>
+                </a:ln>
+                <a:effectLst/>
+              </a:rPr>
+              <a:t>controllabilità</a:t>
+            </a:r>
+            <a:r>
+              <a:rPr kumimoji="0" lang="en-US" altLang="it-IT" sz="2200" strike="noStrike" cap="none" normalizeH="0" baseline="0" dirty="0">
+                <a:ln>
+                  <a:noFill/>
+                </a:ln>
+                <a:effectLst/>
+              </a:rPr>
+              <a:t>, </a:t>
+            </a:r>
+            <a:r>
+              <a:rPr kumimoji="0" lang="en-US" altLang="it-IT" sz="2200" strike="noStrike" cap="none" normalizeH="0" baseline="0" dirty="0" err="1">
+                <a:ln>
+                  <a:noFill/>
+                </a:ln>
+                <a:effectLst/>
+              </a:rPr>
+              <a:t>alcuni</a:t>
+            </a:r>
+            <a:r>
+              <a:rPr kumimoji="0" lang="en-US" altLang="it-IT" sz="2200" strike="noStrike" cap="none" normalizeH="0" baseline="0" dirty="0">
+                <a:ln>
+                  <a:noFill/>
+                </a:ln>
+                <a:effectLst/>
+              </a:rPr>
+              <a:t> </a:t>
+            </a:r>
+            <a:r>
+              <a:rPr kumimoji="0" lang="en-US" altLang="it-IT" sz="2200" strike="noStrike" cap="none" normalizeH="0" baseline="0" dirty="0" err="1">
+                <a:ln>
+                  <a:noFill/>
+                </a:ln>
+                <a:effectLst/>
+              </a:rPr>
+              <a:t>stati</a:t>
+            </a:r>
+            <a:r>
+              <a:rPr kumimoji="0" lang="en-US" altLang="it-IT" sz="2200" strike="noStrike" cap="none" normalizeH="0" baseline="0" dirty="0">
+                <a:ln>
+                  <a:noFill/>
+                </a:ln>
+                <a:effectLst/>
+              </a:rPr>
+              <a:t> non </a:t>
+            </a:r>
+            <a:r>
+              <a:rPr kumimoji="0" lang="en-US" altLang="it-IT" sz="2200" strike="noStrike" cap="none" normalizeH="0" baseline="0" dirty="0" err="1">
+                <a:ln>
+                  <a:noFill/>
+                </a:ln>
+                <a:effectLst/>
+              </a:rPr>
+              <a:t>potrebbero</a:t>
+            </a:r>
+            <a:r>
+              <a:rPr kumimoji="0" lang="en-US" altLang="it-IT" sz="2200" strike="noStrike" cap="none" normalizeH="0" baseline="0" dirty="0">
+                <a:ln>
+                  <a:noFill/>
+                </a:ln>
+                <a:effectLst/>
+              </a:rPr>
+              <a:t> </a:t>
+            </a:r>
+            <a:r>
+              <a:rPr kumimoji="0" lang="en-US" altLang="it-IT" sz="2200" strike="noStrike" cap="none" normalizeH="0" baseline="0" dirty="0" err="1">
+                <a:ln>
+                  <a:noFill/>
+                </a:ln>
+                <a:effectLst/>
+              </a:rPr>
+              <a:t>mai</a:t>
+            </a:r>
+            <a:r>
+              <a:rPr kumimoji="0" lang="en-US" altLang="it-IT" sz="2200" strike="noStrike" cap="none" normalizeH="0" baseline="0" dirty="0">
+                <a:ln>
+                  <a:noFill/>
+                </a:ln>
+                <a:effectLst/>
+              </a:rPr>
+              <a:t> </a:t>
+            </a:r>
+            <a:r>
+              <a:rPr kumimoji="0" lang="en-US" altLang="it-IT" sz="2200" strike="noStrike" cap="none" normalizeH="0" baseline="0" dirty="0" err="1">
+                <a:ln>
+                  <a:noFill/>
+                </a:ln>
+                <a:effectLst/>
+              </a:rPr>
+              <a:t>essere</a:t>
+            </a:r>
+            <a:r>
+              <a:rPr kumimoji="0" lang="en-US" altLang="it-IT" sz="2200" strike="noStrike" cap="none" normalizeH="0" baseline="0" dirty="0">
+                <a:ln>
+                  <a:noFill/>
+                </a:ln>
+                <a:effectLst/>
+              </a:rPr>
+              <a:t> </a:t>
+            </a:r>
+            <a:r>
+              <a:rPr kumimoji="0" lang="en-US" altLang="it-IT" sz="2200" strike="noStrike" cap="none" normalizeH="0" baseline="0" dirty="0" err="1">
+                <a:ln>
+                  <a:noFill/>
+                </a:ln>
+                <a:effectLst/>
+              </a:rPr>
+              <a:t>gestiti</a:t>
+            </a:r>
+            <a:r>
+              <a:rPr kumimoji="0" lang="en-US" altLang="it-IT" sz="2200" strike="noStrike" cap="none" normalizeH="0" baseline="0" dirty="0">
+                <a:ln>
+                  <a:noFill/>
+                </a:ln>
+                <a:effectLst/>
+              </a:rPr>
+              <a:t> dal </a:t>
+            </a:r>
+            <a:r>
+              <a:rPr kumimoji="0" lang="en-US" altLang="it-IT" sz="2200" strike="noStrike" cap="none" normalizeH="0" baseline="0" dirty="0" err="1">
+                <a:ln>
+                  <a:noFill/>
+                </a:ln>
+                <a:effectLst/>
+              </a:rPr>
+              <a:t>controllore</a:t>
+            </a:r>
+            <a:r>
+              <a:rPr kumimoji="0" lang="en-US" altLang="it-IT" sz="2200" strike="noStrike" cap="none" normalizeH="0" baseline="0" dirty="0">
+                <a:ln>
+                  <a:noFill/>
+                </a:ln>
+                <a:effectLst/>
+              </a:rPr>
+              <a:t>.</a:t>
+            </a:r>
+          </a:p>
+        </p:txBody>
+      </p:sp>
+      <p:sp>
+        <p:nvSpPr>
+          <p:cNvPr id="7" name="Segnaposto piè di pagina 6">
+            <a:extLst>
+              <a:ext uri="{FF2B5EF4-FFF2-40B4-BE49-F238E27FC236}">
+                <a16:creationId xmlns:a16="http://schemas.microsoft.com/office/drawing/2014/main" id="{1B67430B-C61A-03CF-191D-15B7B61FAA31}"/>
+              </a:ext>
+            </a:extLst>
+          </p:cNvPr>
+          <p:cNvSpPr>
+            <a:spLocks noGrp="1"/>
+          </p:cNvSpPr>
+          <p:nvPr>
+            <p:ph type="ftr" sz="quarter" idx="11"/>
+          </p:nvPr>
+        </p:nvSpPr>
+        <p:spPr>
+          <a:xfrm>
+            <a:off x="4038600" y="6356350"/>
+            <a:ext cx="4114800" cy="365125"/>
+          </a:xfrm>
+        </p:spPr>
+        <p:txBody>
+          <a:bodyPr vert="horz" lIns="91440" tIns="45720" rIns="91440" bIns="45720" rtlCol="0" anchor="ctr">
+            <a:normAutofit/>
+          </a:bodyPr>
+          <a:lstStyle/>
+          <a:p>
+            <a:pPr>
+              <a:spcAft>
+                <a:spcPts val="600"/>
+              </a:spcAft>
+            </a:pPr>
+            <a:r>
+              <a:rPr lang="en-US" kern="1200">
+                <a:solidFill>
+                  <a:schemeClr val="tx1">
+                    <a:lumMod val="50000"/>
+                    <a:lumOff val="50000"/>
+                  </a:schemeClr>
+                </a:solidFill>
+                <a:latin typeface="+mn-lt"/>
+                <a:ea typeface="+mn-ea"/>
+                <a:cs typeface="+mn-cs"/>
+              </a:rPr>
+              <a:t>Davide Brambilla [1080752], Giorgio Passarella[1079287]</a:t>
+            </a:r>
+          </a:p>
+        </p:txBody>
+      </p:sp>
+      <p:pic>
+        <p:nvPicPr>
+          <p:cNvPr id="5" name="Segnaposto contenuto 4">
+            <a:extLst>
+              <a:ext uri="{FF2B5EF4-FFF2-40B4-BE49-F238E27FC236}">
+                <a16:creationId xmlns:a16="http://schemas.microsoft.com/office/drawing/2014/main" id="{3F8DBC3B-3753-523A-91E2-79DAD9C51830}"/>
+              </a:ext>
+            </a:extLst>
+          </p:cNvPr>
+          <p:cNvPicPr>
+            <a:picLocks noGrp="1" noChangeAspect="1"/>
+          </p:cNvPicPr>
+          <p:nvPr>
+            <p:ph idx="1"/>
+          </p:nvPr>
+        </p:nvPicPr>
+        <p:blipFill>
+          <a:blip r:embed="rId2"/>
+          <a:stretch>
+            <a:fillRect/>
+          </a:stretch>
+        </p:blipFill>
+        <p:spPr>
+          <a:xfrm>
+            <a:off x="4038600" y="4768850"/>
+            <a:ext cx="4048180" cy="859790"/>
+          </a:xfrm>
+          <a:prstGeom prst="rect">
+            <a:avLst/>
+          </a:prstGeom>
+        </p:spPr>
+      </p:pic>
+    </p:spTree>
+    <p:extLst>
+      <p:ext uri="{BB962C8B-B14F-4D97-AF65-F5344CB8AC3E}">
+        <p14:creationId xmlns:p14="http://schemas.microsoft.com/office/powerpoint/2010/main" val="714073648"/>
+      </p:ext>
+    </p:extLst>
+  </p:cSld>
+  <p:clrMapOvr>
+    <a:masterClrMapping/>
+  </p:clrMapOvr>
+</p:sld>
+</file>
+
+<file path=ppt/slides/slide11.xml><?xml version="1.0" encoding="utf-8"?>
+<p:sld xmlns:a="http://schemas.openxmlformats.org/drawingml/2006/main" xmlns:r="http://schemas.openxmlformats.org/officeDocument/2006/relationships" xmlns:p="http://schemas.openxmlformats.org/presentationml/2006/main">
+  <p:cSld>
+    <p:bg>
+      <p:bgPr>
+        <a:solidFill>
+          <a:schemeClr val="bg1"/>
+        </a:solidFill>
+        <a:effectLst/>
+      </p:bgPr>
+    </p:bg>
+    <p:spTree>
+      <p:nvGrpSpPr>
         <p:cNvPr id="1" name=""/>
         <p:cNvGrpSpPr/>
         <p:nvPr/>
@@ -4462,8 +5793,8 @@
           </a:p>
         </p:txBody>
       </p:sp>
-      <mc:AlternateContent xmlns:mc="http://schemas.openxmlformats.org/markup-compatibility/2006">
-        <mc:Choice xmlns:a14="http://schemas.microsoft.com/office/drawing/2010/main" Requires="a14">
+      <mc:AlternateContent xmlns:mc="http://schemas.openxmlformats.org/markup-compatibility/2006" xmlns:a14="http://schemas.microsoft.com/office/drawing/2010/main">
+        <mc:Choice Requires="a14">
           <p:sp>
             <p:nvSpPr>
               <p:cNvPr id="7" name="CasellaDiTesto 6">
@@ -4505,8 +5836,136 @@
                   <a:buChar char="•"/>
                 </a:pPr>
                 <a:r>
-                  <a:rPr lang="en-US" altLang="it-IT" sz="1400"/>
-                  <a:t>Sono stati specificati gli intervalli ammissibili per i livelli dell’acqua nei serbatoi (compresi tra 0.5 cm e 20 cm) e per le tensioni di controllo delle pompe (tra 0 V e 4.5 V).</a:t>
+                  <a:rPr lang="en-US" altLang="it-IT" sz="1400" dirty="0"/>
+                  <a:t>Sono </a:t>
+                </a:r>
+                <a:r>
+                  <a:rPr lang="en-US" altLang="it-IT" sz="1400" dirty="0" err="1"/>
+                  <a:t>stati</a:t>
+                </a:r>
+                <a:r>
+                  <a:rPr lang="en-US" altLang="it-IT" sz="1400" dirty="0"/>
+                  <a:t> </a:t>
+                </a:r>
+                <a:r>
+                  <a:rPr lang="en-US" altLang="it-IT" sz="1400" dirty="0" err="1"/>
+                  <a:t>specificati</a:t>
+                </a:r>
+                <a:r>
+                  <a:rPr lang="en-US" altLang="it-IT" sz="1400" dirty="0"/>
+                  <a:t> </a:t>
+                </a:r>
+                <a:r>
+                  <a:rPr lang="en-US" altLang="it-IT" sz="1400" dirty="0" err="1"/>
+                  <a:t>gli</a:t>
+                </a:r>
+                <a:r>
+                  <a:rPr lang="en-US" altLang="it-IT" sz="1400" dirty="0"/>
+                  <a:t> intervalli </a:t>
+                </a:r>
+                <a:r>
+                  <a:rPr lang="en-US" altLang="it-IT" sz="1400" dirty="0" err="1"/>
+                  <a:t>ammissibili</a:t>
+                </a:r>
+                <a:r>
+                  <a:rPr lang="en-US" altLang="it-IT" sz="1400" dirty="0"/>
+                  <a:t> per </a:t>
+                </a:r>
+                <a:r>
+                  <a:rPr lang="en-US" altLang="it-IT" sz="1400" dirty="0" err="1"/>
+                  <a:t>i</a:t>
+                </a:r>
+                <a:r>
+                  <a:rPr lang="en-US" altLang="it-IT" sz="1400" dirty="0"/>
+                  <a:t> </a:t>
+                </a:r>
+                <a:r>
+                  <a:rPr lang="en-US" altLang="it-IT" sz="1400" dirty="0" err="1"/>
+                  <a:t>livelli</a:t>
+                </a:r>
+                <a:r>
+                  <a:rPr lang="en-US" altLang="it-IT" sz="1400" dirty="0"/>
+                  <a:t> </a:t>
+                </a:r>
+                <a:r>
+                  <a:rPr lang="en-US" altLang="it-IT" sz="1400" dirty="0" err="1"/>
+                  <a:t>dell’acqua</a:t>
+                </a:r>
+                <a:r>
+                  <a:rPr lang="en-US" altLang="it-IT" sz="1400" dirty="0"/>
+                  <a:t> </a:t>
+                </a:r>
+                <a:r>
+                  <a:rPr lang="en-US" altLang="it-IT" sz="1400" dirty="0" err="1"/>
+                  <a:t>nei</a:t>
+                </a:r>
+                <a:r>
+                  <a:rPr lang="en-US" altLang="it-IT" sz="1400" dirty="0"/>
+                  <a:t> </a:t>
+                </a:r>
+                <a:r>
+                  <a:rPr lang="en-US" altLang="it-IT" sz="1400" dirty="0" err="1"/>
+                  <a:t>serbatoi</a:t>
+                </a:r>
+                <a:r>
+                  <a:rPr lang="en-US" altLang="it-IT" sz="1400" dirty="0"/>
+                  <a:t> (</a:t>
+                </a:r>
+                <a:r>
+                  <a:rPr lang="en-US" altLang="it-IT" sz="1400" dirty="0" err="1"/>
+                  <a:t>compresi</a:t>
+                </a:r>
+                <a:r>
+                  <a:rPr lang="en-US" altLang="it-IT" sz="1400" dirty="0"/>
+                  <a:t> </a:t>
+                </a:r>
+                <a:r>
+                  <a:rPr lang="en-US" altLang="it-IT" sz="1400" dirty="0" err="1"/>
+                  <a:t>tra</a:t>
+                </a:r>
+                <a:r>
+                  <a:rPr lang="en-US" altLang="it-IT" sz="1400" dirty="0"/>
+                  <a:t> 0.5 cm e 20 cm) e per le </a:t>
+                </a:r>
+                <a:r>
+                  <a:rPr lang="en-US" altLang="it-IT" sz="1400" dirty="0" err="1"/>
+                  <a:t>tensioni</a:t>
+                </a:r>
+                <a:r>
+                  <a:rPr lang="en-US" altLang="it-IT" sz="1400" dirty="0"/>
+                  <a:t> di </a:t>
+                </a:r>
+                <a:r>
+                  <a:rPr lang="en-US" altLang="it-IT" sz="1400" dirty="0" err="1"/>
+                  <a:t>controllo</a:t>
+                </a:r>
+                <a:r>
+                  <a:rPr lang="en-US" altLang="it-IT" sz="1400" dirty="0"/>
+                  <a:t> </a:t>
+                </a:r>
+                <a:r>
+                  <a:rPr lang="en-US" altLang="it-IT" sz="1400" dirty="0" err="1"/>
+                  <a:t>delle</a:t>
+                </a:r>
+                <a:r>
+                  <a:rPr lang="en-US" altLang="it-IT" sz="1400" dirty="0"/>
+                  <a:t> </a:t>
+                </a:r>
+                <a:r>
+                  <a:rPr lang="en-US" altLang="it-IT" sz="1400" dirty="0" err="1"/>
+                  <a:t>pompe</a:t>
+                </a:r>
+                <a:r>
+                  <a:rPr lang="en-US" altLang="it-IT" sz="1400" dirty="0"/>
+                  <a:t> (</a:t>
+                </a:r>
+                <a:r>
+                  <a:rPr lang="en-US" altLang="it-IT" sz="1400" dirty="0" err="1"/>
+                  <a:t>tra</a:t>
+                </a:r>
+                <a:r>
+                  <a:rPr lang="en-US" altLang="it-IT" sz="1400" dirty="0"/>
+                  <a:t> 0 V e 4.5 V).</a:t>
                 </a:r>
               </a:p>
               <a:p>
@@ -4524,8 +5983,84 @@
                   <a:buChar char="•"/>
                 </a:pPr>
                 <a:r>
-                  <a:rPr lang="en-US" altLang="it-IT" sz="1400"/>
-                  <a:t>Successivamente, sono stati costruiti  i vettori dei limiti superiori e inferiori (</a:t>
+                  <a:rPr lang="en-US" altLang="it-IT" sz="1400" dirty="0" err="1"/>
+                  <a:t>Successivamente</a:t>
+                </a:r>
+                <a:r>
+                  <a:rPr lang="en-US" altLang="it-IT" sz="1400" dirty="0"/>
+                  <a:t>, </a:t>
+                </a:r>
+                <a:r>
+                  <a:rPr lang="en-US" altLang="it-IT" sz="1400" dirty="0" err="1"/>
+                  <a:t>sono</a:t>
+                </a:r>
+                <a:r>
+                  <a:rPr lang="en-US" altLang="it-IT" sz="1400" dirty="0"/>
+                  <a:t> </a:t>
+                </a:r>
+                <a:r>
+                  <a:rPr lang="en-US" altLang="it-IT" sz="1400" dirty="0" err="1"/>
+                  <a:t>stati</a:t>
+                </a:r>
+                <a:r>
+                  <a:rPr lang="en-US" altLang="it-IT" sz="1400" dirty="0"/>
+                  <a:t> </a:t>
+                </a:r>
+                <a:r>
+                  <a:rPr lang="en-US" altLang="it-IT" sz="1400" dirty="0" err="1"/>
+                  <a:t>costruiti</a:t>
+                </a:r>
+                <a:r>
+                  <a:rPr lang="en-US" altLang="it-IT" sz="1400" dirty="0"/>
+                  <a:t>  </a:t>
+                </a:r>
+                <a:r>
+                  <a:rPr lang="en-US" altLang="it-IT" sz="1400" dirty="0" err="1"/>
+                  <a:t>i</a:t>
+                </a:r>
+                <a:r>
+                  <a:rPr lang="en-US" altLang="it-IT" sz="1400" dirty="0"/>
+                  <a:t> </a:t>
+                </a:r>
+                <a:r>
+                  <a:rPr lang="en-US" altLang="it-IT" sz="1400" dirty="0" err="1"/>
+                  <a:t>vettori</a:t>
+                </a:r>
+                <a:r>
+                  <a:rPr lang="en-US" altLang="it-IT" sz="1400" dirty="0"/>
+                  <a:t> </a:t>
+                </a:r>
+                <a:r>
+                  <a:rPr lang="en-US" altLang="it-IT" sz="1400" dirty="0" err="1"/>
+                  <a:t>dei</a:t>
+                </a:r>
+                <a:r>
+                  <a:rPr lang="en-US" altLang="it-IT" sz="1400" dirty="0"/>
+                  <a:t> </a:t>
+                </a:r>
+                <a:r>
+                  <a:rPr lang="en-US" altLang="it-IT" sz="1400" dirty="0" err="1"/>
+                  <a:t>limiti</a:t>
+                </a:r>
+                <a:r>
+                  <a:rPr lang="en-US" altLang="it-IT" sz="1400" dirty="0"/>
+                  <a:t> </a:t>
+                </a:r>
+                <a:r>
+                  <a:rPr lang="en-US" altLang="it-IT" sz="1400" dirty="0" err="1"/>
+                  <a:t>superiori</a:t>
+                </a:r>
+                <a:r>
+                  <a:rPr lang="en-US" altLang="it-IT" sz="1400" dirty="0"/>
+                  <a:t> e </a:t>
+                </a:r>
+                <a:r>
+                  <a:rPr lang="en-US" altLang="it-IT" sz="1400" dirty="0" err="1"/>
+                  <a:t>inferiori</a:t>
+                </a:r>
+                <a:r>
+                  <a:rPr lang="en-US" altLang="it-IT" sz="1400" dirty="0"/>
+                  <a:t> (</a:t>
                 </a:r>
                 <a14:m>
                   <m:oMath xmlns:m="http://schemas.openxmlformats.org/officeDocument/2006/math">
@@ -4594,7 +6129,7 @@
                   </m:oMath>
                 </a14:m>
                 <a:r>
-                  <a:rPr lang="en-US" altLang="it-IT" sz="1400"/>
+                  <a:rPr lang="en-US" altLang="it-IT" sz="1400" dirty="0"/>
                   <a:t> </a:t>
                 </a:r>
                 <a14:m>
@@ -4633,7 +6168,7 @@
                   </m:oMath>
                 </a14:m>
                 <a:r>
-                  <a:rPr lang="en-US" altLang="it-IT" sz="1400"/>
+                  <a:rPr lang="en-US" altLang="it-IT" sz="1400" dirty="0"/>
                   <a:t> </a:t>
                 </a:r>
                 <a14:m>
@@ -4672,8 +6207,64 @@
                   </m:oMath>
                 </a14:m>
                 <a:r>
-                  <a:rPr lang="en-US" altLang="it-IT" sz="1400"/>
-                  <a:t>) e li abbiamo organizzati in una struttura compatibile con la formulazione dell’MPC.</a:t>
+                  <a:rPr lang="en-US" altLang="it-IT" sz="1400" dirty="0"/>
+                  <a:t>) e li </a:t>
+                </a:r>
+                <a:r>
+                  <a:rPr lang="en-US" altLang="it-IT" sz="1400" dirty="0" err="1"/>
+                  <a:t>abbiamo</a:t>
+                </a:r>
+                <a:r>
+                  <a:rPr lang="en-US" altLang="it-IT" sz="1400" dirty="0"/>
+                  <a:t> </a:t>
+                </a:r>
+                <a:r>
+                  <a:rPr lang="en-US" altLang="it-IT" sz="1400" dirty="0" err="1"/>
+                  <a:t>organizzati</a:t>
+                </a:r>
+                <a:r>
+                  <a:rPr lang="en-US" altLang="it-IT" sz="1400" dirty="0"/>
+                  <a:t> in </a:t>
+                </a:r>
+                <a:r>
+                  <a:rPr lang="en-US" altLang="it-IT" sz="1400" dirty="0" err="1"/>
+                  <a:t>una</a:t>
+                </a:r>
+                <a:r>
+                  <a:rPr lang="en-US" altLang="it-IT" sz="1400" dirty="0"/>
+                  <a:t> </a:t>
+                </a:r>
+                <a:r>
+                  <a:rPr lang="en-US" altLang="it-IT" sz="1400" dirty="0" err="1"/>
+                  <a:t>struttura</a:t>
+                </a:r>
+                <a:r>
+                  <a:rPr lang="en-US" altLang="it-IT" sz="1400" dirty="0"/>
+                  <a:t> </a:t>
+                </a:r>
+                <a:r>
+                  <a:rPr lang="en-US" altLang="it-IT" sz="1400" dirty="0" err="1"/>
+                  <a:t>compatibile</a:t>
+                </a:r>
+                <a:r>
+                  <a:rPr lang="en-US" altLang="it-IT" sz="1400" dirty="0"/>
+                  <a:t> con la </a:t>
+                </a:r>
+                <a:r>
+                  <a:rPr lang="en-US" altLang="it-IT" sz="1400" dirty="0" err="1"/>
+                  <a:t>formulazione</a:t>
+                </a:r>
+                <a:r>
+                  <a:rPr lang="en-US" altLang="it-IT" sz="1400" dirty="0"/>
+                  <a:t> </a:t>
+                </a:r>
+                <a:r>
+                  <a:rPr lang="en-US" altLang="it-IT" sz="1400" dirty="0" err="1"/>
+                  <a:t>dell’MPC</a:t>
+                </a:r>
+                <a:r>
+                  <a:rPr lang="en-US" altLang="it-IT" sz="1400" dirty="0"/>
+                  <a:t>.</a:t>
                 </a:r>
               </a:p>
               <a:p>
@@ -4691,8 +6282,112 @@
                   <a:buChar char="•"/>
                 </a:pPr>
                 <a:r>
-                  <a:rPr lang="en-US" altLang="it-IT" sz="1400"/>
-                  <a:t>Per integrare correttamente questi vincoli nel modello linearizzato, li abbiamo centrati rispetto al punto di equilibrio sottraendo lo stato di riferimento (</a:t>
+                  <a:rPr lang="en-US" altLang="it-IT" sz="1400" dirty="0"/>
+                  <a:t>Per </a:t>
+                </a:r>
+                <a:r>
+                  <a:rPr lang="en-US" altLang="it-IT" sz="1400" dirty="0" err="1"/>
+                  <a:t>integrare</a:t>
+                </a:r>
+                <a:r>
+                  <a:rPr lang="en-US" altLang="it-IT" sz="1400" dirty="0"/>
+                  <a:t> </a:t>
+                </a:r>
+                <a:r>
+                  <a:rPr lang="en-US" altLang="it-IT" sz="1400" dirty="0" err="1"/>
+                  <a:t>correttamente</a:t>
+                </a:r>
+                <a:r>
+                  <a:rPr lang="en-US" altLang="it-IT" sz="1400" dirty="0"/>
+                  <a:t> </a:t>
+                </a:r>
+                <a:r>
+                  <a:rPr lang="en-US" altLang="it-IT" sz="1400" dirty="0" err="1"/>
+                  <a:t>questi</a:t>
+                </a:r>
+                <a:r>
+                  <a:rPr lang="en-US" altLang="it-IT" sz="1400" dirty="0"/>
+                  <a:t> </a:t>
+                </a:r>
+                <a:r>
+                  <a:rPr lang="en-US" altLang="it-IT" sz="1400" dirty="0" err="1"/>
+                  <a:t>vincoli</a:t>
+                </a:r>
+                <a:r>
+                  <a:rPr lang="en-US" altLang="it-IT" sz="1400" dirty="0"/>
+                  <a:t> </a:t>
+                </a:r>
+                <a:r>
+                  <a:rPr lang="en-US" altLang="it-IT" sz="1400" dirty="0" err="1"/>
+                  <a:t>nel</a:t>
+                </a:r>
+                <a:r>
+                  <a:rPr lang="en-US" altLang="it-IT" sz="1400" dirty="0"/>
+                  <a:t> </a:t>
+                </a:r>
+                <a:r>
+                  <a:rPr lang="en-US" altLang="it-IT" sz="1400" dirty="0" err="1"/>
+                  <a:t>modello</a:t>
+                </a:r>
+                <a:r>
+                  <a:rPr lang="en-US" altLang="it-IT" sz="1400" dirty="0"/>
+                  <a:t> </a:t>
+                </a:r>
+                <a:r>
+                  <a:rPr lang="en-US" altLang="it-IT" sz="1400" dirty="0" err="1"/>
+                  <a:t>linearizzato</a:t>
+                </a:r>
+                <a:r>
+                  <a:rPr lang="en-US" altLang="it-IT" sz="1400" dirty="0"/>
+                  <a:t>, li </a:t>
+                </a:r>
+                <a:r>
+                  <a:rPr lang="en-US" altLang="it-IT" sz="1400" dirty="0" err="1"/>
+                  <a:t>abbiamo</a:t>
+                </a:r>
+                <a:r>
+                  <a:rPr lang="en-US" altLang="it-IT" sz="1400" dirty="0"/>
+                  <a:t> </a:t>
+                </a:r>
+                <a:r>
+                  <a:rPr lang="en-US" altLang="it-IT" sz="1400" dirty="0" err="1"/>
+                  <a:t>centrati</a:t>
+                </a:r>
+                <a:r>
+                  <a:rPr lang="en-US" altLang="it-IT" sz="1400" dirty="0"/>
+                  <a:t> rispetto al punto di </a:t>
+                </a:r>
+                <a:r>
+                  <a:rPr lang="en-US" altLang="it-IT" sz="1400" dirty="0" err="1"/>
+                  <a:t>equilibrio</a:t>
+                </a:r>
+                <a:r>
+                  <a:rPr lang="en-US" altLang="it-IT" sz="1400" dirty="0"/>
+                  <a:t> </a:t>
+                </a:r>
+                <a:r>
+                  <a:rPr lang="en-US" altLang="it-IT" sz="1400" dirty="0" err="1"/>
+                  <a:t>sottraendo</a:t>
+                </a:r>
+                <a:r>
+                  <a:rPr lang="en-US" altLang="it-IT" sz="1400" dirty="0"/>
+                  <a:t> lo </a:t>
+                </a:r>
+                <a:r>
+                  <a:rPr lang="en-US" altLang="it-IT" sz="1400" dirty="0" err="1"/>
+                  <a:t>stato</a:t>
+                </a:r>
+                <a:r>
+                  <a:rPr lang="en-US" altLang="it-IT" sz="1400" dirty="0"/>
+                  <a:t> di </a:t>
+                </a:r>
+                <a:r>
+                  <a:rPr lang="en-US" altLang="it-IT" sz="1400" dirty="0" err="1"/>
+                  <a:t>riferimento</a:t>
+                </a:r>
+                <a:r>
+                  <a:rPr lang="en-US" altLang="it-IT" sz="1400" dirty="0"/>
+                  <a:t> (</a:t>
                 </a:r>
                 <a14:m>
                   <m:oMath xmlns:m="http://schemas.openxmlformats.org/officeDocument/2006/math">
@@ -4730,8 +6425,24 @@
                   </m:oMath>
                 </a14:m>
                 <a:r>
-                  <a:rPr lang="en-US" altLang="it-IT" sz="1400"/>
-                  <a:t>) e il controllo di equilibrio (</a:t>
+                  <a:rPr lang="en-US" altLang="it-IT" sz="1400" dirty="0"/>
+                  <a:t>) e il </a:t>
+                </a:r>
+                <a:r>
+                  <a:rPr lang="en-US" altLang="it-IT" sz="1400" dirty="0" err="1"/>
+                  <a:t>controllo</a:t>
+                </a:r>
+                <a:r>
+                  <a:rPr lang="en-US" altLang="it-IT" sz="1400" dirty="0"/>
+                  <a:t> di </a:t>
+                </a:r>
+                <a:r>
+                  <a:rPr lang="en-US" altLang="it-IT" sz="1400" dirty="0" err="1"/>
+                  <a:t>equilibrio</a:t>
+                </a:r>
+                <a:r>
+                  <a:rPr lang="en-US" altLang="it-IT" sz="1400" dirty="0"/>
+                  <a:t> (</a:t>
                 </a:r>
                 <a14:m>
                   <m:oMath xmlns:m="http://schemas.openxmlformats.org/officeDocument/2006/math">
@@ -4769,7 +6480,7 @@
                   </m:oMath>
                 </a14:m>
                 <a:r>
-                  <a:rPr lang="en-US" altLang="it-IT" sz="1400"/>
+                  <a:rPr lang="en-US" altLang="it-IT" sz="1400" dirty="0"/>
                   <a:t>).</a:t>
                 </a:r>
               </a:p>
@@ -4788,8 +6499,36 @@
                   <a:buChar char="•"/>
                 </a:pPr>
                 <a:r>
-                  <a:rPr lang="en-US" altLang="it-IT" sz="1400"/>
-                  <a:t>Infine, sono state costruite le matrici </a:t>
+                  <a:rPr lang="en-US" altLang="it-IT" sz="1400" dirty="0" err="1"/>
+                  <a:t>Infine</a:t>
+                </a:r>
+                <a:r>
+                  <a:rPr lang="en-US" altLang="it-IT" sz="1400" dirty="0"/>
+                  <a:t>, </a:t>
+                </a:r>
+                <a:r>
+                  <a:rPr lang="en-US" altLang="it-IT" sz="1400" dirty="0" err="1"/>
+                  <a:t>sono</a:t>
+                </a:r>
+                <a:r>
+                  <a:rPr lang="en-US" altLang="it-IT" sz="1400" dirty="0"/>
+                  <a:t> state </a:t>
+                </a:r>
+                <a:r>
+                  <a:rPr lang="en-US" altLang="it-IT" sz="1400" dirty="0" err="1"/>
+                  <a:t>costruite</a:t>
+                </a:r>
+                <a:r>
+                  <a:rPr lang="en-US" altLang="it-IT" sz="1400" dirty="0"/>
+                  <a:t> le </a:t>
+                </a:r>
+                <a:r>
+                  <a:rPr lang="en-US" altLang="it-IT" sz="1400" dirty="0" err="1"/>
+                  <a:t>matrici</a:t>
+                </a:r>
+                <a:r>
+                  <a:rPr lang="en-US" altLang="it-IT" sz="1400" dirty="0"/>
+                  <a:t> </a:t>
                 </a:r>
                 <a14:m>
                   <m:oMath xmlns:m="http://schemas.openxmlformats.org/officeDocument/2006/math">
@@ -4827,7 +6566,7 @@
                   </m:oMath>
                 </a14:m>
                 <a:r>
-                  <a:rPr lang="en-US" altLang="it-IT" sz="1400"/>
+                  <a:rPr lang="en-US" altLang="it-IT" sz="1400" dirty="0"/>
                   <a:t> e </a:t>
                 </a:r>
                 <a14:m>
@@ -4866,8 +6605,104 @@
                   </m:oMath>
                 </a14:m>
                 <a:r>
-                  <a:rPr lang="en-US" altLang="it-IT" sz="1400"/>
-                  <a:t> per rappresentare i vincoli in forma compatta, necessaria per includere i limiti nel problema di ottimizzazione risolto dall’MPC.</a:t>
+                  <a:rPr lang="en-US" altLang="it-IT" sz="1400" dirty="0"/>
+                  <a:t> per </a:t>
+                </a:r>
+                <a:r>
+                  <a:rPr lang="en-US" altLang="it-IT" sz="1400" dirty="0" err="1"/>
+                  <a:t>rappresentare</a:t>
+                </a:r>
+                <a:r>
+                  <a:rPr lang="en-US" altLang="it-IT" sz="1400" dirty="0"/>
+                  <a:t> </a:t>
+                </a:r>
+                <a:r>
+                  <a:rPr lang="en-US" altLang="it-IT" sz="1400" dirty="0" err="1"/>
+                  <a:t>i</a:t>
+                </a:r>
+                <a:r>
+                  <a:rPr lang="en-US" altLang="it-IT" sz="1400" dirty="0"/>
+                  <a:t> </a:t>
+                </a:r>
+                <a:r>
+                  <a:rPr lang="en-US" altLang="it-IT" sz="1400" dirty="0" err="1"/>
+                  <a:t>vincoli</a:t>
+                </a:r>
+                <a:r>
+                  <a:rPr lang="en-US" altLang="it-IT" sz="1400" dirty="0"/>
+                  <a:t> in forma </a:t>
+                </a:r>
+                <a:r>
+                  <a:rPr lang="en-US" altLang="it-IT" sz="1400" dirty="0" err="1"/>
+                  <a:t>compatta</a:t>
+                </a:r>
+                <a:r>
+                  <a:rPr lang="en-US" altLang="it-IT" sz="1400" dirty="0"/>
+                  <a:t>, necessaria per </a:t>
+                </a:r>
+                <a:r>
+                  <a:rPr lang="en-US" altLang="it-IT" sz="1400" dirty="0" err="1"/>
+                  <a:t>includere</a:t>
+                </a:r>
+                <a:r>
+                  <a:rPr lang="en-US" altLang="it-IT" sz="1400" dirty="0"/>
+                  <a:t> </a:t>
+                </a:r>
+                <a:r>
+                  <a:rPr lang="en-US" altLang="it-IT" sz="1400" dirty="0" err="1"/>
+                  <a:t>i</a:t>
+                </a:r>
+                <a:r>
+                  <a:rPr lang="en-US" altLang="it-IT" sz="1400" dirty="0"/>
+                  <a:t> </a:t>
+                </a:r>
+                <a:r>
+                  <a:rPr lang="en-US" altLang="it-IT" sz="1400" dirty="0" err="1"/>
+                  <a:t>limiti</a:t>
+                </a:r>
+                <a:r>
+                  <a:rPr lang="en-US" altLang="it-IT" sz="1400" dirty="0"/>
+                  <a:t> </a:t>
+                </a:r>
+                <a:r>
+                  <a:rPr lang="en-US" altLang="it-IT" sz="1400" dirty="0" err="1"/>
+                  <a:t>nel</a:t>
+                </a:r>
+                <a:r>
+                  <a:rPr lang="en-US" altLang="it-IT" sz="1400" dirty="0"/>
+                  <a:t> </a:t>
+                </a:r>
+                <a:r>
+                  <a:rPr lang="en-US" altLang="it-IT" sz="1400" dirty="0" err="1"/>
+                  <a:t>problema</a:t>
+                </a:r>
+                <a:r>
+                  <a:rPr lang="en-US" altLang="it-IT" sz="1400" dirty="0"/>
+                  <a:t> di </a:t>
+                </a:r>
+                <a:r>
+                  <a:rPr lang="en-US" altLang="it-IT" sz="1400" dirty="0" err="1"/>
+                  <a:t>ottimizzazione</a:t>
+                </a:r>
+                <a:r>
+                  <a:rPr lang="en-US" altLang="it-IT" sz="1400" dirty="0"/>
+                  <a:t> </a:t>
+                </a:r>
+                <a:r>
+                  <a:rPr lang="en-US" altLang="it-IT" sz="1400" dirty="0" err="1"/>
+                  <a:t>risolto</a:t>
+                </a:r>
+                <a:r>
+                  <a:rPr lang="en-US" altLang="it-IT" sz="1400" dirty="0"/>
+                  <a:t> </a:t>
+                </a:r>
+                <a:r>
+                  <a:rPr lang="en-US" altLang="it-IT" sz="1400" dirty="0" err="1"/>
+                  <a:t>dall’MPC</a:t>
+                </a:r>
+                <a:r>
+                  <a:rPr lang="en-US" altLang="it-IT" sz="1400" dirty="0"/>
+                  <a:t>.</a:t>
                 </a:r>
               </a:p>
               <a:p>
@@ -4881,12 +6716,12 @@
                   <a:buFont typeface="Arial" panose="020B0604020202020204" pitchFamily="34" charset="0"/>
                   <a:buChar char="•"/>
                 </a:pPr>
-                <a:endParaRPr lang="en-US" sz="1400"/>
+                <a:endParaRPr lang="en-US" sz="1400" dirty="0"/>
               </a:p>
             </p:txBody>
           </p:sp>
         </mc:Choice>
-        <mc:Fallback>
+        <mc:Fallback xmlns="">
           <p:sp>
             <p:nvSpPr>
               <p:cNvPr id="7" name="CasellaDiTesto 6">
@@ -5024,7 +6859,175 @@
 </p:sld>
 </file>
 
-<file path=ppt/slides/slide11.xml><?xml version="1.0" encoding="utf-8"?>
+<file path=ppt/slides/slide12.xml><?xml version="1.0" encoding="utf-8"?>
+<p:sld xmlns:a="http://schemas.openxmlformats.org/drawingml/2006/main" xmlns:r="http://schemas.openxmlformats.org/officeDocument/2006/relationships" xmlns:p="http://schemas.openxmlformats.org/presentationml/2006/main">
+  <p:cSld>
+    <p:spTree>
+      <p:nvGrpSpPr>
+        <p:cNvPr id="1" name=""/>
+        <p:cNvGrpSpPr/>
+        <p:nvPr/>
+      </p:nvGrpSpPr>
+      <p:grpSpPr>
+        <a:xfrm>
+          <a:off x="0" y="0"/>
+          <a:ext cx="0" cy="0"/>
+          <a:chOff x="0" y="0"/>
+          <a:chExt cx="0" cy="0"/>
+        </a:xfrm>
+      </p:grpSpPr>
+      <p:sp>
+        <p:nvSpPr>
+          <p:cNvPr id="2" name="Titolo 1">
+            <a:extLst>
+              <a:ext uri="{FF2B5EF4-FFF2-40B4-BE49-F238E27FC236}">
+                <a16:creationId xmlns:a16="http://schemas.microsoft.com/office/drawing/2014/main" id="{7E4BFDE1-C78B-BA0D-6C4D-AE3610BFB640}"/>
+              </a:ext>
+            </a:extLst>
+          </p:cNvPr>
+          <p:cNvSpPr>
+            <a:spLocks noGrp="1"/>
+          </p:cNvSpPr>
+          <p:nvPr>
+            <p:ph type="title"/>
+          </p:nvPr>
+        </p:nvSpPr>
+        <p:spPr/>
+        <p:txBody>
+          <a:bodyPr/>
+          <a:lstStyle/>
+          <a:p>
+            <a:r>
+              <a:rPr lang="it-IT" dirty="0"/>
+              <a:t>Vincolo terminale di disuguaglianza</a:t>
+            </a:r>
+          </a:p>
+        </p:txBody>
+      </p:sp>
+      <p:sp>
+        <p:nvSpPr>
+          <p:cNvPr id="3" name="Segnaposto contenuto 2">
+            <a:extLst>
+              <a:ext uri="{FF2B5EF4-FFF2-40B4-BE49-F238E27FC236}">
+                <a16:creationId xmlns:a16="http://schemas.microsoft.com/office/drawing/2014/main" id="{DE3D4F32-7879-40AC-2669-4800AAF5474E}"/>
+              </a:ext>
+            </a:extLst>
+          </p:cNvPr>
+          <p:cNvSpPr>
+            <a:spLocks noGrp="1"/>
+          </p:cNvSpPr>
+          <p:nvPr>
+            <p:ph idx="1"/>
+          </p:nvPr>
+        </p:nvSpPr>
+        <p:spPr>
+          <a:xfrm>
+            <a:off x="838200" y="1825625"/>
+            <a:ext cx="9898626" cy="3178994"/>
+          </a:xfrm>
+        </p:spPr>
+        <p:txBody>
+          <a:bodyPr>
+            <a:normAutofit/>
+          </a:bodyPr>
+          <a:lstStyle/>
+          <a:p>
+            <a:pPr marL="0" indent="0">
+              <a:buNone/>
+            </a:pPr>
+            <a:r>
+              <a:rPr lang="it-IT" sz="2400" dirty="0"/>
+              <a:t>Il vincolo terminale di disuguaglianza introduce nell’ultimo passo dell’orizzonte predittivo un set opportunamente scelto (Control </a:t>
+            </a:r>
+            <a:r>
+              <a:rPr lang="it-IT" sz="2400" dirty="0" err="1"/>
+              <a:t>Invariant</a:t>
+            </a:r>
+            <a:r>
+              <a:rPr lang="it-IT" sz="2400" dirty="0"/>
+              <a:t> Set) in modo da garantire due proprietà fondamentali: </a:t>
+            </a:r>
+          </a:p>
+          <a:p>
+            <a:r>
+              <a:rPr lang="it-IT" sz="2400" dirty="0"/>
+              <a:t>ogni stato finale ricade in una regione invariante dove esiste un controllo locale che garantisce il rispetto dei vincoli</a:t>
+            </a:r>
+          </a:p>
+          <a:p>
+            <a:r>
+              <a:rPr lang="it-IT" sz="2400" dirty="0"/>
+              <a:t>la funzione di costo terminale </a:t>
+            </a:r>
+            <a:r>
+              <a:rPr lang="it-IT" sz="2400" dirty="0" err="1"/>
+              <a:t>Vf</a:t>
+            </a:r>
+            <a:r>
+              <a:rPr lang="it-IT" sz="2400" dirty="0"/>
+              <a:t>(x) assume il ruolo di una </a:t>
+            </a:r>
+            <a:r>
+              <a:rPr lang="it-IT" sz="2400" dirty="0" err="1"/>
+              <a:t>Lyapunov</a:t>
+            </a:r>
+            <a:r>
+              <a:rPr lang="it-IT" sz="2400" dirty="0"/>
+              <a:t> </a:t>
+            </a:r>
+            <a:r>
+              <a:rPr lang="it-IT" sz="2400" dirty="0" err="1"/>
+              <a:t>function</a:t>
+            </a:r>
+            <a:r>
+              <a:rPr lang="it-IT" sz="2400" dirty="0"/>
+              <a:t> locale, decrescendo di almeno l(x(N–1),u(N–1)) ad ogni step. </a:t>
+            </a:r>
+          </a:p>
+        </p:txBody>
+      </p:sp>
+      <p:sp>
+        <p:nvSpPr>
+          <p:cNvPr id="4" name="Segnaposto piè di pagina 3">
+            <a:extLst>
+              <a:ext uri="{FF2B5EF4-FFF2-40B4-BE49-F238E27FC236}">
+                <a16:creationId xmlns:a16="http://schemas.microsoft.com/office/drawing/2014/main" id="{D694598D-0B9D-85A5-E510-093949F40FAB}"/>
+              </a:ext>
+            </a:extLst>
+          </p:cNvPr>
+          <p:cNvSpPr>
+            <a:spLocks noGrp="1"/>
+          </p:cNvSpPr>
+          <p:nvPr>
+            <p:ph type="ftr" sz="quarter" idx="11"/>
+          </p:nvPr>
+        </p:nvSpPr>
+        <p:spPr/>
+        <p:txBody>
+          <a:bodyPr/>
+          <a:lstStyle/>
+          <a:p>
+            <a:r>
+              <a:rPr lang="it-IT"/>
+              <a:t>Davide Brambilla [1080752], Giorgio Passarella[1079287]</a:t>
+            </a:r>
+          </a:p>
+        </p:txBody>
+      </p:sp>
+    </p:spTree>
+    <p:extLst>
+      <p:ext uri="{BB962C8B-B14F-4D97-AF65-F5344CB8AC3E}">
+        <p14:creationId xmlns:p14="http://schemas.microsoft.com/office/powerpoint/2010/main" val="1138300723"/>
+      </p:ext>
+    </p:extLst>
+  </p:cSld>
+  <p:clrMapOvr>
+    <a:masterClrMapping/>
+  </p:clrMapOvr>
+</p:sld>
+</file>
+
+<file path=ppt/slides/slide13.xml><?xml version="1.0" encoding="utf-8"?>
 <p:sld xmlns:a="http://schemas.openxmlformats.org/drawingml/2006/main" xmlns:r="http://schemas.openxmlformats.org/officeDocument/2006/relationships" xmlns:p="http://schemas.openxmlformats.org/presentationml/2006/main">
   <p:cSld>
     <p:bg>
@@ -5037,13 +7040,7 @@
     </p:bg>
     <p:spTree>
       <p:nvGrpSpPr>
-        <p:cNvPr id="1" name="">
-          <a:extLst>
-            <a:ext uri="{FF2B5EF4-FFF2-40B4-BE49-F238E27FC236}">
-              <a16:creationId xmlns:a16="http://schemas.microsoft.com/office/drawing/2014/main" id="{54DDAAEE-FB13-940C-4385-CB020D61F2A6}"/>
-            </a:ext>
-          </a:extLst>
-        </p:cNvPr>
+        <p:cNvPr id="1" name=""/>
         <p:cNvGrpSpPr/>
         <p:nvPr/>
       </p:nvGrpSpPr>
@@ -5057,10 +7054,10 @@
       </p:grpSpPr>
       <p:sp useBgFill="1">
         <p:nvSpPr>
-          <p:cNvPr id="12" name="Rectangle 11">
+          <p:cNvPr id="18" name="Rectangle 17">
             <a:extLst>
               <a:ext uri="{FF2B5EF4-FFF2-40B4-BE49-F238E27FC236}">
-                <a16:creationId xmlns:a16="http://schemas.microsoft.com/office/drawing/2014/main" id="{DAF1966E-FD40-4A4A-B61B-C4DF7FA05F06}"/>
+                <a16:creationId xmlns:a16="http://schemas.microsoft.com/office/drawing/2014/main" id="{45D37F4E-DDB4-456B-97E0-9937730A039F}"/>
               </a:ext>
               <a:ext uri="{C183D7F6-B498-43B3-948B-1728B52AA6E4}">
                 <adec:decorative xmlns:adec="http://schemas.microsoft.com/office/drawing/2017/decorative" val="1"/>
@@ -5081,7 +7078,7 @@
         <p:spPr>
           <a:xfrm>
             <a:off x="0" y="0"/>
-            <a:ext cx="12192000" cy="6858000"/>
+            <a:ext cx="12188952" cy="6858000"/>
           </a:xfrm>
           <a:prstGeom prst="rect">
             <a:avLst/>
@@ -5115,12 +7112,47 @@
           </a:p>
         </p:txBody>
       </p:sp>
-      <p:sp useBgFill="1">
+      <p:sp>
         <p:nvSpPr>
-          <p:cNvPr id="14" name="Rectangle 13">
+          <p:cNvPr id="2" name="Titolo 1">
             <a:extLst>
               <a:ext uri="{FF2B5EF4-FFF2-40B4-BE49-F238E27FC236}">
-                <a16:creationId xmlns:a16="http://schemas.microsoft.com/office/drawing/2014/main" id="{047BFA19-D45E-416B-A404-7AF2F3F27017}"/>
+                <a16:creationId xmlns:a16="http://schemas.microsoft.com/office/drawing/2014/main" id="{8927E549-7FAA-7676-3974-A6D97D98E2A7}"/>
+              </a:ext>
+            </a:extLst>
+          </p:cNvPr>
+          <p:cNvSpPr>
+            <a:spLocks noGrp="1"/>
+          </p:cNvSpPr>
+          <p:nvPr>
+            <p:ph type="title"/>
+          </p:nvPr>
+        </p:nvSpPr>
+        <p:spPr>
+          <a:xfrm>
+            <a:off x="572493" y="238539"/>
+            <a:ext cx="11018520" cy="1434415"/>
+          </a:xfrm>
+        </p:spPr>
+        <p:txBody>
+          <a:bodyPr anchor="b">
+            <a:normAutofit/>
+          </a:bodyPr>
+          <a:lstStyle/>
+          <a:p>
+            <a:r>
+              <a:rPr lang="it-IT" sz="5400" dirty="0"/>
+              <a:t>Calcolo CIS</a:t>
+            </a:r>
+          </a:p>
+        </p:txBody>
+      </p:sp>
+      <p:sp>
+        <p:nvSpPr>
+          <p:cNvPr id="20" name="sketchy line">
+            <a:extLst>
+              <a:ext uri="{FF2B5EF4-FFF2-40B4-BE49-F238E27FC236}">
+                <a16:creationId xmlns:a16="http://schemas.microsoft.com/office/drawing/2014/main" id="{B2DD41CD-8F47-4F56-AD12-4E2FF7696987}"/>
               </a:ext>
               <a:ext uri="{C183D7F6-B498-43B3-948B-1728B52AA6E4}">
                 <adec:decorative xmlns:adec="http://schemas.microsoft.com/office/drawing/2017/decorative" val="1"/>
@@ -5140,25 +7172,617 @@
         </p:nvSpPr>
         <p:spPr>
           <a:xfrm>
-            <a:off x="558209" y="0"/>
-            <a:ext cx="11167447" cy="2018806"/>
+            <a:off x="572493" y="1681544"/>
+            <a:ext cx="10972800" cy="18288"/>
           </a:xfrm>
-          <a:prstGeom prst="rect">
+          <a:custGeom>
             <a:avLst/>
-          </a:prstGeom>
-          <a:ln w="9525">
+            <a:gdLst>
+              <a:gd name="connsiteX0" fmla="*/ 0 w 10972800"/>
+              <a:gd name="connsiteY0" fmla="*/ 0 h 18288"/>
+              <a:gd name="connsiteX1" fmla="*/ 356616 w 10972800"/>
+              <a:gd name="connsiteY1" fmla="*/ 0 h 18288"/>
+              <a:gd name="connsiteX2" fmla="*/ 1042416 w 10972800"/>
+              <a:gd name="connsiteY2" fmla="*/ 0 h 18288"/>
+              <a:gd name="connsiteX3" fmla="*/ 1947672 w 10972800"/>
+              <a:gd name="connsiteY3" fmla="*/ 0 h 18288"/>
+              <a:gd name="connsiteX4" fmla="*/ 2633472 w 10972800"/>
+              <a:gd name="connsiteY4" fmla="*/ 0 h 18288"/>
+              <a:gd name="connsiteX5" fmla="*/ 2990088 w 10972800"/>
+              <a:gd name="connsiteY5" fmla="*/ 0 h 18288"/>
+              <a:gd name="connsiteX6" fmla="*/ 3456432 w 10972800"/>
+              <a:gd name="connsiteY6" fmla="*/ 0 h 18288"/>
+              <a:gd name="connsiteX7" fmla="*/ 4361688 w 10972800"/>
+              <a:gd name="connsiteY7" fmla="*/ 0 h 18288"/>
+              <a:gd name="connsiteX8" fmla="*/ 5266944 w 10972800"/>
+              <a:gd name="connsiteY8" fmla="*/ 0 h 18288"/>
+              <a:gd name="connsiteX9" fmla="*/ 6172200 w 10972800"/>
+              <a:gd name="connsiteY9" fmla="*/ 0 h 18288"/>
+              <a:gd name="connsiteX10" fmla="*/ 6528816 w 10972800"/>
+              <a:gd name="connsiteY10" fmla="*/ 0 h 18288"/>
+              <a:gd name="connsiteX11" fmla="*/ 7214616 w 10972800"/>
+              <a:gd name="connsiteY11" fmla="*/ 0 h 18288"/>
+              <a:gd name="connsiteX12" fmla="*/ 7790688 w 10972800"/>
+              <a:gd name="connsiteY12" fmla="*/ 0 h 18288"/>
+              <a:gd name="connsiteX13" fmla="*/ 8147304 w 10972800"/>
+              <a:gd name="connsiteY13" fmla="*/ 0 h 18288"/>
+              <a:gd name="connsiteX14" fmla="*/ 9052560 w 10972800"/>
+              <a:gd name="connsiteY14" fmla="*/ 0 h 18288"/>
+              <a:gd name="connsiteX15" fmla="*/ 9409176 w 10972800"/>
+              <a:gd name="connsiteY15" fmla="*/ 0 h 18288"/>
+              <a:gd name="connsiteX16" fmla="*/ 9765792 w 10972800"/>
+              <a:gd name="connsiteY16" fmla="*/ 0 h 18288"/>
+              <a:gd name="connsiteX17" fmla="*/ 10341864 w 10972800"/>
+              <a:gd name="connsiteY17" fmla="*/ 0 h 18288"/>
+              <a:gd name="connsiteX18" fmla="*/ 10972800 w 10972800"/>
+              <a:gd name="connsiteY18" fmla="*/ 0 h 18288"/>
+              <a:gd name="connsiteX19" fmla="*/ 10972800 w 10972800"/>
+              <a:gd name="connsiteY19" fmla="*/ 18288 h 18288"/>
+              <a:gd name="connsiteX20" fmla="*/ 10177272 w 10972800"/>
+              <a:gd name="connsiteY20" fmla="*/ 18288 h 18288"/>
+              <a:gd name="connsiteX21" fmla="*/ 9820656 w 10972800"/>
+              <a:gd name="connsiteY21" fmla="*/ 18288 h 18288"/>
+              <a:gd name="connsiteX22" fmla="*/ 9464040 w 10972800"/>
+              <a:gd name="connsiteY22" fmla="*/ 18288 h 18288"/>
+              <a:gd name="connsiteX23" fmla="*/ 8778240 w 10972800"/>
+              <a:gd name="connsiteY23" fmla="*/ 18288 h 18288"/>
+              <a:gd name="connsiteX24" fmla="*/ 8421624 w 10972800"/>
+              <a:gd name="connsiteY24" fmla="*/ 18288 h 18288"/>
+              <a:gd name="connsiteX25" fmla="*/ 7735824 w 10972800"/>
+              <a:gd name="connsiteY25" fmla="*/ 18288 h 18288"/>
+              <a:gd name="connsiteX26" fmla="*/ 6940296 w 10972800"/>
+              <a:gd name="connsiteY26" fmla="*/ 18288 h 18288"/>
+              <a:gd name="connsiteX27" fmla="*/ 6254496 w 10972800"/>
+              <a:gd name="connsiteY27" fmla="*/ 18288 h 18288"/>
+              <a:gd name="connsiteX28" fmla="*/ 5458968 w 10972800"/>
+              <a:gd name="connsiteY28" fmla="*/ 18288 h 18288"/>
+              <a:gd name="connsiteX29" fmla="*/ 4663440 w 10972800"/>
+              <a:gd name="connsiteY29" fmla="*/ 18288 h 18288"/>
+              <a:gd name="connsiteX30" fmla="*/ 4306824 w 10972800"/>
+              <a:gd name="connsiteY30" fmla="*/ 18288 h 18288"/>
+              <a:gd name="connsiteX31" fmla="*/ 3840480 w 10972800"/>
+              <a:gd name="connsiteY31" fmla="*/ 18288 h 18288"/>
+              <a:gd name="connsiteX32" fmla="*/ 3264408 w 10972800"/>
+              <a:gd name="connsiteY32" fmla="*/ 18288 h 18288"/>
+              <a:gd name="connsiteX33" fmla="*/ 2578608 w 10972800"/>
+              <a:gd name="connsiteY33" fmla="*/ 18288 h 18288"/>
+              <a:gd name="connsiteX34" fmla="*/ 1673352 w 10972800"/>
+              <a:gd name="connsiteY34" fmla="*/ 18288 h 18288"/>
+              <a:gd name="connsiteX35" fmla="*/ 877824 w 10972800"/>
+              <a:gd name="connsiteY35" fmla="*/ 18288 h 18288"/>
+              <a:gd name="connsiteX36" fmla="*/ 0 w 10972800"/>
+              <a:gd name="connsiteY36" fmla="*/ 18288 h 18288"/>
+              <a:gd name="connsiteX37" fmla="*/ 0 w 10972800"/>
+              <a:gd name="connsiteY37" fmla="*/ 0 h 18288"/>
+            </a:gdLst>
+            <a:ahLst/>
+            <a:cxnLst>
+              <a:cxn ang="0">
+                <a:pos x="connsiteX0" y="connsiteY0"/>
+              </a:cxn>
+              <a:cxn ang="0">
+                <a:pos x="connsiteX1" y="connsiteY1"/>
+              </a:cxn>
+              <a:cxn ang="0">
+                <a:pos x="connsiteX2" y="connsiteY2"/>
+              </a:cxn>
+              <a:cxn ang="0">
+                <a:pos x="connsiteX3" y="connsiteY3"/>
+              </a:cxn>
+              <a:cxn ang="0">
+                <a:pos x="connsiteX4" y="connsiteY4"/>
+              </a:cxn>
+              <a:cxn ang="0">
+                <a:pos x="connsiteX5" y="connsiteY5"/>
+              </a:cxn>
+              <a:cxn ang="0">
+                <a:pos x="connsiteX6" y="connsiteY6"/>
+              </a:cxn>
+              <a:cxn ang="0">
+                <a:pos x="connsiteX7" y="connsiteY7"/>
+              </a:cxn>
+              <a:cxn ang="0">
+                <a:pos x="connsiteX8" y="connsiteY8"/>
+              </a:cxn>
+              <a:cxn ang="0">
+                <a:pos x="connsiteX9" y="connsiteY9"/>
+              </a:cxn>
+              <a:cxn ang="0">
+                <a:pos x="connsiteX10" y="connsiteY10"/>
+              </a:cxn>
+              <a:cxn ang="0">
+                <a:pos x="connsiteX11" y="connsiteY11"/>
+              </a:cxn>
+              <a:cxn ang="0">
+                <a:pos x="connsiteX12" y="connsiteY12"/>
+              </a:cxn>
+              <a:cxn ang="0">
+                <a:pos x="connsiteX13" y="connsiteY13"/>
+              </a:cxn>
+              <a:cxn ang="0">
+                <a:pos x="connsiteX14" y="connsiteY14"/>
+              </a:cxn>
+              <a:cxn ang="0">
+                <a:pos x="connsiteX15" y="connsiteY15"/>
+              </a:cxn>
+              <a:cxn ang="0">
+                <a:pos x="connsiteX16" y="connsiteY16"/>
+              </a:cxn>
+              <a:cxn ang="0">
+                <a:pos x="connsiteX17" y="connsiteY17"/>
+              </a:cxn>
+              <a:cxn ang="0">
+                <a:pos x="connsiteX18" y="connsiteY18"/>
+              </a:cxn>
+              <a:cxn ang="0">
+                <a:pos x="connsiteX19" y="connsiteY19"/>
+              </a:cxn>
+              <a:cxn ang="0">
+                <a:pos x="connsiteX20" y="connsiteY20"/>
+              </a:cxn>
+              <a:cxn ang="0">
+                <a:pos x="connsiteX21" y="connsiteY21"/>
+              </a:cxn>
+              <a:cxn ang="0">
+                <a:pos x="connsiteX22" y="connsiteY22"/>
+              </a:cxn>
+              <a:cxn ang="0">
+                <a:pos x="connsiteX23" y="connsiteY23"/>
+              </a:cxn>
+              <a:cxn ang="0">
+                <a:pos x="connsiteX24" y="connsiteY24"/>
+              </a:cxn>
+              <a:cxn ang="0">
+                <a:pos x="connsiteX25" y="connsiteY25"/>
+              </a:cxn>
+              <a:cxn ang="0">
+                <a:pos x="connsiteX26" y="connsiteY26"/>
+              </a:cxn>
+              <a:cxn ang="0">
+                <a:pos x="connsiteX27" y="connsiteY27"/>
+              </a:cxn>
+              <a:cxn ang="0">
+                <a:pos x="connsiteX28" y="connsiteY28"/>
+              </a:cxn>
+              <a:cxn ang="0">
+                <a:pos x="connsiteX29" y="connsiteY29"/>
+              </a:cxn>
+              <a:cxn ang="0">
+                <a:pos x="connsiteX30" y="connsiteY30"/>
+              </a:cxn>
+              <a:cxn ang="0">
+                <a:pos x="connsiteX31" y="connsiteY31"/>
+              </a:cxn>
+              <a:cxn ang="0">
+                <a:pos x="connsiteX32" y="connsiteY32"/>
+              </a:cxn>
+              <a:cxn ang="0">
+                <a:pos x="connsiteX33" y="connsiteY33"/>
+              </a:cxn>
+              <a:cxn ang="0">
+                <a:pos x="connsiteX34" y="connsiteY34"/>
+              </a:cxn>
+              <a:cxn ang="0">
+                <a:pos x="connsiteX35" y="connsiteY35"/>
+              </a:cxn>
+              <a:cxn ang="0">
+                <a:pos x="connsiteX36" y="connsiteY36"/>
+              </a:cxn>
+              <a:cxn ang="0">
+                <a:pos x="connsiteX37" y="connsiteY37"/>
+              </a:cxn>
+            </a:cxnLst>
+            <a:rect l="l" t="t" r="r" b="b"/>
+            <a:pathLst>
+              <a:path w="10972800" h="18288" fill="none" extrusionOk="0">
+                <a:moveTo>
+                  <a:pt x="0" y="0"/>
+                </a:moveTo>
+                <a:cubicBezTo>
+                  <a:pt x="165916" y="-1866"/>
+                  <a:pt x="188720" y="13756"/>
+                  <a:pt x="356616" y="0"/>
+                </a:cubicBezTo>
+                <a:cubicBezTo>
+                  <a:pt x="524512" y="-13756"/>
+                  <a:pt x="734781" y="8922"/>
+                  <a:pt x="1042416" y="0"/>
+                </a:cubicBezTo>
+                <a:cubicBezTo>
+                  <a:pt x="1350051" y="-8922"/>
+                  <a:pt x="1595982" y="-26315"/>
+                  <a:pt x="1947672" y="0"/>
+                </a:cubicBezTo>
+                <a:cubicBezTo>
+                  <a:pt x="2299362" y="26315"/>
+                  <a:pt x="2292691" y="-19526"/>
+                  <a:pt x="2633472" y="0"/>
+                </a:cubicBezTo>
+                <a:cubicBezTo>
+                  <a:pt x="2974253" y="19526"/>
+                  <a:pt x="2857309" y="10773"/>
+                  <a:pt x="2990088" y="0"/>
+                </a:cubicBezTo>
+                <a:cubicBezTo>
+                  <a:pt x="3122867" y="-10773"/>
+                  <a:pt x="3359343" y="7194"/>
+                  <a:pt x="3456432" y="0"/>
+                </a:cubicBezTo>
+                <a:cubicBezTo>
+                  <a:pt x="3553521" y="-7194"/>
+                  <a:pt x="4136258" y="5108"/>
+                  <a:pt x="4361688" y="0"/>
+                </a:cubicBezTo>
+                <a:cubicBezTo>
+                  <a:pt x="4587118" y="-5108"/>
+                  <a:pt x="4992424" y="-42958"/>
+                  <a:pt x="5266944" y="0"/>
+                </a:cubicBezTo>
+                <a:cubicBezTo>
+                  <a:pt x="5541464" y="42958"/>
+                  <a:pt x="5882966" y="-3430"/>
+                  <a:pt x="6172200" y="0"/>
+                </a:cubicBezTo>
+                <a:cubicBezTo>
+                  <a:pt x="6461434" y="3430"/>
+                  <a:pt x="6432127" y="6688"/>
+                  <a:pt x="6528816" y="0"/>
+                </a:cubicBezTo>
+                <a:cubicBezTo>
+                  <a:pt x="6625505" y="-6688"/>
+                  <a:pt x="6916805" y="-436"/>
+                  <a:pt x="7214616" y="0"/>
+                </a:cubicBezTo>
+                <a:cubicBezTo>
+                  <a:pt x="7512427" y="436"/>
+                  <a:pt x="7626159" y="-6909"/>
+                  <a:pt x="7790688" y="0"/>
+                </a:cubicBezTo>
+                <a:cubicBezTo>
+                  <a:pt x="7955217" y="6909"/>
+                  <a:pt x="8048891" y="15307"/>
+                  <a:pt x="8147304" y="0"/>
+                </a:cubicBezTo>
+                <a:cubicBezTo>
+                  <a:pt x="8245717" y="-15307"/>
+                  <a:pt x="8645618" y="-11734"/>
+                  <a:pt x="9052560" y="0"/>
+                </a:cubicBezTo>
+                <a:cubicBezTo>
+                  <a:pt x="9459502" y="11734"/>
+                  <a:pt x="9320584" y="8388"/>
+                  <a:pt x="9409176" y="0"/>
+                </a:cubicBezTo>
+                <a:cubicBezTo>
+                  <a:pt x="9497768" y="-8388"/>
+                  <a:pt x="9644192" y="8379"/>
+                  <a:pt x="9765792" y="0"/>
+                </a:cubicBezTo>
+                <a:cubicBezTo>
+                  <a:pt x="9887392" y="-8379"/>
+                  <a:pt x="10105220" y="-12663"/>
+                  <a:pt x="10341864" y="0"/>
+                </a:cubicBezTo>
+                <a:cubicBezTo>
+                  <a:pt x="10578508" y="12663"/>
+                  <a:pt x="10773103" y="-5786"/>
+                  <a:pt x="10972800" y="0"/>
+                </a:cubicBezTo>
+                <a:cubicBezTo>
+                  <a:pt x="10972146" y="8818"/>
+                  <a:pt x="10972240" y="13823"/>
+                  <a:pt x="10972800" y="18288"/>
+                </a:cubicBezTo>
+                <a:cubicBezTo>
+                  <a:pt x="10588778" y="31598"/>
+                  <a:pt x="10543381" y="-12698"/>
+                  <a:pt x="10177272" y="18288"/>
+                </a:cubicBezTo>
+                <a:cubicBezTo>
+                  <a:pt x="9811163" y="49274"/>
+                  <a:pt x="9996817" y="25662"/>
+                  <a:pt x="9820656" y="18288"/>
+                </a:cubicBezTo>
+                <a:cubicBezTo>
+                  <a:pt x="9644495" y="10914"/>
+                  <a:pt x="9607007" y="31631"/>
+                  <a:pt x="9464040" y="18288"/>
+                </a:cubicBezTo>
+                <a:cubicBezTo>
+                  <a:pt x="9321073" y="4945"/>
+                  <a:pt x="9114189" y="28940"/>
+                  <a:pt x="8778240" y="18288"/>
+                </a:cubicBezTo>
+                <a:cubicBezTo>
+                  <a:pt x="8442291" y="7636"/>
+                  <a:pt x="8594763" y="987"/>
+                  <a:pt x="8421624" y="18288"/>
+                </a:cubicBezTo>
+                <a:cubicBezTo>
+                  <a:pt x="8248485" y="35589"/>
+                  <a:pt x="7929515" y="37573"/>
+                  <a:pt x="7735824" y="18288"/>
+                </a:cubicBezTo>
+                <a:cubicBezTo>
+                  <a:pt x="7542133" y="-997"/>
+                  <a:pt x="7252504" y="33858"/>
+                  <a:pt x="6940296" y="18288"/>
+                </a:cubicBezTo>
+                <a:cubicBezTo>
+                  <a:pt x="6628088" y="2718"/>
+                  <a:pt x="6528503" y="48389"/>
+                  <a:pt x="6254496" y="18288"/>
+                </a:cubicBezTo>
+                <a:cubicBezTo>
+                  <a:pt x="5980489" y="-11813"/>
+                  <a:pt x="5695784" y="-3740"/>
+                  <a:pt x="5458968" y="18288"/>
+                </a:cubicBezTo>
+                <a:cubicBezTo>
+                  <a:pt x="5222152" y="40316"/>
+                  <a:pt x="5010751" y="19095"/>
+                  <a:pt x="4663440" y="18288"/>
+                </a:cubicBezTo>
+                <a:cubicBezTo>
+                  <a:pt x="4316129" y="17481"/>
+                  <a:pt x="4425552" y="1606"/>
+                  <a:pt x="4306824" y="18288"/>
+                </a:cubicBezTo>
+                <a:cubicBezTo>
+                  <a:pt x="4188096" y="34970"/>
+                  <a:pt x="3941535" y="7481"/>
+                  <a:pt x="3840480" y="18288"/>
+                </a:cubicBezTo>
+                <a:cubicBezTo>
+                  <a:pt x="3739425" y="29095"/>
+                  <a:pt x="3402388" y="17641"/>
+                  <a:pt x="3264408" y="18288"/>
+                </a:cubicBezTo>
+                <a:cubicBezTo>
+                  <a:pt x="3126428" y="18935"/>
+                  <a:pt x="2776779" y="9983"/>
+                  <a:pt x="2578608" y="18288"/>
+                </a:cubicBezTo>
+                <a:cubicBezTo>
+                  <a:pt x="2380437" y="26593"/>
+                  <a:pt x="1909468" y="25818"/>
+                  <a:pt x="1673352" y="18288"/>
+                </a:cubicBezTo>
+                <a:cubicBezTo>
+                  <a:pt x="1437236" y="10758"/>
+                  <a:pt x="1131180" y="49884"/>
+                  <a:pt x="877824" y="18288"/>
+                </a:cubicBezTo>
+                <a:cubicBezTo>
+                  <a:pt x="624468" y="-13308"/>
+                  <a:pt x="206753" y="2195"/>
+                  <a:pt x="0" y="18288"/>
+                </a:cubicBezTo>
+                <a:cubicBezTo>
+                  <a:pt x="313" y="10654"/>
+                  <a:pt x="-263" y="4056"/>
+                  <a:pt x="0" y="0"/>
+                </a:cubicBezTo>
+                <a:close/>
+              </a:path>
+              <a:path w="10972800" h="18288" stroke="0" extrusionOk="0">
+                <a:moveTo>
+                  <a:pt x="0" y="0"/>
+                </a:moveTo>
+                <a:cubicBezTo>
+                  <a:pt x="164017" y="-17675"/>
+                  <a:pt x="309425" y="9913"/>
+                  <a:pt x="466344" y="0"/>
+                </a:cubicBezTo>
+                <a:cubicBezTo>
+                  <a:pt x="623263" y="-9913"/>
+                  <a:pt x="659300" y="-14524"/>
+                  <a:pt x="822960" y="0"/>
+                </a:cubicBezTo>
+                <a:cubicBezTo>
+                  <a:pt x="986620" y="14524"/>
+                  <a:pt x="1105222" y="-16481"/>
+                  <a:pt x="1289304" y="0"/>
+                </a:cubicBezTo>
+                <a:cubicBezTo>
+                  <a:pt x="1473386" y="16481"/>
+                  <a:pt x="1693223" y="26161"/>
+                  <a:pt x="1975104" y="0"/>
+                </a:cubicBezTo>
+                <a:cubicBezTo>
+                  <a:pt x="2256985" y="-26161"/>
+                  <a:pt x="2435781" y="23061"/>
+                  <a:pt x="2770632" y="0"/>
+                </a:cubicBezTo>
+                <a:cubicBezTo>
+                  <a:pt x="3105483" y="-23061"/>
+                  <a:pt x="3247479" y="-44011"/>
+                  <a:pt x="3675888" y="0"/>
+                </a:cubicBezTo>
+                <a:cubicBezTo>
+                  <a:pt x="4104297" y="44011"/>
+                  <a:pt x="4280918" y="4017"/>
+                  <a:pt x="4581144" y="0"/>
+                </a:cubicBezTo>
+                <a:cubicBezTo>
+                  <a:pt x="4881370" y="-4017"/>
+                  <a:pt x="5021699" y="-11889"/>
+                  <a:pt x="5157216" y="0"/>
+                </a:cubicBezTo>
+                <a:cubicBezTo>
+                  <a:pt x="5292733" y="11889"/>
+                  <a:pt x="5603398" y="-17698"/>
+                  <a:pt x="5952744" y="0"/>
+                </a:cubicBezTo>
+                <a:cubicBezTo>
+                  <a:pt x="6302090" y="17698"/>
+                  <a:pt x="6353093" y="-11909"/>
+                  <a:pt x="6638544" y="0"/>
+                </a:cubicBezTo>
+                <a:cubicBezTo>
+                  <a:pt x="6923995" y="11909"/>
+                  <a:pt x="7053404" y="21630"/>
+                  <a:pt x="7214616" y="0"/>
+                </a:cubicBezTo>
+                <a:cubicBezTo>
+                  <a:pt x="7375828" y="-21630"/>
+                  <a:pt x="7837963" y="3886"/>
+                  <a:pt x="8010144" y="0"/>
+                </a:cubicBezTo>
+                <a:cubicBezTo>
+                  <a:pt x="8182325" y="-3886"/>
+                  <a:pt x="8224183" y="16009"/>
+                  <a:pt x="8366760" y="0"/>
+                </a:cubicBezTo>
+                <a:cubicBezTo>
+                  <a:pt x="8509337" y="-16009"/>
+                  <a:pt x="8687920" y="-5720"/>
+                  <a:pt x="8942832" y="0"/>
+                </a:cubicBezTo>
+                <a:cubicBezTo>
+                  <a:pt x="9197744" y="5720"/>
+                  <a:pt x="9368437" y="20479"/>
+                  <a:pt x="9628632" y="0"/>
+                </a:cubicBezTo>
+                <a:cubicBezTo>
+                  <a:pt x="9888827" y="-20479"/>
+                  <a:pt x="10560858" y="-20746"/>
+                  <a:pt x="10972800" y="0"/>
+                </a:cubicBezTo>
+                <a:cubicBezTo>
+                  <a:pt x="10972186" y="5722"/>
+                  <a:pt x="10972980" y="12495"/>
+                  <a:pt x="10972800" y="18288"/>
+                </a:cubicBezTo>
+                <a:cubicBezTo>
+                  <a:pt x="10786146" y="12536"/>
+                  <a:pt x="10623717" y="14033"/>
+                  <a:pt x="10506456" y="18288"/>
+                </a:cubicBezTo>
+                <a:cubicBezTo>
+                  <a:pt x="10389195" y="22543"/>
+                  <a:pt x="10296178" y="20107"/>
+                  <a:pt x="10149840" y="18288"/>
+                </a:cubicBezTo>
+                <a:cubicBezTo>
+                  <a:pt x="10003502" y="16469"/>
+                  <a:pt x="9767530" y="28891"/>
+                  <a:pt x="9464040" y="18288"/>
+                </a:cubicBezTo>
+                <a:cubicBezTo>
+                  <a:pt x="9160550" y="7685"/>
+                  <a:pt x="9229050" y="2659"/>
+                  <a:pt x="8997696" y="18288"/>
+                </a:cubicBezTo>
+                <a:cubicBezTo>
+                  <a:pt x="8766342" y="33917"/>
+                  <a:pt x="8340136" y="34864"/>
+                  <a:pt x="8092440" y="18288"/>
+                </a:cubicBezTo>
+                <a:cubicBezTo>
+                  <a:pt x="7844744" y="1712"/>
+                  <a:pt x="7863720" y="27405"/>
+                  <a:pt x="7735824" y="18288"/>
+                </a:cubicBezTo>
+                <a:cubicBezTo>
+                  <a:pt x="7607928" y="9171"/>
+                  <a:pt x="7323619" y="461"/>
+                  <a:pt x="7050024" y="18288"/>
+                </a:cubicBezTo>
+                <a:cubicBezTo>
+                  <a:pt x="6776429" y="36115"/>
+                  <a:pt x="6787899" y="28206"/>
+                  <a:pt x="6693408" y="18288"/>
+                </a:cubicBezTo>
+                <a:cubicBezTo>
+                  <a:pt x="6598917" y="8370"/>
+                  <a:pt x="6395231" y="19114"/>
+                  <a:pt x="6227064" y="18288"/>
+                </a:cubicBezTo>
+                <a:cubicBezTo>
+                  <a:pt x="6058897" y="17462"/>
+                  <a:pt x="5618582" y="1091"/>
+                  <a:pt x="5431536" y="18288"/>
+                </a:cubicBezTo>
+                <a:cubicBezTo>
+                  <a:pt x="5244490" y="35485"/>
+                  <a:pt x="4729797" y="-9650"/>
+                  <a:pt x="4526280" y="18288"/>
+                </a:cubicBezTo>
+                <a:cubicBezTo>
+                  <a:pt x="4322763" y="46226"/>
+                  <a:pt x="4216797" y="756"/>
+                  <a:pt x="4059936" y="18288"/>
+                </a:cubicBezTo>
+                <a:cubicBezTo>
+                  <a:pt x="3903075" y="35820"/>
+                  <a:pt x="3537912" y="42098"/>
+                  <a:pt x="3374136" y="18288"/>
+                </a:cubicBezTo>
+                <a:cubicBezTo>
+                  <a:pt x="3210360" y="-5522"/>
+                  <a:pt x="3126842" y="39135"/>
+                  <a:pt x="2907792" y="18288"/>
+                </a:cubicBezTo>
+                <a:cubicBezTo>
+                  <a:pt x="2688742" y="-2559"/>
+                  <a:pt x="2490436" y="34100"/>
+                  <a:pt x="2112264" y="18288"/>
+                </a:cubicBezTo>
+                <a:cubicBezTo>
+                  <a:pt x="1734092" y="2476"/>
+                  <a:pt x="1744622" y="-7274"/>
+                  <a:pt x="1536192" y="18288"/>
+                </a:cubicBezTo>
+                <a:cubicBezTo>
+                  <a:pt x="1327762" y="43850"/>
+                  <a:pt x="1189025" y="6435"/>
+                  <a:pt x="1069848" y="18288"/>
+                </a:cubicBezTo>
+                <a:cubicBezTo>
+                  <a:pt x="950671" y="30141"/>
+                  <a:pt x="858345" y="33684"/>
+                  <a:pt x="713232" y="18288"/>
+                </a:cubicBezTo>
+                <a:cubicBezTo>
+                  <a:pt x="568119" y="2892"/>
+                  <a:pt x="250292" y="5410"/>
+                  <a:pt x="0" y="18288"/>
+                </a:cubicBezTo>
+                <a:cubicBezTo>
+                  <a:pt x="465" y="13062"/>
+                  <a:pt x="-894" y="9029"/>
+                  <a:pt x="0" y="0"/>
+                </a:cubicBezTo>
+                <a:close/>
+              </a:path>
+            </a:pathLst>
+          </a:custGeom>
+          <a:solidFill>
+            <a:schemeClr val="accent2">
+              <a:alpha val="75000"/>
+            </a:schemeClr>
+          </a:solidFill>
+          <a:ln w="44450" cap="rnd">
             <a:solidFill>
-              <a:srgbClr val="E1E1E1"/>
+              <a:schemeClr val="accent2">
+                <a:alpha val="75000"/>
+              </a:schemeClr>
             </a:solidFill>
+            <a:round/>
+            <a:extLst>
+              <a:ext uri="{C807C97D-BFC1-408E-A445-0C87EB9F89A2}">
+                <ask:lineSketchStyleProps xmlns:ask="http://schemas.microsoft.com/office/drawing/2018/sketchyshapes" sd="2727557108">
+                  <a:prstGeom prst="rect">
+                    <a:avLst/>
+                  </a:prstGeom>
+                  <ask:type>
+                    <ask:lineSketchFreehand/>
+                  </ask:type>
+                </ask:lineSketchStyleProps>
+              </a:ext>
+            </a:extLst>
           </a:ln>
-          <a:effectLst>
-            <a:outerShdw blurRad="50800" dist="38100" dir="2700000" algn="tl" rotWithShape="0">
-              <a:schemeClr val="bg1">
-                <a:lumMod val="85000"/>
-                <a:alpha val="50000"/>
-              </a:schemeClr>
-            </a:outerShdw>
-          </a:effectLst>
         </p:spPr>
         <p:style>
           <a:lnRef idx="2">
@@ -5180,46 +7804,461 @@
           <a:bodyPr rtlCol="0" anchor="ctr"/>
           <a:lstStyle/>
           <a:p>
-            <a:pPr marL="0" marR="0" lvl="0" indent="0" algn="ctr" defTabSz="914400" rtl="0" eaLnBrk="1" fontAlgn="auto" latinLnBrk="0" hangingPunct="1">
-              <a:lnSpc>
-                <a:spcPct val="100000"/>
-              </a:lnSpc>
-              <a:spcBef>
-                <a:spcPts val="0"/>
-              </a:spcBef>
-              <a:spcAft>
-                <a:spcPts val="0"/>
-              </a:spcAft>
-              <a:buClrTx/>
-              <a:buSzTx/>
-              <a:buFontTx/>
-              <a:buNone/>
-              <a:tabLst/>
-              <a:defRPr/>
-            </a:pPr>
-            <a:endParaRPr kumimoji="0" lang="en-US" sz="1800" b="0" i="0" u="none" strike="noStrike" kern="1200" cap="none" spc="0" normalizeH="0" baseline="0" noProof="0">
-              <a:ln>
-                <a:noFill/>
-              </a:ln>
-              <a:solidFill>
-                <a:prstClr val="white"/>
-              </a:solidFill>
-              <a:effectLst/>
-              <a:uLnTx/>
-              <a:uFillTx/>
-              <a:latin typeface="Calibri" panose="020F0502020204030204"/>
-              <a:ea typeface="+mn-ea"/>
-              <a:cs typeface="+mn-cs"/>
-            </a:endParaRPr>
+            <a:pPr algn="ctr"/>
+            <a:endParaRPr lang="en-US"/>
           </a:p>
         </p:txBody>
       </p:sp>
+      <mc:AlternateContent xmlns:mc="http://schemas.openxmlformats.org/markup-compatibility/2006">
+        <mc:Choice xmlns:a14="http://schemas.microsoft.com/office/drawing/2010/main" Requires="a14">
+          <p:sp>
+            <p:nvSpPr>
+              <p:cNvPr id="3" name="Segnaposto contenuto 2">
+                <a:extLst>
+                  <a:ext uri="{FF2B5EF4-FFF2-40B4-BE49-F238E27FC236}">
+                    <a16:creationId xmlns:a16="http://schemas.microsoft.com/office/drawing/2014/main" id="{809A7088-5CA7-F995-76D6-8474414AC797}"/>
+                  </a:ext>
+                </a:extLst>
+              </p:cNvPr>
+              <p:cNvSpPr>
+                <a:spLocks noGrp="1"/>
+              </p:cNvSpPr>
+              <p:nvPr>
+                <p:ph idx="1"/>
+              </p:nvPr>
+            </p:nvSpPr>
+            <p:spPr>
+              <a:xfrm>
+                <a:off x="572493" y="2071316"/>
+                <a:ext cx="6713552" cy="4119172"/>
+              </a:xfrm>
+            </p:spPr>
+            <p:txBody>
+              <a:bodyPr anchor="t">
+                <a:normAutofit/>
+              </a:bodyPr>
+              <a:lstStyle/>
+              <a:p>
+                <a:pPr marL="0" lvl="0" indent="0" eaLnBrk="0" fontAlgn="base" hangingPunct="0">
+                  <a:lnSpc>
+                    <a:spcPct val="100000"/>
+                  </a:lnSpc>
+                  <a:spcBef>
+                    <a:spcPct val="0"/>
+                  </a:spcBef>
+                  <a:spcAft>
+                    <a:spcPct val="0"/>
+                  </a:spcAft>
+                  <a:buNone/>
+                </a:pPr>
+                <a:r>
+                  <a:rPr lang="it-IT" altLang="it-IT" sz="1400" dirty="0"/>
+                  <a:t>La funzione «cis» calcola il control </a:t>
+                </a:r>
+                <a:r>
+                  <a:rPr lang="it-IT" altLang="it-IT" sz="1400" dirty="0" err="1"/>
+                  <a:t>invariant</a:t>
+                </a:r>
+                <a:r>
+                  <a:rPr lang="it-IT" altLang="it-IT" sz="1400" dirty="0"/>
+                  <a:t> set utilizzando un controllore LQR ottimo. Si parte calcolando il guadagno ottimo K tramite «</a:t>
+                </a:r>
+                <a:r>
+                  <a:rPr lang="it-IT" altLang="it-IT" sz="1400" dirty="0" err="1"/>
+                  <a:t>dlqr</a:t>
+                </a:r>
+                <a:r>
+                  <a:rPr lang="it-IT" altLang="it-IT" sz="1400" dirty="0"/>
+                  <a:t>», che viene poi inserito nella dinamica chiusa</a:t>
+                </a:r>
+                <a14:m>
+                  <m:oMath xmlns:m="http://schemas.openxmlformats.org/officeDocument/2006/math">
+                    <m:sSub>
+                      <m:sSubPr>
+                        <m:ctrlPr>
+                          <a:rPr lang="it-IT" altLang="it-IT" sz="1400" i="1" dirty="0"/>
+                        </m:ctrlPr>
+                      </m:sSubPr>
+                      <m:e>
+                        <m:r>
+                          <a:rPr lang="it-IT" altLang="it-IT" sz="1400" b="0" i="1" dirty="0" smtClean="0"/>
+                          <m:t> </m:t>
+                        </m:r>
+                        <m:r>
+                          <a:rPr lang="it-IT" altLang="it-IT" sz="1400" b="0" i="1" dirty="0" smtClean="0"/>
+                          <m:t>𝐴</m:t>
+                        </m:r>
+                      </m:e>
+                      <m:sub>
+                        <m:r>
+                          <a:rPr lang="it-IT" altLang="it-IT" sz="1400" b="0" i="1" dirty="0" smtClean="0"/>
+                          <m:t>𝑙𝑞𝑟</m:t>
+                        </m:r>
+                      </m:sub>
+                    </m:sSub>
+                    <m:r>
+                      <a:rPr lang="it-IT" altLang="it-IT" sz="1400" i="1" dirty="0"/>
+                      <m:t>=</m:t>
+                    </m:r>
+                    <m:r>
+                      <a:rPr lang="it-IT" altLang="it-IT" sz="1400" i="1" dirty="0"/>
+                      <m:t>𝐴</m:t>
+                    </m:r>
+                    <m:r>
+                      <a:rPr lang="it-IT" altLang="it-IT" sz="1400" i="1" dirty="0"/>
+                      <m:t>+</m:t>
+                    </m:r>
+                    <m:r>
+                      <a:rPr lang="it-IT" altLang="it-IT" sz="1400" i="1" dirty="0" smtClean="0"/>
+                      <m:t>𝐵</m:t>
+                    </m:r>
+                    <m:r>
+                      <a:rPr lang="it-IT" altLang="it-IT" sz="1400" b="0" i="1" dirty="0" smtClean="0"/>
+                      <m:t>∗</m:t>
+                    </m:r>
+                    <m:r>
+                      <a:rPr lang="it-IT" altLang="it-IT" sz="1400" i="1" dirty="0"/>
+                      <m:t>𝐾</m:t>
+                    </m:r>
+                  </m:oMath>
+                </a14:m>
+                <a:r>
+                  <a:rPr lang="it-IT" altLang="it-IT" sz="1400" dirty="0"/>
+                  <a:t>.</a:t>
+                </a:r>
+              </a:p>
+              <a:p>
+                <a:pPr marL="0" lvl="0" indent="0" eaLnBrk="0" fontAlgn="base" hangingPunct="0">
+                  <a:lnSpc>
+                    <a:spcPct val="100000"/>
+                  </a:lnSpc>
+                  <a:spcBef>
+                    <a:spcPct val="0"/>
+                  </a:spcBef>
+                  <a:spcAft>
+                    <a:spcPct val="0"/>
+                  </a:spcAft>
+                  <a:buNone/>
+                </a:pPr>
+                <a:r>
+                  <a:rPr lang="it-IT" altLang="it-IT" sz="1400" dirty="0"/>
+                  <a:t>I vincoli su stati e ingressi vengono unificati, sostituendo la legge di controllo negli ingressi: </a:t>
+                </a:r>
+                <a14:m>
+                  <m:oMath xmlns:m="http://schemas.openxmlformats.org/officeDocument/2006/math">
+                    <m:r>
+                      <a:rPr lang="it-IT" altLang="it-IT" sz="1400" i="1" dirty="0" smtClean="0"/>
+                      <m:t>𝑢</m:t>
+                    </m:r>
+                    <m:r>
+                      <a:rPr lang="it-IT" altLang="it-IT" sz="1400" i="1" dirty="0"/>
+                      <m:t>=</m:t>
+                    </m:r>
+                    <m:r>
+                      <a:rPr lang="it-IT" altLang="it-IT" sz="1400" i="1" dirty="0"/>
+                      <m:t>𝐾</m:t>
+                    </m:r>
+                    <m:r>
+                      <a:rPr lang="it-IT" altLang="it-IT" sz="1400" i="1" dirty="0"/>
+                      <m:t>(</m:t>
+                    </m:r>
+                    <m:r>
+                      <a:rPr lang="it-IT" altLang="it-IT" sz="1400" i="1" dirty="0"/>
+                      <m:t>𝑥</m:t>
+                    </m:r>
+                    <m:r>
+                      <a:rPr lang="it-IT" altLang="it-IT" sz="1400" i="1" dirty="0"/>
+                      <m:t>−</m:t>
+                    </m:r>
+                    <m:sSub>
+                      <m:sSubPr>
+                        <m:ctrlPr>
+                          <a:rPr lang="it-IT" altLang="it-IT" sz="1400" i="1" dirty="0" smtClean="0"/>
+                        </m:ctrlPr>
+                      </m:sSubPr>
+                      <m:e>
+                        <m:r>
+                          <a:rPr lang="it-IT" altLang="it-IT" sz="1400" b="0" i="1" dirty="0" smtClean="0"/>
+                          <m:t>𝑥</m:t>
+                        </m:r>
+                      </m:e>
+                      <m:sub>
+                        <m:r>
+                          <a:rPr lang="it-IT" altLang="it-IT" sz="1400" i="1" dirty="0"/>
+                          <m:t>𝑟𝑒𝑓</m:t>
+                        </m:r>
+                      </m:sub>
+                    </m:sSub>
+                    <m:r>
+                      <a:rPr lang="it-IT" altLang="it-IT" sz="1400" i="1" dirty="0" smtClean="0"/>
+                      <m:t>)+</m:t>
+                    </m:r>
+                    <m:sSub>
+                      <m:sSubPr>
+                        <m:ctrlPr>
+                          <a:rPr lang="it-IT" altLang="it-IT" sz="1400" i="1" dirty="0"/>
+                        </m:ctrlPr>
+                      </m:sSubPr>
+                      <m:e>
+                        <m:r>
+                          <a:rPr lang="it-IT" altLang="it-IT" sz="1400" b="0" i="1" dirty="0" smtClean="0"/>
+                          <m:t>𝑢</m:t>
+                        </m:r>
+                      </m:e>
+                      <m:sub>
+                        <m:r>
+                          <a:rPr lang="it-IT" altLang="it-IT" sz="1400" i="1" dirty="0"/>
+                          <m:t>𝑟𝑒𝑓</m:t>
+                        </m:r>
+                      </m:sub>
+                    </m:sSub>
+                  </m:oMath>
+                </a14:m>
+                <a:r>
+                  <a:rPr lang="it-IT" altLang="it-IT" sz="1400" dirty="0"/>
+                  <a:t>​. Così si ottiene un primo poliedro ammissibile </a:t>
+                </a:r>
+              </a:p>
+              <a:p>
+                <a:pPr marL="0" lvl="0" indent="0" eaLnBrk="0" fontAlgn="base" hangingPunct="0">
+                  <a:lnSpc>
+                    <a:spcPct val="100000"/>
+                  </a:lnSpc>
+                  <a:spcBef>
+                    <a:spcPct val="0"/>
+                  </a:spcBef>
+                  <a:spcAft>
+                    <a:spcPct val="0"/>
+                  </a:spcAft>
+                  <a:buNone/>
+                </a:pPr>
+                <a14:m>
+                  <m:oMath xmlns:m="http://schemas.openxmlformats.org/officeDocument/2006/math">
+                    <m:r>
+                      <a:rPr lang="it-IT" altLang="it-IT" sz="1400" i="1" dirty="0" smtClean="0"/>
+                      <m:t>𝐹</m:t>
+                    </m:r>
+                    <m:r>
+                      <a:rPr lang="it-IT" altLang="it-IT" sz="1400" b="0" i="1" dirty="0" smtClean="0"/>
+                      <m:t>∗</m:t>
+                    </m:r>
+                    <m:r>
+                      <a:rPr lang="it-IT" altLang="it-IT" sz="1400" i="1" dirty="0" smtClean="0"/>
+                      <m:t>𝑥</m:t>
+                    </m:r>
+                    <m:r>
+                      <a:rPr lang="it-IT" altLang="it-IT" sz="1400" i="1" dirty="0" smtClean="0"/>
+                      <m:t>≤</m:t>
+                    </m:r>
+                    <m:r>
+                      <a:rPr lang="it-IT" altLang="it-IT" sz="1400" i="1" dirty="0" err="1" smtClean="0"/>
+                      <m:t>𝑓</m:t>
+                    </m:r>
+                  </m:oMath>
+                </a14:m>
+                <a:r>
+                  <a:rPr lang="it-IT" altLang="it-IT" sz="1400" dirty="0"/>
+                  <a:t>.</a:t>
+                </a:r>
+              </a:p>
+              <a:p>
+                <a:pPr marL="0" lvl="0" indent="0" eaLnBrk="0" fontAlgn="base" hangingPunct="0">
+                  <a:lnSpc>
+                    <a:spcPct val="100000"/>
+                  </a:lnSpc>
+                  <a:spcBef>
+                    <a:spcPct val="0"/>
+                  </a:spcBef>
+                  <a:spcAft>
+                    <a:spcPct val="0"/>
+                  </a:spcAft>
+                  <a:buNone/>
+                </a:pPr>
+                <a:r>
+                  <a:rPr lang="it-IT" altLang="it-IT" sz="1400" dirty="0"/>
+                  <a:t>Attraverso un processo iterativo, si aggiungono nuove disuguaglianze che garantiscono l’invarianza del sistema sotto la dinamica controllata. </a:t>
+                </a:r>
+              </a:p>
+              <a:p>
+                <a:pPr marL="0" lvl="0" indent="0" eaLnBrk="0" fontAlgn="base" hangingPunct="0">
+                  <a:lnSpc>
+                    <a:spcPct val="100000"/>
+                  </a:lnSpc>
+                  <a:spcBef>
+                    <a:spcPct val="0"/>
+                  </a:spcBef>
+                  <a:spcAft>
+                    <a:spcPct val="0"/>
+                  </a:spcAft>
+                  <a:buNone/>
+                </a:pPr>
+                <a:r>
+                  <a:rPr lang="it-IT" altLang="it-IT" sz="1400" dirty="0"/>
+                  <a:t>L’iterazione si arresta quando il poliedro non cambia più, identificando l’insieme finale invariante.</a:t>
+                </a:r>
+              </a:p>
+            </p:txBody>
+          </p:sp>
+        </mc:Choice>
+        <mc:Fallback>
+          <p:sp>
+            <p:nvSpPr>
+              <p:cNvPr id="3" name="Segnaposto contenuto 2">
+                <a:extLst>
+                  <a:ext uri="{FF2B5EF4-FFF2-40B4-BE49-F238E27FC236}">
+                    <a16:creationId xmlns:a16="http://schemas.microsoft.com/office/drawing/2014/main" id="{809A7088-5CA7-F995-76D6-8474414AC797}"/>
+                  </a:ext>
+                </a:extLst>
+              </p:cNvPr>
+              <p:cNvSpPr>
+                <a:spLocks noGrp="1" noRot="1" noChangeAspect="1" noMove="1" noResize="1" noEditPoints="1" noAdjustHandles="1" noChangeArrowheads="1" noChangeShapeType="1" noTextEdit="1"/>
+              </p:cNvSpPr>
+              <p:nvPr>
+                <p:ph idx="1"/>
+              </p:nvPr>
+            </p:nvSpPr>
+            <p:spPr>
+              <a:xfrm>
+                <a:off x="572493" y="2071316"/>
+                <a:ext cx="6713552" cy="4119172"/>
+              </a:xfrm>
+              <a:blipFill>
+                <a:blip r:embed="rId2"/>
+                <a:stretch>
+                  <a:fillRect l="-272" t="-296" r="-727"/>
+                </a:stretch>
+              </a:blipFill>
+            </p:spPr>
+            <p:txBody>
+              <a:bodyPr/>
+              <a:lstStyle/>
+              <a:p>
+                <a:r>
+                  <a:rPr lang="it-IT">
+                    <a:noFill/>
+                  </a:rPr>
+                  <a:t> </a:t>
+                </a:r>
+              </a:p>
+            </p:txBody>
+          </p:sp>
+        </mc:Fallback>
+      </mc:AlternateContent>
+      <p:pic>
+        <p:nvPicPr>
+          <p:cNvPr id="6" name="Immagine 5" descr="Immagine che contiene testo, schermata, Carattere, documento&#10;&#10;Il contenuto generato dall'IA potrebbe non essere corretto.">
+            <a:extLst>
+              <a:ext uri="{FF2B5EF4-FFF2-40B4-BE49-F238E27FC236}">
+                <a16:creationId xmlns:a16="http://schemas.microsoft.com/office/drawing/2014/main" id="{CD7A5FD7-5CDD-6E96-D75A-8F3A4DCD45DA}"/>
+              </a:ext>
+            </a:extLst>
+          </p:cNvPr>
+          <p:cNvPicPr>
+            <a:picLocks noChangeAspect="1"/>
+          </p:cNvPicPr>
+          <p:nvPr/>
+        </p:nvPicPr>
+        <p:blipFill>
+          <a:blip r:embed="rId3"/>
+          <a:srcRect r="2141" b="-5"/>
+          <a:stretch>
+            <a:fillRect/>
+          </a:stretch>
+        </p:blipFill>
+        <p:spPr>
+          <a:xfrm>
+            <a:off x="7675658" y="2093976"/>
+            <a:ext cx="3941064" cy="4096512"/>
+          </a:xfrm>
+          <a:prstGeom prst="rect">
+            <a:avLst/>
+          </a:prstGeom>
+        </p:spPr>
+      </p:pic>
+      <p:sp>
+        <p:nvSpPr>
+          <p:cNvPr id="4" name="Segnaposto piè di pagina 3">
+            <a:extLst>
+              <a:ext uri="{FF2B5EF4-FFF2-40B4-BE49-F238E27FC236}">
+                <a16:creationId xmlns:a16="http://schemas.microsoft.com/office/drawing/2014/main" id="{041AE6C5-F5C9-759A-5D78-641B1397C08A}"/>
+              </a:ext>
+            </a:extLst>
+          </p:cNvPr>
+          <p:cNvSpPr>
+            <a:spLocks noGrp="1"/>
+          </p:cNvSpPr>
+          <p:nvPr>
+            <p:ph type="ftr" sz="quarter" idx="11"/>
+          </p:nvPr>
+        </p:nvSpPr>
+        <p:spPr>
+          <a:xfrm>
+            <a:off x="4038600" y="6356350"/>
+            <a:ext cx="4114800" cy="365125"/>
+          </a:xfrm>
+        </p:spPr>
+        <p:txBody>
+          <a:bodyPr>
+            <a:normAutofit/>
+          </a:bodyPr>
+          <a:lstStyle/>
+          <a:p>
+            <a:pPr>
+              <a:spcAft>
+                <a:spcPts val="600"/>
+              </a:spcAft>
+            </a:pPr>
+            <a:r>
+              <a:rPr lang="it-IT"/>
+              <a:t>Davide Brambilla [1080752], Giorgio Passarella[1079287]</a:t>
+            </a:r>
+          </a:p>
+        </p:txBody>
+      </p:sp>
+    </p:spTree>
+    <p:extLst>
+      <p:ext uri="{BB962C8B-B14F-4D97-AF65-F5344CB8AC3E}">
+        <p14:creationId xmlns:p14="http://schemas.microsoft.com/office/powerpoint/2010/main" val="3442574709"/>
+      </p:ext>
+    </p:extLst>
+  </p:cSld>
+  <p:clrMapOvr>
+    <a:masterClrMapping/>
+  </p:clrMapOvr>
+</p:sld>
+</file>
+
+<file path=ppt/slides/slide14.xml><?xml version="1.0" encoding="utf-8"?>
+<p:sld xmlns:a="http://schemas.openxmlformats.org/drawingml/2006/main" xmlns:r="http://schemas.openxmlformats.org/officeDocument/2006/relationships" xmlns:p="http://schemas.openxmlformats.org/presentationml/2006/main">
+  <p:cSld>
+    <p:bg>
+      <p:bgPr>
+        <a:solidFill>
+          <a:schemeClr val="bg1"/>
+        </a:solidFill>
+        <a:effectLst/>
+      </p:bgPr>
+    </p:bg>
+    <p:spTree>
+      <p:nvGrpSpPr>
+        <p:cNvPr id="1" name=""/>
+        <p:cNvGrpSpPr/>
+        <p:nvPr/>
+      </p:nvGrpSpPr>
+      <p:grpSpPr>
+        <a:xfrm>
+          <a:off x="0" y="0"/>
+          <a:ext cx="0" cy="0"/>
+          <a:chOff x="0" y="0"/>
+          <a:chExt cx="0" cy="0"/>
+        </a:xfrm>
+      </p:grpSpPr>
       <p:sp useBgFill="1">
         <p:nvSpPr>
-          <p:cNvPr id="16" name="Rectangle 15">
+          <p:cNvPr id="23" name="Rectangle 12">
             <a:extLst>
               <a:ext uri="{FF2B5EF4-FFF2-40B4-BE49-F238E27FC236}">
-                <a16:creationId xmlns:a16="http://schemas.microsoft.com/office/drawing/2014/main" id="{8E0105E7-23DB-4CF2-8258-FF47C7620F6E}"/>
+                <a16:creationId xmlns:a16="http://schemas.microsoft.com/office/drawing/2014/main" id="{352BEC0E-22F8-46D0-9632-375DB541B06C}"/>
               </a:ext>
               <a:ext uri="{C183D7F6-B498-43B3-948B-1728B52AA6E4}">
                 <adec:decorative xmlns:adec="http://schemas.microsoft.com/office/drawing/2017/decorative" val="1"/>
@@ -5239,166 +8278,12 @@
         </p:nvSpPr>
         <p:spPr>
           <a:xfrm>
-            <a:off x="566928" y="0"/>
-            <a:ext cx="11155680" cy="2011680"/>
+            <a:off x="0" y="0"/>
+            <a:ext cx="12188952" cy="6858000"/>
           </a:xfrm>
           <a:prstGeom prst="rect">
             <a:avLst/>
           </a:prstGeom>
-          <a:ln w="9525">
-            <a:noFill/>
-          </a:ln>
-          <a:effectLst/>
-        </p:spPr>
-        <p:style>
-          <a:lnRef idx="2">
-            <a:schemeClr val="accent1">
-              <a:shade val="50000"/>
-            </a:schemeClr>
-          </a:lnRef>
-          <a:fillRef idx="1">
-            <a:schemeClr val="accent1"/>
-          </a:fillRef>
-          <a:effectRef idx="0">
-            <a:schemeClr val="accent1"/>
-          </a:effectRef>
-          <a:fontRef idx="minor">
-            <a:schemeClr val="lt1"/>
-          </a:fontRef>
-        </p:style>
-        <p:txBody>
-          <a:bodyPr rtlCol="0" anchor="ctr"/>
-          <a:lstStyle/>
-          <a:p>
-            <a:pPr marL="0" marR="0" lvl="0" indent="0" algn="ctr" defTabSz="914400" rtl="0" eaLnBrk="1" fontAlgn="auto" latinLnBrk="0" hangingPunct="1">
-              <a:lnSpc>
-                <a:spcPct val="100000"/>
-              </a:lnSpc>
-              <a:spcBef>
-                <a:spcPts val="0"/>
-              </a:spcBef>
-              <a:spcAft>
-                <a:spcPts val="0"/>
-              </a:spcAft>
-              <a:buClrTx/>
-              <a:buSzTx/>
-              <a:buFontTx/>
-              <a:buNone/>
-              <a:tabLst/>
-              <a:defRPr/>
-            </a:pPr>
-            <a:endParaRPr kumimoji="0" lang="en-US" sz="1800" b="0" i="0" u="none" strike="noStrike" kern="1200" cap="none" spc="0" normalizeH="0" baseline="0" noProof="0">
-              <a:ln>
-                <a:noFill/>
-              </a:ln>
-              <a:solidFill>
-                <a:prstClr val="white"/>
-              </a:solidFill>
-              <a:effectLst/>
-              <a:uLnTx/>
-              <a:uFillTx/>
-              <a:latin typeface="Calibri" panose="020F0502020204030204"/>
-              <a:ea typeface="+mn-ea"/>
-              <a:cs typeface="+mn-cs"/>
-            </a:endParaRPr>
-          </a:p>
-        </p:txBody>
-      </p:sp>
-      <p:sp>
-        <p:nvSpPr>
-          <p:cNvPr id="2" name="Titolo 1">
-            <a:extLst>
-              <a:ext uri="{FF2B5EF4-FFF2-40B4-BE49-F238E27FC236}">
-                <a16:creationId xmlns:a16="http://schemas.microsoft.com/office/drawing/2014/main" id="{D3F1682E-5CAA-4EF3-182B-25617A58A2E3}"/>
-              </a:ext>
-            </a:extLst>
-          </p:cNvPr>
-          <p:cNvSpPr>
-            <a:spLocks noGrp="1"/>
-          </p:cNvSpPr>
-          <p:nvPr>
-            <p:ph type="title"/>
-          </p:nvPr>
-        </p:nvSpPr>
-        <p:spPr>
-          <a:xfrm>
-            <a:off x="1115568" y="548640"/>
-            <a:ext cx="10168128" cy="1179576"/>
-          </a:xfrm>
-        </p:spPr>
-        <p:txBody>
-          <a:bodyPr vert="horz" lIns="91440" tIns="45720" rIns="91440" bIns="45720" rtlCol="0" anchor="ctr">
-            <a:normAutofit/>
-          </a:bodyPr>
-          <a:lstStyle/>
-          <a:p>
-            <a:r>
-              <a:rPr lang="en-US" sz="4000" kern="1200">
-                <a:solidFill>
-                  <a:schemeClr val="tx1"/>
-                </a:solidFill>
-                <a:latin typeface="+mj-lt"/>
-                <a:ea typeface="+mj-ea"/>
-                <a:cs typeface="+mj-cs"/>
-              </a:rPr>
-              <a:t>Raggiungibilità – </a:t>
-            </a:r>
-            <a:r>
-              <a:rPr lang="en-US" sz="4000" i="1" kern="1200">
-                <a:solidFill>
-                  <a:schemeClr val="tx1"/>
-                </a:solidFill>
-                <a:latin typeface="+mj-lt"/>
-                <a:ea typeface="+mj-ea"/>
-                <a:cs typeface="+mj-cs"/>
-              </a:rPr>
-              <a:t>«modello.m»</a:t>
-            </a:r>
-            <a:endParaRPr lang="en-US" sz="4000" kern="1200">
-              <a:solidFill>
-                <a:schemeClr val="tx1"/>
-              </a:solidFill>
-              <a:latin typeface="+mj-lt"/>
-              <a:ea typeface="+mj-ea"/>
-              <a:cs typeface="+mj-cs"/>
-            </a:endParaRPr>
-          </a:p>
-        </p:txBody>
-      </p:sp>
-      <p:sp>
-        <p:nvSpPr>
-          <p:cNvPr id="18" name="Rectangle 17">
-            <a:extLst>
-              <a:ext uri="{FF2B5EF4-FFF2-40B4-BE49-F238E27FC236}">
-                <a16:creationId xmlns:a16="http://schemas.microsoft.com/office/drawing/2014/main" id="{074B4F7D-14B2-478B-8BF5-01E4E0C5D263}"/>
-              </a:ext>
-              <a:ext uri="{C183D7F6-B498-43B3-948B-1728B52AA6E4}">
-                <adec:decorative xmlns:adec="http://schemas.microsoft.com/office/drawing/2017/decorative" val="1"/>
-              </a:ext>
-            </a:extLst>
-          </p:cNvPr>
-          <p:cNvSpPr>
-            <a:spLocks noGrp="1" noRot="1" noChangeAspect="1" noMove="1" noResize="1" noEditPoints="1" noAdjustHandles="1" noChangeArrowheads="1" noChangeShapeType="1" noTextEdit="1"/>
-          </p:cNvSpPr>
-          <p:nvPr>
-            <p:extLst>
-              <p:ext uri="{386F3935-93C4-4BCD-93E2-E3B085C9AB24}">
-                <p16:designElem xmlns:p16="http://schemas.microsoft.com/office/powerpoint/2015/main" val="1"/>
-              </p:ext>
-            </p:extLst>
-          </p:nvPr>
-        </p:nvSpPr>
-        <p:spPr>
-          <a:xfrm>
-            <a:off x="498834" y="758952"/>
-            <a:ext cx="128016" cy="704088"/>
-          </a:xfrm>
-          <a:prstGeom prst="rect">
-            <a:avLst/>
-          </a:prstGeom>
-          <a:solidFill>
-            <a:schemeClr val="accent2"/>
-          </a:solidFill>
           <a:ln>
             <a:noFill/>
           </a:ln>
@@ -5424,838 +8309,756 @@
           <a:lstStyle/>
           <a:p>
             <a:pPr algn="ctr"/>
-            <a:endParaRPr lang="en-US">
-              <a:solidFill>
-                <a:prstClr val="white"/>
-              </a:solidFill>
-              <a:latin typeface="Calibri" panose="020F0502020204030204"/>
-            </a:endParaRPr>
+            <a:endParaRPr lang="en-US"/>
           </a:p>
         </p:txBody>
       </p:sp>
       <p:sp>
         <p:nvSpPr>
-          <p:cNvPr id="6" name="Rectangle 1">
+          <p:cNvPr id="2" name="Titolo 1">
             <a:extLst>
               <a:ext uri="{FF2B5EF4-FFF2-40B4-BE49-F238E27FC236}">
-                <a16:creationId xmlns:a16="http://schemas.microsoft.com/office/drawing/2014/main" id="{F3EA9266-3D85-6477-22B4-9AB24F55867E}"/>
+                <a16:creationId xmlns:a16="http://schemas.microsoft.com/office/drawing/2014/main" id="{F5A9D80E-BC28-3BCC-27A3-815019971974}"/>
               </a:ext>
             </a:extLst>
           </p:cNvPr>
           <p:cNvSpPr>
-            <a:spLocks noChangeArrowheads="1"/>
+            <a:spLocks noGrp="1"/>
           </p:cNvSpPr>
+          <p:nvPr>
+            <p:ph type="title"/>
+          </p:nvPr>
+        </p:nvSpPr>
+        <p:spPr>
+          <a:xfrm>
+            <a:off x="640080" y="329184"/>
+            <a:ext cx="6894576" cy="1783080"/>
+          </a:xfrm>
+        </p:spPr>
+        <p:txBody>
+          <a:bodyPr anchor="b">
+            <a:normAutofit/>
+          </a:bodyPr>
+          <a:lstStyle/>
+          <a:p>
+            <a:r>
+              <a:rPr lang="it-IT" sz="5400" dirty="0"/>
+              <a:t>Plot CIS</a:t>
+            </a:r>
+          </a:p>
+        </p:txBody>
+      </p:sp>
+      <p:sp>
+        <p:nvSpPr>
+          <p:cNvPr id="24" name="sketch line">
+            <a:extLst>
+              <a:ext uri="{FF2B5EF4-FFF2-40B4-BE49-F238E27FC236}">
+                <a16:creationId xmlns:a16="http://schemas.microsoft.com/office/drawing/2014/main" id="{3FCFB1DE-0B7E-48CC-BA90-B2AB0889F9D6}"/>
+              </a:ext>
+              <a:ext uri="{C183D7F6-B498-43B3-948B-1728B52AA6E4}">
+                <adec:decorative xmlns:adec="http://schemas.microsoft.com/office/drawing/2017/decorative" val="1"/>
+              </a:ext>
+            </a:extLst>
+          </p:cNvPr>
+          <p:cNvSpPr>
+            <a:spLocks noGrp="1" noRot="1" noChangeAspect="1" noMove="1" noResize="1" noEditPoints="1" noAdjustHandles="1" noChangeArrowheads="1" noChangeShapeType="1" noTextEdit="1"/>
+          </p:cNvSpPr>
+          <p:nvPr>
+            <p:extLst>
+              <p:ext uri="{386F3935-93C4-4BCD-93E2-E3B085C9AB24}">
+                <p16:designElem xmlns:p16="http://schemas.microsoft.com/office/powerpoint/2015/main" val="1"/>
+              </p:ext>
+            </p:extLst>
+          </p:nvPr>
+        </p:nvSpPr>
+        <p:spPr>
+          <a:xfrm>
+            <a:off x="758952" y="2395728"/>
+            <a:ext cx="4243589" cy="18288"/>
+          </a:xfrm>
+          <a:custGeom>
+            <a:avLst/>
+            <a:gdLst>
+              <a:gd name="connsiteX0" fmla="*/ 0 w 4243589"/>
+              <a:gd name="connsiteY0" fmla="*/ 0 h 18288"/>
+              <a:gd name="connsiteX1" fmla="*/ 478919 w 4243589"/>
+              <a:gd name="connsiteY1" fmla="*/ 0 h 18288"/>
+              <a:gd name="connsiteX2" fmla="*/ 957839 w 4243589"/>
+              <a:gd name="connsiteY2" fmla="*/ 0 h 18288"/>
+              <a:gd name="connsiteX3" fmla="*/ 1521630 w 4243589"/>
+              <a:gd name="connsiteY3" fmla="*/ 0 h 18288"/>
+              <a:gd name="connsiteX4" fmla="*/ 2212729 w 4243589"/>
+              <a:gd name="connsiteY4" fmla="*/ 0 h 18288"/>
+              <a:gd name="connsiteX5" fmla="*/ 2734084 w 4243589"/>
+              <a:gd name="connsiteY5" fmla="*/ 0 h 18288"/>
+              <a:gd name="connsiteX6" fmla="*/ 3255439 w 4243589"/>
+              <a:gd name="connsiteY6" fmla="*/ 0 h 18288"/>
+              <a:gd name="connsiteX7" fmla="*/ 4243589 w 4243589"/>
+              <a:gd name="connsiteY7" fmla="*/ 0 h 18288"/>
+              <a:gd name="connsiteX8" fmla="*/ 4243589 w 4243589"/>
+              <a:gd name="connsiteY8" fmla="*/ 18288 h 18288"/>
+              <a:gd name="connsiteX9" fmla="*/ 3594926 w 4243589"/>
+              <a:gd name="connsiteY9" fmla="*/ 18288 h 18288"/>
+              <a:gd name="connsiteX10" fmla="*/ 3073571 w 4243589"/>
+              <a:gd name="connsiteY10" fmla="*/ 18288 h 18288"/>
+              <a:gd name="connsiteX11" fmla="*/ 2552216 w 4243589"/>
+              <a:gd name="connsiteY11" fmla="*/ 18288 h 18288"/>
+              <a:gd name="connsiteX12" fmla="*/ 1903553 w 4243589"/>
+              <a:gd name="connsiteY12" fmla="*/ 18288 h 18288"/>
+              <a:gd name="connsiteX13" fmla="*/ 1212454 w 4243589"/>
+              <a:gd name="connsiteY13" fmla="*/ 18288 h 18288"/>
+              <a:gd name="connsiteX14" fmla="*/ 733535 w 4243589"/>
+              <a:gd name="connsiteY14" fmla="*/ 18288 h 18288"/>
+              <a:gd name="connsiteX15" fmla="*/ 0 w 4243589"/>
+              <a:gd name="connsiteY15" fmla="*/ 18288 h 18288"/>
+              <a:gd name="connsiteX16" fmla="*/ 0 w 4243589"/>
+              <a:gd name="connsiteY16" fmla="*/ 0 h 18288"/>
+            </a:gdLst>
+            <a:ahLst/>
+            <a:cxnLst>
+              <a:cxn ang="0">
+                <a:pos x="connsiteX0" y="connsiteY0"/>
+              </a:cxn>
+              <a:cxn ang="0">
+                <a:pos x="connsiteX1" y="connsiteY1"/>
+              </a:cxn>
+              <a:cxn ang="0">
+                <a:pos x="connsiteX2" y="connsiteY2"/>
+              </a:cxn>
+              <a:cxn ang="0">
+                <a:pos x="connsiteX3" y="connsiteY3"/>
+              </a:cxn>
+              <a:cxn ang="0">
+                <a:pos x="connsiteX4" y="connsiteY4"/>
+              </a:cxn>
+              <a:cxn ang="0">
+                <a:pos x="connsiteX5" y="connsiteY5"/>
+              </a:cxn>
+              <a:cxn ang="0">
+                <a:pos x="connsiteX6" y="connsiteY6"/>
+              </a:cxn>
+              <a:cxn ang="0">
+                <a:pos x="connsiteX7" y="connsiteY7"/>
+              </a:cxn>
+              <a:cxn ang="0">
+                <a:pos x="connsiteX8" y="connsiteY8"/>
+              </a:cxn>
+              <a:cxn ang="0">
+                <a:pos x="connsiteX9" y="connsiteY9"/>
+              </a:cxn>
+              <a:cxn ang="0">
+                <a:pos x="connsiteX10" y="connsiteY10"/>
+              </a:cxn>
+              <a:cxn ang="0">
+                <a:pos x="connsiteX11" y="connsiteY11"/>
+              </a:cxn>
+              <a:cxn ang="0">
+                <a:pos x="connsiteX12" y="connsiteY12"/>
+              </a:cxn>
+              <a:cxn ang="0">
+                <a:pos x="connsiteX13" y="connsiteY13"/>
+              </a:cxn>
+              <a:cxn ang="0">
+                <a:pos x="connsiteX14" y="connsiteY14"/>
+              </a:cxn>
+              <a:cxn ang="0">
+                <a:pos x="connsiteX15" y="connsiteY15"/>
+              </a:cxn>
+              <a:cxn ang="0">
+                <a:pos x="connsiteX16" y="connsiteY16"/>
+              </a:cxn>
+            </a:cxnLst>
+            <a:rect l="l" t="t" r="r" b="b"/>
+            <a:pathLst>
+              <a:path w="4243589" h="18288" fill="none" extrusionOk="0">
+                <a:moveTo>
+                  <a:pt x="0" y="0"/>
+                </a:moveTo>
+                <a:cubicBezTo>
+                  <a:pt x="213395" y="-21006"/>
+                  <a:pt x="307421" y="-18116"/>
+                  <a:pt x="478919" y="0"/>
+                </a:cubicBezTo>
+                <a:cubicBezTo>
+                  <a:pt x="650417" y="18116"/>
+                  <a:pt x="831092" y="-21237"/>
+                  <a:pt x="957839" y="0"/>
+                </a:cubicBezTo>
+                <a:cubicBezTo>
+                  <a:pt x="1084586" y="21237"/>
+                  <a:pt x="1301682" y="25124"/>
+                  <a:pt x="1521630" y="0"/>
+                </a:cubicBezTo>
+                <a:cubicBezTo>
+                  <a:pt x="1741578" y="-25124"/>
+                  <a:pt x="1970269" y="-29139"/>
+                  <a:pt x="2212729" y="0"/>
+                </a:cubicBezTo>
+                <a:cubicBezTo>
+                  <a:pt x="2455189" y="29139"/>
+                  <a:pt x="2558847" y="-4796"/>
+                  <a:pt x="2734084" y="0"/>
+                </a:cubicBezTo>
+                <a:cubicBezTo>
+                  <a:pt x="2909321" y="4796"/>
+                  <a:pt x="3097217" y="-13409"/>
+                  <a:pt x="3255439" y="0"/>
+                </a:cubicBezTo>
+                <a:cubicBezTo>
+                  <a:pt x="3413662" y="13409"/>
+                  <a:pt x="3979999" y="-10121"/>
+                  <a:pt x="4243589" y="0"/>
+                </a:cubicBezTo>
+                <a:cubicBezTo>
+                  <a:pt x="4244484" y="8974"/>
+                  <a:pt x="4243043" y="9359"/>
+                  <a:pt x="4243589" y="18288"/>
+                </a:cubicBezTo>
+                <a:cubicBezTo>
+                  <a:pt x="4058777" y="31246"/>
+                  <a:pt x="3910348" y="3158"/>
+                  <a:pt x="3594926" y="18288"/>
+                </a:cubicBezTo>
+                <a:cubicBezTo>
+                  <a:pt x="3279504" y="33418"/>
+                  <a:pt x="3319955" y="-3977"/>
+                  <a:pt x="3073571" y="18288"/>
+                </a:cubicBezTo>
+                <a:cubicBezTo>
+                  <a:pt x="2827187" y="40553"/>
+                  <a:pt x="2767387" y="1863"/>
+                  <a:pt x="2552216" y="18288"/>
+                </a:cubicBezTo>
+                <a:cubicBezTo>
+                  <a:pt x="2337046" y="34713"/>
+                  <a:pt x="2181871" y="19527"/>
+                  <a:pt x="1903553" y="18288"/>
+                </a:cubicBezTo>
+                <a:cubicBezTo>
+                  <a:pt x="1625235" y="17049"/>
+                  <a:pt x="1557672" y="24174"/>
+                  <a:pt x="1212454" y="18288"/>
+                </a:cubicBezTo>
+                <a:cubicBezTo>
+                  <a:pt x="867236" y="12402"/>
+                  <a:pt x="874382" y="15627"/>
+                  <a:pt x="733535" y="18288"/>
+                </a:cubicBezTo>
+                <a:cubicBezTo>
+                  <a:pt x="592688" y="20949"/>
+                  <a:pt x="183477" y="14753"/>
+                  <a:pt x="0" y="18288"/>
+                </a:cubicBezTo>
+                <a:cubicBezTo>
+                  <a:pt x="-229" y="14222"/>
+                  <a:pt x="509" y="5816"/>
+                  <a:pt x="0" y="0"/>
+                </a:cubicBezTo>
+                <a:close/>
+              </a:path>
+              <a:path w="4243589" h="18288" stroke="0" extrusionOk="0">
+                <a:moveTo>
+                  <a:pt x="0" y="0"/>
+                </a:moveTo>
+                <a:cubicBezTo>
+                  <a:pt x="143690" y="16630"/>
+                  <a:pt x="266667" y="14847"/>
+                  <a:pt x="521355" y="0"/>
+                </a:cubicBezTo>
+                <a:cubicBezTo>
+                  <a:pt x="776043" y="-14847"/>
+                  <a:pt x="814491" y="-17363"/>
+                  <a:pt x="1000275" y="0"/>
+                </a:cubicBezTo>
+                <a:cubicBezTo>
+                  <a:pt x="1186059" y="17363"/>
+                  <a:pt x="1352504" y="-23507"/>
+                  <a:pt x="1521630" y="0"/>
+                </a:cubicBezTo>
+                <a:cubicBezTo>
+                  <a:pt x="1690756" y="23507"/>
+                  <a:pt x="1889525" y="5871"/>
+                  <a:pt x="2127857" y="0"/>
+                </a:cubicBezTo>
+                <a:cubicBezTo>
+                  <a:pt x="2366189" y="-5871"/>
+                  <a:pt x="2620628" y="-27997"/>
+                  <a:pt x="2776520" y="0"/>
+                </a:cubicBezTo>
+                <a:cubicBezTo>
+                  <a:pt x="2932412" y="27997"/>
+                  <a:pt x="3131683" y="-25073"/>
+                  <a:pt x="3467618" y="0"/>
+                </a:cubicBezTo>
+                <a:cubicBezTo>
+                  <a:pt x="3803553" y="25073"/>
+                  <a:pt x="4017371" y="3071"/>
+                  <a:pt x="4243589" y="0"/>
+                </a:cubicBezTo>
+                <a:cubicBezTo>
+                  <a:pt x="4243134" y="6162"/>
+                  <a:pt x="4243492" y="11775"/>
+                  <a:pt x="4243589" y="18288"/>
+                </a:cubicBezTo>
+                <a:cubicBezTo>
+                  <a:pt x="4017834" y="-5779"/>
+                  <a:pt x="3834586" y="13376"/>
+                  <a:pt x="3594926" y="18288"/>
+                </a:cubicBezTo>
+                <a:cubicBezTo>
+                  <a:pt x="3355266" y="23200"/>
+                  <a:pt x="3204179" y="2869"/>
+                  <a:pt x="2903827" y="18288"/>
+                </a:cubicBezTo>
+                <a:cubicBezTo>
+                  <a:pt x="2603475" y="33707"/>
+                  <a:pt x="2526187" y="46187"/>
+                  <a:pt x="2212729" y="18288"/>
+                </a:cubicBezTo>
+                <a:cubicBezTo>
+                  <a:pt x="1899271" y="-9611"/>
+                  <a:pt x="1966289" y="29692"/>
+                  <a:pt x="1733809" y="18288"/>
+                </a:cubicBezTo>
+                <a:cubicBezTo>
+                  <a:pt x="1501329" y="6884"/>
+                  <a:pt x="1343612" y="12492"/>
+                  <a:pt x="1085146" y="18288"/>
+                </a:cubicBezTo>
+                <a:cubicBezTo>
+                  <a:pt x="826680" y="24084"/>
+                  <a:pt x="778184" y="35607"/>
+                  <a:pt x="521355" y="18288"/>
+                </a:cubicBezTo>
+                <a:cubicBezTo>
+                  <a:pt x="264526" y="969"/>
+                  <a:pt x="120277" y="4268"/>
+                  <a:pt x="0" y="18288"/>
+                </a:cubicBezTo>
+                <a:cubicBezTo>
+                  <a:pt x="766" y="10800"/>
+                  <a:pt x="-457" y="8180"/>
+                  <a:pt x="0" y="0"/>
+                </a:cubicBezTo>
+                <a:close/>
+              </a:path>
+            </a:pathLst>
+          </a:custGeom>
+          <a:solidFill>
+            <a:schemeClr val="accent2"/>
+          </a:solidFill>
+          <a:ln w="41275" cap="rnd">
+            <a:solidFill>
+              <a:schemeClr val="accent2"/>
+            </a:solidFill>
+            <a:round/>
+            <a:extLst>
+              <a:ext uri="{C807C97D-BFC1-408E-A445-0C87EB9F89A2}">
+                <ask:lineSketchStyleProps xmlns:ask="http://schemas.microsoft.com/office/drawing/2018/sketchyshapes" sd="2727557108">
+                  <a:prstGeom prst="rect">
+                    <a:avLst/>
+                  </a:prstGeom>
+                  <ask:type>
+                    <ask:lineSketchFreehand/>
+                  </ask:type>
+                </ask:lineSketchStyleProps>
+              </a:ext>
+            </a:extLst>
+          </a:ln>
+        </p:spPr>
+        <p:style>
+          <a:lnRef idx="2">
+            <a:schemeClr val="accent1">
+              <a:shade val="50000"/>
+            </a:schemeClr>
+          </a:lnRef>
+          <a:fillRef idx="1">
+            <a:schemeClr val="accent1"/>
+          </a:fillRef>
+          <a:effectRef idx="0">
+            <a:schemeClr val="accent1"/>
+          </a:effectRef>
+          <a:fontRef idx="minor">
+            <a:schemeClr val="lt1"/>
+          </a:fontRef>
+        </p:style>
+        <p:txBody>
+          <a:bodyPr rtlCol="0" anchor="ctr"/>
+          <a:lstStyle/>
+          <a:p>
+            <a:pPr algn="ctr"/>
+            <a:endParaRPr lang="en-US"/>
+          </a:p>
+        </p:txBody>
+      </p:sp>
+      <mc:AlternateContent xmlns:mc="http://schemas.openxmlformats.org/markup-compatibility/2006">
+        <mc:Choice xmlns:a14="http://schemas.microsoft.com/office/drawing/2010/main" Requires="a14">
+          <p:sp>
+            <p:nvSpPr>
+              <p:cNvPr id="3" name="Segnaposto contenuto 2">
+                <a:extLst>
+                  <a:ext uri="{FF2B5EF4-FFF2-40B4-BE49-F238E27FC236}">
+                    <a16:creationId xmlns:a16="http://schemas.microsoft.com/office/drawing/2014/main" id="{95D262A8-16D4-2F2E-500A-7A60FEED4516}"/>
+                  </a:ext>
+                </a:extLst>
+              </p:cNvPr>
+              <p:cNvSpPr>
+                <a:spLocks noGrp="1"/>
+              </p:cNvSpPr>
+              <p:nvPr>
+                <p:ph idx="1"/>
+              </p:nvPr>
+            </p:nvSpPr>
+            <p:spPr>
+              <a:xfrm>
+                <a:off x="640080" y="2706624"/>
+                <a:ext cx="6894576" cy="3483864"/>
+              </a:xfrm>
+            </p:spPr>
+            <p:txBody>
+              <a:bodyPr>
+                <a:normAutofit/>
+              </a:bodyPr>
+              <a:lstStyle/>
+              <a:p>
+                <a:pPr marL="0" indent="0">
+                  <a:lnSpc>
+                    <a:spcPct val="100000"/>
+                  </a:lnSpc>
+                  <a:buNone/>
+                </a:pPr>
+                <a:r>
+                  <a:rPr lang="it-IT" sz="1800" dirty="0"/>
+                  <a:t>La chiamata della funzione «cis» restituisce le disuguaglianze relative a control </a:t>
+                </a:r>
+                <a:r>
+                  <a:rPr lang="it-IT" sz="1800" dirty="0" err="1"/>
+                  <a:t>invariant</a:t>
+                </a:r>
+                <a:r>
+                  <a:rPr lang="it-IT" sz="1800" dirty="0"/>
+                  <a:t> set che verranno rappresentate in un oggetto </a:t>
+                </a:r>
+                <a:r>
+                  <a:rPr lang="it-IT" sz="1800" dirty="0" err="1"/>
+                  <a:t>polyedron</a:t>
+                </a:r>
+                <a:r>
+                  <a:rPr lang="it-IT" sz="1800" dirty="0"/>
+                  <a:t> effettuando delle proiezioni dui piani (</a:t>
+                </a:r>
+                <a14:m>
+                  <m:oMath xmlns:m="http://schemas.openxmlformats.org/officeDocument/2006/math">
+                    <m:sSub>
+                      <m:sSubPr>
+                        <m:ctrlPr>
+                          <a:rPr lang="it-IT" sz="1800" i="1" dirty="0" smtClean="0"/>
+                        </m:ctrlPr>
+                      </m:sSubPr>
+                      <m:e>
+                        <m:r>
+                          <a:rPr lang="it-IT" sz="1800" b="0" i="1" dirty="0" smtClean="0"/>
+                          <m:t>h</m:t>
+                        </m:r>
+                      </m:e>
+                      <m:sub>
+                        <m:r>
+                          <a:rPr lang="it-IT" sz="1800" b="0" i="1" dirty="0" smtClean="0"/>
+                          <m:t>1</m:t>
+                        </m:r>
+                      </m:sub>
+                    </m:sSub>
+                  </m:oMath>
+                </a14:m>
+                <a:r>
+                  <a:rPr lang="it-IT" sz="1800" dirty="0"/>
+                  <a:t>, </a:t>
+                </a:r>
+                <a14:m>
+                  <m:oMath xmlns:m="http://schemas.openxmlformats.org/officeDocument/2006/math">
+                    <m:sSub>
+                      <m:sSubPr>
+                        <m:ctrlPr>
+                          <a:rPr lang="it-IT" sz="1800" i="1" dirty="0"/>
+                        </m:ctrlPr>
+                      </m:sSubPr>
+                      <m:e>
+                        <m:r>
+                          <a:rPr lang="it-IT" sz="1800" i="1" dirty="0"/>
+                          <m:t>h</m:t>
+                        </m:r>
+                      </m:e>
+                      <m:sub>
+                        <m:r>
+                          <a:rPr lang="it-IT" sz="1800" b="0" i="1" dirty="0" smtClean="0"/>
+                          <m:t>3</m:t>
+                        </m:r>
+                      </m:sub>
+                    </m:sSub>
+                  </m:oMath>
+                </a14:m>
+                <a:r>
+                  <a:rPr lang="it-IT" sz="1800" dirty="0"/>
+                  <a:t>) e (</a:t>
+                </a:r>
+                <a14:m>
+                  <m:oMath xmlns:m="http://schemas.openxmlformats.org/officeDocument/2006/math">
+                    <m:sSub>
+                      <m:sSubPr>
+                        <m:ctrlPr>
+                          <a:rPr lang="it-IT" sz="1800" i="1" dirty="0"/>
+                        </m:ctrlPr>
+                      </m:sSubPr>
+                      <m:e>
+                        <m:r>
+                          <a:rPr lang="it-IT" sz="1800" i="1" dirty="0"/>
+                          <m:t>h</m:t>
+                        </m:r>
+                      </m:e>
+                      <m:sub>
+                        <m:r>
+                          <a:rPr lang="it-IT" sz="1800" b="0" i="1" dirty="0" smtClean="0"/>
+                          <m:t>2</m:t>
+                        </m:r>
+                      </m:sub>
+                    </m:sSub>
+                  </m:oMath>
+                </a14:m>
+                <a:r>
+                  <a:rPr lang="it-IT" sz="1800" dirty="0"/>
+                  <a:t>, </a:t>
+                </a:r>
+                <a14:m>
+                  <m:oMath xmlns:m="http://schemas.openxmlformats.org/officeDocument/2006/math">
+                    <m:sSub>
+                      <m:sSubPr>
+                        <m:ctrlPr>
+                          <a:rPr lang="it-IT" sz="1800" i="1" dirty="0"/>
+                        </m:ctrlPr>
+                      </m:sSubPr>
+                      <m:e>
+                        <m:r>
+                          <a:rPr lang="it-IT" sz="1800" i="1" dirty="0"/>
+                          <m:t>h</m:t>
+                        </m:r>
+                      </m:e>
+                      <m:sub>
+                        <m:r>
+                          <a:rPr lang="it-IT" sz="1800" b="0" i="1" dirty="0" smtClean="0"/>
+                          <m:t>4</m:t>
+                        </m:r>
+                      </m:sub>
+                    </m:sSub>
+                  </m:oMath>
+                </a14:m>
+                <a:r>
+                  <a:rPr lang="it-IT" sz="1800" dirty="0"/>
+                  <a:t>).</a:t>
+                </a:r>
+              </a:p>
+              <a:p>
+                <a:pPr marL="0" indent="0">
+                  <a:lnSpc>
+                    <a:spcPct val="100000"/>
+                  </a:lnSpc>
+                  <a:buNone/>
+                </a:pPr>
+                <a:r>
+                  <a:rPr lang="it-IT" sz="1800" dirty="0"/>
+                  <a:t>I due </a:t>
+                </a:r>
+                <a:r>
+                  <a:rPr lang="it-IT" sz="1800" dirty="0" err="1"/>
+                  <a:t>subplot</a:t>
+                </a:r>
+                <a:r>
+                  <a:rPr lang="it-IT" sz="1800" dirty="0"/>
+                  <a:t> mostrano graficamente le aree ammissibili in cui, al variare dei livelli dei serbatoi, il sistema controllato non violerà mai i vincoli.</a:t>
+                </a:r>
+              </a:p>
+              <a:p>
+                <a:pPr marL="0" indent="0">
+                  <a:lnSpc>
+                    <a:spcPct val="100000"/>
+                  </a:lnSpc>
+                  <a:buNone/>
+                </a:pPr>
+                <a:r>
+                  <a:rPr lang="it-IT" sz="1800" dirty="0"/>
+                  <a:t>è stato scelto di dare un peso molto alto a </a:t>
+                </a:r>
+                <a14:m>
+                  <m:oMath xmlns:m="http://schemas.openxmlformats.org/officeDocument/2006/math">
+                    <m:sSub>
+                      <m:sSubPr>
+                        <m:ctrlPr>
+                          <a:rPr lang="it-IT" sz="1800" i="1" dirty="0"/>
+                        </m:ctrlPr>
+                      </m:sSubPr>
+                      <m:e>
+                        <m:r>
+                          <a:rPr lang="it-IT" sz="1800" i="1" dirty="0"/>
+                          <m:t>h</m:t>
+                        </m:r>
+                      </m:e>
+                      <m:sub>
+                        <m:r>
+                          <a:rPr lang="it-IT" sz="1800" i="1" dirty="0"/>
+                          <m:t>3</m:t>
+                        </m:r>
+                      </m:sub>
+                    </m:sSub>
+                  </m:oMath>
+                </a14:m>
+                <a:r>
+                  <a:rPr lang="it-IT" sz="1800" dirty="0"/>
+                  <a:t> e </a:t>
+                </a:r>
+                <a14:m>
+                  <m:oMath xmlns:m="http://schemas.openxmlformats.org/officeDocument/2006/math">
+                    <m:sSub>
+                      <m:sSubPr>
+                        <m:ctrlPr>
+                          <a:rPr lang="it-IT" sz="1800" i="1" dirty="0"/>
+                        </m:ctrlPr>
+                      </m:sSubPr>
+                      <m:e>
+                        <m:r>
+                          <a:rPr lang="it-IT" sz="1800" i="1" dirty="0"/>
+                          <m:t>h</m:t>
+                        </m:r>
+                      </m:e>
+                      <m:sub>
+                        <m:r>
+                          <a:rPr lang="it-IT" sz="1800" i="1" dirty="0"/>
+                          <m:t>4</m:t>
+                        </m:r>
+                      </m:sub>
+                    </m:sSub>
+                    <m:r>
+                      <a:rPr lang="it-IT" sz="1800" i="1" dirty="0"/>
+                      <m:t> </m:t>
+                    </m:r>
+                  </m:oMath>
+                </a14:m>
+                <a:r>
+                  <a:rPr lang="it-IT" sz="1800" dirty="0"/>
+                  <a:t>in Q perché qualsiasi scostamento di quei livelli è particolarmente critico. Allo stesso tempo un R elevato penalizza duramente le variazioni di ingresso, spingendo il regolatore ad operare più lentamente.</a:t>
+                </a:r>
+              </a:p>
+            </p:txBody>
+          </p:sp>
+        </mc:Choice>
+        <mc:Fallback>
+          <p:sp>
+            <p:nvSpPr>
+              <p:cNvPr id="3" name="Segnaposto contenuto 2">
+                <a:extLst>
+                  <a:ext uri="{FF2B5EF4-FFF2-40B4-BE49-F238E27FC236}">
+                    <a16:creationId xmlns:a16="http://schemas.microsoft.com/office/drawing/2014/main" id="{95D262A8-16D4-2F2E-500A-7A60FEED4516}"/>
+                  </a:ext>
+                </a:extLst>
+              </p:cNvPr>
+              <p:cNvSpPr>
+                <a:spLocks noGrp="1" noRot="1" noChangeAspect="1" noMove="1" noResize="1" noEditPoints="1" noAdjustHandles="1" noChangeArrowheads="1" noChangeShapeType="1" noTextEdit="1"/>
+              </p:cNvSpPr>
+              <p:nvPr>
+                <p:ph idx="1"/>
+              </p:nvPr>
+            </p:nvSpPr>
+            <p:spPr>
+              <a:xfrm>
+                <a:off x="640080" y="2706624"/>
+                <a:ext cx="6894576" cy="3483864"/>
+              </a:xfrm>
+              <a:blipFill>
+                <a:blip r:embed="rId2"/>
+                <a:stretch>
+                  <a:fillRect l="-707" t="-699"/>
+                </a:stretch>
+              </a:blipFill>
+            </p:spPr>
+            <p:txBody>
+              <a:bodyPr/>
+              <a:lstStyle/>
+              <a:p>
+                <a:r>
+                  <a:rPr lang="it-IT">
+                    <a:noFill/>
+                  </a:rPr>
+                  <a:t> </a:t>
+                </a:r>
+              </a:p>
+            </p:txBody>
+          </p:sp>
+        </mc:Fallback>
+      </mc:AlternateContent>
+      <p:pic>
+        <p:nvPicPr>
+          <p:cNvPr id="6" name="Immagine 5" descr="Immagine che contiene testo, schermata, Carattere, Rettangolo&#10;&#10;Il contenuto generato dall'IA potrebbe non essere corretto.">
+            <a:extLst>
+              <a:ext uri="{FF2B5EF4-FFF2-40B4-BE49-F238E27FC236}">
+                <a16:creationId xmlns:a16="http://schemas.microsoft.com/office/drawing/2014/main" id="{080DB302-574D-7005-25CF-98B1896C3A65}"/>
+              </a:ext>
+            </a:extLst>
+          </p:cNvPr>
+          <p:cNvPicPr>
+            <a:picLocks noChangeAspect="1"/>
+          </p:cNvPicPr>
           <p:nvPr/>
-        </p:nvSpPr>
-        <p:spPr bwMode="auto">
+        </p:nvPicPr>
+        <p:blipFill>
+          <a:blip r:embed="rId3"/>
+          <a:stretch>
+            <a:fillRect/>
+          </a:stretch>
+        </p:blipFill>
+        <p:spPr>
           <a:xfrm>
-            <a:off x="1115568" y="2481943"/>
-            <a:ext cx="10168128" cy="3695020"/>
+            <a:off x="7863840" y="749583"/>
+            <a:ext cx="4014216" cy="2589169"/>
           </a:xfrm>
           <a:prstGeom prst="rect">
             <a:avLst/>
           </a:prstGeom>
-          <a:extLst>
-            <a:ext uri="{909E8E84-426E-40DD-AFC4-6F175D3DCCD1}">
-              <a14:hiddenFill xmlns:a14="http://schemas.microsoft.com/office/drawing/2010/main">
-                <a:solidFill>
-                  <a:schemeClr val="accent1"/>
-                </a:solidFill>
-              </a14:hiddenFill>
-            </a:ext>
-            <a:ext uri="{91240B29-F687-4F45-9708-019B960494DF}">
-              <a14:hiddenLine xmlns:a14="http://schemas.microsoft.com/office/drawing/2010/main" w="9525">
-                <a:solidFill>
-                  <a:schemeClr val="tx1"/>
-                </a:solidFill>
-                <a:miter lim="800000"/>
-                <a:headEnd/>
-                <a:tailEnd/>
-              </a14:hiddenLine>
-            </a:ext>
-            <a:ext uri="{AF507438-7753-43E0-B8FC-AC1667EBCBE1}">
-              <a14:hiddenEffects xmlns:a14="http://schemas.microsoft.com/office/drawing/2010/main">
-                <a:effectLst>
-                  <a:outerShdw dist="35921" dir="2700000" algn="ctr" rotWithShape="0">
-                    <a:schemeClr val="bg2"/>
-                  </a:outerShdw>
-                </a:effectLst>
-              </a14:hiddenEffects>
-            </a:ext>
-          </a:extLst>
         </p:spPr>
-        <p:txBody>
-          <a:bodyPr vert="horz" lIns="91440" tIns="45720" rIns="91440" bIns="45720" numCol="1" rtlCol="0" anchorCtr="0" compatLnSpc="1">
-            <a:prstTxWarp prst="textNoShape">
-              <a:avLst/>
-            </a:prstTxWarp>
-            <a:normAutofit/>
-          </a:bodyPr>
-          <a:lstStyle/>
-          <a:p>
-            <a:pPr marR="0" lvl="0" fontAlgn="base">
-              <a:lnSpc>
-                <a:spcPct val="90000"/>
-              </a:lnSpc>
-              <a:spcBef>
-                <a:spcPct val="0"/>
-              </a:spcBef>
-              <a:spcAft>
-                <a:spcPts val="600"/>
-              </a:spcAft>
-              <a:buClrTx/>
-              <a:buSzTx/>
-              <a:tabLst/>
-            </a:pPr>
-            <a:r>
-              <a:rPr kumimoji="0" lang="en-US" altLang="it-IT" sz="2200" strike="noStrike" cap="none" normalizeH="0" baseline="0" dirty="0">
-                <a:ln>
-                  <a:noFill/>
-                </a:ln>
-                <a:effectLst/>
-              </a:rPr>
-              <a:t>È </a:t>
-            </a:r>
-            <a:r>
-              <a:rPr kumimoji="0" lang="en-US" altLang="it-IT" sz="2200" strike="noStrike" cap="none" normalizeH="0" baseline="0" dirty="0" err="1">
-                <a:ln>
-                  <a:noFill/>
-                </a:ln>
-                <a:effectLst/>
-              </a:rPr>
-              <a:t>stata</a:t>
-            </a:r>
-            <a:r>
-              <a:rPr kumimoji="0" lang="en-US" altLang="it-IT" sz="2200" strike="noStrike" cap="none" normalizeH="0" baseline="0" dirty="0">
-                <a:ln>
-                  <a:noFill/>
-                </a:ln>
-                <a:effectLst/>
-              </a:rPr>
-              <a:t> </a:t>
-            </a:r>
-            <a:r>
-              <a:rPr kumimoji="0" lang="en-US" altLang="it-IT" sz="2200" strike="noStrike" cap="none" normalizeH="0" baseline="0" dirty="0" err="1">
-                <a:ln>
-                  <a:noFill/>
-                </a:ln>
-                <a:effectLst/>
-              </a:rPr>
-              <a:t>verificata</a:t>
-            </a:r>
-            <a:r>
-              <a:rPr kumimoji="0" lang="en-US" altLang="it-IT" sz="2200" strike="noStrike" cap="none" normalizeH="0" baseline="0" dirty="0">
-                <a:ln>
-                  <a:noFill/>
-                </a:ln>
-                <a:effectLst/>
-              </a:rPr>
-              <a:t> la </a:t>
-            </a:r>
-            <a:r>
-              <a:rPr kumimoji="0" lang="en-US" altLang="it-IT" sz="2200" strike="noStrike" cap="none" normalizeH="0" baseline="0" dirty="0" err="1">
-                <a:ln>
-                  <a:noFill/>
-                </a:ln>
-                <a:effectLst/>
-              </a:rPr>
-              <a:t>raggiungibilità</a:t>
-            </a:r>
-            <a:r>
-              <a:rPr kumimoji="0" lang="en-US" altLang="it-IT" sz="2200" strike="noStrike" cap="none" normalizeH="0" baseline="0" dirty="0">
-                <a:ln>
-                  <a:noFill/>
-                </a:ln>
-                <a:effectLst/>
-              </a:rPr>
-              <a:t> del </a:t>
-            </a:r>
-            <a:r>
-              <a:rPr kumimoji="0" lang="en-US" altLang="it-IT" sz="2200" strike="noStrike" cap="none" normalizeH="0" baseline="0" dirty="0" err="1">
-                <a:ln>
-                  <a:noFill/>
-                </a:ln>
-                <a:effectLst/>
-              </a:rPr>
-              <a:t>sistema</a:t>
-            </a:r>
-            <a:r>
-              <a:rPr kumimoji="0" lang="en-US" altLang="it-IT" sz="2200" strike="noStrike" cap="none" normalizeH="0" baseline="0" dirty="0">
-                <a:ln>
-                  <a:noFill/>
-                </a:ln>
-                <a:effectLst/>
-              </a:rPr>
-              <a:t>, </a:t>
-            </a:r>
-            <a:r>
-              <a:rPr kumimoji="0" lang="en-US" altLang="it-IT" sz="2200" strike="noStrike" cap="none" normalizeH="0" baseline="0" dirty="0" err="1">
-                <a:ln>
-                  <a:noFill/>
-                </a:ln>
-                <a:effectLst/>
-              </a:rPr>
-              <a:t>sia</a:t>
-            </a:r>
-            <a:r>
-              <a:rPr kumimoji="0" lang="en-US" altLang="it-IT" sz="2200" strike="noStrike" cap="none" normalizeH="0" baseline="0" dirty="0">
-                <a:ln>
-                  <a:noFill/>
-                </a:ln>
-                <a:effectLst/>
-              </a:rPr>
-              <a:t> in forma continua </a:t>
-            </a:r>
-            <a:r>
-              <a:rPr kumimoji="0" lang="en-US" altLang="it-IT" sz="2200" strike="noStrike" cap="none" normalizeH="0" baseline="0" dirty="0" err="1">
-                <a:ln>
-                  <a:noFill/>
-                </a:ln>
-                <a:effectLst/>
-              </a:rPr>
-              <a:t>che</a:t>
-            </a:r>
-            <a:r>
-              <a:rPr kumimoji="0" lang="en-US" altLang="it-IT" sz="2200" strike="noStrike" cap="none" normalizeH="0" baseline="0" dirty="0">
-                <a:ln>
-                  <a:noFill/>
-                </a:ln>
-                <a:effectLst/>
-              </a:rPr>
-              <a:t> </a:t>
-            </a:r>
-            <a:r>
-              <a:rPr kumimoji="0" lang="en-US" altLang="it-IT" sz="2200" strike="noStrike" cap="none" normalizeH="0" baseline="0" dirty="0" err="1">
-                <a:ln>
-                  <a:noFill/>
-                </a:ln>
-                <a:effectLst/>
-              </a:rPr>
-              <a:t>discreta</a:t>
-            </a:r>
-            <a:r>
-              <a:rPr kumimoji="0" lang="en-US" altLang="it-IT" sz="2200" strike="noStrike" cap="none" normalizeH="0" baseline="0" dirty="0">
-                <a:ln>
-                  <a:noFill/>
-                </a:ln>
-                <a:effectLst/>
-              </a:rPr>
-              <a:t>, </a:t>
-            </a:r>
-            <a:r>
-              <a:rPr kumimoji="0" lang="en-US" altLang="it-IT" sz="2200" strike="noStrike" cap="none" normalizeH="0" baseline="0" dirty="0" err="1">
-                <a:ln>
-                  <a:noFill/>
-                </a:ln>
-                <a:effectLst/>
-              </a:rPr>
-              <a:t>calcolando</a:t>
-            </a:r>
-            <a:r>
-              <a:rPr kumimoji="0" lang="en-US" altLang="it-IT" sz="2200" strike="noStrike" cap="none" normalizeH="0" baseline="0" dirty="0">
-                <a:ln>
-                  <a:noFill/>
-                </a:ln>
-                <a:effectLst/>
-              </a:rPr>
-              <a:t> le relative </a:t>
-            </a:r>
-            <a:r>
-              <a:rPr kumimoji="0" lang="en-US" altLang="it-IT" sz="2200" strike="noStrike" cap="none" normalizeH="0" baseline="0" dirty="0" err="1">
-                <a:ln>
-                  <a:noFill/>
-                </a:ln>
-                <a:effectLst/>
-              </a:rPr>
-              <a:t>matrici</a:t>
-            </a:r>
-            <a:r>
-              <a:rPr kumimoji="0" lang="en-US" altLang="it-IT" sz="2200" strike="noStrike" cap="none" normalizeH="0" baseline="0" dirty="0">
-                <a:ln>
-                  <a:noFill/>
-                </a:ln>
-                <a:effectLst/>
-              </a:rPr>
-              <a:t> con la </a:t>
-            </a:r>
-            <a:r>
-              <a:rPr kumimoji="0" lang="en-US" altLang="it-IT" sz="2200" strike="noStrike" cap="none" normalizeH="0" baseline="0" dirty="0" err="1">
-                <a:ln>
-                  <a:noFill/>
-                </a:ln>
-                <a:effectLst/>
-              </a:rPr>
-              <a:t>funzione</a:t>
-            </a:r>
-            <a:r>
-              <a:rPr kumimoji="0" lang="en-US" altLang="it-IT" sz="2200" strike="noStrike" cap="none" normalizeH="0" baseline="0" dirty="0">
-                <a:ln>
-                  <a:noFill/>
-                </a:ln>
-                <a:effectLst/>
-              </a:rPr>
-              <a:t> «</a:t>
-            </a:r>
-            <a:r>
-              <a:rPr kumimoji="0" lang="en-US" altLang="it-IT" sz="2200" strike="noStrike" cap="none" normalizeH="0" baseline="0" dirty="0" err="1">
-                <a:ln>
-                  <a:noFill/>
-                </a:ln>
-                <a:effectLst/>
-              </a:rPr>
-              <a:t>ctrb</a:t>
-            </a:r>
-            <a:r>
-              <a:rPr kumimoji="0" lang="en-US" altLang="it-IT" sz="2200" strike="noStrike" cap="none" normalizeH="0" baseline="0" dirty="0">
-                <a:ln>
-                  <a:noFill/>
-                </a:ln>
-                <a:effectLst/>
-              </a:rPr>
-              <a:t>».</a:t>
-            </a:r>
-            <a:br>
-              <a:rPr kumimoji="0" lang="en-US" altLang="it-IT" sz="2200" strike="noStrike" cap="none" normalizeH="0" baseline="0" dirty="0">
-                <a:ln>
-                  <a:noFill/>
-                </a:ln>
-                <a:effectLst/>
-              </a:rPr>
-            </a:br>
-            <a:r>
-              <a:rPr kumimoji="0" lang="en-US" altLang="it-IT" sz="2200" strike="noStrike" cap="none" normalizeH="0" baseline="0" dirty="0">
-                <a:ln>
-                  <a:noFill/>
-                </a:ln>
-                <a:effectLst/>
-              </a:rPr>
-              <a:t>Se </a:t>
-            </a:r>
-            <a:r>
-              <a:rPr lang="en-US" altLang="it-IT" sz="2200" dirty="0"/>
-              <a:t>i</a:t>
-            </a:r>
-            <a:r>
-              <a:rPr kumimoji="0" lang="en-US" altLang="it-IT" sz="2200" strike="noStrike" cap="none" normalizeH="0" baseline="0" dirty="0">
-                <a:ln>
-                  <a:noFill/>
-                </a:ln>
-                <a:effectLst/>
-              </a:rPr>
-              <a:t>l </a:t>
-            </a:r>
-            <a:r>
-              <a:rPr kumimoji="0" lang="en-US" altLang="it-IT" sz="2200" strike="noStrike" cap="none" normalizeH="0" baseline="0" dirty="0" err="1">
-                <a:ln>
-                  <a:noFill/>
-                </a:ln>
-                <a:effectLst/>
-              </a:rPr>
-              <a:t>rango</a:t>
-            </a:r>
-            <a:r>
-              <a:rPr kumimoji="0" lang="en-US" altLang="it-IT" sz="2200" strike="noStrike" cap="none" normalizeH="0" baseline="0" dirty="0">
-                <a:ln>
-                  <a:noFill/>
-                </a:ln>
-                <a:effectLst/>
-              </a:rPr>
-              <a:t> </a:t>
-            </a:r>
-            <a:r>
-              <a:rPr kumimoji="0" lang="en-US" altLang="it-IT" sz="2200" strike="noStrike" cap="none" normalizeH="0" baseline="0" dirty="0" err="1">
-                <a:ln>
-                  <a:noFill/>
-                </a:ln>
-                <a:effectLst/>
-              </a:rPr>
-              <a:t>delle</a:t>
-            </a:r>
-            <a:r>
-              <a:rPr kumimoji="0" lang="en-US" altLang="it-IT" sz="2200" strike="noStrike" cap="none" normalizeH="0" baseline="0" dirty="0">
-                <a:ln>
-                  <a:noFill/>
-                </a:ln>
-                <a:effectLst/>
-              </a:rPr>
-              <a:t> </a:t>
-            </a:r>
-            <a:r>
-              <a:rPr kumimoji="0" lang="en-US" altLang="it-IT" sz="2200" strike="noStrike" cap="none" normalizeH="0" baseline="0" dirty="0" err="1">
-                <a:ln>
-                  <a:noFill/>
-                </a:ln>
-                <a:effectLst/>
-              </a:rPr>
-              <a:t>matrici</a:t>
-            </a:r>
-            <a:r>
-              <a:rPr kumimoji="0" lang="en-US" altLang="it-IT" sz="2200" strike="noStrike" cap="none" normalizeH="0" baseline="0" dirty="0">
-                <a:ln>
-                  <a:noFill/>
-                </a:ln>
-                <a:effectLst/>
-              </a:rPr>
-              <a:t> </a:t>
-            </a:r>
-            <a:r>
-              <a:rPr kumimoji="0" lang="en-US" altLang="it-IT" sz="2200" strike="noStrike" cap="none" normalizeH="0" baseline="0" dirty="0" err="1">
-                <a:ln>
-                  <a:noFill/>
-                </a:ln>
-                <a:effectLst/>
-              </a:rPr>
-              <a:t>ottenute</a:t>
-            </a:r>
-            <a:r>
-              <a:rPr kumimoji="0" lang="en-US" altLang="it-IT" sz="2200" strike="noStrike" cap="none" normalizeH="0" baseline="0" dirty="0">
-                <a:ln>
-                  <a:noFill/>
-                </a:ln>
-                <a:effectLst/>
-              </a:rPr>
-              <a:t> è </a:t>
-            </a:r>
-            <a:r>
-              <a:rPr kumimoji="0" lang="en-US" altLang="it-IT" sz="2200" strike="noStrike" cap="none" normalizeH="0" baseline="0" dirty="0" err="1">
-                <a:ln>
-                  <a:noFill/>
-                </a:ln>
-                <a:effectLst/>
-              </a:rPr>
-              <a:t>pari</a:t>
-            </a:r>
-            <a:r>
-              <a:rPr kumimoji="0" lang="en-US" altLang="it-IT" sz="2200" strike="noStrike" cap="none" normalizeH="0" baseline="0" dirty="0">
-                <a:ln>
-                  <a:noFill/>
-                </a:ln>
-                <a:effectLst/>
-              </a:rPr>
-              <a:t> al </a:t>
-            </a:r>
-            <a:r>
-              <a:rPr kumimoji="0" lang="en-US" altLang="it-IT" sz="2200" strike="noStrike" cap="none" normalizeH="0" baseline="0" dirty="0" err="1">
-                <a:ln>
-                  <a:noFill/>
-                </a:ln>
-                <a:effectLst/>
-              </a:rPr>
-              <a:t>numero</a:t>
-            </a:r>
-            <a:r>
-              <a:rPr kumimoji="0" lang="en-US" altLang="it-IT" sz="2200" strike="noStrike" cap="none" normalizeH="0" baseline="0" dirty="0">
-                <a:ln>
-                  <a:noFill/>
-                </a:ln>
-                <a:effectLst/>
-              </a:rPr>
-              <a:t> </a:t>
-            </a:r>
-            <a:r>
-              <a:rPr kumimoji="0" lang="en-US" altLang="it-IT" sz="2200" strike="noStrike" cap="none" normalizeH="0" baseline="0" dirty="0" err="1">
-                <a:ln>
-                  <a:noFill/>
-                </a:ln>
-                <a:effectLst/>
-              </a:rPr>
-              <a:t>degli</a:t>
-            </a:r>
-            <a:r>
-              <a:rPr kumimoji="0" lang="en-US" altLang="it-IT" sz="2200" strike="noStrike" cap="none" normalizeH="0" baseline="0" dirty="0">
-                <a:ln>
-                  <a:noFill/>
-                </a:ln>
-                <a:effectLst/>
-              </a:rPr>
-              <a:t> </a:t>
-            </a:r>
-            <a:r>
-              <a:rPr kumimoji="0" lang="en-US" altLang="it-IT" sz="2200" strike="noStrike" cap="none" normalizeH="0" baseline="0" dirty="0" err="1">
-                <a:ln>
-                  <a:noFill/>
-                </a:ln>
-                <a:effectLst/>
-              </a:rPr>
-              <a:t>stati</a:t>
-            </a:r>
-            <a:r>
-              <a:rPr kumimoji="0" lang="en-US" altLang="it-IT" sz="2200" strike="noStrike" cap="none" normalizeH="0" baseline="0" dirty="0">
-                <a:ln>
-                  <a:noFill/>
-                </a:ln>
-                <a:effectLst/>
-              </a:rPr>
-              <a:t> </a:t>
-            </a:r>
-            <a:r>
-              <a:rPr kumimoji="0" lang="en-US" altLang="it-IT" sz="2200" strike="noStrike" cap="none" normalizeH="0" baseline="0" dirty="0" err="1">
-                <a:ln>
-                  <a:noFill/>
-                </a:ln>
-                <a:effectLst/>
-              </a:rPr>
-              <a:t>allora</a:t>
-            </a:r>
-            <a:r>
-              <a:rPr kumimoji="0" lang="en-US" altLang="it-IT" sz="2200" strike="noStrike" cap="none" normalizeH="0" baseline="0" dirty="0">
-                <a:ln>
-                  <a:noFill/>
-                </a:ln>
-                <a:effectLst/>
-              </a:rPr>
-              <a:t> il </a:t>
-            </a:r>
-            <a:r>
-              <a:rPr kumimoji="0" lang="en-US" altLang="it-IT" sz="2200" strike="noStrike" cap="none" normalizeH="0" baseline="0" dirty="0" err="1">
-                <a:ln>
-                  <a:noFill/>
-                </a:ln>
-                <a:effectLst/>
-              </a:rPr>
-              <a:t>sistema</a:t>
-            </a:r>
-            <a:r>
-              <a:rPr kumimoji="0" lang="en-US" altLang="it-IT" sz="2200" strike="noStrike" cap="none" normalizeH="0" baseline="0" dirty="0">
-                <a:ln>
-                  <a:noFill/>
-                </a:ln>
-                <a:effectLst/>
-              </a:rPr>
-              <a:t> è </a:t>
-            </a:r>
-            <a:r>
-              <a:rPr kumimoji="0" lang="en-US" altLang="it-IT" sz="2200" strike="noStrike" cap="none" normalizeH="0" baseline="0" dirty="0" err="1">
-                <a:ln>
-                  <a:noFill/>
-                </a:ln>
-                <a:effectLst/>
-              </a:rPr>
-              <a:t>completamente</a:t>
-            </a:r>
-            <a:r>
-              <a:rPr kumimoji="0" lang="en-US" altLang="it-IT" sz="2200" strike="noStrike" cap="none" normalizeH="0" baseline="0" dirty="0">
-                <a:ln>
-                  <a:noFill/>
-                </a:ln>
-                <a:effectLst/>
-              </a:rPr>
-              <a:t> </a:t>
-            </a:r>
-            <a:r>
-              <a:rPr kumimoji="0" lang="en-US" altLang="it-IT" sz="2200" strike="noStrike" cap="none" normalizeH="0" baseline="0" dirty="0" err="1">
-                <a:ln>
-                  <a:noFill/>
-                </a:ln>
-                <a:effectLst/>
-              </a:rPr>
-              <a:t>controllabile</a:t>
-            </a:r>
-            <a:r>
-              <a:rPr kumimoji="0" lang="en-US" altLang="it-IT" sz="2200" strike="noStrike" cap="none" normalizeH="0" baseline="0" dirty="0">
-                <a:ln>
-                  <a:noFill/>
-                </a:ln>
-                <a:effectLst/>
-              </a:rPr>
-              <a:t> in </a:t>
-            </a:r>
-            <a:r>
-              <a:rPr kumimoji="0" lang="en-US" altLang="it-IT" sz="2200" strike="noStrike" cap="none" normalizeH="0" baseline="0" dirty="0" err="1">
-                <a:ln>
-                  <a:noFill/>
-                </a:ln>
-                <a:effectLst/>
-              </a:rPr>
-              <a:t>entrambe</a:t>
-            </a:r>
-            <a:r>
-              <a:rPr kumimoji="0" lang="en-US" altLang="it-IT" sz="2200" strike="noStrike" cap="none" normalizeH="0" baseline="0" dirty="0">
-                <a:ln>
-                  <a:noFill/>
-                </a:ln>
-                <a:effectLst/>
-              </a:rPr>
-              <a:t> le </a:t>
-            </a:r>
-            <a:r>
-              <a:rPr kumimoji="0" lang="en-US" altLang="it-IT" sz="2200" strike="noStrike" cap="none" normalizeH="0" baseline="0" dirty="0" err="1">
-                <a:ln>
-                  <a:noFill/>
-                </a:ln>
-                <a:effectLst/>
-              </a:rPr>
-              <a:t>versioni</a:t>
-            </a:r>
-            <a:r>
-              <a:rPr kumimoji="0" lang="en-US" altLang="it-IT" sz="2200" strike="noStrike" cap="none" normalizeH="0" baseline="0" dirty="0">
-                <a:ln>
-                  <a:noFill/>
-                </a:ln>
-                <a:effectLst/>
-              </a:rPr>
-              <a:t>.</a:t>
-            </a:r>
-            <a:br>
-              <a:rPr kumimoji="0" lang="en-US" altLang="it-IT" sz="2200" strike="noStrike" cap="none" normalizeH="0" baseline="0" dirty="0">
-                <a:ln>
-                  <a:noFill/>
-                </a:ln>
-                <a:effectLst/>
-              </a:rPr>
-            </a:br>
-            <a:r>
-              <a:rPr kumimoji="0" lang="en-US" altLang="it-IT" sz="2200" strike="noStrike" cap="none" normalizeH="0" baseline="0" dirty="0">
-                <a:ln>
-                  <a:noFill/>
-                </a:ln>
-                <a:effectLst/>
-              </a:rPr>
-              <a:t>Questa </a:t>
-            </a:r>
-            <a:r>
-              <a:rPr kumimoji="0" lang="en-US" altLang="it-IT" sz="2200" strike="noStrike" cap="none" normalizeH="0" baseline="0" dirty="0" err="1">
-                <a:ln>
-                  <a:noFill/>
-                </a:ln>
-                <a:effectLst/>
-              </a:rPr>
-              <a:t>proprietà</a:t>
-            </a:r>
-            <a:r>
-              <a:rPr kumimoji="0" lang="en-US" altLang="it-IT" sz="2200" strike="noStrike" cap="none" normalizeH="0" baseline="0" dirty="0">
-                <a:ln>
-                  <a:noFill/>
-                </a:ln>
-                <a:effectLst/>
-              </a:rPr>
-              <a:t> è </a:t>
-            </a:r>
-            <a:r>
-              <a:rPr kumimoji="0" lang="en-US" altLang="it-IT" sz="2200" strike="noStrike" cap="none" normalizeH="0" baseline="0" dirty="0" err="1">
-                <a:ln>
-                  <a:noFill/>
-                </a:ln>
-                <a:effectLst/>
-              </a:rPr>
-              <a:t>essenziale</a:t>
-            </a:r>
-            <a:r>
-              <a:rPr kumimoji="0" lang="en-US" altLang="it-IT" sz="2200" strike="noStrike" cap="none" normalizeH="0" baseline="0" dirty="0">
-                <a:ln>
-                  <a:noFill/>
-                </a:ln>
-                <a:effectLst/>
-              </a:rPr>
-              <a:t> per </a:t>
-            </a:r>
-            <a:r>
-              <a:rPr kumimoji="0" lang="en-US" altLang="it-IT" sz="2200" strike="noStrike" cap="none" normalizeH="0" baseline="0" dirty="0" err="1">
-                <a:ln>
-                  <a:noFill/>
-                </a:ln>
-                <a:effectLst/>
-              </a:rPr>
-              <a:t>garantire</a:t>
-            </a:r>
-            <a:r>
-              <a:rPr kumimoji="0" lang="en-US" altLang="it-IT" sz="2200" strike="noStrike" cap="none" normalizeH="0" baseline="0" dirty="0">
-                <a:ln>
-                  <a:noFill/>
-                </a:ln>
-                <a:effectLst/>
-              </a:rPr>
-              <a:t> </a:t>
-            </a:r>
-            <a:r>
-              <a:rPr kumimoji="0" lang="en-US" altLang="it-IT" sz="2200" strike="noStrike" cap="none" normalizeH="0" baseline="0" dirty="0" err="1">
-                <a:ln>
-                  <a:noFill/>
-                </a:ln>
-                <a:effectLst/>
-              </a:rPr>
-              <a:t>l'efficacia</a:t>
-            </a:r>
-            <a:r>
-              <a:rPr kumimoji="0" lang="en-US" altLang="it-IT" sz="2200" strike="noStrike" cap="none" normalizeH="0" baseline="0" dirty="0">
-                <a:ln>
-                  <a:noFill/>
-                </a:ln>
-                <a:effectLst/>
-              </a:rPr>
-              <a:t> </a:t>
-            </a:r>
-            <a:r>
-              <a:rPr kumimoji="0" lang="en-US" altLang="it-IT" sz="2200" strike="noStrike" cap="none" normalizeH="0" baseline="0" dirty="0" err="1">
-                <a:ln>
-                  <a:noFill/>
-                </a:ln>
-                <a:effectLst/>
-              </a:rPr>
-              <a:t>dell’MPC</a:t>
-            </a:r>
-            <a:r>
-              <a:rPr kumimoji="0" lang="en-US" altLang="it-IT" sz="2200" strike="noStrike" cap="none" normalizeH="0" baseline="0" dirty="0">
-                <a:ln>
-                  <a:noFill/>
-                </a:ln>
-                <a:effectLst/>
-              </a:rPr>
-              <a:t>: senza </a:t>
-            </a:r>
-            <a:r>
-              <a:rPr kumimoji="0" lang="en-US" altLang="it-IT" sz="2200" strike="noStrike" cap="none" normalizeH="0" baseline="0" dirty="0" err="1">
-                <a:ln>
-                  <a:noFill/>
-                </a:ln>
-                <a:effectLst/>
-              </a:rPr>
-              <a:t>controllabilità</a:t>
-            </a:r>
-            <a:r>
-              <a:rPr kumimoji="0" lang="en-US" altLang="it-IT" sz="2200" strike="noStrike" cap="none" normalizeH="0" baseline="0" dirty="0">
-                <a:ln>
-                  <a:noFill/>
-                </a:ln>
-                <a:effectLst/>
-              </a:rPr>
-              <a:t>, </a:t>
-            </a:r>
-            <a:r>
-              <a:rPr kumimoji="0" lang="en-US" altLang="it-IT" sz="2200" strike="noStrike" cap="none" normalizeH="0" baseline="0" dirty="0" err="1">
-                <a:ln>
-                  <a:noFill/>
-                </a:ln>
-                <a:effectLst/>
-              </a:rPr>
-              <a:t>alcuni</a:t>
-            </a:r>
-            <a:r>
-              <a:rPr kumimoji="0" lang="en-US" altLang="it-IT" sz="2200" strike="noStrike" cap="none" normalizeH="0" baseline="0" dirty="0">
-                <a:ln>
-                  <a:noFill/>
-                </a:ln>
-                <a:effectLst/>
-              </a:rPr>
-              <a:t> </a:t>
-            </a:r>
-            <a:r>
-              <a:rPr kumimoji="0" lang="en-US" altLang="it-IT" sz="2200" strike="noStrike" cap="none" normalizeH="0" baseline="0" dirty="0" err="1">
-                <a:ln>
-                  <a:noFill/>
-                </a:ln>
-                <a:effectLst/>
-              </a:rPr>
-              <a:t>stati</a:t>
-            </a:r>
-            <a:r>
-              <a:rPr kumimoji="0" lang="en-US" altLang="it-IT" sz="2200" strike="noStrike" cap="none" normalizeH="0" baseline="0" dirty="0">
-                <a:ln>
-                  <a:noFill/>
-                </a:ln>
-                <a:effectLst/>
-              </a:rPr>
-              <a:t> non </a:t>
-            </a:r>
-            <a:r>
-              <a:rPr kumimoji="0" lang="en-US" altLang="it-IT" sz="2200" strike="noStrike" cap="none" normalizeH="0" baseline="0" dirty="0" err="1">
-                <a:ln>
-                  <a:noFill/>
-                </a:ln>
-                <a:effectLst/>
-              </a:rPr>
-              <a:t>potrebbero</a:t>
-            </a:r>
-            <a:r>
-              <a:rPr kumimoji="0" lang="en-US" altLang="it-IT" sz="2200" strike="noStrike" cap="none" normalizeH="0" baseline="0" dirty="0">
-                <a:ln>
-                  <a:noFill/>
-                </a:ln>
-                <a:effectLst/>
-              </a:rPr>
-              <a:t> </a:t>
-            </a:r>
-            <a:r>
-              <a:rPr kumimoji="0" lang="en-US" altLang="it-IT" sz="2200" strike="noStrike" cap="none" normalizeH="0" baseline="0" dirty="0" err="1">
-                <a:ln>
-                  <a:noFill/>
-                </a:ln>
-                <a:effectLst/>
-              </a:rPr>
-              <a:t>mai</a:t>
-            </a:r>
-            <a:r>
-              <a:rPr kumimoji="0" lang="en-US" altLang="it-IT" sz="2200" strike="noStrike" cap="none" normalizeH="0" baseline="0" dirty="0">
-                <a:ln>
-                  <a:noFill/>
-                </a:ln>
-                <a:effectLst/>
-              </a:rPr>
-              <a:t> </a:t>
-            </a:r>
-            <a:r>
-              <a:rPr kumimoji="0" lang="en-US" altLang="it-IT" sz="2200" strike="noStrike" cap="none" normalizeH="0" baseline="0" dirty="0" err="1">
-                <a:ln>
-                  <a:noFill/>
-                </a:ln>
-                <a:effectLst/>
-              </a:rPr>
-              <a:t>essere</a:t>
-            </a:r>
-            <a:r>
-              <a:rPr kumimoji="0" lang="en-US" altLang="it-IT" sz="2200" strike="noStrike" cap="none" normalizeH="0" baseline="0" dirty="0">
-                <a:ln>
-                  <a:noFill/>
-                </a:ln>
-                <a:effectLst/>
-              </a:rPr>
-              <a:t> </a:t>
-            </a:r>
-            <a:r>
-              <a:rPr kumimoji="0" lang="en-US" altLang="it-IT" sz="2200" strike="noStrike" cap="none" normalizeH="0" baseline="0" dirty="0" err="1">
-                <a:ln>
-                  <a:noFill/>
-                </a:ln>
-                <a:effectLst/>
-              </a:rPr>
-              <a:t>gestiti</a:t>
-            </a:r>
-            <a:r>
-              <a:rPr kumimoji="0" lang="en-US" altLang="it-IT" sz="2200" strike="noStrike" cap="none" normalizeH="0" baseline="0" dirty="0">
-                <a:ln>
-                  <a:noFill/>
-                </a:ln>
-                <a:effectLst/>
-              </a:rPr>
-              <a:t> dal </a:t>
-            </a:r>
-            <a:r>
-              <a:rPr kumimoji="0" lang="en-US" altLang="it-IT" sz="2200" strike="noStrike" cap="none" normalizeH="0" baseline="0" dirty="0" err="1">
-                <a:ln>
-                  <a:noFill/>
-                </a:ln>
-                <a:effectLst/>
-              </a:rPr>
-              <a:t>controllore</a:t>
-            </a:r>
-            <a:r>
-              <a:rPr kumimoji="0" lang="en-US" altLang="it-IT" sz="2200" strike="noStrike" cap="none" normalizeH="0" baseline="0" dirty="0">
-                <a:ln>
-                  <a:noFill/>
-                </a:ln>
-                <a:effectLst/>
-              </a:rPr>
-              <a:t>.</a:t>
-            </a:r>
-          </a:p>
-        </p:txBody>
-      </p:sp>
+      </p:pic>
+      <p:pic>
+        <p:nvPicPr>
+          <p:cNvPr id="8" name="Immagine 7" descr="Immagine che contiene testo, schermata, Carattere, Rettangolo&#10;&#10;Il contenuto generato dall'IA potrebbe non essere corretto.">
+            <a:extLst>
+              <a:ext uri="{FF2B5EF4-FFF2-40B4-BE49-F238E27FC236}">
+                <a16:creationId xmlns:a16="http://schemas.microsoft.com/office/drawing/2014/main" id="{962D0D91-8968-ADF7-E85A-075F231DED67}"/>
+              </a:ext>
+            </a:extLst>
+          </p:cNvPr>
+          <p:cNvPicPr>
+            <a:picLocks noChangeAspect="1"/>
+          </p:cNvPicPr>
+          <p:nvPr/>
+        </p:nvPicPr>
+        <p:blipFill>
+          <a:blip r:embed="rId4"/>
+          <a:stretch>
+            <a:fillRect/>
+          </a:stretch>
+        </p:blipFill>
+        <p:spPr>
+          <a:xfrm>
+            <a:off x="7863840" y="3525330"/>
+            <a:ext cx="3956859" cy="2176272"/>
+          </a:xfrm>
+          <a:prstGeom prst="rect">
+            <a:avLst/>
+          </a:prstGeom>
+        </p:spPr>
+      </p:pic>
       <p:sp>
         <p:nvSpPr>
-          <p:cNvPr id="7" name="Segnaposto piè di pagina 6">
+          <p:cNvPr id="4" name="Segnaposto piè di pagina 3">
             <a:extLst>
               <a:ext uri="{FF2B5EF4-FFF2-40B4-BE49-F238E27FC236}">
-                <a16:creationId xmlns:a16="http://schemas.microsoft.com/office/drawing/2014/main" id="{1B67430B-C61A-03CF-191D-15B7B61FAA31}"/>
+                <a16:creationId xmlns:a16="http://schemas.microsoft.com/office/drawing/2014/main" id="{FDC2FA2D-3908-C191-4133-0156A5E95EA8}"/>
               </a:ext>
             </a:extLst>
           </p:cNvPr>
@@ -6273,7 +9076,7 @@
           </a:xfrm>
         </p:spPr>
         <p:txBody>
-          <a:bodyPr vert="horz" lIns="91440" tIns="45720" rIns="91440" bIns="45720" rtlCol="0" anchor="ctr">
+          <a:bodyPr>
             <a:normAutofit/>
           </a:bodyPr>
           <a:lstStyle/>
@@ -6284,17 +9087,7 @@
               </a:spcAft>
             </a:pPr>
             <a:r>
-              <a:rPr lang="en-US" kern="1200">
-                <a:solidFill>
-                  <a:schemeClr val="tx1">
-                    <a:lumMod val="50000"/>
-                    <a:lumOff val="50000"/>
-                  </a:schemeClr>
-                </a:solidFill>
-                <a:latin typeface="+mn-lt"/>
-                <a:ea typeface="+mn-ea"/>
-                <a:cs typeface="+mn-cs"/>
-              </a:rPr>
+              <a:rPr lang="it-IT"/>
               <a:t>Davide Brambilla [1080752], Giorgio Passarella[1079287]</a:t>
             </a:r>
           </a:p>
@@ -6302,19 +9095,2091 @@
       </p:sp>
       <p:pic>
         <p:nvPicPr>
-          <p:cNvPr id="5" name="Segnaposto contenuto 4">
+          <p:cNvPr id="10" name="Immagine 9">
             <a:extLst>
               <a:ext uri="{FF2B5EF4-FFF2-40B4-BE49-F238E27FC236}">
-                <a16:creationId xmlns:a16="http://schemas.microsoft.com/office/drawing/2014/main" id="{3F8DBC3B-3753-523A-91E2-79DAD9C51830}"/>
+                <a16:creationId xmlns:a16="http://schemas.microsoft.com/office/drawing/2014/main" id="{1A157387-469B-C094-2B9F-B2D82EF88159}"/>
               </a:ext>
             </a:extLst>
           </p:cNvPr>
           <p:cNvPicPr>
-            <a:picLocks noGrp="1" noChangeAspect="1"/>
+            <a:picLocks noChangeAspect="1"/>
           </p:cNvPicPr>
+          <p:nvPr/>
+        </p:nvPicPr>
+        <p:blipFill>
+          <a:blip r:embed="rId5"/>
+          <a:stretch>
+            <a:fillRect/>
+          </a:stretch>
+        </p:blipFill>
+        <p:spPr>
+          <a:xfrm>
+            <a:off x="704667" y="6119754"/>
+            <a:ext cx="2629267" cy="419158"/>
+          </a:xfrm>
+          <a:prstGeom prst="rect">
+            <a:avLst/>
+          </a:prstGeom>
+          <a:ln>
+            <a:solidFill>
+              <a:schemeClr val="tx1"/>
+            </a:solidFill>
+          </a:ln>
+        </p:spPr>
+      </p:pic>
+    </p:spTree>
+    <p:extLst>
+      <p:ext uri="{BB962C8B-B14F-4D97-AF65-F5344CB8AC3E}">
+        <p14:creationId xmlns:p14="http://schemas.microsoft.com/office/powerpoint/2010/main" val="800551632"/>
+      </p:ext>
+    </p:extLst>
+  </p:cSld>
+  <p:clrMapOvr>
+    <a:masterClrMapping/>
+  </p:clrMapOvr>
+</p:sld>
+</file>
+
+<file path=ppt/slides/slide15.xml><?xml version="1.0" encoding="utf-8"?>
+<p:sld xmlns:a="http://schemas.openxmlformats.org/drawingml/2006/main" xmlns:r="http://schemas.openxmlformats.org/officeDocument/2006/relationships" xmlns:p="http://schemas.openxmlformats.org/presentationml/2006/main">
+  <p:cSld>
+    <p:bg>
+      <p:bgPr>
+        <a:solidFill>
+          <a:schemeClr val="bg1"/>
+        </a:solidFill>
+        <a:effectLst/>
+      </p:bgPr>
+    </p:bg>
+    <p:spTree>
+      <p:nvGrpSpPr>
+        <p:cNvPr id="1" name=""/>
+        <p:cNvGrpSpPr/>
+        <p:nvPr/>
+      </p:nvGrpSpPr>
+      <p:grpSpPr>
+        <a:xfrm>
+          <a:off x="0" y="0"/>
+          <a:ext cx="0" cy="0"/>
+          <a:chOff x="0" y="0"/>
+          <a:chExt cx="0" cy="0"/>
+        </a:xfrm>
+      </p:grpSpPr>
+      <p:sp useBgFill="1">
+        <p:nvSpPr>
+          <p:cNvPr id="12" name="Rectangle 11">
+            <a:extLst>
+              <a:ext uri="{FF2B5EF4-FFF2-40B4-BE49-F238E27FC236}">
+                <a16:creationId xmlns:a16="http://schemas.microsoft.com/office/drawing/2014/main" id="{45D37F4E-DDB4-456B-97E0-9937730A039F}"/>
+              </a:ext>
+              <a:ext uri="{C183D7F6-B498-43B3-948B-1728B52AA6E4}">
+                <adec:decorative xmlns:adec="http://schemas.microsoft.com/office/drawing/2017/decorative" val="1"/>
+              </a:ext>
+            </a:extLst>
+          </p:cNvPr>
+          <p:cNvSpPr>
+            <a:spLocks noGrp="1" noRot="1" noChangeAspect="1" noMove="1" noResize="1" noEditPoints="1" noAdjustHandles="1" noChangeArrowheads="1" noChangeShapeType="1" noTextEdit="1"/>
+          </p:cNvSpPr>
+          <p:nvPr>
+            <p:extLst>
+              <p:ext uri="{386F3935-93C4-4BCD-93E2-E3B085C9AB24}">
+                <p16:designElem xmlns:p16="http://schemas.microsoft.com/office/powerpoint/2015/main" val="1"/>
+              </p:ext>
+            </p:extLst>
+          </p:nvPr>
+        </p:nvSpPr>
+        <p:spPr>
+          <a:xfrm>
+            <a:off x="0" y="0"/>
+            <a:ext cx="12188952" cy="6858000"/>
+          </a:xfrm>
+          <a:prstGeom prst="rect">
+            <a:avLst/>
+          </a:prstGeom>
+          <a:ln>
+            <a:noFill/>
+          </a:ln>
+        </p:spPr>
+        <p:style>
+          <a:lnRef idx="2">
+            <a:schemeClr val="accent1">
+              <a:shade val="50000"/>
+            </a:schemeClr>
+          </a:lnRef>
+          <a:fillRef idx="1">
+            <a:schemeClr val="accent1"/>
+          </a:fillRef>
+          <a:effectRef idx="0">
+            <a:schemeClr val="accent1"/>
+          </a:effectRef>
+          <a:fontRef idx="minor">
+            <a:schemeClr val="lt1"/>
+          </a:fontRef>
+        </p:style>
+        <p:txBody>
+          <a:bodyPr rtlCol="0" anchor="ctr"/>
+          <a:lstStyle/>
+          <a:p>
+            <a:pPr algn="ctr"/>
+            <a:endParaRPr lang="en-US"/>
+          </a:p>
+        </p:txBody>
+      </p:sp>
+      <p:sp>
+        <p:nvSpPr>
+          <p:cNvPr id="2" name="Titolo 1">
+            <a:extLst>
+              <a:ext uri="{FF2B5EF4-FFF2-40B4-BE49-F238E27FC236}">
+                <a16:creationId xmlns:a16="http://schemas.microsoft.com/office/drawing/2014/main" id="{C8A66021-494A-2FD1-CC91-1A330C0B7FFD}"/>
+              </a:ext>
+            </a:extLst>
+          </p:cNvPr>
+          <p:cNvSpPr>
+            <a:spLocks noGrp="1"/>
+          </p:cNvSpPr>
+          <p:nvPr>
+            <p:ph type="title"/>
+          </p:nvPr>
+        </p:nvSpPr>
+        <p:spPr>
+          <a:xfrm>
+            <a:off x="572493" y="238539"/>
+            <a:ext cx="11018520" cy="1434415"/>
+          </a:xfrm>
+        </p:spPr>
+        <p:txBody>
+          <a:bodyPr anchor="b">
+            <a:normAutofit/>
+          </a:bodyPr>
+          <a:lstStyle/>
+          <a:p>
+            <a:r>
+              <a:rPr lang="it-IT" sz="4600"/>
+              <a:t>Calcolo N-step controllable set</a:t>
+            </a:r>
+            <a:br>
+              <a:rPr lang="it-IT" sz="4600"/>
+            </a:br>
+            <a:endParaRPr lang="it-IT" sz="4600"/>
+          </a:p>
+        </p:txBody>
+      </p:sp>
+      <p:sp>
+        <p:nvSpPr>
+          <p:cNvPr id="14" name="sketchy line">
+            <a:extLst>
+              <a:ext uri="{FF2B5EF4-FFF2-40B4-BE49-F238E27FC236}">
+                <a16:creationId xmlns:a16="http://schemas.microsoft.com/office/drawing/2014/main" id="{B2DD41CD-8F47-4F56-AD12-4E2FF7696987}"/>
+              </a:ext>
+              <a:ext uri="{C183D7F6-B498-43B3-948B-1728B52AA6E4}">
+                <adec:decorative xmlns:adec="http://schemas.microsoft.com/office/drawing/2017/decorative" val="1"/>
+              </a:ext>
+            </a:extLst>
+          </p:cNvPr>
+          <p:cNvSpPr>
+            <a:spLocks noGrp="1" noRot="1" noChangeAspect="1" noMove="1" noResize="1" noEditPoints="1" noAdjustHandles="1" noChangeArrowheads="1" noChangeShapeType="1" noTextEdit="1"/>
+          </p:cNvSpPr>
+          <p:nvPr>
+            <p:extLst>
+              <p:ext uri="{386F3935-93C4-4BCD-93E2-E3B085C9AB24}">
+                <p16:designElem xmlns:p16="http://schemas.microsoft.com/office/powerpoint/2015/main" val="1"/>
+              </p:ext>
+            </p:extLst>
+          </p:nvPr>
+        </p:nvSpPr>
+        <p:spPr>
+          <a:xfrm>
+            <a:off x="572493" y="1681544"/>
+            <a:ext cx="10972800" cy="18288"/>
+          </a:xfrm>
+          <a:custGeom>
+            <a:avLst/>
+            <a:gdLst>
+              <a:gd name="connsiteX0" fmla="*/ 0 w 10972800"/>
+              <a:gd name="connsiteY0" fmla="*/ 0 h 18288"/>
+              <a:gd name="connsiteX1" fmla="*/ 356616 w 10972800"/>
+              <a:gd name="connsiteY1" fmla="*/ 0 h 18288"/>
+              <a:gd name="connsiteX2" fmla="*/ 1042416 w 10972800"/>
+              <a:gd name="connsiteY2" fmla="*/ 0 h 18288"/>
+              <a:gd name="connsiteX3" fmla="*/ 1947672 w 10972800"/>
+              <a:gd name="connsiteY3" fmla="*/ 0 h 18288"/>
+              <a:gd name="connsiteX4" fmla="*/ 2633472 w 10972800"/>
+              <a:gd name="connsiteY4" fmla="*/ 0 h 18288"/>
+              <a:gd name="connsiteX5" fmla="*/ 2990088 w 10972800"/>
+              <a:gd name="connsiteY5" fmla="*/ 0 h 18288"/>
+              <a:gd name="connsiteX6" fmla="*/ 3456432 w 10972800"/>
+              <a:gd name="connsiteY6" fmla="*/ 0 h 18288"/>
+              <a:gd name="connsiteX7" fmla="*/ 4361688 w 10972800"/>
+              <a:gd name="connsiteY7" fmla="*/ 0 h 18288"/>
+              <a:gd name="connsiteX8" fmla="*/ 5266944 w 10972800"/>
+              <a:gd name="connsiteY8" fmla="*/ 0 h 18288"/>
+              <a:gd name="connsiteX9" fmla="*/ 6172200 w 10972800"/>
+              <a:gd name="connsiteY9" fmla="*/ 0 h 18288"/>
+              <a:gd name="connsiteX10" fmla="*/ 6528816 w 10972800"/>
+              <a:gd name="connsiteY10" fmla="*/ 0 h 18288"/>
+              <a:gd name="connsiteX11" fmla="*/ 7214616 w 10972800"/>
+              <a:gd name="connsiteY11" fmla="*/ 0 h 18288"/>
+              <a:gd name="connsiteX12" fmla="*/ 7790688 w 10972800"/>
+              <a:gd name="connsiteY12" fmla="*/ 0 h 18288"/>
+              <a:gd name="connsiteX13" fmla="*/ 8147304 w 10972800"/>
+              <a:gd name="connsiteY13" fmla="*/ 0 h 18288"/>
+              <a:gd name="connsiteX14" fmla="*/ 9052560 w 10972800"/>
+              <a:gd name="connsiteY14" fmla="*/ 0 h 18288"/>
+              <a:gd name="connsiteX15" fmla="*/ 9409176 w 10972800"/>
+              <a:gd name="connsiteY15" fmla="*/ 0 h 18288"/>
+              <a:gd name="connsiteX16" fmla="*/ 9765792 w 10972800"/>
+              <a:gd name="connsiteY16" fmla="*/ 0 h 18288"/>
+              <a:gd name="connsiteX17" fmla="*/ 10341864 w 10972800"/>
+              <a:gd name="connsiteY17" fmla="*/ 0 h 18288"/>
+              <a:gd name="connsiteX18" fmla="*/ 10972800 w 10972800"/>
+              <a:gd name="connsiteY18" fmla="*/ 0 h 18288"/>
+              <a:gd name="connsiteX19" fmla="*/ 10972800 w 10972800"/>
+              <a:gd name="connsiteY19" fmla="*/ 18288 h 18288"/>
+              <a:gd name="connsiteX20" fmla="*/ 10177272 w 10972800"/>
+              <a:gd name="connsiteY20" fmla="*/ 18288 h 18288"/>
+              <a:gd name="connsiteX21" fmla="*/ 9820656 w 10972800"/>
+              <a:gd name="connsiteY21" fmla="*/ 18288 h 18288"/>
+              <a:gd name="connsiteX22" fmla="*/ 9464040 w 10972800"/>
+              <a:gd name="connsiteY22" fmla="*/ 18288 h 18288"/>
+              <a:gd name="connsiteX23" fmla="*/ 8778240 w 10972800"/>
+              <a:gd name="connsiteY23" fmla="*/ 18288 h 18288"/>
+              <a:gd name="connsiteX24" fmla="*/ 8421624 w 10972800"/>
+              <a:gd name="connsiteY24" fmla="*/ 18288 h 18288"/>
+              <a:gd name="connsiteX25" fmla="*/ 7735824 w 10972800"/>
+              <a:gd name="connsiteY25" fmla="*/ 18288 h 18288"/>
+              <a:gd name="connsiteX26" fmla="*/ 6940296 w 10972800"/>
+              <a:gd name="connsiteY26" fmla="*/ 18288 h 18288"/>
+              <a:gd name="connsiteX27" fmla="*/ 6254496 w 10972800"/>
+              <a:gd name="connsiteY27" fmla="*/ 18288 h 18288"/>
+              <a:gd name="connsiteX28" fmla="*/ 5458968 w 10972800"/>
+              <a:gd name="connsiteY28" fmla="*/ 18288 h 18288"/>
+              <a:gd name="connsiteX29" fmla="*/ 4663440 w 10972800"/>
+              <a:gd name="connsiteY29" fmla="*/ 18288 h 18288"/>
+              <a:gd name="connsiteX30" fmla="*/ 4306824 w 10972800"/>
+              <a:gd name="connsiteY30" fmla="*/ 18288 h 18288"/>
+              <a:gd name="connsiteX31" fmla="*/ 3840480 w 10972800"/>
+              <a:gd name="connsiteY31" fmla="*/ 18288 h 18288"/>
+              <a:gd name="connsiteX32" fmla="*/ 3264408 w 10972800"/>
+              <a:gd name="connsiteY32" fmla="*/ 18288 h 18288"/>
+              <a:gd name="connsiteX33" fmla="*/ 2578608 w 10972800"/>
+              <a:gd name="connsiteY33" fmla="*/ 18288 h 18288"/>
+              <a:gd name="connsiteX34" fmla="*/ 1673352 w 10972800"/>
+              <a:gd name="connsiteY34" fmla="*/ 18288 h 18288"/>
+              <a:gd name="connsiteX35" fmla="*/ 877824 w 10972800"/>
+              <a:gd name="connsiteY35" fmla="*/ 18288 h 18288"/>
+              <a:gd name="connsiteX36" fmla="*/ 0 w 10972800"/>
+              <a:gd name="connsiteY36" fmla="*/ 18288 h 18288"/>
+              <a:gd name="connsiteX37" fmla="*/ 0 w 10972800"/>
+              <a:gd name="connsiteY37" fmla="*/ 0 h 18288"/>
+            </a:gdLst>
+            <a:ahLst/>
+            <a:cxnLst>
+              <a:cxn ang="0">
+                <a:pos x="connsiteX0" y="connsiteY0"/>
+              </a:cxn>
+              <a:cxn ang="0">
+                <a:pos x="connsiteX1" y="connsiteY1"/>
+              </a:cxn>
+              <a:cxn ang="0">
+                <a:pos x="connsiteX2" y="connsiteY2"/>
+              </a:cxn>
+              <a:cxn ang="0">
+                <a:pos x="connsiteX3" y="connsiteY3"/>
+              </a:cxn>
+              <a:cxn ang="0">
+                <a:pos x="connsiteX4" y="connsiteY4"/>
+              </a:cxn>
+              <a:cxn ang="0">
+                <a:pos x="connsiteX5" y="connsiteY5"/>
+              </a:cxn>
+              <a:cxn ang="0">
+                <a:pos x="connsiteX6" y="connsiteY6"/>
+              </a:cxn>
+              <a:cxn ang="0">
+                <a:pos x="connsiteX7" y="connsiteY7"/>
+              </a:cxn>
+              <a:cxn ang="0">
+                <a:pos x="connsiteX8" y="connsiteY8"/>
+              </a:cxn>
+              <a:cxn ang="0">
+                <a:pos x="connsiteX9" y="connsiteY9"/>
+              </a:cxn>
+              <a:cxn ang="0">
+                <a:pos x="connsiteX10" y="connsiteY10"/>
+              </a:cxn>
+              <a:cxn ang="0">
+                <a:pos x="connsiteX11" y="connsiteY11"/>
+              </a:cxn>
+              <a:cxn ang="0">
+                <a:pos x="connsiteX12" y="connsiteY12"/>
+              </a:cxn>
+              <a:cxn ang="0">
+                <a:pos x="connsiteX13" y="connsiteY13"/>
+              </a:cxn>
+              <a:cxn ang="0">
+                <a:pos x="connsiteX14" y="connsiteY14"/>
+              </a:cxn>
+              <a:cxn ang="0">
+                <a:pos x="connsiteX15" y="connsiteY15"/>
+              </a:cxn>
+              <a:cxn ang="0">
+                <a:pos x="connsiteX16" y="connsiteY16"/>
+              </a:cxn>
+              <a:cxn ang="0">
+                <a:pos x="connsiteX17" y="connsiteY17"/>
+              </a:cxn>
+              <a:cxn ang="0">
+                <a:pos x="connsiteX18" y="connsiteY18"/>
+              </a:cxn>
+              <a:cxn ang="0">
+                <a:pos x="connsiteX19" y="connsiteY19"/>
+              </a:cxn>
+              <a:cxn ang="0">
+                <a:pos x="connsiteX20" y="connsiteY20"/>
+              </a:cxn>
+              <a:cxn ang="0">
+                <a:pos x="connsiteX21" y="connsiteY21"/>
+              </a:cxn>
+              <a:cxn ang="0">
+                <a:pos x="connsiteX22" y="connsiteY22"/>
+              </a:cxn>
+              <a:cxn ang="0">
+                <a:pos x="connsiteX23" y="connsiteY23"/>
+              </a:cxn>
+              <a:cxn ang="0">
+                <a:pos x="connsiteX24" y="connsiteY24"/>
+              </a:cxn>
+              <a:cxn ang="0">
+                <a:pos x="connsiteX25" y="connsiteY25"/>
+              </a:cxn>
+              <a:cxn ang="0">
+                <a:pos x="connsiteX26" y="connsiteY26"/>
+              </a:cxn>
+              <a:cxn ang="0">
+                <a:pos x="connsiteX27" y="connsiteY27"/>
+              </a:cxn>
+              <a:cxn ang="0">
+                <a:pos x="connsiteX28" y="connsiteY28"/>
+              </a:cxn>
+              <a:cxn ang="0">
+                <a:pos x="connsiteX29" y="connsiteY29"/>
+              </a:cxn>
+              <a:cxn ang="0">
+                <a:pos x="connsiteX30" y="connsiteY30"/>
+              </a:cxn>
+              <a:cxn ang="0">
+                <a:pos x="connsiteX31" y="connsiteY31"/>
+              </a:cxn>
+              <a:cxn ang="0">
+                <a:pos x="connsiteX32" y="connsiteY32"/>
+              </a:cxn>
+              <a:cxn ang="0">
+                <a:pos x="connsiteX33" y="connsiteY33"/>
+              </a:cxn>
+              <a:cxn ang="0">
+                <a:pos x="connsiteX34" y="connsiteY34"/>
+              </a:cxn>
+              <a:cxn ang="0">
+                <a:pos x="connsiteX35" y="connsiteY35"/>
+              </a:cxn>
+              <a:cxn ang="0">
+                <a:pos x="connsiteX36" y="connsiteY36"/>
+              </a:cxn>
+              <a:cxn ang="0">
+                <a:pos x="connsiteX37" y="connsiteY37"/>
+              </a:cxn>
+            </a:cxnLst>
+            <a:rect l="l" t="t" r="r" b="b"/>
+            <a:pathLst>
+              <a:path w="10972800" h="18288" fill="none" extrusionOk="0">
+                <a:moveTo>
+                  <a:pt x="0" y="0"/>
+                </a:moveTo>
+                <a:cubicBezTo>
+                  <a:pt x="165916" y="-1866"/>
+                  <a:pt x="188720" y="13756"/>
+                  <a:pt x="356616" y="0"/>
+                </a:cubicBezTo>
+                <a:cubicBezTo>
+                  <a:pt x="524512" y="-13756"/>
+                  <a:pt x="734781" y="8922"/>
+                  <a:pt x="1042416" y="0"/>
+                </a:cubicBezTo>
+                <a:cubicBezTo>
+                  <a:pt x="1350051" y="-8922"/>
+                  <a:pt x="1595982" y="-26315"/>
+                  <a:pt x="1947672" y="0"/>
+                </a:cubicBezTo>
+                <a:cubicBezTo>
+                  <a:pt x="2299362" y="26315"/>
+                  <a:pt x="2292691" y="-19526"/>
+                  <a:pt x="2633472" y="0"/>
+                </a:cubicBezTo>
+                <a:cubicBezTo>
+                  <a:pt x="2974253" y="19526"/>
+                  <a:pt x="2857309" y="10773"/>
+                  <a:pt x="2990088" y="0"/>
+                </a:cubicBezTo>
+                <a:cubicBezTo>
+                  <a:pt x="3122867" y="-10773"/>
+                  <a:pt x="3359343" y="7194"/>
+                  <a:pt x="3456432" y="0"/>
+                </a:cubicBezTo>
+                <a:cubicBezTo>
+                  <a:pt x="3553521" y="-7194"/>
+                  <a:pt x="4136258" y="5108"/>
+                  <a:pt x="4361688" y="0"/>
+                </a:cubicBezTo>
+                <a:cubicBezTo>
+                  <a:pt x="4587118" y="-5108"/>
+                  <a:pt x="4992424" y="-42958"/>
+                  <a:pt x="5266944" y="0"/>
+                </a:cubicBezTo>
+                <a:cubicBezTo>
+                  <a:pt x="5541464" y="42958"/>
+                  <a:pt x="5882966" y="-3430"/>
+                  <a:pt x="6172200" y="0"/>
+                </a:cubicBezTo>
+                <a:cubicBezTo>
+                  <a:pt x="6461434" y="3430"/>
+                  <a:pt x="6432127" y="6688"/>
+                  <a:pt x="6528816" y="0"/>
+                </a:cubicBezTo>
+                <a:cubicBezTo>
+                  <a:pt x="6625505" y="-6688"/>
+                  <a:pt x="6916805" y="-436"/>
+                  <a:pt x="7214616" y="0"/>
+                </a:cubicBezTo>
+                <a:cubicBezTo>
+                  <a:pt x="7512427" y="436"/>
+                  <a:pt x="7626159" y="-6909"/>
+                  <a:pt x="7790688" y="0"/>
+                </a:cubicBezTo>
+                <a:cubicBezTo>
+                  <a:pt x="7955217" y="6909"/>
+                  <a:pt x="8048891" y="15307"/>
+                  <a:pt x="8147304" y="0"/>
+                </a:cubicBezTo>
+                <a:cubicBezTo>
+                  <a:pt x="8245717" y="-15307"/>
+                  <a:pt x="8645618" y="-11734"/>
+                  <a:pt x="9052560" y="0"/>
+                </a:cubicBezTo>
+                <a:cubicBezTo>
+                  <a:pt x="9459502" y="11734"/>
+                  <a:pt x="9320584" y="8388"/>
+                  <a:pt x="9409176" y="0"/>
+                </a:cubicBezTo>
+                <a:cubicBezTo>
+                  <a:pt x="9497768" y="-8388"/>
+                  <a:pt x="9644192" y="8379"/>
+                  <a:pt x="9765792" y="0"/>
+                </a:cubicBezTo>
+                <a:cubicBezTo>
+                  <a:pt x="9887392" y="-8379"/>
+                  <a:pt x="10105220" y="-12663"/>
+                  <a:pt x="10341864" y="0"/>
+                </a:cubicBezTo>
+                <a:cubicBezTo>
+                  <a:pt x="10578508" y="12663"/>
+                  <a:pt x="10773103" y="-5786"/>
+                  <a:pt x="10972800" y="0"/>
+                </a:cubicBezTo>
+                <a:cubicBezTo>
+                  <a:pt x="10972146" y="8818"/>
+                  <a:pt x="10972240" y="13823"/>
+                  <a:pt x="10972800" y="18288"/>
+                </a:cubicBezTo>
+                <a:cubicBezTo>
+                  <a:pt x="10588778" y="31598"/>
+                  <a:pt x="10543381" y="-12698"/>
+                  <a:pt x="10177272" y="18288"/>
+                </a:cubicBezTo>
+                <a:cubicBezTo>
+                  <a:pt x="9811163" y="49274"/>
+                  <a:pt x="9996817" y="25662"/>
+                  <a:pt x="9820656" y="18288"/>
+                </a:cubicBezTo>
+                <a:cubicBezTo>
+                  <a:pt x="9644495" y="10914"/>
+                  <a:pt x="9607007" y="31631"/>
+                  <a:pt x="9464040" y="18288"/>
+                </a:cubicBezTo>
+                <a:cubicBezTo>
+                  <a:pt x="9321073" y="4945"/>
+                  <a:pt x="9114189" y="28940"/>
+                  <a:pt x="8778240" y="18288"/>
+                </a:cubicBezTo>
+                <a:cubicBezTo>
+                  <a:pt x="8442291" y="7636"/>
+                  <a:pt x="8594763" y="987"/>
+                  <a:pt x="8421624" y="18288"/>
+                </a:cubicBezTo>
+                <a:cubicBezTo>
+                  <a:pt x="8248485" y="35589"/>
+                  <a:pt x="7929515" y="37573"/>
+                  <a:pt x="7735824" y="18288"/>
+                </a:cubicBezTo>
+                <a:cubicBezTo>
+                  <a:pt x="7542133" y="-997"/>
+                  <a:pt x="7252504" y="33858"/>
+                  <a:pt x="6940296" y="18288"/>
+                </a:cubicBezTo>
+                <a:cubicBezTo>
+                  <a:pt x="6628088" y="2718"/>
+                  <a:pt x="6528503" y="48389"/>
+                  <a:pt x="6254496" y="18288"/>
+                </a:cubicBezTo>
+                <a:cubicBezTo>
+                  <a:pt x="5980489" y="-11813"/>
+                  <a:pt x="5695784" y="-3740"/>
+                  <a:pt x="5458968" y="18288"/>
+                </a:cubicBezTo>
+                <a:cubicBezTo>
+                  <a:pt x="5222152" y="40316"/>
+                  <a:pt x="5010751" y="19095"/>
+                  <a:pt x="4663440" y="18288"/>
+                </a:cubicBezTo>
+                <a:cubicBezTo>
+                  <a:pt x="4316129" y="17481"/>
+                  <a:pt x="4425552" y="1606"/>
+                  <a:pt x="4306824" y="18288"/>
+                </a:cubicBezTo>
+                <a:cubicBezTo>
+                  <a:pt x="4188096" y="34970"/>
+                  <a:pt x="3941535" y="7481"/>
+                  <a:pt x="3840480" y="18288"/>
+                </a:cubicBezTo>
+                <a:cubicBezTo>
+                  <a:pt x="3739425" y="29095"/>
+                  <a:pt x="3402388" y="17641"/>
+                  <a:pt x="3264408" y="18288"/>
+                </a:cubicBezTo>
+                <a:cubicBezTo>
+                  <a:pt x="3126428" y="18935"/>
+                  <a:pt x="2776779" y="9983"/>
+                  <a:pt x="2578608" y="18288"/>
+                </a:cubicBezTo>
+                <a:cubicBezTo>
+                  <a:pt x="2380437" y="26593"/>
+                  <a:pt x="1909468" y="25818"/>
+                  <a:pt x="1673352" y="18288"/>
+                </a:cubicBezTo>
+                <a:cubicBezTo>
+                  <a:pt x="1437236" y="10758"/>
+                  <a:pt x="1131180" y="49884"/>
+                  <a:pt x="877824" y="18288"/>
+                </a:cubicBezTo>
+                <a:cubicBezTo>
+                  <a:pt x="624468" y="-13308"/>
+                  <a:pt x="206753" y="2195"/>
+                  <a:pt x="0" y="18288"/>
+                </a:cubicBezTo>
+                <a:cubicBezTo>
+                  <a:pt x="313" y="10654"/>
+                  <a:pt x="-263" y="4056"/>
+                  <a:pt x="0" y="0"/>
+                </a:cubicBezTo>
+                <a:close/>
+              </a:path>
+              <a:path w="10972800" h="18288" stroke="0" extrusionOk="0">
+                <a:moveTo>
+                  <a:pt x="0" y="0"/>
+                </a:moveTo>
+                <a:cubicBezTo>
+                  <a:pt x="164017" y="-17675"/>
+                  <a:pt x="309425" y="9913"/>
+                  <a:pt x="466344" y="0"/>
+                </a:cubicBezTo>
+                <a:cubicBezTo>
+                  <a:pt x="623263" y="-9913"/>
+                  <a:pt x="659300" y="-14524"/>
+                  <a:pt x="822960" y="0"/>
+                </a:cubicBezTo>
+                <a:cubicBezTo>
+                  <a:pt x="986620" y="14524"/>
+                  <a:pt x="1105222" y="-16481"/>
+                  <a:pt x="1289304" y="0"/>
+                </a:cubicBezTo>
+                <a:cubicBezTo>
+                  <a:pt x="1473386" y="16481"/>
+                  <a:pt x="1693223" y="26161"/>
+                  <a:pt x="1975104" y="0"/>
+                </a:cubicBezTo>
+                <a:cubicBezTo>
+                  <a:pt x="2256985" y="-26161"/>
+                  <a:pt x="2435781" y="23061"/>
+                  <a:pt x="2770632" y="0"/>
+                </a:cubicBezTo>
+                <a:cubicBezTo>
+                  <a:pt x="3105483" y="-23061"/>
+                  <a:pt x="3247479" y="-44011"/>
+                  <a:pt x="3675888" y="0"/>
+                </a:cubicBezTo>
+                <a:cubicBezTo>
+                  <a:pt x="4104297" y="44011"/>
+                  <a:pt x="4280918" y="4017"/>
+                  <a:pt x="4581144" y="0"/>
+                </a:cubicBezTo>
+                <a:cubicBezTo>
+                  <a:pt x="4881370" y="-4017"/>
+                  <a:pt x="5021699" y="-11889"/>
+                  <a:pt x="5157216" y="0"/>
+                </a:cubicBezTo>
+                <a:cubicBezTo>
+                  <a:pt x="5292733" y="11889"/>
+                  <a:pt x="5603398" y="-17698"/>
+                  <a:pt x="5952744" y="0"/>
+                </a:cubicBezTo>
+                <a:cubicBezTo>
+                  <a:pt x="6302090" y="17698"/>
+                  <a:pt x="6353093" y="-11909"/>
+                  <a:pt x="6638544" y="0"/>
+                </a:cubicBezTo>
+                <a:cubicBezTo>
+                  <a:pt x="6923995" y="11909"/>
+                  <a:pt x="7053404" y="21630"/>
+                  <a:pt x="7214616" y="0"/>
+                </a:cubicBezTo>
+                <a:cubicBezTo>
+                  <a:pt x="7375828" y="-21630"/>
+                  <a:pt x="7837963" y="3886"/>
+                  <a:pt x="8010144" y="0"/>
+                </a:cubicBezTo>
+                <a:cubicBezTo>
+                  <a:pt x="8182325" y="-3886"/>
+                  <a:pt x="8224183" y="16009"/>
+                  <a:pt x="8366760" y="0"/>
+                </a:cubicBezTo>
+                <a:cubicBezTo>
+                  <a:pt x="8509337" y="-16009"/>
+                  <a:pt x="8687920" y="-5720"/>
+                  <a:pt x="8942832" y="0"/>
+                </a:cubicBezTo>
+                <a:cubicBezTo>
+                  <a:pt x="9197744" y="5720"/>
+                  <a:pt x="9368437" y="20479"/>
+                  <a:pt x="9628632" y="0"/>
+                </a:cubicBezTo>
+                <a:cubicBezTo>
+                  <a:pt x="9888827" y="-20479"/>
+                  <a:pt x="10560858" y="-20746"/>
+                  <a:pt x="10972800" y="0"/>
+                </a:cubicBezTo>
+                <a:cubicBezTo>
+                  <a:pt x="10972186" y="5722"/>
+                  <a:pt x="10972980" y="12495"/>
+                  <a:pt x="10972800" y="18288"/>
+                </a:cubicBezTo>
+                <a:cubicBezTo>
+                  <a:pt x="10786146" y="12536"/>
+                  <a:pt x="10623717" y="14033"/>
+                  <a:pt x="10506456" y="18288"/>
+                </a:cubicBezTo>
+                <a:cubicBezTo>
+                  <a:pt x="10389195" y="22543"/>
+                  <a:pt x="10296178" y="20107"/>
+                  <a:pt x="10149840" y="18288"/>
+                </a:cubicBezTo>
+                <a:cubicBezTo>
+                  <a:pt x="10003502" y="16469"/>
+                  <a:pt x="9767530" y="28891"/>
+                  <a:pt x="9464040" y="18288"/>
+                </a:cubicBezTo>
+                <a:cubicBezTo>
+                  <a:pt x="9160550" y="7685"/>
+                  <a:pt x="9229050" y="2659"/>
+                  <a:pt x="8997696" y="18288"/>
+                </a:cubicBezTo>
+                <a:cubicBezTo>
+                  <a:pt x="8766342" y="33917"/>
+                  <a:pt x="8340136" y="34864"/>
+                  <a:pt x="8092440" y="18288"/>
+                </a:cubicBezTo>
+                <a:cubicBezTo>
+                  <a:pt x="7844744" y="1712"/>
+                  <a:pt x="7863720" y="27405"/>
+                  <a:pt x="7735824" y="18288"/>
+                </a:cubicBezTo>
+                <a:cubicBezTo>
+                  <a:pt x="7607928" y="9171"/>
+                  <a:pt x="7323619" y="461"/>
+                  <a:pt x="7050024" y="18288"/>
+                </a:cubicBezTo>
+                <a:cubicBezTo>
+                  <a:pt x="6776429" y="36115"/>
+                  <a:pt x="6787899" y="28206"/>
+                  <a:pt x="6693408" y="18288"/>
+                </a:cubicBezTo>
+                <a:cubicBezTo>
+                  <a:pt x="6598917" y="8370"/>
+                  <a:pt x="6395231" y="19114"/>
+                  <a:pt x="6227064" y="18288"/>
+                </a:cubicBezTo>
+                <a:cubicBezTo>
+                  <a:pt x="6058897" y="17462"/>
+                  <a:pt x="5618582" y="1091"/>
+                  <a:pt x="5431536" y="18288"/>
+                </a:cubicBezTo>
+                <a:cubicBezTo>
+                  <a:pt x="5244490" y="35485"/>
+                  <a:pt x="4729797" y="-9650"/>
+                  <a:pt x="4526280" y="18288"/>
+                </a:cubicBezTo>
+                <a:cubicBezTo>
+                  <a:pt x="4322763" y="46226"/>
+                  <a:pt x="4216797" y="756"/>
+                  <a:pt x="4059936" y="18288"/>
+                </a:cubicBezTo>
+                <a:cubicBezTo>
+                  <a:pt x="3903075" y="35820"/>
+                  <a:pt x="3537912" y="42098"/>
+                  <a:pt x="3374136" y="18288"/>
+                </a:cubicBezTo>
+                <a:cubicBezTo>
+                  <a:pt x="3210360" y="-5522"/>
+                  <a:pt x="3126842" y="39135"/>
+                  <a:pt x="2907792" y="18288"/>
+                </a:cubicBezTo>
+                <a:cubicBezTo>
+                  <a:pt x="2688742" y="-2559"/>
+                  <a:pt x="2490436" y="34100"/>
+                  <a:pt x="2112264" y="18288"/>
+                </a:cubicBezTo>
+                <a:cubicBezTo>
+                  <a:pt x="1734092" y="2476"/>
+                  <a:pt x="1744622" y="-7274"/>
+                  <a:pt x="1536192" y="18288"/>
+                </a:cubicBezTo>
+                <a:cubicBezTo>
+                  <a:pt x="1327762" y="43850"/>
+                  <a:pt x="1189025" y="6435"/>
+                  <a:pt x="1069848" y="18288"/>
+                </a:cubicBezTo>
+                <a:cubicBezTo>
+                  <a:pt x="950671" y="30141"/>
+                  <a:pt x="858345" y="33684"/>
+                  <a:pt x="713232" y="18288"/>
+                </a:cubicBezTo>
+                <a:cubicBezTo>
+                  <a:pt x="568119" y="2892"/>
+                  <a:pt x="250292" y="5410"/>
+                  <a:pt x="0" y="18288"/>
+                </a:cubicBezTo>
+                <a:cubicBezTo>
+                  <a:pt x="465" y="13062"/>
+                  <a:pt x="-894" y="9029"/>
+                  <a:pt x="0" y="0"/>
+                </a:cubicBezTo>
+                <a:close/>
+              </a:path>
+            </a:pathLst>
+          </a:custGeom>
+          <a:solidFill>
+            <a:schemeClr val="accent2">
+              <a:alpha val="75000"/>
+            </a:schemeClr>
+          </a:solidFill>
+          <a:ln w="44450" cap="rnd">
+            <a:solidFill>
+              <a:schemeClr val="accent2">
+                <a:alpha val="75000"/>
+              </a:schemeClr>
+            </a:solidFill>
+            <a:round/>
+            <a:extLst>
+              <a:ext uri="{C807C97D-BFC1-408E-A445-0C87EB9F89A2}">
+                <ask:lineSketchStyleProps xmlns:ask="http://schemas.microsoft.com/office/drawing/2018/sketchyshapes" sd="2727557108">
+                  <a:prstGeom prst="rect">
+                    <a:avLst/>
+                  </a:prstGeom>
+                  <ask:type>
+                    <ask:lineSketchFreehand/>
+                  </ask:type>
+                </ask:lineSketchStyleProps>
+              </a:ext>
+            </a:extLst>
+          </a:ln>
+        </p:spPr>
+        <p:style>
+          <a:lnRef idx="2">
+            <a:schemeClr val="accent1">
+              <a:shade val="50000"/>
+            </a:schemeClr>
+          </a:lnRef>
+          <a:fillRef idx="1">
+            <a:schemeClr val="accent1"/>
+          </a:fillRef>
+          <a:effectRef idx="0">
+            <a:schemeClr val="accent1"/>
+          </a:effectRef>
+          <a:fontRef idx="minor">
+            <a:schemeClr val="lt1"/>
+          </a:fontRef>
+        </p:style>
+        <p:txBody>
+          <a:bodyPr rtlCol="0" anchor="ctr"/>
+          <a:lstStyle/>
+          <a:p>
+            <a:pPr algn="ctr"/>
+            <a:endParaRPr lang="en-US"/>
+          </a:p>
+        </p:txBody>
+      </p:sp>
+      <mc:AlternateContent xmlns:mc="http://schemas.openxmlformats.org/markup-compatibility/2006">
+        <mc:Choice xmlns:a14="http://schemas.microsoft.com/office/drawing/2010/main" Requires="a14">
+          <p:sp>
+            <p:nvSpPr>
+              <p:cNvPr id="7" name="Rectangle 1">
+                <a:extLst>
+                  <a:ext uri="{FF2B5EF4-FFF2-40B4-BE49-F238E27FC236}">
+                    <a16:creationId xmlns:a16="http://schemas.microsoft.com/office/drawing/2014/main" id="{6238A704-887A-6BBA-44C0-EE049421DF59}"/>
+                  </a:ext>
+                </a:extLst>
+              </p:cNvPr>
+              <p:cNvSpPr>
+                <a:spLocks noGrp="1" noChangeArrowheads="1"/>
+              </p:cNvSpPr>
+              <p:nvPr>
+                <p:ph idx="1"/>
+              </p:nvPr>
+            </p:nvSpPr>
+            <p:spPr bwMode="auto">
+              <a:xfrm>
+                <a:off x="572493" y="2071316"/>
+                <a:ext cx="6713552" cy="4119172"/>
+              </a:xfrm>
+              <a:prstGeom prst="rect">
+                <a:avLst/>
+              </a:prstGeom>
+              <a:extLst>
+                <a:ext uri="{909E8E84-426E-40DD-AFC4-6F175D3DCCD1}">
+                  <a14:hiddenFill>
+                    <a:solidFill>
+                      <a:schemeClr val="accent1"/>
+                    </a:solidFill>
+                  </a14:hiddenFill>
+                </a:ext>
+                <a:ext uri="{91240B29-F687-4F45-9708-019B960494DF}">
+                  <a14:hiddenLine w="9525">
+                    <a:solidFill>
+                      <a:schemeClr val="tx1"/>
+                    </a:solidFill>
+                    <a:miter lim="800000"/>
+                    <a:headEnd/>
+                    <a:tailEnd/>
+                  </a14:hiddenLine>
+                </a:ext>
+                <a:ext uri="{AF507438-7753-43E0-B8FC-AC1667EBCBE1}">
+                  <a14:hiddenEffects>
+                    <a:effectLst>
+                      <a:outerShdw dist="35921" dir="2700000" algn="ctr" rotWithShape="0">
+                        <a:schemeClr val="bg2"/>
+                      </a:outerShdw>
+                    </a:effectLst>
+                  </a14:hiddenEffects>
+                </a:ext>
+              </a:extLst>
+            </p:spPr>
+            <p:txBody>
+              <a:bodyPr vert="horz" lIns="91440" tIns="45720" rIns="91440" bIns="45720" numCol="1" anchor="t" anchorCtr="0" compatLnSpc="1">
+                <a:prstTxWarp prst="textNoShape">
+                  <a:avLst/>
+                </a:prstTxWarp>
+                <a:normAutofit/>
+              </a:bodyPr>
+              <a:lstStyle/>
+              <a:p>
+                <a:pPr marL="0" marR="0" lvl="0" indent="0" defTabSz="914400" rtl="0" eaLnBrk="0" fontAlgn="base" latinLnBrk="0" hangingPunct="0">
+                  <a:spcBef>
+                    <a:spcPct val="0"/>
+                  </a:spcBef>
+                  <a:spcAft>
+                    <a:spcPts val="600"/>
+                  </a:spcAft>
+                  <a:buClrTx/>
+                  <a:buSzTx/>
+                  <a:buFontTx/>
+                  <a:buNone/>
+                  <a:tabLst/>
+                </a:pPr>
+                <a:r>
+                  <a:rPr kumimoji="0" lang="it-IT" altLang="it-IT" sz="1500" i="0" u="none" strike="noStrike" cap="none" normalizeH="0" baseline="0" dirty="0">
+                    <a:ln>
+                      <a:noFill/>
+                    </a:ln>
+                    <a:effectLst/>
+                  </a:rPr>
+                  <a:t>La funzione «</a:t>
+                </a:r>
+                <a:r>
+                  <a:rPr kumimoji="0" lang="it-IT" altLang="it-IT" sz="1500" i="0" u="none" strike="noStrike" cap="none" normalizeH="0" baseline="0" dirty="0" err="1">
+                    <a:ln>
+                      <a:noFill/>
+                    </a:ln>
+                    <a:effectLst/>
+                  </a:rPr>
+                  <a:t>controllable_set</a:t>
+                </a:r>
+                <a:r>
+                  <a:rPr kumimoji="0" lang="it-IT" altLang="it-IT" sz="1500" i="0" u="none" strike="noStrike" cap="none" normalizeH="0" baseline="0" dirty="0">
+                    <a:ln>
+                      <a:noFill/>
+                    </a:ln>
+                    <a:effectLst/>
+                  </a:rPr>
+                  <a:t>» costruisce l’insieme di tutti gli stati dai quali è possibile raggiungere il set target entro un numero massimo di N passi, rispettando i vincoli su stati e ingressi.</a:t>
+                </a:r>
+              </a:p>
+              <a:p>
+                <a:pPr marL="0" marR="0" lvl="0" indent="0" defTabSz="914400" rtl="0" eaLnBrk="0" fontAlgn="base" latinLnBrk="0" hangingPunct="0">
+                  <a:spcBef>
+                    <a:spcPct val="0"/>
+                  </a:spcBef>
+                  <a:spcAft>
+                    <a:spcPts val="600"/>
+                  </a:spcAft>
+                  <a:buClrTx/>
+                  <a:buSzTx/>
+                  <a:buFontTx/>
+                  <a:buNone/>
+                  <a:tabLst/>
+                </a:pPr>
+                <a:r>
+                  <a:rPr kumimoji="0" lang="it-IT" altLang="it-IT" sz="1500" i="0" u="none" strike="noStrike" cap="none" normalizeH="0" baseline="0" dirty="0">
+                    <a:ln>
+                      <a:noFill/>
+                    </a:ln>
+                    <a:effectLst/>
+                  </a:rPr>
+                  <a:t>L’algoritmo parte dal set target iniziale e, ad ogni iterazione, costruisce un poliedro nello spazio (</a:t>
+                </a:r>
+                <a:r>
+                  <a:rPr kumimoji="0" lang="it-IT" altLang="it-IT" sz="1500" i="0" u="none" strike="noStrike" cap="none" normalizeH="0" baseline="0" dirty="0" err="1">
+                    <a:ln>
+                      <a:noFill/>
+                    </a:ln>
+                    <a:effectLst/>
+                  </a:rPr>
+                  <a:t>x,u</a:t>
+                </a:r>
+                <a:r>
+                  <a:rPr kumimoji="0" lang="it-IT" altLang="it-IT" sz="1500" i="0" u="none" strike="noStrike" cap="none" normalizeH="0" baseline="0" dirty="0">
+                    <a:ln>
+                      <a:noFill/>
+                    </a:ln>
+                    <a:effectLst/>
+                  </a:rPr>
+                  <a:t>) che impone due condizioni:</a:t>
+                </a:r>
+              </a:p>
+              <a:p>
+                <a:pPr eaLnBrk="0" fontAlgn="base" hangingPunct="0">
+                  <a:spcBef>
+                    <a:spcPct val="0"/>
+                  </a:spcBef>
+                  <a:spcAft>
+                    <a:spcPts val="600"/>
+                  </a:spcAft>
+                </a:pPr>
+                <a:r>
+                  <a:rPr kumimoji="0" lang="it-IT" altLang="it-IT" sz="1500" i="0" u="none" strike="noStrike" cap="none" normalizeH="0" baseline="0" dirty="0">
+                    <a:ln>
+                      <a:noFill/>
+                    </a:ln>
+                    <a:effectLst/>
+                  </a:rPr>
+                  <a:t>che la dinamica </a:t>
+                </a:r>
+                <a14:m>
+                  <m:oMath xmlns:m="http://schemas.openxmlformats.org/officeDocument/2006/math">
+                    <m:sSup>
+                      <m:sSupPr>
+                        <m:ctrlPr>
+                          <a:rPr kumimoji="0" lang="it-IT" altLang="it-IT" sz="1500" i="1" u="none" strike="noStrike" cap="none" normalizeH="0" baseline="0" dirty="0" smtClean="0">
+                            <a:ln>
+                              <a:noFill/>
+                            </a:ln>
+                            <a:effectLst/>
+                          </a:rPr>
+                        </m:ctrlPr>
+                      </m:sSupPr>
+                      <m:e>
+                        <m:r>
+                          <a:rPr kumimoji="0" lang="it-IT" altLang="it-IT" sz="1500" b="0" i="1" u="none" strike="noStrike" cap="none" normalizeH="0" baseline="0" dirty="0" smtClean="0">
+                            <a:ln>
+                              <a:noFill/>
+                            </a:ln>
+                            <a:effectLst/>
+                          </a:rPr>
+                          <m:t>𝑥</m:t>
+                        </m:r>
+                      </m:e>
+                      <m:sup>
+                        <m:r>
+                          <a:rPr kumimoji="0" lang="it-IT" altLang="it-IT" sz="1500" b="0" i="1" u="none" strike="noStrike" cap="none" normalizeH="0" baseline="0" dirty="0" smtClean="0">
+                            <a:ln>
+                              <a:noFill/>
+                            </a:ln>
+                            <a:effectLst/>
+                          </a:rPr>
+                          <m:t>+</m:t>
+                        </m:r>
+                      </m:sup>
+                    </m:sSup>
+                    <m:r>
+                      <a:rPr kumimoji="0" lang="it-IT" altLang="it-IT" sz="1500" i="1" u="none" strike="noStrike" cap="none" normalizeH="0" baseline="0" dirty="0" smtClean="0">
+                        <a:ln>
+                          <a:noFill/>
+                        </a:ln>
+                        <a:effectLst/>
+                      </a:rPr>
+                      <m:t>=</m:t>
+                    </m:r>
+                    <m:r>
+                      <a:rPr kumimoji="0" lang="it-IT" altLang="it-IT" sz="1500" i="1" u="none" strike="noStrike" cap="none" normalizeH="0" baseline="0" dirty="0" err="1">
+                        <a:ln>
+                          <a:noFill/>
+                        </a:ln>
+                        <a:effectLst/>
+                      </a:rPr>
+                      <m:t>𝐴𝑥</m:t>
+                    </m:r>
+                    <m:r>
+                      <a:rPr kumimoji="0" lang="it-IT" altLang="it-IT" sz="1500" i="1" u="none" strike="noStrike" cap="none" normalizeH="0" baseline="0" dirty="0" err="1">
+                        <a:ln>
+                          <a:noFill/>
+                        </a:ln>
+                        <a:effectLst/>
+                      </a:rPr>
+                      <m:t>+</m:t>
+                    </m:r>
+                    <m:r>
+                      <a:rPr kumimoji="0" lang="it-IT" altLang="it-IT" sz="1500" i="1" u="none" strike="noStrike" cap="none" normalizeH="0" baseline="0" dirty="0" err="1" smtClean="0">
+                        <a:ln>
+                          <a:noFill/>
+                        </a:ln>
+                        <a:effectLst/>
+                      </a:rPr>
+                      <m:t>𝐵𝑢</m:t>
+                    </m:r>
+                    <m:r>
+                      <a:rPr kumimoji="0" lang="it-IT" altLang="it-IT" sz="1500" i="1" u="none" strike="noStrike" cap="none" normalizeH="0" baseline="0" dirty="0" smtClean="0">
+                        <a:ln>
+                          <a:noFill/>
+                        </a:ln>
+                        <a:effectLst/>
+                      </a:rPr>
+                      <m:t> </m:t>
+                    </m:r>
+                  </m:oMath>
+                </a14:m>
+                <a:r>
+                  <a:rPr kumimoji="0" lang="it-IT" altLang="it-IT" sz="1500" i="0" u="none" strike="noStrike" cap="none" normalizeH="0" baseline="0" dirty="0">
+                    <a:ln>
+                      <a:noFill/>
+                    </a:ln>
+                    <a:effectLst/>
+                  </a:rPr>
+                  <a:t>resti all’interno del set corrente,</a:t>
+                </a:r>
+              </a:p>
+              <a:p>
+                <a:pPr eaLnBrk="0" fontAlgn="base" hangingPunct="0">
+                  <a:spcBef>
+                    <a:spcPct val="0"/>
+                  </a:spcBef>
+                  <a:spcAft>
+                    <a:spcPts val="600"/>
+                  </a:spcAft>
+                </a:pPr>
+                <a:r>
+                  <a:rPr kumimoji="0" lang="it-IT" altLang="it-IT" sz="1500" i="0" u="none" strike="noStrike" cap="none" normalizeH="0" baseline="0" dirty="0">
+                    <a:ln>
+                      <a:noFill/>
+                    </a:ln>
+                    <a:effectLst/>
+                  </a:rPr>
+                  <a:t>e che gli ingressi soddisfino i vincoli </a:t>
+                </a:r>
+                <a14:m>
+                  <m:oMath xmlns:m="http://schemas.openxmlformats.org/officeDocument/2006/math">
+                    <m:r>
+                      <a:rPr kumimoji="0" lang="it-IT" altLang="it-IT" sz="1500" i="1" u="none" strike="noStrike" cap="none" normalizeH="0" baseline="0" dirty="0" smtClean="0">
+                        <a:ln>
+                          <a:noFill/>
+                        </a:ln>
+                        <a:effectLst/>
+                      </a:rPr>
+                      <m:t>𝐻𝑢</m:t>
+                    </m:r>
+                    <m:r>
+                      <a:rPr kumimoji="0" lang="it-IT" altLang="it-IT" sz="1500" i="1" u="none" strike="noStrike" cap="none" normalizeH="0" baseline="0" dirty="0" smtClean="0">
+                        <a:ln>
+                          <a:noFill/>
+                        </a:ln>
+                        <a:effectLst/>
+                      </a:rPr>
+                      <m:t>⋅</m:t>
+                    </m:r>
+                    <m:r>
+                      <a:rPr kumimoji="0" lang="it-IT" altLang="it-IT" sz="1500" i="1" u="none" strike="noStrike" cap="none" normalizeH="0" baseline="0" dirty="0" smtClean="0">
+                        <a:ln>
+                          <a:noFill/>
+                        </a:ln>
+                        <a:effectLst/>
+                      </a:rPr>
+                      <m:t>𝑢</m:t>
+                    </m:r>
+                    <m:r>
+                      <a:rPr kumimoji="0" lang="it-IT" altLang="it-IT" sz="1500" i="1" u="none" strike="noStrike" cap="none" normalizeH="0" baseline="0" dirty="0" smtClean="0">
+                        <a:ln>
+                          <a:noFill/>
+                        </a:ln>
+                        <a:effectLst/>
+                      </a:rPr>
+                      <m:t>≤</m:t>
+                    </m:r>
+                    <m:r>
+                      <a:rPr kumimoji="0" lang="it-IT" altLang="it-IT" sz="1500" i="1" u="none" strike="noStrike" cap="none" normalizeH="0" baseline="0" dirty="0" err="1" smtClean="0">
+                        <a:ln>
+                          <a:noFill/>
+                        </a:ln>
+                        <a:effectLst/>
+                      </a:rPr>
+                      <m:t>h𝑢</m:t>
+                    </m:r>
+                  </m:oMath>
+                </a14:m>
+                <a:r>
+                  <a:rPr kumimoji="0" lang="it-IT" altLang="it-IT" sz="1500" i="0" u="none" strike="noStrike" cap="none" normalizeH="0" baseline="0" dirty="0">
+                    <a:ln>
+                      <a:noFill/>
+                    </a:ln>
+                    <a:effectLst/>
+                  </a:rPr>
+                  <a:t>.</a:t>
+                </a:r>
+              </a:p>
+              <a:p>
+                <a:pPr marL="0" marR="0" lvl="0" indent="0" defTabSz="914400" rtl="0" eaLnBrk="0" fontAlgn="base" latinLnBrk="0" hangingPunct="0">
+                  <a:spcBef>
+                    <a:spcPct val="0"/>
+                  </a:spcBef>
+                  <a:spcAft>
+                    <a:spcPts val="600"/>
+                  </a:spcAft>
+                  <a:buClrTx/>
+                  <a:buSzTx/>
+                  <a:buFontTx/>
+                  <a:buNone/>
+                  <a:tabLst/>
+                </a:pPr>
+                <a:r>
+                  <a:rPr kumimoji="0" lang="it-IT" altLang="it-IT" sz="1500" i="0" u="none" strike="noStrike" cap="none" normalizeH="0" baseline="0" dirty="0">
+                    <a:ln>
+                      <a:noFill/>
+                    </a:ln>
+                    <a:effectLst/>
+                  </a:rPr>
+                  <a:t>Questo poliedro viene poi proiettato nello spazio degli stati</a:t>
+                </a:r>
+                <a:r>
+                  <a:rPr kumimoji="0" lang="it-IT" altLang="it-IT" sz="1500" i="0" u="none" strike="noStrike" cap="none" normalizeH="0" dirty="0">
+                    <a:ln>
+                      <a:noFill/>
+                    </a:ln>
+                    <a:effectLst/>
+                  </a:rPr>
+                  <a:t> e </a:t>
+                </a:r>
+                <a:r>
+                  <a:rPr kumimoji="0" lang="it-IT" altLang="it-IT" sz="1500" i="0" u="none" strike="noStrike" cap="none" normalizeH="0" baseline="0" dirty="0">
+                    <a:ln>
+                      <a:noFill/>
+                    </a:ln>
+                    <a:effectLst/>
+                  </a:rPr>
+                  <a:t>intersecato con i vincoli di stato </a:t>
+                </a:r>
+                <a14:m>
+                  <m:oMath xmlns:m="http://schemas.openxmlformats.org/officeDocument/2006/math">
+                    <m:r>
+                      <a:rPr kumimoji="0" lang="it-IT" altLang="it-IT" sz="1500" i="1" u="none" strike="noStrike" cap="none" normalizeH="0" baseline="0" dirty="0" smtClean="0">
+                        <a:ln>
+                          <a:noFill/>
+                        </a:ln>
+                        <a:effectLst/>
+                      </a:rPr>
+                      <m:t>𝐻𝑥</m:t>
+                    </m:r>
+                    <m:r>
+                      <a:rPr kumimoji="0" lang="it-IT" altLang="it-IT" sz="1500" i="1" u="none" strike="noStrike" cap="none" normalizeH="0" baseline="0" dirty="0" smtClean="0">
+                        <a:ln>
+                          <a:noFill/>
+                        </a:ln>
+                        <a:effectLst/>
+                      </a:rPr>
+                      <m:t>⋅</m:t>
+                    </m:r>
+                    <m:r>
+                      <a:rPr kumimoji="0" lang="it-IT" altLang="it-IT" sz="1500" i="1" u="none" strike="noStrike" cap="none" normalizeH="0" baseline="0" dirty="0" smtClean="0">
+                        <a:ln>
+                          <a:noFill/>
+                        </a:ln>
+                        <a:effectLst/>
+                      </a:rPr>
+                      <m:t>𝑥</m:t>
+                    </m:r>
+                    <m:r>
+                      <a:rPr kumimoji="0" lang="it-IT" altLang="it-IT" sz="1500" i="1" u="none" strike="noStrike" cap="none" normalizeH="0" baseline="0" dirty="0" smtClean="0">
+                        <a:ln>
+                          <a:noFill/>
+                        </a:ln>
+                        <a:effectLst/>
+                      </a:rPr>
+                      <m:t>≤</m:t>
+                    </m:r>
+                    <m:r>
+                      <a:rPr kumimoji="0" lang="it-IT" altLang="it-IT" sz="1500" i="1" u="none" strike="noStrike" cap="none" normalizeH="0" baseline="0" dirty="0" err="1" smtClean="0">
+                        <a:ln>
+                          <a:noFill/>
+                        </a:ln>
+                        <a:effectLst/>
+                      </a:rPr>
+                      <m:t>h𝑥</m:t>
+                    </m:r>
+                  </m:oMath>
+                </a14:m>
+                <a:r>
+                  <a:rPr kumimoji="0" lang="it-IT" altLang="it-IT" sz="1500" i="0" u="none" strike="noStrike" cap="none" normalizeH="0" baseline="0" dirty="0">
+                    <a:ln>
+                      <a:noFill/>
+                    </a:ln>
+                    <a:effectLst/>
+                  </a:rPr>
+                  <a:t>.</a:t>
+                </a:r>
+              </a:p>
+              <a:p>
+                <a:pPr marL="0" marR="0" lvl="0" indent="0" defTabSz="914400" rtl="0" eaLnBrk="0" fontAlgn="base" latinLnBrk="0" hangingPunct="0">
+                  <a:spcBef>
+                    <a:spcPct val="0"/>
+                  </a:spcBef>
+                  <a:spcAft>
+                    <a:spcPts val="600"/>
+                  </a:spcAft>
+                  <a:buClrTx/>
+                  <a:buSzTx/>
+                  <a:buFontTx/>
+                  <a:buNone/>
+                  <a:tabLst/>
+                </a:pPr>
+                <a:r>
+                  <a:rPr kumimoji="0" lang="it-IT" altLang="it-IT" sz="1500" i="0" u="none" strike="noStrike" cap="none" normalizeH="0" baseline="0" dirty="0">
+                    <a:ln>
+                      <a:noFill/>
+                    </a:ln>
+                    <a:effectLst/>
+                  </a:rPr>
+                  <a:t>Ripetendo il processo per N passi, l’insieme si espande gradualmente, includendo tutti gli stati da cui è garantito raggiungere il set target in al più N mosse. Il risultato finale è il N-step </a:t>
+                </a:r>
+                <a:r>
+                  <a:rPr kumimoji="0" lang="it-IT" altLang="it-IT" sz="1500" i="0" u="none" strike="noStrike" cap="none" normalizeH="0" baseline="0" dirty="0" err="1">
+                    <a:ln>
+                      <a:noFill/>
+                    </a:ln>
+                    <a:effectLst/>
+                  </a:rPr>
+                  <a:t>controllable</a:t>
+                </a:r>
+                <a:r>
+                  <a:rPr kumimoji="0" lang="it-IT" altLang="it-IT" sz="1500" i="0" u="none" strike="noStrike" cap="none" normalizeH="0" baseline="0" dirty="0">
+                    <a:ln>
+                      <a:noFill/>
+                    </a:ln>
+                    <a:effectLst/>
+                  </a:rPr>
+                  <a:t> set, descritto da matrici​.</a:t>
+                </a:r>
+              </a:p>
+            </p:txBody>
+          </p:sp>
+        </mc:Choice>
+        <mc:Fallback>
+          <p:sp>
+            <p:nvSpPr>
+              <p:cNvPr id="7" name="Rectangle 1">
+                <a:extLst>
+                  <a:ext uri="{FF2B5EF4-FFF2-40B4-BE49-F238E27FC236}">
+                    <a16:creationId xmlns:a16="http://schemas.microsoft.com/office/drawing/2014/main" id="{6238A704-887A-6BBA-44C0-EE049421DF59}"/>
+                  </a:ext>
+                </a:extLst>
+              </p:cNvPr>
+              <p:cNvSpPr>
+                <a:spLocks noGrp="1" noRot="1" noChangeAspect="1" noMove="1" noResize="1" noEditPoints="1" noAdjustHandles="1" noChangeArrowheads="1" noChangeShapeType="1" noTextEdit="1"/>
+              </p:cNvSpPr>
+              <p:nvPr>
+                <p:ph idx="1"/>
+              </p:nvPr>
+            </p:nvSpPr>
+            <p:spPr bwMode="auto">
+              <a:xfrm>
+                <a:off x="572493" y="2071316"/>
+                <a:ext cx="6713552" cy="4119172"/>
+              </a:xfrm>
+              <a:prstGeom prst="rect">
+                <a:avLst/>
+              </a:prstGeom>
+              <a:blipFill>
+                <a:blip r:embed="rId2"/>
+                <a:stretch>
+                  <a:fillRect l="-363" t="-740"/>
+                </a:stretch>
+              </a:blipFill>
+              <a:extLst>
+                <a:ext uri="{909E8E84-426E-40DD-AFC4-6F175D3DCCD1}">
+                  <a14:hiddenFill xmlns:a14="http://schemas.microsoft.com/office/drawing/2010/main">
+                    <a:solidFill>
+                      <a:schemeClr val="accent1"/>
+                    </a:solidFill>
+                  </a14:hiddenFill>
+                </a:ext>
+                <a:ext uri="{91240B29-F687-4F45-9708-019B960494DF}">
+                  <a14:hiddenLine xmlns:a14="http://schemas.microsoft.com/office/drawing/2010/main" w="9525">
+                    <a:solidFill>
+                      <a:schemeClr val="tx1"/>
+                    </a:solidFill>
+                    <a:miter lim="800000"/>
+                    <a:headEnd/>
+                    <a:tailEnd/>
+                  </a14:hiddenLine>
+                </a:ext>
+                <a:ext uri="{AF507438-7753-43E0-B8FC-AC1667EBCBE1}">
+                  <a14:hiddenEffects xmlns:a14="http://schemas.microsoft.com/office/drawing/2010/main">
+                    <a:effectLst>
+                      <a:outerShdw dist="35921" dir="2700000" algn="ctr" rotWithShape="0">
+                        <a:schemeClr val="bg2"/>
+                      </a:outerShdw>
+                    </a:effectLst>
+                  </a14:hiddenEffects>
+                </a:ext>
+              </a:extLst>
+            </p:spPr>
+            <p:txBody>
+              <a:bodyPr/>
+              <a:lstStyle/>
+              <a:p>
+                <a:r>
+                  <a:rPr lang="it-IT">
+                    <a:noFill/>
+                  </a:rPr>
+                  <a:t> </a:t>
+                </a:r>
+              </a:p>
+            </p:txBody>
+          </p:sp>
+        </mc:Fallback>
+      </mc:AlternateContent>
+      <p:pic>
+        <p:nvPicPr>
+          <p:cNvPr id="6" name="Immagine 5">
+            <a:extLst>
+              <a:ext uri="{FF2B5EF4-FFF2-40B4-BE49-F238E27FC236}">
+                <a16:creationId xmlns:a16="http://schemas.microsoft.com/office/drawing/2014/main" id="{AAAC38D5-D956-F2CA-7722-64B18E6DD193}"/>
+              </a:ext>
+            </a:extLst>
+          </p:cNvPr>
+          <p:cNvPicPr>
+            <a:picLocks noChangeAspect="1"/>
+          </p:cNvPicPr>
+          <p:nvPr/>
+        </p:nvPicPr>
+        <p:blipFill>
+          <a:blip r:embed="rId3"/>
+          <a:srcRect r="24239" b="2"/>
+          <a:stretch>
+            <a:fillRect/>
+          </a:stretch>
+        </p:blipFill>
+        <p:spPr>
+          <a:xfrm>
+            <a:off x="7675658" y="2093976"/>
+            <a:ext cx="3941064" cy="4096512"/>
+          </a:xfrm>
+          <a:prstGeom prst="rect">
+            <a:avLst/>
+          </a:prstGeom>
+        </p:spPr>
+      </p:pic>
+      <p:sp>
+        <p:nvSpPr>
+          <p:cNvPr id="4" name="Segnaposto piè di pagina 3">
+            <a:extLst>
+              <a:ext uri="{FF2B5EF4-FFF2-40B4-BE49-F238E27FC236}">
+                <a16:creationId xmlns:a16="http://schemas.microsoft.com/office/drawing/2014/main" id="{278DD334-0921-088C-B617-8434DE67C114}"/>
+              </a:ext>
+            </a:extLst>
+          </p:cNvPr>
+          <p:cNvSpPr>
+            <a:spLocks noGrp="1"/>
+          </p:cNvSpPr>
+          <p:nvPr>
+            <p:ph type="ftr" sz="quarter" idx="11"/>
+          </p:nvPr>
+        </p:nvSpPr>
+        <p:spPr>
+          <a:xfrm>
+            <a:off x="4038600" y="6356350"/>
+            <a:ext cx="4114800" cy="365125"/>
+          </a:xfrm>
+        </p:spPr>
+        <p:txBody>
+          <a:bodyPr>
+            <a:normAutofit/>
+          </a:bodyPr>
+          <a:lstStyle/>
+          <a:p>
+            <a:pPr>
+              <a:spcAft>
+                <a:spcPts val="600"/>
+              </a:spcAft>
+            </a:pPr>
+            <a:r>
+              <a:rPr lang="it-IT"/>
+              <a:t>Davide Brambilla [1080752], Giorgio Passarella[1079287]</a:t>
+            </a:r>
+          </a:p>
+        </p:txBody>
+      </p:sp>
+    </p:spTree>
+    <p:extLst>
+      <p:ext uri="{BB962C8B-B14F-4D97-AF65-F5344CB8AC3E}">
+        <p14:creationId xmlns:p14="http://schemas.microsoft.com/office/powerpoint/2010/main" val="1267780229"/>
+      </p:ext>
+    </p:extLst>
+  </p:cSld>
+  <p:clrMapOvr>
+    <a:masterClrMapping/>
+  </p:clrMapOvr>
+</p:sld>
+</file>
+
+<file path=ppt/slides/slide16.xml><?xml version="1.0" encoding="utf-8"?>
+<p:sld xmlns:a="http://schemas.openxmlformats.org/drawingml/2006/main" xmlns:r="http://schemas.openxmlformats.org/officeDocument/2006/relationships" xmlns:p="http://schemas.openxmlformats.org/presentationml/2006/main">
+  <p:cSld>
+    <p:bg>
+      <p:bgPr>
+        <a:solidFill>
+          <a:schemeClr val="bg1"/>
+        </a:solidFill>
+        <a:effectLst/>
+      </p:bgPr>
+    </p:bg>
+    <p:spTree>
+      <p:nvGrpSpPr>
+        <p:cNvPr id="1" name=""/>
+        <p:cNvGrpSpPr/>
+        <p:nvPr/>
+      </p:nvGrpSpPr>
+      <p:grpSpPr>
+        <a:xfrm>
+          <a:off x="0" y="0"/>
+          <a:ext cx="0" cy="0"/>
+          <a:chOff x="0" y="0"/>
+          <a:chExt cx="0" cy="0"/>
+        </a:xfrm>
+      </p:grpSpPr>
+      <p:sp useBgFill="1">
+        <p:nvSpPr>
+          <p:cNvPr id="13" name="Rectangle 12">
+            <a:extLst>
+              <a:ext uri="{FF2B5EF4-FFF2-40B4-BE49-F238E27FC236}">
+                <a16:creationId xmlns:a16="http://schemas.microsoft.com/office/drawing/2014/main" id="{352BEC0E-22F8-46D0-9632-375DB541B06C}"/>
+              </a:ext>
+              <a:ext uri="{C183D7F6-B498-43B3-948B-1728B52AA6E4}">
+                <adec:decorative xmlns:adec="http://schemas.microsoft.com/office/drawing/2017/decorative" val="1"/>
+              </a:ext>
+            </a:extLst>
+          </p:cNvPr>
+          <p:cNvSpPr>
+            <a:spLocks noGrp="1" noRot="1" noChangeAspect="1" noMove="1" noResize="1" noEditPoints="1" noAdjustHandles="1" noChangeArrowheads="1" noChangeShapeType="1" noTextEdit="1"/>
+          </p:cNvSpPr>
+          <p:nvPr>
+            <p:extLst>
+              <p:ext uri="{386F3935-93C4-4BCD-93E2-E3B085C9AB24}">
+                <p16:designElem xmlns:p16="http://schemas.microsoft.com/office/powerpoint/2015/main" val="1"/>
+              </p:ext>
+            </p:extLst>
+          </p:nvPr>
+        </p:nvSpPr>
+        <p:spPr>
+          <a:xfrm>
+            <a:off x="0" y="0"/>
+            <a:ext cx="12188952" cy="6858000"/>
+          </a:xfrm>
+          <a:prstGeom prst="rect">
+            <a:avLst/>
+          </a:prstGeom>
+          <a:ln>
+            <a:noFill/>
+          </a:ln>
+        </p:spPr>
+        <p:style>
+          <a:lnRef idx="2">
+            <a:schemeClr val="accent1">
+              <a:shade val="50000"/>
+            </a:schemeClr>
+          </a:lnRef>
+          <a:fillRef idx="1">
+            <a:schemeClr val="accent1"/>
+          </a:fillRef>
+          <a:effectRef idx="0">
+            <a:schemeClr val="accent1"/>
+          </a:effectRef>
+          <a:fontRef idx="minor">
+            <a:schemeClr val="lt1"/>
+          </a:fontRef>
+        </p:style>
+        <p:txBody>
+          <a:bodyPr rtlCol="0" anchor="ctr"/>
+          <a:lstStyle/>
+          <a:p>
+            <a:pPr algn="ctr"/>
+            <a:endParaRPr lang="en-US"/>
+          </a:p>
+        </p:txBody>
+      </p:sp>
+      <p:sp>
+        <p:nvSpPr>
+          <p:cNvPr id="2" name="Titolo 1">
+            <a:extLst>
+              <a:ext uri="{FF2B5EF4-FFF2-40B4-BE49-F238E27FC236}">
+                <a16:creationId xmlns:a16="http://schemas.microsoft.com/office/drawing/2014/main" id="{B5080449-7390-2B77-6F85-F0A0A12703B2}"/>
+              </a:ext>
+            </a:extLst>
+          </p:cNvPr>
+          <p:cNvSpPr>
+            <a:spLocks noGrp="1"/>
+          </p:cNvSpPr>
+          <p:nvPr>
+            <p:ph type="title"/>
+          </p:nvPr>
+        </p:nvSpPr>
+        <p:spPr>
+          <a:xfrm>
+            <a:off x="640080" y="329184"/>
+            <a:ext cx="6894576" cy="1783080"/>
+          </a:xfrm>
+        </p:spPr>
+        <p:txBody>
+          <a:bodyPr anchor="b">
+            <a:normAutofit/>
+          </a:bodyPr>
+          <a:lstStyle/>
+          <a:p>
+            <a:r>
+              <a:rPr lang="it-IT" sz="5400" dirty="0"/>
+              <a:t>Plot N-step </a:t>
+            </a:r>
+            <a:r>
+              <a:rPr lang="it-IT" sz="5400" dirty="0" err="1"/>
+              <a:t>controllable</a:t>
+            </a:r>
+            <a:r>
+              <a:rPr lang="it-IT" sz="5400" dirty="0"/>
+              <a:t> set</a:t>
+            </a:r>
+          </a:p>
+        </p:txBody>
+      </p:sp>
+      <p:sp>
+        <p:nvSpPr>
+          <p:cNvPr id="15" name="sketch line">
+            <a:extLst>
+              <a:ext uri="{FF2B5EF4-FFF2-40B4-BE49-F238E27FC236}">
+                <a16:creationId xmlns:a16="http://schemas.microsoft.com/office/drawing/2014/main" id="{3FCFB1DE-0B7E-48CC-BA90-B2AB0889F9D6}"/>
+              </a:ext>
+              <a:ext uri="{C183D7F6-B498-43B3-948B-1728B52AA6E4}">
+                <adec:decorative xmlns:adec="http://schemas.microsoft.com/office/drawing/2017/decorative" val="1"/>
+              </a:ext>
+            </a:extLst>
+          </p:cNvPr>
+          <p:cNvSpPr>
+            <a:spLocks noGrp="1" noRot="1" noChangeAspect="1" noMove="1" noResize="1" noEditPoints="1" noAdjustHandles="1" noChangeArrowheads="1" noChangeShapeType="1" noTextEdit="1"/>
+          </p:cNvSpPr>
+          <p:nvPr>
+            <p:extLst>
+              <p:ext uri="{386F3935-93C4-4BCD-93E2-E3B085C9AB24}">
+                <p16:designElem xmlns:p16="http://schemas.microsoft.com/office/powerpoint/2015/main" val="1"/>
+              </p:ext>
+            </p:extLst>
+          </p:nvPr>
+        </p:nvSpPr>
+        <p:spPr>
+          <a:xfrm>
+            <a:off x="758952" y="2395728"/>
+            <a:ext cx="4243589" cy="18288"/>
+          </a:xfrm>
+          <a:custGeom>
+            <a:avLst/>
+            <a:gdLst>
+              <a:gd name="connsiteX0" fmla="*/ 0 w 4243589"/>
+              <a:gd name="connsiteY0" fmla="*/ 0 h 18288"/>
+              <a:gd name="connsiteX1" fmla="*/ 478919 w 4243589"/>
+              <a:gd name="connsiteY1" fmla="*/ 0 h 18288"/>
+              <a:gd name="connsiteX2" fmla="*/ 957839 w 4243589"/>
+              <a:gd name="connsiteY2" fmla="*/ 0 h 18288"/>
+              <a:gd name="connsiteX3" fmla="*/ 1521630 w 4243589"/>
+              <a:gd name="connsiteY3" fmla="*/ 0 h 18288"/>
+              <a:gd name="connsiteX4" fmla="*/ 2212729 w 4243589"/>
+              <a:gd name="connsiteY4" fmla="*/ 0 h 18288"/>
+              <a:gd name="connsiteX5" fmla="*/ 2734084 w 4243589"/>
+              <a:gd name="connsiteY5" fmla="*/ 0 h 18288"/>
+              <a:gd name="connsiteX6" fmla="*/ 3255439 w 4243589"/>
+              <a:gd name="connsiteY6" fmla="*/ 0 h 18288"/>
+              <a:gd name="connsiteX7" fmla="*/ 4243589 w 4243589"/>
+              <a:gd name="connsiteY7" fmla="*/ 0 h 18288"/>
+              <a:gd name="connsiteX8" fmla="*/ 4243589 w 4243589"/>
+              <a:gd name="connsiteY8" fmla="*/ 18288 h 18288"/>
+              <a:gd name="connsiteX9" fmla="*/ 3594926 w 4243589"/>
+              <a:gd name="connsiteY9" fmla="*/ 18288 h 18288"/>
+              <a:gd name="connsiteX10" fmla="*/ 3073571 w 4243589"/>
+              <a:gd name="connsiteY10" fmla="*/ 18288 h 18288"/>
+              <a:gd name="connsiteX11" fmla="*/ 2552216 w 4243589"/>
+              <a:gd name="connsiteY11" fmla="*/ 18288 h 18288"/>
+              <a:gd name="connsiteX12" fmla="*/ 1903553 w 4243589"/>
+              <a:gd name="connsiteY12" fmla="*/ 18288 h 18288"/>
+              <a:gd name="connsiteX13" fmla="*/ 1212454 w 4243589"/>
+              <a:gd name="connsiteY13" fmla="*/ 18288 h 18288"/>
+              <a:gd name="connsiteX14" fmla="*/ 733535 w 4243589"/>
+              <a:gd name="connsiteY14" fmla="*/ 18288 h 18288"/>
+              <a:gd name="connsiteX15" fmla="*/ 0 w 4243589"/>
+              <a:gd name="connsiteY15" fmla="*/ 18288 h 18288"/>
+              <a:gd name="connsiteX16" fmla="*/ 0 w 4243589"/>
+              <a:gd name="connsiteY16" fmla="*/ 0 h 18288"/>
+            </a:gdLst>
+            <a:ahLst/>
+            <a:cxnLst>
+              <a:cxn ang="0">
+                <a:pos x="connsiteX0" y="connsiteY0"/>
+              </a:cxn>
+              <a:cxn ang="0">
+                <a:pos x="connsiteX1" y="connsiteY1"/>
+              </a:cxn>
+              <a:cxn ang="0">
+                <a:pos x="connsiteX2" y="connsiteY2"/>
+              </a:cxn>
+              <a:cxn ang="0">
+                <a:pos x="connsiteX3" y="connsiteY3"/>
+              </a:cxn>
+              <a:cxn ang="0">
+                <a:pos x="connsiteX4" y="connsiteY4"/>
+              </a:cxn>
+              <a:cxn ang="0">
+                <a:pos x="connsiteX5" y="connsiteY5"/>
+              </a:cxn>
+              <a:cxn ang="0">
+                <a:pos x="connsiteX6" y="connsiteY6"/>
+              </a:cxn>
+              <a:cxn ang="0">
+                <a:pos x="connsiteX7" y="connsiteY7"/>
+              </a:cxn>
+              <a:cxn ang="0">
+                <a:pos x="connsiteX8" y="connsiteY8"/>
+              </a:cxn>
+              <a:cxn ang="0">
+                <a:pos x="connsiteX9" y="connsiteY9"/>
+              </a:cxn>
+              <a:cxn ang="0">
+                <a:pos x="connsiteX10" y="connsiteY10"/>
+              </a:cxn>
+              <a:cxn ang="0">
+                <a:pos x="connsiteX11" y="connsiteY11"/>
+              </a:cxn>
+              <a:cxn ang="0">
+                <a:pos x="connsiteX12" y="connsiteY12"/>
+              </a:cxn>
+              <a:cxn ang="0">
+                <a:pos x="connsiteX13" y="connsiteY13"/>
+              </a:cxn>
+              <a:cxn ang="0">
+                <a:pos x="connsiteX14" y="connsiteY14"/>
+              </a:cxn>
+              <a:cxn ang="0">
+                <a:pos x="connsiteX15" y="connsiteY15"/>
+              </a:cxn>
+              <a:cxn ang="0">
+                <a:pos x="connsiteX16" y="connsiteY16"/>
+              </a:cxn>
+            </a:cxnLst>
+            <a:rect l="l" t="t" r="r" b="b"/>
+            <a:pathLst>
+              <a:path w="4243589" h="18288" fill="none" extrusionOk="0">
+                <a:moveTo>
+                  <a:pt x="0" y="0"/>
+                </a:moveTo>
+                <a:cubicBezTo>
+                  <a:pt x="213395" y="-21006"/>
+                  <a:pt x="307421" y="-18116"/>
+                  <a:pt x="478919" y="0"/>
+                </a:cubicBezTo>
+                <a:cubicBezTo>
+                  <a:pt x="650417" y="18116"/>
+                  <a:pt x="831092" y="-21237"/>
+                  <a:pt x="957839" y="0"/>
+                </a:cubicBezTo>
+                <a:cubicBezTo>
+                  <a:pt x="1084586" y="21237"/>
+                  <a:pt x="1301682" y="25124"/>
+                  <a:pt x="1521630" y="0"/>
+                </a:cubicBezTo>
+                <a:cubicBezTo>
+                  <a:pt x="1741578" y="-25124"/>
+                  <a:pt x="1970269" y="-29139"/>
+                  <a:pt x="2212729" y="0"/>
+                </a:cubicBezTo>
+                <a:cubicBezTo>
+                  <a:pt x="2455189" y="29139"/>
+                  <a:pt x="2558847" y="-4796"/>
+                  <a:pt x="2734084" y="0"/>
+                </a:cubicBezTo>
+                <a:cubicBezTo>
+                  <a:pt x="2909321" y="4796"/>
+                  <a:pt x="3097217" y="-13409"/>
+                  <a:pt x="3255439" y="0"/>
+                </a:cubicBezTo>
+                <a:cubicBezTo>
+                  <a:pt x="3413662" y="13409"/>
+                  <a:pt x="3979999" y="-10121"/>
+                  <a:pt x="4243589" y="0"/>
+                </a:cubicBezTo>
+                <a:cubicBezTo>
+                  <a:pt x="4244484" y="8974"/>
+                  <a:pt x="4243043" y="9359"/>
+                  <a:pt x="4243589" y="18288"/>
+                </a:cubicBezTo>
+                <a:cubicBezTo>
+                  <a:pt x="4058777" y="31246"/>
+                  <a:pt x="3910348" y="3158"/>
+                  <a:pt x="3594926" y="18288"/>
+                </a:cubicBezTo>
+                <a:cubicBezTo>
+                  <a:pt x="3279504" y="33418"/>
+                  <a:pt x="3319955" y="-3977"/>
+                  <a:pt x="3073571" y="18288"/>
+                </a:cubicBezTo>
+                <a:cubicBezTo>
+                  <a:pt x="2827187" y="40553"/>
+                  <a:pt x="2767387" y="1863"/>
+                  <a:pt x="2552216" y="18288"/>
+                </a:cubicBezTo>
+                <a:cubicBezTo>
+                  <a:pt x="2337046" y="34713"/>
+                  <a:pt x="2181871" y="19527"/>
+                  <a:pt x="1903553" y="18288"/>
+                </a:cubicBezTo>
+                <a:cubicBezTo>
+                  <a:pt x="1625235" y="17049"/>
+                  <a:pt x="1557672" y="24174"/>
+                  <a:pt x="1212454" y="18288"/>
+                </a:cubicBezTo>
+                <a:cubicBezTo>
+                  <a:pt x="867236" y="12402"/>
+                  <a:pt x="874382" y="15627"/>
+                  <a:pt x="733535" y="18288"/>
+                </a:cubicBezTo>
+                <a:cubicBezTo>
+                  <a:pt x="592688" y="20949"/>
+                  <a:pt x="183477" y="14753"/>
+                  <a:pt x="0" y="18288"/>
+                </a:cubicBezTo>
+                <a:cubicBezTo>
+                  <a:pt x="-229" y="14222"/>
+                  <a:pt x="509" y="5816"/>
+                  <a:pt x="0" y="0"/>
+                </a:cubicBezTo>
+                <a:close/>
+              </a:path>
+              <a:path w="4243589" h="18288" stroke="0" extrusionOk="0">
+                <a:moveTo>
+                  <a:pt x="0" y="0"/>
+                </a:moveTo>
+                <a:cubicBezTo>
+                  <a:pt x="143690" y="16630"/>
+                  <a:pt x="266667" y="14847"/>
+                  <a:pt x="521355" y="0"/>
+                </a:cubicBezTo>
+                <a:cubicBezTo>
+                  <a:pt x="776043" y="-14847"/>
+                  <a:pt x="814491" y="-17363"/>
+                  <a:pt x="1000275" y="0"/>
+                </a:cubicBezTo>
+                <a:cubicBezTo>
+                  <a:pt x="1186059" y="17363"/>
+                  <a:pt x="1352504" y="-23507"/>
+                  <a:pt x="1521630" y="0"/>
+                </a:cubicBezTo>
+                <a:cubicBezTo>
+                  <a:pt x="1690756" y="23507"/>
+                  <a:pt x="1889525" y="5871"/>
+                  <a:pt x="2127857" y="0"/>
+                </a:cubicBezTo>
+                <a:cubicBezTo>
+                  <a:pt x="2366189" y="-5871"/>
+                  <a:pt x="2620628" y="-27997"/>
+                  <a:pt x="2776520" y="0"/>
+                </a:cubicBezTo>
+                <a:cubicBezTo>
+                  <a:pt x="2932412" y="27997"/>
+                  <a:pt x="3131683" y="-25073"/>
+                  <a:pt x="3467618" y="0"/>
+                </a:cubicBezTo>
+                <a:cubicBezTo>
+                  <a:pt x="3803553" y="25073"/>
+                  <a:pt x="4017371" y="3071"/>
+                  <a:pt x="4243589" y="0"/>
+                </a:cubicBezTo>
+                <a:cubicBezTo>
+                  <a:pt x="4243134" y="6162"/>
+                  <a:pt x="4243492" y="11775"/>
+                  <a:pt x="4243589" y="18288"/>
+                </a:cubicBezTo>
+                <a:cubicBezTo>
+                  <a:pt x="4017834" y="-5779"/>
+                  <a:pt x="3834586" y="13376"/>
+                  <a:pt x="3594926" y="18288"/>
+                </a:cubicBezTo>
+                <a:cubicBezTo>
+                  <a:pt x="3355266" y="23200"/>
+                  <a:pt x="3204179" y="2869"/>
+                  <a:pt x="2903827" y="18288"/>
+                </a:cubicBezTo>
+                <a:cubicBezTo>
+                  <a:pt x="2603475" y="33707"/>
+                  <a:pt x="2526187" y="46187"/>
+                  <a:pt x="2212729" y="18288"/>
+                </a:cubicBezTo>
+                <a:cubicBezTo>
+                  <a:pt x="1899271" y="-9611"/>
+                  <a:pt x="1966289" y="29692"/>
+                  <a:pt x="1733809" y="18288"/>
+                </a:cubicBezTo>
+                <a:cubicBezTo>
+                  <a:pt x="1501329" y="6884"/>
+                  <a:pt x="1343612" y="12492"/>
+                  <a:pt x="1085146" y="18288"/>
+                </a:cubicBezTo>
+                <a:cubicBezTo>
+                  <a:pt x="826680" y="24084"/>
+                  <a:pt x="778184" y="35607"/>
+                  <a:pt x="521355" y="18288"/>
+                </a:cubicBezTo>
+                <a:cubicBezTo>
+                  <a:pt x="264526" y="969"/>
+                  <a:pt x="120277" y="4268"/>
+                  <a:pt x="0" y="18288"/>
+                </a:cubicBezTo>
+                <a:cubicBezTo>
+                  <a:pt x="766" y="10800"/>
+                  <a:pt x="-457" y="8180"/>
+                  <a:pt x="0" y="0"/>
+                </a:cubicBezTo>
+                <a:close/>
+              </a:path>
+            </a:pathLst>
+          </a:custGeom>
+          <a:solidFill>
+            <a:schemeClr val="accent2"/>
+          </a:solidFill>
+          <a:ln w="41275" cap="rnd">
+            <a:solidFill>
+              <a:schemeClr val="accent2"/>
+            </a:solidFill>
+            <a:round/>
+            <a:extLst>
+              <a:ext uri="{C807C97D-BFC1-408E-A445-0C87EB9F89A2}">
+                <ask:lineSketchStyleProps xmlns:ask="http://schemas.microsoft.com/office/drawing/2018/sketchyshapes" sd="2727557108">
+                  <a:prstGeom prst="rect">
+                    <a:avLst/>
+                  </a:prstGeom>
+                  <ask:type>
+                    <ask:lineSketchFreehand/>
+                  </ask:type>
+                </ask:lineSketchStyleProps>
+              </a:ext>
+            </a:extLst>
+          </a:ln>
+        </p:spPr>
+        <p:style>
+          <a:lnRef idx="2">
+            <a:schemeClr val="accent1">
+              <a:shade val="50000"/>
+            </a:schemeClr>
+          </a:lnRef>
+          <a:fillRef idx="1">
+            <a:schemeClr val="accent1"/>
+          </a:fillRef>
+          <a:effectRef idx="0">
+            <a:schemeClr val="accent1"/>
+          </a:effectRef>
+          <a:fontRef idx="minor">
+            <a:schemeClr val="lt1"/>
+          </a:fontRef>
+        </p:style>
+        <p:txBody>
+          <a:bodyPr rtlCol="0" anchor="ctr"/>
+          <a:lstStyle/>
+          <a:p>
+            <a:pPr algn="ctr"/>
+            <a:endParaRPr lang="en-US"/>
+          </a:p>
+        </p:txBody>
+      </p:sp>
+      <p:sp>
+        <p:nvSpPr>
+          <p:cNvPr id="3" name="Segnaposto contenuto 2">
+            <a:extLst>
+              <a:ext uri="{FF2B5EF4-FFF2-40B4-BE49-F238E27FC236}">
+                <a16:creationId xmlns:a16="http://schemas.microsoft.com/office/drawing/2014/main" id="{1AB11CCA-47B4-9509-7533-3E635B5D12DE}"/>
+              </a:ext>
+            </a:extLst>
+          </p:cNvPr>
+          <p:cNvSpPr>
+            <a:spLocks noGrp="1"/>
+          </p:cNvSpPr>
           <p:nvPr>
             <p:ph idx="1"/>
           </p:nvPr>
+        </p:nvSpPr>
+        <p:spPr>
+          <a:xfrm>
+            <a:off x="640080" y="2706624"/>
+            <a:ext cx="6894576" cy="3483864"/>
+          </a:xfrm>
+        </p:spPr>
+        <p:txBody>
+          <a:bodyPr>
+            <a:normAutofit/>
+          </a:bodyPr>
+          <a:lstStyle/>
+          <a:p>
+            <a:pPr marL="0" lvl="0" indent="0" eaLnBrk="0" fontAlgn="base" hangingPunct="0">
+              <a:lnSpc>
+                <a:spcPct val="100000"/>
+              </a:lnSpc>
+              <a:spcBef>
+                <a:spcPct val="0"/>
+              </a:spcBef>
+              <a:spcAft>
+                <a:spcPct val="0"/>
+              </a:spcAft>
+              <a:buNone/>
+            </a:pPr>
+            <a:r>
+              <a:rPr lang="it-IT" altLang="it-IT" sz="1700" dirty="0"/>
+              <a:t>Per N = 4 passi viene chiamata la funzione </a:t>
+            </a:r>
+            <a:r>
+              <a:rPr lang="it-IT" altLang="it-IT" sz="1700" dirty="0" err="1"/>
+              <a:t>controllable_set</a:t>
+            </a:r>
+            <a:r>
+              <a:rPr lang="it-IT" altLang="it-IT" sz="1700" dirty="0"/>
+              <a:t> usando il CIS come set target e in maniera da ottenere le disuguaglianze (</a:t>
+            </a:r>
+            <a:r>
+              <a:rPr lang="it-IT" altLang="it-IT" sz="1700" dirty="0" err="1"/>
+              <a:t>Np_steps_H</a:t>
+            </a:r>
+            <a:r>
+              <a:rPr lang="it-IT" altLang="it-IT" sz="1700" dirty="0"/>
+              <a:t>, </a:t>
+            </a:r>
+            <a:r>
+              <a:rPr lang="it-IT" altLang="it-IT" sz="1700" dirty="0" err="1"/>
+              <a:t>Np_steps_h</a:t>
+            </a:r>
+            <a:r>
+              <a:rPr lang="it-IT" altLang="it-IT" sz="1700" dirty="0"/>
+              <a:t>) che definiscono il poliedro di tutti gli stati da cui in al massimo 4 mosse, rispettando i vincoli, si entra nel CIS. Viene trasformato questo risultato in un oggetto </a:t>
+            </a:r>
+            <a:r>
+              <a:rPr lang="it-IT" altLang="it-IT" sz="1700" dirty="0" err="1"/>
+              <a:t>Polyhedron</a:t>
+            </a:r>
+            <a:r>
+              <a:rPr lang="it-IT" altLang="it-IT" sz="1700" dirty="0"/>
+              <a:t> proiettando la regione sui piani (</a:t>
+            </a:r>
+            <a:r>
+              <a:rPr lang="it-IT" altLang="it-IT" sz="1700" dirty="0" err="1"/>
+              <a:t>h₁,h</a:t>
+            </a:r>
+            <a:r>
+              <a:rPr lang="it-IT" altLang="it-IT" sz="1700" dirty="0"/>
+              <a:t>₃) e (</a:t>
+            </a:r>
+            <a:r>
+              <a:rPr lang="it-IT" altLang="it-IT" sz="1700" dirty="0" err="1"/>
+              <a:t>h₂,h</a:t>
+            </a:r>
+            <a:r>
+              <a:rPr lang="it-IT" altLang="it-IT" sz="1700" dirty="0"/>
+              <a:t>₄).</a:t>
+            </a:r>
+          </a:p>
+          <a:p>
+            <a:pPr marL="0" lvl="0" indent="0" eaLnBrk="0" fontAlgn="base" hangingPunct="0">
+              <a:lnSpc>
+                <a:spcPct val="100000"/>
+              </a:lnSpc>
+              <a:spcBef>
+                <a:spcPct val="0"/>
+              </a:spcBef>
+              <a:spcAft>
+                <a:spcPct val="0"/>
+              </a:spcAft>
+              <a:buNone/>
+            </a:pPr>
+            <a:r>
+              <a:rPr lang="it-IT" altLang="it-IT" sz="1700" dirty="0"/>
+              <a:t>Nei due </a:t>
+            </a:r>
+            <a:r>
+              <a:rPr lang="it-IT" altLang="it-IT" sz="1700" dirty="0" err="1"/>
+              <a:t>subplot</a:t>
+            </a:r>
+            <a:r>
+              <a:rPr lang="it-IT" altLang="it-IT" sz="1700" dirty="0"/>
+              <a:t> vengono visualizzati insieme il CIS e l’N-step set e si può osservare che l’N-step </a:t>
+            </a:r>
+            <a:r>
+              <a:rPr lang="it-IT" altLang="it-IT" sz="1700" dirty="0" err="1"/>
+              <a:t>controllable</a:t>
+            </a:r>
+            <a:r>
+              <a:rPr lang="it-IT" altLang="it-IT" sz="1700" dirty="0"/>
+              <a:t> set ingloba il CIS e si estende al di fuori: quelle aree extra rappresentano combinazioni di livelli iniziali non stazionarie ma comunque riportabili in sicurezza in 4 passi. </a:t>
+            </a:r>
+            <a:endParaRPr lang="it-IT" sz="2200" dirty="0"/>
+          </a:p>
+        </p:txBody>
+      </p:sp>
+      <p:pic>
+        <p:nvPicPr>
+          <p:cNvPr id="6" name="Immagine 5">
+            <a:extLst>
+              <a:ext uri="{FF2B5EF4-FFF2-40B4-BE49-F238E27FC236}">
+                <a16:creationId xmlns:a16="http://schemas.microsoft.com/office/drawing/2014/main" id="{13CA0D21-BAD3-1718-6115-0F4521D13489}"/>
+              </a:ext>
+            </a:extLst>
+          </p:cNvPr>
+          <p:cNvPicPr>
+            <a:picLocks noChangeAspect="1"/>
+          </p:cNvPicPr>
+          <p:nvPr/>
         </p:nvPicPr>
         <p:blipFill>
           <a:blip r:embed="rId2"/>
@@ -6324,18 +11189,88 @@
         </p:blipFill>
         <p:spPr>
           <a:xfrm>
-            <a:off x="4038600" y="4768850"/>
-            <a:ext cx="4048180" cy="859790"/>
+            <a:off x="8369777" y="329183"/>
+            <a:ext cx="3360233" cy="3099815"/>
           </a:xfrm>
           <a:prstGeom prst="rect">
             <a:avLst/>
           </a:prstGeom>
         </p:spPr>
       </p:pic>
+      <p:pic>
+        <p:nvPicPr>
+          <p:cNvPr id="8" name="Immagine 7">
+            <a:extLst>
+              <a:ext uri="{FF2B5EF4-FFF2-40B4-BE49-F238E27FC236}">
+                <a16:creationId xmlns:a16="http://schemas.microsoft.com/office/drawing/2014/main" id="{692593FC-7BF5-725D-DD50-E10EA9E468AE}"/>
+              </a:ext>
+            </a:extLst>
+          </p:cNvPr>
+          <p:cNvPicPr>
+            <a:picLocks noChangeAspect="1"/>
+          </p:cNvPicPr>
+          <p:nvPr/>
+        </p:nvPicPr>
+        <p:blipFill>
+          <a:blip r:embed="rId3"/>
+          <a:stretch>
+            <a:fillRect/>
+          </a:stretch>
+        </p:blipFill>
+        <p:spPr>
+          <a:xfrm>
+            <a:off x="8385938" y="3429000"/>
+            <a:ext cx="3360233" cy="3099816"/>
+          </a:xfrm>
+          <a:prstGeom prst="rect">
+            <a:avLst/>
+          </a:prstGeom>
+        </p:spPr>
+      </p:pic>
+      <p:sp>
+        <p:nvSpPr>
+          <p:cNvPr id="4" name="Segnaposto piè di pagina 3">
+            <a:extLst>
+              <a:ext uri="{FF2B5EF4-FFF2-40B4-BE49-F238E27FC236}">
+                <a16:creationId xmlns:a16="http://schemas.microsoft.com/office/drawing/2014/main" id="{F19FBA25-CE36-E84C-1C44-780E1BFBE25D}"/>
+              </a:ext>
+            </a:extLst>
+          </p:cNvPr>
+          <p:cNvSpPr>
+            <a:spLocks noGrp="1"/>
+          </p:cNvSpPr>
+          <p:nvPr>
+            <p:ph type="ftr" sz="quarter" idx="11"/>
+          </p:nvPr>
+        </p:nvSpPr>
+        <p:spPr>
+          <a:xfrm>
+            <a:off x="4038600" y="6356350"/>
+            <a:ext cx="4114800" cy="365125"/>
+          </a:xfrm>
+        </p:spPr>
+        <p:txBody>
+          <a:bodyPr>
+            <a:normAutofit/>
+          </a:bodyPr>
+          <a:lstStyle/>
+          <a:p>
+            <a:pPr>
+              <a:spcAft>
+                <a:spcPts val="600"/>
+              </a:spcAft>
+            </a:pPr>
+            <a:r>
+              <a:rPr lang="it-IT"/>
+              <a:t>Davide Brambilla [1080752], Giorgio Passarella[1079287]</a:t>
+            </a:r>
+          </a:p>
+        </p:txBody>
+      </p:sp>
     </p:spTree>
     <p:extLst>
       <p:ext uri="{BB962C8B-B14F-4D97-AF65-F5344CB8AC3E}">
-        <p14:creationId xmlns:p14="http://schemas.microsoft.com/office/powerpoint/2010/main" val="714073648"/>
+        <p14:creationId xmlns:p14="http://schemas.microsoft.com/office/powerpoint/2010/main" val="2636114999"/>
       </p:ext>
     </p:extLst>
   </p:cSld>
@@ -8003,8 +12938,8 @@
           </a:p>
         </p:txBody>
       </p:sp>
-      <mc:AlternateContent xmlns:mc="http://schemas.openxmlformats.org/markup-compatibility/2006">
-        <mc:Choice xmlns:a14="http://schemas.microsoft.com/office/drawing/2010/main" Requires="a14">
+      <mc:AlternateContent xmlns:mc="http://schemas.openxmlformats.org/markup-compatibility/2006" xmlns:a14="http://schemas.microsoft.com/office/drawing/2010/main">
+        <mc:Choice Requires="a14">
           <p:sp>
             <p:nvSpPr>
               <p:cNvPr id="3" name="Segnaposto contenuto 2">
@@ -9899,16 +14834,7 @@
                       <a:rPr lang="it-IT" sz="1800" b="0" i="0" smtClean="0">
                         <a:latin typeface="Cambria Math" panose="02040503050406030204" pitchFamily="18" charset="0"/>
                       </a:rPr>
-                      <m:t> </m:t>
-                    </m:r>
-                    <m:r>
-                      <m:rPr>
-                        <m:nor/>
-                      </m:rPr>
-                      <a:rPr lang="it-IT" sz="1800" b="0" i="0" smtClean="0">
-                        <a:latin typeface="Cambria Math" panose="02040503050406030204" pitchFamily="18" charset="0"/>
-                      </a:rPr>
-                      <m:t>[</m:t>
+                      <m:t> [</m:t>
                     </m:r>
                     <m:r>
                       <m:rPr>
@@ -9971,25 +14897,7 @@
                       <a:rPr lang="it-IT" sz="1800" b="0" i="0" smtClean="0">
                         <a:latin typeface="Cambria Math" panose="02040503050406030204" pitchFamily="18" charset="0"/>
                       </a:rPr>
-                      <m:t>[</m:t>
-                    </m:r>
-                    <m:r>
-                      <m:rPr>
-                        <m:nor/>
-                      </m:rPr>
-                      <a:rPr lang="it-IT" sz="1800" b="0" i="0" smtClean="0">
-                        <a:latin typeface="Cambria Math" panose="02040503050406030204" pitchFamily="18" charset="0"/>
-                      </a:rPr>
-                      <m:t>/</m:t>
-                    </m:r>
-                    <m:r>
-                      <m:rPr>
-                        <m:nor/>
-                      </m:rPr>
-                      <a:rPr lang="it-IT" sz="1800" b="0" i="0" smtClean="0">
-                        <a:latin typeface="Cambria Math" panose="02040503050406030204" pitchFamily="18" charset="0"/>
-                      </a:rPr>
-                      <m:t>]</m:t>
+                      <m:t>[/]</m:t>
                     </m:r>
                   </m:oMath>
                 </a14:m>
@@ -10017,7 +14925,7 @@
             </p:txBody>
           </p:sp>
         </mc:Choice>
-        <mc:Fallback>
+        <mc:Fallback xmlns="">
           <p:sp>
             <p:nvSpPr>
               <p:cNvPr id="3" name="Segnaposto contenuto 2">
@@ -12108,8 +17016,8 @@
           </a:p>
         </p:txBody>
       </p:sp>
-      <mc:AlternateContent xmlns:mc="http://schemas.openxmlformats.org/markup-compatibility/2006">
-        <mc:Choice xmlns:a14="http://schemas.microsoft.com/office/drawing/2010/main" Requires="a14">
+      <mc:AlternateContent xmlns:mc="http://schemas.openxmlformats.org/markup-compatibility/2006" xmlns:a14="http://schemas.microsoft.com/office/drawing/2010/main">
+        <mc:Choice Requires="a14">
           <p:sp>
             <p:nvSpPr>
               <p:cNvPr id="3" name="Segnaposto contenuto 2">
@@ -12240,7 +17148,7 @@
             </p:txBody>
           </p:sp>
         </mc:Choice>
-        <mc:Fallback>
+        <mc:Fallback xmlns="">
           <p:sp>
             <p:nvSpPr>
               <p:cNvPr id="3" name="Segnaposto contenuto 2">
@@ -12901,8 +17809,8 @@
           </a:p>
         </p:txBody>
       </p:sp>
-      <mc:AlternateContent xmlns:mc="http://schemas.openxmlformats.org/markup-compatibility/2006">
-        <mc:Choice xmlns:a14="http://schemas.microsoft.com/office/drawing/2010/main" Requires="a14">
+      <mc:AlternateContent xmlns:mc="http://schemas.openxmlformats.org/markup-compatibility/2006" xmlns:a14="http://schemas.microsoft.com/office/drawing/2010/main">
+        <mc:Choice Requires="a14">
           <p:sp>
             <p:nvSpPr>
               <p:cNvPr id="9" name="Rectangle 3">
@@ -13122,7 +18030,7 @@
             </p:txBody>
           </p:sp>
         </mc:Choice>
-        <mc:Fallback>
+        <mc:Fallback xmlns="">
           <p:sp>
             <p:nvSpPr>
               <p:cNvPr id="9" name="Rectangle 3">

--- a/cam.pptx
+++ b/cam.pptx
@@ -5,7 +5,7 @@
     <p:sldMasterId id="2147483648" r:id="rId1"/>
   </p:sldMasterIdLst>
   <p:notesMasterIdLst>
-    <p:notesMasterId r:id="rId18"/>
+    <p:notesMasterId r:id="rId21"/>
   </p:notesMasterIdLst>
   <p:sldIdLst>
     <p:sldId id="256" r:id="rId2"/>
@@ -24,6 +24,9 @@
     <p:sldId id="270" r:id="rId15"/>
     <p:sldId id="271" r:id="rId16"/>
     <p:sldId id="272" r:id="rId17"/>
+    <p:sldId id="273" r:id="rId18"/>
+    <p:sldId id="274" r:id="rId19"/>
+    <p:sldId id="275" r:id="rId20"/>
   </p:sldIdLst>
   <p:sldSz cx="12192000" cy="6858000"/>
   <p:notesSz cx="6858000" cy="9144000"/>
@@ -212,7 +215,7 @@
           <a:p>
             <a:fld id="{56A1F9FD-016A-4124-8D30-0380AF34A37C}" type="datetimeFigureOut">
               <a:rPr lang="it-IT" smtClean="0"/>
-              <a:t>06/07/2025</a:t>
+              <a:t>07/07/2025</a:t>
             </a:fld>
             <a:endParaRPr lang="it-IT"/>
           </a:p>
@@ -626,7 +629,7 @@
           <a:p>
             <a:fld id="{F804CF06-F6AA-4421-AC31-3DD167B981C6}" type="datetime1">
               <a:rPr lang="it-IT" smtClean="0"/>
-              <a:t>06/07/2025</a:t>
+              <a:t>07/07/2025</a:t>
             </a:fld>
             <a:endParaRPr lang="it-IT"/>
           </a:p>
@@ -827,7 +830,7 @@
           <a:p>
             <a:fld id="{3AC0856E-0EEC-4D9D-B3F3-0F60AC013038}" type="datetime1">
               <a:rPr lang="it-IT" smtClean="0"/>
-              <a:t>06/07/2025</a:t>
+              <a:t>07/07/2025</a:t>
             </a:fld>
             <a:endParaRPr lang="it-IT"/>
           </a:p>
@@ -1038,7 +1041,7 @@
           <a:p>
             <a:fld id="{31FBD0A2-0152-4121-A372-5FF90CF4435C}" type="datetime1">
               <a:rPr lang="it-IT" smtClean="0"/>
-              <a:t>06/07/2025</a:t>
+              <a:t>07/07/2025</a:t>
             </a:fld>
             <a:endParaRPr lang="it-IT"/>
           </a:p>
@@ -1239,7 +1242,7 @@
           <a:p>
             <a:fld id="{1C766833-17E6-48D3-9220-DDB953048839}" type="datetime1">
               <a:rPr lang="it-IT" smtClean="0"/>
-              <a:t>06/07/2025</a:t>
+              <a:t>07/07/2025</a:t>
             </a:fld>
             <a:endParaRPr lang="it-IT"/>
           </a:p>
@@ -1517,7 +1520,7 @@
           <a:p>
             <a:fld id="{469C5ADA-E8F5-431F-84DA-235CA7F5C00B}" type="datetime1">
               <a:rPr lang="it-IT" smtClean="0"/>
-              <a:t>06/07/2025</a:t>
+              <a:t>07/07/2025</a:t>
             </a:fld>
             <a:endParaRPr lang="it-IT"/>
           </a:p>
@@ -1785,7 +1788,7 @@
           <a:p>
             <a:fld id="{A1AA3935-594E-4276-85A8-E7A26E6E2775}" type="datetime1">
               <a:rPr lang="it-IT" smtClean="0"/>
-              <a:t>06/07/2025</a:t>
+              <a:t>07/07/2025</a:t>
             </a:fld>
             <a:endParaRPr lang="it-IT"/>
           </a:p>
@@ -2200,7 +2203,7 @@
           <a:p>
             <a:fld id="{982D92E5-5262-4086-8D05-3F8DB806C94C}" type="datetime1">
               <a:rPr lang="it-IT" smtClean="0"/>
-              <a:t>06/07/2025</a:t>
+              <a:t>07/07/2025</a:t>
             </a:fld>
             <a:endParaRPr lang="it-IT"/>
           </a:p>
@@ -2344,7 +2347,7 @@
           <a:p>
             <a:fld id="{00BC9BF5-FDCD-4A4E-8285-15B626CF0A1C}" type="datetime1">
               <a:rPr lang="it-IT" smtClean="0"/>
-              <a:t>06/07/2025</a:t>
+              <a:t>07/07/2025</a:t>
             </a:fld>
             <a:endParaRPr lang="it-IT"/>
           </a:p>
@@ -2460,7 +2463,7 @@
           <a:p>
             <a:fld id="{3C91FFCA-9EDB-4E57-A3C0-4622103A86AF}" type="datetime1">
               <a:rPr lang="it-IT" smtClean="0"/>
-              <a:t>06/07/2025</a:t>
+              <a:t>07/07/2025</a:t>
             </a:fld>
             <a:endParaRPr lang="it-IT"/>
           </a:p>
@@ -2774,7 +2777,7 @@
           <a:p>
             <a:fld id="{BA1124F2-45D5-40AD-B547-4419BD233EA8}" type="datetime1">
               <a:rPr lang="it-IT" smtClean="0"/>
-              <a:t>06/07/2025</a:t>
+              <a:t>07/07/2025</a:t>
             </a:fld>
             <a:endParaRPr lang="it-IT"/>
           </a:p>
@@ -3065,7 +3068,7 @@
           <a:p>
             <a:fld id="{C75E478A-11ED-433A-926B-EB237C1401CE}" type="datetime1">
               <a:rPr lang="it-IT" smtClean="0"/>
-              <a:t>06/07/2025</a:t>
+              <a:t>07/07/2025</a:t>
             </a:fld>
             <a:endParaRPr lang="it-IT"/>
           </a:p>
@@ -3309,7 +3312,7 @@
           <a:p>
             <a:fld id="{3227FB25-0A6E-4247-90E3-2D54F40238BD}" type="datetime1">
               <a:rPr lang="it-IT" smtClean="0"/>
-              <a:t>06/07/2025</a:t>
+              <a:t>07/07/2025</a:t>
             </a:fld>
             <a:endParaRPr lang="it-IT"/>
           </a:p>
@@ -7809,8 +7812,8 @@
           </a:p>
         </p:txBody>
       </p:sp>
-      <mc:AlternateContent xmlns:mc="http://schemas.openxmlformats.org/markup-compatibility/2006">
-        <mc:Choice xmlns:a14="http://schemas.microsoft.com/office/drawing/2010/main" Requires="a14">
+      <mc:AlternateContent xmlns:mc="http://schemas.openxmlformats.org/markup-compatibility/2006" xmlns:a14="http://schemas.microsoft.com/office/drawing/2010/main">
+        <mc:Choice Requires="a14">
           <p:sp>
             <p:nvSpPr>
               <p:cNvPr id="3" name="Segnaposto contenuto 2">
@@ -7876,48 +7879,68 @@
                     <m:sSub>
                       <m:sSubPr>
                         <m:ctrlPr>
-                          <a:rPr lang="it-IT" altLang="it-IT" sz="1400" i="1" dirty="0"/>
+                          <a:rPr lang="it-IT" altLang="it-IT" sz="1400" i="1" dirty="0">
+                            <a:latin typeface="Cambria Math" panose="02040503050406030204" pitchFamily="18" charset="0"/>
+                          </a:rPr>
                         </m:ctrlPr>
                       </m:sSubPr>
                       <m:e>
                         <m:r>
-                          <a:rPr lang="it-IT" altLang="it-IT" sz="1400" b="0" i="1" dirty="0" smtClean="0"/>
+                          <a:rPr lang="it-IT" altLang="it-IT" sz="1400" b="0" i="1" dirty="0" smtClean="0">
+                            <a:latin typeface="Cambria Math" panose="02040503050406030204" pitchFamily="18" charset="0"/>
+                          </a:rPr>
                           <m:t> </m:t>
                         </m:r>
                         <m:r>
-                          <a:rPr lang="it-IT" altLang="it-IT" sz="1400" b="0" i="1" dirty="0" smtClean="0"/>
+                          <a:rPr lang="it-IT" altLang="it-IT" sz="1400" b="0" i="1" dirty="0" smtClean="0">
+                            <a:latin typeface="Cambria Math" panose="02040503050406030204" pitchFamily="18" charset="0"/>
+                          </a:rPr>
                           <m:t>𝐴</m:t>
                         </m:r>
                       </m:e>
                       <m:sub>
                         <m:r>
-                          <a:rPr lang="it-IT" altLang="it-IT" sz="1400" b="0" i="1" dirty="0" smtClean="0"/>
+                          <a:rPr lang="it-IT" altLang="it-IT" sz="1400" b="0" i="1" dirty="0" smtClean="0">
+                            <a:latin typeface="Cambria Math" panose="02040503050406030204" pitchFamily="18" charset="0"/>
+                          </a:rPr>
                           <m:t>𝑙𝑞𝑟</m:t>
                         </m:r>
                       </m:sub>
                     </m:sSub>
                     <m:r>
-                      <a:rPr lang="it-IT" altLang="it-IT" sz="1400" i="1" dirty="0"/>
+                      <a:rPr lang="it-IT" altLang="it-IT" sz="1400" i="1" dirty="0">
+                        <a:latin typeface="Cambria Math" panose="02040503050406030204" pitchFamily="18" charset="0"/>
+                      </a:rPr>
                       <m:t>=</m:t>
                     </m:r>
                     <m:r>
-                      <a:rPr lang="it-IT" altLang="it-IT" sz="1400" i="1" dirty="0"/>
+                      <a:rPr lang="it-IT" altLang="it-IT" sz="1400" i="1" dirty="0">
+                        <a:latin typeface="Cambria Math" panose="02040503050406030204" pitchFamily="18" charset="0"/>
+                      </a:rPr>
                       <m:t>𝐴</m:t>
                     </m:r>
                     <m:r>
-                      <a:rPr lang="it-IT" altLang="it-IT" sz="1400" i="1" dirty="0"/>
+                      <a:rPr lang="it-IT" altLang="it-IT" sz="1400" i="1" dirty="0">
+                        <a:latin typeface="Cambria Math" panose="02040503050406030204" pitchFamily="18" charset="0"/>
+                      </a:rPr>
                       <m:t>+</m:t>
                     </m:r>
                     <m:r>
-                      <a:rPr lang="it-IT" altLang="it-IT" sz="1400" i="1" dirty="0" smtClean="0"/>
+                      <a:rPr lang="it-IT" altLang="it-IT" sz="1400" i="1" dirty="0" smtClean="0">
+                        <a:latin typeface="Cambria Math" panose="02040503050406030204" pitchFamily="18" charset="0"/>
+                      </a:rPr>
                       <m:t>𝐵</m:t>
                     </m:r>
                     <m:r>
-                      <a:rPr lang="it-IT" altLang="it-IT" sz="1400" b="0" i="1" dirty="0" smtClean="0"/>
+                      <a:rPr lang="it-IT" altLang="it-IT" sz="1400" b="0" i="1" dirty="0" smtClean="0">
+                        <a:latin typeface="Cambria Math" panose="02040503050406030204" pitchFamily="18" charset="0"/>
+                      </a:rPr>
                       <m:t>∗</m:t>
                     </m:r>
                     <m:r>
-                      <a:rPr lang="it-IT" altLang="it-IT" sz="1400" i="1" dirty="0"/>
+                      <a:rPr lang="it-IT" altLang="it-IT" sz="1400" i="1" dirty="0">
+                        <a:latin typeface="Cambria Math" panose="02040503050406030204" pitchFamily="18" charset="0"/>
+                      </a:rPr>
                       <m:t>𝐾</m:t>
                     </m:r>
                   </m:oMath>
@@ -7947,67 +7970,93 @@
                 <a14:m>
                   <m:oMath xmlns:m="http://schemas.openxmlformats.org/officeDocument/2006/math">
                     <m:r>
-                      <a:rPr lang="it-IT" altLang="it-IT" sz="1400" i="1" dirty="0" smtClean="0"/>
+                      <a:rPr lang="it-IT" altLang="it-IT" sz="1400" i="1" dirty="0" smtClean="0">
+                        <a:latin typeface="Cambria Math" panose="02040503050406030204" pitchFamily="18" charset="0"/>
+                      </a:rPr>
                       <m:t>𝑢</m:t>
                     </m:r>
                     <m:r>
-                      <a:rPr lang="it-IT" altLang="it-IT" sz="1400" i="1" dirty="0"/>
+                      <a:rPr lang="it-IT" altLang="it-IT" sz="1400" i="1" dirty="0">
+                        <a:latin typeface="Cambria Math" panose="02040503050406030204" pitchFamily="18" charset="0"/>
+                      </a:rPr>
                       <m:t>=</m:t>
                     </m:r>
                     <m:r>
-                      <a:rPr lang="it-IT" altLang="it-IT" sz="1400" i="1" dirty="0"/>
+                      <a:rPr lang="it-IT" altLang="it-IT" sz="1400" i="1" dirty="0">
+                        <a:latin typeface="Cambria Math" panose="02040503050406030204" pitchFamily="18" charset="0"/>
+                      </a:rPr>
                       <m:t>𝐾</m:t>
                     </m:r>
                     <m:r>
-                      <a:rPr lang="it-IT" altLang="it-IT" sz="1400" i="1" dirty="0"/>
+                      <a:rPr lang="it-IT" altLang="it-IT" sz="1400" i="1" dirty="0">
+                        <a:latin typeface="Cambria Math" panose="02040503050406030204" pitchFamily="18" charset="0"/>
+                      </a:rPr>
                       <m:t>(</m:t>
                     </m:r>
                     <m:r>
-                      <a:rPr lang="it-IT" altLang="it-IT" sz="1400" i="1" dirty="0"/>
+                      <a:rPr lang="it-IT" altLang="it-IT" sz="1400" i="1" dirty="0">
+                        <a:latin typeface="Cambria Math" panose="02040503050406030204" pitchFamily="18" charset="0"/>
+                      </a:rPr>
                       <m:t>𝑥</m:t>
                     </m:r>
                     <m:r>
-                      <a:rPr lang="it-IT" altLang="it-IT" sz="1400" i="1" dirty="0"/>
+                      <a:rPr lang="it-IT" altLang="it-IT" sz="1400" i="1" dirty="0">
+                        <a:latin typeface="Cambria Math" panose="02040503050406030204" pitchFamily="18" charset="0"/>
+                      </a:rPr>
                       <m:t>−</m:t>
                     </m:r>
                     <m:sSub>
                       <m:sSubPr>
                         <m:ctrlPr>
-                          <a:rPr lang="it-IT" altLang="it-IT" sz="1400" i="1" dirty="0" smtClean="0"/>
+                          <a:rPr lang="it-IT" altLang="it-IT" sz="1400" i="1" dirty="0" smtClean="0">
+                            <a:latin typeface="Cambria Math" panose="02040503050406030204" pitchFamily="18" charset="0"/>
+                          </a:rPr>
                         </m:ctrlPr>
                       </m:sSubPr>
                       <m:e>
                         <m:r>
-                          <a:rPr lang="it-IT" altLang="it-IT" sz="1400" b="0" i="1" dirty="0" smtClean="0"/>
+                          <a:rPr lang="it-IT" altLang="it-IT" sz="1400" b="0" i="1" dirty="0" smtClean="0">
+                            <a:latin typeface="Cambria Math" panose="02040503050406030204" pitchFamily="18" charset="0"/>
+                          </a:rPr>
                           <m:t>𝑥</m:t>
                         </m:r>
                       </m:e>
                       <m:sub>
                         <m:r>
-                          <a:rPr lang="it-IT" altLang="it-IT" sz="1400" i="1" dirty="0"/>
+                          <a:rPr lang="it-IT" altLang="it-IT" sz="1400" i="1" dirty="0">
+                            <a:latin typeface="Cambria Math" panose="02040503050406030204" pitchFamily="18" charset="0"/>
+                          </a:rPr>
                           <m:t>𝑟𝑒𝑓</m:t>
                         </m:r>
                       </m:sub>
                     </m:sSub>
                     <m:r>
-                      <a:rPr lang="it-IT" altLang="it-IT" sz="1400" i="1" dirty="0" smtClean="0"/>
+                      <a:rPr lang="it-IT" altLang="it-IT" sz="1400" i="1" dirty="0" smtClean="0">
+                        <a:latin typeface="Cambria Math" panose="02040503050406030204" pitchFamily="18" charset="0"/>
+                      </a:rPr>
                       <m:t>)+</m:t>
                     </m:r>
                     <m:sSub>
                       <m:sSubPr>
                         <m:ctrlPr>
-                          <a:rPr lang="it-IT" altLang="it-IT" sz="1400" i="1" dirty="0"/>
+                          <a:rPr lang="it-IT" altLang="it-IT" sz="1400" i="1" dirty="0">
+                            <a:latin typeface="Cambria Math" panose="02040503050406030204" pitchFamily="18" charset="0"/>
+                          </a:rPr>
                         </m:ctrlPr>
                       </m:sSubPr>
                       <m:e>
                         <m:r>
-                          <a:rPr lang="it-IT" altLang="it-IT" sz="1400" b="0" i="1" dirty="0" smtClean="0"/>
+                          <a:rPr lang="it-IT" altLang="it-IT" sz="1400" b="0" i="1" dirty="0" smtClean="0">
+                            <a:latin typeface="Cambria Math" panose="02040503050406030204" pitchFamily="18" charset="0"/>
+                          </a:rPr>
                           <m:t>𝑢</m:t>
                         </m:r>
                       </m:e>
                       <m:sub>
                         <m:r>
-                          <a:rPr lang="it-IT" altLang="it-IT" sz="1400" i="1" dirty="0"/>
+                          <a:rPr lang="it-IT" altLang="it-IT" sz="1400" i="1" dirty="0">
+                            <a:latin typeface="Cambria Math" panose="02040503050406030204" pitchFamily="18" charset="0"/>
+                          </a:rPr>
                           <m:t>𝑟𝑒𝑓</m:t>
                         </m:r>
                       </m:sub>
@@ -8035,23 +8084,33 @@
                 <a14:m>
                   <m:oMath xmlns:m="http://schemas.openxmlformats.org/officeDocument/2006/math">
                     <m:r>
-                      <a:rPr lang="it-IT" altLang="it-IT" sz="1400" i="1" dirty="0" smtClean="0"/>
+                      <a:rPr lang="it-IT" altLang="it-IT" sz="1400" i="1" dirty="0" smtClean="0">
+                        <a:latin typeface="Cambria Math" panose="02040503050406030204" pitchFamily="18" charset="0"/>
+                      </a:rPr>
                       <m:t>𝐹</m:t>
                     </m:r>
                     <m:r>
-                      <a:rPr lang="it-IT" altLang="it-IT" sz="1400" b="0" i="1" dirty="0" smtClean="0"/>
+                      <a:rPr lang="it-IT" altLang="it-IT" sz="1400" b="0" i="1" dirty="0" smtClean="0">
+                        <a:latin typeface="Cambria Math" panose="02040503050406030204" pitchFamily="18" charset="0"/>
+                      </a:rPr>
                       <m:t>∗</m:t>
                     </m:r>
                     <m:r>
-                      <a:rPr lang="it-IT" altLang="it-IT" sz="1400" i="1" dirty="0" smtClean="0"/>
+                      <a:rPr lang="it-IT" altLang="it-IT" sz="1400" i="1" dirty="0" smtClean="0">
+                        <a:latin typeface="Cambria Math" panose="02040503050406030204" pitchFamily="18" charset="0"/>
+                      </a:rPr>
                       <m:t>𝑥</m:t>
                     </m:r>
                     <m:r>
-                      <a:rPr lang="it-IT" altLang="it-IT" sz="1400" i="1" dirty="0" smtClean="0"/>
+                      <a:rPr lang="it-IT" altLang="it-IT" sz="1400" i="1" dirty="0" smtClean="0">
+                        <a:latin typeface="Cambria Math" panose="02040503050406030204" pitchFamily="18" charset="0"/>
+                      </a:rPr>
                       <m:t>≤</m:t>
                     </m:r>
                     <m:r>
-                      <a:rPr lang="it-IT" altLang="it-IT" sz="1400" i="1" dirty="0" err="1" smtClean="0"/>
+                      <a:rPr lang="it-IT" altLang="it-IT" sz="1400" i="1" dirty="0" err="1" smtClean="0">
+                        <a:latin typeface="Cambria Math" panose="02040503050406030204" pitchFamily="18" charset="0"/>
+                      </a:rPr>
                       <m:t>𝑓</m:t>
                     </m:r>
                   </m:oMath>
@@ -8100,7 +8159,7 @@
             </p:txBody>
           </p:sp>
         </mc:Choice>
-        <mc:Fallback>
+        <mc:Fallback xmlns="">
           <p:sp>
             <p:nvSpPr>
               <p:cNvPr id="3" name="Segnaposto contenuto 2">
@@ -8691,8 +8750,8 @@
           </a:p>
         </p:txBody>
       </p:sp>
-      <mc:AlternateContent xmlns:mc="http://schemas.openxmlformats.org/markup-compatibility/2006">
-        <mc:Choice xmlns:a14="http://schemas.microsoft.com/office/drawing/2010/main" Requires="a14">
+      <mc:AlternateContent xmlns:mc="http://schemas.openxmlformats.org/markup-compatibility/2006" xmlns:a14="http://schemas.microsoft.com/office/drawing/2010/main">
+        <mc:Choice Requires="a14">
           <p:sp>
             <p:nvSpPr>
               <p:cNvPr id="3" name="Segnaposto contenuto 2">
@@ -8752,18 +8811,24 @@
                     <m:sSub>
                       <m:sSubPr>
                         <m:ctrlPr>
-                          <a:rPr lang="it-IT" sz="1800" i="1" dirty="0" smtClean="0"/>
+                          <a:rPr lang="it-IT" sz="1800" i="1" dirty="0" smtClean="0">
+                            <a:latin typeface="Cambria Math" panose="02040503050406030204" pitchFamily="18" charset="0"/>
+                          </a:rPr>
                         </m:ctrlPr>
                       </m:sSubPr>
                       <m:e>
                         <m:r>
-                          <a:rPr lang="it-IT" sz="1800" b="0" i="1" dirty="0" smtClean="0"/>
+                          <a:rPr lang="it-IT" sz="1800" b="0" i="1" dirty="0" smtClean="0">
+                            <a:latin typeface="Cambria Math" panose="02040503050406030204" pitchFamily="18" charset="0"/>
+                          </a:rPr>
                           <m:t>h</m:t>
                         </m:r>
                       </m:e>
                       <m:sub>
                         <m:r>
-                          <a:rPr lang="it-IT" sz="1800" b="0" i="1" dirty="0" smtClean="0"/>
+                          <a:rPr lang="it-IT" sz="1800" b="0" i="1" dirty="0" smtClean="0">
+                            <a:latin typeface="Cambria Math" panose="02040503050406030204" pitchFamily="18" charset="0"/>
+                          </a:rPr>
                           <m:t>1</m:t>
                         </m:r>
                       </m:sub>
@@ -8779,18 +8844,24 @@
                     <m:sSub>
                       <m:sSubPr>
                         <m:ctrlPr>
-                          <a:rPr lang="it-IT" sz="1800" i="1" dirty="0"/>
+                          <a:rPr lang="it-IT" sz="1800" i="1" dirty="0">
+                            <a:latin typeface="Cambria Math" panose="02040503050406030204" pitchFamily="18" charset="0"/>
+                          </a:rPr>
                         </m:ctrlPr>
                       </m:sSubPr>
                       <m:e>
                         <m:r>
-                          <a:rPr lang="it-IT" sz="1800" i="1" dirty="0"/>
+                          <a:rPr lang="it-IT" sz="1800" i="1" dirty="0">
+                            <a:latin typeface="Cambria Math" panose="02040503050406030204" pitchFamily="18" charset="0"/>
+                          </a:rPr>
                           <m:t>h</m:t>
                         </m:r>
                       </m:e>
                       <m:sub>
                         <m:r>
-                          <a:rPr lang="it-IT" sz="1800" b="0" i="1" dirty="0" smtClean="0"/>
+                          <a:rPr lang="it-IT" sz="1800" b="0" i="1" dirty="0" smtClean="0">
+                            <a:latin typeface="Cambria Math" panose="02040503050406030204" pitchFamily="18" charset="0"/>
+                          </a:rPr>
                           <m:t>3</m:t>
                         </m:r>
                       </m:sub>
@@ -8806,18 +8877,24 @@
                     <m:sSub>
                       <m:sSubPr>
                         <m:ctrlPr>
-                          <a:rPr lang="it-IT" sz="1800" i="1" dirty="0"/>
+                          <a:rPr lang="it-IT" sz="1800" i="1" dirty="0">
+                            <a:latin typeface="Cambria Math" panose="02040503050406030204" pitchFamily="18" charset="0"/>
+                          </a:rPr>
                         </m:ctrlPr>
                       </m:sSubPr>
                       <m:e>
                         <m:r>
-                          <a:rPr lang="it-IT" sz="1800" i="1" dirty="0"/>
+                          <a:rPr lang="it-IT" sz="1800" i="1" dirty="0">
+                            <a:latin typeface="Cambria Math" panose="02040503050406030204" pitchFamily="18" charset="0"/>
+                          </a:rPr>
                           <m:t>h</m:t>
                         </m:r>
                       </m:e>
                       <m:sub>
                         <m:r>
-                          <a:rPr lang="it-IT" sz="1800" b="0" i="1" dirty="0" smtClean="0"/>
+                          <a:rPr lang="it-IT" sz="1800" b="0" i="1" dirty="0" smtClean="0">
+                            <a:latin typeface="Cambria Math" panose="02040503050406030204" pitchFamily="18" charset="0"/>
+                          </a:rPr>
                           <m:t>2</m:t>
                         </m:r>
                       </m:sub>
@@ -8833,18 +8910,24 @@
                     <m:sSub>
                       <m:sSubPr>
                         <m:ctrlPr>
-                          <a:rPr lang="it-IT" sz="1800" i="1" dirty="0"/>
+                          <a:rPr lang="it-IT" sz="1800" i="1" dirty="0">
+                            <a:latin typeface="Cambria Math" panose="02040503050406030204" pitchFamily="18" charset="0"/>
+                          </a:rPr>
                         </m:ctrlPr>
                       </m:sSubPr>
                       <m:e>
                         <m:r>
-                          <a:rPr lang="it-IT" sz="1800" i="1" dirty="0"/>
+                          <a:rPr lang="it-IT" sz="1800" i="1" dirty="0">
+                            <a:latin typeface="Cambria Math" panose="02040503050406030204" pitchFamily="18" charset="0"/>
+                          </a:rPr>
                           <m:t>h</m:t>
                         </m:r>
                       </m:e>
                       <m:sub>
                         <m:r>
-                          <a:rPr lang="it-IT" sz="1800" b="0" i="1" dirty="0" smtClean="0"/>
+                          <a:rPr lang="it-IT" sz="1800" b="0" i="1" dirty="0" smtClean="0">
+                            <a:latin typeface="Cambria Math" panose="02040503050406030204" pitchFamily="18" charset="0"/>
+                          </a:rPr>
                           <m:t>4</m:t>
                         </m:r>
                       </m:sub>
@@ -8892,18 +8975,24 @@
                     <m:sSub>
                       <m:sSubPr>
                         <m:ctrlPr>
-                          <a:rPr lang="it-IT" sz="1800" i="1" dirty="0"/>
+                          <a:rPr lang="it-IT" sz="1800" i="1" dirty="0">
+                            <a:latin typeface="Cambria Math" panose="02040503050406030204" pitchFamily="18" charset="0"/>
+                          </a:rPr>
                         </m:ctrlPr>
                       </m:sSubPr>
                       <m:e>
                         <m:r>
-                          <a:rPr lang="it-IT" sz="1800" i="1" dirty="0"/>
+                          <a:rPr lang="it-IT" sz="1800" i="1" dirty="0">
+                            <a:latin typeface="Cambria Math" panose="02040503050406030204" pitchFamily="18" charset="0"/>
+                          </a:rPr>
                           <m:t>h</m:t>
                         </m:r>
                       </m:e>
                       <m:sub>
                         <m:r>
-                          <a:rPr lang="it-IT" sz="1800" i="1" dirty="0"/>
+                          <a:rPr lang="it-IT" sz="1800" i="1" dirty="0">
+                            <a:latin typeface="Cambria Math" panose="02040503050406030204" pitchFamily="18" charset="0"/>
+                          </a:rPr>
                           <m:t>3</m:t>
                         </m:r>
                       </m:sub>
@@ -8919,24 +9008,32 @@
                     <m:sSub>
                       <m:sSubPr>
                         <m:ctrlPr>
-                          <a:rPr lang="it-IT" sz="1800" i="1" dirty="0"/>
+                          <a:rPr lang="it-IT" sz="1800" i="1" dirty="0">
+                            <a:latin typeface="Cambria Math" panose="02040503050406030204" pitchFamily="18" charset="0"/>
+                          </a:rPr>
                         </m:ctrlPr>
                       </m:sSubPr>
                       <m:e>
                         <m:r>
-                          <a:rPr lang="it-IT" sz="1800" i="1" dirty="0"/>
+                          <a:rPr lang="it-IT" sz="1800" i="1" dirty="0">
+                            <a:latin typeface="Cambria Math" panose="02040503050406030204" pitchFamily="18" charset="0"/>
+                          </a:rPr>
                           <m:t>h</m:t>
                         </m:r>
                       </m:e>
                       <m:sub>
                         <m:r>
-                          <a:rPr lang="it-IT" sz="1800" i="1" dirty="0"/>
+                          <a:rPr lang="it-IT" sz="1800" i="1" dirty="0">
+                            <a:latin typeface="Cambria Math" panose="02040503050406030204" pitchFamily="18" charset="0"/>
+                          </a:rPr>
                           <m:t>4</m:t>
                         </m:r>
                       </m:sub>
                     </m:sSub>
                     <m:r>
-                      <a:rPr lang="it-IT" sz="1800" i="1" dirty="0"/>
+                      <a:rPr lang="it-IT" sz="1800" i="1" dirty="0">
+                        <a:latin typeface="Cambria Math" panose="02040503050406030204" pitchFamily="18" charset="0"/>
+                      </a:rPr>
                       <m:t> </m:t>
                     </m:r>
                   </m:oMath>
@@ -8949,7 +9046,7 @@
             </p:txBody>
           </p:sp>
         </mc:Choice>
-        <mc:Fallback>
+        <mc:Fallback xmlns="">
           <p:sp>
             <p:nvSpPr>
               <p:cNvPr id="3" name="Segnaposto contenuto 2">
@@ -9927,8 +10024,8 @@
           </a:p>
         </p:txBody>
       </p:sp>
-      <mc:AlternateContent xmlns:mc="http://schemas.openxmlformats.org/markup-compatibility/2006">
-        <mc:Choice xmlns:a14="http://schemas.microsoft.com/office/drawing/2010/main" Requires="a14">
+      <mc:AlternateContent xmlns:mc="http://schemas.openxmlformats.org/markup-compatibility/2006" xmlns:a14="http://schemas.microsoft.com/office/drawing/2010/main">
+        <mc:Choice Requires="a14">
           <p:sp>
             <p:nvSpPr>
               <p:cNvPr id="7" name="Rectangle 1">
@@ -10102,6 +10199,7 @@
                               <a:noFill/>
                             </a:ln>
                             <a:effectLst/>
+                            <a:latin typeface="Cambria Math" panose="02040503050406030204" pitchFamily="18" charset="0"/>
                           </a:rPr>
                         </m:ctrlPr>
                       </m:sSupPr>
@@ -10112,6 +10210,7 @@
                               <a:noFill/>
                             </a:ln>
                             <a:effectLst/>
+                            <a:latin typeface="Cambria Math" panose="02040503050406030204" pitchFamily="18" charset="0"/>
                           </a:rPr>
                           <m:t>𝑥</m:t>
                         </m:r>
@@ -10123,6 +10222,7 @@
                               <a:noFill/>
                             </a:ln>
                             <a:effectLst/>
+                            <a:latin typeface="Cambria Math" panose="02040503050406030204" pitchFamily="18" charset="0"/>
                           </a:rPr>
                           <m:t>+</m:t>
                         </m:r>
@@ -10134,6 +10234,7 @@
                           <a:noFill/>
                         </a:ln>
                         <a:effectLst/>
+                        <a:latin typeface="Cambria Math" panose="02040503050406030204" pitchFamily="18" charset="0"/>
                       </a:rPr>
                       <m:t>=</m:t>
                     </m:r>
@@ -10143,6 +10244,7 @@
                           <a:noFill/>
                         </a:ln>
                         <a:effectLst/>
+                        <a:latin typeface="Cambria Math" panose="02040503050406030204" pitchFamily="18" charset="0"/>
                       </a:rPr>
                       <m:t>𝐴𝑥</m:t>
                     </m:r>
@@ -10152,6 +10254,7 @@
                           <a:noFill/>
                         </a:ln>
                         <a:effectLst/>
+                        <a:latin typeface="Cambria Math" panose="02040503050406030204" pitchFamily="18" charset="0"/>
                       </a:rPr>
                       <m:t>+</m:t>
                     </m:r>
@@ -10161,6 +10264,7 @@
                           <a:noFill/>
                         </a:ln>
                         <a:effectLst/>
+                        <a:latin typeface="Cambria Math" panose="02040503050406030204" pitchFamily="18" charset="0"/>
                       </a:rPr>
                       <m:t>𝐵𝑢</m:t>
                     </m:r>
@@ -10170,6 +10274,7 @@
                           <a:noFill/>
                         </a:ln>
                         <a:effectLst/>
+                        <a:latin typeface="Cambria Math" panose="02040503050406030204" pitchFamily="18" charset="0"/>
                       </a:rPr>
                       <m:t> </m:t>
                     </m:r>
@@ -10211,6 +10316,7 @@
                           <a:noFill/>
                         </a:ln>
                         <a:effectLst/>
+                        <a:latin typeface="Cambria Math" panose="02040503050406030204" pitchFamily="18" charset="0"/>
                       </a:rPr>
                       <m:t>𝐻𝑢</m:t>
                     </m:r>
@@ -10220,6 +10326,7 @@
                           <a:noFill/>
                         </a:ln>
                         <a:effectLst/>
+                        <a:latin typeface="Cambria Math" panose="02040503050406030204" pitchFamily="18" charset="0"/>
                       </a:rPr>
                       <m:t>⋅</m:t>
                     </m:r>
@@ -10229,6 +10336,7 @@
                           <a:noFill/>
                         </a:ln>
                         <a:effectLst/>
+                        <a:latin typeface="Cambria Math" panose="02040503050406030204" pitchFamily="18" charset="0"/>
                       </a:rPr>
                       <m:t>𝑢</m:t>
                     </m:r>
@@ -10238,6 +10346,7 @@
                           <a:noFill/>
                         </a:ln>
                         <a:effectLst/>
+                        <a:latin typeface="Cambria Math" panose="02040503050406030204" pitchFamily="18" charset="0"/>
                       </a:rPr>
                       <m:t>≤</m:t>
                     </m:r>
@@ -10247,6 +10356,7 @@
                           <a:noFill/>
                         </a:ln>
                         <a:effectLst/>
+                        <a:latin typeface="Cambria Math" panose="02040503050406030204" pitchFamily="18" charset="0"/>
                       </a:rPr>
                       <m:t>h𝑢</m:t>
                     </m:r>
@@ -10311,6 +10421,7 @@
                           <a:noFill/>
                         </a:ln>
                         <a:effectLst/>
+                        <a:latin typeface="Cambria Math" panose="02040503050406030204" pitchFamily="18" charset="0"/>
                       </a:rPr>
                       <m:t>𝐻𝑥</m:t>
                     </m:r>
@@ -10320,6 +10431,7 @@
                           <a:noFill/>
                         </a:ln>
                         <a:effectLst/>
+                        <a:latin typeface="Cambria Math" panose="02040503050406030204" pitchFamily="18" charset="0"/>
                       </a:rPr>
                       <m:t>⋅</m:t>
                     </m:r>
@@ -10329,6 +10441,7 @@
                           <a:noFill/>
                         </a:ln>
                         <a:effectLst/>
+                        <a:latin typeface="Cambria Math" panose="02040503050406030204" pitchFamily="18" charset="0"/>
                       </a:rPr>
                       <m:t>𝑥</m:t>
                     </m:r>
@@ -10338,6 +10451,7 @@
                           <a:noFill/>
                         </a:ln>
                         <a:effectLst/>
+                        <a:latin typeface="Cambria Math" panose="02040503050406030204" pitchFamily="18" charset="0"/>
                       </a:rPr>
                       <m:t>≤</m:t>
                     </m:r>
@@ -10347,6 +10461,7 @@
                           <a:noFill/>
                         </a:ln>
                         <a:effectLst/>
+                        <a:latin typeface="Cambria Math" panose="02040503050406030204" pitchFamily="18" charset="0"/>
                       </a:rPr>
                       <m:t>h𝑥</m:t>
                     </m:r>
@@ -10407,7 +10522,7 @@
             </p:txBody>
           </p:sp>
         </mc:Choice>
-        <mc:Fallback>
+        <mc:Fallback xmlns="">
           <p:sp>
             <p:nvSpPr>
               <p:cNvPr id="7" name="Rectangle 1">
@@ -11271,6 +11386,1909 @@
     <p:extLst>
       <p:ext uri="{BB962C8B-B14F-4D97-AF65-F5344CB8AC3E}">
         <p14:creationId xmlns:p14="http://schemas.microsoft.com/office/powerpoint/2010/main" val="2636114999"/>
+      </p:ext>
+    </p:extLst>
+  </p:cSld>
+  <p:clrMapOvr>
+    <a:masterClrMapping/>
+  </p:clrMapOvr>
+</p:sld>
+</file>
+
+<file path=ppt/slides/slide17.xml><?xml version="1.0" encoding="utf-8"?>
+<p:sld xmlns:a="http://schemas.openxmlformats.org/drawingml/2006/main" xmlns:r="http://schemas.openxmlformats.org/officeDocument/2006/relationships" xmlns:p="http://schemas.openxmlformats.org/presentationml/2006/main">
+  <p:cSld>
+    <p:bg>
+      <p:bgPr>
+        <a:solidFill>
+          <a:schemeClr val="bg1"/>
+        </a:solidFill>
+        <a:effectLst/>
+      </p:bgPr>
+    </p:bg>
+    <p:spTree>
+      <p:nvGrpSpPr>
+        <p:cNvPr id="1" name=""/>
+        <p:cNvGrpSpPr/>
+        <p:nvPr/>
+      </p:nvGrpSpPr>
+      <p:grpSpPr>
+        <a:xfrm>
+          <a:off x="0" y="0"/>
+          <a:ext cx="0" cy="0"/>
+          <a:chOff x="0" y="0"/>
+          <a:chExt cx="0" cy="0"/>
+        </a:xfrm>
+      </p:grpSpPr>
+      <p:sp useBgFill="1">
+        <p:nvSpPr>
+          <p:cNvPr id="12" name="Rectangle 11">
+            <a:extLst>
+              <a:ext uri="{FF2B5EF4-FFF2-40B4-BE49-F238E27FC236}">
+                <a16:creationId xmlns:a16="http://schemas.microsoft.com/office/drawing/2014/main" id="{743AA782-23D1-4521-8CAD-47662984AA08}"/>
+              </a:ext>
+              <a:ext uri="{C183D7F6-B498-43B3-948B-1728B52AA6E4}">
+                <adec:decorative xmlns:adec="http://schemas.microsoft.com/office/drawing/2017/decorative" val="1"/>
+              </a:ext>
+            </a:extLst>
+          </p:cNvPr>
+          <p:cNvSpPr>
+            <a:spLocks noGrp="1" noRot="1" noChangeAspect="1" noMove="1" noResize="1" noEditPoints="1" noAdjustHandles="1" noChangeArrowheads="1" noChangeShapeType="1" noTextEdit="1"/>
+          </p:cNvSpPr>
+          <p:nvPr>
+            <p:extLst>
+              <p:ext uri="{386F3935-93C4-4BCD-93E2-E3B085C9AB24}">
+                <p16:designElem xmlns:p16="http://schemas.microsoft.com/office/powerpoint/2015/main" val="1"/>
+              </p:ext>
+            </p:extLst>
+          </p:nvPr>
+        </p:nvSpPr>
+        <p:spPr>
+          <a:xfrm>
+            <a:off x="0" y="0"/>
+            <a:ext cx="12192000" cy="6858000"/>
+          </a:xfrm>
+          <a:prstGeom prst="rect">
+            <a:avLst/>
+          </a:prstGeom>
+          <a:ln>
+            <a:noFill/>
+          </a:ln>
+        </p:spPr>
+        <p:style>
+          <a:lnRef idx="2">
+            <a:schemeClr val="accent1">
+              <a:shade val="50000"/>
+            </a:schemeClr>
+          </a:lnRef>
+          <a:fillRef idx="1">
+            <a:schemeClr val="accent1"/>
+          </a:fillRef>
+          <a:effectRef idx="0">
+            <a:schemeClr val="accent1"/>
+          </a:effectRef>
+          <a:fontRef idx="minor">
+            <a:schemeClr val="lt1"/>
+          </a:fontRef>
+        </p:style>
+        <p:txBody>
+          <a:bodyPr rtlCol="0" anchor="ctr"/>
+          <a:lstStyle/>
+          <a:p>
+            <a:pPr algn="ctr"/>
+            <a:endParaRPr lang="en-US"/>
+          </a:p>
+        </p:txBody>
+      </p:sp>
+      <p:sp>
+        <p:nvSpPr>
+          <p:cNvPr id="2" name="Titolo 1">
+            <a:extLst>
+              <a:ext uri="{FF2B5EF4-FFF2-40B4-BE49-F238E27FC236}">
+                <a16:creationId xmlns:a16="http://schemas.microsoft.com/office/drawing/2014/main" id="{5C7F5CE5-81E5-5D30-6ABA-928FBD821C16}"/>
+              </a:ext>
+            </a:extLst>
+          </p:cNvPr>
+          <p:cNvSpPr>
+            <a:spLocks noGrp="1"/>
+          </p:cNvSpPr>
+          <p:nvPr>
+            <p:ph type="title"/>
+          </p:nvPr>
+        </p:nvSpPr>
+        <p:spPr>
+          <a:xfrm>
+            <a:off x="630936" y="640080"/>
+            <a:ext cx="4818888" cy="1481328"/>
+          </a:xfrm>
+        </p:spPr>
+        <p:txBody>
+          <a:bodyPr anchor="b">
+            <a:normAutofit/>
+          </a:bodyPr>
+          <a:lstStyle/>
+          <a:p>
+            <a:r>
+              <a:rPr lang="it-IT" sz="5000" dirty="0"/>
+              <a:t>Model </a:t>
+            </a:r>
+            <a:r>
+              <a:rPr lang="it-IT" sz="5000" dirty="0" err="1"/>
+              <a:t>Predictive</a:t>
+            </a:r>
+            <a:r>
+              <a:rPr lang="it-IT" sz="5000" dirty="0"/>
+              <a:t> Control (</a:t>
+            </a:r>
+            <a:r>
+              <a:rPr lang="it-IT" sz="5000" dirty="0" err="1"/>
+              <a:t>mpc</a:t>
+            </a:r>
+            <a:r>
+              <a:rPr lang="it-IT" sz="5000" dirty="0"/>
+              <a:t>)</a:t>
+            </a:r>
+          </a:p>
+        </p:txBody>
+      </p:sp>
+      <p:sp>
+        <p:nvSpPr>
+          <p:cNvPr id="14" name="sketch line">
+            <a:extLst>
+              <a:ext uri="{FF2B5EF4-FFF2-40B4-BE49-F238E27FC236}">
+                <a16:creationId xmlns:a16="http://schemas.microsoft.com/office/drawing/2014/main" id="{71877DBC-BB60-40F0-AC93-2ACDBAAE60CE}"/>
+              </a:ext>
+              <a:ext uri="{C183D7F6-B498-43B3-948B-1728B52AA6E4}">
+                <adec:decorative xmlns:adec="http://schemas.microsoft.com/office/drawing/2017/decorative" val="1"/>
+              </a:ext>
+            </a:extLst>
+          </p:cNvPr>
+          <p:cNvSpPr>
+            <a:spLocks noGrp="1" noRot="1" noChangeAspect="1" noMove="1" noResize="1" noEditPoints="1" noAdjustHandles="1" noChangeArrowheads="1" noChangeShapeType="1" noTextEdit="1"/>
+          </p:cNvSpPr>
+          <p:nvPr>
+            <p:extLst>
+              <p:ext uri="{386F3935-93C4-4BCD-93E2-E3B085C9AB24}">
+                <p16:designElem xmlns:p16="http://schemas.microsoft.com/office/powerpoint/2015/main" val="1"/>
+              </p:ext>
+            </p:extLst>
+          </p:nvPr>
+        </p:nvSpPr>
+        <p:spPr>
+          <a:xfrm>
+            <a:off x="643278" y="2372868"/>
+            <a:ext cx="3255095" cy="18288"/>
+          </a:xfrm>
+          <a:custGeom>
+            <a:avLst/>
+            <a:gdLst>
+              <a:gd name="connsiteX0" fmla="*/ 0 w 3255095"/>
+              <a:gd name="connsiteY0" fmla="*/ 0 h 18288"/>
+              <a:gd name="connsiteX1" fmla="*/ 618468 w 3255095"/>
+              <a:gd name="connsiteY1" fmla="*/ 0 h 18288"/>
+              <a:gd name="connsiteX2" fmla="*/ 1269487 w 3255095"/>
+              <a:gd name="connsiteY2" fmla="*/ 0 h 18288"/>
+              <a:gd name="connsiteX3" fmla="*/ 1953057 w 3255095"/>
+              <a:gd name="connsiteY3" fmla="*/ 0 h 18288"/>
+              <a:gd name="connsiteX4" fmla="*/ 2636627 w 3255095"/>
+              <a:gd name="connsiteY4" fmla="*/ 0 h 18288"/>
+              <a:gd name="connsiteX5" fmla="*/ 3255095 w 3255095"/>
+              <a:gd name="connsiteY5" fmla="*/ 0 h 18288"/>
+              <a:gd name="connsiteX6" fmla="*/ 3255095 w 3255095"/>
+              <a:gd name="connsiteY6" fmla="*/ 18288 h 18288"/>
+              <a:gd name="connsiteX7" fmla="*/ 2538974 w 3255095"/>
+              <a:gd name="connsiteY7" fmla="*/ 18288 h 18288"/>
+              <a:gd name="connsiteX8" fmla="*/ 1822853 w 3255095"/>
+              <a:gd name="connsiteY8" fmla="*/ 18288 h 18288"/>
+              <a:gd name="connsiteX9" fmla="*/ 1171834 w 3255095"/>
+              <a:gd name="connsiteY9" fmla="*/ 18288 h 18288"/>
+              <a:gd name="connsiteX10" fmla="*/ 0 w 3255095"/>
+              <a:gd name="connsiteY10" fmla="*/ 18288 h 18288"/>
+              <a:gd name="connsiteX11" fmla="*/ 0 w 3255095"/>
+              <a:gd name="connsiteY11" fmla="*/ 0 h 18288"/>
+            </a:gdLst>
+            <a:ahLst/>
+            <a:cxnLst>
+              <a:cxn ang="0">
+                <a:pos x="connsiteX0" y="connsiteY0"/>
+              </a:cxn>
+              <a:cxn ang="0">
+                <a:pos x="connsiteX1" y="connsiteY1"/>
+              </a:cxn>
+              <a:cxn ang="0">
+                <a:pos x="connsiteX2" y="connsiteY2"/>
+              </a:cxn>
+              <a:cxn ang="0">
+                <a:pos x="connsiteX3" y="connsiteY3"/>
+              </a:cxn>
+              <a:cxn ang="0">
+                <a:pos x="connsiteX4" y="connsiteY4"/>
+              </a:cxn>
+              <a:cxn ang="0">
+                <a:pos x="connsiteX5" y="connsiteY5"/>
+              </a:cxn>
+              <a:cxn ang="0">
+                <a:pos x="connsiteX6" y="connsiteY6"/>
+              </a:cxn>
+              <a:cxn ang="0">
+                <a:pos x="connsiteX7" y="connsiteY7"/>
+              </a:cxn>
+              <a:cxn ang="0">
+                <a:pos x="connsiteX8" y="connsiteY8"/>
+              </a:cxn>
+              <a:cxn ang="0">
+                <a:pos x="connsiteX9" y="connsiteY9"/>
+              </a:cxn>
+              <a:cxn ang="0">
+                <a:pos x="connsiteX10" y="connsiteY10"/>
+              </a:cxn>
+              <a:cxn ang="0">
+                <a:pos x="connsiteX11" y="connsiteY11"/>
+              </a:cxn>
+            </a:cxnLst>
+            <a:rect l="l" t="t" r="r" b="b"/>
+            <a:pathLst>
+              <a:path w="3255095" h="18288" fill="none" extrusionOk="0">
+                <a:moveTo>
+                  <a:pt x="0" y="0"/>
+                </a:moveTo>
+                <a:cubicBezTo>
+                  <a:pt x="240201" y="-22123"/>
+                  <a:pt x="462021" y="-19623"/>
+                  <a:pt x="618468" y="0"/>
+                </a:cubicBezTo>
+                <a:cubicBezTo>
+                  <a:pt x="774915" y="19623"/>
+                  <a:pt x="974734" y="2035"/>
+                  <a:pt x="1269487" y="0"/>
+                </a:cubicBezTo>
+                <a:cubicBezTo>
+                  <a:pt x="1564240" y="-2035"/>
+                  <a:pt x="1733579" y="10639"/>
+                  <a:pt x="1953057" y="0"/>
+                </a:cubicBezTo>
+                <a:cubicBezTo>
+                  <a:pt x="2172535" y="-10639"/>
+                  <a:pt x="2453962" y="14018"/>
+                  <a:pt x="2636627" y="0"/>
+                </a:cubicBezTo>
+                <a:cubicBezTo>
+                  <a:pt x="2819292" y="-14018"/>
+                  <a:pt x="3121375" y="5399"/>
+                  <a:pt x="3255095" y="0"/>
+                </a:cubicBezTo>
+                <a:cubicBezTo>
+                  <a:pt x="3254386" y="8157"/>
+                  <a:pt x="3254682" y="12125"/>
+                  <a:pt x="3255095" y="18288"/>
+                </a:cubicBezTo>
+                <a:cubicBezTo>
+                  <a:pt x="3088545" y="23203"/>
+                  <a:pt x="2687475" y="7419"/>
+                  <a:pt x="2538974" y="18288"/>
+                </a:cubicBezTo>
+                <a:cubicBezTo>
+                  <a:pt x="2390473" y="29157"/>
+                  <a:pt x="2137381" y="-8959"/>
+                  <a:pt x="1822853" y="18288"/>
+                </a:cubicBezTo>
+                <a:cubicBezTo>
+                  <a:pt x="1508325" y="45535"/>
+                  <a:pt x="1466437" y="20385"/>
+                  <a:pt x="1171834" y="18288"/>
+                </a:cubicBezTo>
+                <a:cubicBezTo>
+                  <a:pt x="877231" y="16191"/>
+                  <a:pt x="561097" y="37643"/>
+                  <a:pt x="0" y="18288"/>
+                </a:cubicBezTo>
+                <a:cubicBezTo>
+                  <a:pt x="-46" y="12483"/>
+                  <a:pt x="-203" y="6491"/>
+                  <a:pt x="0" y="0"/>
+                </a:cubicBezTo>
+                <a:close/>
+              </a:path>
+              <a:path w="3255095" h="18288" stroke="0" extrusionOk="0">
+                <a:moveTo>
+                  <a:pt x="0" y="0"/>
+                </a:moveTo>
+                <a:cubicBezTo>
+                  <a:pt x="291965" y="19429"/>
+                  <a:pt x="363155" y="8568"/>
+                  <a:pt x="618468" y="0"/>
+                </a:cubicBezTo>
+                <a:cubicBezTo>
+                  <a:pt x="873781" y="-8568"/>
+                  <a:pt x="904459" y="-19505"/>
+                  <a:pt x="1171834" y="0"/>
+                </a:cubicBezTo>
+                <a:cubicBezTo>
+                  <a:pt x="1439209" y="19505"/>
+                  <a:pt x="1744369" y="9790"/>
+                  <a:pt x="1887955" y="0"/>
+                </a:cubicBezTo>
+                <a:cubicBezTo>
+                  <a:pt x="2031541" y="-9790"/>
+                  <a:pt x="2346378" y="21240"/>
+                  <a:pt x="2506423" y="0"/>
+                </a:cubicBezTo>
+                <a:cubicBezTo>
+                  <a:pt x="2666468" y="-21240"/>
+                  <a:pt x="2990257" y="30414"/>
+                  <a:pt x="3255095" y="0"/>
+                </a:cubicBezTo>
+                <a:cubicBezTo>
+                  <a:pt x="3254831" y="4493"/>
+                  <a:pt x="3255479" y="9472"/>
+                  <a:pt x="3255095" y="18288"/>
+                </a:cubicBezTo>
+                <a:cubicBezTo>
+                  <a:pt x="3120743" y="16690"/>
+                  <a:pt x="2759628" y="42462"/>
+                  <a:pt x="2604076" y="18288"/>
+                </a:cubicBezTo>
+                <a:cubicBezTo>
+                  <a:pt x="2448524" y="-5886"/>
+                  <a:pt x="2184336" y="19599"/>
+                  <a:pt x="1887955" y="18288"/>
+                </a:cubicBezTo>
+                <a:cubicBezTo>
+                  <a:pt x="1591574" y="16977"/>
+                  <a:pt x="1548845" y="6870"/>
+                  <a:pt x="1334589" y="18288"/>
+                </a:cubicBezTo>
+                <a:cubicBezTo>
+                  <a:pt x="1120333" y="29706"/>
+                  <a:pt x="996014" y="9662"/>
+                  <a:pt x="683570" y="18288"/>
+                </a:cubicBezTo>
+                <a:cubicBezTo>
+                  <a:pt x="371126" y="26914"/>
+                  <a:pt x="198687" y="16167"/>
+                  <a:pt x="0" y="18288"/>
+                </a:cubicBezTo>
+                <a:cubicBezTo>
+                  <a:pt x="843" y="9577"/>
+                  <a:pt x="371" y="6900"/>
+                  <a:pt x="0" y="0"/>
+                </a:cubicBezTo>
+                <a:close/>
+              </a:path>
+            </a:pathLst>
+          </a:custGeom>
+          <a:solidFill>
+            <a:schemeClr val="accent2"/>
+          </a:solidFill>
+          <a:ln w="38100" cap="rnd">
+            <a:solidFill>
+              <a:schemeClr val="accent2"/>
+            </a:solidFill>
+            <a:round/>
+            <a:extLst>
+              <a:ext uri="{C807C97D-BFC1-408E-A445-0C87EB9F89A2}">
+                <ask:lineSketchStyleProps xmlns:ask="http://schemas.microsoft.com/office/drawing/2018/sketchyshapes" sd="1219033472">
+                  <a:prstGeom prst="rect">
+                    <a:avLst/>
+                  </a:prstGeom>
+                  <ask:type>
+                    <ask:lineSketchFreehand/>
+                  </ask:type>
+                </ask:lineSketchStyleProps>
+              </a:ext>
+            </a:extLst>
+          </a:ln>
+        </p:spPr>
+        <p:style>
+          <a:lnRef idx="2">
+            <a:schemeClr val="accent1">
+              <a:shade val="50000"/>
+            </a:schemeClr>
+          </a:lnRef>
+          <a:fillRef idx="1">
+            <a:schemeClr val="accent1"/>
+          </a:fillRef>
+          <a:effectRef idx="0">
+            <a:schemeClr val="accent1"/>
+          </a:effectRef>
+          <a:fontRef idx="minor">
+            <a:schemeClr val="lt1"/>
+          </a:fontRef>
+        </p:style>
+        <p:txBody>
+          <a:bodyPr rtlCol="0" anchor="ctr"/>
+          <a:lstStyle/>
+          <a:p>
+            <a:pPr algn="ctr"/>
+            <a:endParaRPr lang="en-US"/>
+          </a:p>
+        </p:txBody>
+      </p:sp>
+      <p:sp>
+        <p:nvSpPr>
+          <p:cNvPr id="3" name="Segnaposto contenuto 2">
+            <a:extLst>
+              <a:ext uri="{FF2B5EF4-FFF2-40B4-BE49-F238E27FC236}">
+                <a16:creationId xmlns:a16="http://schemas.microsoft.com/office/drawing/2014/main" id="{C3E49BF6-6046-1041-585E-4D3A792C427B}"/>
+              </a:ext>
+            </a:extLst>
+          </p:cNvPr>
+          <p:cNvSpPr>
+            <a:spLocks noGrp="1"/>
+          </p:cNvSpPr>
+          <p:nvPr>
+            <p:ph idx="1"/>
+          </p:nvPr>
+        </p:nvSpPr>
+        <p:spPr>
+          <a:xfrm>
+            <a:off x="630936" y="2660904"/>
+            <a:ext cx="4818888" cy="3547872"/>
+          </a:xfrm>
+        </p:spPr>
+        <p:txBody>
+          <a:bodyPr anchor="t">
+            <a:normAutofit/>
+          </a:bodyPr>
+          <a:lstStyle/>
+          <a:p>
+            <a:pPr marL="0" lvl="0" indent="0" eaLnBrk="0" fontAlgn="base" hangingPunct="0">
+              <a:spcBef>
+                <a:spcPct val="0"/>
+              </a:spcBef>
+              <a:spcAft>
+                <a:spcPts val="600"/>
+              </a:spcAft>
+              <a:buNone/>
+            </a:pPr>
+            <a:r>
+              <a:rPr lang="it-IT" altLang="it-IT" sz="1200" dirty="0"/>
+              <a:t>Si parte definendo le dimensioni del sistema: quanti sono gli stati, gli ingressi e i vincoli terminali. Viene poi calcolata la matrice del costo terminale tramite la soluzione dell’equazione di </a:t>
+            </a:r>
+            <a:r>
+              <a:rPr lang="it-IT" altLang="it-IT" sz="1200" dirty="0" err="1"/>
+              <a:t>Riccati</a:t>
+            </a:r>
+            <a:r>
+              <a:rPr lang="it-IT" altLang="it-IT" sz="1200" dirty="0"/>
+              <a:t> (LQR discreto).</a:t>
+            </a:r>
+          </a:p>
+          <a:p>
+            <a:pPr marL="0" lvl="0" indent="0" eaLnBrk="0" fontAlgn="base" hangingPunct="0">
+              <a:spcBef>
+                <a:spcPct val="0"/>
+              </a:spcBef>
+              <a:spcAft>
+                <a:spcPts val="600"/>
+              </a:spcAft>
+              <a:buNone/>
+            </a:pPr>
+            <a:r>
+              <a:rPr lang="it-IT" altLang="it-IT" sz="1200" dirty="0"/>
+              <a:t>Si richiama poi una funzione esterna (</a:t>
+            </a:r>
+            <a:r>
+              <a:rPr lang="it-IT" altLang="it-IT" sz="1200" i="1" dirty="0"/>
+              <a:t>Calligrafica</a:t>
+            </a:r>
+            <a:r>
+              <a:rPr lang="it-IT" altLang="it-IT" sz="1200" dirty="0"/>
+              <a:t>) che costruisce le matrici estese della dinamica del sistema su un orizzonte predittivo, includendo anche il contributo dei pesi di costo.</a:t>
+            </a:r>
+          </a:p>
+          <a:p>
+            <a:pPr marL="0" lvl="0" indent="0" eaLnBrk="0" fontAlgn="base" hangingPunct="0">
+              <a:spcBef>
+                <a:spcPct val="0"/>
+              </a:spcBef>
+              <a:spcAft>
+                <a:spcPts val="600"/>
+              </a:spcAft>
+              <a:buNone/>
+            </a:pPr>
+            <a:r>
+              <a:rPr lang="it-IT" altLang="it-IT" sz="1200" dirty="0"/>
+              <a:t>Con queste matrici viene definita la funzione costo quadratica dell’MPC, composta da una parte quadratica (la matrice hessiana) e una parte lineare (dipendente dallo stato iniziale e dal riferimento).</a:t>
+            </a:r>
+          </a:p>
+          <a:p>
+            <a:pPr marL="0" lvl="0" indent="0" eaLnBrk="0" fontAlgn="base" hangingPunct="0">
+              <a:spcBef>
+                <a:spcPct val="0"/>
+              </a:spcBef>
+              <a:spcAft>
+                <a:spcPts val="600"/>
+              </a:spcAft>
+              <a:buNone/>
+            </a:pPr>
+            <a:r>
+              <a:rPr lang="it-IT" altLang="it-IT" sz="1200" dirty="0"/>
+              <a:t>Vengono poi costruiti i vincoli di disuguaglianza su stato, ingresso e stato finale lungo l’orizzonte temporale, tutti impacchettati in matrici unificate. Infine, tutte queste informazion vengono salvate in una struttura </a:t>
+            </a:r>
+            <a:r>
+              <a:rPr lang="it-IT" altLang="it-IT" sz="1200" dirty="0" err="1"/>
+              <a:t>mpc</a:t>
+            </a:r>
+            <a:r>
+              <a:rPr lang="it-IT" altLang="it-IT" sz="1200" dirty="0"/>
+              <a:t> che verrà usata per calcolare gli ingressi ottimali ad ogni istante.</a:t>
+            </a:r>
+          </a:p>
+        </p:txBody>
+      </p:sp>
+      <p:pic>
+        <p:nvPicPr>
+          <p:cNvPr id="7" name="Immagine 6" descr="Immagine che contiene testo, schermata, documento, Carattere&#10;&#10;Il contenuto generato dall'IA potrebbe non essere corretto.">
+            <a:extLst>
+              <a:ext uri="{FF2B5EF4-FFF2-40B4-BE49-F238E27FC236}">
+                <a16:creationId xmlns:a16="http://schemas.microsoft.com/office/drawing/2014/main" id="{F3F86E7C-DA1D-5B8E-2477-CAD5F0EA3098}"/>
+              </a:ext>
+            </a:extLst>
+          </p:cNvPr>
+          <p:cNvPicPr>
+            <a:picLocks noChangeAspect="1"/>
+          </p:cNvPicPr>
+          <p:nvPr/>
+        </p:nvPicPr>
+        <p:blipFill>
+          <a:blip r:embed="rId2"/>
+          <a:stretch>
+            <a:fillRect/>
+          </a:stretch>
+        </p:blipFill>
+        <p:spPr>
+          <a:xfrm>
+            <a:off x="6524818" y="120943"/>
+            <a:ext cx="5198841" cy="6293819"/>
+          </a:xfrm>
+          <a:prstGeom prst="rect">
+            <a:avLst/>
+          </a:prstGeom>
+        </p:spPr>
+      </p:pic>
+      <p:sp>
+        <p:nvSpPr>
+          <p:cNvPr id="4" name="Segnaposto piè di pagina 3">
+            <a:extLst>
+              <a:ext uri="{FF2B5EF4-FFF2-40B4-BE49-F238E27FC236}">
+                <a16:creationId xmlns:a16="http://schemas.microsoft.com/office/drawing/2014/main" id="{F63B869F-2E7E-CE0B-4BA0-4FB5C2506758}"/>
+              </a:ext>
+            </a:extLst>
+          </p:cNvPr>
+          <p:cNvSpPr>
+            <a:spLocks noGrp="1"/>
+          </p:cNvSpPr>
+          <p:nvPr>
+            <p:ph type="ftr" sz="quarter" idx="11"/>
+          </p:nvPr>
+        </p:nvSpPr>
+        <p:spPr>
+          <a:xfrm>
+            <a:off x="4038600" y="6356350"/>
+            <a:ext cx="4114800" cy="365125"/>
+          </a:xfrm>
+        </p:spPr>
+        <p:txBody>
+          <a:bodyPr>
+            <a:normAutofit/>
+          </a:bodyPr>
+          <a:lstStyle/>
+          <a:p>
+            <a:pPr>
+              <a:spcAft>
+                <a:spcPts val="600"/>
+              </a:spcAft>
+            </a:pPr>
+            <a:r>
+              <a:rPr lang="it-IT"/>
+              <a:t>Davide Brambilla [1080752], Giorgio Passarella[1079287]</a:t>
+            </a:r>
+          </a:p>
+        </p:txBody>
+      </p:sp>
+    </p:spTree>
+    <p:extLst>
+      <p:ext uri="{BB962C8B-B14F-4D97-AF65-F5344CB8AC3E}">
+        <p14:creationId xmlns:p14="http://schemas.microsoft.com/office/powerpoint/2010/main" val="3630946298"/>
+      </p:ext>
+    </p:extLst>
+  </p:cSld>
+  <p:clrMapOvr>
+    <a:masterClrMapping/>
+  </p:clrMapOvr>
+</p:sld>
+</file>
+
+<file path=ppt/slides/slide18.xml><?xml version="1.0" encoding="utf-8"?>
+<p:sld xmlns:a="http://schemas.openxmlformats.org/drawingml/2006/main" xmlns:r="http://schemas.openxmlformats.org/officeDocument/2006/relationships" xmlns:p="http://schemas.openxmlformats.org/presentationml/2006/main">
+  <p:cSld>
+    <p:bg>
+      <p:bgPr>
+        <a:solidFill>
+          <a:schemeClr val="bg1"/>
+        </a:solidFill>
+        <a:effectLst/>
+      </p:bgPr>
+    </p:bg>
+    <p:spTree>
+      <p:nvGrpSpPr>
+        <p:cNvPr id="1" name=""/>
+        <p:cNvGrpSpPr/>
+        <p:nvPr/>
+      </p:nvGrpSpPr>
+      <p:grpSpPr>
+        <a:xfrm>
+          <a:off x="0" y="0"/>
+          <a:ext cx="0" cy="0"/>
+          <a:chOff x="0" y="0"/>
+          <a:chExt cx="0" cy="0"/>
+        </a:xfrm>
+      </p:grpSpPr>
+      <p:sp useBgFill="1">
+        <p:nvSpPr>
+          <p:cNvPr id="13" name="Rectangle 12">
+            <a:extLst>
+              <a:ext uri="{FF2B5EF4-FFF2-40B4-BE49-F238E27FC236}">
+                <a16:creationId xmlns:a16="http://schemas.microsoft.com/office/drawing/2014/main" id="{352BEC0E-22F8-46D0-9632-375DB541B06C}"/>
+              </a:ext>
+              <a:ext uri="{C183D7F6-B498-43B3-948B-1728B52AA6E4}">
+                <adec:decorative xmlns:adec="http://schemas.microsoft.com/office/drawing/2017/decorative" val="1"/>
+              </a:ext>
+            </a:extLst>
+          </p:cNvPr>
+          <p:cNvSpPr>
+            <a:spLocks noGrp="1" noRot="1" noChangeAspect="1" noMove="1" noResize="1" noEditPoints="1" noAdjustHandles="1" noChangeArrowheads="1" noChangeShapeType="1" noTextEdit="1"/>
+          </p:cNvSpPr>
+          <p:nvPr>
+            <p:extLst>
+              <p:ext uri="{386F3935-93C4-4BCD-93E2-E3B085C9AB24}">
+                <p16:designElem xmlns:p16="http://schemas.microsoft.com/office/powerpoint/2015/main" val="1"/>
+              </p:ext>
+            </p:extLst>
+          </p:nvPr>
+        </p:nvSpPr>
+        <p:spPr>
+          <a:xfrm>
+            <a:off x="0" y="0"/>
+            <a:ext cx="12188952" cy="6858000"/>
+          </a:xfrm>
+          <a:prstGeom prst="rect">
+            <a:avLst/>
+          </a:prstGeom>
+          <a:ln>
+            <a:noFill/>
+          </a:ln>
+        </p:spPr>
+        <p:style>
+          <a:lnRef idx="2">
+            <a:schemeClr val="accent1">
+              <a:shade val="50000"/>
+            </a:schemeClr>
+          </a:lnRef>
+          <a:fillRef idx="1">
+            <a:schemeClr val="accent1"/>
+          </a:fillRef>
+          <a:effectRef idx="0">
+            <a:schemeClr val="accent1"/>
+          </a:effectRef>
+          <a:fontRef idx="minor">
+            <a:schemeClr val="lt1"/>
+          </a:fontRef>
+        </p:style>
+        <p:txBody>
+          <a:bodyPr rtlCol="0" anchor="ctr"/>
+          <a:lstStyle/>
+          <a:p>
+            <a:pPr algn="ctr"/>
+            <a:endParaRPr lang="en-US"/>
+          </a:p>
+        </p:txBody>
+      </p:sp>
+      <p:sp>
+        <p:nvSpPr>
+          <p:cNvPr id="2" name="Titolo 1">
+            <a:extLst>
+              <a:ext uri="{FF2B5EF4-FFF2-40B4-BE49-F238E27FC236}">
+                <a16:creationId xmlns:a16="http://schemas.microsoft.com/office/drawing/2014/main" id="{E3DD944B-D922-EF70-DEC8-7C5136DFC88F}"/>
+              </a:ext>
+            </a:extLst>
+          </p:cNvPr>
+          <p:cNvSpPr>
+            <a:spLocks noGrp="1"/>
+          </p:cNvSpPr>
+          <p:nvPr>
+            <p:ph type="title"/>
+          </p:nvPr>
+        </p:nvSpPr>
+        <p:spPr>
+          <a:xfrm>
+            <a:off x="640080" y="329184"/>
+            <a:ext cx="6894576" cy="1783080"/>
+          </a:xfrm>
+        </p:spPr>
+        <p:txBody>
+          <a:bodyPr anchor="b">
+            <a:normAutofit/>
+          </a:bodyPr>
+          <a:lstStyle/>
+          <a:p>
+            <a:r>
+              <a:rPr lang="it-IT" sz="5400"/>
+              <a:t>Simulazione MPC</a:t>
+            </a:r>
+          </a:p>
+        </p:txBody>
+      </p:sp>
+      <p:sp>
+        <p:nvSpPr>
+          <p:cNvPr id="15" name="sketch line">
+            <a:extLst>
+              <a:ext uri="{FF2B5EF4-FFF2-40B4-BE49-F238E27FC236}">
+                <a16:creationId xmlns:a16="http://schemas.microsoft.com/office/drawing/2014/main" id="{3FCFB1DE-0B7E-48CC-BA90-B2AB0889F9D6}"/>
+              </a:ext>
+              <a:ext uri="{C183D7F6-B498-43B3-948B-1728B52AA6E4}">
+                <adec:decorative xmlns:adec="http://schemas.microsoft.com/office/drawing/2017/decorative" val="1"/>
+              </a:ext>
+            </a:extLst>
+          </p:cNvPr>
+          <p:cNvSpPr>
+            <a:spLocks noGrp="1" noRot="1" noChangeAspect="1" noMove="1" noResize="1" noEditPoints="1" noAdjustHandles="1" noChangeArrowheads="1" noChangeShapeType="1" noTextEdit="1"/>
+          </p:cNvSpPr>
+          <p:nvPr>
+            <p:extLst>
+              <p:ext uri="{386F3935-93C4-4BCD-93E2-E3B085C9AB24}">
+                <p16:designElem xmlns:p16="http://schemas.microsoft.com/office/powerpoint/2015/main" val="1"/>
+              </p:ext>
+            </p:extLst>
+          </p:nvPr>
+        </p:nvSpPr>
+        <p:spPr>
+          <a:xfrm>
+            <a:off x="758952" y="2395728"/>
+            <a:ext cx="4243589" cy="18288"/>
+          </a:xfrm>
+          <a:custGeom>
+            <a:avLst/>
+            <a:gdLst>
+              <a:gd name="connsiteX0" fmla="*/ 0 w 4243589"/>
+              <a:gd name="connsiteY0" fmla="*/ 0 h 18288"/>
+              <a:gd name="connsiteX1" fmla="*/ 478919 w 4243589"/>
+              <a:gd name="connsiteY1" fmla="*/ 0 h 18288"/>
+              <a:gd name="connsiteX2" fmla="*/ 957839 w 4243589"/>
+              <a:gd name="connsiteY2" fmla="*/ 0 h 18288"/>
+              <a:gd name="connsiteX3" fmla="*/ 1521630 w 4243589"/>
+              <a:gd name="connsiteY3" fmla="*/ 0 h 18288"/>
+              <a:gd name="connsiteX4" fmla="*/ 2212729 w 4243589"/>
+              <a:gd name="connsiteY4" fmla="*/ 0 h 18288"/>
+              <a:gd name="connsiteX5" fmla="*/ 2734084 w 4243589"/>
+              <a:gd name="connsiteY5" fmla="*/ 0 h 18288"/>
+              <a:gd name="connsiteX6" fmla="*/ 3255439 w 4243589"/>
+              <a:gd name="connsiteY6" fmla="*/ 0 h 18288"/>
+              <a:gd name="connsiteX7" fmla="*/ 4243589 w 4243589"/>
+              <a:gd name="connsiteY7" fmla="*/ 0 h 18288"/>
+              <a:gd name="connsiteX8" fmla="*/ 4243589 w 4243589"/>
+              <a:gd name="connsiteY8" fmla="*/ 18288 h 18288"/>
+              <a:gd name="connsiteX9" fmla="*/ 3594926 w 4243589"/>
+              <a:gd name="connsiteY9" fmla="*/ 18288 h 18288"/>
+              <a:gd name="connsiteX10" fmla="*/ 3073571 w 4243589"/>
+              <a:gd name="connsiteY10" fmla="*/ 18288 h 18288"/>
+              <a:gd name="connsiteX11" fmla="*/ 2552216 w 4243589"/>
+              <a:gd name="connsiteY11" fmla="*/ 18288 h 18288"/>
+              <a:gd name="connsiteX12" fmla="*/ 1903553 w 4243589"/>
+              <a:gd name="connsiteY12" fmla="*/ 18288 h 18288"/>
+              <a:gd name="connsiteX13" fmla="*/ 1212454 w 4243589"/>
+              <a:gd name="connsiteY13" fmla="*/ 18288 h 18288"/>
+              <a:gd name="connsiteX14" fmla="*/ 733535 w 4243589"/>
+              <a:gd name="connsiteY14" fmla="*/ 18288 h 18288"/>
+              <a:gd name="connsiteX15" fmla="*/ 0 w 4243589"/>
+              <a:gd name="connsiteY15" fmla="*/ 18288 h 18288"/>
+              <a:gd name="connsiteX16" fmla="*/ 0 w 4243589"/>
+              <a:gd name="connsiteY16" fmla="*/ 0 h 18288"/>
+            </a:gdLst>
+            <a:ahLst/>
+            <a:cxnLst>
+              <a:cxn ang="0">
+                <a:pos x="connsiteX0" y="connsiteY0"/>
+              </a:cxn>
+              <a:cxn ang="0">
+                <a:pos x="connsiteX1" y="connsiteY1"/>
+              </a:cxn>
+              <a:cxn ang="0">
+                <a:pos x="connsiteX2" y="connsiteY2"/>
+              </a:cxn>
+              <a:cxn ang="0">
+                <a:pos x="connsiteX3" y="connsiteY3"/>
+              </a:cxn>
+              <a:cxn ang="0">
+                <a:pos x="connsiteX4" y="connsiteY4"/>
+              </a:cxn>
+              <a:cxn ang="0">
+                <a:pos x="connsiteX5" y="connsiteY5"/>
+              </a:cxn>
+              <a:cxn ang="0">
+                <a:pos x="connsiteX6" y="connsiteY6"/>
+              </a:cxn>
+              <a:cxn ang="0">
+                <a:pos x="connsiteX7" y="connsiteY7"/>
+              </a:cxn>
+              <a:cxn ang="0">
+                <a:pos x="connsiteX8" y="connsiteY8"/>
+              </a:cxn>
+              <a:cxn ang="0">
+                <a:pos x="connsiteX9" y="connsiteY9"/>
+              </a:cxn>
+              <a:cxn ang="0">
+                <a:pos x="connsiteX10" y="connsiteY10"/>
+              </a:cxn>
+              <a:cxn ang="0">
+                <a:pos x="connsiteX11" y="connsiteY11"/>
+              </a:cxn>
+              <a:cxn ang="0">
+                <a:pos x="connsiteX12" y="connsiteY12"/>
+              </a:cxn>
+              <a:cxn ang="0">
+                <a:pos x="connsiteX13" y="connsiteY13"/>
+              </a:cxn>
+              <a:cxn ang="0">
+                <a:pos x="connsiteX14" y="connsiteY14"/>
+              </a:cxn>
+              <a:cxn ang="0">
+                <a:pos x="connsiteX15" y="connsiteY15"/>
+              </a:cxn>
+              <a:cxn ang="0">
+                <a:pos x="connsiteX16" y="connsiteY16"/>
+              </a:cxn>
+            </a:cxnLst>
+            <a:rect l="l" t="t" r="r" b="b"/>
+            <a:pathLst>
+              <a:path w="4243589" h="18288" fill="none" extrusionOk="0">
+                <a:moveTo>
+                  <a:pt x="0" y="0"/>
+                </a:moveTo>
+                <a:cubicBezTo>
+                  <a:pt x="213395" y="-21006"/>
+                  <a:pt x="307421" y="-18116"/>
+                  <a:pt x="478919" y="0"/>
+                </a:cubicBezTo>
+                <a:cubicBezTo>
+                  <a:pt x="650417" y="18116"/>
+                  <a:pt x="831092" y="-21237"/>
+                  <a:pt x="957839" y="0"/>
+                </a:cubicBezTo>
+                <a:cubicBezTo>
+                  <a:pt x="1084586" y="21237"/>
+                  <a:pt x="1301682" y="25124"/>
+                  <a:pt x="1521630" y="0"/>
+                </a:cubicBezTo>
+                <a:cubicBezTo>
+                  <a:pt x="1741578" y="-25124"/>
+                  <a:pt x="1970269" y="-29139"/>
+                  <a:pt x="2212729" y="0"/>
+                </a:cubicBezTo>
+                <a:cubicBezTo>
+                  <a:pt x="2455189" y="29139"/>
+                  <a:pt x="2558847" y="-4796"/>
+                  <a:pt x="2734084" y="0"/>
+                </a:cubicBezTo>
+                <a:cubicBezTo>
+                  <a:pt x="2909321" y="4796"/>
+                  <a:pt x="3097217" y="-13409"/>
+                  <a:pt x="3255439" y="0"/>
+                </a:cubicBezTo>
+                <a:cubicBezTo>
+                  <a:pt x="3413662" y="13409"/>
+                  <a:pt x="3979999" y="-10121"/>
+                  <a:pt x="4243589" y="0"/>
+                </a:cubicBezTo>
+                <a:cubicBezTo>
+                  <a:pt x="4244484" y="8974"/>
+                  <a:pt x="4243043" y="9359"/>
+                  <a:pt x="4243589" y="18288"/>
+                </a:cubicBezTo>
+                <a:cubicBezTo>
+                  <a:pt x="4058777" y="31246"/>
+                  <a:pt x="3910348" y="3158"/>
+                  <a:pt x="3594926" y="18288"/>
+                </a:cubicBezTo>
+                <a:cubicBezTo>
+                  <a:pt x="3279504" y="33418"/>
+                  <a:pt x="3319955" y="-3977"/>
+                  <a:pt x="3073571" y="18288"/>
+                </a:cubicBezTo>
+                <a:cubicBezTo>
+                  <a:pt x="2827187" y="40553"/>
+                  <a:pt x="2767387" y="1863"/>
+                  <a:pt x="2552216" y="18288"/>
+                </a:cubicBezTo>
+                <a:cubicBezTo>
+                  <a:pt x="2337046" y="34713"/>
+                  <a:pt x="2181871" y="19527"/>
+                  <a:pt x="1903553" y="18288"/>
+                </a:cubicBezTo>
+                <a:cubicBezTo>
+                  <a:pt x="1625235" y="17049"/>
+                  <a:pt x="1557672" y="24174"/>
+                  <a:pt x="1212454" y="18288"/>
+                </a:cubicBezTo>
+                <a:cubicBezTo>
+                  <a:pt x="867236" y="12402"/>
+                  <a:pt x="874382" y="15627"/>
+                  <a:pt x="733535" y="18288"/>
+                </a:cubicBezTo>
+                <a:cubicBezTo>
+                  <a:pt x="592688" y="20949"/>
+                  <a:pt x="183477" y="14753"/>
+                  <a:pt x="0" y="18288"/>
+                </a:cubicBezTo>
+                <a:cubicBezTo>
+                  <a:pt x="-229" y="14222"/>
+                  <a:pt x="509" y="5816"/>
+                  <a:pt x="0" y="0"/>
+                </a:cubicBezTo>
+                <a:close/>
+              </a:path>
+              <a:path w="4243589" h="18288" stroke="0" extrusionOk="0">
+                <a:moveTo>
+                  <a:pt x="0" y="0"/>
+                </a:moveTo>
+                <a:cubicBezTo>
+                  <a:pt x="143690" y="16630"/>
+                  <a:pt x="266667" y="14847"/>
+                  <a:pt x="521355" y="0"/>
+                </a:cubicBezTo>
+                <a:cubicBezTo>
+                  <a:pt x="776043" y="-14847"/>
+                  <a:pt x="814491" y="-17363"/>
+                  <a:pt x="1000275" y="0"/>
+                </a:cubicBezTo>
+                <a:cubicBezTo>
+                  <a:pt x="1186059" y="17363"/>
+                  <a:pt x="1352504" y="-23507"/>
+                  <a:pt x="1521630" y="0"/>
+                </a:cubicBezTo>
+                <a:cubicBezTo>
+                  <a:pt x="1690756" y="23507"/>
+                  <a:pt x="1889525" y="5871"/>
+                  <a:pt x="2127857" y="0"/>
+                </a:cubicBezTo>
+                <a:cubicBezTo>
+                  <a:pt x="2366189" y="-5871"/>
+                  <a:pt x="2620628" y="-27997"/>
+                  <a:pt x="2776520" y="0"/>
+                </a:cubicBezTo>
+                <a:cubicBezTo>
+                  <a:pt x="2932412" y="27997"/>
+                  <a:pt x="3131683" y="-25073"/>
+                  <a:pt x="3467618" y="0"/>
+                </a:cubicBezTo>
+                <a:cubicBezTo>
+                  <a:pt x="3803553" y="25073"/>
+                  <a:pt x="4017371" y="3071"/>
+                  <a:pt x="4243589" y="0"/>
+                </a:cubicBezTo>
+                <a:cubicBezTo>
+                  <a:pt x="4243134" y="6162"/>
+                  <a:pt x="4243492" y="11775"/>
+                  <a:pt x="4243589" y="18288"/>
+                </a:cubicBezTo>
+                <a:cubicBezTo>
+                  <a:pt x="4017834" y="-5779"/>
+                  <a:pt x="3834586" y="13376"/>
+                  <a:pt x="3594926" y="18288"/>
+                </a:cubicBezTo>
+                <a:cubicBezTo>
+                  <a:pt x="3355266" y="23200"/>
+                  <a:pt x="3204179" y="2869"/>
+                  <a:pt x="2903827" y="18288"/>
+                </a:cubicBezTo>
+                <a:cubicBezTo>
+                  <a:pt x="2603475" y="33707"/>
+                  <a:pt x="2526187" y="46187"/>
+                  <a:pt x="2212729" y="18288"/>
+                </a:cubicBezTo>
+                <a:cubicBezTo>
+                  <a:pt x="1899271" y="-9611"/>
+                  <a:pt x="1966289" y="29692"/>
+                  <a:pt x="1733809" y="18288"/>
+                </a:cubicBezTo>
+                <a:cubicBezTo>
+                  <a:pt x="1501329" y="6884"/>
+                  <a:pt x="1343612" y="12492"/>
+                  <a:pt x="1085146" y="18288"/>
+                </a:cubicBezTo>
+                <a:cubicBezTo>
+                  <a:pt x="826680" y="24084"/>
+                  <a:pt x="778184" y="35607"/>
+                  <a:pt x="521355" y="18288"/>
+                </a:cubicBezTo>
+                <a:cubicBezTo>
+                  <a:pt x="264526" y="969"/>
+                  <a:pt x="120277" y="4268"/>
+                  <a:pt x="0" y="18288"/>
+                </a:cubicBezTo>
+                <a:cubicBezTo>
+                  <a:pt x="766" y="10800"/>
+                  <a:pt x="-457" y="8180"/>
+                  <a:pt x="0" y="0"/>
+                </a:cubicBezTo>
+                <a:close/>
+              </a:path>
+            </a:pathLst>
+          </a:custGeom>
+          <a:solidFill>
+            <a:schemeClr val="accent2"/>
+          </a:solidFill>
+          <a:ln w="41275" cap="rnd">
+            <a:solidFill>
+              <a:schemeClr val="accent2"/>
+            </a:solidFill>
+            <a:round/>
+            <a:extLst>
+              <a:ext uri="{C807C97D-BFC1-408E-A445-0C87EB9F89A2}">
+                <ask:lineSketchStyleProps xmlns:ask="http://schemas.microsoft.com/office/drawing/2018/sketchyshapes" sd="2727557108">
+                  <a:prstGeom prst="rect">
+                    <a:avLst/>
+                  </a:prstGeom>
+                  <ask:type>
+                    <ask:lineSketchFreehand/>
+                  </ask:type>
+                </ask:lineSketchStyleProps>
+              </a:ext>
+            </a:extLst>
+          </a:ln>
+        </p:spPr>
+        <p:style>
+          <a:lnRef idx="2">
+            <a:schemeClr val="accent1">
+              <a:shade val="50000"/>
+            </a:schemeClr>
+          </a:lnRef>
+          <a:fillRef idx="1">
+            <a:schemeClr val="accent1"/>
+          </a:fillRef>
+          <a:effectRef idx="0">
+            <a:schemeClr val="accent1"/>
+          </a:effectRef>
+          <a:fontRef idx="minor">
+            <a:schemeClr val="lt1"/>
+          </a:fontRef>
+        </p:style>
+        <p:txBody>
+          <a:bodyPr rtlCol="0" anchor="ctr"/>
+          <a:lstStyle/>
+          <a:p>
+            <a:pPr algn="ctr"/>
+            <a:endParaRPr lang="en-US"/>
+          </a:p>
+        </p:txBody>
+      </p:sp>
+      <p:sp>
+        <p:nvSpPr>
+          <p:cNvPr id="3" name="Segnaposto contenuto 2">
+            <a:extLst>
+              <a:ext uri="{FF2B5EF4-FFF2-40B4-BE49-F238E27FC236}">
+                <a16:creationId xmlns:a16="http://schemas.microsoft.com/office/drawing/2014/main" id="{A7140573-7A9E-EB19-3D87-50CB9DB4852A}"/>
+              </a:ext>
+            </a:extLst>
+          </p:cNvPr>
+          <p:cNvSpPr>
+            <a:spLocks noGrp="1"/>
+          </p:cNvSpPr>
+          <p:nvPr>
+            <p:ph idx="1"/>
+          </p:nvPr>
+        </p:nvSpPr>
+        <p:spPr>
+          <a:xfrm>
+            <a:off x="640080" y="2706624"/>
+            <a:ext cx="6894576" cy="3483864"/>
+          </a:xfrm>
+        </p:spPr>
+        <p:txBody>
+          <a:bodyPr>
+            <a:normAutofit/>
+          </a:bodyPr>
+          <a:lstStyle/>
+          <a:p>
+            <a:pPr marL="0" indent="0">
+              <a:buNone/>
+            </a:pPr>
+            <a:r>
+              <a:rPr lang="it-IT" sz="2000" dirty="0"/>
+              <a:t>Durante la simulazione, il controllore MPC calcola l’ingresso ottimale a ogni istante, tenendo conto dello stato attuale e dei vincoli imposti. L’ingresso viene applicato al sistema non lineare reale, aggiornando il suo comportamento passo dopo passo. I grafici mostrano che le traiettorie restano all’interno dei vincoli (CIS) e convergono verso il riferimento, garantendo una risposta corretta anche in presenza di una dinamica non lineare.</a:t>
+            </a:r>
+          </a:p>
+          <a:p>
+            <a:endParaRPr lang="it-IT" sz="2200" dirty="0"/>
+          </a:p>
+        </p:txBody>
+      </p:sp>
+      <p:pic>
+        <p:nvPicPr>
+          <p:cNvPr id="8" name="Immagine 7">
+            <a:extLst>
+              <a:ext uri="{FF2B5EF4-FFF2-40B4-BE49-F238E27FC236}">
+                <a16:creationId xmlns:a16="http://schemas.microsoft.com/office/drawing/2014/main" id="{0DB3C2F4-1B23-7BF1-F534-524F836BDBCE}"/>
+              </a:ext>
+            </a:extLst>
+          </p:cNvPr>
+          <p:cNvPicPr>
+            <a:picLocks noChangeAspect="1"/>
+          </p:cNvPicPr>
+          <p:nvPr/>
+        </p:nvPicPr>
+        <p:blipFill>
+          <a:blip r:embed="rId2"/>
+          <a:stretch>
+            <a:fillRect/>
+          </a:stretch>
+        </p:blipFill>
+        <p:spPr>
+          <a:xfrm>
+            <a:off x="8778839" y="108317"/>
+            <a:ext cx="3058118" cy="3252104"/>
+          </a:xfrm>
+          <a:prstGeom prst="rect">
+            <a:avLst/>
+          </a:prstGeom>
+        </p:spPr>
+      </p:pic>
+      <p:pic>
+        <p:nvPicPr>
+          <p:cNvPr id="6" name="Immagine 5">
+            <a:extLst>
+              <a:ext uri="{FF2B5EF4-FFF2-40B4-BE49-F238E27FC236}">
+                <a16:creationId xmlns:a16="http://schemas.microsoft.com/office/drawing/2014/main" id="{D95D702E-A34B-57EE-4A13-ACF73D9D4E81}"/>
+              </a:ext>
+            </a:extLst>
+          </p:cNvPr>
+          <p:cNvPicPr>
+            <a:picLocks noChangeAspect="1"/>
+          </p:cNvPicPr>
+          <p:nvPr/>
+        </p:nvPicPr>
+        <p:blipFill>
+          <a:blip r:embed="rId3"/>
+          <a:stretch>
+            <a:fillRect/>
+          </a:stretch>
+        </p:blipFill>
+        <p:spPr>
+          <a:xfrm>
+            <a:off x="8778838" y="3360419"/>
+            <a:ext cx="3058119" cy="3463851"/>
+          </a:xfrm>
+          <a:prstGeom prst="rect">
+            <a:avLst/>
+          </a:prstGeom>
+        </p:spPr>
+      </p:pic>
+      <p:sp>
+        <p:nvSpPr>
+          <p:cNvPr id="4" name="Segnaposto piè di pagina 3">
+            <a:extLst>
+              <a:ext uri="{FF2B5EF4-FFF2-40B4-BE49-F238E27FC236}">
+                <a16:creationId xmlns:a16="http://schemas.microsoft.com/office/drawing/2014/main" id="{054E4C96-CD3F-5A58-DD2C-E4B61F7BAC05}"/>
+              </a:ext>
+            </a:extLst>
+          </p:cNvPr>
+          <p:cNvSpPr>
+            <a:spLocks noGrp="1"/>
+          </p:cNvSpPr>
+          <p:nvPr>
+            <p:ph type="ftr" sz="quarter" idx="11"/>
+          </p:nvPr>
+        </p:nvSpPr>
+        <p:spPr>
+          <a:xfrm>
+            <a:off x="4038600" y="6356350"/>
+            <a:ext cx="4114800" cy="365125"/>
+          </a:xfrm>
+        </p:spPr>
+        <p:txBody>
+          <a:bodyPr>
+            <a:normAutofit/>
+          </a:bodyPr>
+          <a:lstStyle/>
+          <a:p>
+            <a:pPr>
+              <a:spcAft>
+                <a:spcPts val="600"/>
+              </a:spcAft>
+            </a:pPr>
+            <a:r>
+              <a:rPr lang="it-IT"/>
+              <a:t>Davide Brambilla [1080752], Giorgio Passarella[1079287]</a:t>
+            </a:r>
+          </a:p>
+        </p:txBody>
+      </p:sp>
+    </p:spTree>
+    <p:extLst>
+      <p:ext uri="{BB962C8B-B14F-4D97-AF65-F5344CB8AC3E}">
+        <p14:creationId xmlns:p14="http://schemas.microsoft.com/office/powerpoint/2010/main" val="687747556"/>
+      </p:ext>
+    </p:extLst>
+  </p:cSld>
+  <p:clrMapOvr>
+    <a:masterClrMapping/>
+  </p:clrMapOvr>
+</p:sld>
+</file>
+
+<file path=ppt/slides/slide19.xml><?xml version="1.0" encoding="utf-8"?>
+<p:sld xmlns:a="http://schemas.openxmlformats.org/drawingml/2006/main" xmlns:r="http://schemas.openxmlformats.org/officeDocument/2006/relationships" xmlns:p="http://schemas.openxmlformats.org/presentationml/2006/main">
+  <p:cSld>
+    <p:bg>
+      <p:bgPr>
+        <a:solidFill>
+          <a:schemeClr val="bg1"/>
+        </a:solidFill>
+        <a:effectLst/>
+      </p:bgPr>
+    </p:bg>
+    <p:spTree>
+      <p:nvGrpSpPr>
+        <p:cNvPr id="1" name=""/>
+        <p:cNvGrpSpPr/>
+        <p:nvPr/>
+      </p:nvGrpSpPr>
+      <p:grpSpPr>
+        <a:xfrm>
+          <a:off x="0" y="0"/>
+          <a:ext cx="0" cy="0"/>
+          <a:chOff x="0" y="0"/>
+          <a:chExt cx="0" cy="0"/>
+        </a:xfrm>
+      </p:grpSpPr>
+      <p:sp useBgFill="1">
+        <p:nvSpPr>
+          <p:cNvPr id="15" name="Rectangle 14">
+            <a:extLst>
+              <a:ext uri="{FF2B5EF4-FFF2-40B4-BE49-F238E27FC236}">
+                <a16:creationId xmlns:a16="http://schemas.microsoft.com/office/drawing/2014/main" id="{53B475F8-50AE-46A0-9943-B2B63183D50C}"/>
+              </a:ext>
+              <a:ext uri="{C183D7F6-B498-43B3-948B-1728B52AA6E4}">
+                <adec:decorative xmlns:adec="http://schemas.microsoft.com/office/drawing/2017/decorative" val="1"/>
+              </a:ext>
+            </a:extLst>
+          </p:cNvPr>
+          <p:cNvSpPr>
+            <a:spLocks noGrp="1" noRot="1" noChangeAspect="1" noMove="1" noResize="1" noEditPoints="1" noAdjustHandles="1" noChangeArrowheads="1" noChangeShapeType="1" noTextEdit="1"/>
+          </p:cNvSpPr>
+          <p:nvPr>
+            <p:extLst>
+              <p:ext uri="{386F3935-93C4-4BCD-93E2-E3B085C9AB24}">
+                <p16:designElem xmlns:p16="http://schemas.microsoft.com/office/powerpoint/2015/main" val="1"/>
+              </p:ext>
+            </p:extLst>
+          </p:nvPr>
+        </p:nvSpPr>
+        <p:spPr>
+          <a:xfrm>
+            <a:off x="0" y="0"/>
+            <a:ext cx="12188952" cy="6858000"/>
+          </a:xfrm>
+          <a:prstGeom prst="rect">
+            <a:avLst/>
+          </a:prstGeom>
+          <a:ln>
+            <a:noFill/>
+          </a:ln>
+        </p:spPr>
+        <p:style>
+          <a:lnRef idx="2">
+            <a:schemeClr val="accent1">
+              <a:shade val="50000"/>
+            </a:schemeClr>
+          </a:lnRef>
+          <a:fillRef idx="1">
+            <a:schemeClr val="accent1"/>
+          </a:fillRef>
+          <a:effectRef idx="0">
+            <a:schemeClr val="accent1"/>
+          </a:effectRef>
+          <a:fontRef idx="minor">
+            <a:schemeClr val="lt1"/>
+          </a:fontRef>
+        </p:style>
+        <p:txBody>
+          <a:bodyPr rtlCol="0" anchor="ctr"/>
+          <a:lstStyle/>
+          <a:p>
+            <a:pPr algn="ctr"/>
+            <a:endParaRPr lang="en-US"/>
+          </a:p>
+        </p:txBody>
+      </p:sp>
+      <p:sp>
+        <p:nvSpPr>
+          <p:cNvPr id="2" name="Titolo 1">
+            <a:extLst>
+              <a:ext uri="{FF2B5EF4-FFF2-40B4-BE49-F238E27FC236}">
+                <a16:creationId xmlns:a16="http://schemas.microsoft.com/office/drawing/2014/main" id="{85169584-297D-658F-093A-A46C3E76946B}"/>
+              </a:ext>
+            </a:extLst>
+          </p:cNvPr>
+          <p:cNvSpPr>
+            <a:spLocks noGrp="1"/>
+          </p:cNvSpPr>
+          <p:nvPr>
+            <p:ph type="title"/>
+          </p:nvPr>
+        </p:nvSpPr>
+        <p:spPr>
+          <a:xfrm>
+            <a:off x="612648" y="365125"/>
+            <a:ext cx="6986015" cy="1776484"/>
+          </a:xfrm>
+        </p:spPr>
+        <p:txBody>
+          <a:bodyPr anchor="b">
+            <a:normAutofit/>
+          </a:bodyPr>
+          <a:lstStyle/>
+          <a:p>
+            <a:r>
+              <a:rPr lang="it-IT" sz="5400"/>
+              <a:t>Andamento degli stati e degli ingressi</a:t>
+            </a:r>
+          </a:p>
+        </p:txBody>
+      </p:sp>
+      <p:sp>
+        <p:nvSpPr>
+          <p:cNvPr id="17" name="sketch line">
+            <a:extLst>
+              <a:ext uri="{FF2B5EF4-FFF2-40B4-BE49-F238E27FC236}">
+                <a16:creationId xmlns:a16="http://schemas.microsoft.com/office/drawing/2014/main" id="{75F6FDB4-2351-48C2-A863-2364A02343C0}"/>
+              </a:ext>
+              <a:ext uri="{C183D7F6-B498-43B3-948B-1728B52AA6E4}">
+                <adec:decorative xmlns:adec="http://schemas.microsoft.com/office/drawing/2017/decorative" val="1"/>
+              </a:ext>
+            </a:extLst>
+          </p:cNvPr>
+          <p:cNvSpPr>
+            <a:spLocks noGrp="1" noRot="1" noChangeAspect="1" noMove="1" noResize="1" noEditPoints="1" noAdjustHandles="1" noChangeArrowheads="1" noChangeShapeType="1" noTextEdit="1"/>
+          </p:cNvSpPr>
+          <p:nvPr>
+            <p:extLst>
+              <p:ext uri="{386F3935-93C4-4BCD-93E2-E3B085C9AB24}">
+                <p16:designElem xmlns:p16="http://schemas.microsoft.com/office/powerpoint/2015/main" val="1"/>
+              </p:ext>
+            </p:extLst>
+          </p:nvPr>
+        </p:nvSpPr>
+        <p:spPr>
+          <a:xfrm>
+            <a:off x="838200" y="2315691"/>
+            <a:ext cx="4343400" cy="18288"/>
+          </a:xfrm>
+          <a:custGeom>
+            <a:avLst/>
+            <a:gdLst>
+              <a:gd name="connsiteX0" fmla="*/ 0 w 4343400"/>
+              <a:gd name="connsiteY0" fmla="*/ 0 h 18288"/>
+              <a:gd name="connsiteX1" fmla="*/ 577052 w 4343400"/>
+              <a:gd name="connsiteY1" fmla="*/ 0 h 18288"/>
+              <a:gd name="connsiteX2" fmla="*/ 1067235 w 4343400"/>
+              <a:gd name="connsiteY2" fmla="*/ 0 h 18288"/>
+              <a:gd name="connsiteX3" fmla="*/ 1600853 w 4343400"/>
+              <a:gd name="connsiteY3" fmla="*/ 0 h 18288"/>
+              <a:gd name="connsiteX4" fmla="*/ 2264773 w 4343400"/>
+              <a:gd name="connsiteY4" fmla="*/ 0 h 18288"/>
+              <a:gd name="connsiteX5" fmla="*/ 2841825 w 4343400"/>
+              <a:gd name="connsiteY5" fmla="*/ 0 h 18288"/>
+              <a:gd name="connsiteX6" fmla="*/ 3375442 w 4343400"/>
+              <a:gd name="connsiteY6" fmla="*/ 0 h 18288"/>
+              <a:gd name="connsiteX7" fmla="*/ 4343400 w 4343400"/>
+              <a:gd name="connsiteY7" fmla="*/ 0 h 18288"/>
+              <a:gd name="connsiteX8" fmla="*/ 4343400 w 4343400"/>
+              <a:gd name="connsiteY8" fmla="*/ 18288 h 18288"/>
+              <a:gd name="connsiteX9" fmla="*/ 3722914 w 4343400"/>
+              <a:gd name="connsiteY9" fmla="*/ 18288 h 18288"/>
+              <a:gd name="connsiteX10" fmla="*/ 3189297 w 4343400"/>
+              <a:gd name="connsiteY10" fmla="*/ 18288 h 18288"/>
+              <a:gd name="connsiteX11" fmla="*/ 2481943 w 4343400"/>
+              <a:gd name="connsiteY11" fmla="*/ 18288 h 18288"/>
+              <a:gd name="connsiteX12" fmla="*/ 1904891 w 4343400"/>
+              <a:gd name="connsiteY12" fmla="*/ 18288 h 18288"/>
+              <a:gd name="connsiteX13" fmla="*/ 1414707 w 4343400"/>
+              <a:gd name="connsiteY13" fmla="*/ 18288 h 18288"/>
+              <a:gd name="connsiteX14" fmla="*/ 750788 w 4343400"/>
+              <a:gd name="connsiteY14" fmla="*/ 18288 h 18288"/>
+              <a:gd name="connsiteX15" fmla="*/ 0 w 4343400"/>
+              <a:gd name="connsiteY15" fmla="*/ 18288 h 18288"/>
+              <a:gd name="connsiteX16" fmla="*/ 0 w 4343400"/>
+              <a:gd name="connsiteY16" fmla="*/ 0 h 18288"/>
+            </a:gdLst>
+            <a:ahLst/>
+            <a:cxnLst>
+              <a:cxn ang="0">
+                <a:pos x="connsiteX0" y="connsiteY0"/>
+              </a:cxn>
+              <a:cxn ang="0">
+                <a:pos x="connsiteX1" y="connsiteY1"/>
+              </a:cxn>
+              <a:cxn ang="0">
+                <a:pos x="connsiteX2" y="connsiteY2"/>
+              </a:cxn>
+              <a:cxn ang="0">
+                <a:pos x="connsiteX3" y="connsiteY3"/>
+              </a:cxn>
+              <a:cxn ang="0">
+                <a:pos x="connsiteX4" y="connsiteY4"/>
+              </a:cxn>
+              <a:cxn ang="0">
+                <a:pos x="connsiteX5" y="connsiteY5"/>
+              </a:cxn>
+              <a:cxn ang="0">
+                <a:pos x="connsiteX6" y="connsiteY6"/>
+              </a:cxn>
+              <a:cxn ang="0">
+                <a:pos x="connsiteX7" y="connsiteY7"/>
+              </a:cxn>
+              <a:cxn ang="0">
+                <a:pos x="connsiteX8" y="connsiteY8"/>
+              </a:cxn>
+              <a:cxn ang="0">
+                <a:pos x="connsiteX9" y="connsiteY9"/>
+              </a:cxn>
+              <a:cxn ang="0">
+                <a:pos x="connsiteX10" y="connsiteY10"/>
+              </a:cxn>
+              <a:cxn ang="0">
+                <a:pos x="connsiteX11" y="connsiteY11"/>
+              </a:cxn>
+              <a:cxn ang="0">
+                <a:pos x="connsiteX12" y="connsiteY12"/>
+              </a:cxn>
+              <a:cxn ang="0">
+                <a:pos x="connsiteX13" y="connsiteY13"/>
+              </a:cxn>
+              <a:cxn ang="0">
+                <a:pos x="connsiteX14" y="connsiteY14"/>
+              </a:cxn>
+              <a:cxn ang="0">
+                <a:pos x="connsiteX15" y="connsiteY15"/>
+              </a:cxn>
+              <a:cxn ang="0">
+                <a:pos x="connsiteX16" y="connsiteY16"/>
+              </a:cxn>
+            </a:cxnLst>
+            <a:rect l="l" t="t" r="r" b="b"/>
+            <a:pathLst>
+              <a:path w="4343400" h="18288" fill="none" extrusionOk="0">
+                <a:moveTo>
+                  <a:pt x="0" y="0"/>
+                </a:moveTo>
+                <a:cubicBezTo>
+                  <a:pt x="233209" y="-19550"/>
+                  <a:pt x="330816" y="19068"/>
+                  <a:pt x="577052" y="0"/>
+                </a:cubicBezTo>
+                <a:cubicBezTo>
+                  <a:pt x="823288" y="-19068"/>
+                  <a:pt x="875077" y="10360"/>
+                  <a:pt x="1067235" y="0"/>
+                </a:cubicBezTo>
+                <a:cubicBezTo>
+                  <a:pt x="1259393" y="-10360"/>
+                  <a:pt x="1410699" y="2939"/>
+                  <a:pt x="1600853" y="0"/>
+                </a:cubicBezTo>
+                <a:cubicBezTo>
+                  <a:pt x="1791007" y="-2939"/>
+                  <a:pt x="2101644" y="-26225"/>
+                  <a:pt x="2264773" y="0"/>
+                </a:cubicBezTo>
+                <a:cubicBezTo>
+                  <a:pt x="2427902" y="26225"/>
+                  <a:pt x="2690426" y="-27726"/>
+                  <a:pt x="2841825" y="0"/>
+                </a:cubicBezTo>
+                <a:cubicBezTo>
+                  <a:pt x="2993224" y="27726"/>
+                  <a:pt x="3172320" y="-18569"/>
+                  <a:pt x="3375442" y="0"/>
+                </a:cubicBezTo>
+                <a:cubicBezTo>
+                  <a:pt x="3578564" y="18569"/>
+                  <a:pt x="4003119" y="21909"/>
+                  <a:pt x="4343400" y="0"/>
+                </a:cubicBezTo>
+                <a:cubicBezTo>
+                  <a:pt x="4343798" y="7429"/>
+                  <a:pt x="4343380" y="10822"/>
+                  <a:pt x="4343400" y="18288"/>
+                </a:cubicBezTo>
+                <a:cubicBezTo>
+                  <a:pt x="4109047" y="14709"/>
+                  <a:pt x="3996986" y="7919"/>
+                  <a:pt x="3722914" y="18288"/>
+                </a:cubicBezTo>
+                <a:cubicBezTo>
+                  <a:pt x="3448842" y="28657"/>
+                  <a:pt x="3340973" y="29252"/>
+                  <a:pt x="3189297" y="18288"/>
+                </a:cubicBezTo>
+                <a:cubicBezTo>
+                  <a:pt x="3037621" y="7324"/>
+                  <a:pt x="2636891" y="-9539"/>
+                  <a:pt x="2481943" y="18288"/>
+                </a:cubicBezTo>
+                <a:cubicBezTo>
+                  <a:pt x="2326995" y="46115"/>
+                  <a:pt x="2131632" y="740"/>
+                  <a:pt x="1904891" y="18288"/>
+                </a:cubicBezTo>
+                <a:cubicBezTo>
+                  <a:pt x="1678150" y="35836"/>
+                  <a:pt x="1575362" y="-3381"/>
+                  <a:pt x="1414707" y="18288"/>
+                </a:cubicBezTo>
+                <a:cubicBezTo>
+                  <a:pt x="1254052" y="39957"/>
+                  <a:pt x="1051093" y="-335"/>
+                  <a:pt x="750788" y="18288"/>
+                </a:cubicBezTo>
+                <a:cubicBezTo>
+                  <a:pt x="450483" y="36911"/>
+                  <a:pt x="293781" y="22900"/>
+                  <a:pt x="0" y="18288"/>
+                </a:cubicBezTo>
+                <a:cubicBezTo>
+                  <a:pt x="-591" y="13205"/>
+                  <a:pt x="-663" y="6329"/>
+                  <a:pt x="0" y="0"/>
+                </a:cubicBezTo>
+                <a:close/>
+              </a:path>
+              <a:path w="4343400" h="18288" stroke="0" extrusionOk="0">
+                <a:moveTo>
+                  <a:pt x="0" y="0"/>
+                </a:moveTo>
+                <a:cubicBezTo>
+                  <a:pt x="212719" y="-28531"/>
+                  <a:pt x="340561" y="-1164"/>
+                  <a:pt x="577052" y="0"/>
+                </a:cubicBezTo>
+                <a:cubicBezTo>
+                  <a:pt x="813543" y="1164"/>
+                  <a:pt x="866967" y="-9376"/>
+                  <a:pt x="1067235" y="0"/>
+                </a:cubicBezTo>
+                <a:cubicBezTo>
+                  <a:pt x="1267503" y="9376"/>
+                  <a:pt x="1485778" y="-20470"/>
+                  <a:pt x="1774589" y="0"/>
+                </a:cubicBezTo>
+                <a:cubicBezTo>
+                  <a:pt x="2063400" y="20470"/>
+                  <a:pt x="2090152" y="-14502"/>
+                  <a:pt x="2351641" y="0"/>
+                </a:cubicBezTo>
+                <a:cubicBezTo>
+                  <a:pt x="2613130" y="14502"/>
+                  <a:pt x="2802864" y="19125"/>
+                  <a:pt x="2928693" y="0"/>
+                </a:cubicBezTo>
+                <a:cubicBezTo>
+                  <a:pt x="3054522" y="-19125"/>
+                  <a:pt x="3482611" y="-2038"/>
+                  <a:pt x="3636046" y="0"/>
+                </a:cubicBezTo>
+                <a:cubicBezTo>
+                  <a:pt x="3789481" y="2038"/>
+                  <a:pt x="4012363" y="973"/>
+                  <a:pt x="4343400" y="0"/>
+                </a:cubicBezTo>
+                <a:cubicBezTo>
+                  <a:pt x="4342514" y="5429"/>
+                  <a:pt x="4344221" y="14046"/>
+                  <a:pt x="4343400" y="18288"/>
+                </a:cubicBezTo>
+                <a:cubicBezTo>
+                  <a:pt x="4078870" y="-6138"/>
+                  <a:pt x="4015967" y="29658"/>
+                  <a:pt x="3809782" y="18288"/>
+                </a:cubicBezTo>
+                <a:cubicBezTo>
+                  <a:pt x="3603597" y="6918"/>
+                  <a:pt x="3495552" y="24439"/>
+                  <a:pt x="3189297" y="18288"/>
+                </a:cubicBezTo>
+                <a:cubicBezTo>
+                  <a:pt x="2883042" y="12137"/>
+                  <a:pt x="2850610" y="32583"/>
+                  <a:pt x="2568811" y="18288"/>
+                </a:cubicBezTo>
+                <a:cubicBezTo>
+                  <a:pt x="2287012" y="3993"/>
+                  <a:pt x="2279820" y="23580"/>
+                  <a:pt x="1991759" y="18288"/>
+                </a:cubicBezTo>
+                <a:cubicBezTo>
+                  <a:pt x="1703698" y="12996"/>
+                  <a:pt x="1616455" y="23157"/>
+                  <a:pt x="1284405" y="18288"/>
+                </a:cubicBezTo>
+                <a:cubicBezTo>
+                  <a:pt x="952355" y="13419"/>
+                  <a:pt x="783530" y="16053"/>
+                  <a:pt x="577052" y="18288"/>
+                </a:cubicBezTo>
+                <a:cubicBezTo>
+                  <a:pt x="370574" y="20523"/>
+                  <a:pt x="173929" y="5195"/>
+                  <a:pt x="0" y="18288"/>
+                </a:cubicBezTo>
+                <a:cubicBezTo>
+                  <a:pt x="668" y="13665"/>
+                  <a:pt x="578" y="5675"/>
+                  <a:pt x="0" y="0"/>
+                </a:cubicBezTo>
+                <a:close/>
+              </a:path>
+            </a:pathLst>
+          </a:custGeom>
+          <a:solidFill>
+            <a:schemeClr val="accent2"/>
+          </a:solidFill>
+          <a:ln w="41275" cap="rnd">
+            <a:solidFill>
+              <a:schemeClr val="accent2"/>
+            </a:solidFill>
+            <a:round/>
+            <a:extLst>
+              <a:ext uri="{C807C97D-BFC1-408E-A445-0C87EB9F89A2}">
+                <ask:lineSketchStyleProps xmlns:ask="http://schemas.microsoft.com/office/drawing/2018/sketchyshapes" sd="1219033472">
+                  <a:prstGeom prst="rect">
+                    <a:avLst/>
+                  </a:prstGeom>
+                  <ask:type>
+                    <ask:lineSketchFreehand/>
+                  </ask:type>
+                </ask:lineSketchStyleProps>
+              </a:ext>
+            </a:extLst>
+          </a:ln>
+        </p:spPr>
+        <p:style>
+          <a:lnRef idx="2">
+            <a:schemeClr val="accent1">
+              <a:shade val="50000"/>
+            </a:schemeClr>
+          </a:lnRef>
+          <a:fillRef idx="1">
+            <a:schemeClr val="accent1"/>
+          </a:fillRef>
+          <a:effectRef idx="0">
+            <a:schemeClr val="accent1"/>
+          </a:effectRef>
+          <a:fontRef idx="minor">
+            <a:schemeClr val="lt1"/>
+          </a:fontRef>
+        </p:style>
+        <p:txBody>
+          <a:bodyPr rtlCol="0" anchor="ctr"/>
+          <a:lstStyle/>
+          <a:p>
+            <a:pPr algn="ctr"/>
+            <a:endParaRPr lang="en-US"/>
+          </a:p>
+        </p:txBody>
+      </p:sp>
+      <p:sp>
+        <p:nvSpPr>
+          <p:cNvPr id="3" name="Segnaposto contenuto 2">
+            <a:extLst>
+              <a:ext uri="{FF2B5EF4-FFF2-40B4-BE49-F238E27FC236}">
+                <a16:creationId xmlns:a16="http://schemas.microsoft.com/office/drawing/2014/main" id="{3C3FB16D-B5A7-0E93-4F5F-20200EA30DBA}"/>
+              </a:ext>
+            </a:extLst>
+          </p:cNvPr>
+          <p:cNvSpPr>
+            <a:spLocks noGrp="1"/>
+          </p:cNvSpPr>
+          <p:nvPr>
+            <p:ph idx="1"/>
+          </p:nvPr>
+        </p:nvSpPr>
+        <p:spPr>
+          <a:xfrm>
+            <a:off x="612648" y="2504819"/>
+            <a:ext cx="6986016" cy="3672144"/>
+          </a:xfrm>
+        </p:spPr>
+        <p:txBody>
+          <a:bodyPr>
+            <a:normAutofit lnSpcReduction="10000"/>
+          </a:bodyPr>
+          <a:lstStyle/>
+          <a:p>
+            <a:pPr marL="0" indent="0">
+              <a:buNone/>
+            </a:pPr>
+            <a:r>
+              <a:rPr lang="it-IT" sz="2200" dirty="0"/>
+              <a:t>Nel primo grafico sono riportati gli ingressi di controllo, l’azione iniziale è più decisa per correggere rapidamente la dinamica del sistema, ma si attenua progressivamente man mano che ci si avvicina al riferimento.</a:t>
+            </a:r>
+          </a:p>
+          <a:p>
+            <a:pPr marL="0" indent="0">
+              <a:buNone/>
+            </a:pPr>
+            <a:r>
+              <a:rPr lang="it-IT" sz="2200" dirty="0"/>
+              <a:t>Nel secondo grafico viene mostrato l’andamento degli stati del sistema nel tempo. Si osserva che tutte le variabili restano sempre entro i limiti imposti e si avvicinano in modo graduale e regolare ai valori di riferimento. Questo dimostra l’efficacia della strategia MPC nel guidare il sistema verso l’obiettivo senza oscillazioni né violazioni.</a:t>
+            </a:r>
+          </a:p>
+          <a:p>
+            <a:pPr marL="0" indent="0">
+              <a:buNone/>
+            </a:pPr>
+            <a:endParaRPr lang="it-IT" sz="2200" dirty="0"/>
+          </a:p>
+        </p:txBody>
+      </p:sp>
+      <p:pic>
+        <p:nvPicPr>
+          <p:cNvPr id="6" name="Immagine 5">
+            <a:extLst>
+              <a:ext uri="{FF2B5EF4-FFF2-40B4-BE49-F238E27FC236}">
+                <a16:creationId xmlns:a16="http://schemas.microsoft.com/office/drawing/2014/main" id="{62040FA5-21AB-3722-D448-D18FD772EFA5}"/>
+              </a:ext>
+            </a:extLst>
+          </p:cNvPr>
+          <p:cNvPicPr>
+            <a:picLocks noChangeAspect="1"/>
+          </p:cNvPicPr>
+          <p:nvPr/>
+        </p:nvPicPr>
+        <p:blipFill>
+          <a:blip r:embed="rId2"/>
+          <a:srcRect t="9612"/>
+          <a:stretch>
+            <a:fillRect/>
+          </a:stretch>
+        </p:blipFill>
+        <p:spPr>
+          <a:xfrm>
+            <a:off x="8686237" y="70468"/>
+            <a:ext cx="2893115" cy="2954644"/>
+          </a:xfrm>
+          <a:prstGeom prst="rect">
+            <a:avLst/>
+          </a:prstGeom>
+        </p:spPr>
+      </p:pic>
+      <p:grpSp>
+        <p:nvGrpSpPr>
+          <p:cNvPr id="11" name="Gruppo 10">
+            <a:extLst>
+              <a:ext uri="{FF2B5EF4-FFF2-40B4-BE49-F238E27FC236}">
+                <a16:creationId xmlns:a16="http://schemas.microsoft.com/office/drawing/2014/main" id="{D8CF0733-353F-2E63-EE8F-F8B82C457062}"/>
+              </a:ext>
+            </a:extLst>
+          </p:cNvPr>
+          <p:cNvGrpSpPr/>
+          <p:nvPr/>
+        </p:nvGrpSpPr>
+        <p:grpSpPr>
+          <a:xfrm>
+            <a:off x="7598663" y="3117438"/>
+            <a:ext cx="4518021" cy="3102387"/>
+            <a:chOff x="7798372" y="3204499"/>
+            <a:chExt cx="4152836" cy="2690249"/>
+          </a:xfrm>
+        </p:grpSpPr>
+        <p:pic>
+          <p:nvPicPr>
+            <p:cNvPr id="10" name="Immagine 9">
+              <a:extLst>
+                <a:ext uri="{FF2B5EF4-FFF2-40B4-BE49-F238E27FC236}">
+                  <a16:creationId xmlns:a16="http://schemas.microsoft.com/office/drawing/2014/main" id="{9B19564C-9399-6ECC-A1A3-FA5D58115E29}"/>
+                </a:ext>
+              </a:extLst>
+            </p:cNvPr>
+            <p:cNvPicPr>
+              <a:picLocks noChangeAspect="1"/>
+            </p:cNvPicPr>
+            <p:nvPr/>
+          </p:nvPicPr>
+          <p:blipFill>
+            <a:blip r:embed="rId3"/>
+            <a:stretch>
+              <a:fillRect/>
+            </a:stretch>
+          </p:blipFill>
+          <p:spPr>
+            <a:xfrm>
+              <a:off x="7836408" y="3204499"/>
+              <a:ext cx="4114800" cy="1296162"/>
+            </a:xfrm>
+            <a:prstGeom prst="rect">
+              <a:avLst/>
+            </a:prstGeom>
+          </p:spPr>
+        </p:pic>
+        <p:pic>
+          <p:nvPicPr>
+            <p:cNvPr id="8" name="Immagine 7">
+              <a:extLst>
+                <a:ext uri="{FF2B5EF4-FFF2-40B4-BE49-F238E27FC236}">
+                  <a16:creationId xmlns:a16="http://schemas.microsoft.com/office/drawing/2014/main" id="{374797C8-43E3-A256-9601-755B8BF55309}"/>
+                </a:ext>
+              </a:extLst>
+            </p:cNvPr>
+            <p:cNvPicPr>
+              <a:picLocks noChangeAspect="1"/>
+            </p:cNvPicPr>
+            <p:nvPr/>
+          </p:nvPicPr>
+          <p:blipFill>
+            <a:blip r:embed="rId4"/>
+            <a:stretch>
+              <a:fillRect/>
+            </a:stretch>
+          </p:blipFill>
+          <p:spPr>
+            <a:xfrm>
+              <a:off x="7798372" y="4598586"/>
+              <a:ext cx="4114801" cy="1296162"/>
+            </a:xfrm>
+            <a:prstGeom prst="rect">
+              <a:avLst/>
+            </a:prstGeom>
+          </p:spPr>
+        </p:pic>
+      </p:grpSp>
+      <p:sp>
+        <p:nvSpPr>
+          <p:cNvPr id="4" name="Segnaposto piè di pagina 3">
+            <a:extLst>
+              <a:ext uri="{FF2B5EF4-FFF2-40B4-BE49-F238E27FC236}">
+                <a16:creationId xmlns:a16="http://schemas.microsoft.com/office/drawing/2014/main" id="{905D0454-D7BE-FFE7-9A25-C75728B28930}"/>
+              </a:ext>
+            </a:extLst>
+          </p:cNvPr>
+          <p:cNvSpPr>
+            <a:spLocks noGrp="1"/>
+          </p:cNvSpPr>
+          <p:nvPr>
+            <p:ph type="ftr" sz="quarter" idx="11"/>
+          </p:nvPr>
+        </p:nvSpPr>
+        <p:spPr>
+          <a:xfrm>
+            <a:off x="4038600" y="6356350"/>
+            <a:ext cx="4114800" cy="365125"/>
+          </a:xfrm>
+        </p:spPr>
+        <p:txBody>
+          <a:bodyPr>
+            <a:normAutofit/>
+          </a:bodyPr>
+          <a:lstStyle/>
+          <a:p>
+            <a:pPr>
+              <a:spcAft>
+                <a:spcPts val="600"/>
+              </a:spcAft>
+            </a:pPr>
+            <a:r>
+              <a:rPr lang="it-IT"/>
+              <a:t>Davide Brambilla [1080752], Giorgio Passarella[1079287]</a:t>
+            </a:r>
+          </a:p>
+        </p:txBody>
+      </p:sp>
+    </p:spTree>
+    <p:extLst>
+      <p:ext uri="{BB962C8B-B14F-4D97-AF65-F5344CB8AC3E}">
+        <p14:creationId xmlns:p14="http://schemas.microsoft.com/office/powerpoint/2010/main" val="3480838"/>
       </p:ext>
     </p:extLst>
   </p:cSld>

--- a/cam.pptx
+++ b/cam.pptx
@@ -5,7 +5,7 @@
     <p:sldMasterId id="2147483648" r:id="rId1"/>
   </p:sldMasterIdLst>
   <p:notesMasterIdLst>
-    <p:notesMasterId r:id="rId21"/>
+    <p:notesMasterId r:id="rId30"/>
   </p:notesMasterIdLst>
   <p:sldIdLst>
     <p:sldId id="256" r:id="rId2"/>
@@ -27,6 +27,15 @@
     <p:sldId id="273" r:id="rId18"/>
     <p:sldId id="274" r:id="rId19"/>
     <p:sldId id="275" r:id="rId20"/>
+    <p:sldId id="277" r:id="rId21"/>
+    <p:sldId id="282" r:id="rId22"/>
+    <p:sldId id="280" r:id="rId23"/>
+    <p:sldId id="283" r:id="rId24"/>
+    <p:sldId id="286" r:id="rId25"/>
+    <p:sldId id="284" r:id="rId26"/>
+    <p:sldId id="287" r:id="rId27"/>
+    <p:sldId id="285" r:id="rId28"/>
+    <p:sldId id="288" r:id="rId29"/>
   </p:sldIdLst>
   <p:sldSz cx="12192000" cy="6858000"/>
   <p:notesSz cx="6858000" cy="9144000"/>
@@ -215,7 +224,7 @@
           <a:p>
             <a:fld id="{56A1F9FD-016A-4124-8D30-0380AF34A37C}" type="datetimeFigureOut">
               <a:rPr lang="it-IT" smtClean="0"/>
-              <a:t>07/07/2025</a:t>
+              <a:t>14/07/2025</a:t>
             </a:fld>
             <a:endParaRPr lang="it-IT"/>
           </a:p>
@@ -629,7 +638,7 @@
           <a:p>
             <a:fld id="{F804CF06-F6AA-4421-AC31-3DD167B981C6}" type="datetime1">
               <a:rPr lang="it-IT" smtClean="0"/>
-              <a:t>07/07/2025</a:t>
+              <a:t>14/07/2025</a:t>
             </a:fld>
             <a:endParaRPr lang="it-IT"/>
           </a:p>
@@ -830,7 +839,7 @@
           <a:p>
             <a:fld id="{3AC0856E-0EEC-4D9D-B3F3-0F60AC013038}" type="datetime1">
               <a:rPr lang="it-IT" smtClean="0"/>
-              <a:t>07/07/2025</a:t>
+              <a:t>14/07/2025</a:t>
             </a:fld>
             <a:endParaRPr lang="it-IT"/>
           </a:p>
@@ -1041,7 +1050,7 @@
           <a:p>
             <a:fld id="{31FBD0A2-0152-4121-A372-5FF90CF4435C}" type="datetime1">
               <a:rPr lang="it-IT" smtClean="0"/>
-              <a:t>07/07/2025</a:t>
+              <a:t>14/07/2025</a:t>
             </a:fld>
             <a:endParaRPr lang="it-IT"/>
           </a:p>
@@ -1242,7 +1251,7 @@
           <a:p>
             <a:fld id="{1C766833-17E6-48D3-9220-DDB953048839}" type="datetime1">
               <a:rPr lang="it-IT" smtClean="0"/>
-              <a:t>07/07/2025</a:t>
+              <a:t>14/07/2025</a:t>
             </a:fld>
             <a:endParaRPr lang="it-IT"/>
           </a:p>
@@ -1520,7 +1529,7 @@
           <a:p>
             <a:fld id="{469C5ADA-E8F5-431F-84DA-235CA7F5C00B}" type="datetime1">
               <a:rPr lang="it-IT" smtClean="0"/>
-              <a:t>07/07/2025</a:t>
+              <a:t>14/07/2025</a:t>
             </a:fld>
             <a:endParaRPr lang="it-IT"/>
           </a:p>
@@ -1788,7 +1797,7 @@
           <a:p>
             <a:fld id="{A1AA3935-594E-4276-85A8-E7A26E6E2775}" type="datetime1">
               <a:rPr lang="it-IT" smtClean="0"/>
-              <a:t>07/07/2025</a:t>
+              <a:t>14/07/2025</a:t>
             </a:fld>
             <a:endParaRPr lang="it-IT"/>
           </a:p>
@@ -2203,7 +2212,7 @@
           <a:p>
             <a:fld id="{982D92E5-5262-4086-8D05-3F8DB806C94C}" type="datetime1">
               <a:rPr lang="it-IT" smtClean="0"/>
-              <a:t>07/07/2025</a:t>
+              <a:t>14/07/2025</a:t>
             </a:fld>
             <a:endParaRPr lang="it-IT"/>
           </a:p>
@@ -2347,7 +2356,7 @@
           <a:p>
             <a:fld id="{00BC9BF5-FDCD-4A4E-8285-15B626CF0A1C}" type="datetime1">
               <a:rPr lang="it-IT" smtClean="0"/>
-              <a:t>07/07/2025</a:t>
+              <a:t>14/07/2025</a:t>
             </a:fld>
             <a:endParaRPr lang="it-IT"/>
           </a:p>
@@ -2463,7 +2472,7 @@
           <a:p>
             <a:fld id="{3C91FFCA-9EDB-4E57-A3C0-4622103A86AF}" type="datetime1">
               <a:rPr lang="it-IT" smtClean="0"/>
-              <a:t>07/07/2025</a:t>
+              <a:t>14/07/2025</a:t>
             </a:fld>
             <a:endParaRPr lang="it-IT"/>
           </a:p>
@@ -2777,7 +2786,7 @@
           <a:p>
             <a:fld id="{BA1124F2-45D5-40AD-B547-4419BD233EA8}" type="datetime1">
               <a:rPr lang="it-IT" smtClean="0"/>
-              <a:t>07/07/2025</a:t>
+              <a:t>14/07/2025</a:t>
             </a:fld>
             <a:endParaRPr lang="it-IT"/>
           </a:p>
@@ -3068,7 +3077,7 @@
           <a:p>
             <a:fld id="{C75E478A-11ED-433A-926B-EB237C1401CE}" type="datetime1">
               <a:rPr lang="it-IT" smtClean="0"/>
-              <a:t>07/07/2025</a:t>
+              <a:t>14/07/2025</a:t>
             </a:fld>
             <a:endParaRPr lang="it-IT"/>
           </a:p>
@@ -3312,7 +3321,7 @@
           <a:p>
             <a:fld id="{3227FB25-0A6E-4247-90E3-2D54F40238BD}" type="datetime1">
               <a:rPr lang="it-IT" smtClean="0"/>
-              <a:t>07/07/2025</a:t>
+              <a:t>14/07/2025</a:t>
             </a:fld>
             <a:endParaRPr lang="it-IT"/>
           </a:p>
@@ -13854,6 +13863,6355 @@
     <p:extLst>
       <p:ext uri="{BB962C8B-B14F-4D97-AF65-F5344CB8AC3E}">
         <p14:creationId xmlns:p14="http://schemas.microsoft.com/office/powerpoint/2010/main" val="2836840443"/>
+      </p:ext>
+    </p:extLst>
+  </p:cSld>
+  <p:clrMapOvr>
+    <a:masterClrMapping/>
+  </p:clrMapOvr>
+</p:sld>
+</file>
+
+<file path=ppt/slides/slide20.xml><?xml version="1.0" encoding="utf-8"?>
+<p:sld xmlns:a="http://schemas.openxmlformats.org/drawingml/2006/main" xmlns:r="http://schemas.openxmlformats.org/officeDocument/2006/relationships" xmlns:p="http://schemas.openxmlformats.org/presentationml/2006/main">
+  <p:cSld>
+    <p:spTree>
+      <p:nvGrpSpPr>
+        <p:cNvPr id="1" name="">
+          <a:extLst>
+            <a:ext uri="{FF2B5EF4-FFF2-40B4-BE49-F238E27FC236}">
+              <a16:creationId xmlns:a16="http://schemas.microsoft.com/office/drawing/2014/main" id="{40DC4461-1B3C-409A-1153-B9B1D80D6071}"/>
+            </a:ext>
+          </a:extLst>
+        </p:cNvPr>
+        <p:cNvGrpSpPr/>
+        <p:nvPr/>
+      </p:nvGrpSpPr>
+      <p:grpSpPr>
+        <a:xfrm>
+          <a:off x="0" y="0"/>
+          <a:ext cx="0" cy="0"/>
+          <a:chOff x="0" y="0"/>
+          <a:chExt cx="0" cy="0"/>
+        </a:xfrm>
+      </p:grpSpPr>
+      <p:sp>
+        <p:nvSpPr>
+          <p:cNvPr id="2" name="Titolo 1">
+            <a:extLst>
+              <a:ext uri="{FF2B5EF4-FFF2-40B4-BE49-F238E27FC236}">
+                <a16:creationId xmlns:a16="http://schemas.microsoft.com/office/drawing/2014/main" id="{0F160D28-6FC0-DEFB-A09F-25039B632E4E}"/>
+              </a:ext>
+            </a:extLst>
+          </p:cNvPr>
+          <p:cNvSpPr>
+            <a:spLocks noGrp="1"/>
+          </p:cNvSpPr>
+          <p:nvPr>
+            <p:ph type="title"/>
+          </p:nvPr>
+        </p:nvSpPr>
+        <p:spPr/>
+        <p:txBody>
+          <a:bodyPr/>
+          <a:lstStyle/>
+          <a:p>
+            <a:r>
+              <a:rPr lang="it-IT" dirty="0"/>
+              <a:t>Vincolo terminale di uguaglianza</a:t>
+            </a:r>
+          </a:p>
+        </p:txBody>
+      </p:sp>
+      <p:sp>
+        <p:nvSpPr>
+          <p:cNvPr id="3" name="Segnaposto contenuto 2">
+            <a:extLst>
+              <a:ext uri="{FF2B5EF4-FFF2-40B4-BE49-F238E27FC236}">
+                <a16:creationId xmlns:a16="http://schemas.microsoft.com/office/drawing/2014/main" id="{FF837049-11F1-2DD3-C0F3-2D72863B35EB}"/>
+              </a:ext>
+            </a:extLst>
+          </p:cNvPr>
+          <p:cNvSpPr>
+            <a:spLocks noGrp="1"/>
+          </p:cNvSpPr>
+          <p:nvPr>
+            <p:ph idx="1"/>
+          </p:nvPr>
+        </p:nvSpPr>
+        <p:spPr>
+          <a:xfrm>
+            <a:off x="838200" y="1825625"/>
+            <a:ext cx="9898626" cy="3178994"/>
+          </a:xfrm>
+        </p:spPr>
+        <p:txBody>
+          <a:bodyPr>
+            <a:normAutofit/>
+          </a:bodyPr>
+          <a:lstStyle/>
+          <a:p>
+            <a:pPr marL="0" indent="0" algn="just">
+              <a:buNone/>
+            </a:pPr>
+            <a:r>
+              <a:rPr lang="it-IT" sz="2400" dirty="0"/>
+              <a:t>Il vincolo terminale di uguaglianza prevede di imporre che lo stato predetto all’ultimo istante dell’orizzonte x(N) sia esattamente uguale a un valore prefissato.</a:t>
+            </a:r>
+          </a:p>
+          <a:p>
+            <a:pPr marL="0" indent="0" algn="just">
+              <a:buNone/>
+            </a:pPr>
+            <a:r>
+              <a:rPr lang="it-IT" sz="2400" dirty="0"/>
+              <a:t>Nel caso da noi implementato, si è scelto di imporre il vincolo terminale di uguaglianza nella forma x(N) = 0.</a:t>
+            </a:r>
+          </a:p>
+          <a:p>
+            <a:pPr marL="0" indent="0" algn="just">
+              <a:buNone/>
+            </a:pPr>
+            <a:r>
+              <a:rPr lang="it-IT" sz="2400" dirty="0"/>
+              <a:t>Questa scelta è giustificata dal fatto che il sistema è stato linearizzato e traslato attorno al </a:t>
+            </a:r>
+            <a:r>
+              <a:rPr lang="it-IT" sz="2400" dirty="0" err="1"/>
+              <a:t>setpoint</a:t>
+            </a:r>
+            <a:r>
+              <a:rPr lang="it-IT" sz="2400" dirty="0"/>
+              <a:t> desiderato.</a:t>
+            </a:r>
+          </a:p>
+        </p:txBody>
+      </p:sp>
+      <p:sp>
+        <p:nvSpPr>
+          <p:cNvPr id="4" name="Segnaposto piè di pagina 3">
+            <a:extLst>
+              <a:ext uri="{FF2B5EF4-FFF2-40B4-BE49-F238E27FC236}">
+                <a16:creationId xmlns:a16="http://schemas.microsoft.com/office/drawing/2014/main" id="{CB0C542E-A69A-843F-D3D8-5ED9DB31467E}"/>
+              </a:ext>
+            </a:extLst>
+          </p:cNvPr>
+          <p:cNvSpPr>
+            <a:spLocks noGrp="1"/>
+          </p:cNvSpPr>
+          <p:nvPr>
+            <p:ph type="ftr" sz="quarter" idx="11"/>
+          </p:nvPr>
+        </p:nvSpPr>
+        <p:spPr/>
+        <p:txBody>
+          <a:bodyPr/>
+          <a:lstStyle/>
+          <a:p>
+            <a:r>
+              <a:rPr lang="it-IT"/>
+              <a:t>Davide Brambilla [1080752], Giorgio Passarella[1079287]</a:t>
+            </a:r>
+          </a:p>
+        </p:txBody>
+      </p:sp>
+    </p:spTree>
+    <p:extLst>
+      <p:ext uri="{BB962C8B-B14F-4D97-AF65-F5344CB8AC3E}">
+        <p14:creationId xmlns:p14="http://schemas.microsoft.com/office/powerpoint/2010/main" val="610666130"/>
+      </p:ext>
+    </p:extLst>
+  </p:cSld>
+  <p:clrMapOvr>
+    <a:masterClrMapping/>
+  </p:clrMapOvr>
+</p:sld>
+</file>
+
+<file path=ppt/slides/slide21.xml><?xml version="1.0" encoding="utf-8"?>
+<p:sld xmlns:a="http://schemas.openxmlformats.org/drawingml/2006/main" xmlns:r="http://schemas.openxmlformats.org/officeDocument/2006/relationships" xmlns:p="http://schemas.openxmlformats.org/presentationml/2006/main">
+  <p:cSld>
+    <p:spTree>
+      <p:nvGrpSpPr>
+        <p:cNvPr id="1" name="">
+          <a:extLst>
+            <a:ext uri="{FF2B5EF4-FFF2-40B4-BE49-F238E27FC236}">
+              <a16:creationId xmlns:a16="http://schemas.microsoft.com/office/drawing/2014/main" id="{42701673-0907-7301-C06D-E5BF7DA90F54}"/>
+            </a:ext>
+          </a:extLst>
+        </p:cNvPr>
+        <p:cNvGrpSpPr/>
+        <p:nvPr/>
+      </p:nvGrpSpPr>
+      <p:grpSpPr>
+        <a:xfrm>
+          <a:off x="0" y="0"/>
+          <a:ext cx="0" cy="0"/>
+          <a:chOff x="0" y="0"/>
+          <a:chExt cx="0" cy="0"/>
+        </a:xfrm>
+      </p:grpSpPr>
+      <p:sp>
+        <p:nvSpPr>
+          <p:cNvPr id="2" name="Titolo 1">
+            <a:extLst>
+              <a:ext uri="{FF2B5EF4-FFF2-40B4-BE49-F238E27FC236}">
+                <a16:creationId xmlns:a16="http://schemas.microsoft.com/office/drawing/2014/main" id="{AC648629-6E52-68B1-516C-8340F5427C0C}"/>
+              </a:ext>
+            </a:extLst>
+          </p:cNvPr>
+          <p:cNvSpPr>
+            <a:spLocks noGrp="1"/>
+          </p:cNvSpPr>
+          <p:nvPr>
+            <p:ph type="title"/>
+          </p:nvPr>
+        </p:nvSpPr>
+        <p:spPr/>
+        <p:txBody>
+          <a:bodyPr/>
+          <a:lstStyle/>
+          <a:p>
+            <a:r>
+              <a:rPr lang="it-IT" dirty="0"/>
+              <a:t>Fasi di progettazione MPC</a:t>
+            </a:r>
+          </a:p>
+        </p:txBody>
+      </p:sp>
+      <p:sp>
+        <p:nvSpPr>
+          <p:cNvPr id="3" name="Segnaposto contenuto 2">
+            <a:extLst>
+              <a:ext uri="{FF2B5EF4-FFF2-40B4-BE49-F238E27FC236}">
+                <a16:creationId xmlns:a16="http://schemas.microsoft.com/office/drawing/2014/main" id="{F06ED615-7354-5F0B-A7DD-1A6F7FFFF76F}"/>
+              </a:ext>
+            </a:extLst>
+          </p:cNvPr>
+          <p:cNvSpPr>
+            <a:spLocks noGrp="1"/>
+          </p:cNvSpPr>
+          <p:nvPr>
+            <p:ph idx="1"/>
+          </p:nvPr>
+        </p:nvSpPr>
+        <p:spPr>
+          <a:xfrm>
+            <a:off x="838200" y="1825625"/>
+            <a:ext cx="9898626" cy="4278842"/>
+          </a:xfrm>
+        </p:spPr>
+        <p:txBody>
+          <a:bodyPr>
+            <a:normAutofit fontScale="70000" lnSpcReduction="20000"/>
+          </a:bodyPr>
+          <a:lstStyle/>
+          <a:p>
+            <a:pPr marL="0" indent="0" algn="just">
+              <a:lnSpc>
+                <a:spcPct val="120000"/>
+              </a:lnSpc>
+              <a:buNone/>
+            </a:pPr>
+            <a:r>
+              <a:rPr lang="it-IT" sz="2300" dirty="0"/>
+              <a:t>Per risolvere il problema di regolazione dello stato del sistema nel punto di riferimento mediante un controllore MPC, si è seguito il seguente approccio:</a:t>
+            </a:r>
+          </a:p>
+          <a:p>
+            <a:pPr algn="just">
+              <a:lnSpc>
+                <a:spcPct val="120000"/>
+              </a:lnSpc>
+            </a:pPr>
+            <a:r>
+              <a:rPr lang="it-IT" sz="2300" dirty="0"/>
+              <a:t>È stato definito un tempo di campionamento </a:t>
+            </a:r>
+            <a:r>
+              <a:rPr lang="it-IT" sz="2300" dirty="0" err="1"/>
+              <a:t>Ts</a:t>
+            </a:r>
+            <a:r>
+              <a:rPr lang="it-IT" sz="2300" dirty="0"/>
+              <a:t>.</a:t>
+            </a:r>
+          </a:p>
+          <a:p>
+            <a:pPr algn="just">
+              <a:lnSpc>
+                <a:spcPct val="120000"/>
+              </a:lnSpc>
+            </a:pPr>
+            <a:r>
+              <a:rPr lang="it-IT" sz="2300" dirty="0"/>
+              <a:t>È stato richiamato il modello dei serbatoi interconnessi, descritto in precedenza.</a:t>
+            </a:r>
+          </a:p>
+          <a:p>
+            <a:pPr algn="just">
+              <a:lnSpc>
+                <a:spcPct val="120000"/>
+              </a:lnSpc>
+            </a:pPr>
+            <a:r>
+              <a:rPr lang="it-IT" sz="2300" dirty="0"/>
+              <a:t>Sono state definite le matrici di costo Q e R, che pesano rispettivamente gli stati e gli ingressi nel criterio di ottimizzazione.</a:t>
+            </a:r>
+          </a:p>
+          <a:p>
+            <a:pPr algn="just">
+              <a:lnSpc>
+                <a:spcPct val="120000"/>
+              </a:lnSpc>
+            </a:pPr>
+            <a:r>
+              <a:rPr lang="it-IT" sz="2300" dirty="0"/>
+              <a:t>È stato scelto l’</a:t>
+            </a:r>
+            <a:r>
+              <a:rPr lang="it-IT" sz="2300" dirty="0" err="1"/>
+              <a:t>orizzionte</a:t>
+            </a:r>
+            <a:r>
+              <a:rPr lang="it-IT" sz="2300" dirty="0"/>
+              <a:t> predittivo N, ovvero il numero di passi futuri che il controllore considera per:</a:t>
+            </a:r>
+          </a:p>
+          <a:p>
+            <a:pPr lvl="1" algn="just">
+              <a:lnSpc>
+                <a:spcPct val="120000"/>
+              </a:lnSpc>
+              <a:buFont typeface="Wingdings" panose="05000000000000000000" pitchFamily="2" charset="2"/>
+              <a:buChar char="§"/>
+            </a:pPr>
+            <a:r>
+              <a:rPr lang="it-IT" sz="2300" dirty="0"/>
+              <a:t>Minimizzare la funzione di costo.</a:t>
+            </a:r>
+          </a:p>
+          <a:p>
+            <a:pPr lvl="1" algn="just">
+              <a:lnSpc>
+                <a:spcPct val="120000"/>
+              </a:lnSpc>
+              <a:buFont typeface="Wingdings" panose="05000000000000000000" pitchFamily="2" charset="2"/>
+              <a:buChar char="§"/>
+            </a:pPr>
+            <a:r>
+              <a:rPr lang="it-IT" sz="2300" dirty="0"/>
+              <a:t>Applicare i vincoli su stato e ingresso</a:t>
+            </a:r>
+          </a:p>
+          <a:p>
+            <a:pPr lvl="1" algn="just">
+              <a:lnSpc>
+                <a:spcPct val="120000"/>
+              </a:lnSpc>
+              <a:buFont typeface="Wingdings" panose="05000000000000000000" pitchFamily="2" charset="2"/>
+              <a:buChar char="§"/>
+            </a:pPr>
+            <a:r>
+              <a:rPr lang="it-IT" sz="2300" dirty="0"/>
+              <a:t>Imporre il vincolo terminale sullo stato x(N).</a:t>
+            </a:r>
+          </a:p>
+          <a:p>
+            <a:pPr algn="just">
+              <a:lnSpc>
+                <a:spcPct val="120000"/>
+              </a:lnSpc>
+            </a:pPr>
+            <a:r>
+              <a:rPr lang="it-IT" sz="2300" dirty="0"/>
+              <a:t>È stata implementata la funzione </a:t>
+            </a:r>
+            <a:r>
+              <a:rPr lang="it-IT" sz="2300" dirty="0" err="1"/>
+              <a:t>MPC_uguaglianza</a:t>
+            </a:r>
+            <a:r>
+              <a:rPr lang="it-IT" sz="2300" dirty="0"/>
+              <a:t> che restituisce una struttura </a:t>
+            </a:r>
+            <a:r>
+              <a:rPr lang="it-IT" sz="2300" dirty="0" err="1"/>
+              <a:t>mpc</a:t>
+            </a:r>
+            <a:r>
+              <a:rPr lang="it-IT" sz="2300" dirty="0"/>
+              <a:t> contenente tutte le matrici </a:t>
+            </a:r>
+            <a:r>
+              <a:rPr lang="it-IT" sz="2300" dirty="0" err="1"/>
+              <a:t>necessatie</a:t>
+            </a:r>
+            <a:r>
+              <a:rPr lang="it-IT" sz="2300" dirty="0"/>
+              <a:t> per formulare e risolvere il problema di programmazione </a:t>
+            </a:r>
+            <a:r>
+              <a:rPr lang="it-IT" sz="2300" dirty="0" err="1"/>
+              <a:t>quadratuca</a:t>
+            </a:r>
+            <a:r>
+              <a:rPr lang="it-IT" sz="2300" dirty="0"/>
+              <a:t> (QP) a </a:t>
+            </a:r>
+            <a:r>
+              <a:rPr lang="it-IT" sz="2300" dirty="0" err="1"/>
+              <a:t>runtime</a:t>
+            </a:r>
+            <a:r>
+              <a:rPr lang="it-IT" sz="2300" dirty="0"/>
+              <a:t>.</a:t>
+            </a:r>
+          </a:p>
+          <a:p>
+            <a:pPr marL="457200" lvl="1" indent="0" algn="just">
+              <a:buNone/>
+            </a:pPr>
+            <a:endParaRPr lang="it-IT" sz="2000" dirty="0"/>
+          </a:p>
+          <a:p>
+            <a:pPr marL="0" indent="0" algn="just">
+              <a:buNone/>
+            </a:pPr>
+            <a:endParaRPr lang="it-IT" sz="2400" dirty="0"/>
+          </a:p>
+          <a:p>
+            <a:pPr algn="just"/>
+            <a:endParaRPr lang="it-IT" sz="2400" dirty="0"/>
+          </a:p>
+        </p:txBody>
+      </p:sp>
+      <p:sp>
+        <p:nvSpPr>
+          <p:cNvPr id="4" name="Segnaposto piè di pagina 3">
+            <a:extLst>
+              <a:ext uri="{FF2B5EF4-FFF2-40B4-BE49-F238E27FC236}">
+                <a16:creationId xmlns:a16="http://schemas.microsoft.com/office/drawing/2014/main" id="{364BF1A2-B01B-72B6-7CC3-1976A12BF4F9}"/>
+              </a:ext>
+            </a:extLst>
+          </p:cNvPr>
+          <p:cNvSpPr>
+            <a:spLocks noGrp="1"/>
+          </p:cNvSpPr>
+          <p:nvPr>
+            <p:ph type="ftr" sz="quarter" idx="11"/>
+          </p:nvPr>
+        </p:nvSpPr>
+        <p:spPr/>
+        <p:txBody>
+          <a:bodyPr/>
+          <a:lstStyle/>
+          <a:p>
+            <a:r>
+              <a:rPr lang="it-IT"/>
+              <a:t>Davide Brambilla [1080752], Giorgio Passarella[1079287]</a:t>
+            </a:r>
+          </a:p>
+        </p:txBody>
+      </p:sp>
+    </p:spTree>
+    <p:extLst>
+      <p:ext uri="{BB962C8B-B14F-4D97-AF65-F5344CB8AC3E}">
+        <p14:creationId xmlns:p14="http://schemas.microsoft.com/office/powerpoint/2010/main" val="2947841665"/>
+      </p:ext>
+    </p:extLst>
+  </p:cSld>
+  <p:clrMapOvr>
+    <a:masterClrMapping/>
+  </p:clrMapOvr>
+</p:sld>
+</file>
+
+<file path=ppt/slides/slide22.xml><?xml version="1.0" encoding="utf-8"?>
+<p:sld xmlns:a="http://schemas.openxmlformats.org/drawingml/2006/main" xmlns:r="http://schemas.openxmlformats.org/officeDocument/2006/relationships" xmlns:p="http://schemas.openxmlformats.org/presentationml/2006/main">
+  <p:cSld>
+    <p:bg>
+      <p:bgPr>
+        <a:solidFill>
+          <a:schemeClr val="bg1"/>
+        </a:solidFill>
+        <a:effectLst/>
+      </p:bgPr>
+    </p:bg>
+    <p:spTree>
+      <p:nvGrpSpPr>
+        <p:cNvPr id="1" name="">
+          <a:extLst>
+            <a:ext uri="{FF2B5EF4-FFF2-40B4-BE49-F238E27FC236}">
+              <a16:creationId xmlns:a16="http://schemas.microsoft.com/office/drawing/2014/main" id="{FD7369B7-380E-798F-9096-99C3FFC9734A}"/>
+            </a:ext>
+          </a:extLst>
+        </p:cNvPr>
+        <p:cNvGrpSpPr/>
+        <p:nvPr/>
+      </p:nvGrpSpPr>
+      <p:grpSpPr>
+        <a:xfrm>
+          <a:off x="0" y="0"/>
+          <a:ext cx="0" cy="0"/>
+          <a:chOff x="0" y="0"/>
+          <a:chExt cx="0" cy="0"/>
+        </a:xfrm>
+      </p:grpSpPr>
+      <p:sp useBgFill="1">
+        <p:nvSpPr>
+          <p:cNvPr id="12" name="Rectangle 11">
+            <a:extLst>
+              <a:ext uri="{FF2B5EF4-FFF2-40B4-BE49-F238E27FC236}">
+                <a16:creationId xmlns:a16="http://schemas.microsoft.com/office/drawing/2014/main" id="{8F1E7199-28E4-A31C-74E2-2FED8E96CAD9}"/>
+              </a:ext>
+              <a:ext uri="{C183D7F6-B498-43B3-948B-1728B52AA6E4}">
+                <adec:decorative xmlns:adec="http://schemas.microsoft.com/office/drawing/2017/decorative" val="1"/>
+              </a:ext>
+            </a:extLst>
+          </p:cNvPr>
+          <p:cNvSpPr>
+            <a:spLocks noGrp="1" noRot="1" noChangeAspect="1" noMove="1" noResize="1" noEditPoints="1" noAdjustHandles="1" noChangeArrowheads="1" noChangeShapeType="1" noTextEdit="1"/>
+          </p:cNvSpPr>
+          <p:nvPr>
+            <p:extLst>
+              <p:ext uri="{386F3935-93C4-4BCD-93E2-E3B085C9AB24}">
+                <p16:designElem xmlns:p16="http://schemas.microsoft.com/office/powerpoint/2015/main" val="1"/>
+              </p:ext>
+            </p:extLst>
+          </p:nvPr>
+        </p:nvSpPr>
+        <p:spPr>
+          <a:xfrm>
+            <a:off x="0" y="0"/>
+            <a:ext cx="12192000" cy="6858000"/>
+          </a:xfrm>
+          <a:prstGeom prst="rect">
+            <a:avLst/>
+          </a:prstGeom>
+          <a:ln>
+            <a:noFill/>
+          </a:ln>
+        </p:spPr>
+        <p:style>
+          <a:lnRef idx="2">
+            <a:schemeClr val="accent1">
+              <a:shade val="50000"/>
+            </a:schemeClr>
+          </a:lnRef>
+          <a:fillRef idx="1">
+            <a:schemeClr val="accent1"/>
+          </a:fillRef>
+          <a:effectRef idx="0">
+            <a:schemeClr val="accent1"/>
+          </a:effectRef>
+          <a:fontRef idx="minor">
+            <a:schemeClr val="lt1"/>
+          </a:fontRef>
+        </p:style>
+        <p:txBody>
+          <a:bodyPr rtlCol="0" anchor="ctr"/>
+          <a:lstStyle/>
+          <a:p>
+            <a:pPr algn="ctr"/>
+            <a:endParaRPr lang="en-US"/>
+          </a:p>
+        </p:txBody>
+      </p:sp>
+      <p:sp>
+        <p:nvSpPr>
+          <p:cNvPr id="2" name="Titolo 1">
+            <a:extLst>
+              <a:ext uri="{FF2B5EF4-FFF2-40B4-BE49-F238E27FC236}">
+                <a16:creationId xmlns:a16="http://schemas.microsoft.com/office/drawing/2014/main" id="{E2FAB670-BA4E-366B-7CC8-3AC6E4F8B2E3}"/>
+              </a:ext>
+            </a:extLst>
+          </p:cNvPr>
+          <p:cNvSpPr>
+            <a:spLocks noGrp="1"/>
+          </p:cNvSpPr>
+          <p:nvPr>
+            <p:ph type="title"/>
+          </p:nvPr>
+        </p:nvSpPr>
+        <p:spPr>
+          <a:xfrm>
+            <a:off x="630936" y="640080"/>
+            <a:ext cx="4818888" cy="1481328"/>
+          </a:xfrm>
+        </p:spPr>
+        <p:txBody>
+          <a:bodyPr anchor="b">
+            <a:normAutofit/>
+          </a:bodyPr>
+          <a:lstStyle/>
+          <a:p>
+            <a:r>
+              <a:rPr lang="it-IT" sz="5000" dirty="0"/>
+              <a:t>Model </a:t>
+            </a:r>
+            <a:r>
+              <a:rPr lang="it-IT" sz="5000" dirty="0" err="1"/>
+              <a:t>Predictive</a:t>
+            </a:r>
+            <a:r>
+              <a:rPr lang="it-IT" sz="5000" dirty="0"/>
+              <a:t> Control (</a:t>
+            </a:r>
+            <a:r>
+              <a:rPr lang="it-IT" sz="5000" dirty="0" err="1"/>
+              <a:t>mpc</a:t>
+            </a:r>
+            <a:r>
+              <a:rPr lang="it-IT" sz="5000" dirty="0"/>
+              <a:t>)</a:t>
+            </a:r>
+          </a:p>
+        </p:txBody>
+      </p:sp>
+      <p:sp>
+        <p:nvSpPr>
+          <p:cNvPr id="14" name="sketch line">
+            <a:extLst>
+              <a:ext uri="{FF2B5EF4-FFF2-40B4-BE49-F238E27FC236}">
+                <a16:creationId xmlns:a16="http://schemas.microsoft.com/office/drawing/2014/main" id="{88DC0AC0-C9C4-94D1-DB4E-361DDEFB856B}"/>
+              </a:ext>
+              <a:ext uri="{C183D7F6-B498-43B3-948B-1728B52AA6E4}">
+                <adec:decorative xmlns:adec="http://schemas.microsoft.com/office/drawing/2017/decorative" val="1"/>
+              </a:ext>
+            </a:extLst>
+          </p:cNvPr>
+          <p:cNvSpPr>
+            <a:spLocks noGrp="1" noRot="1" noChangeAspect="1" noMove="1" noResize="1" noEditPoints="1" noAdjustHandles="1" noChangeArrowheads="1" noChangeShapeType="1" noTextEdit="1"/>
+          </p:cNvSpPr>
+          <p:nvPr>
+            <p:extLst>
+              <p:ext uri="{386F3935-93C4-4BCD-93E2-E3B085C9AB24}">
+                <p16:designElem xmlns:p16="http://schemas.microsoft.com/office/powerpoint/2015/main" val="1"/>
+              </p:ext>
+            </p:extLst>
+          </p:nvPr>
+        </p:nvSpPr>
+        <p:spPr>
+          <a:xfrm>
+            <a:off x="643278" y="2372868"/>
+            <a:ext cx="3255095" cy="18288"/>
+          </a:xfrm>
+          <a:custGeom>
+            <a:avLst/>
+            <a:gdLst>
+              <a:gd name="connsiteX0" fmla="*/ 0 w 3255095"/>
+              <a:gd name="connsiteY0" fmla="*/ 0 h 18288"/>
+              <a:gd name="connsiteX1" fmla="*/ 618468 w 3255095"/>
+              <a:gd name="connsiteY1" fmla="*/ 0 h 18288"/>
+              <a:gd name="connsiteX2" fmla="*/ 1269487 w 3255095"/>
+              <a:gd name="connsiteY2" fmla="*/ 0 h 18288"/>
+              <a:gd name="connsiteX3" fmla="*/ 1953057 w 3255095"/>
+              <a:gd name="connsiteY3" fmla="*/ 0 h 18288"/>
+              <a:gd name="connsiteX4" fmla="*/ 2636627 w 3255095"/>
+              <a:gd name="connsiteY4" fmla="*/ 0 h 18288"/>
+              <a:gd name="connsiteX5" fmla="*/ 3255095 w 3255095"/>
+              <a:gd name="connsiteY5" fmla="*/ 0 h 18288"/>
+              <a:gd name="connsiteX6" fmla="*/ 3255095 w 3255095"/>
+              <a:gd name="connsiteY6" fmla="*/ 18288 h 18288"/>
+              <a:gd name="connsiteX7" fmla="*/ 2538974 w 3255095"/>
+              <a:gd name="connsiteY7" fmla="*/ 18288 h 18288"/>
+              <a:gd name="connsiteX8" fmla="*/ 1822853 w 3255095"/>
+              <a:gd name="connsiteY8" fmla="*/ 18288 h 18288"/>
+              <a:gd name="connsiteX9" fmla="*/ 1171834 w 3255095"/>
+              <a:gd name="connsiteY9" fmla="*/ 18288 h 18288"/>
+              <a:gd name="connsiteX10" fmla="*/ 0 w 3255095"/>
+              <a:gd name="connsiteY10" fmla="*/ 18288 h 18288"/>
+              <a:gd name="connsiteX11" fmla="*/ 0 w 3255095"/>
+              <a:gd name="connsiteY11" fmla="*/ 0 h 18288"/>
+            </a:gdLst>
+            <a:ahLst/>
+            <a:cxnLst>
+              <a:cxn ang="0">
+                <a:pos x="connsiteX0" y="connsiteY0"/>
+              </a:cxn>
+              <a:cxn ang="0">
+                <a:pos x="connsiteX1" y="connsiteY1"/>
+              </a:cxn>
+              <a:cxn ang="0">
+                <a:pos x="connsiteX2" y="connsiteY2"/>
+              </a:cxn>
+              <a:cxn ang="0">
+                <a:pos x="connsiteX3" y="connsiteY3"/>
+              </a:cxn>
+              <a:cxn ang="0">
+                <a:pos x="connsiteX4" y="connsiteY4"/>
+              </a:cxn>
+              <a:cxn ang="0">
+                <a:pos x="connsiteX5" y="connsiteY5"/>
+              </a:cxn>
+              <a:cxn ang="0">
+                <a:pos x="connsiteX6" y="connsiteY6"/>
+              </a:cxn>
+              <a:cxn ang="0">
+                <a:pos x="connsiteX7" y="connsiteY7"/>
+              </a:cxn>
+              <a:cxn ang="0">
+                <a:pos x="connsiteX8" y="connsiteY8"/>
+              </a:cxn>
+              <a:cxn ang="0">
+                <a:pos x="connsiteX9" y="connsiteY9"/>
+              </a:cxn>
+              <a:cxn ang="0">
+                <a:pos x="connsiteX10" y="connsiteY10"/>
+              </a:cxn>
+              <a:cxn ang="0">
+                <a:pos x="connsiteX11" y="connsiteY11"/>
+              </a:cxn>
+            </a:cxnLst>
+            <a:rect l="l" t="t" r="r" b="b"/>
+            <a:pathLst>
+              <a:path w="3255095" h="18288" fill="none" extrusionOk="0">
+                <a:moveTo>
+                  <a:pt x="0" y="0"/>
+                </a:moveTo>
+                <a:cubicBezTo>
+                  <a:pt x="240201" y="-22123"/>
+                  <a:pt x="462021" y="-19623"/>
+                  <a:pt x="618468" y="0"/>
+                </a:cubicBezTo>
+                <a:cubicBezTo>
+                  <a:pt x="774915" y="19623"/>
+                  <a:pt x="974734" y="2035"/>
+                  <a:pt x="1269487" y="0"/>
+                </a:cubicBezTo>
+                <a:cubicBezTo>
+                  <a:pt x="1564240" y="-2035"/>
+                  <a:pt x="1733579" y="10639"/>
+                  <a:pt x="1953057" y="0"/>
+                </a:cubicBezTo>
+                <a:cubicBezTo>
+                  <a:pt x="2172535" y="-10639"/>
+                  <a:pt x="2453962" y="14018"/>
+                  <a:pt x="2636627" y="0"/>
+                </a:cubicBezTo>
+                <a:cubicBezTo>
+                  <a:pt x="2819292" y="-14018"/>
+                  <a:pt x="3121375" y="5399"/>
+                  <a:pt x="3255095" y="0"/>
+                </a:cubicBezTo>
+                <a:cubicBezTo>
+                  <a:pt x="3254386" y="8157"/>
+                  <a:pt x="3254682" y="12125"/>
+                  <a:pt x="3255095" y="18288"/>
+                </a:cubicBezTo>
+                <a:cubicBezTo>
+                  <a:pt x="3088545" y="23203"/>
+                  <a:pt x="2687475" y="7419"/>
+                  <a:pt x="2538974" y="18288"/>
+                </a:cubicBezTo>
+                <a:cubicBezTo>
+                  <a:pt x="2390473" y="29157"/>
+                  <a:pt x="2137381" y="-8959"/>
+                  <a:pt x="1822853" y="18288"/>
+                </a:cubicBezTo>
+                <a:cubicBezTo>
+                  <a:pt x="1508325" y="45535"/>
+                  <a:pt x="1466437" y="20385"/>
+                  <a:pt x="1171834" y="18288"/>
+                </a:cubicBezTo>
+                <a:cubicBezTo>
+                  <a:pt x="877231" y="16191"/>
+                  <a:pt x="561097" y="37643"/>
+                  <a:pt x="0" y="18288"/>
+                </a:cubicBezTo>
+                <a:cubicBezTo>
+                  <a:pt x="-46" y="12483"/>
+                  <a:pt x="-203" y="6491"/>
+                  <a:pt x="0" y="0"/>
+                </a:cubicBezTo>
+                <a:close/>
+              </a:path>
+              <a:path w="3255095" h="18288" stroke="0" extrusionOk="0">
+                <a:moveTo>
+                  <a:pt x="0" y="0"/>
+                </a:moveTo>
+                <a:cubicBezTo>
+                  <a:pt x="291965" y="19429"/>
+                  <a:pt x="363155" y="8568"/>
+                  <a:pt x="618468" y="0"/>
+                </a:cubicBezTo>
+                <a:cubicBezTo>
+                  <a:pt x="873781" y="-8568"/>
+                  <a:pt x="904459" y="-19505"/>
+                  <a:pt x="1171834" y="0"/>
+                </a:cubicBezTo>
+                <a:cubicBezTo>
+                  <a:pt x="1439209" y="19505"/>
+                  <a:pt x="1744369" y="9790"/>
+                  <a:pt x="1887955" y="0"/>
+                </a:cubicBezTo>
+                <a:cubicBezTo>
+                  <a:pt x="2031541" y="-9790"/>
+                  <a:pt x="2346378" y="21240"/>
+                  <a:pt x="2506423" y="0"/>
+                </a:cubicBezTo>
+                <a:cubicBezTo>
+                  <a:pt x="2666468" y="-21240"/>
+                  <a:pt x="2990257" y="30414"/>
+                  <a:pt x="3255095" y="0"/>
+                </a:cubicBezTo>
+                <a:cubicBezTo>
+                  <a:pt x="3254831" y="4493"/>
+                  <a:pt x="3255479" y="9472"/>
+                  <a:pt x="3255095" y="18288"/>
+                </a:cubicBezTo>
+                <a:cubicBezTo>
+                  <a:pt x="3120743" y="16690"/>
+                  <a:pt x="2759628" y="42462"/>
+                  <a:pt x="2604076" y="18288"/>
+                </a:cubicBezTo>
+                <a:cubicBezTo>
+                  <a:pt x="2448524" y="-5886"/>
+                  <a:pt x="2184336" y="19599"/>
+                  <a:pt x="1887955" y="18288"/>
+                </a:cubicBezTo>
+                <a:cubicBezTo>
+                  <a:pt x="1591574" y="16977"/>
+                  <a:pt x="1548845" y="6870"/>
+                  <a:pt x="1334589" y="18288"/>
+                </a:cubicBezTo>
+                <a:cubicBezTo>
+                  <a:pt x="1120333" y="29706"/>
+                  <a:pt x="996014" y="9662"/>
+                  <a:pt x="683570" y="18288"/>
+                </a:cubicBezTo>
+                <a:cubicBezTo>
+                  <a:pt x="371126" y="26914"/>
+                  <a:pt x="198687" y="16167"/>
+                  <a:pt x="0" y="18288"/>
+                </a:cubicBezTo>
+                <a:cubicBezTo>
+                  <a:pt x="843" y="9577"/>
+                  <a:pt x="371" y="6900"/>
+                  <a:pt x="0" y="0"/>
+                </a:cubicBezTo>
+                <a:close/>
+              </a:path>
+            </a:pathLst>
+          </a:custGeom>
+          <a:solidFill>
+            <a:schemeClr val="accent2"/>
+          </a:solidFill>
+          <a:ln w="38100" cap="rnd">
+            <a:solidFill>
+              <a:schemeClr val="accent2"/>
+            </a:solidFill>
+            <a:round/>
+            <a:extLst>
+              <a:ext uri="{C807C97D-BFC1-408E-A445-0C87EB9F89A2}">
+                <ask:lineSketchStyleProps xmlns:ask="http://schemas.microsoft.com/office/drawing/2018/sketchyshapes" sd="1219033472">
+                  <a:prstGeom prst="rect">
+                    <a:avLst/>
+                  </a:prstGeom>
+                  <ask:type>
+                    <ask:lineSketchFreehand/>
+                  </ask:type>
+                </ask:lineSketchStyleProps>
+              </a:ext>
+            </a:extLst>
+          </a:ln>
+        </p:spPr>
+        <p:style>
+          <a:lnRef idx="2">
+            <a:schemeClr val="accent1">
+              <a:shade val="50000"/>
+            </a:schemeClr>
+          </a:lnRef>
+          <a:fillRef idx="1">
+            <a:schemeClr val="accent1"/>
+          </a:fillRef>
+          <a:effectRef idx="0">
+            <a:schemeClr val="accent1"/>
+          </a:effectRef>
+          <a:fontRef idx="minor">
+            <a:schemeClr val="lt1"/>
+          </a:fontRef>
+        </p:style>
+        <p:txBody>
+          <a:bodyPr rtlCol="0" anchor="ctr"/>
+          <a:lstStyle/>
+          <a:p>
+            <a:pPr algn="ctr"/>
+            <a:endParaRPr lang="en-US"/>
+          </a:p>
+        </p:txBody>
+      </p:sp>
+      <p:sp>
+        <p:nvSpPr>
+          <p:cNvPr id="3" name="Segnaposto contenuto 2">
+            <a:extLst>
+              <a:ext uri="{FF2B5EF4-FFF2-40B4-BE49-F238E27FC236}">
+                <a16:creationId xmlns:a16="http://schemas.microsoft.com/office/drawing/2014/main" id="{607201DF-F748-4F6B-F7C6-A0D23914AE0E}"/>
+              </a:ext>
+            </a:extLst>
+          </p:cNvPr>
+          <p:cNvSpPr>
+            <a:spLocks noGrp="1"/>
+          </p:cNvSpPr>
+          <p:nvPr>
+            <p:ph idx="1"/>
+          </p:nvPr>
+        </p:nvSpPr>
+        <p:spPr>
+          <a:xfrm>
+            <a:off x="630936" y="2660904"/>
+            <a:ext cx="4818888" cy="3547872"/>
+          </a:xfrm>
+        </p:spPr>
+        <p:txBody>
+          <a:bodyPr anchor="t">
+            <a:normAutofit/>
+          </a:bodyPr>
+          <a:lstStyle/>
+          <a:p>
+            <a:pPr marL="0" lvl="0" indent="0" algn="just" eaLnBrk="0" fontAlgn="base" hangingPunct="0">
+              <a:spcBef>
+                <a:spcPct val="0"/>
+              </a:spcBef>
+              <a:spcAft>
+                <a:spcPts val="600"/>
+              </a:spcAft>
+              <a:buNone/>
+            </a:pPr>
+            <a:r>
+              <a:rPr lang="it-IT" altLang="it-IT" sz="1800" dirty="0"/>
+              <a:t>A differenza della funzione MPC realizzata in precedenza, che imponeva un vincolo terminale di disuguaglianza, in questo caso è stato adottato un vincolo terminale di uguaglianza, che forza lo stato finale a essere esattamente nullo (cioè a raggiungere il punto di riferimento nel sistema traslato):</a:t>
+            </a:r>
+          </a:p>
+        </p:txBody>
+      </p:sp>
+      <p:pic>
+        <p:nvPicPr>
+          <p:cNvPr id="7" name="Immagine 6">
+            <a:extLst>
+              <a:ext uri="{FF2B5EF4-FFF2-40B4-BE49-F238E27FC236}">
+                <a16:creationId xmlns:a16="http://schemas.microsoft.com/office/drawing/2014/main" id="{E05E6499-EF77-1720-3EE0-4DE387303661}"/>
+              </a:ext>
+            </a:extLst>
+          </p:cNvPr>
+          <p:cNvPicPr>
+            <a:picLocks noChangeAspect="1"/>
+          </p:cNvPicPr>
+          <p:nvPr/>
+        </p:nvPicPr>
+        <p:blipFill>
+          <a:blip r:embed="rId2">
+            <a:extLst>
+              <a:ext uri="{28A0092B-C50C-407E-A947-70E740481C1C}">
+                <a14:useLocalDpi xmlns:a14="http://schemas.microsoft.com/office/drawing/2010/main" val="0"/>
+              </a:ext>
+            </a:extLst>
+          </a:blip>
+          <a:srcRect/>
+          <a:stretch/>
+        </p:blipFill>
+        <p:spPr>
+          <a:xfrm>
+            <a:off x="6836408" y="120943"/>
+            <a:ext cx="4575661" cy="6293819"/>
+          </a:xfrm>
+          <a:prstGeom prst="rect">
+            <a:avLst/>
+          </a:prstGeom>
+        </p:spPr>
+      </p:pic>
+      <p:sp>
+        <p:nvSpPr>
+          <p:cNvPr id="4" name="Segnaposto piè di pagina 3">
+            <a:extLst>
+              <a:ext uri="{FF2B5EF4-FFF2-40B4-BE49-F238E27FC236}">
+                <a16:creationId xmlns:a16="http://schemas.microsoft.com/office/drawing/2014/main" id="{461414D1-5C8E-0F78-9DA1-631AB02627E9}"/>
+              </a:ext>
+            </a:extLst>
+          </p:cNvPr>
+          <p:cNvSpPr>
+            <a:spLocks noGrp="1"/>
+          </p:cNvSpPr>
+          <p:nvPr>
+            <p:ph type="ftr" sz="quarter" idx="11"/>
+          </p:nvPr>
+        </p:nvSpPr>
+        <p:spPr>
+          <a:xfrm>
+            <a:off x="4038600" y="6356350"/>
+            <a:ext cx="4114800" cy="365125"/>
+          </a:xfrm>
+        </p:spPr>
+        <p:txBody>
+          <a:bodyPr>
+            <a:normAutofit/>
+          </a:bodyPr>
+          <a:lstStyle/>
+          <a:p>
+            <a:pPr>
+              <a:spcAft>
+                <a:spcPts val="600"/>
+              </a:spcAft>
+            </a:pPr>
+            <a:r>
+              <a:rPr lang="it-IT"/>
+              <a:t>Davide Brambilla [1080752], Giorgio Passarella[1079287]</a:t>
+            </a:r>
+          </a:p>
+        </p:txBody>
+      </p:sp>
+      <p:pic>
+        <p:nvPicPr>
+          <p:cNvPr id="5" name="Immagine 4">
+            <a:extLst>
+              <a:ext uri="{FF2B5EF4-FFF2-40B4-BE49-F238E27FC236}">
+                <a16:creationId xmlns:a16="http://schemas.microsoft.com/office/drawing/2014/main" id="{98092FCA-7978-15FD-0920-AC96DF8F9F56}"/>
+              </a:ext>
+            </a:extLst>
+          </p:cNvPr>
+          <p:cNvPicPr>
+            <a:picLocks noChangeAspect="1"/>
+          </p:cNvPicPr>
+          <p:nvPr/>
+        </p:nvPicPr>
+        <p:blipFill>
+          <a:blip r:embed="rId3">
+            <a:extLst>
+              <a:ext uri="{28A0092B-C50C-407E-A947-70E740481C1C}">
+                <a14:useLocalDpi xmlns:a14="http://schemas.microsoft.com/office/drawing/2010/main" val="0"/>
+              </a:ext>
+            </a:extLst>
+          </a:blip>
+          <a:srcRect/>
+          <a:stretch/>
+        </p:blipFill>
+        <p:spPr>
+          <a:xfrm>
+            <a:off x="643278" y="4843905"/>
+            <a:ext cx="3005574" cy="551708"/>
+          </a:xfrm>
+          <a:prstGeom prst="rect">
+            <a:avLst/>
+          </a:prstGeom>
+        </p:spPr>
+      </p:pic>
+    </p:spTree>
+    <p:extLst>
+      <p:ext uri="{BB962C8B-B14F-4D97-AF65-F5344CB8AC3E}">
+        <p14:creationId xmlns:p14="http://schemas.microsoft.com/office/powerpoint/2010/main" val="2144381978"/>
+      </p:ext>
+    </p:extLst>
+  </p:cSld>
+  <p:clrMapOvr>
+    <a:masterClrMapping/>
+  </p:clrMapOvr>
+</p:sld>
+</file>
+
+<file path=ppt/slides/slide23.xml><?xml version="1.0" encoding="utf-8"?>
+<p:sld xmlns:a="http://schemas.openxmlformats.org/drawingml/2006/main" xmlns:r="http://schemas.openxmlformats.org/officeDocument/2006/relationships" xmlns:p="http://schemas.openxmlformats.org/presentationml/2006/main">
+  <p:cSld>
+    <p:bg>
+      <p:bgPr>
+        <a:solidFill>
+          <a:schemeClr val="bg1"/>
+        </a:solidFill>
+        <a:effectLst/>
+      </p:bgPr>
+    </p:bg>
+    <p:spTree>
+      <p:nvGrpSpPr>
+        <p:cNvPr id="1" name="">
+          <a:extLst>
+            <a:ext uri="{FF2B5EF4-FFF2-40B4-BE49-F238E27FC236}">
+              <a16:creationId xmlns:a16="http://schemas.microsoft.com/office/drawing/2014/main" id="{B41A3268-1178-3D79-18F7-C263EBE5481B}"/>
+            </a:ext>
+          </a:extLst>
+        </p:cNvPr>
+        <p:cNvGrpSpPr/>
+        <p:nvPr/>
+      </p:nvGrpSpPr>
+      <p:grpSpPr>
+        <a:xfrm>
+          <a:off x="0" y="0"/>
+          <a:ext cx="0" cy="0"/>
+          <a:chOff x="0" y="0"/>
+          <a:chExt cx="0" cy="0"/>
+        </a:xfrm>
+      </p:grpSpPr>
+      <p:sp useBgFill="1">
+        <p:nvSpPr>
+          <p:cNvPr id="13" name="Rectangle 12">
+            <a:extLst>
+              <a:ext uri="{FF2B5EF4-FFF2-40B4-BE49-F238E27FC236}">
+                <a16:creationId xmlns:a16="http://schemas.microsoft.com/office/drawing/2014/main" id="{B81F956A-9B57-A45B-E0C0-E46F4AE865E0}"/>
+              </a:ext>
+              <a:ext uri="{C183D7F6-B498-43B3-948B-1728B52AA6E4}">
+                <adec:decorative xmlns:adec="http://schemas.microsoft.com/office/drawing/2017/decorative" val="1"/>
+              </a:ext>
+            </a:extLst>
+          </p:cNvPr>
+          <p:cNvSpPr>
+            <a:spLocks noGrp="1" noRot="1" noChangeAspect="1" noMove="1" noResize="1" noEditPoints="1" noAdjustHandles="1" noChangeArrowheads="1" noChangeShapeType="1" noTextEdit="1"/>
+          </p:cNvSpPr>
+          <p:nvPr>
+            <p:extLst>
+              <p:ext uri="{386F3935-93C4-4BCD-93E2-E3B085C9AB24}">
+                <p16:designElem xmlns:p16="http://schemas.microsoft.com/office/powerpoint/2015/main" val="1"/>
+              </p:ext>
+            </p:extLst>
+          </p:nvPr>
+        </p:nvSpPr>
+        <p:spPr>
+          <a:xfrm>
+            <a:off x="0" y="0"/>
+            <a:ext cx="12188952" cy="6858000"/>
+          </a:xfrm>
+          <a:prstGeom prst="rect">
+            <a:avLst/>
+          </a:prstGeom>
+          <a:ln>
+            <a:noFill/>
+          </a:ln>
+        </p:spPr>
+        <p:style>
+          <a:lnRef idx="2">
+            <a:schemeClr val="accent1">
+              <a:shade val="50000"/>
+            </a:schemeClr>
+          </a:lnRef>
+          <a:fillRef idx="1">
+            <a:schemeClr val="accent1"/>
+          </a:fillRef>
+          <a:effectRef idx="0">
+            <a:schemeClr val="accent1"/>
+          </a:effectRef>
+          <a:fontRef idx="minor">
+            <a:schemeClr val="lt1"/>
+          </a:fontRef>
+        </p:style>
+        <p:txBody>
+          <a:bodyPr rtlCol="0" anchor="ctr"/>
+          <a:lstStyle/>
+          <a:p>
+            <a:pPr algn="ctr"/>
+            <a:endParaRPr lang="en-US"/>
+          </a:p>
+        </p:txBody>
+      </p:sp>
+      <p:sp>
+        <p:nvSpPr>
+          <p:cNvPr id="2" name="Titolo 1">
+            <a:extLst>
+              <a:ext uri="{FF2B5EF4-FFF2-40B4-BE49-F238E27FC236}">
+                <a16:creationId xmlns:a16="http://schemas.microsoft.com/office/drawing/2014/main" id="{0301848B-D20E-70FD-84D5-B50A28DAA32F}"/>
+              </a:ext>
+            </a:extLst>
+          </p:cNvPr>
+          <p:cNvSpPr>
+            <a:spLocks noGrp="1"/>
+          </p:cNvSpPr>
+          <p:nvPr>
+            <p:ph type="title"/>
+          </p:nvPr>
+        </p:nvSpPr>
+        <p:spPr>
+          <a:xfrm>
+            <a:off x="640080" y="329184"/>
+            <a:ext cx="6894576" cy="1783080"/>
+          </a:xfrm>
+        </p:spPr>
+        <p:txBody>
+          <a:bodyPr anchor="b">
+            <a:normAutofit/>
+          </a:bodyPr>
+          <a:lstStyle/>
+          <a:p>
+            <a:r>
+              <a:rPr lang="it-IT" sz="5400"/>
+              <a:t>Simulazione MPC</a:t>
+            </a:r>
+          </a:p>
+        </p:txBody>
+      </p:sp>
+      <p:sp>
+        <p:nvSpPr>
+          <p:cNvPr id="15" name="sketch line">
+            <a:extLst>
+              <a:ext uri="{FF2B5EF4-FFF2-40B4-BE49-F238E27FC236}">
+                <a16:creationId xmlns:a16="http://schemas.microsoft.com/office/drawing/2014/main" id="{831CA3B3-D395-F10B-DAAD-4DD9ADECB31A}"/>
+              </a:ext>
+              <a:ext uri="{C183D7F6-B498-43B3-948B-1728B52AA6E4}">
+                <adec:decorative xmlns:adec="http://schemas.microsoft.com/office/drawing/2017/decorative" val="1"/>
+              </a:ext>
+            </a:extLst>
+          </p:cNvPr>
+          <p:cNvSpPr>
+            <a:spLocks noGrp="1" noRot="1" noChangeAspect="1" noMove="1" noResize="1" noEditPoints="1" noAdjustHandles="1" noChangeArrowheads="1" noChangeShapeType="1" noTextEdit="1"/>
+          </p:cNvSpPr>
+          <p:nvPr>
+            <p:extLst>
+              <p:ext uri="{386F3935-93C4-4BCD-93E2-E3B085C9AB24}">
+                <p16:designElem xmlns:p16="http://schemas.microsoft.com/office/powerpoint/2015/main" val="1"/>
+              </p:ext>
+            </p:extLst>
+          </p:nvPr>
+        </p:nvSpPr>
+        <p:spPr>
+          <a:xfrm>
+            <a:off x="758952" y="2395728"/>
+            <a:ext cx="4243589" cy="18288"/>
+          </a:xfrm>
+          <a:custGeom>
+            <a:avLst/>
+            <a:gdLst>
+              <a:gd name="connsiteX0" fmla="*/ 0 w 4243589"/>
+              <a:gd name="connsiteY0" fmla="*/ 0 h 18288"/>
+              <a:gd name="connsiteX1" fmla="*/ 478919 w 4243589"/>
+              <a:gd name="connsiteY1" fmla="*/ 0 h 18288"/>
+              <a:gd name="connsiteX2" fmla="*/ 957839 w 4243589"/>
+              <a:gd name="connsiteY2" fmla="*/ 0 h 18288"/>
+              <a:gd name="connsiteX3" fmla="*/ 1521630 w 4243589"/>
+              <a:gd name="connsiteY3" fmla="*/ 0 h 18288"/>
+              <a:gd name="connsiteX4" fmla="*/ 2212729 w 4243589"/>
+              <a:gd name="connsiteY4" fmla="*/ 0 h 18288"/>
+              <a:gd name="connsiteX5" fmla="*/ 2734084 w 4243589"/>
+              <a:gd name="connsiteY5" fmla="*/ 0 h 18288"/>
+              <a:gd name="connsiteX6" fmla="*/ 3255439 w 4243589"/>
+              <a:gd name="connsiteY6" fmla="*/ 0 h 18288"/>
+              <a:gd name="connsiteX7" fmla="*/ 4243589 w 4243589"/>
+              <a:gd name="connsiteY7" fmla="*/ 0 h 18288"/>
+              <a:gd name="connsiteX8" fmla="*/ 4243589 w 4243589"/>
+              <a:gd name="connsiteY8" fmla="*/ 18288 h 18288"/>
+              <a:gd name="connsiteX9" fmla="*/ 3594926 w 4243589"/>
+              <a:gd name="connsiteY9" fmla="*/ 18288 h 18288"/>
+              <a:gd name="connsiteX10" fmla="*/ 3073571 w 4243589"/>
+              <a:gd name="connsiteY10" fmla="*/ 18288 h 18288"/>
+              <a:gd name="connsiteX11" fmla="*/ 2552216 w 4243589"/>
+              <a:gd name="connsiteY11" fmla="*/ 18288 h 18288"/>
+              <a:gd name="connsiteX12" fmla="*/ 1903553 w 4243589"/>
+              <a:gd name="connsiteY12" fmla="*/ 18288 h 18288"/>
+              <a:gd name="connsiteX13" fmla="*/ 1212454 w 4243589"/>
+              <a:gd name="connsiteY13" fmla="*/ 18288 h 18288"/>
+              <a:gd name="connsiteX14" fmla="*/ 733535 w 4243589"/>
+              <a:gd name="connsiteY14" fmla="*/ 18288 h 18288"/>
+              <a:gd name="connsiteX15" fmla="*/ 0 w 4243589"/>
+              <a:gd name="connsiteY15" fmla="*/ 18288 h 18288"/>
+              <a:gd name="connsiteX16" fmla="*/ 0 w 4243589"/>
+              <a:gd name="connsiteY16" fmla="*/ 0 h 18288"/>
+            </a:gdLst>
+            <a:ahLst/>
+            <a:cxnLst>
+              <a:cxn ang="0">
+                <a:pos x="connsiteX0" y="connsiteY0"/>
+              </a:cxn>
+              <a:cxn ang="0">
+                <a:pos x="connsiteX1" y="connsiteY1"/>
+              </a:cxn>
+              <a:cxn ang="0">
+                <a:pos x="connsiteX2" y="connsiteY2"/>
+              </a:cxn>
+              <a:cxn ang="0">
+                <a:pos x="connsiteX3" y="connsiteY3"/>
+              </a:cxn>
+              <a:cxn ang="0">
+                <a:pos x="connsiteX4" y="connsiteY4"/>
+              </a:cxn>
+              <a:cxn ang="0">
+                <a:pos x="connsiteX5" y="connsiteY5"/>
+              </a:cxn>
+              <a:cxn ang="0">
+                <a:pos x="connsiteX6" y="connsiteY6"/>
+              </a:cxn>
+              <a:cxn ang="0">
+                <a:pos x="connsiteX7" y="connsiteY7"/>
+              </a:cxn>
+              <a:cxn ang="0">
+                <a:pos x="connsiteX8" y="connsiteY8"/>
+              </a:cxn>
+              <a:cxn ang="0">
+                <a:pos x="connsiteX9" y="connsiteY9"/>
+              </a:cxn>
+              <a:cxn ang="0">
+                <a:pos x="connsiteX10" y="connsiteY10"/>
+              </a:cxn>
+              <a:cxn ang="0">
+                <a:pos x="connsiteX11" y="connsiteY11"/>
+              </a:cxn>
+              <a:cxn ang="0">
+                <a:pos x="connsiteX12" y="connsiteY12"/>
+              </a:cxn>
+              <a:cxn ang="0">
+                <a:pos x="connsiteX13" y="connsiteY13"/>
+              </a:cxn>
+              <a:cxn ang="0">
+                <a:pos x="connsiteX14" y="connsiteY14"/>
+              </a:cxn>
+              <a:cxn ang="0">
+                <a:pos x="connsiteX15" y="connsiteY15"/>
+              </a:cxn>
+              <a:cxn ang="0">
+                <a:pos x="connsiteX16" y="connsiteY16"/>
+              </a:cxn>
+            </a:cxnLst>
+            <a:rect l="l" t="t" r="r" b="b"/>
+            <a:pathLst>
+              <a:path w="4243589" h="18288" fill="none" extrusionOk="0">
+                <a:moveTo>
+                  <a:pt x="0" y="0"/>
+                </a:moveTo>
+                <a:cubicBezTo>
+                  <a:pt x="213395" y="-21006"/>
+                  <a:pt x="307421" y="-18116"/>
+                  <a:pt x="478919" y="0"/>
+                </a:cubicBezTo>
+                <a:cubicBezTo>
+                  <a:pt x="650417" y="18116"/>
+                  <a:pt x="831092" y="-21237"/>
+                  <a:pt x="957839" y="0"/>
+                </a:cubicBezTo>
+                <a:cubicBezTo>
+                  <a:pt x="1084586" y="21237"/>
+                  <a:pt x="1301682" y="25124"/>
+                  <a:pt x="1521630" y="0"/>
+                </a:cubicBezTo>
+                <a:cubicBezTo>
+                  <a:pt x="1741578" y="-25124"/>
+                  <a:pt x="1970269" y="-29139"/>
+                  <a:pt x="2212729" y="0"/>
+                </a:cubicBezTo>
+                <a:cubicBezTo>
+                  <a:pt x="2455189" y="29139"/>
+                  <a:pt x="2558847" y="-4796"/>
+                  <a:pt x="2734084" y="0"/>
+                </a:cubicBezTo>
+                <a:cubicBezTo>
+                  <a:pt x="2909321" y="4796"/>
+                  <a:pt x="3097217" y="-13409"/>
+                  <a:pt x="3255439" y="0"/>
+                </a:cubicBezTo>
+                <a:cubicBezTo>
+                  <a:pt x="3413662" y="13409"/>
+                  <a:pt x="3979999" y="-10121"/>
+                  <a:pt x="4243589" y="0"/>
+                </a:cubicBezTo>
+                <a:cubicBezTo>
+                  <a:pt x="4244484" y="8974"/>
+                  <a:pt x="4243043" y="9359"/>
+                  <a:pt x="4243589" y="18288"/>
+                </a:cubicBezTo>
+                <a:cubicBezTo>
+                  <a:pt x="4058777" y="31246"/>
+                  <a:pt x="3910348" y="3158"/>
+                  <a:pt x="3594926" y="18288"/>
+                </a:cubicBezTo>
+                <a:cubicBezTo>
+                  <a:pt x="3279504" y="33418"/>
+                  <a:pt x="3319955" y="-3977"/>
+                  <a:pt x="3073571" y="18288"/>
+                </a:cubicBezTo>
+                <a:cubicBezTo>
+                  <a:pt x="2827187" y="40553"/>
+                  <a:pt x="2767387" y="1863"/>
+                  <a:pt x="2552216" y="18288"/>
+                </a:cubicBezTo>
+                <a:cubicBezTo>
+                  <a:pt x="2337046" y="34713"/>
+                  <a:pt x="2181871" y="19527"/>
+                  <a:pt x="1903553" y="18288"/>
+                </a:cubicBezTo>
+                <a:cubicBezTo>
+                  <a:pt x="1625235" y="17049"/>
+                  <a:pt x="1557672" y="24174"/>
+                  <a:pt x="1212454" y="18288"/>
+                </a:cubicBezTo>
+                <a:cubicBezTo>
+                  <a:pt x="867236" y="12402"/>
+                  <a:pt x="874382" y="15627"/>
+                  <a:pt x="733535" y="18288"/>
+                </a:cubicBezTo>
+                <a:cubicBezTo>
+                  <a:pt x="592688" y="20949"/>
+                  <a:pt x="183477" y="14753"/>
+                  <a:pt x="0" y="18288"/>
+                </a:cubicBezTo>
+                <a:cubicBezTo>
+                  <a:pt x="-229" y="14222"/>
+                  <a:pt x="509" y="5816"/>
+                  <a:pt x="0" y="0"/>
+                </a:cubicBezTo>
+                <a:close/>
+              </a:path>
+              <a:path w="4243589" h="18288" stroke="0" extrusionOk="0">
+                <a:moveTo>
+                  <a:pt x="0" y="0"/>
+                </a:moveTo>
+                <a:cubicBezTo>
+                  <a:pt x="143690" y="16630"/>
+                  <a:pt x="266667" y="14847"/>
+                  <a:pt x="521355" y="0"/>
+                </a:cubicBezTo>
+                <a:cubicBezTo>
+                  <a:pt x="776043" y="-14847"/>
+                  <a:pt x="814491" y="-17363"/>
+                  <a:pt x="1000275" y="0"/>
+                </a:cubicBezTo>
+                <a:cubicBezTo>
+                  <a:pt x="1186059" y="17363"/>
+                  <a:pt x="1352504" y="-23507"/>
+                  <a:pt x="1521630" y="0"/>
+                </a:cubicBezTo>
+                <a:cubicBezTo>
+                  <a:pt x="1690756" y="23507"/>
+                  <a:pt x="1889525" y="5871"/>
+                  <a:pt x="2127857" y="0"/>
+                </a:cubicBezTo>
+                <a:cubicBezTo>
+                  <a:pt x="2366189" y="-5871"/>
+                  <a:pt x="2620628" y="-27997"/>
+                  <a:pt x="2776520" y="0"/>
+                </a:cubicBezTo>
+                <a:cubicBezTo>
+                  <a:pt x="2932412" y="27997"/>
+                  <a:pt x="3131683" y="-25073"/>
+                  <a:pt x="3467618" y="0"/>
+                </a:cubicBezTo>
+                <a:cubicBezTo>
+                  <a:pt x="3803553" y="25073"/>
+                  <a:pt x="4017371" y="3071"/>
+                  <a:pt x="4243589" y="0"/>
+                </a:cubicBezTo>
+                <a:cubicBezTo>
+                  <a:pt x="4243134" y="6162"/>
+                  <a:pt x="4243492" y="11775"/>
+                  <a:pt x="4243589" y="18288"/>
+                </a:cubicBezTo>
+                <a:cubicBezTo>
+                  <a:pt x="4017834" y="-5779"/>
+                  <a:pt x="3834586" y="13376"/>
+                  <a:pt x="3594926" y="18288"/>
+                </a:cubicBezTo>
+                <a:cubicBezTo>
+                  <a:pt x="3355266" y="23200"/>
+                  <a:pt x="3204179" y="2869"/>
+                  <a:pt x="2903827" y="18288"/>
+                </a:cubicBezTo>
+                <a:cubicBezTo>
+                  <a:pt x="2603475" y="33707"/>
+                  <a:pt x="2526187" y="46187"/>
+                  <a:pt x="2212729" y="18288"/>
+                </a:cubicBezTo>
+                <a:cubicBezTo>
+                  <a:pt x="1899271" y="-9611"/>
+                  <a:pt x="1966289" y="29692"/>
+                  <a:pt x="1733809" y="18288"/>
+                </a:cubicBezTo>
+                <a:cubicBezTo>
+                  <a:pt x="1501329" y="6884"/>
+                  <a:pt x="1343612" y="12492"/>
+                  <a:pt x="1085146" y="18288"/>
+                </a:cubicBezTo>
+                <a:cubicBezTo>
+                  <a:pt x="826680" y="24084"/>
+                  <a:pt x="778184" y="35607"/>
+                  <a:pt x="521355" y="18288"/>
+                </a:cubicBezTo>
+                <a:cubicBezTo>
+                  <a:pt x="264526" y="969"/>
+                  <a:pt x="120277" y="4268"/>
+                  <a:pt x="0" y="18288"/>
+                </a:cubicBezTo>
+                <a:cubicBezTo>
+                  <a:pt x="766" y="10800"/>
+                  <a:pt x="-457" y="8180"/>
+                  <a:pt x="0" y="0"/>
+                </a:cubicBezTo>
+                <a:close/>
+              </a:path>
+            </a:pathLst>
+          </a:custGeom>
+          <a:solidFill>
+            <a:schemeClr val="accent2"/>
+          </a:solidFill>
+          <a:ln w="41275" cap="rnd">
+            <a:solidFill>
+              <a:schemeClr val="accent2"/>
+            </a:solidFill>
+            <a:round/>
+            <a:extLst>
+              <a:ext uri="{C807C97D-BFC1-408E-A445-0C87EB9F89A2}">
+                <ask:lineSketchStyleProps xmlns:ask="http://schemas.microsoft.com/office/drawing/2018/sketchyshapes" sd="2727557108">
+                  <a:prstGeom prst="rect">
+                    <a:avLst/>
+                  </a:prstGeom>
+                  <ask:type>
+                    <ask:lineSketchFreehand/>
+                  </ask:type>
+                </ask:lineSketchStyleProps>
+              </a:ext>
+            </a:extLst>
+          </a:ln>
+        </p:spPr>
+        <p:style>
+          <a:lnRef idx="2">
+            <a:schemeClr val="accent1">
+              <a:shade val="50000"/>
+            </a:schemeClr>
+          </a:lnRef>
+          <a:fillRef idx="1">
+            <a:schemeClr val="accent1"/>
+          </a:fillRef>
+          <a:effectRef idx="0">
+            <a:schemeClr val="accent1"/>
+          </a:effectRef>
+          <a:fontRef idx="minor">
+            <a:schemeClr val="lt1"/>
+          </a:fontRef>
+        </p:style>
+        <p:txBody>
+          <a:bodyPr rtlCol="0" anchor="ctr"/>
+          <a:lstStyle/>
+          <a:p>
+            <a:pPr algn="ctr"/>
+            <a:endParaRPr lang="en-US"/>
+          </a:p>
+        </p:txBody>
+      </p:sp>
+      <p:sp>
+        <p:nvSpPr>
+          <p:cNvPr id="3" name="Segnaposto contenuto 2">
+            <a:extLst>
+              <a:ext uri="{FF2B5EF4-FFF2-40B4-BE49-F238E27FC236}">
+                <a16:creationId xmlns:a16="http://schemas.microsoft.com/office/drawing/2014/main" id="{83700C7B-0794-953A-80C8-5022731A3B65}"/>
+              </a:ext>
+            </a:extLst>
+          </p:cNvPr>
+          <p:cNvSpPr>
+            <a:spLocks noGrp="1"/>
+          </p:cNvSpPr>
+          <p:nvPr>
+            <p:ph idx="1"/>
+          </p:nvPr>
+        </p:nvSpPr>
+        <p:spPr>
+          <a:xfrm>
+            <a:off x="640080" y="2706624"/>
+            <a:ext cx="5328920" cy="3483864"/>
+          </a:xfrm>
+        </p:spPr>
+        <p:txBody>
+          <a:bodyPr>
+            <a:normAutofit/>
+          </a:bodyPr>
+          <a:lstStyle/>
+          <a:p>
+            <a:pPr marL="0" indent="0" algn="just">
+              <a:buNone/>
+            </a:pPr>
+            <a:r>
+              <a:rPr lang="it-IT" sz="1800" dirty="0"/>
+              <a:t>Durante la simulazione, il controllore MPC calcola l’ingresso ottimale a ogni istante, tenendo conto dello stato attuale e dei vincoli imposti. L’ingresso viene applicato al sistema non lineare reale, aggiornando il suo comportamento passo dopo passo. I grafici mostrano che le traiettorie convergono verso il riferimento.</a:t>
+            </a:r>
+          </a:p>
+          <a:p>
+            <a:pPr algn="just"/>
+            <a:endParaRPr lang="it-IT" sz="2200" dirty="0"/>
+          </a:p>
+        </p:txBody>
+      </p:sp>
+      <p:sp>
+        <p:nvSpPr>
+          <p:cNvPr id="4" name="Segnaposto piè di pagina 3">
+            <a:extLst>
+              <a:ext uri="{FF2B5EF4-FFF2-40B4-BE49-F238E27FC236}">
+                <a16:creationId xmlns:a16="http://schemas.microsoft.com/office/drawing/2014/main" id="{C39EA4AD-1ABD-91F2-1A37-BAB92A03B80D}"/>
+              </a:ext>
+            </a:extLst>
+          </p:cNvPr>
+          <p:cNvSpPr>
+            <a:spLocks noGrp="1"/>
+          </p:cNvSpPr>
+          <p:nvPr>
+            <p:ph type="ftr" sz="quarter" idx="11"/>
+          </p:nvPr>
+        </p:nvSpPr>
+        <p:spPr>
+          <a:xfrm>
+            <a:off x="4038600" y="6356350"/>
+            <a:ext cx="4114800" cy="365125"/>
+          </a:xfrm>
+        </p:spPr>
+        <p:txBody>
+          <a:bodyPr>
+            <a:normAutofit/>
+          </a:bodyPr>
+          <a:lstStyle/>
+          <a:p>
+            <a:pPr>
+              <a:spcAft>
+                <a:spcPts val="600"/>
+              </a:spcAft>
+            </a:pPr>
+            <a:r>
+              <a:rPr lang="it-IT"/>
+              <a:t>Davide Brambilla [1080752], Giorgio Passarella[1079287]</a:t>
+            </a:r>
+          </a:p>
+        </p:txBody>
+      </p:sp>
+      <p:pic>
+        <p:nvPicPr>
+          <p:cNvPr id="7" name="Immagine 6">
+            <a:extLst>
+              <a:ext uri="{FF2B5EF4-FFF2-40B4-BE49-F238E27FC236}">
+                <a16:creationId xmlns:a16="http://schemas.microsoft.com/office/drawing/2014/main" id="{1D7C9711-E137-9D0C-7824-446A2A6C7B2C}"/>
+              </a:ext>
+            </a:extLst>
+          </p:cNvPr>
+          <p:cNvPicPr>
+            <a:picLocks noChangeAspect="1"/>
+          </p:cNvPicPr>
+          <p:nvPr/>
+        </p:nvPicPr>
+        <p:blipFill>
+          <a:blip r:embed="rId2"/>
+          <a:stretch>
+            <a:fillRect/>
+          </a:stretch>
+        </p:blipFill>
+        <p:spPr>
+          <a:xfrm>
+            <a:off x="6161851" y="2945035"/>
+            <a:ext cx="5768614" cy="3324689"/>
+          </a:xfrm>
+          <a:prstGeom prst="rect">
+            <a:avLst/>
+          </a:prstGeom>
+        </p:spPr>
+      </p:pic>
+      <p:sp>
+        <p:nvSpPr>
+          <p:cNvPr id="10" name="Segnaposto contenuto 2">
+            <a:extLst>
+              <a:ext uri="{FF2B5EF4-FFF2-40B4-BE49-F238E27FC236}">
+                <a16:creationId xmlns:a16="http://schemas.microsoft.com/office/drawing/2014/main" id="{CB1EA1CD-7D05-65BF-BB79-B7639153B8FD}"/>
+              </a:ext>
+            </a:extLst>
+          </p:cNvPr>
+          <p:cNvSpPr txBox="1">
+            <a:spLocks/>
+          </p:cNvSpPr>
+          <p:nvPr/>
+        </p:nvSpPr>
+        <p:spPr>
+          <a:xfrm>
+            <a:off x="640080" y="4780782"/>
+            <a:ext cx="5768613" cy="1783080"/>
+          </a:xfrm>
+          <a:prstGeom prst="rect">
+            <a:avLst/>
+          </a:prstGeom>
+        </p:spPr>
+        <p:txBody>
+          <a:bodyPr vert="horz" lIns="91440" tIns="45720" rIns="91440" bIns="45720" rtlCol="0">
+            <a:normAutofit/>
+          </a:bodyPr>
+          <a:lstStyle>
+            <a:lvl1pPr marL="228600" indent="-228600" algn="l" defTabSz="914400" rtl="0" eaLnBrk="1" latinLnBrk="0" hangingPunct="1">
+              <a:lnSpc>
+                <a:spcPct val="90000"/>
+              </a:lnSpc>
+              <a:spcBef>
+                <a:spcPts val="1000"/>
+              </a:spcBef>
+              <a:buFont typeface="Arial" panose="020B0604020202020204" pitchFamily="34" charset="0"/>
+              <a:buChar char="•"/>
+              <a:defRPr sz="2800" kern="1200">
+                <a:solidFill>
+                  <a:schemeClr val="tx1"/>
+                </a:solidFill>
+                <a:latin typeface="+mn-lt"/>
+                <a:ea typeface="+mn-ea"/>
+                <a:cs typeface="+mn-cs"/>
+              </a:defRPr>
+            </a:lvl1pPr>
+            <a:lvl2pPr marL="685800" indent="-228600" algn="l" defTabSz="914400" rtl="0" eaLnBrk="1" latinLnBrk="0" hangingPunct="1">
+              <a:lnSpc>
+                <a:spcPct val="90000"/>
+              </a:lnSpc>
+              <a:spcBef>
+                <a:spcPts val="500"/>
+              </a:spcBef>
+              <a:buFont typeface="Arial" panose="020B0604020202020204" pitchFamily="34" charset="0"/>
+              <a:buChar char="•"/>
+              <a:defRPr sz="2400" kern="1200">
+                <a:solidFill>
+                  <a:schemeClr val="tx1"/>
+                </a:solidFill>
+                <a:latin typeface="+mn-lt"/>
+                <a:ea typeface="+mn-ea"/>
+                <a:cs typeface="+mn-cs"/>
+              </a:defRPr>
+            </a:lvl2pPr>
+            <a:lvl3pPr marL="1143000" indent="-228600" algn="l" defTabSz="914400" rtl="0" eaLnBrk="1" latinLnBrk="0" hangingPunct="1">
+              <a:lnSpc>
+                <a:spcPct val="90000"/>
+              </a:lnSpc>
+              <a:spcBef>
+                <a:spcPts val="500"/>
+              </a:spcBef>
+              <a:buFont typeface="Arial" panose="020B0604020202020204" pitchFamily="34" charset="0"/>
+              <a:buChar char="•"/>
+              <a:defRPr sz="2000" kern="1200">
+                <a:solidFill>
+                  <a:schemeClr val="tx1"/>
+                </a:solidFill>
+                <a:latin typeface="+mn-lt"/>
+                <a:ea typeface="+mn-ea"/>
+                <a:cs typeface="+mn-cs"/>
+              </a:defRPr>
+            </a:lvl3pPr>
+            <a:lvl4pPr marL="1600200" indent="-228600" algn="l" defTabSz="914400" rtl="0" eaLnBrk="1" latinLnBrk="0" hangingPunct="1">
+              <a:lnSpc>
+                <a:spcPct val="90000"/>
+              </a:lnSpc>
+              <a:spcBef>
+                <a:spcPts val="500"/>
+              </a:spcBef>
+              <a:buFont typeface="Arial" panose="020B0604020202020204" pitchFamily="34" charset="0"/>
+              <a:buChar char="•"/>
+              <a:defRPr sz="1800" kern="1200">
+                <a:solidFill>
+                  <a:schemeClr val="tx1"/>
+                </a:solidFill>
+                <a:latin typeface="+mn-lt"/>
+                <a:ea typeface="+mn-ea"/>
+                <a:cs typeface="+mn-cs"/>
+              </a:defRPr>
+            </a:lvl4pPr>
+            <a:lvl5pPr marL="2057400" indent="-228600" algn="l" defTabSz="914400" rtl="0" eaLnBrk="1" latinLnBrk="0" hangingPunct="1">
+              <a:lnSpc>
+                <a:spcPct val="90000"/>
+              </a:lnSpc>
+              <a:spcBef>
+                <a:spcPts val="500"/>
+              </a:spcBef>
+              <a:buFont typeface="Arial" panose="020B0604020202020204" pitchFamily="34" charset="0"/>
+              <a:buChar char="•"/>
+              <a:defRPr sz="1800" kern="1200">
+                <a:solidFill>
+                  <a:schemeClr val="tx1"/>
+                </a:solidFill>
+                <a:latin typeface="+mn-lt"/>
+                <a:ea typeface="+mn-ea"/>
+                <a:cs typeface="+mn-cs"/>
+              </a:defRPr>
+            </a:lvl5pPr>
+            <a:lvl6pPr marL="2514600" indent="-228600" algn="l" defTabSz="914400" rtl="0" eaLnBrk="1" latinLnBrk="0" hangingPunct="1">
+              <a:lnSpc>
+                <a:spcPct val="90000"/>
+              </a:lnSpc>
+              <a:spcBef>
+                <a:spcPts val="500"/>
+              </a:spcBef>
+              <a:buFont typeface="Arial" panose="020B0604020202020204" pitchFamily="34" charset="0"/>
+              <a:buChar char="•"/>
+              <a:defRPr sz="1800" kern="1200">
+                <a:solidFill>
+                  <a:schemeClr val="tx1"/>
+                </a:solidFill>
+                <a:latin typeface="+mn-lt"/>
+                <a:ea typeface="+mn-ea"/>
+                <a:cs typeface="+mn-cs"/>
+              </a:defRPr>
+            </a:lvl6pPr>
+            <a:lvl7pPr marL="2971800" indent="-228600" algn="l" defTabSz="914400" rtl="0" eaLnBrk="1" latinLnBrk="0" hangingPunct="1">
+              <a:lnSpc>
+                <a:spcPct val="90000"/>
+              </a:lnSpc>
+              <a:spcBef>
+                <a:spcPts val="500"/>
+              </a:spcBef>
+              <a:buFont typeface="Arial" panose="020B0604020202020204" pitchFamily="34" charset="0"/>
+              <a:buChar char="•"/>
+              <a:defRPr sz="1800" kern="1200">
+                <a:solidFill>
+                  <a:schemeClr val="tx1"/>
+                </a:solidFill>
+                <a:latin typeface="+mn-lt"/>
+                <a:ea typeface="+mn-ea"/>
+                <a:cs typeface="+mn-cs"/>
+              </a:defRPr>
+            </a:lvl7pPr>
+            <a:lvl8pPr marL="3429000" indent="-228600" algn="l" defTabSz="914400" rtl="0" eaLnBrk="1" latinLnBrk="0" hangingPunct="1">
+              <a:lnSpc>
+                <a:spcPct val="90000"/>
+              </a:lnSpc>
+              <a:spcBef>
+                <a:spcPts val="500"/>
+              </a:spcBef>
+              <a:buFont typeface="Arial" panose="020B0604020202020204" pitchFamily="34" charset="0"/>
+              <a:buChar char="•"/>
+              <a:defRPr sz="1800" kern="1200">
+                <a:solidFill>
+                  <a:schemeClr val="tx1"/>
+                </a:solidFill>
+                <a:latin typeface="+mn-lt"/>
+                <a:ea typeface="+mn-ea"/>
+                <a:cs typeface="+mn-cs"/>
+              </a:defRPr>
+            </a:lvl8pPr>
+            <a:lvl9pPr marL="3886200" indent="-228600" algn="l" defTabSz="914400" rtl="0" eaLnBrk="1" latinLnBrk="0" hangingPunct="1">
+              <a:lnSpc>
+                <a:spcPct val="90000"/>
+              </a:lnSpc>
+              <a:spcBef>
+                <a:spcPts val="500"/>
+              </a:spcBef>
+              <a:buFont typeface="Arial" panose="020B0604020202020204" pitchFamily="34" charset="0"/>
+              <a:buChar char="•"/>
+              <a:defRPr sz="1800" kern="1200">
+                <a:solidFill>
+                  <a:schemeClr val="tx1"/>
+                </a:solidFill>
+                <a:latin typeface="+mn-lt"/>
+                <a:ea typeface="+mn-ea"/>
+                <a:cs typeface="+mn-cs"/>
+              </a:defRPr>
+            </a:lvl9pPr>
+          </a:lstStyle>
+          <a:p>
+            <a:pPr marL="0" indent="0" algn="just">
+              <a:lnSpc>
+                <a:spcPct val="100000"/>
+              </a:lnSpc>
+              <a:spcBef>
+                <a:spcPts val="0"/>
+              </a:spcBef>
+              <a:buFont typeface="Arial" panose="020B0604020202020204" pitchFamily="34" charset="0"/>
+              <a:buNone/>
+            </a:pPr>
+            <a:r>
+              <a:rPr lang="it-IT" sz="1600" b="1" dirty="0"/>
+              <a:t>Valori di simulazione utilizzati</a:t>
+            </a:r>
+            <a:r>
+              <a:rPr lang="it-IT" sz="2000" b="1" dirty="0"/>
+              <a:t>:</a:t>
+            </a:r>
+          </a:p>
+          <a:p>
+            <a:pPr algn="just">
+              <a:lnSpc>
+                <a:spcPct val="100000"/>
+              </a:lnSpc>
+              <a:spcBef>
+                <a:spcPts val="0"/>
+              </a:spcBef>
+              <a:buFont typeface="Wingdings" panose="05000000000000000000" pitchFamily="2" charset="2"/>
+              <a:buChar char="§"/>
+            </a:pPr>
+            <a:r>
+              <a:rPr lang="it-IT" sz="1400" dirty="0" err="1"/>
+              <a:t>Ts</a:t>
+            </a:r>
+            <a:r>
+              <a:rPr lang="it-IT" sz="1400" dirty="0"/>
+              <a:t> = 10</a:t>
+            </a:r>
+          </a:p>
+          <a:p>
+            <a:pPr algn="just">
+              <a:lnSpc>
+                <a:spcPct val="100000"/>
+              </a:lnSpc>
+              <a:spcBef>
+                <a:spcPts val="0"/>
+              </a:spcBef>
+              <a:buFont typeface="Wingdings" panose="05000000000000000000" pitchFamily="2" charset="2"/>
+              <a:buChar char="§"/>
+            </a:pPr>
+            <a:r>
+              <a:rPr lang="it-IT" sz="1400" dirty="0"/>
+              <a:t>Q  = 10 * </a:t>
+            </a:r>
+            <a:r>
+              <a:rPr lang="it-IT" sz="1400" dirty="0" err="1"/>
+              <a:t>eye</a:t>
+            </a:r>
+            <a:r>
+              <a:rPr lang="it-IT" sz="1400" dirty="0"/>
+              <a:t>(4)</a:t>
+            </a:r>
+          </a:p>
+          <a:p>
+            <a:pPr algn="just">
+              <a:lnSpc>
+                <a:spcPct val="100000"/>
+              </a:lnSpc>
+              <a:spcBef>
+                <a:spcPts val="0"/>
+              </a:spcBef>
+              <a:buFont typeface="Wingdings" panose="05000000000000000000" pitchFamily="2" charset="2"/>
+              <a:buChar char="§"/>
+            </a:pPr>
+            <a:r>
+              <a:rPr lang="it-IT" sz="1400" dirty="0"/>
+              <a:t>R = 1000 * </a:t>
+            </a:r>
+            <a:r>
+              <a:rPr lang="it-IT" sz="1400" dirty="0" err="1"/>
+              <a:t>eye</a:t>
+            </a:r>
+            <a:r>
+              <a:rPr lang="it-IT" sz="1400" dirty="0"/>
+              <a:t>(2)</a:t>
+            </a:r>
+          </a:p>
+          <a:p>
+            <a:pPr algn="just">
+              <a:lnSpc>
+                <a:spcPct val="100000"/>
+              </a:lnSpc>
+              <a:spcBef>
+                <a:spcPts val="0"/>
+              </a:spcBef>
+              <a:buFont typeface="Wingdings" panose="05000000000000000000" pitchFamily="2" charset="2"/>
+              <a:buChar char="§"/>
+            </a:pPr>
+            <a:r>
+              <a:rPr lang="it-IT" sz="1400" dirty="0"/>
+              <a:t>N = 10</a:t>
+            </a:r>
+          </a:p>
+          <a:p>
+            <a:pPr algn="just">
+              <a:lnSpc>
+                <a:spcPct val="100000"/>
+              </a:lnSpc>
+              <a:spcBef>
+                <a:spcPts val="0"/>
+              </a:spcBef>
+              <a:buFont typeface="Wingdings" panose="05000000000000000000" pitchFamily="2" charset="2"/>
+              <a:buChar char="§"/>
+            </a:pPr>
+            <a:r>
+              <a:rPr lang="it-IT" sz="1400" dirty="0" err="1"/>
+              <a:t>T_sim</a:t>
+            </a:r>
+            <a:r>
+              <a:rPr lang="it-IT" sz="1400" dirty="0"/>
+              <a:t> = 60</a:t>
+            </a:r>
+          </a:p>
+          <a:p>
+            <a:pPr marL="0" indent="0">
+              <a:buFont typeface="Arial" panose="020B0604020202020204" pitchFamily="34" charset="0"/>
+              <a:buNone/>
+            </a:pPr>
+            <a:endParaRPr lang="it-IT" sz="2200" dirty="0"/>
+          </a:p>
+        </p:txBody>
+      </p:sp>
+    </p:spTree>
+    <p:extLst>
+      <p:ext uri="{BB962C8B-B14F-4D97-AF65-F5344CB8AC3E}">
+        <p14:creationId xmlns:p14="http://schemas.microsoft.com/office/powerpoint/2010/main" val="67756653"/>
+      </p:ext>
+    </p:extLst>
+  </p:cSld>
+  <p:clrMapOvr>
+    <a:masterClrMapping/>
+  </p:clrMapOvr>
+</p:sld>
+</file>
+
+<file path=ppt/slides/slide24.xml><?xml version="1.0" encoding="utf-8"?>
+<p:sld xmlns:a="http://schemas.openxmlformats.org/drawingml/2006/main" xmlns:r="http://schemas.openxmlformats.org/officeDocument/2006/relationships" xmlns:p="http://schemas.openxmlformats.org/presentationml/2006/main">
+  <p:cSld>
+    <p:bg>
+      <p:bgPr>
+        <a:solidFill>
+          <a:schemeClr val="bg1"/>
+        </a:solidFill>
+        <a:effectLst/>
+      </p:bgPr>
+    </p:bg>
+    <p:spTree>
+      <p:nvGrpSpPr>
+        <p:cNvPr id="1" name="">
+          <a:extLst>
+            <a:ext uri="{FF2B5EF4-FFF2-40B4-BE49-F238E27FC236}">
+              <a16:creationId xmlns:a16="http://schemas.microsoft.com/office/drawing/2014/main" id="{2F5307AD-149F-4546-0A6F-0ED1971BDFB0}"/>
+            </a:ext>
+          </a:extLst>
+        </p:cNvPr>
+        <p:cNvGrpSpPr/>
+        <p:nvPr/>
+      </p:nvGrpSpPr>
+      <p:grpSpPr>
+        <a:xfrm>
+          <a:off x="0" y="0"/>
+          <a:ext cx="0" cy="0"/>
+          <a:chOff x="0" y="0"/>
+          <a:chExt cx="0" cy="0"/>
+        </a:xfrm>
+      </p:grpSpPr>
+      <p:sp useBgFill="1">
+        <p:nvSpPr>
+          <p:cNvPr id="15" name="Rectangle 14">
+            <a:extLst>
+              <a:ext uri="{FF2B5EF4-FFF2-40B4-BE49-F238E27FC236}">
+                <a16:creationId xmlns:a16="http://schemas.microsoft.com/office/drawing/2014/main" id="{3C0DCD0C-F5AF-A2A5-7C43-F4AB96B5864F}"/>
+              </a:ext>
+              <a:ext uri="{C183D7F6-B498-43B3-948B-1728B52AA6E4}">
+                <adec:decorative xmlns:adec="http://schemas.microsoft.com/office/drawing/2017/decorative" val="1"/>
+              </a:ext>
+            </a:extLst>
+          </p:cNvPr>
+          <p:cNvSpPr>
+            <a:spLocks noGrp="1" noRot="1" noChangeAspect="1" noMove="1" noResize="1" noEditPoints="1" noAdjustHandles="1" noChangeArrowheads="1" noChangeShapeType="1" noTextEdit="1"/>
+          </p:cNvSpPr>
+          <p:nvPr>
+            <p:extLst>
+              <p:ext uri="{386F3935-93C4-4BCD-93E2-E3B085C9AB24}">
+                <p16:designElem xmlns:p16="http://schemas.microsoft.com/office/powerpoint/2015/main" val="1"/>
+              </p:ext>
+            </p:extLst>
+          </p:nvPr>
+        </p:nvSpPr>
+        <p:spPr>
+          <a:xfrm>
+            <a:off x="0" y="0"/>
+            <a:ext cx="12188952" cy="6858000"/>
+          </a:xfrm>
+          <a:prstGeom prst="rect">
+            <a:avLst/>
+          </a:prstGeom>
+          <a:ln>
+            <a:noFill/>
+          </a:ln>
+        </p:spPr>
+        <p:style>
+          <a:lnRef idx="2">
+            <a:schemeClr val="accent1">
+              <a:shade val="50000"/>
+            </a:schemeClr>
+          </a:lnRef>
+          <a:fillRef idx="1">
+            <a:schemeClr val="accent1"/>
+          </a:fillRef>
+          <a:effectRef idx="0">
+            <a:schemeClr val="accent1"/>
+          </a:effectRef>
+          <a:fontRef idx="minor">
+            <a:schemeClr val="lt1"/>
+          </a:fontRef>
+        </p:style>
+        <p:txBody>
+          <a:bodyPr rtlCol="0" anchor="ctr"/>
+          <a:lstStyle/>
+          <a:p>
+            <a:pPr algn="ctr"/>
+            <a:endParaRPr lang="en-US"/>
+          </a:p>
+        </p:txBody>
+      </p:sp>
+      <p:sp>
+        <p:nvSpPr>
+          <p:cNvPr id="2" name="Titolo 1">
+            <a:extLst>
+              <a:ext uri="{FF2B5EF4-FFF2-40B4-BE49-F238E27FC236}">
+                <a16:creationId xmlns:a16="http://schemas.microsoft.com/office/drawing/2014/main" id="{AA9F6FCC-8195-F26B-687A-F8F15523F98A}"/>
+              </a:ext>
+            </a:extLst>
+          </p:cNvPr>
+          <p:cNvSpPr>
+            <a:spLocks noGrp="1"/>
+          </p:cNvSpPr>
+          <p:nvPr>
+            <p:ph type="title"/>
+          </p:nvPr>
+        </p:nvSpPr>
+        <p:spPr>
+          <a:xfrm>
+            <a:off x="612648" y="365125"/>
+            <a:ext cx="6986015" cy="1776484"/>
+          </a:xfrm>
+        </p:spPr>
+        <p:txBody>
+          <a:bodyPr anchor="b">
+            <a:normAutofit/>
+          </a:bodyPr>
+          <a:lstStyle/>
+          <a:p>
+            <a:r>
+              <a:rPr lang="it-IT" sz="5400" dirty="0"/>
+              <a:t>Andamento degli stati e degli ingressi</a:t>
+            </a:r>
+          </a:p>
+        </p:txBody>
+      </p:sp>
+      <p:sp>
+        <p:nvSpPr>
+          <p:cNvPr id="17" name="sketch line">
+            <a:extLst>
+              <a:ext uri="{FF2B5EF4-FFF2-40B4-BE49-F238E27FC236}">
+                <a16:creationId xmlns:a16="http://schemas.microsoft.com/office/drawing/2014/main" id="{EF3C7568-CB82-7602-4486-044AAAB0EA9F}"/>
+              </a:ext>
+              <a:ext uri="{C183D7F6-B498-43B3-948B-1728B52AA6E4}">
+                <adec:decorative xmlns:adec="http://schemas.microsoft.com/office/drawing/2017/decorative" val="1"/>
+              </a:ext>
+            </a:extLst>
+          </p:cNvPr>
+          <p:cNvSpPr>
+            <a:spLocks noGrp="1" noRot="1" noChangeAspect="1" noMove="1" noResize="1" noEditPoints="1" noAdjustHandles="1" noChangeArrowheads="1" noChangeShapeType="1" noTextEdit="1"/>
+          </p:cNvSpPr>
+          <p:nvPr>
+            <p:extLst>
+              <p:ext uri="{386F3935-93C4-4BCD-93E2-E3B085C9AB24}">
+                <p16:designElem xmlns:p16="http://schemas.microsoft.com/office/powerpoint/2015/main" val="1"/>
+              </p:ext>
+            </p:extLst>
+          </p:nvPr>
+        </p:nvSpPr>
+        <p:spPr>
+          <a:xfrm>
+            <a:off x="838200" y="2315691"/>
+            <a:ext cx="4343400" cy="18288"/>
+          </a:xfrm>
+          <a:custGeom>
+            <a:avLst/>
+            <a:gdLst>
+              <a:gd name="connsiteX0" fmla="*/ 0 w 4343400"/>
+              <a:gd name="connsiteY0" fmla="*/ 0 h 18288"/>
+              <a:gd name="connsiteX1" fmla="*/ 577052 w 4343400"/>
+              <a:gd name="connsiteY1" fmla="*/ 0 h 18288"/>
+              <a:gd name="connsiteX2" fmla="*/ 1067235 w 4343400"/>
+              <a:gd name="connsiteY2" fmla="*/ 0 h 18288"/>
+              <a:gd name="connsiteX3" fmla="*/ 1600853 w 4343400"/>
+              <a:gd name="connsiteY3" fmla="*/ 0 h 18288"/>
+              <a:gd name="connsiteX4" fmla="*/ 2264773 w 4343400"/>
+              <a:gd name="connsiteY4" fmla="*/ 0 h 18288"/>
+              <a:gd name="connsiteX5" fmla="*/ 2841825 w 4343400"/>
+              <a:gd name="connsiteY5" fmla="*/ 0 h 18288"/>
+              <a:gd name="connsiteX6" fmla="*/ 3375442 w 4343400"/>
+              <a:gd name="connsiteY6" fmla="*/ 0 h 18288"/>
+              <a:gd name="connsiteX7" fmla="*/ 4343400 w 4343400"/>
+              <a:gd name="connsiteY7" fmla="*/ 0 h 18288"/>
+              <a:gd name="connsiteX8" fmla="*/ 4343400 w 4343400"/>
+              <a:gd name="connsiteY8" fmla="*/ 18288 h 18288"/>
+              <a:gd name="connsiteX9" fmla="*/ 3722914 w 4343400"/>
+              <a:gd name="connsiteY9" fmla="*/ 18288 h 18288"/>
+              <a:gd name="connsiteX10" fmla="*/ 3189297 w 4343400"/>
+              <a:gd name="connsiteY10" fmla="*/ 18288 h 18288"/>
+              <a:gd name="connsiteX11" fmla="*/ 2481943 w 4343400"/>
+              <a:gd name="connsiteY11" fmla="*/ 18288 h 18288"/>
+              <a:gd name="connsiteX12" fmla="*/ 1904891 w 4343400"/>
+              <a:gd name="connsiteY12" fmla="*/ 18288 h 18288"/>
+              <a:gd name="connsiteX13" fmla="*/ 1414707 w 4343400"/>
+              <a:gd name="connsiteY13" fmla="*/ 18288 h 18288"/>
+              <a:gd name="connsiteX14" fmla="*/ 750788 w 4343400"/>
+              <a:gd name="connsiteY14" fmla="*/ 18288 h 18288"/>
+              <a:gd name="connsiteX15" fmla="*/ 0 w 4343400"/>
+              <a:gd name="connsiteY15" fmla="*/ 18288 h 18288"/>
+              <a:gd name="connsiteX16" fmla="*/ 0 w 4343400"/>
+              <a:gd name="connsiteY16" fmla="*/ 0 h 18288"/>
+            </a:gdLst>
+            <a:ahLst/>
+            <a:cxnLst>
+              <a:cxn ang="0">
+                <a:pos x="connsiteX0" y="connsiteY0"/>
+              </a:cxn>
+              <a:cxn ang="0">
+                <a:pos x="connsiteX1" y="connsiteY1"/>
+              </a:cxn>
+              <a:cxn ang="0">
+                <a:pos x="connsiteX2" y="connsiteY2"/>
+              </a:cxn>
+              <a:cxn ang="0">
+                <a:pos x="connsiteX3" y="connsiteY3"/>
+              </a:cxn>
+              <a:cxn ang="0">
+                <a:pos x="connsiteX4" y="connsiteY4"/>
+              </a:cxn>
+              <a:cxn ang="0">
+                <a:pos x="connsiteX5" y="connsiteY5"/>
+              </a:cxn>
+              <a:cxn ang="0">
+                <a:pos x="connsiteX6" y="connsiteY6"/>
+              </a:cxn>
+              <a:cxn ang="0">
+                <a:pos x="connsiteX7" y="connsiteY7"/>
+              </a:cxn>
+              <a:cxn ang="0">
+                <a:pos x="connsiteX8" y="connsiteY8"/>
+              </a:cxn>
+              <a:cxn ang="0">
+                <a:pos x="connsiteX9" y="connsiteY9"/>
+              </a:cxn>
+              <a:cxn ang="0">
+                <a:pos x="connsiteX10" y="connsiteY10"/>
+              </a:cxn>
+              <a:cxn ang="0">
+                <a:pos x="connsiteX11" y="connsiteY11"/>
+              </a:cxn>
+              <a:cxn ang="0">
+                <a:pos x="connsiteX12" y="connsiteY12"/>
+              </a:cxn>
+              <a:cxn ang="0">
+                <a:pos x="connsiteX13" y="connsiteY13"/>
+              </a:cxn>
+              <a:cxn ang="0">
+                <a:pos x="connsiteX14" y="connsiteY14"/>
+              </a:cxn>
+              <a:cxn ang="0">
+                <a:pos x="connsiteX15" y="connsiteY15"/>
+              </a:cxn>
+              <a:cxn ang="0">
+                <a:pos x="connsiteX16" y="connsiteY16"/>
+              </a:cxn>
+            </a:cxnLst>
+            <a:rect l="l" t="t" r="r" b="b"/>
+            <a:pathLst>
+              <a:path w="4343400" h="18288" fill="none" extrusionOk="0">
+                <a:moveTo>
+                  <a:pt x="0" y="0"/>
+                </a:moveTo>
+                <a:cubicBezTo>
+                  <a:pt x="233209" y="-19550"/>
+                  <a:pt x="330816" y="19068"/>
+                  <a:pt x="577052" y="0"/>
+                </a:cubicBezTo>
+                <a:cubicBezTo>
+                  <a:pt x="823288" y="-19068"/>
+                  <a:pt x="875077" y="10360"/>
+                  <a:pt x="1067235" y="0"/>
+                </a:cubicBezTo>
+                <a:cubicBezTo>
+                  <a:pt x="1259393" y="-10360"/>
+                  <a:pt x="1410699" y="2939"/>
+                  <a:pt x="1600853" y="0"/>
+                </a:cubicBezTo>
+                <a:cubicBezTo>
+                  <a:pt x="1791007" y="-2939"/>
+                  <a:pt x="2101644" y="-26225"/>
+                  <a:pt x="2264773" y="0"/>
+                </a:cubicBezTo>
+                <a:cubicBezTo>
+                  <a:pt x="2427902" y="26225"/>
+                  <a:pt x="2690426" y="-27726"/>
+                  <a:pt x="2841825" y="0"/>
+                </a:cubicBezTo>
+                <a:cubicBezTo>
+                  <a:pt x="2993224" y="27726"/>
+                  <a:pt x="3172320" y="-18569"/>
+                  <a:pt x="3375442" y="0"/>
+                </a:cubicBezTo>
+                <a:cubicBezTo>
+                  <a:pt x="3578564" y="18569"/>
+                  <a:pt x="4003119" y="21909"/>
+                  <a:pt x="4343400" y="0"/>
+                </a:cubicBezTo>
+                <a:cubicBezTo>
+                  <a:pt x="4343798" y="7429"/>
+                  <a:pt x="4343380" y="10822"/>
+                  <a:pt x="4343400" y="18288"/>
+                </a:cubicBezTo>
+                <a:cubicBezTo>
+                  <a:pt x="4109047" y="14709"/>
+                  <a:pt x="3996986" y="7919"/>
+                  <a:pt x="3722914" y="18288"/>
+                </a:cubicBezTo>
+                <a:cubicBezTo>
+                  <a:pt x="3448842" y="28657"/>
+                  <a:pt x="3340973" y="29252"/>
+                  <a:pt x="3189297" y="18288"/>
+                </a:cubicBezTo>
+                <a:cubicBezTo>
+                  <a:pt x="3037621" y="7324"/>
+                  <a:pt x="2636891" y="-9539"/>
+                  <a:pt x="2481943" y="18288"/>
+                </a:cubicBezTo>
+                <a:cubicBezTo>
+                  <a:pt x="2326995" y="46115"/>
+                  <a:pt x="2131632" y="740"/>
+                  <a:pt x="1904891" y="18288"/>
+                </a:cubicBezTo>
+                <a:cubicBezTo>
+                  <a:pt x="1678150" y="35836"/>
+                  <a:pt x="1575362" y="-3381"/>
+                  <a:pt x="1414707" y="18288"/>
+                </a:cubicBezTo>
+                <a:cubicBezTo>
+                  <a:pt x="1254052" y="39957"/>
+                  <a:pt x="1051093" y="-335"/>
+                  <a:pt x="750788" y="18288"/>
+                </a:cubicBezTo>
+                <a:cubicBezTo>
+                  <a:pt x="450483" y="36911"/>
+                  <a:pt x="293781" y="22900"/>
+                  <a:pt x="0" y="18288"/>
+                </a:cubicBezTo>
+                <a:cubicBezTo>
+                  <a:pt x="-591" y="13205"/>
+                  <a:pt x="-663" y="6329"/>
+                  <a:pt x="0" y="0"/>
+                </a:cubicBezTo>
+                <a:close/>
+              </a:path>
+              <a:path w="4343400" h="18288" stroke="0" extrusionOk="0">
+                <a:moveTo>
+                  <a:pt x="0" y="0"/>
+                </a:moveTo>
+                <a:cubicBezTo>
+                  <a:pt x="212719" y="-28531"/>
+                  <a:pt x="340561" y="-1164"/>
+                  <a:pt x="577052" y="0"/>
+                </a:cubicBezTo>
+                <a:cubicBezTo>
+                  <a:pt x="813543" y="1164"/>
+                  <a:pt x="866967" y="-9376"/>
+                  <a:pt x="1067235" y="0"/>
+                </a:cubicBezTo>
+                <a:cubicBezTo>
+                  <a:pt x="1267503" y="9376"/>
+                  <a:pt x="1485778" y="-20470"/>
+                  <a:pt x="1774589" y="0"/>
+                </a:cubicBezTo>
+                <a:cubicBezTo>
+                  <a:pt x="2063400" y="20470"/>
+                  <a:pt x="2090152" y="-14502"/>
+                  <a:pt x="2351641" y="0"/>
+                </a:cubicBezTo>
+                <a:cubicBezTo>
+                  <a:pt x="2613130" y="14502"/>
+                  <a:pt x="2802864" y="19125"/>
+                  <a:pt x="2928693" y="0"/>
+                </a:cubicBezTo>
+                <a:cubicBezTo>
+                  <a:pt x="3054522" y="-19125"/>
+                  <a:pt x="3482611" y="-2038"/>
+                  <a:pt x="3636046" y="0"/>
+                </a:cubicBezTo>
+                <a:cubicBezTo>
+                  <a:pt x="3789481" y="2038"/>
+                  <a:pt x="4012363" y="973"/>
+                  <a:pt x="4343400" y="0"/>
+                </a:cubicBezTo>
+                <a:cubicBezTo>
+                  <a:pt x="4342514" y="5429"/>
+                  <a:pt x="4344221" y="14046"/>
+                  <a:pt x="4343400" y="18288"/>
+                </a:cubicBezTo>
+                <a:cubicBezTo>
+                  <a:pt x="4078870" y="-6138"/>
+                  <a:pt x="4015967" y="29658"/>
+                  <a:pt x="3809782" y="18288"/>
+                </a:cubicBezTo>
+                <a:cubicBezTo>
+                  <a:pt x="3603597" y="6918"/>
+                  <a:pt x="3495552" y="24439"/>
+                  <a:pt x="3189297" y="18288"/>
+                </a:cubicBezTo>
+                <a:cubicBezTo>
+                  <a:pt x="2883042" y="12137"/>
+                  <a:pt x="2850610" y="32583"/>
+                  <a:pt x="2568811" y="18288"/>
+                </a:cubicBezTo>
+                <a:cubicBezTo>
+                  <a:pt x="2287012" y="3993"/>
+                  <a:pt x="2279820" y="23580"/>
+                  <a:pt x="1991759" y="18288"/>
+                </a:cubicBezTo>
+                <a:cubicBezTo>
+                  <a:pt x="1703698" y="12996"/>
+                  <a:pt x="1616455" y="23157"/>
+                  <a:pt x="1284405" y="18288"/>
+                </a:cubicBezTo>
+                <a:cubicBezTo>
+                  <a:pt x="952355" y="13419"/>
+                  <a:pt x="783530" y="16053"/>
+                  <a:pt x="577052" y="18288"/>
+                </a:cubicBezTo>
+                <a:cubicBezTo>
+                  <a:pt x="370574" y="20523"/>
+                  <a:pt x="173929" y="5195"/>
+                  <a:pt x="0" y="18288"/>
+                </a:cubicBezTo>
+                <a:cubicBezTo>
+                  <a:pt x="668" y="13665"/>
+                  <a:pt x="578" y="5675"/>
+                  <a:pt x="0" y="0"/>
+                </a:cubicBezTo>
+                <a:close/>
+              </a:path>
+            </a:pathLst>
+          </a:custGeom>
+          <a:solidFill>
+            <a:schemeClr val="accent2"/>
+          </a:solidFill>
+          <a:ln w="41275" cap="rnd">
+            <a:solidFill>
+              <a:schemeClr val="accent2"/>
+            </a:solidFill>
+            <a:round/>
+            <a:extLst>
+              <a:ext uri="{C807C97D-BFC1-408E-A445-0C87EB9F89A2}">
+                <ask:lineSketchStyleProps xmlns:ask="http://schemas.microsoft.com/office/drawing/2018/sketchyshapes" sd="1219033472">
+                  <a:prstGeom prst="rect">
+                    <a:avLst/>
+                  </a:prstGeom>
+                  <ask:type>
+                    <ask:lineSketchFreehand/>
+                  </ask:type>
+                </ask:lineSketchStyleProps>
+              </a:ext>
+            </a:extLst>
+          </a:ln>
+        </p:spPr>
+        <p:style>
+          <a:lnRef idx="2">
+            <a:schemeClr val="accent1">
+              <a:shade val="50000"/>
+            </a:schemeClr>
+          </a:lnRef>
+          <a:fillRef idx="1">
+            <a:schemeClr val="accent1"/>
+          </a:fillRef>
+          <a:effectRef idx="0">
+            <a:schemeClr val="accent1"/>
+          </a:effectRef>
+          <a:fontRef idx="minor">
+            <a:schemeClr val="lt1"/>
+          </a:fontRef>
+        </p:style>
+        <p:txBody>
+          <a:bodyPr rtlCol="0" anchor="ctr"/>
+          <a:lstStyle/>
+          <a:p>
+            <a:pPr algn="ctr"/>
+            <a:endParaRPr lang="en-US"/>
+          </a:p>
+        </p:txBody>
+      </p:sp>
+      <p:sp>
+        <p:nvSpPr>
+          <p:cNvPr id="3" name="Segnaposto contenuto 2">
+            <a:extLst>
+              <a:ext uri="{FF2B5EF4-FFF2-40B4-BE49-F238E27FC236}">
+                <a16:creationId xmlns:a16="http://schemas.microsoft.com/office/drawing/2014/main" id="{22848005-1243-BBED-EDA3-1FD4A4F6DA76}"/>
+              </a:ext>
+            </a:extLst>
+          </p:cNvPr>
+          <p:cNvSpPr>
+            <a:spLocks noGrp="1"/>
+          </p:cNvSpPr>
+          <p:nvPr>
+            <p:ph idx="1"/>
+          </p:nvPr>
+        </p:nvSpPr>
+        <p:spPr>
+          <a:xfrm>
+            <a:off x="612648" y="2785937"/>
+            <a:ext cx="5008506" cy="3331787"/>
+          </a:xfrm>
+        </p:spPr>
+        <p:txBody>
+          <a:bodyPr>
+            <a:normAutofit/>
+          </a:bodyPr>
+          <a:lstStyle/>
+          <a:p>
+            <a:pPr marL="0" indent="0" algn="just">
+              <a:buNone/>
+            </a:pPr>
+            <a:r>
+              <a:rPr lang="it-IT" sz="2200" dirty="0"/>
+              <a:t>Come si nota dai grafici dopo 1.5 minuti dall’inizio della simulazione, il controllo sugli ingressi viene saturato per far convergere lo stato più rapidamente al </a:t>
+            </a:r>
+            <a:r>
+              <a:rPr lang="it-IT" sz="2200" dirty="0" err="1"/>
+              <a:t>setpoint</a:t>
+            </a:r>
+            <a:r>
+              <a:rPr lang="it-IT" sz="2200" dirty="0"/>
+              <a:t>. Ciò implica una variazione rapida degli stati che come si nota superano anche il valore di riferimento prima di stabilizzarsi.</a:t>
+            </a:r>
+          </a:p>
+          <a:p>
+            <a:pPr marL="0" indent="0" algn="just">
+              <a:buNone/>
+            </a:pPr>
+            <a:endParaRPr lang="it-IT" sz="2200" dirty="0"/>
+          </a:p>
+          <a:p>
+            <a:pPr marL="0" indent="0" algn="just">
+              <a:buNone/>
+            </a:pPr>
+            <a:endParaRPr lang="it-IT" sz="2200" dirty="0"/>
+          </a:p>
+        </p:txBody>
+      </p:sp>
+      <p:pic>
+        <p:nvPicPr>
+          <p:cNvPr id="6" name="Immagine 5">
+            <a:extLst>
+              <a:ext uri="{FF2B5EF4-FFF2-40B4-BE49-F238E27FC236}">
+                <a16:creationId xmlns:a16="http://schemas.microsoft.com/office/drawing/2014/main" id="{67E5B704-EB2F-B476-7096-AAE5EADFE618}"/>
+              </a:ext>
+            </a:extLst>
+          </p:cNvPr>
+          <p:cNvPicPr>
+            <a:picLocks noChangeAspect="1"/>
+          </p:cNvPicPr>
+          <p:nvPr/>
+        </p:nvPicPr>
+        <p:blipFill>
+          <a:blip r:embed="rId2">
+            <a:extLst>
+              <a:ext uri="{28A0092B-C50C-407E-A947-70E740481C1C}">
+                <a14:useLocalDpi xmlns:a14="http://schemas.microsoft.com/office/drawing/2010/main" val="0"/>
+              </a:ext>
+            </a:extLst>
+          </a:blip>
+          <a:srcRect l="-975" r="-1532"/>
+          <a:stretch>
+            <a:fillRect/>
+          </a:stretch>
+        </p:blipFill>
+        <p:spPr>
+          <a:xfrm>
+            <a:off x="9040767" y="365125"/>
+            <a:ext cx="3029313" cy="2316397"/>
+          </a:xfrm>
+          <a:prstGeom prst="rect">
+            <a:avLst/>
+          </a:prstGeom>
+        </p:spPr>
+      </p:pic>
+      <p:sp>
+        <p:nvSpPr>
+          <p:cNvPr id="4" name="Segnaposto piè di pagina 3">
+            <a:extLst>
+              <a:ext uri="{FF2B5EF4-FFF2-40B4-BE49-F238E27FC236}">
+                <a16:creationId xmlns:a16="http://schemas.microsoft.com/office/drawing/2014/main" id="{9E6AD1AF-1930-08AF-3476-C21E563ACFB0}"/>
+              </a:ext>
+            </a:extLst>
+          </p:cNvPr>
+          <p:cNvSpPr>
+            <a:spLocks noGrp="1"/>
+          </p:cNvSpPr>
+          <p:nvPr>
+            <p:ph type="ftr" sz="quarter" idx="11"/>
+          </p:nvPr>
+        </p:nvSpPr>
+        <p:spPr>
+          <a:xfrm>
+            <a:off x="4038600" y="6356350"/>
+            <a:ext cx="4114800" cy="365125"/>
+          </a:xfrm>
+        </p:spPr>
+        <p:txBody>
+          <a:bodyPr>
+            <a:normAutofit/>
+          </a:bodyPr>
+          <a:lstStyle/>
+          <a:p>
+            <a:pPr>
+              <a:spcAft>
+                <a:spcPts val="600"/>
+              </a:spcAft>
+            </a:pPr>
+            <a:r>
+              <a:rPr lang="it-IT"/>
+              <a:t>Davide Brambilla [1080752], Giorgio Passarella[1079287]</a:t>
+            </a:r>
+          </a:p>
+        </p:txBody>
+      </p:sp>
+      <p:pic>
+        <p:nvPicPr>
+          <p:cNvPr id="7" name="Immagine 6">
+            <a:extLst>
+              <a:ext uri="{FF2B5EF4-FFF2-40B4-BE49-F238E27FC236}">
+                <a16:creationId xmlns:a16="http://schemas.microsoft.com/office/drawing/2014/main" id="{887F17E1-4A86-E069-6ADC-D4F746868666}"/>
+              </a:ext>
+            </a:extLst>
+          </p:cNvPr>
+          <p:cNvPicPr>
+            <a:picLocks noChangeAspect="1"/>
+          </p:cNvPicPr>
+          <p:nvPr/>
+        </p:nvPicPr>
+        <p:blipFill>
+          <a:blip r:embed="rId3">
+            <a:extLst>
+              <a:ext uri="{28A0092B-C50C-407E-A947-70E740481C1C}">
+                <a14:useLocalDpi xmlns:a14="http://schemas.microsoft.com/office/drawing/2010/main" val="0"/>
+              </a:ext>
+            </a:extLst>
+          </a:blip>
+          <a:srcRect/>
+          <a:stretch/>
+        </p:blipFill>
+        <p:spPr>
+          <a:xfrm>
+            <a:off x="5741280" y="2785938"/>
+            <a:ext cx="6328800" cy="3331787"/>
+          </a:xfrm>
+          <a:prstGeom prst="rect">
+            <a:avLst/>
+          </a:prstGeom>
+        </p:spPr>
+      </p:pic>
+    </p:spTree>
+    <p:extLst>
+      <p:ext uri="{BB962C8B-B14F-4D97-AF65-F5344CB8AC3E}">
+        <p14:creationId xmlns:p14="http://schemas.microsoft.com/office/powerpoint/2010/main" val="3970185295"/>
+      </p:ext>
+    </p:extLst>
+  </p:cSld>
+  <p:clrMapOvr>
+    <a:masterClrMapping/>
+  </p:clrMapOvr>
+</p:sld>
+</file>
+
+<file path=ppt/slides/slide25.xml><?xml version="1.0" encoding="utf-8"?>
+<p:sld xmlns:a="http://schemas.openxmlformats.org/drawingml/2006/main" xmlns:r="http://schemas.openxmlformats.org/officeDocument/2006/relationships" xmlns:p="http://schemas.openxmlformats.org/presentationml/2006/main">
+  <p:cSld>
+    <p:bg>
+      <p:bgPr>
+        <a:solidFill>
+          <a:schemeClr val="bg1"/>
+        </a:solidFill>
+        <a:effectLst/>
+      </p:bgPr>
+    </p:bg>
+    <p:spTree>
+      <p:nvGrpSpPr>
+        <p:cNvPr id="1" name="">
+          <a:extLst>
+            <a:ext uri="{FF2B5EF4-FFF2-40B4-BE49-F238E27FC236}">
+              <a16:creationId xmlns:a16="http://schemas.microsoft.com/office/drawing/2014/main" id="{A8117F4D-B6D7-1D2B-8F4B-FD8C74E29FC4}"/>
+            </a:ext>
+          </a:extLst>
+        </p:cNvPr>
+        <p:cNvGrpSpPr/>
+        <p:nvPr/>
+      </p:nvGrpSpPr>
+      <p:grpSpPr>
+        <a:xfrm>
+          <a:off x="0" y="0"/>
+          <a:ext cx="0" cy="0"/>
+          <a:chOff x="0" y="0"/>
+          <a:chExt cx="0" cy="0"/>
+        </a:xfrm>
+      </p:grpSpPr>
+      <p:sp useBgFill="1">
+        <p:nvSpPr>
+          <p:cNvPr id="13" name="Rectangle 12">
+            <a:extLst>
+              <a:ext uri="{FF2B5EF4-FFF2-40B4-BE49-F238E27FC236}">
+                <a16:creationId xmlns:a16="http://schemas.microsoft.com/office/drawing/2014/main" id="{D18BD9A3-5656-F7AA-D632-4E09296238AF}"/>
+              </a:ext>
+              <a:ext uri="{C183D7F6-B498-43B3-948B-1728B52AA6E4}">
+                <adec:decorative xmlns:adec="http://schemas.microsoft.com/office/drawing/2017/decorative" val="1"/>
+              </a:ext>
+            </a:extLst>
+          </p:cNvPr>
+          <p:cNvSpPr>
+            <a:spLocks noGrp="1" noRot="1" noChangeAspect="1" noMove="1" noResize="1" noEditPoints="1" noAdjustHandles="1" noChangeArrowheads="1" noChangeShapeType="1" noTextEdit="1"/>
+          </p:cNvSpPr>
+          <p:nvPr>
+            <p:extLst>
+              <p:ext uri="{386F3935-93C4-4BCD-93E2-E3B085C9AB24}">
+                <p16:designElem xmlns:p16="http://schemas.microsoft.com/office/powerpoint/2015/main" val="1"/>
+              </p:ext>
+            </p:extLst>
+          </p:nvPr>
+        </p:nvSpPr>
+        <p:spPr>
+          <a:xfrm>
+            <a:off x="0" y="0"/>
+            <a:ext cx="12188952" cy="6858000"/>
+          </a:xfrm>
+          <a:prstGeom prst="rect">
+            <a:avLst/>
+          </a:prstGeom>
+          <a:ln>
+            <a:noFill/>
+          </a:ln>
+        </p:spPr>
+        <p:style>
+          <a:lnRef idx="2">
+            <a:schemeClr val="accent1">
+              <a:shade val="50000"/>
+            </a:schemeClr>
+          </a:lnRef>
+          <a:fillRef idx="1">
+            <a:schemeClr val="accent1"/>
+          </a:fillRef>
+          <a:effectRef idx="0">
+            <a:schemeClr val="accent1"/>
+          </a:effectRef>
+          <a:fontRef idx="minor">
+            <a:schemeClr val="lt1"/>
+          </a:fontRef>
+        </p:style>
+        <p:txBody>
+          <a:bodyPr rtlCol="0" anchor="ctr"/>
+          <a:lstStyle/>
+          <a:p>
+            <a:pPr algn="ctr"/>
+            <a:endParaRPr lang="en-US"/>
+          </a:p>
+        </p:txBody>
+      </p:sp>
+      <p:sp>
+        <p:nvSpPr>
+          <p:cNvPr id="2" name="Titolo 1">
+            <a:extLst>
+              <a:ext uri="{FF2B5EF4-FFF2-40B4-BE49-F238E27FC236}">
+                <a16:creationId xmlns:a16="http://schemas.microsoft.com/office/drawing/2014/main" id="{2EA76F74-0922-E6B5-E242-050E72F5FF5B}"/>
+              </a:ext>
+            </a:extLst>
+          </p:cNvPr>
+          <p:cNvSpPr>
+            <a:spLocks noGrp="1"/>
+          </p:cNvSpPr>
+          <p:nvPr>
+            <p:ph type="title"/>
+          </p:nvPr>
+        </p:nvSpPr>
+        <p:spPr>
+          <a:xfrm>
+            <a:off x="640079" y="329184"/>
+            <a:ext cx="10477099" cy="1783080"/>
+          </a:xfrm>
+        </p:spPr>
+        <p:txBody>
+          <a:bodyPr anchor="b">
+            <a:normAutofit/>
+          </a:bodyPr>
+          <a:lstStyle/>
+          <a:p>
+            <a:r>
+              <a:rPr lang="it-IT" sz="5400" dirty="0"/>
+              <a:t>Simulazione MPC </a:t>
+            </a:r>
+            <a:r>
+              <a:rPr lang="it-IT" sz="3600" dirty="0"/>
+              <a:t>(caso aggressivo)</a:t>
+            </a:r>
+            <a:endParaRPr lang="it-IT" sz="5400" dirty="0"/>
+          </a:p>
+        </p:txBody>
+      </p:sp>
+      <p:sp>
+        <p:nvSpPr>
+          <p:cNvPr id="15" name="sketch line">
+            <a:extLst>
+              <a:ext uri="{FF2B5EF4-FFF2-40B4-BE49-F238E27FC236}">
+                <a16:creationId xmlns:a16="http://schemas.microsoft.com/office/drawing/2014/main" id="{40734C84-DE06-B5BD-019A-66A95C8E2FC1}"/>
+              </a:ext>
+              <a:ext uri="{C183D7F6-B498-43B3-948B-1728B52AA6E4}">
+                <adec:decorative xmlns:adec="http://schemas.microsoft.com/office/drawing/2017/decorative" val="1"/>
+              </a:ext>
+            </a:extLst>
+          </p:cNvPr>
+          <p:cNvSpPr>
+            <a:spLocks noGrp="1" noRot="1" noChangeAspect="1" noMove="1" noResize="1" noEditPoints="1" noAdjustHandles="1" noChangeArrowheads="1" noChangeShapeType="1" noTextEdit="1"/>
+          </p:cNvSpPr>
+          <p:nvPr>
+            <p:extLst>
+              <p:ext uri="{386F3935-93C4-4BCD-93E2-E3B085C9AB24}">
+                <p16:designElem xmlns:p16="http://schemas.microsoft.com/office/powerpoint/2015/main" val="1"/>
+              </p:ext>
+            </p:extLst>
+          </p:nvPr>
+        </p:nvSpPr>
+        <p:spPr>
+          <a:xfrm>
+            <a:off x="758952" y="2395728"/>
+            <a:ext cx="4243589" cy="18288"/>
+          </a:xfrm>
+          <a:custGeom>
+            <a:avLst/>
+            <a:gdLst>
+              <a:gd name="connsiteX0" fmla="*/ 0 w 4243589"/>
+              <a:gd name="connsiteY0" fmla="*/ 0 h 18288"/>
+              <a:gd name="connsiteX1" fmla="*/ 478919 w 4243589"/>
+              <a:gd name="connsiteY1" fmla="*/ 0 h 18288"/>
+              <a:gd name="connsiteX2" fmla="*/ 957839 w 4243589"/>
+              <a:gd name="connsiteY2" fmla="*/ 0 h 18288"/>
+              <a:gd name="connsiteX3" fmla="*/ 1521630 w 4243589"/>
+              <a:gd name="connsiteY3" fmla="*/ 0 h 18288"/>
+              <a:gd name="connsiteX4" fmla="*/ 2212729 w 4243589"/>
+              <a:gd name="connsiteY4" fmla="*/ 0 h 18288"/>
+              <a:gd name="connsiteX5" fmla="*/ 2734084 w 4243589"/>
+              <a:gd name="connsiteY5" fmla="*/ 0 h 18288"/>
+              <a:gd name="connsiteX6" fmla="*/ 3255439 w 4243589"/>
+              <a:gd name="connsiteY6" fmla="*/ 0 h 18288"/>
+              <a:gd name="connsiteX7" fmla="*/ 4243589 w 4243589"/>
+              <a:gd name="connsiteY7" fmla="*/ 0 h 18288"/>
+              <a:gd name="connsiteX8" fmla="*/ 4243589 w 4243589"/>
+              <a:gd name="connsiteY8" fmla="*/ 18288 h 18288"/>
+              <a:gd name="connsiteX9" fmla="*/ 3594926 w 4243589"/>
+              <a:gd name="connsiteY9" fmla="*/ 18288 h 18288"/>
+              <a:gd name="connsiteX10" fmla="*/ 3073571 w 4243589"/>
+              <a:gd name="connsiteY10" fmla="*/ 18288 h 18288"/>
+              <a:gd name="connsiteX11" fmla="*/ 2552216 w 4243589"/>
+              <a:gd name="connsiteY11" fmla="*/ 18288 h 18288"/>
+              <a:gd name="connsiteX12" fmla="*/ 1903553 w 4243589"/>
+              <a:gd name="connsiteY12" fmla="*/ 18288 h 18288"/>
+              <a:gd name="connsiteX13" fmla="*/ 1212454 w 4243589"/>
+              <a:gd name="connsiteY13" fmla="*/ 18288 h 18288"/>
+              <a:gd name="connsiteX14" fmla="*/ 733535 w 4243589"/>
+              <a:gd name="connsiteY14" fmla="*/ 18288 h 18288"/>
+              <a:gd name="connsiteX15" fmla="*/ 0 w 4243589"/>
+              <a:gd name="connsiteY15" fmla="*/ 18288 h 18288"/>
+              <a:gd name="connsiteX16" fmla="*/ 0 w 4243589"/>
+              <a:gd name="connsiteY16" fmla="*/ 0 h 18288"/>
+            </a:gdLst>
+            <a:ahLst/>
+            <a:cxnLst>
+              <a:cxn ang="0">
+                <a:pos x="connsiteX0" y="connsiteY0"/>
+              </a:cxn>
+              <a:cxn ang="0">
+                <a:pos x="connsiteX1" y="connsiteY1"/>
+              </a:cxn>
+              <a:cxn ang="0">
+                <a:pos x="connsiteX2" y="connsiteY2"/>
+              </a:cxn>
+              <a:cxn ang="0">
+                <a:pos x="connsiteX3" y="connsiteY3"/>
+              </a:cxn>
+              <a:cxn ang="0">
+                <a:pos x="connsiteX4" y="connsiteY4"/>
+              </a:cxn>
+              <a:cxn ang="0">
+                <a:pos x="connsiteX5" y="connsiteY5"/>
+              </a:cxn>
+              <a:cxn ang="0">
+                <a:pos x="connsiteX6" y="connsiteY6"/>
+              </a:cxn>
+              <a:cxn ang="0">
+                <a:pos x="connsiteX7" y="connsiteY7"/>
+              </a:cxn>
+              <a:cxn ang="0">
+                <a:pos x="connsiteX8" y="connsiteY8"/>
+              </a:cxn>
+              <a:cxn ang="0">
+                <a:pos x="connsiteX9" y="connsiteY9"/>
+              </a:cxn>
+              <a:cxn ang="0">
+                <a:pos x="connsiteX10" y="connsiteY10"/>
+              </a:cxn>
+              <a:cxn ang="0">
+                <a:pos x="connsiteX11" y="connsiteY11"/>
+              </a:cxn>
+              <a:cxn ang="0">
+                <a:pos x="connsiteX12" y="connsiteY12"/>
+              </a:cxn>
+              <a:cxn ang="0">
+                <a:pos x="connsiteX13" y="connsiteY13"/>
+              </a:cxn>
+              <a:cxn ang="0">
+                <a:pos x="connsiteX14" y="connsiteY14"/>
+              </a:cxn>
+              <a:cxn ang="0">
+                <a:pos x="connsiteX15" y="connsiteY15"/>
+              </a:cxn>
+              <a:cxn ang="0">
+                <a:pos x="connsiteX16" y="connsiteY16"/>
+              </a:cxn>
+            </a:cxnLst>
+            <a:rect l="l" t="t" r="r" b="b"/>
+            <a:pathLst>
+              <a:path w="4243589" h="18288" fill="none" extrusionOk="0">
+                <a:moveTo>
+                  <a:pt x="0" y="0"/>
+                </a:moveTo>
+                <a:cubicBezTo>
+                  <a:pt x="213395" y="-21006"/>
+                  <a:pt x="307421" y="-18116"/>
+                  <a:pt x="478919" y="0"/>
+                </a:cubicBezTo>
+                <a:cubicBezTo>
+                  <a:pt x="650417" y="18116"/>
+                  <a:pt x="831092" y="-21237"/>
+                  <a:pt x="957839" y="0"/>
+                </a:cubicBezTo>
+                <a:cubicBezTo>
+                  <a:pt x="1084586" y="21237"/>
+                  <a:pt x="1301682" y="25124"/>
+                  <a:pt x="1521630" y="0"/>
+                </a:cubicBezTo>
+                <a:cubicBezTo>
+                  <a:pt x="1741578" y="-25124"/>
+                  <a:pt x="1970269" y="-29139"/>
+                  <a:pt x="2212729" y="0"/>
+                </a:cubicBezTo>
+                <a:cubicBezTo>
+                  <a:pt x="2455189" y="29139"/>
+                  <a:pt x="2558847" y="-4796"/>
+                  <a:pt x="2734084" y="0"/>
+                </a:cubicBezTo>
+                <a:cubicBezTo>
+                  <a:pt x="2909321" y="4796"/>
+                  <a:pt x="3097217" y="-13409"/>
+                  <a:pt x="3255439" y="0"/>
+                </a:cubicBezTo>
+                <a:cubicBezTo>
+                  <a:pt x="3413662" y="13409"/>
+                  <a:pt x="3979999" y="-10121"/>
+                  <a:pt x="4243589" y="0"/>
+                </a:cubicBezTo>
+                <a:cubicBezTo>
+                  <a:pt x="4244484" y="8974"/>
+                  <a:pt x="4243043" y="9359"/>
+                  <a:pt x="4243589" y="18288"/>
+                </a:cubicBezTo>
+                <a:cubicBezTo>
+                  <a:pt x="4058777" y="31246"/>
+                  <a:pt x="3910348" y="3158"/>
+                  <a:pt x="3594926" y="18288"/>
+                </a:cubicBezTo>
+                <a:cubicBezTo>
+                  <a:pt x="3279504" y="33418"/>
+                  <a:pt x="3319955" y="-3977"/>
+                  <a:pt x="3073571" y="18288"/>
+                </a:cubicBezTo>
+                <a:cubicBezTo>
+                  <a:pt x="2827187" y="40553"/>
+                  <a:pt x="2767387" y="1863"/>
+                  <a:pt x="2552216" y="18288"/>
+                </a:cubicBezTo>
+                <a:cubicBezTo>
+                  <a:pt x="2337046" y="34713"/>
+                  <a:pt x="2181871" y="19527"/>
+                  <a:pt x="1903553" y="18288"/>
+                </a:cubicBezTo>
+                <a:cubicBezTo>
+                  <a:pt x="1625235" y="17049"/>
+                  <a:pt x="1557672" y="24174"/>
+                  <a:pt x="1212454" y="18288"/>
+                </a:cubicBezTo>
+                <a:cubicBezTo>
+                  <a:pt x="867236" y="12402"/>
+                  <a:pt x="874382" y="15627"/>
+                  <a:pt x="733535" y="18288"/>
+                </a:cubicBezTo>
+                <a:cubicBezTo>
+                  <a:pt x="592688" y="20949"/>
+                  <a:pt x="183477" y="14753"/>
+                  <a:pt x="0" y="18288"/>
+                </a:cubicBezTo>
+                <a:cubicBezTo>
+                  <a:pt x="-229" y="14222"/>
+                  <a:pt x="509" y="5816"/>
+                  <a:pt x="0" y="0"/>
+                </a:cubicBezTo>
+                <a:close/>
+              </a:path>
+              <a:path w="4243589" h="18288" stroke="0" extrusionOk="0">
+                <a:moveTo>
+                  <a:pt x="0" y="0"/>
+                </a:moveTo>
+                <a:cubicBezTo>
+                  <a:pt x="143690" y="16630"/>
+                  <a:pt x="266667" y="14847"/>
+                  <a:pt x="521355" y="0"/>
+                </a:cubicBezTo>
+                <a:cubicBezTo>
+                  <a:pt x="776043" y="-14847"/>
+                  <a:pt x="814491" y="-17363"/>
+                  <a:pt x="1000275" y="0"/>
+                </a:cubicBezTo>
+                <a:cubicBezTo>
+                  <a:pt x="1186059" y="17363"/>
+                  <a:pt x="1352504" y="-23507"/>
+                  <a:pt x="1521630" y="0"/>
+                </a:cubicBezTo>
+                <a:cubicBezTo>
+                  <a:pt x="1690756" y="23507"/>
+                  <a:pt x="1889525" y="5871"/>
+                  <a:pt x="2127857" y="0"/>
+                </a:cubicBezTo>
+                <a:cubicBezTo>
+                  <a:pt x="2366189" y="-5871"/>
+                  <a:pt x="2620628" y="-27997"/>
+                  <a:pt x="2776520" y="0"/>
+                </a:cubicBezTo>
+                <a:cubicBezTo>
+                  <a:pt x="2932412" y="27997"/>
+                  <a:pt x="3131683" y="-25073"/>
+                  <a:pt x="3467618" y="0"/>
+                </a:cubicBezTo>
+                <a:cubicBezTo>
+                  <a:pt x="3803553" y="25073"/>
+                  <a:pt x="4017371" y="3071"/>
+                  <a:pt x="4243589" y="0"/>
+                </a:cubicBezTo>
+                <a:cubicBezTo>
+                  <a:pt x="4243134" y="6162"/>
+                  <a:pt x="4243492" y="11775"/>
+                  <a:pt x="4243589" y="18288"/>
+                </a:cubicBezTo>
+                <a:cubicBezTo>
+                  <a:pt x="4017834" y="-5779"/>
+                  <a:pt x="3834586" y="13376"/>
+                  <a:pt x="3594926" y="18288"/>
+                </a:cubicBezTo>
+                <a:cubicBezTo>
+                  <a:pt x="3355266" y="23200"/>
+                  <a:pt x="3204179" y="2869"/>
+                  <a:pt x="2903827" y="18288"/>
+                </a:cubicBezTo>
+                <a:cubicBezTo>
+                  <a:pt x="2603475" y="33707"/>
+                  <a:pt x="2526187" y="46187"/>
+                  <a:pt x="2212729" y="18288"/>
+                </a:cubicBezTo>
+                <a:cubicBezTo>
+                  <a:pt x="1899271" y="-9611"/>
+                  <a:pt x="1966289" y="29692"/>
+                  <a:pt x="1733809" y="18288"/>
+                </a:cubicBezTo>
+                <a:cubicBezTo>
+                  <a:pt x="1501329" y="6884"/>
+                  <a:pt x="1343612" y="12492"/>
+                  <a:pt x="1085146" y="18288"/>
+                </a:cubicBezTo>
+                <a:cubicBezTo>
+                  <a:pt x="826680" y="24084"/>
+                  <a:pt x="778184" y="35607"/>
+                  <a:pt x="521355" y="18288"/>
+                </a:cubicBezTo>
+                <a:cubicBezTo>
+                  <a:pt x="264526" y="969"/>
+                  <a:pt x="120277" y="4268"/>
+                  <a:pt x="0" y="18288"/>
+                </a:cubicBezTo>
+                <a:cubicBezTo>
+                  <a:pt x="766" y="10800"/>
+                  <a:pt x="-457" y="8180"/>
+                  <a:pt x="0" y="0"/>
+                </a:cubicBezTo>
+                <a:close/>
+              </a:path>
+            </a:pathLst>
+          </a:custGeom>
+          <a:solidFill>
+            <a:schemeClr val="accent2"/>
+          </a:solidFill>
+          <a:ln w="41275" cap="rnd">
+            <a:solidFill>
+              <a:schemeClr val="accent2"/>
+            </a:solidFill>
+            <a:round/>
+            <a:extLst>
+              <a:ext uri="{C807C97D-BFC1-408E-A445-0C87EB9F89A2}">
+                <ask:lineSketchStyleProps xmlns:ask="http://schemas.microsoft.com/office/drawing/2018/sketchyshapes" sd="2727557108">
+                  <a:prstGeom prst="rect">
+                    <a:avLst/>
+                  </a:prstGeom>
+                  <ask:type>
+                    <ask:lineSketchFreehand/>
+                  </ask:type>
+                </ask:lineSketchStyleProps>
+              </a:ext>
+            </a:extLst>
+          </a:ln>
+        </p:spPr>
+        <p:style>
+          <a:lnRef idx="2">
+            <a:schemeClr val="accent1">
+              <a:shade val="50000"/>
+            </a:schemeClr>
+          </a:lnRef>
+          <a:fillRef idx="1">
+            <a:schemeClr val="accent1"/>
+          </a:fillRef>
+          <a:effectRef idx="0">
+            <a:schemeClr val="accent1"/>
+          </a:effectRef>
+          <a:fontRef idx="minor">
+            <a:schemeClr val="lt1"/>
+          </a:fontRef>
+        </p:style>
+        <p:txBody>
+          <a:bodyPr rtlCol="0" anchor="ctr"/>
+          <a:lstStyle/>
+          <a:p>
+            <a:pPr algn="ctr"/>
+            <a:endParaRPr lang="en-US"/>
+          </a:p>
+        </p:txBody>
+      </p:sp>
+      <p:sp>
+        <p:nvSpPr>
+          <p:cNvPr id="3" name="Segnaposto contenuto 2">
+            <a:extLst>
+              <a:ext uri="{FF2B5EF4-FFF2-40B4-BE49-F238E27FC236}">
+                <a16:creationId xmlns:a16="http://schemas.microsoft.com/office/drawing/2014/main" id="{CAD03493-B7C3-2041-3BA1-A9D50364DC93}"/>
+              </a:ext>
+            </a:extLst>
+          </p:cNvPr>
+          <p:cNvSpPr>
+            <a:spLocks noGrp="1"/>
+          </p:cNvSpPr>
+          <p:nvPr>
+            <p:ph idx="1"/>
+          </p:nvPr>
+        </p:nvSpPr>
+        <p:spPr>
+          <a:xfrm>
+            <a:off x="574230" y="2706624"/>
+            <a:ext cx="5123926" cy="980814"/>
+          </a:xfrm>
+        </p:spPr>
+        <p:txBody>
+          <a:bodyPr>
+            <a:normAutofit/>
+          </a:bodyPr>
+          <a:lstStyle/>
+          <a:p>
+            <a:pPr marL="0" indent="0" algn="just">
+              <a:buNone/>
+            </a:pPr>
+            <a:r>
+              <a:rPr lang="it-IT" sz="2000" dirty="0"/>
+              <a:t>Abbiamo ripetuto la simulazione facendo variare i parametri di progetto per vedere la risposta del controllore progettato.</a:t>
+            </a:r>
+          </a:p>
+          <a:p>
+            <a:pPr marL="0" indent="0" algn="just">
+              <a:buNone/>
+            </a:pPr>
+            <a:endParaRPr lang="it-IT" sz="2000" dirty="0"/>
+          </a:p>
+          <a:p>
+            <a:pPr algn="just"/>
+            <a:endParaRPr lang="it-IT" sz="2200" dirty="0"/>
+          </a:p>
+        </p:txBody>
+      </p:sp>
+      <p:sp>
+        <p:nvSpPr>
+          <p:cNvPr id="4" name="Segnaposto piè di pagina 3">
+            <a:extLst>
+              <a:ext uri="{FF2B5EF4-FFF2-40B4-BE49-F238E27FC236}">
+                <a16:creationId xmlns:a16="http://schemas.microsoft.com/office/drawing/2014/main" id="{8807DE7D-EBB5-D09A-6BBA-FEDD86F325F4}"/>
+              </a:ext>
+            </a:extLst>
+          </p:cNvPr>
+          <p:cNvSpPr>
+            <a:spLocks noGrp="1"/>
+          </p:cNvSpPr>
+          <p:nvPr>
+            <p:ph type="ftr" sz="quarter" idx="11"/>
+          </p:nvPr>
+        </p:nvSpPr>
+        <p:spPr>
+          <a:xfrm>
+            <a:off x="4038600" y="6356350"/>
+            <a:ext cx="4114800" cy="365125"/>
+          </a:xfrm>
+        </p:spPr>
+        <p:txBody>
+          <a:bodyPr>
+            <a:normAutofit/>
+          </a:bodyPr>
+          <a:lstStyle/>
+          <a:p>
+            <a:pPr>
+              <a:spcAft>
+                <a:spcPts val="600"/>
+              </a:spcAft>
+            </a:pPr>
+            <a:r>
+              <a:rPr lang="it-IT"/>
+              <a:t>Davide Brambilla [1080752], Giorgio Passarella[1079287]</a:t>
+            </a:r>
+          </a:p>
+        </p:txBody>
+      </p:sp>
+      <p:pic>
+        <p:nvPicPr>
+          <p:cNvPr id="7" name="Immagine 6">
+            <a:extLst>
+              <a:ext uri="{FF2B5EF4-FFF2-40B4-BE49-F238E27FC236}">
+                <a16:creationId xmlns:a16="http://schemas.microsoft.com/office/drawing/2014/main" id="{465C0C00-3C55-DFC4-25F3-616C15237C8E}"/>
+              </a:ext>
+            </a:extLst>
+          </p:cNvPr>
+          <p:cNvPicPr>
+            <a:picLocks noChangeAspect="1"/>
+          </p:cNvPicPr>
+          <p:nvPr/>
+        </p:nvPicPr>
+        <p:blipFill>
+          <a:blip r:embed="rId2">
+            <a:extLst>
+              <a:ext uri="{28A0092B-C50C-407E-A947-70E740481C1C}">
+                <a14:useLocalDpi xmlns:a14="http://schemas.microsoft.com/office/drawing/2010/main" val="0"/>
+              </a:ext>
+            </a:extLst>
+          </a:blip>
+          <a:srcRect/>
+          <a:stretch/>
+        </p:blipFill>
+        <p:spPr>
+          <a:xfrm>
+            <a:off x="6197271" y="2945035"/>
+            <a:ext cx="5697774" cy="3324689"/>
+          </a:xfrm>
+          <a:prstGeom prst="rect">
+            <a:avLst/>
+          </a:prstGeom>
+        </p:spPr>
+      </p:pic>
+      <p:sp>
+        <p:nvSpPr>
+          <p:cNvPr id="10" name="Segnaposto contenuto 2">
+            <a:extLst>
+              <a:ext uri="{FF2B5EF4-FFF2-40B4-BE49-F238E27FC236}">
+                <a16:creationId xmlns:a16="http://schemas.microsoft.com/office/drawing/2014/main" id="{D2A15F64-C2CE-355F-43B1-93E884CAF80C}"/>
+              </a:ext>
+            </a:extLst>
+          </p:cNvPr>
+          <p:cNvSpPr txBox="1">
+            <a:spLocks/>
+          </p:cNvSpPr>
+          <p:nvPr/>
+        </p:nvSpPr>
+        <p:spPr>
+          <a:xfrm>
+            <a:off x="574231" y="3633854"/>
+            <a:ext cx="5123926" cy="1783080"/>
+          </a:xfrm>
+          <a:prstGeom prst="rect">
+            <a:avLst/>
+          </a:prstGeom>
+        </p:spPr>
+        <p:txBody>
+          <a:bodyPr vert="horz" lIns="91440" tIns="45720" rIns="91440" bIns="45720" rtlCol="0">
+            <a:normAutofit/>
+          </a:bodyPr>
+          <a:lstStyle>
+            <a:lvl1pPr marL="228600" indent="-228600" algn="l" defTabSz="914400" rtl="0" eaLnBrk="1" latinLnBrk="0" hangingPunct="1">
+              <a:lnSpc>
+                <a:spcPct val="90000"/>
+              </a:lnSpc>
+              <a:spcBef>
+                <a:spcPts val="1000"/>
+              </a:spcBef>
+              <a:buFont typeface="Arial" panose="020B0604020202020204" pitchFamily="34" charset="0"/>
+              <a:buChar char="•"/>
+              <a:defRPr sz="2800" kern="1200">
+                <a:solidFill>
+                  <a:schemeClr val="tx1"/>
+                </a:solidFill>
+                <a:latin typeface="+mn-lt"/>
+                <a:ea typeface="+mn-ea"/>
+                <a:cs typeface="+mn-cs"/>
+              </a:defRPr>
+            </a:lvl1pPr>
+            <a:lvl2pPr marL="685800" indent="-228600" algn="l" defTabSz="914400" rtl="0" eaLnBrk="1" latinLnBrk="0" hangingPunct="1">
+              <a:lnSpc>
+                <a:spcPct val="90000"/>
+              </a:lnSpc>
+              <a:spcBef>
+                <a:spcPts val="500"/>
+              </a:spcBef>
+              <a:buFont typeface="Arial" panose="020B0604020202020204" pitchFamily="34" charset="0"/>
+              <a:buChar char="•"/>
+              <a:defRPr sz="2400" kern="1200">
+                <a:solidFill>
+                  <a:schemeClr val="tx1"/>
+                </a:solidFill>
+                <a:latin typeface="+mn-lt"/>
+                <a:ea typeface="+mn-ea"/>
+                <a:cs typeface="+mn-cs"/>
+              </a:defRPr>
+            </a:lvl2pPr>
+            <a:lvl3pPr marL="1143000" indent="-228600" algn="l" defTabSz="914400" rtl="0" eaLnBrk="1" latinLnBrk="0" hangingPunct="1">
+              <a:lnSpc>
+                <a:spcPct val="90000"/>
+              </a:lnSpc>
+              <a:spcBef>
+                <a:spcPts val="500"/>
+              </a:spcBef>
+              <a:buFont typeface="Arial" panose="020B0604020202020204" pitchFamily="34" charset="0"/>
+              <a:buChar char="•"/>
+              <a:defRPr sz="2000" kern="1200">
+                <a:solidFill>
+                  <a:schemeClr val="tx1"/>
+                </a:solidFill>
+                <a:latin typeface="+mn-lt"/>
+                <a:ea typeface="+mn-ea"/>
+                <a:cs typeface="+mn-cs"/>
+              </a:defRPr>
+            </a:lvl3pPr>
+            <a:lvl4pPr marL="1600200" indent="-228600" algn="l" defTabSz="914400" rtl="0" eaLnBrk="1" latinLnBrk="0" hangingPunct="1">
+              <a:lnSpc>
+                <a:spcPct val="90000"/>
+              </a:lnSpc>
+              <a:spcBef>
+                <a:spcPts val="500"/>
+              </a:spcBef>
+              <a:buFont typeface="Arial" panose="020B0604020202020204" pitchFamily="34" charset="0"/>
+              <a:buChar char="•"/>
+              <a:defRPr sz="1800" kern="1200">
+                <a:solidFill>
+                  <a:schemeClr val="tx1"/>
+                </a:solidFill>
+                <a:latin typeface="+mn-lt"/>
+                <a:ea typeface="+mn-ea"/>
+                <a:cs typeface="+mn-cs"/>
+              </a:defRPr>
+            </a:lvl4pPr>
+            <a:lvl5pPr marL="2057400" indent="-228600" algn="l" defTabSz="914400" rtl="0" eaLnBrk="1" latinLnBrk="0" hangingPunct="1">
+              <a:lnSpc>
+                <a:spcPct val="90000"/>
+              </a:lnSpc>
+              <a:spcBef>
+                <a:spcPts val="500"/>
+              </a:spcBef>
+              <a:buFont typeface="Arial" panose="020B0604020202020204" pitchFamily="34" charset="0"/>
+              <a:buChar char="•"/>
+              <a:defRPr sz="1800" kern="1200">
+                <a:solidFill>
+                  <a:schemeClr val="tx1"/>
+                </a:solidFill>
+                <a:latin typeface="+mn-lt"/>
+                <a:ea typeface="+mn-ea"/>
+                <a:cs typeface="+mn-cs"/>
+              </a:defRPr>
+            </a:lvl5pPr>
+            <a:lvl6pPr marL="2514600" indent="-228600" algn="l" defTabSz="914400" rtl="0" eaLnBrk="1" latinLnBrk="0" hangingPunct="1">
+              <a:lnSpc>
+                <a:spcPct val="90000"/>
+              </a:lnSpc>
+              <a:spcBef>
+                <a:spcPts val="500"/>
+              </a:spcBef>
+              <a:buFont typeface="Arial" panose="020B0604020202020204" pitchFamily="34" charset="0"/>
+              <a:buChar char="•"/>
+              <a:defRPr sz="1800" kern="1200">
+                <a:solidFill>
+                  <a:schemeClr val="tx1"/>
+                </a:solidFill>
+                <a:latin typeface="+mn-lt"/>
+                <a:ea typeface="+mn-ea"/>
+                <a:cs typeface="+mn-cs"/>
+              </a:defRPr>
+            </a:lvl6pPr>
+            <a:lvl7pPr marL="2971800" indent="-228600" algn="l" defTabSz="914400" rtl="0" eaLnBrk="1" latinLnBrk="0" hangingPunct="1">
+              <a:lnSpc>
+                <a:spcPct val="90000"/>
+              </a:lnSpc>
+              <a:spcBef>
+                <a:spcPts val="500"/>
+              </a:spcBef>
+              <a:buFont typeface="Arial" panose="020B0604020202020204" pitchFamily="34" charset="0"/>
+              <a:buChar char="•"/>
+              <a:defRPr sz="1800" kern="1200">
+                <a:solidFill>
+                  <a:schemeClr val="tx1"/>
+                </a:solidFill>
+                <a:latin typeface="+mn-lt"/>
+                <a:ea typeface="+mn-ea"/>
+                <a:cs typeface="+mn-cs"/>
+              </a:defRPr>
+            </a:lvl7pPr>
+            <a:lvl8pPr marL="3429000" indent="-228600" algn="l" defTabSz="914400" rtl="0" eaLnBrk="1" latinLnBrk="0" hangingPunct="1">
+              <a:lnSpc>
+                <a:spcPct val="90000"/>
+              </a:lnSpc>
+              <a:spcBef>
+                <a:spcPts val="500"/>
+              </a:spcBef>
+              <a:buFont typeface="Arial" panose="020B0604020202020204" pitchFamily="34" charset="0"/>
+              <a:buChar char="•"/>
+              <a:defRPr sz="1800" kern="1200">
+                <a:solidFill>
+                  <a:schemeClr val="tx1"/>
+                </a:solidFill>
+                <a:latin typeface="+mn-lt"/>
+                <a:ea typeface="+mn-ea"/>
+                <a:cs typeface="+mn-cs"/>
+              </a:defRPr>
+            </a:lvl8pPr>
+            <a:lvl9pPr marL="3886200" indent="-228600" algn="l" defTabSz="914400" rtl="0" eaLnBrk="1" latinLnBrk="0" hangingPunct="1">
+              <a:lnSpc>
+                <a:spcPct val="90000"/>
+              </a:lnSpc>
+              <a:spcBef>
+                <a:spcPts val="500"/>
+              </a:spcBef>
+              <a:buFont typeface="Arial" panose="020B0604020202020204" pitchFamily="34" charset="0"/>
+              <a:buChar char="•"/>
+              <a:defRPr sz="1800" kern="1200">
+                <a:solidFill>
+                  <a:schemeClr val="tx1"/>
+                </a:solidFill>
+                <a:latin typeface="+mn-lt"/>
+                <a:ea typeface="+mn-ea"/>
+                <a:cs typeface="+mn-cs"/>
+              </a:defRPr>
+            </a:lvl9pPr>
+          </a:lstStyle>
+          <a:p>
+            <a:pPr marL="0" indent="0" algn="just">
+              <a:lnSpc>
+                <a:spcPct val="100000"/>
+              </a:lnSpc>
+              <a:spcBef>
+                <a:spcPts val="0"/>
+              </a:spcBef>
+              <a:buFont typeface="Arial" panose="020B0604020202020204" pitchFamily="34" charset="0"/>
+              <a:buNone/>
+            </a:pPr>
+            <a:r>
+              <a:rPr lang="it-IT" sz="1600" b="1" dirty="0"/>
+              <a:t>Valori di simulazione utilizzati</a:t>
+            </a:r>
+            <a:r>
+              <a:rPr lang="it-IT" sz="2000" b="1" dirty="0"/>
+              <a:t>:</a:t>
+            </a:r>
+          </a:p>
+          <a:p>
+            <a:pPr algn="just">
+              <a:lnSpc>
+                <a:spcPct val="100000"/>
+              </a:lnSpc>
+              <a:spcBef>
+                <a:spcPts val="0"/>
+              </a:spcBef>
+              <a:buFont typeface="Wingdings" panose="05000000000000000000" pitchFamily="2" charset="2"/>
+              <a:buChar char="§"/>
+            </a:pPr>
+            <a:r>
+              <a:rPr lang="it-IT" sz="1400" dirty="0" err="1"/>
+              <a:t>Ts</a:t>
+            </a:r>
+            <a:r>
+              <a:rPr lang="it-IT" sz="1400" dirty="0"/>
+              <a:t> = 5</a:t>
+            </a:r>
+          </a:p>
+          <a:p>
+            <a:pPr algn="just">
+              <a:lnSpc>
+                <a:spcPct val="100000"/>
+              </a:lnSpc>
+              <a:spcBef>
+                <a:spcPts val="0"/>
+              </a:spcBef>
+              <a:buFont typeface="Wingdings" panose="05000000000000000000" pitchFamily="2" charset="2"/>
+              <a:buChar char="§"/>
+            </a:pPr>
+            <a:r>
+              <a:rPr lang="it-IT" sz="1400" dirty="0"/>
+              <a:t>Q  = 10 * </a:t>
+            </a:r>
+            <a:r>
+              <a:rPr lang="it-IT" sz="1400" dirty="0" err="1"/>
+              <a:t>eye</a:t>
+            </a:r>
+            <a:r>
+              <a:rPr lang="it-IT" sz="1400" dirty="0"/>
+              <a:t>(4)</a:t>
+            </a:r>
+          </a:p>
+          <a:p>
+            <a:pPr algn="just">
+              <a:lnSpc>
+                <a:spcPct val="100000"/>
+              </a:lnSpc>
+              <a:spcBef>
+                <a:spcPts val="0"/>
+              </a:spcBef>
+              <a:buFont typeface="Wingdings" panose="05000000000000000000" pitchFamily="2" charset="2"/>
+              <a:buChar char="§"/>
+            </a:pPr>
+            <a:r>
+              <a:rPr lang="it-IT" sz="1400" dirty="0"/>
+              <a:t>R = 500 * </a:t>
+            </a:r>
+            <a:r>
+              <a:rPr lang="it-IT" sz="1400" dirty="0" err="1"/>
+              <a:t>eye</a:t>
+            </a:r>
+            <a:r>
+              <a:rPr lang="it-IT" sz="1400" dirty="0"/>
+              <a:t>(2)</a:t>
+            </a:r>
+          </a:p>
+          <a:p>
+            <a:pPr algn="just">
+              <a:lnSpc>
+                <a:spcPct val="100000"/>
+              </a:lnSpc>
+              <a:spcBef>
+                <a:spcPts val="0"/>
+              </a:spcBef>
+              <a:buFont typeface="Wingdings" panose="05000000000000000000" pitchFamily="2" charset="2"/>
+              <a:buChar char="§"/>
+            </a:pPr>
+            <a:r>
+              <a:rPr lang="it-IT" sz="1400" dirty="0"/>
+              <a:t>N = 15</a:t>
+            </a:r>
+          </a:p>
+          <a:p>
+            <a:pPr algn="just">
+              <a:lnSpc>
+                <a:spcPct val="100000"/>
+              </a:lnSpc>
+              <a:spcBef>
+                <a:spcPts val="0"/>
+              </a:spcBef>
+              <a:buFont typeface="Wingdings" panose="05000000000000000000" pitchFamily="2" charset="2"/>
+              <a:buChar char="§"/>
+            </a:pPr>
+            <a:r>
+              <a:rPr lang="it-IT" sz="1400" dirty="0" err="1"/>
+              <a:t>T_sim</a:t>
+            </a:r>
+            <a:r>
+              <a:rPr lang="it-IT" sz="1400" dirty="0"/>
+              <a:t> = 60</a:t>
+            </a:r>
+          </a:p>
+          <a:p>
+            <a:pPr marL="0" indent="0">
+              <a:buFont typeface="Arial" panose="020B0604020202020204" pitchFamily="34" charset="0"/>
+              <a:buNone/>
+            </a:pPr>
+            <a:endParaRPr lang="it-IT" sz="2200" dirty="0"/>
+          </a:p>
+        </p:txBody>
+      </p:sp>
+      <p:sp>
+        <p:nvSpPr>
+          <p:cNvPr id="9" name="Segnaposto contenuto 2">
+            <a:extLst>
+              <a:ext uri="{FF2B5EF4-FFF2-40B4-BE49-F238E27FC236}">
+                <a16:creationId xmlns:a16="http://schemas.microsoft.com/office/drawing/2014/main" id="{2D77B90D-8944-BF9C-193C-918C1356A005}"/>
+              </a:ext>
+            </a:extLst>
+          </p:cNvPr>
+          <p:cNvSpPr txBox="1">
+            <a:spLocks/>
+          </p:cNvSpPr>
+          <p:nvPr/>
+        </p:nvSpPr>
+        <p:spPr>
+          <a:xfrm>
+            <a:off x="536673" y="5209028"/>
+            <a:ext cx="5123926" cy="980814"/>
+          </a:xfrm>
+          <a:prstGeom prst="rect">
+            <a:avLst/>
+          </a:prstGeom>
+        </p:spPr>
+        <p:txBody>
+          <a:bodyPr vert="horz" lIns="91440" tIns="45720" rIns="91440" bIns="45720" rtlCol="0">
+            <a:normAutofit/>
+          </a:bodyPr>
+          <a:lstStyle>
+            <a:lvl1pPr marL="228600" indent="-228600" algn="l" defTabSz="914400" rtl="0" eaLnBrk="1" latinLnBrk="0" hangingPunct="1">
+              <a:lnSpc>
+                <a:spcPct val="90000"/>
+              </a:lnSpc>
+              <a:spcBef>
+                <a:spcPts val="1000"/>
+              </a:spcBef>
+              <a:buFont typeface="Arial" panose="020B0604020202020204" pitchFamily="34" charset="0"/>
+              <a:buChar char="•"/>
+              <a:defRPr sz="2800" kern="1200">
+                <a:solidFill>
+                  <a:schemeClr val="tx1"/>
+                </a:solidFill>
+                <a:latin typeface="+mn-lt"/>
+                <a:ea typeface="+mn-ea"/>
+                <a:cs typeface="+mn-cs"/>
+              </a:defRPr>
+            </a:lvl1pPr>
+            <a:lvl2pPr marL="685800" indent="-228600" algn="l" defTabSz="914400" rtl="0" eaLnBrk="1" latinLnBrk="0" hangingPunct="1">
+              <a:lnSpc>
+                <a:spcPct val="90000"/>
+              </a:lnSpc>
+              <a:spcBef>
+                <a:spcPts val="500"/>
+              </a:spcBef>
+              <a:buFont typeface="Arial" panose="020B0604020202020204" pitchFamily="34" charset="0"/>
+              <a:buChar char="•"/>
+              <a:defRPr sz="2400" kern="1200">
+                <a:solidFill>
+                  <a:schemeClr val="tx1"/>
+                </a:solidFill>
+                <a:latin typeface="+mn-lt"/>
+                <a:ea typeface="+mn-ea"/>
+                <a:cs typeface="+mn-cs"/>
+              </a:defRPr>
+            </a:lvl2pPr>
+            <a:lvl3pPr marL="1143000" indent="-228600" algn="l" defTabSz="914400" rtl="0" eaLnBrk="1" latinLnBrk="0" hangingPunct="1">
+              <a:lnSpc>
+                <a:spcPct val="90000"/>
+              </a:lnSpc>
+              <a:spcBef>
+                <a:spcPts val="500"/>
+              </a:spcBef>
+              <a:buFont typeface="Arial" panose="020B0604020202020204" pitchFamily="34" charset="0"/>
+              <a:buChar char="•"/>
+              <a:defRPr sz="2000" kern="1200">
+                <a:solidFill>
+                  <a:schemeClr val="tx1"/>
+                </a:solidFill>
+                <a:latin typeface="+mn-lt"/>
+                <a:ea typeface="+mn-ea"/>
+                <a:cs typeface="+mn-cs"/>
+              </a:defRPr>
+            </a:lvl3pPr>
+            <a:lvl4pPr marL="1600200" indent="-228600" algn="l" defTabSz="914400" rtl="0" eaLnBrk="1" latinLnBrk="0" hangingPunct="1">
+              <a:lnSpc>
+                <a:spcPct val="90000"/>
+              </a:lnSpc>
+              <a:spcBef>
+                <a:spcPts val="500"/>
+              </a:spcBef>
+              <a:buFont typeface="Arial" panose="020B0604020202020204" pitchFamily="34" charset="0"/>
+              <a:buChar char="•"/>
+              <a:defRPr sz="1800" kern="1200">
+                <a:solidFill>
+                  <a:schemeClr val="tx1"/>
+                </a:solidFill>
+                <a:latin typeface="+mn-lt"/>
+                <a:ea typeface="+mn-ea"/>
+                <a:cs typeface="+mn-cs"/>
+              </a:defRPr>
+            </a:lvl4pPr>
+            <a:lvl5pPr marL="2057400" indent="-228600" algn="l" defTabSz="914400" rtl="0" eaLnBrk="1" latinLnBrk="0" hangingPunct="1">
+              <a:lnSpc>
+                <a:spcPct val="90000"/>
+              </a:lnSpc>
+              <a:spcBef>
+                <a:spcPts val="500"/>
+              </a:spcBef>
+              <a:buFont typeface="Arial" panose="020B0604020202020204" pitchFamily="34" charset="0"/>
+              <a:buChar char="•"/>
+              <a:defRPr sz="1800" kern="1200">
+                <a:solidFill>
+                  <a:schemeClr val="tx1"/>
+                </a:solidFill>
+                <a:latin typeface="+mn-lt"/>
+                <a:ea typeface="+mn-ea"/>
+                <a:cs typeface="+mn-cs"/>
+              </a:defRPr>
+            </a:lvl5pPr>
+            <a:lvl6pPr marL="2514600" indent="-228600" algn="l" defTabSz="914400" rtl="0" eaLnBrk="1" latinLnBrk="0" hangingPunct="1">
+              <a:lnSpc>
+                <a:spcPct val="90000"/>
+              </a:lnSpc>
+              <a:spcBef>
+                <a:spcPts val="500"/>
+              </a:spcBef>
+              <a:buFont typeface="Arial" panose="020B0604020202020204" pitchFamily="34" charset="0"/>
+              <a:buChar char="•"/>
+              <a:defRPr sz="1800" kern="1200">
+                <a:solidFill>
+                  <a:schemeClr val="tx1"/>
+                </a:solidFill>
+                <a:latin typeface="+mn-lt"/>
+                <a:ea typeface="+mn-ea"/>
+                <a:cs typeface="+mn-cs"/>
+              </a:defRPr>
+            </a:lvl6pPr>
+            <a:lvl7pPr marL="2971800" indent="-228600" algn="l" defTabSz="914400" rtl="0" eaLnBrk="1" latinLnBrk="0" hangingPunct="1">
+              <a:lnSpc>
+                <a:spcPct val="90000"/>
+              </a:lnSpc>
+              <a:spcBef>
+                <a:spcPts val="500"/>
+              </a:spcBef>
+              <a:buFont typeface="Arial" panose="020B0604020202020204" pitchFamily="34" charset="0"/>
+              <a:buChar char="•"/>
+              <a:defRPr sz="1800" kern="1200">
+                <a:solidFill>
+                  <a:schemeClr val="tx1"/>
+                </a:solidFill>
+                <a:latin typeface="+mn-lt"/>
+                <a:ea typeface="+mn-ea"/>
+                <a:cs typeface="+mn-cs"/>
+              </a:defRPr>
+            </a:lvl7pPr>
+            <a:lvl8pPr marL="3429000" indent="-228600" algn="l" defTabSz="914400" rtl="0" eaLnBrk="1" latinLnBrk="0" hangingPunct="1">
+              <a:lnSpc>
+                <a:spcPct val="90000"/>
+              </a:lnSpc>
+              <a:spcBef>
+                <a:spcPts val="500"/>
+              </a:spcBef>
+              <a:buFont typeface="Arial" panose="020B0604020202020204" pitchFamily="34" charset="0"/>
+              <a:buChar char="•"/>
+              <a:defRPr sz="1800" kern="1200">
+                <a:solidFill>
+                  <a:schemeClr val="tx1"/>
+                </a:solidFill>
+                <a:latin typeface="+mn-lt"/>
+                <a:ea typeface="+mn-ea"/>
+                <a:cs typeface="+mn-cs"/>
+              </a:defRPr>
+            </a:lvl8pPr>
+            <a:lvl9pPr marL="3886200" indent="-228600" algn="l" defTabSz="914400" rtl="0" eaLnBrk="1" latinLnBrk="0" hangingPunct="1">
+              <a:lnSpc>
+                <a:spcPct val="90000"/>
+              </a:lnSpc>
+              <a:spcBef>
+                <a:spcPts val="500"/>
+              </a:spcBef>
+              <a:buFont typeface="Arial" panose="020B0604020202020204" pitchFamily="34" charset="0"/>
+              <a:buChar char="•"/>
+              <a:defRPr sz="1800" kern="1200">
+                <a:solidFill>
+                  <a:schemeClr val="tx1"/>
+                </a:solidFill>
+                <a:latin typeface="+mn-lt"/>
+                <a:ea typeface="+mn-ea"/>
+                <a:cs typeface="+mn-cs"/>
+              </a:defRPr>
+            </a:lvl9pPr>
+          </a:lstStyle>
+          <a:p>
+            <a:pPr marL="0" indent="0" algn="just">
+              <a:buFont typeface="Arial" panose="020B0604020202020204" pitchFamily="34" charset="0"/>
+              <a:buNone/>
+            </a:pPr>
+            <a:r>
+              <a:rPr lang="it-IT" sz="2000" dirty="0"/>
+              <a:t>Dai grafici si nota infatti che la traiettoria è più diretta verso il punto di equilibrio rispetto ai parametri impostati in precedenza.</a:t>
+            </a:r>
+          </a:p>
+          <a:p>
+            <a:pPr marL="0" indent="0" algn="just">
+              <a:buFont typeface="Arial" panose="020B0604020202020204" pitchFamily="34" charset="0"/>
+              <a:buNone/>
+            </a:pPr>
+            <a:endParaRPr lang="it-IT" sz="2000" dirty="0"/>
+          </a:p>
+          <a:p>
+            <a:pPr algn="just"/>
+            <a:endParaRPr lang="it-IT" sz="2200" dirty="0"/>
+          </a:p>
+        </p:txBody>
+      </p:sp>
+    </p:spTree>
+    <p:extLst>
+      <p:ext uri="{BB962C8B-B14F-4D97-AF65-F5344CB8AC3E}">
+        <p14:creationId xmlns:p14="http://schemas.microsoft.com/office/powerpoint/2010/main" val="586201460"/>
+      </p:ext>
+    </p:extLst>
+  </p:cSld>
+  <p:clrMapOvr>
+    <a:masterClrMapping/>
+  </p:clrMapOvr>
+</p:sld>
+</file>
+
+<file path=ppt/slides/slide26.xml><?xml version="1.0" encoding="utf-8"?>
+<p:sld xmlns:a="http://schemas.openxmlformats.org/drawingml/2006/main" xmlns:r="http://schemas.openxmlformats.org/officeDocument/2006/relationships" xmlns:p="http://schemas.openxmlformats.org/presentationml/2006/main">
+  <p:cSld>
+    <p:bg>
+      <p:bgPr>
+        <a:solidFill>
+          <a:schemeClr val="bg1"/>
+        </a:solidFill>
+        <a:effectLst/>
+      </p:bgPr>
+    </p:bg>
+    <p:spTree>
+      <p:nvGrpSpPr>
+        <p:cNvPr id="1" name="">
+          <a:extLst>
+            <a:ext uri="{FF2B5EF4-FFF2-40B4-BE49-F238E27FC236}">
+              <a16:creationId xmlns:a16="http://schemas.microsoft.com/office/drawing/2014/main" id="{698B804B-D07B-E4FA-5B9D-0F91CC317BF1}"/>
+            </a:ext>
+          </a:extLst>
+        </p:cNvPr>
+        <p:cNvGrpSpPr/>
+        <p:nvPr/>
+      </p:nvGrpSpPr>
+      <p:grpSpPr>
+        <a:xfrm>
+          <a:off x="0" y="0"/>
+          <a:ext cx="0" cy="0"/>
+          <a:chOff x="0" y="0"/>
+          <a:chExt cx="0" cy="0"/>
+        </a:xfrm>
+      </p:grpSpPr>
+      <p:sp useBgFill="1">
+        <p:nvSpPr>
+          <p:cNvPr id="15" name="Rectangle 14">
+            <a:extLst>
+              <a:ext uri="{FF2B5EF4-FFF2-40B4-BE49-F238E27FC236}">
+                <a16:creationId xmlns:a16="http://schemas.microsoft.com/office/drawing/2014/main" id="{1B198BCE-B9AA-6C30-3B40-DED3641204FC}"/>
+              </a:ext>
+              <a:ext uri="{C183D7F6-B498-43B3-948B-1728B52AA6E4}">
+                <adec:decorative xmlns:adec="http://schemas.microsoft.com/office/drawing/2017/decorative" val="1"/>
+              </a:ext>
+            </a:extLst>
+          </p:cNvPr>
+          <p:cNvSpPr>
+            <a:spLocks noGrp="1" noRot="1" noChangeAspect="1" noMove="1" noResize="1" noEditPoints="1" noAdjustHandles="1" noChangeArrowheads="1" noChangeShapeType="1" noTextEdit="1"/>
+          </p:cNvSpPr>
+          <p:nvPr>
+            <p:extLst>
+              <p:ext uri="{386F3935-93C4-4BCD-93E2-E3B085C9AB24}">
+                <p16:designElem xmlns:p16="http://schemas.microsoft.com/office/powerpoint/2015/main" val="1"/>
+              </p:ext>
+            </p:extLst>
+          </p:nvPr>
+        </p:nvSpPr>
+        <p:spPr>
+          <a:xfrm>
+            <a:off x="0" y="0"/>
+            <a:ext cx="12188952" cy="6858000"/>
+          </a:xfrm>
+          <a:prstGeom prst="rect">
+            <a:avLst/>
+          </a:prstGeom>
+          <a:ln>
+            <a:noFill/>
+          </a:ln>
+        </p:spPr>
+        <p:style>
+          <a:lnRef idx="2">
+            <a:schemeClr val="accent1">
+              <a:shade val="50000"/>
+            </a:schemeClr>
+          </a:lnRef>
+          <a:fillRef idx="1">
+            <a:schemeClr val="accent1"/>
+          </a:fillRef>
+          <a:effectRef idx="0">
+            <a:schemeClr val="accent1"/>
+          </a:effectRef>
+          <a:fontRef idx="minor">
+            <a:schemeClr val="lt1"/>
+          </a:fontRef>
+        </p:style>
+        <p:txBody>
+          <a:bodyPr rtlCol="0" anchor="ctr"/>
+          <a:lstStyle/>
+          <a:p>
+            <a:pPr algn="ctr"/>
+            <a:endParaRPr lang="en-US"/>
+          </a:p>
+        </p:txBody>
+      </p:sp>
+      <p:sp>
+        <p:nvSpPr>
+          <p:cNvPr id="2" name="Titolo 1">
+            <a:extLst>
+              <a:ext uri="{FF2B5EF4-FFF2-40B4-BE49-F238E27FC236}">
+                <a16:creationId xmlns:a16="http://schemas.microsoft.com/office/drawing/2014/main" id="{ABFDFC53-E950-EFCE-2294-105492122222}"/>
+              </a:ext>
+            </a:extLst>
+          </p:cNvPr>
+          <p:cNvSpPr>
+            <a:spLocks noGrp="1"/>
+          </p:cNvSpPr>
+          <p:nvPr>
+            <p:ph type="title"/>
+          </p:nvPr>
+        </p:nvSpPr>
+        <p:spPr>
+          <a:xfrm>
+            <a:off x="612648" y="365125"/>
+            <a:ext cx="11096752" cy="1776484"/>
+          </a:xfrm>
+        </p:spPr>
+        <p:txBody>
+          <a:bodyPr anchor="b">
+            <a:normAutofit/>
+          </a:bodyPr>
+          <a:lstStyle/>
+          <a:p>
+            <a:r>
+              <a:rPr lang="it-IT" sz="5400" dirty="0"/>
+              <a:t>Andamento degli stati e degli ingressi</a:t>
+            </a:r>
+            <a:br>
+              <a:rPr lang="it-IT" sz="5400" dirty="0"/>
+            </a:br>
+            <a:r>
+              <a:rPr lang="it-IT" sz="3600" dirty="0"/>
+              <a:t>(caso aggressivo)</a:t>
+            </a:r>
+            <a:endParaRPr lang="it-IT" sz="5400" dirty="0"/>
+          </a:p>
+        </p:txBody>
+      </p:sp>
+      <p:sp>
+        <p:nvSpPr>
+          <p:cNvPr id="17" name="sketch line">
+            <a:extLst>
+              <a:ext uri="{FF2B5EF4-FFF2-40B4-BE49-F238E27FC236}">
+                <a16:creationId xmlns:a16="http://schemas.microsoft.com/office/drawing/2014/main" id="{6C1D87AB-396C-E6A1-6E40-A10D369066DD}"/>
+              </a:ext>
+              <a:ext uri="{C183D7F6-B498-43B3-948B-1728B52AA6E4}">
+                <adec:decorative xmlns:adec="http://schemas.microsoft.com/office/drawing/2017/decorative" val="1"/>
+              </a:ext>
+            </a:extLst>
+          </p:cNvPr>
+          <p:cNvSpPr>
+            <a:spLocks noGrp="1" noRot="1" noChangeAspect="1" noMove="1" noResize="1" noEditPoints="1" noAdjustHandles="1" noChangeArrowheads="1" noChangeShapeType="1" noTextEdit="1"/>
+          </p:cNvSpPr>
+          <p:nvPr>
+            <p:extLst>
+              <p:ext uri="{386F3935-93C4-4BCD-93E2-E3B085C9AB24}">
+                <p16:designElem xmlns:p16="http://schemas.microsoft.com/office/powerpoint/2015/main" val="1"/>
+              </p:ext>
+            </p:extLst>
+          </p:nvPr>
+        </p:nvSpPr>
+        <p:spPr>
+          <a:xfrm>
+            <a:off x="838200" y="2315691"/>
+            <a:ext cx="4343400" cy="18288"/>
+          </a:xfrm>
+          <a:custGeom>
+            <a:avLst/>
+            <a:gdLst>
+              <a:gd name="connsiteX0" fmla="*/ 0 w 4343400"/>
+              <a:gd name="connsiteY0" fmla="*/ 0 h 18288"/>
+              <a:gd name="connsiteX1" fmla="*/ 577052 w 4343400"/>
+              <a:gd name="connsiteY1" fmla="*/ 0 h 18288"/>
+              <a:gd name="connsiteX2" fmla="*/ 1067235 w 4343400"/>
+              <a:gd name="connsiteY2" fmla="*/ 0 h 18288"/>
+              <a:gd name="connsiteX3" fmla="*/ 1600853 w 4343400"/>
+              <a:gd name="connsiteY3" fmla="*/ 0 h 18288"/>
+              <a:gd name="connsiteX4" fmla="*/ 2264773 w 4343400"/>
+              <a:gd name="connsiteY4" fmla="*/ 0 h 18288"/>
+              <a:gd name="connsiteX5" fmla="*/ 2841825 w 4343400"/>
+              <a:gd name="connsiteY5" fmla="*/ 0 h 18288"/>
+              <a:gd name="connsiteX6" fmla="*/ 3375442 w 4343400"/>
+              <a:gd name="connsiteY6" fmla="*/ 0 h 18288"/>
+              <a:gd name="connsiteX7" fmla="*/ 4343400 w 4343400"/>
+              <a:gd name="connsiteY7" fmla="*/ 0 h 18288"/>
+              <a:gd name="connsiteX8" fmla="*/ 4343400 w 4343400"/>
+              <a:gd name="connsiteY8" fmla="*/ 18288 h 18288"/>
+              <a:gd name="connsiteX9" fmla="*/ 3722914 w 4343400"/>
+              <a:gd name="connsiteY9" fmla="*/ 18288 h 18288"/>
+              <a:gd name="connsiteX10" fmla="*/ 3189297 w 4343400"/>
+              <a:gd name="connsiteY10" fmla="*/ 18288 h 18288"/>
+              <a:gd name="connsiteX11" fmla="*/ 2481943 w 4343400"/>
+              <a:gd name="connsiteY11" fmla="*/ 18288 h 18288"/>
+              <a:gd name="connsiteX12" fmla="*/ 1904891 w 4343400"/>
+              <a:gd name="connsiteY12" fmla="*/ 18288 h 18288"/>
+              <a:gd name="connsiteX13" fmla="*/ 1414707 w 4343400"/>
+              <a:gd name="connsiteY13" fmla="*/ 18288 h 18288"/>
+              <a:gd name="connsiteX14" fmla="*/ 750788 w 4343400"/>
+              <a:gd name="connsiteY14" fmla="*/ 18288 h 18288"/>
+              <a:gd name="connsiteX15" fmla="*/ 0 w 4343400"/>
+              <a:gd name="connsiteY15" fmla="*/ 18288 h 18288"/>
+              <a:gd name="connsiteX16" fmla="*/ 0 w 4343400"/>
+              <a:gd name="connsiteY16" fmla="*/ 0 h 18288"/>
+            </a:gdLst>
+            <a:ahLst/>
+            <a:cxnLst>
+              <a:cxn ang="0">
+                <a:pos x="connsiteX0" y="connsiteY0"/>
+              </a:cxn>
+              <a:cxn ang="0">
+                <a:pos x="connsiteX1" y="connsiteY1"/>
+              </a:cxn>
+              <a:cxn ang="0">
+                <a:pos x="connsiteX2" y="connsiteY2"/>
+              </a:cxn>
+              <a:cxn ang="0">
+                <a:pos x="connsiteX3" y="connsiteY3"/>
+              </a:cxn>
+              <a:cxn ang="0">
+                <a:pos x="connsiteX4" y="connsiteY4"/>
+              </a:cxn>
+              <a:cxn ang="0">
+                <a:pos x="connsiteX5" y="connsiteY5"/>
+              </a:cxn>
+              <a:cxn ang="0">
+                <a:pos x="connsiteX6" y="connsiteY6"/>
+              </a:cxn>
+              <a:cxn ang="0">
+                <a:pos x="connsiteX7" y="connsiteY7"/>
+              </a:cxn>
+              <a:cxn ang="0">
+                <a:pos x="connsiteX8" y="connsiteY8"/>
+              </a:cxn>
+              <a:cxn ang="0">
+                <a:pos x="connsiteX9" y="connsiteY9"/>
+              </a:cxn>
+              <a:cxn ang="0">
+                <a:pos x="connsiteX10" y="connsiteY10"/>
+              </a:cxn>
+              <a:cxn ang="0">
+                <a:pos x="connsiteX11" y="connsiteY11"/>
+              </a:cxn>
+              <a:cxn ang="0">
+                <a:pos x="connsiteX12" y="connsiteY12"/>
+              </a:cxn>
+              <a:cxn ang="0">
+                <a:pos x="connsiteX13" y="connsiteY13"/>
+              </a:cxn>
+              <a:cxn ang="0">
+                <a:pos x="connsiteX14" y="connsiteY14"/>
+              </a:cxn>
+              <a:cxn ang="0">
+                <a:pos x="connsiteX15" y="connsiteY15"/>
+              </a:cxn>
+              <a:cxn ang="0">
+                <a:pos x="connsiteX16" y="connsiteY16"/>
+              </a:cxn>
+            </a:cxnLst>
+            <a:rect l="l" t="t" r="r" b="b"/>
+            <a:pathLst>
+              <a:path w="4343400" h="18288" fill="none" extrusionOk="0">
+                <a:moveTo>
+                  <a:pt x="0" y="0"/>
+                </a:moveTo>
+                <a:cubicBezTo>
+                  <a:pt x="233209" y="-19550"/>
+                  <a:pt x="330816" y="19068"/>
+                  <a:pt x="577052" y="0"/>
+                </a:cubicBezTo>
+                <a:cubicBezTo>
+                  <a:pt x="823288" y="-19068"/>
+                  <a:pt x="875077" y="10360"/>
+                  <a:pt x="1067235" y="0"/>
+                </a:cubicBezTo>
+                <a:cubicBezTo>
+                  <a:pt x="1259393" y="-10360"/>
+                  <a:pt x="1410699" y="2939"/>
+                  <a:pt x="1600853" y="0"/>
+                </a:cubicBezTo>
+                <a:cubicBezTo>
+                  <a:pt x="1791007" y="-2939"/>
+                  <a:pt x="2101644" y="-26225"/>
+                  <a:pt x="2264773" y="0"/>
+                </a:cubicBezTo>
+                <a:cubicBezTo>
+                  <a:pt x="2427902" y="26225"/>
+                  <a:pt x="2690426" y="-27726"/>
+                  <a:pt x="2841825" y="0"/>
+                </a:cubicBezTo>
+                <a:cubicBezTo>
+                  <a:pt x="2993224" y="27726"/>
+                  <a:pt x="3172320" y="-18569"/>
+                  <a:pt x="3375442" y="0"/>
+                </a:cubicBezTo>
+                <a:cubicBezTo>
+                  <a:pt x="3578564" y="18569"/>
+                  <a:pt x="4003119" y="21909"/>
+                  <a:pt x="4343400" y="0"/>
+                </a:cubicBezTo>
+                <a:cubicBezTo>
+                  <a:pt x="4343798" y="7429"/>
+                  <a:pt x="4343380" y="10822"/>
+                  <a:pt x="4343400" y="18288"/>
+                </a:cubicBezTo>
+                <a:cubicBezTo>
+                  <a:pt x="4109047" y="14709"/>
+                  <a:pt x="3996986" y="7919"/>
+                  <a:pt x="3722914" y="18288"/>
+                </a:cubicBezTo>
+                <a:cubicBezTo>
+                  <a:pt x="3448842" y="28657"/>
+                  <a:pt x="3340973" y="29252"/>
+                  <a:pt x="3189297" y="18288"/>
+                </a:cubicBezTo>
+                <a:cubicBezTo>
+                  <a:pt x="3037621" y="7324"/>
+                  <a:pt x="2636891" y="-9539"/>
+                  <a:pt x="2481943" y="18288"/>
+                </a:cubicBezTo>
+                <a:cubicBezTo>
+                  <a:pt x="2326995" y="46115"/>
+                  <a:pt x="2131632" y="740"/>
+                  <a:pt x="1904891" y="18288"/>
+                </a:cubicBezTo>
+                <a:cubicBezTo>
+                  <a:pt x="1678150" y="35836"/>
+                  <a:pt x="1575362" y="-3381"/>
+                  <a:pt x="1414707" y="18288"/>
+                </a:cubicBezTo>
+                <a:cubicBezTo>
+                  <a:pt x="1254052" y="39957"/>
+                  <a:pt x="1051093" y="-335"/>
+                  <a:pt x="750788" y="18288"/>
+                </a:cubicBezTo>
+                <a:cubicBezTo>
+                  <a:pt x="450483" y="36911"/>
+                  <a:pt x="293781" y="22900"/>
+                  <a:pt x="0" y="18288"/>
+                </a:cubicBezTo>
+                <a:cubicBezTo>
+                  <a:pt x="-591" y="13205"/>
+                  <a:pt x="-663" y="6329"/>
+                  <a:pt x="0" y="0"/>
+                </a:cubicBezTo>
+                <a:close/>
+              </a:path>
+              <a:path w="4343400" h="18288" stroke="0" extrusionOk="0">
+                <a:moveTo>
+                  <a:pt x="0" y="0"/>
+                </a:moveTo>
+                <a:cubicBezTo>
+                  <a:pt x="212719" y="-28531"/>
+                  <a:pt x="340561" y="-1164"/>
+                  <a:pt x="577052" y="0"/>
+                </a:cubicBezTo>
+                <a:cubicBezTo>
+                  <a:pt x="813543" y="1164"/>
+                  <a:pt x="866967" y="-9376"/>
+                  <a:pt x="1067235" y="0"/>
+                </a:cubicBezTo>
+                <a:cubicBezTo>
+                  <a:pt x="1267503" y="9376"/>
+                  <a:pt x="1485778" y="-20470"/>
+                  <a:pt x="1774589" y="0"/>
+                </a:cubicBezTo>
+                <a:cubicBezTo>
+                  <a:pt x="2063400" y="20470"/>
+                  <a:pt x="2090152" y="-14502"/>
+                  <a:pt x="2351641" y="0"/>
+                </a:cubicBezTo>
+                <a:cubicBezTo>
+                  <a:pt x="2613130" y="14502"/>
+                  <a:pt x="2802864" y="19125"/>
+                  <a:pt x="2928693" y="0"/>
+                </a:cubicBezTo>
+                <a:cubicBezTo>
+                  <a:pt x="3054522" y="-19125"/>
+                  <a:pt x="3482611" y="-2038"/>
+                  <a:pt x="3636046" y="0"/>
+                </a:cubicBezTo>
+                <a:cubicBezTo>
+                  <a:pt x="3789481" y="2038"/>
+                  <a:pt x="4012363" y="973"/>
+                  <a:pt x="4343400" y="0"/>
+                </a:cubicBezTo>
+                <a:cubicBezTo>
+                  <a:pt x="4342514" y="5429"/>
+                  <a:pt x="4344221" y="14046"/>
+                  <a:pt x="4343400" y="18288"/>
+                </a:cubicBezTo>
+                <a:cubicBezTo>
+                  <a:pt x="4078870" y="-6138"/>
+                  <a:pt x="4015967" y="29658"/>
+                  <a:pt x="3809782" y="18288"/>
+                </a:cubicBezTo>
+                <a:cubicBezTo>
+                  <a:pt x="3603597" y="6918"/>
+                  <a:pt x="3495552" y="24439"/>
+                  <a:pt x="3189297" y="18288"/>
+                </a:cubicBezTo>
+                <a:cubicBezTo>
+                  <a:pt x="2883042" y="12137"/>
+                  <a:pt x="2850610" y="32583"/>
+                  <a:pt x="2568811" y="18288"/>
+                </a:cubicBezTo>
+                <a:cubicBezTo>
+                  <a:pt x="2287012" y="3993"/>
+                  <a:pt x="2279820" y="23580"/>
+                  <a:pt x="1991759" y="18288"/>
+                </a:cubicBezTo>
+                <a:cubicBezTo>
+                  <a:pt x="1703698" y="12996"/>
+                  <a:pt x="1616455" y="23157"/>
+                  <a:pt x="1284405" y="18288"/>
+                </a:cubicBezTo>
+                <a:cubicBezTo>
+                  <a:pt x="952355" y="13419"/>
+                  <a:pt x="783530" y="16053"/>
+                  <a:pt x="577052" y="18288"/>
+                </a:cubicBezTo>
+                <a:cubicBezTo>
+                  <a:pt x="370574" y="20523"/>
+                  <a:pt x="173929" y="5195"/>
+                  <a:pt x="0" y="18288"/>
+                </a:cubicBezTo>
+                <a:cubicBezTo>
+                  <a:pt x="668" y="13665"/>
+                  <a:pt x="578" y="5675"/>
+                  <a:pt x="0" y="0"/>
+                </a:cubicBezTo>
+                <a:close/>
+              </a:path>
+            </a:pathLst>
+          </a:custGeom>
+          <a:solidFill>
+            <a:schemeClr val="accent2"/>
+          </a:solidFill>
+          <a:ln w="41275" cap="rnd">
+            <a:solidFill>
+              <a:schemeClr val="accent2"/>
+            </a:solidFill>
+            <a:round/>
+            <a:extLst>
+              <a:ext uri="{C807C97D-BFC1-408E-A445-0C87EB9F89A2}">
+                <ask:lineSketchStyleProps xmlns:ask="http://schemas.microsoft.com/office/drawing/2018/sketchyshapes" sd="1219033472">
+                  <a:prstGeom prst="rect">
+                    <a:avLst/>
+                  </a:prstGeom>
+                  <ask:type>
+                    <ask:lineSketchFreehand/>
+                  </ask:type>
+                </ask:lineSketchStyleProps>
+              </a:ext>
+            </a:extLst>
+          </a:ln>
+        </p:spPr>
+        <p:style>
+          <a:lnRef idx="2">
+            <a:schemeClr val="accent1">
+              <a:shade val="50000"/>
+            </a:schemeClr>
+          </a:lnRef>
+          <a:fillRef idx="1">
+            <a:schemeClr val="accent1"/>
+          </a:fillRef>
+          <a:effectRef idx="0">
+            <a:schemeClr val="accent1"/>
+          </a:effectRef>
+          <a:fontRef idx="minor">
+            <a:schemeClr val="lt1"/>
+          </a:fontRef>
+        </p:style>
+        <p:txBody>
+          <a:bodyPr rtlCol="0" anchor="ctr"/>
+          <a:lstStyle/>
+          <a:p>
+            <a:pPr algn="ctr"/>
+            <a:endParaRPr lang="en-US"/>
+          </a:p>
+        </p:txBody>
+      </p:sp>
+      <p:sp>
+        <p:nvSpPr>
+          <p:cNvPr id="3" name="Segnaposto contenuto 2">
+            <a:extLst>
+              <a:ext uri="{FF2B5EF4-FFF2-40B4-BE49-F238E27FC236}">
+                <a16:creationId xmlns:a16="http://schemas.microsoft.com/office/drawing/2014/main" id="{8F136448-CB63-B44D-ED63-ABF2D453F19D}"/>
+              </a:ext>
+            </a:extLst>
+          </p:cNvPr>
+          <p:cNvSpPr>
+            <a:spLocks noGrp="1"/>
+          </p:cNvSpPr>
+          <p:nvPr>
+            <p:ph idx="1"/>
+          </p:nvPr>
+        </p:nvSpPr>
+        <p:spPr>
+          <a:xfrm>
+            <a:off x="612648" y="2785938"/>
+            <a:ext cx="5008506" cy="3378042"/>
+          </a:xfrm>
+        </p:spPr>
+        <p:txBody>
+          <a:bodyPr>
+            <a:normAutofit/>
+          </a:bodyPr>
+          <a:lstStyle/>
+          <a:p>
+            <a:pPr marL="0" indent="0" algn="just">
+              <a:buNone/>
+            </a:pPr>
+            <a:r>
+              <a:rPr lang="it-IT" sz="2200" dirty="0"/>
+              <a:t>In questa configurazione, il controllore MPC adotta un comportamento più aggressivo, infatti l’azione di controllo risulta saturata nei primi minuti della simulazione. Questo porta ad una variazione rapida degli stati, che inizialmente superano anche il valore di riferimento prima di stabilizzarsi.</a:t>
+            </a:r>
+          </a:p>
+          <a:p>
+            <a:pPr marL="0" indent="0" algn="just">
+              <a:buNone/>
+            </a:pPr>
+            <a:endParaRPr lang="it-IT" sz="2200" dirty="0"/>
+          </a:p>
+          <a:p>
+            <a:pPr marL="0" indent="0" algn="just">
+              <a:buNone/>
+            </a:pPr>
+            <a:endParaRPr lang="it-IT" sz="2200" dirty="0"/>
+          </a:p>
+        </p:txBody>
+      </p:sp>
+      <p:sp>
+        <p:nvSpPr>
+          <p:cNvPr id="4" name="Segnaposto piè di pagina 3">
+            <a:extLst>
+              <a:ext uri="{FF2B5EF4-FFF2-40B4-BE49-F238E27FC236}">
+                <a16:creationId xmlns:a16="http://schemas.microsoft.com/office/drawing/2014/main" id="{1B617438-4EF7-EB17-52B6-D1E92F3A2754}"/>
+              </a:ext>
+            </a:extLst>
+          </p:cNvPr>
+          <p:cNvSpPr>
+            <a:spLocks noGrp="1"/>
+          </p:cNvSpPr>
+          <p:nvPr>
+            <p:ph type="ftr" sz="quarter" idx="11"/>
+          </p:nvPr>
+        </p:nvSpPr>
+        <p:spPr>
+          <a:xfrm>
+            <a:off x="4038600" y="6356350"/>
+            <a:ext cx="4114800" cy="365125"/>
+          </a:xfrm>
+        </p:spPr>
+        <p:txBody>
+          <a:bodyPr>
+            <a:normAutofit/>
+          </a:bodyPr>
+          <a:lstStyle/>
+          <a:p>
+            <a:pPr>
+              <a:spcAft>
+                <a:spcPts val="600"/>
+              </a:spcAft>
+            </a:pPr>
+            <a:r>
+              <a:rPr lang="it-IT"/>
+              <a:t>Davide Brambilla [1080752], Giorgio Passarella[1079287]</a:t>
+            </a:r>
+          </a:p>
+        </p:txBody>
+      </p:sp>
+      <p:pic>
+        <p:nvPicPr>
+          <p:cNvPr id="7" name="Immagine 6">
+            <a:extLst>
+              <a:ext uri="{FF2B5EF4-FFF2-40B4-BE49-F238E27FC236}">
+                <a16:creationId xmlns:a16="http://schemas.microsoft.com/office/drawing/2014/main" id="{941BD8CD-337F-623E-B956-2E238EA2BACE}"/>
+              </a:ext>
+            </a:extLst>
+          </p:cNvPr>
+          <p:cNvPicPr>
+            <a:picLocks noChangeAspect="1"/>
+          </p:cNvPicPr>
+          <p:nvPr/>
+        </p:nvPicPr>
+        <p:blipFill>
+          <a:blip r:embed="rId2">
+            <a:extLst>
+              <a:ext uri="{28A0092B-C50C-407E-A947-70E740481C1C}">
+                <a14:useLocalDpi xmlns:a14="http://schemas.microsoft.com/office/drawing/2010/main" val="0"/>
+              </a:ext>
+            </a:extLst>
+          </a:blip>
+          <a:srcRect/>
+          <a:stretch/>
+        </p:blipFill>
+        <p:spPr>
+          <a:xfrm>
+            <a:off x="5740697" y="2785938"/>
+            <a:ext cx="6329383" cy="3391025"/>
+          </a:xfrm>
+          <a:prstGeom prst="rect">
+            <a:avLst/>
+          </a:prstGeom>
+        </p:spPr>
+      </p:pic>
+    </p:spTree>
+    <p:extLst>
+      <p:ext uri="{BB962C8B-B14F-4D97-AF65-F5344CB8AC3E}">
+        <p14:creationId xmlns:p14="http://schemas.microsoft.com/office/powerpoint/2010/main" val="2031791139"/>
+      </p:ext>
+    </p:extLst>
+  </p:cSld>
+  <p:clrMapOvr>
+    <a:masterClrMapping/>
+  </p:clrMapOvr>
+</p:sld>
+</file>
+
+<file path=ppt/slides/slide27.xml><?xml version="1.0" encoding="utf-8"?>
+<p:sld xmlns:a="http://schemas.openxmlformats.org/drawingml/2006/main" xmlns:r="http://schemas.openxmlformats.org/officeDocument/2006/relationships" xmlns:p="http://schemas.openxmlformats.org/presentationml/2006/main">
+  <p:cSld>
+    <p:bg>
+      <p:bgPr>
+        <a:solidFill>
+          <a:schemeClr val="bg1"/>
+        </a:solidFill>
+        <a:effectLst/>
+      </p:bgPr>
+    </p:bg>
+    <p:spTree>
+      <p:nvGrpSpPr>
+        <p:cNvPr id="1" name="">
+          <a:extLst>
+            <a:ext uri="{FF2B5EF4-FFF2-40B4-BE49-F238E27FC236}">
+              <a16:creationId xmlns:a16="http://schemas.microsoft.com/office/drawing/2014/main" id="{FA31DF35-19AD-872D-291F-8332A573B11B}"/>
+            </a:ext>
+          </a:extLst>
+        </p:cNvPr>
+        <p:cNvGrpSpPr/>
+        <p:nvPr/>
+      </p:nvGrpSpPr>
+      <p:grpSpPr>
+        <a:xfrm>
+          <a:off x="0" y="0"/>
+          <a:ext cx="0" cy="0"/>
+          <a:chOff x="0" y="0"/>
+          <a:chExt cx="0" cy="0"/>
+        </a:xfrm>
+      </p:grpSpPr>
+      <p:sp useBgFill="1">
+        <p:nvSpPr>
+          <p:cNvPr id="13" name="Rectangle 12">
+            <a:extLst>
+              <a:ext uri="{FF2B5EF4-FFF2-40B4-BE49-F238E27FC236}">
+                <a16:creationId xmlns:a16="http://schemas.microsoft.com/office/drawing/2014/main" id="{A4544513-1E2B-B39F-87CF-2E99C298C2D3}"/>
+              </a:ext>
+              <a:ext uri="{C183D7F6-B498-43B3-948B-1728B52AA6E4}">
+                <adec:decorative xmlns:adec="http://schemas.microsoft.com/office/drawing/2017/decorative" val="1"/>
+              </a:ext>
+            </a:extLst>
+          </p:cNvPr>
+          <p:cNvSpPr>
+            <a:spLocks noGrp="1" noRot="1" noChangeAspect="1" noMove="1" noResize="1" noEditPoints="1" noAdjustHandles="1" noChangeArrowheads="1" noChangeShapeType="1" noTextEdit="1"/>
+          </p:cNvSpPr>
+          <p:nvPr>
+            <p:extLst>
+              <p:ext uri="{386F3935-93C4-4BCD-93E2-E3B085C9AB24}">
+                <p16:designElem xmlns:p16="http://schemas.microsoft.com/office/powerpoint/2015/main" val="1"/>
+              </p:ext>
+            </p:extLst>
+          </p:nvPr>
+        </p:nvSpPr>
+        <p:spPr>
+          <a:xfrm>
+            <a:off x="0" y="0"/>
+            <a:ext cx="12188952" cy="6858000"/>
+          </a:xfrm>
+          <a:prstGeom prst="rect">
+            <a:avLst/>
+          </a:prstGeom>
+          <a:ln>
+            <a:noFill/>
+          </a:ln>
+        </p:spPr>
+        <p:style>
+          <a:lnRef idx="2">
+            <a:schemeClr val="accent1">
+              <a:shade val="50000"/>
+            </a:schemeClr>
+          </a:lnRef>
+          <a:fillRef idx="1">
+            <a:schemeClr val="accent1"/>
+          </a:fillRef>
+          <a:effectRef idx="0">
+            <a:schemeClr val="accent1"/>
+          </a:effectRef>
+          <a:fontRef idx="minor">
+            <a:schemeClr val="lt1"/>
+          </a:fontRef>
+        </p:style>
+        <p:txBody>
+          <a:bodyPr rtlCol="0" anchor="ctr"/>
+          <a:lstStyle/>
+          <a:p>
+            <a:pPr algn="ctr"/>
+            <a:endParaRPr lang="en-US"/>
+          </a:p>
+        </p:txBody>
+      </p:sp>
+      <p:sp>
+        <p:nvSpPr>
+          <p:cNvPr id="2" name="Titolo 1">
+            <a:extLst>
+              <a:ext uri="{FF2B5EF4-FFF2-40B4-BE49-F238E27FC236}">
+                <a16:creationId xmlns:a16="http://schemas.microsoft.com/office/drawing/2014/main" id="{B8356DBD-712D-5181-47E5-69DBFFF268F7}"/>
+              </a:ext>
+            </a:extLst>
+          </p:cNvPr>
+          <p:cNvSpPr>
+            <a:spLocks noGrp="1"/>
+          </p:cNvSpPr>
+          <p:nvPr>
+            <p:ph type="title"/>
+          </p:nvPr>
+        </p:nvSpPr>
+        <p:spPr>
+          <a:xfrm>
+            <a:off x="640079" y="329184"/>
+            <a:ext cx="10806853" cy="1783080"/>
+          </a:xfrm>
+        </p:spPr>
+        <p:txBody>
+          <a:bodyPr anchor="b">
+            <a:normAutofit/>
+          </a:bodyPr>
+          <a:lstStyle/>
+          <a:p>
+            <a:r>
+              <a:rPr lang="it-IT" sz="5400" dirty="0"/>
+              <a:t>Simulazione MPC</a:t>
+            </a:r>
+            <a:r>
+              <a:rPr lang="it-IT" sz="3200" dirty="0"/>
+              <a:t> </a:t>
+            </a:r>
+            <a:r>
+              <a:rPr lang="it-IT" sz="3600" dirty="0"/>
+              <a:t>(caso conservativo)</a:t>
+            </a:r>
+            <a:endParaRPr lang="it-IT" sz="5400" dirty="0"/>
+          </a:p>
+        </p:txBody>
+      </p:sp>
+      <p:sp>
+        <p:nvSpPr>
+          <p:cNvPr id="15" name="sketch line">
+            <a:extLst>
+              <a:ext uri="{FF2B5EF4-FFF2-40B4-BE49-F238E27FC236}">
+                <a16:creationId xmlns:a16="http://schemas.microsoft.com/office/drawing/2014/main" id="{1D9D53A0-1498-4BA1-34B4-2C70C9CD5DA3}"/>
+              </a:ext>
+              <a:ext uri="{C183D7F6-B498-43B3-948B-1728B52AA6E4}">
+                <adec:decorative xmlns:adec="http://schemas.microsoft.com/office/drawing/2017/decorative" val="1"/>
+              </a:ext>
+            </a:extLst>
+          </p:cNvPr>
+          <p:cNvSpPr>
+            <a:spLocks noGrp="1" noRot="1" noChangeAspect="1" noMove="1" noResize="1" noEditPoints="1" noAdjustHandles="1" noChangeArrowheads="1" noChangeShapeType="1" noTextEdit="1"/>
+          </p:cNvSpPr>
+          <p:nvPr>
+            <p:extLst>
+              <p:ext uri="{386F3935-93C4-4BCD-93E2-E3B085C9AB24}">
+                <p16:designElem xmlns:p16="http://schemas.microsoft.com/office/powerpoint/2015/main" val="1"/>
+              </p:ext>
+            </p:extLst>
+          </p:nvPr>
+        </p:nvSpPr>
+        <p:spPr>
+          <a:xfrm>
+            <a:off x="758952" y="2395728"/>
+            <a:ext cx="4243589" cy="18288"/>
+          </a:xfrm>
+          <a:custGeom>
+            <a:avLst/>
+            <a:gdLst>
+              <a:gd name="connsiteX0" fmla="*/ 0 w 4243589"/>
+              <a:gd name="connsiteY0" fmla="*/ 0 h 18288"/>
+              <a:gd name="connsiteX1" fmla="*/ 478919 w 4243589"/>
+              <a:gd name="connsiteY1" fmla="*/ 0 h 18288"/>
+              <a:gd name="connsiteX2" fmla="*/ 957839 w 4243589"/>
+              <a:gd name="connsiteY2" fmla="*/ 0 h 18288"/>
+              <a:gd name="connsiteX3" fmla="*/ 1521630 w 4243589"/>
+              <a:gd name="connsiteY3" fmla="*/ 0 h 18288"/>
+              <a:gd name="connsiteX4" fmla="*/ 2212729 w 4243589"/>
+              <a:gd name="connsiteY4" fmla="*/ 0 h 18288"/>
+              <a:gd name="connsiteX5" fmla="*/ 2734084 w 4243589"/>
+              <a:gd name="connsiteY5" fmla="*/ 0 h 18288"/>
+              <a:gd name="connsiteX6" fmla="*/ 3255439 w 4243589"/>
+              <a:gd name="connsiteY6" fmla="*/ 0 h 18288"/>
+              <a:gd name="connsiteX7" fmla="*/ 4243589 w 4243589"/>
+              <a:gd name="connsiteY7" fmla="*/ 0 h 18288"/>
+              <a:gd name="connsiteX8" fmla="*/ 4243589 w 4243589"/>
+              <a:gd name="connsiteY8" fmla="*/ 18288 h 18288"/>
+              <a:gd name="connsiteX9" fmla="*/ 3594926 w 4243589"/>
+              <a:gd name="connsiteY9" fmla="*/ 18288 h 18288"/>
+              <a:gd name="connsiteX10" fmla="*/ 3073571 w 4243589"/>
+              <a:gd name="connsiteY10" fmla="*/ 18288 h 18288"/>
+              <a:gd name="connsiteX11" fmla="*/ 2552216 w 4243589"/>
+              <a:gd name="connsiteY11" fmla="*/ 18288 h 18288"/>
+              <a:gd name="connsiteX12" fmla="*/ 1903553 w 4243589"/>
+              <a:gd name="connsiteY12" fmla="*/ 18288 h 18288"/>
+              <a:gd name="connsiteX13" fmla="*/ 1212454 w 4243589"/>
+              <a:gd name="connsiteY13" fmla="*/ 18288 h 18288"/>
+              <a:gd name="connsiteX14" fmla="*/ 733535 w 4243589"/>
+              <a:gd name="connsiteY14" fmla="*/ 18288 h 18288"/>
+              <a:gd name="connsiteX15" fmla="*/ 0 w 4243589"/>
+              <a:gd name="connsiteY15" fmla="*/ 18288 h 18288"/>
+              <a:gd name="connsiteX16" fmla="*/ 0 w 4243589"/>
+              <a:gd name="connsiteY16" fmla="*/ 0 h 18288"/>
+            </a:gdLst>
+            <a:ahLst/>
+            <a:cxnLst>
+              <a:cxn ang="0">
+                <a:pos x="connsiteX0" y="connsiteY0"/>
+              </a:cxn>
+              <a:cxn ang="0">
+                <a:pos x="connsiteX1" y="connsiteY1"/>
+              </a:cxn>
+              <a:cxn ang="0">
+                <a:pos x="connsiteX2" y="connsiteY2"/>
+              </a:cxn>
+              <a:cxn ang="0">
+                <a:pos x="connsiteX3" y="connsiteY3"/>
+              </a:cxn>
+              <a:cxn ang="0">
+                <a:pos x="connsiteX4" y="connsiteY4"/>
+              </a:cxn>
+              <a:cxn ang="0">
+                <a:pos x="connsiteX5" y="connsiteY5"/>
+              </a:cxn>
+              <a:cxn ang="0">
+                <a:pos x="connsiteX6" y="connsiteY6"/>
+              </a:cxn>
+              <a:cxn ang="0">
+                <a:pos x="connsiteX7" y="connsiteY7"/>
+              </a:cxn>
+              <a:cxn ang="0">
+                <a:pos x="connsiteX8" y="connsiteY8"/>
+              </a:cxn>
+              <a:cxn ang="0">
+                <a:pos x="connsiteX9" y="connsiteY9"/>
+              </a:cxn>
+              <a:cxn ang="0">
+                <a:pos x="connsiteX10" y="connsiteY10"/>
+              </a:cxn>
+              <a:cxn ang="0">
+                <a:pos x="connsiteX11" y="connsiteY11"/>
+              </a:cxn>
+              <a:cxn ang="0">
+                <a:pos x="connsiteX12" y="connsiteY12"/>
+              </a:cxn>
+              <a:cxn ang="0">
+                <a:pos x="connsiteX13" y="connsiteY13"/>
+              </a:cxn>
+              <a:cxn ang="0">
+                <a:pos x="connsiteX14" y="connsiteY14"/>
+              </a:cxn>
+              <a:cxn ang="0">
+                <a:pos x="connsiteX15" y="connsiteY15"/>
+              </a:cxn>
+              <a:cxn ang="0">
+                <a:pos x="connsiteX16" y="connsiteY16"/>
+              </a:cxn>
+            </a:cxnLst>
+            <a:rect l="l" t="t" r="r" b="b"/>
+            <a:pathLst>
+              <a:path w="4243589" h="18288" fill="none" extrusionOk="0">
+                <a:moveTo>
+                  <a:pt x="0" y="0"/>
+                </a:moveTo>
+                <a:cubicBezTo>
+                  <a:pt x="213395" y="-21006"/>
+                  <a:pt x="307421" y="-18116"/>
+                  <a:pt x="478919" y="0"/>
+                </a:cubicBezTo>
+                <a:cubicBezTo>
+                  <a:pt x="650417" y="18116"/>
+                  <a:pt x="831092" y="-21237"/>
+                  <a:pt x="957839" y="0"/>
+                </a:cubicBezTo>
+                <a:cubicBezTo>
+                  <a:pt x="1084586" y="21237"/>
+                  <a:pt x="1301682" y="25124"/>
+                  <a:pt x="1521630" y="0"/>
+                </a:cubicBezTo>
+                <a:cubicBezTo>
+                  <a:pt x="1741578" y="-25124"/>
+                  <a:pt x="1970269" y="-29139"/>
+                  <a:pt x="2212729" y="0"/>
+                </a:cubicBezTo>
+                <a:cubicBezTo>
+                  <a:pt x="2455189" y="29139"/>
+                  <a:pt x="2558847" y="-4796"/>
+                  <a:pt x="2734084" y="0"/>
+                </a:cubicBezTo>
+                <a:cubicBezTo>
+                  <a:pt x="2909321" y="4796"/>
+                  <a:pt x="3097217" y="-13409"/>
+                  <a:pt x="3255439" y="0"/>
+                </a:cubicBezTo>
+                <a:cubicBezTo>
+                  <a:pt x="3413662" y="13409"/>
+                  <a:pt x="3979999" y="-10121"/>
+                  <a:pt x="4243589" y="0"/>
+                </a:cubicBezTo>
+                <a:cubicBezTo>
+                  <a:pt x="4244484" y="8974"/>
+                  <a:pt x="4243043" y="9359"/>
+                  <a:pt x="4243589" y="18288"/>
+                </a:cubicBezTo>
+                <a:cubicBezTo>
+                  <a:pt x="4058777" y="31246"/>
+                  <a:pt x="3910348" y="3158"/>
+                  <a:pt x="3594926" y="18288"/>
+                </a:cubicBezTo>
+                <a:cubicBezTo>
+                  <a:pt x="3279504" y="33418"/>
+                  <a:pt x="3319955" y="-3977"/>
+                  <a:pt x="3073571" y="18288"/>
+                </a:cubicBezTo>
+                <a:cubicBezTo>
+                  <a:pt x="2827187" y="40553"/>
+                  <a:pt x="2767387" y="1863"/>
+                  <a:pt x="2552216" y="18288"/>
+                </a:cubicBezTo>
+                <a:cubicBezTo>
+                  <a:pt x="2337046" y="34713"/>
+                  <a:pt x="2181871" y="19527"/>
+                  <a:pt x="1903553" y="18288"/>
+                </a:cubicBezTo>
+                <a:cubicBezTo>
+                  <a:pt x="1625235" y="17049"/>
+                  <a:pt x="1557672" y="24174"/>
+                  <a:pt x="1212454" y="18288"/>
+                </a:cubicBezTo>
+                <a:cubicBezTo>
+                  <a:pt x="867236" y="12402"/>
+                  <a:pt x="874382" y="15627"/>
+                  <a:pt x="733535" y="18288"/>
+                </a:cubicBezTo>
+                <a:cubicBezTo>
+                  <a:pt x="592688" y="20949"/>
+                  <a:pt x="183477" y="14753"/>
+                  <a:pt x="0" y="18288"/>
+                </a:cubicBezTo>
+                <a:cubicBezTo>
+                  <a:pt x="-229" y="14222"/>
+                  <a:pt x="509" y="5816"/>
+                  <a:pt x="0" y="0"/>
+                </a:cubicBezTo>
+                <a:close/>
+              </a:path>
+              <a:path w="4243589" h="18288" stroke="0" extrusionOk="0">
+                <a:moveTo>
+                  <a:pt x="0" y="0"/>
+                </a:moveTo>
+                <a:cubicBezTo>
+                  <a:pt x="143690" y="16630"/>
+                  <a:pt x="266667" y="14847"/>
+                  <a:pt x="521355" y="0"/>
+                </a:cubicBezTo>
+                <a:cubicBezTo>
+                  <a:pt x="776043" y="-14847"/>
+                  <a:pt x="814491" y="-17363"/>
+                  <a:pt x="1000275" y="0"/>
+                </a:cubicBezTo>
+                <a:cubicBezTo>
+                  <a:pt x="1186059" y="17363"/>
+                  <a:pt x="1352504" y="-23507"/>
+                  <a:pt x="1521630" y="0"/>
+                </a:cubicBezTo>
+                <a:cubicBezTo>
+                  <a:pt x="1690756" y="23507"/>
+                  <a:pt x="1889525" y="5871"/>
+                  <a:pt x="2127857" y="0"/>
+                </a:cubicBezTo>
+                <a:cubicBezTo>
+                  <a:pt x="2366189" y="-5871"/>
+                  <a:pt x="2620628" y="-27997"/>
+                  <a:pt x="2776520" y="0"/>
+                </a:cubicBezTo>
+                <a:cubicBezTo>
+                  <a:pt x="2932412" y="27997"/>
+                  <a:pt x="3131683" y="-25073"/>
+                  <a:pt x="3467618" y="0"/>
+                </a:cubicBezTo>
+                <a:cubicBezTo>
+                  <a:pt x="3803553" y="25073"/>
+                  <a:pt x="4017371" y="3071"/>
+                  <a:pt x="4243589" y="0"/>
+                </a:cubicBezTo>
+                <a:cubicBezTo>
+                  <a:pt x="4243134" y="6162"/>
+                  <a:pt x="4243492" y="11775"/>
+                  <a:pt x="4243589" y="18288"/>
+                </a:cubicBezTo>
+                <a:cubicBezTo>
+                  <a:pt x="4017834" y="-5779"/>
+                  <a:pt x="3834586" y="13376"/>
+                  <a:pt x="3594926" y="18288"/>
+                </a:cubicBezTo>
+                <a:cubicBezTo>
+                  <a:pt x="3355266" y="23200"/>
+                  <a:pt x="3204179" y="2869"/>
+                  <a:pt x="2903827" y="18288"/>
+                </a:cubicBezTo>
+                <a:cubicBezTo>
+                  <a:pt x="2603475" y="33707"/>
+                  <a:pt x="2526187" y="46187"/>
+                  <a:pt x="2212729" y="18288"/>
+                </a:cubicBezTo>
+                <a:cubicBezTo>
+                  <a:pt x="1899271" y="-9611"/>
+                  <a:pt x="1966289" y="29692"/>
+                  <a:pt x="1733809" y="18288"/>
+                </a:cubicBezTo>
+                <a:cubicBezTo>
+                  <a:pt x="1501329" y="6884"/>
+                  <a:pt x="1343612" y="12492"/>
+                  <a:pt x="1085146" y="18288"/>
+                </a:cubicBezTo>
+                <a:cubicBezTo>
+                  <a:pt x="826680" y="24084"/>
+                  <a:pt x="778184" y="35607"/>
+                  <a:pt x="521355" y="18288"/>
+                </a:cubicBezTo>
+                <a:cubicBezTo>
+                  <a:pt x="264526" y="969"/>
+                  <a:pt x="120277" y="4268"/>
+                  <a:pt x="0" y="18288"/>
+                </a:cubicBezTo>
+                <a:cubicBezTo>
+                  <a:pt x="766" y="10800"/>
+                  <a:pt x="-457" y="8180"/>
+                  <a:pt x="0" y="0"/>
+                </a:cubicBezTo>
+                <a:close/>
+              </a:path>
+            </a:pathLst>
+          </a:custGeom>
+          <a:solidFill>
+            <a:schemeClr val="accent2"/>
+          </a:solidFill>
+          <a:ln w="41275" cap="rnd">
+            <a:solidFill>
+              <a:schemeClr val="accent2"/>
+            </a:solidFill>
+            <a:round/>
+            <a:extLst>
+              <a:ext uri="{C807C97D-BFC1-408E-A445-0C87EB9F89A2}">
+                <ask:lineSketchStyleProps xmlns:ask="http://schemas.microsoft.com/office/drawing/2018/sketchyshapes" sd="2727557108">
+                  <a:prstGeom prst="rect">
+                    <a:avLst/>
+                  </a:prstGeom>
+                  <ask:type>
+                    <ask:lineSketchFreehand/>
+                  </ask:type>
+                </ask:lineSketchStyleProps>
+              </a:ext>
+            </a:extLst>
+          </a:ln>
+        </p:spPr>
+        <p:style>
+          <a:lnRef idx="2">
+            <a:schemeClr val="accent1">
+              <a:shade val="50000"/>
+            </a:schemeClr>
+          </a:lnRef>
+          <a:fillRef idx="1">
+            <a:schemeClr val="accent1"/>
+          </a:fillRef>
+          <a:effectRef idx="0">
+            <a:schemeClr val="accent1"/>
+          </a:effectRef>
+          <a:fontRef idx="minor">
+            <a:schemeClr val="lt1"/>
+          </a:fontRef>
+        </p:style>
+        <p:txBody>
+          <a:bodyPr rtlCol="0" anchor="ctr"/>
+          <a:lstStyle/>
+          <a:p>
+            <a:pPr algn="ctr"/>
+            <a:endParaRPr lang="en-US"/>
+          </a:p>
+        </p:txBody>
+      </p:sp>
+      <p:sp>
+        <p:nvSpPr>
+          <p:cNvPr id="3" name="Segnaposto contenuto 2">
+            <a:extLst>
+              <a:ext uri="{FF2B5EF4-FFF2-40B4-BE49-F238E27FC236}">
+                <a16:creationId xmlns:a16="http://schemas.microsoft.com/office/drawing/2014/main" id="{BFF5FE1D-D6D9-CD48-3984-B262CC6A4313}"/>
+              </a:ext>
+            </a:extLst>
+          </p:cNvPr>
+          <p:cNvSpPr>
+            <a:spLocks noGrp="1"/>
+          </p:cNvSpPr>
+          <p:nvPr>
+            <p:ph idx="1"/>
+          </p:nvPr>
+        </p:nvSpPr>
+        <p:spPr>
+          <a:xfrm>
+            <a:off x="574230" y="2706624"/>
+            <a:ext cx="5123926" cy="980814"/>
+          </a:xfrm>
+        </p:spPr>
+        <p:txBody>
+          <a:bodyPr>
+            <a:normAutofit/>
+          </a:bodyPr>
+          <a:lstStyle/>
+          <a:p>
+            <a:pPr marL="0" indent="0" algn="just">
+              <a:buNone/>
+            </a:pPr>
+            <a:r>
+              <a:rPr lang="it-IT" sz="2000" dirty="0"/>
+              <a:t>Abbiamo ripetuto la simulazione facendo variare i parametri di progetto per vedere la risposta del controllore progettato.</a:t>
+            </a:r>
+          </a:p>
+          <a:p>
+            <a:pPr marL="0" indent="0" algn="just">
+              <a:buNone/>
+            </a:pPr>
+            <a:endParaRPr lang="it-IT" sz="2000" dirty="0"/>
+          </a:p>
+          <a:p>
+            <a:pPr algn="just"/>
+            <a:endParaRPr lang="it-IT" sz="2200" dirty="0"/>
+          </a:p>
+        </p:txBody>
+      </p:sp>
+      <p:sp>
+        <p:nvSpPr>
+          <p:cNvPr id="4" name="Segnaposto piè di pagina 3">
+            <a:extLst>
+              <a:ext uri="{FF2B5EF4-FFF2-40B4-BE49-F238E27FC236}">
+                <a16:creationId xmlns:a16="http://schemas.microsoft.com/office/drawing/2014/main" id="{F53695AB-AD49-2D8E-1700-D2E702E32B94}"/>
+              </a:ext>
+            </a:extLst>
+          </p:cNvPr>
+          <p:cNvSpPr>
+            <a:spLocks noGrp="1"/>
+          </p:cNvSpPr>
+          <p:nvPr>
+            <p:ph type="ftr" sz="quarter" idx="11"/>
+          </p:nvPr>
+        </p:nvSpPr>
+        <p:spPr>
+          <a:xfrm>
+            <a:off x="4038600" y="6356350"/>
+            <a:ext cx="4114800" cy="365125"/>
+          </a:xfrm>
+        </p:spPr>
+        <p:txBody>
+          <a:bodyPr>
+            <a:normAutofit/>
+          </a:bodyPr>
+          <a:lstStyle/>
+          <a:p>
+            <a:pPr>
+              <a:spcAft>
+                <a:spcPts val="600"/>
+              </a:spcAft>
+            </a:pPr>
+            <a:r>
+              <a:rPr lang="it-IT"/>
+              <a:t>Davide Brambilla [1080752], Giorgio Passarella[1079287]</a:t>
+            </a:r>
+          </a:p>
+        </p:txBody>
+      </p:sp>
+      <p:pic>
+        <p:nvPicPr>
+          <p:cNvPr id="7" name="Immagine 6">
+            <a:extLst>
+              <a:ext uri="{FF2B5EF4-FFF2-40B4-BE49-F238E27FC236}">
+                <a16:creationId xmlns:a16="http://schemas.microsoft.com/office/drawing/2014/main" id="{5A7B7037-5D53-E6F5-CD33-1DD530120FE7}"/>
+              </a:ext>
+            </a:extLst>
+          </p:cNvPr>
+          <p:cNvPicPr>
+            <a:picLocks noChangeAspect="1"/>
+          </p:cNvPicPr>
+          <p:nvPr/>
+        </p:nvPicPr>
+        <p:blipFill>
+          <a:blip r:embed="rId2">
+            <a:extLst>
+              <a:ext uri="{28A0092B-C50C-407E-A947-70E740481C1C}">
+                <a14:useLocalDpi xmlns:a14="http://schemas.microsoft.com/office/drawing/2010/main" val="0"/>
+              </a:ext>
+            </a:extLst>
+          </a:blip>
+          <a:srcRect/>
+          <a:stretch/>
+        </p:blipFill>
+        <p:spPr>
+          <a:xfrm>
+            <a:off x="6197271" y="2953061"/>
+            <a:ext cx="5697774" cy="3308638"/>
+          </a:xfrm>
+          <a:prstGeom prst="rect">
+            <a:avLst/>
+          </a:prstGeom>
+        </p:spPr>
+      </p:pic>
+      <p:sp>
+        <p:nvSpPr>
+          <p:cNvPr id="10" name="Segnaposto contenuto 2">
+            <a:extLst>
+              <a:ext uri="{FF2B5EF4-FFF2-40B4-BE49-F238E27FC236}">
+                <a16:creationId xmlns:a16="http://schemas.microsoft.com/office/drawing/2014/main" id="{6293404C-9340-3325-F3AA-AAED86EE8455}"/>
+              </a:ext>
+            </a:extLst>
+          </p:cNvPr>
+          <p:cNvSpPr txBox="1">
+            <a:spLocks/>
+          </p:cNvSpPr>
+          <p:nvPr/>
+        </p:nvSpPr>
+        <p:spPr>
+          <a:xfrm>
+            <a:off x="574231" y="3633854"/>
+            <a:ext cx="5123926" cy="1783080"/>
+          </a:xfrm>
+          <a:prstGeom prst="rect">
+            <a:avLst/>
+          </a:prstGeom>
+        </p:spPr>
+        <p:txBody>
+          <a:bodyPr vert="horz" lIns="91440" tIns="45720" rIns="91440" bIns="45720" rtlCol="0">
+            <a:normAutofit/>
+          </a:bodyPr>
+          <a:lstStyle>
+            <a:lvl1pPr marL="228600" indent="-228600" algn="l" defTabSz="914400" rtl="0" eaLnBrk="1" latinLnBrk="0" hangingPunct="1">
+              <a:lnSpc>
+                <a:spcPct val="90000"/>
+              </a:lnSpc>
+              <a:spcBef>
+                <a:spcPts val="1000"/>
+              </a:spcBef>
+              <a:buFont typeface="Arial" panose="020B0604020202020204" pitchFamily="34" charset="0"/>
+              <a:buChar char="•"/>
+              <a:defRPr sz="2800" kern="1200">
+                <a:solidFill>
+                  <a:schemeClr val="tx1"/>
+                </a:solidFill>
+                <a:latin typeface="+mn-lt"/>
+                <a:ea typeface="+mn-ea"/>
+                <a:cs typeface="+mn-cs"/>
+              </a:defRPr>
+            </a:lvl1pPr>
+            <a:lvl2pPr marL="685800" indent="-228600" algn="l" defTabSz="914400" rtl="0" eaLnBrk="1" latinLnBrk="0" hangingPunct="1">
+              <a:lnSpc>
+                <a:spcPct val="90000"/>
+              </a:lnSpc>
+              <a:spcBef>
+                <a:spcPts val="500"/>
+              </a:spcBef>
+              <a:buFont typeface="Arial" panose="020B0604020202020204" pitchFamily="34" charset="0"/>
+              <a:buChar char="•"/>
+              <a:defRPr sz="2400" kern="1200">
+                <a:solidFill>
+                  <a:schemeClr val="tx1"/>
+                </a:solidFill>
+                <a:latin typeface="+mn-lt"/>
+                <a:ea typeface="+mn-ea"/>
+                <a:cs typeface="+mn-cs"/>
+              </a:defRPr>
+            </a:lvl2pPr>
+            <a:lvl3pPr marL="1143000" indent="-228600" algn="l" defTabSz="914400" rtl="0" eaLnBrk="1" latinLnBrk="0" hangingPunct="1">
+              <a:lnSpc>
+                <a:spcPct val="90000"/>
+              </a:lnSpc>
+              <a:spcBef>
+                <a:spcPts val="500"/>
+              </a:spcBef>
+              <a:buFont typeface="Arial" panose="020B0604020202020204" pitchFamily="34" charset="0"/>
+              <a:buChar char="•"/>
+              <a:defRPr sz="2000" kern="1200">
+                <a:solidFill>
+                  <a:schemeClr val="tx1"/>
+                </a:solidFill>
+                <a:latin typeface="+mn-lt"/>
+                <a:ea typeface="+mn-ea"/>
+                <a:cs typeface="+mn-cs"/>
+              </a:defRPr>
+            </a:lvl3pPr>
+            <a:lvl4pPr marL="1600200" indent="-228600" algn="l" defTabSz="914400" rtl="0" eaLnBrk="1" latinLnBrk="0" hangingPunct="1">
+              <a:lnSpc>
+                <a:spcPct val="90000"/>
+              </a:lnSpc>
+              <a:spcBef>
+                <a:spcPts val="500"/>
+              </a:spcBef>
+              <a:buFont typeface="Arial" panose="020B0604020202020204" pitchFamily="34" charset="0"/>
+              <a:buChar char="•"/>
+              <a:defRPr sz="1800" kern="1200">
+                <a:solidFill>
+                  <a:schemeClr val="tx1"/>
+                </a:solidFill>
+                <a:latin typeface="+mn-lt"/>
+                <a:ea typeface="+mn-ea"/>
+                <a:cs typeface="+mn-cs"/>
+              </a:defRPr>
+            </a:lvl4pPr>
+            <a:lvl5pPr marL="2057400" indent="-228600" algn="l" defTabSz="914400" rtl="0" eaLnBrk="1" latinLnBrk="0" hangingPunct="1">
+              <a:lnSpc>
+                <a:spcPct val="90000"/>
+              </a:lnSpc>
+              <a:spcBef>
+                <a:spcPts val="500"/>
+              </a:spcBef>
+              <a:buFont typeface="Arial" panose="020B0604020202020204" pitchFamily="34" charset="0"/>
+              <a:buChar char="•"/>
+              <a:defRPr sz="1800" kern="1200">
+                <a:solidFill>
+                  <a:schemeClr val="tx1"/>
+                </a:solidFill>
+                <a:latin typeface="+mn-lt"/>
+                <a:ea typeface="+mn-ea"/>
+                <a:cs typeface="+mn-cs"/>
+              </a:defRPr>
+            </a:lvl5pPr>
+            <a:lvl6pPr marL="2514600" indent="-228600" algn="l" defTabSz="914400" rtl="0" eaLnBrk="1" latinLnBrk="0" hangingPunct="1">
+              <a:lnSpc>
+                <a:spcPct val="90000"/>
+              </a:lnSpc>
+              <a:spcBef>
+                <a:spcPts val="500"/>
+              </a:spcBef>
+              <a:buFont typeface="Arial" panose="020B0604020202020204" pitchFamily="34" charset="0"/>
+              <a:buChar char="•"/>
+              <a:defRPr sz="1800" kern="1200">
+                <a:solidFill>
+                  <a:schemeClr val="tx1"/>
+                </a:solidFill>
+                <a:latin typeface="+mn-lt"/>
+                <a:ea typeface="+mn-ea"/>
+                <a:cs typeface="+mn-cs"/>
+              </a:defRPr>
+            </a:lvl6pPr>
+            <a:lvl7pPr marL="2971800" indent="-228600" algn="l" defTabSz="914400" rtl="0" eaLnBrk="1" latinLnBrk="0" hangingPunct="1">
+              <a:lnSpc>
+                <a:spcPct val="90000"/>
+              </a:lnSpc>
+              <a:spcBef>
+                <a:spcPts val="500"/>
+              </a:spcBef>
+              <a:buFont typeface="Arial" panose="020B0604020202020204" pitchFamily="34" charset="0"/>
+              <a:buChar char="•"/>
+              <a:defRPr sz="1800" kern="1200">
+                <a:solidFill>
+                  <a:schemeClr val="tx1"/>
+                </a:solidFill>
+                <a:latin typeface="+mn-lt"/>
+                <a:ea typeface="+mn-ea"/>
+                <a:cs typeface="+mn-cs"/>
+              </a:defRPr>
+            </a:lvl7pPr>
+            <a:lvl8pPr marL="3429000" indent="-228600" algn="l" defTabSz="914400" rtl="0" eaLnBrk="1" latinLnBrk="0" hangingPunct="1">
+              <a:lnSpc>
+                <a:spcPct val="90000"/>
+              </a:lnSpc>
+              <a:spcBef>
+                <a:spcPts val="500"/>
+              </a:spcBef>
+              <a:buFont typeface="Arial" panose="020B0604020202020204" pitchFamily="34" charset="0"/>
+              <a:buChar char="•"/>
+              <a:defRPr sz="1800" kern="1200">
+                <a:solidFill>
+                  <a:schemeClr val="tx1"/>
+                </a:solidFill>
+                <a:latin typeface="+mn-lt"/>
+                <a:ea typeface="+mn-ea"/>
+                <a:cs typeface="+mn-cs"/>
+              </a:defRPr>
+            </a:lvl8pPr>
+            <a:lvl9pPr marL="3886200" indent="-228600" algn="l" defTabSz="914400" rtl="0" eaLnBrk="1" latinLnBrk="0" hangingPunct="1">
+              <a:lnSpc>
+                <a:spcPct val="90000"/>
+              </a:lnSpc>
+              <a:spcBef>
+                <a:spcPts val="500"/>
+              </a:spcBef>
+              <a:buFont typeface="Arial" panose="020B0604020202020204" pitchFamily="34" charset="0"/>
+              <a:buChar char="•"/>
+              <a:defRPr sz="1800" kern="1200">
+                <a:solidFill>
+                  <a:schemeClr val="tx1"/>
+                </a:solidFill>
+                <a:latin typeface="+mn-lt"/>
+                <a:ea typeface="+mn-ea"/>
+                <a:cs typeface="+mn-cs"/>
+              </a:defRPr>
+            </a:lvl9pPr>
+          </a:lstStyle>
+          <a:p>
+            <a:pPr marL="0" indent="0" algn="just">
+              <a:lnSpc>
+                <a:spcPct val="100000"/>
+              </a:lnSpc>
+              <a:spcBef>
+                <a:spcPts val="0"/>
+              </a:spcBef>
+              <a:buFont typeface="Arial" panose="020B0604020202020204" pitchFamily="34" charset="0"/>
+              <a:buNone/>
+            </a:pPr>
+            <a:r>
+              <a:rPr lang="it-IT" sz="1600" b="1" dirty="0"/>
+              <a:t>Valori di simulazione utilizzati</a:t>
+            </a:r>
+            <a:r>
+              <a:rPr lang="it-IT" sz="2000" b="1" dirty="0"/>
+              <a:t>:</a:t>
+            </a:r>
+          </a:p>
+          <a:p>
+            <a:pPr algn="just">
+              <a:lnSpc>
+                <a:spcPct val="100000"/>
+              </a:lnSpc>
+              <a:spcBef>
+                <a:spcPts val="0"/>
+              </a:spcBef>
+              <a:buFont typeface="Wingdings" panose="05000000000000000000" pitchFamily="2" charset="2"/>
+              <a:buChar char="§"/>
+            </a:pPr>
+            <a:r>
+              <a:rPr lang="it-IT" sz="1400" dirty="0" err="1"/>
+              <a:t>Ts</a:t>
+            </a:r>
+            <a:r>
+              <a:rPr lang="it-IT" sz="1400" dirty="0"/>
+              <a:t> = 5</a:t>
+            </a:r>
+          </a:p>
+          <a:p>
+            <a:pPr algn="just">
+              <a:lnSpc>
+                <a:spcPct val="100000"/>
+              </a:lnSpc>
+              <a:spcBef>
+                <a:spcPts val="0"/>
+              </a:spcBef>
+              <a:buFont typeface="Wingdings" panose="05000000000000000000" pitchFamily="2" charset="2"/>
+              <a:buChar char="§"/>
+            </a:pPr>
+            <a:r>
+              <a:rPr lang="it-IT" sz="1400" dirty="0"/>
+              <a:t>Q  = 1 * </a:t>
+            </a:r>
+            <a:r>
+              <a:rPr lang="it-IT" sz="1400" dirty="0" err="1"/>
+              <a:t>eye</a:t>
+            </a:r>
+            <a:r>
+              <a:rPr lang="it-IT" sz="1400" dirty="0"/>
+              <a:t>(4)</a:t>
+            </a:r>
+          </a:p>
+          <a:p>
+            <a:pPr algn="just">
+              <a:lnSpc>
+                <a:spcPct val="100000"/>
+              </a:lnSpc>
+              <a:spcBef>
+                <a:spcPts val="0"/>
+              </a:spcBef>
+              <a:buFont typeface="Wingdings" panose="05000000000000000000" pitchFamily="2" charset="2"/>
+              <a:buChar char="§"/>
+            </a:pPr>
+            <a:r>
+              <a:rPr lang="it-IT" sz="1400" dirty="0"/>
+              <a:t>R = 1000 * </a:t>
+            </a:r>
+            <a:r>
+              <a:rPr lang="it-IT" sz="1400" dirty="0" err="1"/>
+              <a:t>eye</a:t>
+            </a:r>
+            <a:r>
+              <a:rPr lang="it-IT" sz="1400" dirty="0"/>
+              <a:t>(2)</a:t>
+            </a:r>
+          </a:p>
+          <a:p>
+            <a:pPr algn="just">
+              <a:lnSpc>
+                <a:spcPct val="100000"/>
+              </a:lnSpc>
+              <a:spcBef>
+                <a:spcPts val="0"/>
+              </a:spcBef>
+              <a:buFont typeface="Wingdings" panose="05000000000000000000" pitchFamily="2" charset="2"/>
+              <a:buChar char="§"/>
+            </a:pPr>
+            <a:r>
+              <a:rPr lang="it-IT" sz="1400" dirty="0"/>
+              <a:t>N = 15</a:t>
+            </a:r>
+          </a:p>
+          <a:p>
+            <a:pPr algn="just">
+              <a:lnSpc>
+                <a:spcPct val="100000"/>
+              </a:lnSpc>
+              <a:spcBef>
+                <a:spcPts val="0"/>
+              </a:spcBef>
+              <a:buFont typeface="Wingdings" panose="05000000000000000000" pitchFamily="2" charset="2"/>
+              <a:buChar char="§"/>
+            </a:pPr>
+            <a:r>
+              <a:rPr lang="it-IT" sz="1400" dirty="0" err="1"/>
+              <a:t>T_sim</a:t>
+            </a:r>
+            <a:r>
+              <a:rPr lang="it-IT" sz="1400" dirty="0"/>
+              <a:t> = 60</a:t>
+            </a:r>
+          </a:p>
+          <a:p>
+            <a:pPr marL="0" indent="0">
+              <a:buFont typeface="Arial" panose="020B0604020202020204" pitchFamily="34" charset="0"/>
+              <a:buNone/>
+            </a:pPr>
+            <a:endParaRPr lang="it-IT" sz="2200" dirty="0"/>
+          </a:p>
+        </p:txBody>
+      </p:sp>
+      <p:sp>
+        <p:nvSpPr>
+          <p:cNvPr id="6" name="Segnaposto contenuto 2">
+            <a:extLst>
+              <a:ext uri="{FF2B5EF4-FFF2-40B4-BE49-F238E27FC236}">
+                <a16:creationId xmlns:a16="http://schemas.microsoft.com/office/drawing/2014/main" id="{8610D49F-B58D-ECD5-ED42-B1AEDC9ADAD7}"/>
+              </a:ext>
+            </a:extLst>
+          </p:cNvPr>
+          <p:cNvSpPr txBox="1">
+            <a:spLocks/>
+          </p:cNvSpPr>
+          <p:nvPr/>
+        </p:nvSpPr>
+        <p:spPr>
+          <a:xfrm>
+            <a:off x="574230" y="5209028"/>
+            <a:ext cx="5123926" cy="1135136"/>
+          </a:xfrm>
+          <a:prstGeom prst="rect">
+            <a:avLst/>
+          </a:prstGeom>
+        </p:spPr>
+        <p:txBody>
+          <a:bodyPr vert="horz" lIns="91440" tIns="45720" rIns="91440" bIns="45720" rtlCol="0">
+            <a:normAutofit/>
+          </a:bodyPr>
+          <a:lstStyle>
+            <a:lvl1pPr marL="228600" indent="-228600" algn="l" defTabSz="914400" rtl="0" eaLnBrk="1" latinLnBrk="0" hangingPunct="1">
+              <a:lnSpc>
+                <a:spcPct val="90000"/>
+              </a:lnSpc>
+              <a:spcBef>
+                <a:spcPts val="1000"/>
+              </a:spcBef>
+              <a:buFont typeface="Arial" panose="020B0604020202020204" pitchFamily="34" charset="0"/>
+              <a:buChar char="•"/>
+              <a:defRPr sz="2800" kern="1200">
+                <a:solidFill>
+                  <a:schemeClr val="tx1"/>
+                </a:solidFill>
+                <a:latin typeface="+mn-lt"/>
+                <a:ea typeface="+mn-ea"/>
+                <a:cs typeface="+mn-cs"/>
+              </a:defRPr>
+            </a:lvl1pPr>
+            <a:lvl2pPr marL="685800" indent="-228600" algn="l" defTabSz="914400" rtl="0" eaLnBrk="1" latinLnBrk="0" hangingPunct="1">
+              <a:lnSpc>
+                <a:spcPct val="90000"/>
+              </a:lnSpc>
+              <a:spcBef>
+                <a:spcPts val="500"/>
+              </a:spcBef>
+              <a:buFont typeface="Arial" panose="020B0604020202020204" pitchFamily="34" charset="0"/>
+              <a:buChar char="•"/>
+              <a:defRPr sz="2400" kern="1200">
+                <a:solidFill>
+                  <a:schemeClr val="tx1"/>
+                </a:solidFill>
+                <a:latin typeface="+mn-lt"/>
+                <a:ea typeface="+mn-ea"/>
+                <a:cs typeface="+mn-cs"/>
+              </a:defRPr>
+            </a:lvl2pPr>
+            <a:lvl3pPr marL="1143000" indent="-228600" algn="l" defTabSz="914400" rtl="0" eaLnBrk="1" latinLnBrk="0" hangingPunct="1">
+              <a:lnSpc>
+                <a:spcPct val="90000"/>
+              </a:lnSpc>
+              <a:spcBef>
+                <a:spcPts val="500"/>
+              </a:spcBef>
+              <a:buFont typeface="Arial" panose="020B0604020202020204" pitchFamily="34" charset="0"/>
+              <a:buChar char="•"/>
+              <a:defRPr sz="2000" kern="1200">
+                <a:solidFill>
+                  <a:schemeClr val="tx1"/>
+                </a:solidFill>
+                <a:latin typeface="+mn-lt"/>
+                <a:ea typeface="+mn-ea"/>
+                <a:cs typeface="+mn-cs"/>
+              </a:defRPr>
+            </a:lvl3pPr>
+            <a:lvl4pPr marL="1600200" indent="-228600" algn="l" defTabSz="914400" rtl="0" eaLnBrk="1" latinLnBrk="0" hangingPunct="1">
+              <a:lnSpc>
+                <a:spcPct val="90000"/>
+              </a:lnSpc>
+              <a:spcBef>
+                <a:spcPts val="500"/>
+              </a:spcBef>
+              <a:buFont typeface="Arial" panose="020B0604020202020204" pitchFamily="34" charset="0"/>
+              <a:buChar char="•"/>
+              <a:defRPr sz="1800" kern="1200">
+                <a:solidFill>
+                  <a:schemeClr val="tx1"/>
+                </a:solidFill>
+                <a:latin typeface="+mn-lt"/>
+                <a:ea typeface="+mn-ea"/>
+                <a:cs typeface="+mn-cs"/>
+              </a:defRPr>
+            </a:lvl4pPr>
+            <a:lvl5pPr marL="2057400" indent="-228600" algn="l" defTabSz="914400" rtl="0" eaLnBrk="1" latinLnBrk="0" hangingPunct="1">
+              <a:lnSpc>
+                <a:spcPct val="90000"/>
+              </a:lnSpc>
+              <a:spcBef>
+                <a:spcPts val="500"/>
+              </a:spcBef>
+              <a:buFont typeface="Arial" panose="020B0604020202020204" pitchFamily="34" charset="0"/>
+              <a:buChar char="•"/>
+              <a:defRPr sz="1800" kern="1200">
+                <a:solidFill>
+                  <a:schemeClr val="tx1"/>
+                </a:solidFill>
+                <a:latin typeface="+mn-lt"/>
+                <a:ea typeface="+mn-ea"/>
+                <a:cs typeface="+mn-cs"/>
+              </a:defRPr>
+            </a:lvl5pPr>
+            <a:lvl6pPr marL="2514600" indent="-228600" algn="l" defTabSz="914400" rtl="0" eaLnBrk="1" latinLnBrk="0" hangingPunct="1">
+              <a:lnSpc>
+                <a:spcPct val="90000"/>
+              </a:lnSpc>
+              <a:spcBef>
+                <a:spcPts val="500"/>
+              </a:spcBef>
+              <a:buFont typeface="Arial" panose="020B0604020202020204" pitchFamily="34" charset="0"/>
+              <a:buChar char="•"/>
+              <a:defRPr sz="1800" kern="1200">
+                <a:solidFill>
+                  <a:schemeClr val="tx1"/>
+                </a:solidFill>
+                <a:latin typeface="+mn-lt"/>
+                <a:ea typeface="+mn-ea"/>
+                <a:cs typeface="+mn-cs"/>
+              </a:defRPr>
+            </a:lvl6pPr>
+            <a:lvl7pPr marL="2971800" indent="-228600" algn="l" defTabSz="914400" rtl="0" eaLnBrk="1" latinLnBrk="0" hangingPunct="1">
+              <a:lnSpc>
+                <a:spcPct val="90000"/>
+              </a:lnSpc>
+              <a:spcBef>
+                <a:spcPts val="500"/>
+              </a:spcBef>
+              <a:buFont typeface="Arial" panose="020B0604020202020204" pitchFamily="34" charset="0"/>
+              <a:buChar char="•"/>
+              <a:defRPr sz="1800" kern="1200">
+                <a:solidFill>
+                  <a:schemeClr val="tx1"/>
+                </a:solidFill>
+                <a:latin typeface="+mn-lt"/>
+                <a:ea typeface="+mn-ea"/>
+                <a:cs typeface="+mn-cs"/>
+              </a:defRPr>
+            </a:lvl7pPr>
+            <a:lvl8pPr marL="3429000" indent="-228600" algn="l" defTabSz="914400" rtl="0" eaLnBrk="1" latinLnBrk="0" hangingPunct="1">
+              <a:lnSpc>
+                <a:spcPct val="90000"/>
+              </a:lnSpc>
+              <a:spcBef>
+                <a:spcPts val="500"/>
+              </a:spcBef>
+              <a:buFont typeface="Arial" panose="020B0604020202020204" pitchFamily="34" charset="0"/>
+              <a:buChar char="•"/>
+              <a:defRPr sz="1800" kern="1200">
+                <a:solidFill>
+                  <a:schemeClr val="tx1"/>
+                </a:solidFill>
+                <a:latin typeface="+mn-lt"/>
+                <a:ea typeface="+mn-ea"/>
+                <a:cs typeface="+mn-cs"/>
+              </a:defRPr>
+            </a:lvl8pPr>
+            <a:lvl9pPr marL="3886200" indent="-228600" algn="l" defTabSz="914400" rtl="0" eaLnBrk="1" latinLnBrk="0" hangingPunct="1">
+              <a:lnSpc>
+                <a:spcPct val="90000"/>
+              </a:lnSpc>
+              <a:spcBef>
+                <a:spcPts val="500"/>
+              </a:spcBef>
+              <a:buFont typeface="Arial" panose="020B0604020202020204" pitchFamily="34" charset="0"/>
+              <a:buChar char="•"/>
+              <a:defRPr sz="1800" kern="1200">
+                <a:solidFill>
+                  <a:schemeClr val="tx1"/>
+                </a:solidFill>
+                <a:latin typeface="+mn-lt"/>
+                <a:ea typeface="+mn-ea"/>
+                <a:cs typeface="+mn-cs"/>
+              </a:defRPr>
+            </a:lvl9pPr>
+          </a:lstStyle>
+          <a:p>
+            <a:pPr marL="0" indent="0" algn="just">
+              <a:buFont typeface="Arial" panose="020B0604020202020204" pitchFamily="34" charset="0"/>
+              <a:buNone/>
+            </a:pPr>
+            <a:r>
+              <a:rPr lang="it-IT" sz="2000" dirty="0"/>
+              <a:t>Si nota dal grafico che la convergenza al </a:t>
+            </a:r>
+            <a:r>
+              <a:rPr lang="it-IT" sz="2000" dirty="0" err="1"/>
+              <a:t>setpoint</a:t>
+            </a:r>
+            <a:r>
+              <a:rPr lang="it-IT" sz="2000" dirty="0"/>
+              <a:t> è più graduale rispetto alla soluzione più aggressiva precedente.</a:t>
+            </a:r>
+          </a:p>
+          <a:p>
+            <a:pPr algn="just"/>
+            <a:endParaRPr lang="it-IT" sz="2200" dirty="0"/>
+          </a:p>
+        </p:txBody>
+      </p:sp>
+    </p:spTree>
+    <p:extLst>
+      <p:ext uri="{BB962C8B-B14F-4D97-AF65-F5344CB8AC3E}">
+        <p14:creationId xmlns:p14="http://schemas.microsoft.com/office/powerpoint/2010/main" val="3137352685"/>
+      </p:ext>
+    </p:extLst>
+  </p:cSld>
+  <p:clrMapOvr>
+    <a:masterClrMapping/>
+  </p:clrMapOvr>
+</p:sld>
+</file>
+
+<file path=ppt/slides/slide28.xml><?xml version="1.0" encoding="utf-8"?>
+<p:sld xmlns:a="http://schemas.openxmlformats.org/drawingml/2006/main" xmlns:r="http://schemas.openxmlformats.org/officeDocument/2006/relationships" xmlns:p="http://schemas.openxmlformats.org/presentationml/2006/main">
+  <p:cSld>
+    <p:bg>
+      <p:bgPr>
+        <a:solidFill>
+          <a:schemeClr val="bg1"/>
+        </a:solidFill>
+        <a:effectLst/>
+      </p:bgPr>
+    </p:bg>
+    <p:spTree>
+      <p:nvGrpSpPr>
+        <p:cNvPr id="1" name="">
+          <a:extLst>
+            <a:ext uri="{FF2B5EF4-FFF2-40B4-BE49-F238E27FC236}">
+              <a16:creationId xmlns:a16="http://schemas.microsoft.com/office/drawing/2014/main" id="{C652A0EF-4BD6-5218-434F-C1563B0C0B32}"/>
+            </a:ext>
+          </a:extLst>
+        </p:cNvPr>
+        <p:cNvGrpSpPr/>
+        <p:nvPr/>
+      </p:nvGrpSpPr>
+      <p:grpSpPr>
+        <a:xfrm>
+          <a:off x="0" y="0"/>
+          <a:ext cx="0" cy="0"/>
+          <a:chOff x="0" y="0"/>
+          <a:chExt cx="0" cy="0"/>
+        </a:xfrm>
+      </p:grpSpPr>
+      <p:sp useBgFill="1">
+        <p:nvSpPr>
+          <p:cNvPr id="15" name="Rectangle 14">
+            <a:extLst>
+              <a:ext uri="{FF2B5EF4-FFF2-40B4-BE49-F238E27FC236}">
+                <a16:creationId xmlns:a16="http://schemas.microsoft.com/office/drawing/2014/main" id="{4AF543E1-7CF3-8D6D-867E-DFA067133648}"/>
+              </a:ext>
+              <a:ext uri="{C183D7F6-B498-43B3-948B-1728B52AA6E4}">
+                <adec:decorative xmlns:adec="http://schemas.microsoft.com/office/drawing/2017/decorative" val="1"/>
+              </a:ext>
+            </a:extLst>
+          </p:cNvPr>
+          <p:cNvSpPr>
+            <a:spLocks noGrp="1" noRot="1" noChangeAspect="1" noMove="1" noResize="1" noEditPoints="1" noAdjustHandles="1" noChangeArrowheads="1" noChangeShapeType="1" noTextEdit="1"/>
+          </p:cNvSpPr>
+          <p:nvPr>
+            <p:extLst>
+              <p:ext uri="{386F3935-93C4-4BCD-93E2-E3B085C9AB24}">
+                <p16:designElem xmlns:p16="http://schemas.microsoft.com/office/powerpoint/2015/main" val="1"/>
+              </p:ext>
+            </p:extLst>
+          </p:nvPr>
+        </p:nvSpPr>
+        <p:spPr>
+          <a:xfrm>
+            <a:off x="0" y="0"/>
+            <a:ext cx="12188952" cy="6858000"/>
+          </a:xfrm>
+          <a:prstGeom prst="rect">
+            <a:avLst/>
+          </a:prstGeom>
+          <a:ln>
+            <a:noFill/>
+          </a:ln>
+        </p:spPr>
+        <p:style>
+          <a:lnRef idx="2">
+            <a:schemeClr val="accent1">
+              <a:shade val="50000"/>
+            </a:schemeClr>
+          </a:lnRef>
+          <a:fillRef idx="1">
+            <a:schemeClr val="accent1"/>
+          </a:fillRef>
+          <a:effectRef idx="0">
+            <a:schemeClr val="accent1"/>
+          </a:effectRef>
+          <a:fontRef idx="minor">
+            <a:schemeClr val="lt1"/>
+          </a:fontRef>
+        </p:style>
+        <p:txBody>
+          <a:bodyPr rtlCol="0" anchor="ctr"/>
+          <a:lstStyle/>
+          <a:p>
+            <a:pPr algn="ctr"/>
+            <a:endParaRPr lang="en-US"/>
+          </a:p>
+        </p:txBody>
+      </p:sp>
+      <p:sp>
+        <p:nvSpPr>
+          <p:cNvPr id="2" name="Titolo 1">
+            <a:extLst>
+              <a:ext uri="{FF2B5EF4-FFF2-40B4-BE49-F238E27FC236}">
+                <a16:creationId xmlns:a16="http://schemas.microsoft.com/office/drawing/2014/main" id="{D2E2F235-C2D4-1EAD-14C6-910743927F32}"/>
+              </a:ext>
+            </a:extLst>
+          </p:cNvPr>
+          <p:cNvSpPr>
+            <a:spLocks noGrp="1"/>
+          </p:cNvSpPr>
+          <p:nvPr>
+            <p:ph type="title"/>
+          </p:nvPr>
+        </p:nvSpPr>
+        <p:spPr>
+          <a:xfrm>
+            <a:off x="612648" y="365125"/>
+            <a:ext cx="11020552" cy="1776484"/>
+          </a:xfrm>
+        </p:spPr>
+        <p:txBody>
+          <a:bodyPr anchor="b">
+            <a:normAutofit/>
+          </a:bodyPr>
+          <a:lstStyle/>
+          <a:p>
+            <a:r>
+              <a:rPr lang="it-IT" sz="5400" dirty="0"/>
+              <a:t>Andamento degli stati e degli ingressi</a:t>
+            </a:r>
+            <a:br>
+              <a:rPr lang="it-IT" sz="5400" dirty="0"/>
+            </a:br>
+            <a:r>
+              <a:rPr lang="it-IT" sz="3600" dirty="0"/>
+              <a:t>( caso conservativo)</a:t>
+            </a:r>
+            <a:endParaRPr lang="it-IT" sz="5400" dirty="0"/>
+          </a:p>
+        </p:txBody>
+      </p:sp>
+      <p:sp>
+        <p:nvSpPr>
+          <p:cNvPr id="17" name="sketch line">
+            <a:extLst>
+              <a:ext uri="{FF2B5EF4-FFF2-40B4-BE49-F238E27FC236}">
+                <a16:creationId xmlns:a16="http://schemas.microsoft.com/office/drawing/2014/main" id="{E3BAD796-04F4-0106-8BBE-CB3D3C1DC95F}"/>
+              </a:ext>
+              <a:ext uri="{C183D7F6-B498-43B3-948B-1728B52AA6E4}">
+                <adec:decorative xmlns:adec="http://schemas.microsoft.com/office/drawing/2017/decorative" val="1"/>
+              </a:ext>
+            </a:extLst>
+          </p:cNvPr>
+          <p:cNvSpPr>
+            <a:spLocks noGrp="1" noRot="1" noChangeAspect="1" noMove="1" noResize="1" noEditPoints="1" noAdjustHandles="1" noChangeArrowheads="1" noChangeShapeType="1" noTextEdit="1"/>
+          </p:cNvSpPr>
+          <p:nvPr>
+            <p:extLst>
+              <p:ext uri="{386F3935-93C4-4BCD-93E2-E3B085C9AB24}">
+                <p16:designElem xmlns:p16="http://schemas.microsoft.com/office/powerpoint/2015/main" val="1"/>
+              </p:ext>
+            </p:extLst>
+          </p:nvPr>
+        </p:nvSpPr>
+        <p:spPr>
+          <a:xfrm>
+            <a:off x="838200" y="2315691"/>
+            <a:ext cx="4343400" cy="18288"/>
+          </a:xfrm>
+          <a:custGeom>
+            <a:avLst/>
+            <a:gdLst>
+              <a:gd name="connsiteX0" fmla="*/ 0 w 4343400"/>
+              <a:gd name="connsiteY0" fmla="*/ 0 h 18288"/>
+              <a:gd name="connsiteX1" fmla="*/ 577052 w 4343400"/>
+              <a:gd name="connsiteY1" fmla="*/ 0 h 18288"/>
+              <a:gd name="connsiteX2" fmla="*/ 1067235 w 4343400"/>
+              <a:gd name="connsiteY2" fmla="*/ 0 h 18288"/>
+              <a:gd name="connsiteX3" fmla="*/ 1600853 w 4343400"/>
+              <a:gd name="connsiteY3" fmla="*/ 0 h 18288"/>
+              <a:gd name="connsiteX4" fmla="*/ 2264773 w 4343400"/>
+              <a:gd name="connsiteY4" fmla="*/ 0 h 18288"/>
+              <a:gd name="connsiteX5" fmla="*/ 2841825 w 4343400"/>
+              <a:gd name="connsiteY5" fmla="*/ 0 h 18288"/>
+              <a:gd name="connsiteX6" fmla="*/ 3375442 w 4343400"/>
+              <a:gd name="connsiteY6" fmla="*/ 0 h 18288"/>
+              <a:gd name="connsiteX7" fmla="*/ 4343400 w 4343400"/>
+              <a:gd name="connsiteY7" fmla="*/ 0 h 18288"/>
+              <a:gd name="connsiteX8" fmla="*/ 4343400 w 4343400"/>
+              <a:gd name="connsiteY8" fmla="*/ 18288 h 18288"/>
+              <a:gd name="connsiteX9" fmla="*/ 3722914 w 4343400"/>
+              <a:gd name="connsiteY9" fmla="*/ 18288 h 18288"/>
+              <a:gd name="connsiteX10" fmla="*/ 3189297 w 4343400"/>
+              <a:gd name="connsiteY10" fmla="*/ 18288 h 18288"/>
+              <a:gd name="connsiteX11" fmla="*/ 2481943 w 4343400"/>
+              <a:gd name="connsiteY11" fmla="*/ 18288 h 18288"/>
+              <a:gd name="connsiteX12" fmla="*/ 1904891 w 4343400"/>
+              <a:gd name="connsiteY12" fmla="*/ 18288 h 18288"/>
+              <a:gd name="connsiteX13" fmla="*/ 1414707 w 4343400"/>
+              <a:gd name="connsiteY13" fmla="*/ 18288 h 18288"/>
+              <a:gd name="connsiteX14" fmla="*/ 750788 w 4343400"/>
+              <a:gd name="connsiteY14" fmla="*/ 18288 h 18288"/>
+              <a:gd name="connsiteX15" fmla="*/ 0 w 4343400"/>
+              <a:gd name="connsiteY15" fmla="*/ 18288 h 18288"/>
+              <a:gd name="connsiteX16" fmla="*/ 0 w 4343400"/>
+              <a:gd name="connsiteY16" fmla="*/ 0 h 18288"/>
+            </a:gdLst>
+            <a:ahLst/>
+            <a:cxnLst>
+              <a:cxn ang="0">
+                <a:pos x="connsiteX0" y="connsiteY0"/>
+              </a:cxn>
+              <a:cxn ang="0">
+                <a:pos x="connsiteX1" y="connsiteY1"/>
+              </a:cxn>
+              <a:cxn ang="0">
+                <a:pos x="connsiteX2" y="connsiteY2"/>
+              </a:cxn>
+              <a:cxn ang="0">
+                <a:pos x="connsiteX3" y="connsiteY3"/>
+              </a:cxn>
+              <a:cxn ang="0">
+                <a:pos x="connsiteX4" y="connsiteY4"/>
+              </a:cxn>
+              <a:cxn ang="0">
+                <a:pos x="connsiteX5" y="connsiteY5"/>
+              </a:cxn>
+              <a:cxn ang="0">
+                <a:pos x="connsiteX6" y="connsiteY6"/>
+              </a:cxn>
+              <a:cxn ang="0">
+                <a:pos x="connsiteX7" y="connsiteY7"/>
+              </a:cxn>
+              <a:cxn ang="0">
+                <a:pos x="connsiteX8" y="connsiteY8"/>
+              </a:cxn>
+              <a:cxn ang="0">
+                <a:pos x="connsiteX9" y="connsiteY9"/>
+              </a:cxn>
+              <a:cxn ang="0">
+                <a:pos x="connsiteX10" y="connsiteY10"/>
+              </a:cxn>
+              <a:cxn ang="0">
+                <a:pos x="connsiteX11" y="connsiteY11"/>
+              </a:cxn>
+              <a:cxn ang="0">
+                <a:pos x="connsiteX12" y="connsiteY12"/>
+              </a:cxn>
+              <a:cxn ang="0">
+                <a:pos x="connsiteX13" y="connsiteY13"/>
+              </a:cxn>
+              <a:cxn ang="0">
+                <a:pos x="connsiteX14" y="connsiteY14"/>
+              </a:cxn>
+              <a:cxn ang="0">
+                <a:pos x="connsiteX15" y="connsiteY15"/>
+              </a:cxn>
+              <a:cxn ang="0">
+                <a:pos x="connsiteX16" y="connsiteY16"/>
+              </a:cxn>
+            </a:cxnLst>
+            <a:rect l="l" t="t" r="r" b="b"/>
+            <a:pathLst>
+              <a:path w="4343400" h="18288" fill="none" extrusionOk="0">
+                <a:moveTo>
+                  <a:pt x="0" y="0"/>
+                </a:moveTo>
+                <a:cubicBezTo>
+                  <a:pt x="233209" y="-19550"/>
+                  <a:pt x="330816" y="19068"/>
+                  <a:pt x="577052" y="0"/>
+                </a:cubicBezTo>
+                <a:cubicBezTo>
+                  <a:pt x="823288" y="-19068"/>
+                  <a:pt x="875077" y="10360"/>
+                  <a:pt x="1067235" y="0"/>
+                </a:cubicBezTo>
+                <a:cubicBezTo>
+                  <a:pt x="1259393" y="-10360"/>
+                  <a:pt x="1410699" y="2939"/>
+                  <a:pt x="1600853" y="0"/>
+                </a:cubicBezTo>
+                <a:cubicBezTo>
+                  <a:pt x="1791007" y="-2939"/>
+                  <a:pt x="2101644" y="-26225"/>
+                  <a:pt x="2264773" y="0"/>
+                </a:cubicBezTo>
+                <a:cubicBezTo>
+                  <a:pt x="2427902" y="26225"/>
+                  <a:pt x="2690426" y="-27726"/>
+                  <a:pt x="2841825" y="0"/>
+                </a:cubicBezTo>
+                <a:cubicBezTo>
+                  <a:pt x="2993224" y="27726"/>
+                  <a:pt x="3172320" y="-18569"/>
+                  <a:pt x="3375442" y="0"/>
+                </a:cubicBezTo>
+                <a:cubicBezTo>
+                  <a:pt x="3578564" y="18569"/>
+                  <a:pt x="4003119" y="21909"/>
+                  <a:pt x="4343400" y="0"/>
+                </a:cubicBezTo>
+                <a:cubicBezTo>
+                  <a:pt x="4343798" y="7429"/>
+                  <a:pt x="4343380" y="10822"/>
+                  <a:pt x="4343400" y="18288"/>
+                </a:cubicBezTo>
+                <a:cubicBezTo>
+                  <a:pt x="4109047" y="14709"/>
+                  <a:pt x="3996986" y="7919"/>
+                  <a:pt x="3722914" y="18288"/>
+                </a:cubicBezTo>
+                <a:cubicBezTo>
+                  <a:pt x="3448842" y="28657"/>
+                  <a:pt x="3340973" y="29252"/>
+                  <a:pt x="3189297" y="18288"/>
+                </a:cubicBezTo>
+                <a:cubicBezTo>
+                  <a:pt x="3037621" y="7324"/>
+                  <a:pt x="2636891" y="-9539"/>
+                  <a:pt x="2481943" y="18288"/>
+                </a:cubicBezTo>
+                <a:cubicBezTo>
+                  <a:pt x="2326995" y="46115"/>
+                  <a:pt x="2131632" y="740"/>
+                  <a:pt x="1904891" y="18288"/>
+                </a:cubicBezTo>
+                <a:cubicBezTo>
+                  <a:pt x="1678150" y="35836"/>
+                  <a:pt x="1575362" y="-3381"/>
+                  <a:pt x="1414707" y="18288"/>
+                </a:cubicBezTo>
+                <a:cubicBezTo>
+                  <a:pt x="1254052" y="39957"/>
+                  <a:pt x="1051093" y="-335"/>
+                  <a:pt x="750788" y="18288"/>
+                </a:cubicBezTo>
+                <a:cubicBezTo>
+                  <a:pt x="450483" y="36911"/>
+                  <a:pt x="293781" y="22900"/>
+                  <a:pt x="0" y="18288"/>
+                </a:cubicBezTo>
+                <a:cubicBezTo>
+                  <a:pt x="-591" y="13205"/>
+                  <a:pt x="-663" y="6329"/>
+                  <a:pt x="0" y="0"/>
+                </a:cubicBezTo>
+                <a:close/>
+              </a:path>
+              <a:path w="4343400" h="18288" stroke="0" extrusionOk="0">
+                <a:moveTo>
+                  <a:pt x="0" y="0"/>
+                </a:moveTo>
+                <a:cubicBezTo>
+                  <a:pt x="212719" y="-28531"/>
+                  <a:pt x="340561" y="-1164"/>
+                  <a:pt x="577052" y="0"/>
+                </a:cubicBezTo>
+                <a:cubicBezTo>
+                  <a:pt x="813543" y="1164"/>
+                  <a:pt x="866967" y="-9376"/>
+                  <a:pt x="1067235" y="0"/>
+                </a:cubicBezTo>
+                <a:cubicBezTo>
+                  <a:pt x="1267503" y="9376"/>
+                  <a:pt x="1485778" y="-20470"/>
+                  <a:pt x="1774589" y="0"/>
+                </a:cubicBezTo>
+                <a:cubicBezTo>
+                  <a:pt x="2063400" y="20470"/>
+                  <a:pt x="2090152" y="-14502"/>
+                  <a:pt x="2351641" y="0"/>
+                </a:cubicBezTo>
+                <a:cubicBezTo>
+                  <a:pt x="2613130" y="14502"/>
+                  <a:pt x="2802864" y="19125"/>
+                  <a:pt x="2928693" y="0"/>
+                </a:cubicBezTo>
+                <a:cubicBezTo>
+                  <a:pt x="3054522" y="-19125"/>
+                  <a:pt x="3482611" y="-2038"/>
+                  <a:pt x="3636046" y="0"/>
+                </a:cubicBezTo>
+                <a:cubicBezTo>
+                  <a:pt x="3789481" y="2038"/>
+                  <a:pt x="4012363" y="973"/>
+                  <a:pt x="4343400" y="0"/>
+                </a:cubicBezTo>
+                <a:cubicBezTo>
+                  <a:pt x="4342514" y="5429"/>
+                  <a:pt x="4344221" y="14046"/>
+                  <a:pt x="4343400" y="18288"/>
+                </a:cubicBezTo>
+                <a:cubicBezTo>
+                  <a:pt x="4078870" y="-6138"/>
+                  <a:pt x="4015967" y="29658"/>
+                  <a:pt x="3809782" y="18288"/>
+                </a:cubicBezTo>
+                <a:cubicBezTo>
+                  <a:pt x="3603597" y="6918"/>
+                  <a:pt x="3495552" y="24439"/>
+                  <a:pt x="3189297" y="18288"/>
+                </a:cubicBezTo>
+                <a:cubicBezTo>
+                  <a:pt x="2883042" y="12137"/>
+                  <a:pt x="2850610" y="32583"/>
+                  <a:pt x="2568811" y="18288"/>
+                </a:cubicBezTo>
+                <a:cubicBezTo>
+                  <a:pt x="2287012" y="3993"/>
+                  <a:pt x="2279820" y="23580"/>
+                  <a:pt x="1991759" y="18288"/>
+                </a:cubicBezTo>
+                <a:cubicBezTo>
+                  <a:pt x="1703698" y="12996"/>
+                  <a:pt x="1616455" y="23157"/>
+                  <a:pt x="1284405" y="18288"/>
+                </a:cubicBezTo>
+                <a:cubicBezTo>
+                  <a:pt x="952355" y="13419"/>
+                  <a:pt x="783530" y="16053"/>
+                  <a:pt x="577052" y="18288"/>
+                </a:cubicBezTo>
+                <a:cubicBezTo>
+                  <a:pt x="370574" y="20523"/>
+                  <a:pt x="173929" y="5195"/>
+                  <a:pt x="0" y="18288"/>
+                </a:cubicBezTo>
+                <a:cubicBezTo>
+                  <a:pt x="668" y="13665"/>
+                  <a:pt x="578" y="5675"/>
+                  <a:pt x="0" y="0"/>
+                </a:cubicBezTo>
+                <a:close/>
+              </a:path>
+            </a:pathLst>
+          </a:custGeom>
+          <a:solidFill>
+            <a:schemeClr val="accent2"/>
+          </a:solidFill>
+          <a:ln w="41275" cap="rnd">
+            <a:solidFill>
+              <a:schemeClr val="accent2"/>
+            </a:solidFill>
+            <a:round/>
+            <a:extLst>
+              <a:ext uri="{C807C97D-BFC1-408E-A445-0C87EB9F89A2}">
+                <ask:lineSketchStyleProps xmlns:ask="http://schemas.microsoft.com/office/drawing/2018/sketchyshapes" sd="1219033472">
+                  <a:prstGeom prst="rect">
+                    <a:avLst/>
+                  </a:prstGeom>
+                  <ask:type>
+                    <ask:lineSketchFreehand/>
+                  </ask:type>
+                </ask:lineSketchStyleProps>
+              </a:ext>
+            </a:extLst>
+          </a:ln>
+        </p:spPr>
+        <p:style>
+          <a:lnRef idx="2">
+            <a:schemeClr val="accent1">
+              <a:shade val="50000"/>
+            </a:schemeClr>
+          </a:lnRef>
+          <a:fillRef idx="1">
+            <a:schemeClr val="accent1"/>
+          </a:fillRef>
+          <a:effectRef idx="0">
+            <a:schemeClr val="accent1"/>
+          </a:effectRef>
+          <a:fontRef idx="minor">
+            <a:schemeClr val="lt1"/>
+          </a:fontRef>
+        </p:style>
+        <p:txBody>
+          <a:bodyPr rtlCol="0" anchor="ctr"/>
+          <a:lstStyle/>
+          <a:p>
+            <a:pPr algn="ctr"/>
+            <a:endParaRPr lang="en-US"/>
+          </a:p>
+        </p:txBody>
+      </p:sp>
+      <p:sp>
+        <p:nvSpPr>
+          <p:cNvPr id="3" name="Segnaposto contenuto 2">
+            <a:extLst>
+              <a:ext uri="{FF2B5EF4-FFF2-40B4-BE49-F238E27FC236}">
+                <a16:creationId xmlns:a16="http://schemas.microsoft.com/office/drawing/2014/main" id="{363BE30A-9483-1B8B-7038-3F479E3256C7}"/>
+              </a:ext>
+            </a:extLst>
+          </p:cNvPr>
+          <p:cNvSpPr>
+            <a:spLocks noGrp="1"/>
+          </p:cNvSpPr>
+          <p:nvPr>
+            <p:ph idx="1"/>
+          </p:nvPr>
+        </p:nvSpPr>
+        <p:spPr>
+          <a:xfrm>
+            <a:off x="612648" y="2812951"/>
+            <a:ext cx="5008506" cy="1513516"/>
+          </a:xfrm>
+        </p:spPr>
+        <p:txBody>
+          <a:bodyPr>
+            <a:normAutofit/>
+          </a:bodyPr>
+          <a:lstStyle/>
+          <a:p>
+            <a:pPr marL="0" indent="0" algn="just">
+              <a:buNone/>
+            </a:pPr>
+            <a:r>
+              <a:rPr lang="it-IT" sz="2200" dirty="0"/>
+              <a:t>I grafici mostrano l’effetto della configurazione MPC più conservativa. Gli stati infatti convergono al </a:t>
+            </a:r>
+            <a:r>
+              <a:rPr lang="it-IT" sz="2200" dirty="0" err="1"/>
+              <a:t>setpoint</a:t>
+            </a:r>
+            <a:r>
+              <a:rPr lang="it-IT" sz="2200" dirty="0"/>
+              <a:t> in modo stabile ma più lentamente.</a:t>
+            </a:r>
+          </a:p>
+          <a:p>
+            <a:pPr marL="0" indent="0" algn="just">
+              <a:buNone/>
+            </a:pPr>
+            <a:endParaRPr lang="it-IT" sz="2200" dirty="0"/>
+          </a:p>
+        </p:txBody>
+      </p:sp>
+      <p:sp>
+        <p:nvSpPr>
+          <p:cNvPr id="4" name="Segnaposto piè di pagina 3">
+            <a:extLst>
+              <a:ext uri="{FF2B5EF4-FFF2-40B4-BE49-F238E27FC236}">
+                <a16:creationId xmlns:a16="http://schemas.microsoft.com/office/drawing/2014/main" id="{FC6851BD-F0CD-34B8-B4EB-A44608E64BE1}"/>
+              </a:ext>
+            </a:extLst>
+          </p:cNvPr>
+          <p:cNvSpPr>
+            <a:spLocks noGrp="1"/>
+          </p:cNvSpPr>
+          <p:nvPr>
+            <p:ph type="ftr" sz="quarter" idx="11"/>
+          </p:nvPr>
+        </p:nvSpPr>
+        <p:spPr>
+          <a:xfrm>
+            <a:off x="4038600" y="6356350"/>
+            <a:ext cx="4114800" cy="365125"/>
+          </a:xfrm>
+        </p:spPr>
+        <p:txBody>
+          <a:bodyPr>
+            <a:normAutofit/>
+          </a:bodyPr>
+          <a:lstStyle/>
+          <a:p>
+            <a:pPr>
+              <a:spcAft>
+                <a:spcPts val="600"/>
+              </a:spcAft>
+            </a:pPr>
+            <a:r>
+              <a:rPr lang="it-IT"/>
+              <a:t>Davide Brambilla [1080752], Giorgio Passarella[1079287]</a:t>
+            </a:r>
+          </a:p>
+        </p:txBody>
+      </p:sp>
+      <p:pic>
+        <p:nvPicPr>
+          <p:cNvPr id="7" name="Immagine 6">
+            <a:extLst>
+              <a:ext uri="{FF2B5EF4-FFF2-40B4-BE49-F238E27FC236}">
+                <a16:creationId xmlns:a16="http://schemas.microsoft.com/office/drawing/2014/main" id="{46968231-6A35-4EA2-CBF0-6CEC8639345B}"/>
+              </a:ext>
+            </a:extLst>
+          </p:cNvPr>
+          <p:cNvPicPr>
+            <a:picLocks noChangeAspect="1"/>
+          </p:cNvPicPr>
+          <p:nvPr/>
+        </p:nvPicPr>
+        <p:blipFill>
+          <a:blip r:embed="rId2">
+            <a:extLst>
+              <a:ext uri="{28A0092B-C50C-407E-A947-70E740481C1C}">
+                <a14:useLocalDpi xmlns:a14="http://schemas.microsoft.com/office/drawing/2010/main" val="0"/>
+              </a:ext>
+            </a:extLst>
+          </a:blip>
+          <a:srcRect/>
+          <a:stretch/>
+        </p:blipFill>
+        <p:spPr>
+          <a:xfrm>
+            <a:off x="5740697" y="2803807"/>
+            <a:ext cx="6329383" cy="3355287"/>
+          </a:xfrm>
+          <a:prstGeom prst="rect">
+            <a:avLst/>
+          </a:prstGeom>
+        </p:spPr>
+      </p:pic>
+      <p:sp>
+        <p:nvSpPr>
+          <p:cNvPr id="5" name="Segnaposto contenuto 2">
+            <a:extLst>
+              <a:ext uri="{FF2B5EF4-FFF2-40B4-BE49-F238E27FC236}">
+                <a16:creationId xmlns:a16="http://schemas.microsoft.com/office/drawing/2014/main" id="{EFE88722-5FDF-8755-4AC5-FF139EEE1050}"/>
+              </a:ext>
+            </a:extLst>
+          </p:cNvPr>
+          <p:cNvSpPr txBox="1">
+            <a:spLocks/>
+          </p:cNvSpPr>
+          <p:nvPr/>
+        </p:nvSpPr>
+        <p:spPr>
+          <a:xfrm>
+            <a:off x="612648" y="4645578"/>
+            <a:ext cx="5008506" cy="1513516"/>
+          </a:xfrm>
+          <a:prstGeom prst="rect">
+            <a:avLst/>
+          </a:prstGeom>
+        </p:spPr>
+        <p:txBody>
+          <a:bodyPr vert="horz" lIns="91440" tIns="45720" rIns="91440" bIns="45720" rtlCol="0">
+            <a:normAutofit lnSpcReduction="10000"/>
+          </a:bodyPr>
+          <a:lstStyle>
+            <a:lvl1pPr marL="228600" indent="-228600" algn="l" defTabSz="914400" rtl="0" eaLnBrk="1" latinLnBrk="0" hangingPunct="1">
+              <a:lnSpc>
+                <a:spcPct val="90000"/>
+              </a:lnSpc>
+              <a:spcBef>
+                <a:spcPts val="1000"/>
+              </a:spcBef>
+              <a:buFont typeface="Arial" panose="020B0604020202020204" pitchFamily="34" charset="0"/>
+              <a:buChar char="•"/>
+              <a:defRPr sz="2800" kern="1200">
+                <a:solidFill>
+                  <a:schemeClr val="tx1"/>
+                </a:solidFill>
+                <a:latin typeface="+mn-lt"/>
+                <a:ea typeface="+mn-ea"/>
+                <a:cs typeface="+mn-cs"/>
+              </a:defRPr>
+            </a:lvl1pPr>
+            <a:lvl2pPr marL="685800" indent="-228600" algn="l" defTabSz="914400" rtl="0" eaLnBrk="1" latinLnBrk="0" hangingPunct="1">
+              <a:lnSpc>
+                <a:spcPct val="90000"/>
+              </a:lnSpc>
+              <a:spcBef>
+                <a:spcPts val="500"/>
+              </a:spcBef>
+              <a:buFont typeface="Arial" panose="020B0604020202020204" pitchFamily="34" charset="0"/>
+              <a:buChar char="•"/>
+              <a:defRPr sz="2400" kern="1200">
+                <a:solidFill>
+                  <a:schemeClr val="tx1"/>
+                </a:solidFill>
+                <a:latin typeface="+mn-lt"/>
+                <a:ea typeface="+mn-ea"/>
+                <a:cs typeface="+mn-cs"/>
+              </a:defRPr>
+            </a:lvl2pPr>
+            <a:lvl3pPr marL="1143000" indent="-228600" algn="l" defTabSz="914400" rtl="0" eaLnBrk="1" latinLnBrk="0" hangingPunct="1">
+              <a:lnSpc>
+                <a:spcPct val="90000"/>
+              </a:lnSpc>
+              <a:spcBef>
+                <a:spcPts val="500"/>
+              </a:spcBef>
+              <a:buFont typeface="Arial" panose="020B0604020202020204" pitchFamily="34" charset="0"/>
+              <a:buChar char="•"/>
+              <a:defRPr sz="2000" kern="1200">
+                <a:solidFill>
+                  <a:schemeClr val="tx1"/>
+                </a:solidFill>
+                <a:latin typeface="+mn-lt"/>
+                <a:ea typeface="+mn-ea"/>
+                <a:cs typeface="+mn-cs"/>
+              </a:defRPr>
+            </a:lvl3pPr>
+            <a:lvl4pPr marL="1600200" indent="-228600" algn="l" defTabSz="914400" rtl="0" eaLnBrk="1" latinLnBrk="0" hangingPunct="1">
+              <a:lnSpc>
+                <a:spcPct val="90000"/>
+              </a:lnSpc>
+              <a:spcBef>
+                <a:spcPts val="500"/>
+              </a:spcBef>
+              <a:buFont typeface="Arial" panose="020B0604020202020204" pitchFamily="34" charset="0"/>
+              <a:buChar char="•"/>
+              <a:defRPr sz="1800" kern="1200">
+                <a:solidFill>
+                  <a:schemeClr val="tx1"/>
+                </a:solidFill>
+                <a:latin typeface="+mn-lt"/>
+                <a:ea typeface="+mn-ea"/>
+                <a:cs typeface="+mn-cs"/>
+              </a:defRPr>
+            </a:lvl4pPr>
+            <a:lvl5pPr marL="2057400" indent="-228600" algn="l" defTabSz="914400" rtl="0" eaLnBrk="1" latinLnBrk="0" hangingPunct="1">
+              <a:lnSpc>
+                <a:spcPct val="90000"/>
+              </a:lnSpc>
+              <a:spcBef>
+                <a:spcPts val="500"/>
+              </a:spcBef>
+              <a:buFont typeface="Arial" panose="020B0604020202020204" pitchFamily="34" charset="0"/>
+              <a:buChar char="•"/>
+              <a:defRPr sz="1800" kern="1200">
+                <a:solidFill>
+                  <a:schemeClr val="tx1"/>
+                </a:solidFill>
+                <a:latin typeface="+mn-lt"/>
+                <a:ea typeface="+mn-ea"/>
+                <a:cs typeface="+mn-cs"/>
+              </a:defRPr>
+            </a:lvl5pPr>
+            <a:lvl6pPr marL="2514600" indent="-228600" algn="l" defTabSz="914400" rtl="0" eaLnBrk="1" latinLnBrk="0" hangingPunct="1">
+              <a:lnSpc>
+                <a:spcPct val="90000"/>
+              </a:lnSpc>
+              <a:spcBef>
+                <a:spcPts val="500"/>
+              </a:spcBef>
+              <a:buFont typeface="Arial" panose="020B0604020202020204" pitchFamily="34" charset="0"/>
+              <a:buChar char="•"/>
+              <a:defRPr sz="1800" kern="1200">
+                <a:solidFill>
+                  <a:schemeClr val="tx1"/>
+                </a:solidFill>
+                <a:latin typeface="+mn-lt"/>
+                <a:ea typeface="+mn-ea"/>
+                <a:cs typeface="+mn-cs"/>
+              </a:defRPr>
+            </a:lvl6pPr>
+            <a:lvl7pPr marL="2971800" indent="-228600" algn="l" defTabSz="914400" rtl="0" eaLnBrk="1" latinLnBrk="0" hangingPunct="1">
+              <a:lnSpc>
+                <a:spcPct val="90000"/>
+              </a:lnSpc>
+              <a:spcBef>
+                <a:spcPts val="500"/>
+              </a:spcBef>
+              <a:buFont typeface="Arial" panose="020B0604020202020204" pitchFamily="34" charset="0"/>
+              <a:buChar char="•"/>
+              <a:defRPr sz="1800" kern="1200">
+                <a:solidFill>
+                  <a:schemeClr val="tx1"/>
+                </a:solidFill>
+                <a:latin typeface="+mn-lt"/>
+                <a:ea typeface="+mn-ea"/>
+                <a:cs typeface="+mn-cs"/>
+              </a:defRPr>
+            </a:lvl7pPr>
+            <a:lvl8pPr marL="3429000" indent="-228600" algn="l" defTabSz="914400" rtl="0" eaLnBrk="1" latinLnBrk="0" hangingPunct="1">
+              <a:lnSpc>
+                <a:spcPct val="90000"/>
+              </a:lnSpc>
+              <a:spcBef>
+                <a:spcPts val="500"/>
+              </a:spcBef>
+              <a:buFont typeface="Arial" panose="020B0604020202020204" pitchFamily="34" charset="0"/>
+              <a:buChar char="•"/>
+              <a:defRPr sz="1800" kern="1200">
+                <a:solidFill>
+                  <a:schemeClr val="tx1"/>
+                </a:solidFill>
+                <a:latin typeface="+mn-lt"/>
+                <a:ea typeface="+mn-ea"/>
+                <a:cs typeface="+mn-cs"/>
+              </a:defRPr>
+            </a:lvl8pPr>
+            <a:lvl9pPr marL="3886200" indent="-228600" algn="l" defTabSz="914400" rtl="0" eaLnBrk="1" latinLnBrk="0" hangingPunct="1">
+              <a:lnSpc>
+                <a:spcPct val="90000"/>
+              </a:lnSpc>
+              <a:spcBef>
+                <a:spcPts val="500"/>
+              </a:spcBef>
+              <a:buFont typeface="Arial" panose="020B0604020202020204" pitchFamily="34" charset="0"/>
+              <a:buChar char="•"/>
+              <a:defRPr sz="1800" kern="1200">
+                <a:solidFill>
+                  <a:schemeClr val="tx1"/>
+                </a:solidFill>
+                <a:latin typeface="+mn-lt"/>
+                <a:ea typeface="+mn-ea"/>
+                <a:cs typeface="+mn-cs"/>
+              </a:defRPr>
+            </a:lvl9pPr>
+          </a:lstStyle>
+          <a:p>
+            <a:pPr marL="0" indent="0" algn="just">
+              <a:buNone/>
+            </a:pPr>
+            <a:r>
+              <a:rPr lang="it-IT" sz="2200" dirty="0"/>
+              <a:t>L’azione di controllo rispetto al caso più aggressivo, rimane saturata per un tempo significativamente inferiore, segno che il controllore adotta una strategia più conservativa.</a:t>
+            </a:r>
+          </a:p>
+          <a:p>
+            <a:pPr marL="0" indent="0" algn="just">
+              <a:buFont typeface="Arial" panose="020B0604020202020204" pitchFamily="34" charset="0"/>
+              <a:buNone/>
+            </a:pPr>
+            <a:endParaRPr lang="it-IT" sz="2200" dirty="0"/>
+          </a:p>
+        </p:txBody>
+      </p:sp>
+    </p:spTree>
+    <p:extLst>
+      <p:ext uri="{BB962C8B-B14F-4D97-AF65-F5344CB8AC3E}">
+        <p14:creationId xmlns:p14="http://schemas.microsoft.com/office/powerpoint/2010/main" val="3061413352"/>
       </p:ext>
     </p:extLst>
   </p:cSld>

--- a/cam.pptx
+++ b/cam.pptx
@@ -224,7 +224,7 @@
           <a:p>
             <a:fld id="{56A1F9FD-016A-4124-8D30-0380AF34A37C}" type="datetimeFigureOut">
               <a:rPr lang="it-IT" smtClean="0"/>
-              <a:t>14/07/2025</a:t>
+              <a:t>20/07/2025</a:t>
             </a:fld>
             <a:endParaRPr lang="it-IT"/>
           </a:p>
@@ -638,7 +638,7 @@
           <a:p>
             <a:fld id="{F804CF06-F6AA-4421-AC31-3DD167B981C6}" type="datetime1">
               <a:rPr lang="it-IT" smtClean="0"/>
-              <a:t>14/07/2025</a:t>
+              <a:t>20/07/2025</a:t>
             </a:fld>
             <a:endParaRPr lang="it-IT"/>
           </a:p>
@@ -839,7 +839,7 @@
           <a:p>
             <a:fld id="{3AC0856E-0EEC-4D9D-B3F3-0F60AC013038}" type="datetime1">
               <a:rPr lang="it-IT" smtClean="0"/>
-              <a:t>14/07/2025</a:t>
+              <a:t>20/07/2025</a:t>
             </a:fld>
             <a:endParaRPr lang="it-IT"/>
           </a:p>
@@ -1050,7 +1050,7 @@
           <a:p>
             <a:fld id="{31FBD0A2-0152-4121-A372-5FF90CF4435C}" type="datetime1">
               <a:rPr lang="it-IT" smtClean="0"/>
-              <a:t>14/07/2025</a:t>
+              <a:t>20/07/2025</a:t>
             </a:fld>
             <a:endParaRPr lang="it-IT"/>
           </a:p>
@@ -1251,7 +1251,7 @@
           <a:p>
             <a:fld id="{1C766833-17E6-48D3-9220-DDB953048839}" type="datetime1">
               <a:rPr lang="it-IT" smtClean="0"/>
-              <a:t>14/07/2025</a:t>
+              <a:t>20/07/2025</a:t>
             </a:fld>
             <a:endParaRPr lang="it-IT"/>
           </a:p>
@@ -1529,7 +1529,7 @@
           <a:p>
             <a:fld id="{469C5ADA-E8F5-431F-84DA-235CA7F5C00B}" type="datetime1">
               <a:rPr lang="it-IT" smtClean="0"/>
-              <a:t>14/07/2025</a:t>
+              <a:t>20/07/2025</a:t>
             </a:fld>
             <a:endParaRPr lang="it-IT"/>
           </a:p>
@@ -1797,7 +1797,7 @@
           <a:p>
             <a:fld id="{A1AA3935-594E-4276-85A8-E7A26E6E2775}" type="datetime1">
               <a:rPr lang="it-IT" smtClean="0"/>
-              <a:t>14/07/2025</a:t>
+              <a:t>20/07/2025</a:t>
             </a:fld>
             <a:endParaRPr lang="it-IT"/>
           </a:p>
@@ -2212,7 +2212,7 @@
           <a:p>
             <a:fld id="{982D92E5-5262-4086-8D05-3F8DB806C94C}" type="datetime1">
               <a:rPr lang="it-IT" smtClean="0"/>
-              <a:t>14/07/2025</a:t>
+              <a:t>20/07/2025</a:t>
             </a:fld>
             <a:endParaRPr lang="it-IT"/>
           </a:p>
@@ -2356,7 +2356,7 @@
           <a:p>
             <a:fld id="{00BC9BF5-FDCD-4A4E-8285-15B626CF0A1C}" type="datetime1">
               <a:rPr lang="it-IT" smtClean="0"/>
-              <a:t>14/07/2025</a:t>
+              <a:t>20/07/2025</a:t>
             </a:fld>
             <a:endParaRPr lang="it-IT"/>
           </a:p>
@@ -2472,7 +2472,7 @@
           <a:p>
             <a:fld id="{3C91FFCA-9EDB-4E57-A3C0-4622103A86AF}" type="datetime1">
               <a:rPr lang="it-IT" smtClean="0"/>
-              <a:t>14/07/2025</a:t>
+              <a:t>20/07/2025</a:t>
             </a:fld>
             <a:endParaRPr lang="it-IT"/>
           </a:p>
@@ -2786,7 +2786,7 @@
           <a:p>
             <a:fld id="{BA1124F2-45D5-40AD-B547-4419BD233EA8}" type="datetime1">
               <a:rPr lang="it-IT" smtClean="0"/>
-              <a:t>14/07/2025</a:t>
+              <a:t>20/07/2025</a:t>
             </a:fld>
             <a:endParaRPr lang="it-IT"/>
           </a:p>
@@ -3077,7 +3077,7 @@
           <a:p>
             <a:fld id="{C75E478A-11ED-433A-926B-EB237C1401CE}" type="datetime1">
               <a:rPr lang="it-IT" smtClean="0"/>
-              <a:t>14/07/2025</a:t>
+              <a:t>20/07/2025</a:t>
             </a:fld>
             <a:endParaRPr lang="it-IT"/>
           </a:p>
@@ -3321,7 +3321,7 @@
           <a:p>
             <a:fld id="{3227FB25-0A6E-4247-90E3-2D54F40238BD}" type="datetime1">
               <a:rPr lang="it-IT" smtClean="0"/>
-              <a:t>14/07/2025</a:t>
+              <a:t>20/07/2025</a:t>
             </a:fld>
             <a:endParaRPr lang="it-IT"/>
           </a:p>
@@ -14241,23 +14241,7 @@
             </a:r>
             <a:r>
               <a:rPr lang="it-IT" sz="2300" dirty="0"/>
-              <a:t> contenente tutte le matrici </a:t>
-            </a:r>
-            <a:r>
-              <a:rPr lang="it-IT" sz="2300" dirty="0" err="1"/>
-              <a:t>necessatie</a:t>
-            </a:r>
-            <a:r>
-              <a:rPr lang="it-IT" sz="2300" dirty="0"/>
-              <a:t> per formulare e risolvere il problema di programmazione </a:t>
-            </a:r>
-            <a:r>
-              <a:rPr lang="it-IT" sz="2300" dirty="0" err="1"/>
-              <a:t>quadratuca</a:t>
-            </a:r>
-            <a:r>
-              <a:rPr lang="it-IT" sz="2300" dirty="0"/>
-              <a:t> (QP) a </a:t>
+              <a:t> contenente tutte le matrici necessarie per formulare e risolvere il problema di programmazione quadratica (QP) a </a:t>
             </a:r>
             <a:r>
               <a:rPr lang="it-IT" sz="2300" dirty="0" err="1"/>
@@ -24472,8 +24456,8 @@
         </p:blipFill>
         <p:spPr>
           <a:xfrm>
-            <a:off x="6198781" y="3787848"/>
-            <a:ext cx="5523082" cy="1366962"/>
+            <a:off x="6198781" y="3787847"/>
+            <a:ext cx="5523082" cy="2005679"/>
           </a:xfrm>
           <a:prstGeom prst="rect">
             <a:avLst/>

--- a/cam.pptx
+++ b/cam.pptx
@@ -224,7 +224,7 @@
           <a:p>
             <a:fld id="{56A1F9FD-016A-4124-8D30-0380AF34A37C}" type="datetimeFigureOut">
               <a:rPr lang="it-IT" smtClean="0"/>
-              <a:t>20/07/2025</a:t>
+              <a:t>22/07/2025</a:t>
             </a:fld>
             <a:endParaRPr lang="it-IT"/>
           </a:p>
@@ -638,7 +638,7 @@
           <a:p>
             <a:fld id="{F804CF06-F6AA-4421-AC31-3DD167B981C6}" type="datetime1">
               <a:rPr lang="it-IT" smtClean="0"/>
-              <a:t>20/07/2025</a:t>
+              <a:t>22/07/2025</a:t>
             </a:fld>
             <a:endParaRPr lang="it-IT"/>
           </a:p>
@@ -839,7 +839,7 @@
           <a:p>
             <a:fld id="{3AC0856E-0EEC-4D9D-B3F3-0F60AC013038}" type="datetime1">
               <a:rPr lang="it-IT" smtClean="0"/>
-              <a:t>20/07/2025</a:t>
+              <a:t>22/07/2025</a:t>
             </a:fld>
             <a:endParaRPr lang="it-IT"/>
           </a:p>
@@ -1050,7 +1050,7 @@
           <a:p>
             <a:fld id="{31FBD0A2-0152-4121-A372-5FF90CF4435C}" type="datetime1">
               <a:rPr lang="it-IT" smtClean="0"/>
-              <a:t>20/07/2025</a:t>
+              <a:t>22/07/2025</a:t>
             </a:fld>
             <a:endParaRPr lang="it-IT"/>
           </a:p>
@@ -1251,7 +1251,7 @@
           <a:p>
             <a:fld id="{1C766833-17E6-48D3-9220-DDB953048839}" type="datetime1">
               <a:rPr lang="it-IT" smtClean="0"/>
-              <a:t>20/07/2025</a:t>
+              <a:t>22/07/2025</a:t>
             </a:fld>
             <a:endParaRPr lang="it-IT"/>
           </a:p>
@@ -1529,7 +1529,7 @@
           <a:p>
             <a:fld id="{469C5ADA-E8F5-431F-84DA-235CA7F5C00B}" type="datetime1">
               <a:rPr lang="it-IT" smtClean="0"/>
-              <a:t>20/07/2025</a:t>
+              <a:t>22/07/2025</a:t>
             </a:fld>
             <a:endParaRPr lang="it-IT"/>
           </a:p>
@@ -1797,7 +1797,7 @@
           <a:p>
             <a:fld id="{A1AA3935-594E-4276-85A8-E7A26E6E2775}" type="datetime1">
               <a:rPr lang="it-IT" smtClean="0"/>
-              <a:t>20/07/2025</a:t>
+              <a:t>22/07/2025</a:t>
             </a:fld>
             <a:endParaRPr lang="it-IT"/>
           </a:p>
@@ -2212,7 +2212,7 @@
           <a:p>
             <a:fld id="{982D92E5-5262-4086-8D05-3F8DB806C94C}" type="datetime1">
               <a:rPr lang="it-IT" smtClean="0"/>
-              <a:t>20/07/2025</a:t>
+              <a:t>22/07/2025</a:t>
             </a:fld>
             <a:endParaRPr lang="it-IT"/>
           </a:p>
@@ -2356,7 +2356,7 @@
           <a:p>
             <a:fld id="{00BC9BF5-FDCD-4A4E-8285-15B626CF0A1C}" type="datetime1">
               <a:rPr lang="it-IT" smtClean="0"/>
-              <a:t>20/07/2025</a:t>
+              <a:t>22/07/2025</a:t>
             </a:fld>
             <a:endParaRPr lang="it-IT"/>
           </a:p>
@@ -2472,7 +2472,7 @@
           <a:p>
             <a:fld id="{3C91FFCA-9EDB-4E57-A3C0-4622103A86AF}" type="datetime1">
               <a:rPr lang="it-IT" smtClean="0"/>
-              <a:t>20/07/2025</a:t>
+              <a:t>22/07/2025</a:t>
             </a:fld>
             <a:endParaRPr lang="it-IT"/>
           </a:p>
@@ -2786,7 +2786,7 @@
           <a:p>
             <a:fld id="{BA1124F2-45D5-40AD-B547-4419BD233EA8}" type="datetime1">
               <a:rPr lang="it-IT" smtClean="0"/>
-              <a:t>20/07/2025</a:t>
+              <a:t>22/07/2025</a:t>
             </a:fld>
             <a:endParaRPr lang="it-IT"/>
           </a:p>
@@ -3077,7 +3077,7 @@
           <a:p>
             <a:fld id="{C75E478A-11ED-433A-926B-EB237C1401CE}" type="datetime1">
               <a:rPr lang="it-IT" smtClean="0"/>
-              <a:t>20/07/2025</a:t>
+              <a:t>22/07/2025</a:t>
             </a:fld>
             <a:endParaRPr lang="it-IT"/>
           </a:p>
@@ -3321,7 +3321,7 @@
           <a:p>
             <a:fld id="{3227FB25-0A6E-4247-90E3-2D54F40238BD}" type="datetime1">
               <a:rPr lang="it-IT" smtClean="0"/>
-              <a:t>20/07/2025</a:t>
+              <a:t>22/07/2025</a:t>
             </a:fld>
             <a:endParaRPr lang="it-IT"/>
           </a:p>
@@ -4602,9 +4602,6 @@
           <a:lstStyle/>
           <a:p>
             <a:pPr marR="0" lvl="0" fontAlgn="base">
-              <a:lnSpc>
-                <a:spcPct val="90000"/>
-              </a:lnSpc>
               <a:spcBef>
                 <a:spcPct val="0"/>
               </a:spcBef>
@@ -6944,7 +6941,10 @@
           </a:bodyPr>
           <a:lstStyle/>
           <a:p>
-            <a:pPr marL="0" indent="0">
+            <a:pPr marL="0" indent="0" algn="just">
+              <a:lnSpc>
+                <a:spcPct val="100000"/>
+              </a:lnSpc>
               <a:buNone/>
             </a:pPr>
             <a:r>
@@ -6961,12 +6961,22 @@
             </a:r>
           </a:p>
           <a:p>
+            <a:pPr algn="just">
+              <a:lnSpc>
+                <a:spcPct val="100000"/>
+              </a:lnSpc>
+            </a:pPr>
             <a:r>
               <a:rPr lang="it-IT" sz="2400" dirty="0"/>
               <a:t>ogni stato finale ricade in una regione invariante dove esiste un controllo locale che garantisce il rispetto dei vincoli</a:t>
             </a:r>
           </a:p>
           <a:p>
+            <a:pPr algn="just">
+              <a:lnSpc>
+                <a:spcPct val="100000"/>
+              </a:lnSpc>
+            </a:pPr>
             <a:r>
               <a:rPr lang="it-IT" sz="2400" dirty="0"/>
               <a:t>la funzione di costo terminale </a:t>
@@ -7821,8 +7831,8 @@
           </a:p>
         </p:txBody>
       </p:sp>
-      <mc:AlternateContent xmlns:mc="http://schemas.openxmlformats.org/markup-compatibility/2006" xmlns:a14="http://schemas.microsoft.com/office/drawing/2010/main">
-        <mc:Choice Requires="a14">
+      <mc:AlternateContent xmlns:mc="http://schemas.openxmlformats.org/markup-compatibility/2006">
+        <mc:Choice xmlns:a14="http://schemas.microsoft.com/office/drawing/2010/main" Requires="a14">
           <p:sp>
             <p:nvSpPr>
               <p:cNvPr id="3" name="Segnaposto contenuto 2">
@@ -7851,7 +7861,7 @@
               </a:bodyPr>
               <a:lstStyle/>
               <a:p>
-                <a:pPr marL="0" lvl="0" indent="0" eaLnBrk="0" fontAlgn="base" hangingPunct="0">
+                <a:pPr marL="0" lvl="0" indent="0" algn="just" eaLnBrk="0" fontAlgn="base" hangingPunct="0">
                   <a:lnSpc>
                     <a:spcPct val="100000"/>
                   </a:lnSpc>
@@ -7960,7 +7970,7 @@
                 </a:r>
               </a:p>
               <a:p>
-                <a:pPr marL="0" lvl="0" indent="0" eaLnBrk="0" fontAlgn="base" hangingPunct="0">
+                <a:pPr marL="0" lvl="0" indent="0" algn="just" eaLnBrk="0" fontAlgn="base" hangingPunct="0">
                   <a:lnSpc>
                     <a:spcPct val="100000"/>
                   </a:lnSpc>
@@ -8078,7 +8088,7 @@
                 </a:r>
               </a:p>
               <a:p>
-                <a:pPr marL="0" lvl="0" indent="0" eaLnBrk="0" fontAlgn="base" hangingPunct="0">
+                <a:pPr marL="0" lvl="0" indent="0" algn="just" eaLnBrk="0" fontAlgn="base" hangingPunct="0">
                   <a:lnSpc>
                     <a:spcPct val="100000"/>
                   </a:lnSpc>
@@ -8130,7 +8140,7 @@
                 </a:r>
               </a:p>
               <a:p>
-                <a:pPr marL="0" lvl="0" indent="0" eaLnBrk="0" fontAlgn="base" hangingPunct="0">
+                <a:pPr marL="0" lvl="0" indent="0" algn="just" eaLnBrk="0" fontAlgn="base" hangingPunct="0">
                   <a:lnSpc>
                     <a:spcPct val="100000"/>
                   </a:lnSpc>
@@ -8148,7 +8158,7 @@
                 </a:r>
               </a:p>
               <a:p>
-                <a:pPr marL="0" lvl="0" indent="0" eaLnBrk="0" fontAlgn="base" hangingPunct="0">
+                <a:pPr marL="0" lvl="0" indent="0" algn="just" eaLnBrk="0" fontAlgn="base" hangingPunct="0">
                   <a:lnSpc>
                     <a:spcPct val="100000"/>
                   </a:lnSpc>
@@ -8168,7 +8178,7 @@
             </p:txBody>
           </p:sp>
         </mc:Choice>
-        <mc:Fallback xmlns="">
+        <mc:Fallback>
           <p:sp>
             <p:nvSpPr>
               <p:cNvPr id="3" name="Segnaposto contenuto 2">
@@ -8193,7 +8203,7 @@
               <a:blipFill>
                 <a:blip r:embed="rId2"/>
                 <a:stretch>
-                  <a:fillRect l="-272" t="-296" r="-727"/>
+                  <a:fillRect l="-272" t="-296" r="-272"/>
                 </a:stretch>
               </a:blipFill>
             </p:spPr>
@@ -8759,8 +8769,8 @@
           </a:p>
         </p:txBody>
       </p:sp>
-      <mc:AlternateContent xmlns:mc="http://schemas.openxmlformats.org/markup-compatibility/2006" xmlns:a14="http://schemas.microsoft.com/office/drawing/2010/main">
-        <mc:Choice Requires="a14">
+      <mc:AlternateContent xmlns:mc="http://schemas.openxmlformats.org/markup-compatibility/2006">
+        <mc:Choice xmlns:a14="http://schemas.microsoft.com/office/drawing/2010/main" Requires="a14">
           <p:sp>
             <p:nvSpPr>
               <p:cNvPr id="3" name="Segnaposto contenuto 2">
@@ -8779,8 +8789,8 @@
             </p:nvSpPr>
             <p:spPr>
               <a:xfrm>
-                <a:off x="640080" y="2706624"/>
-                <a:ext cx="6894576" cy="3483864"/>
+                <a:off x="640080" y="2706625"/>
+                <a:ext cx="8263402" cy="2176272"/>
               </a:xfrm>
             </p:spPr>
             <p:txBody>
@@ -8789,55 +8799,49 @@
               </a:bodyPr>
               <a:lstStyle/>
               <a:p>
-                <a:pPr marL="0" indent="0">
+                <a:pPr marL="0" indent="0" algn="just">
                   <a:lnSpc>
                     <a:spcPct val="100000"/>
                   </a:lnSpc>
                   <a:buNone/>
                 </a:pPr>
                 <a:r>
-                  <a:rPr lang="it-IT" sz="1800" dirty="0"/>
+                  <a:rPr lang="it-IT" sz="1600" dirty="0"/>
                   <a:t>La chiamata della funzione «cis» restituisce le disuguaglianze relative a control </a:t>
                 </a:r>
                 <a:r>
-                  <a:rPr lang="it-IT" sz="1800" dirty="0" err="1"/>
+                  <a:rPr lang="it-IT" sz="1600" dirty="0" err="1"/>
                   <a:t>invariant</a:t>
                 </a:r>
                 <a:r>
-                  <a:rPr lang="it-IT" sz="1800" dirty="0"/>
+                  <a:rPr lang="it-IT" sz="1600" dirty="0"/>
                   <a:t> set che verranno rappresentate in un oggetto </a:t>
                 </a:r>
                 <a:r>
-                  <a:rPr lang="it-IT" sz="1800" dirty="0" err="1"/>
+                  <a:rPr lang="it-IT" sz="1600" dirty="0" err="1"/>
                   <a:t>polyedron</a:t>
                 </a:r>
                 <a:r>
-                  <a:rPr lang="it-IT" sz="1800" dirty="0"/>
-                  <a:t> effettuando delle proiezioni dui piani (</a:t>
+                  <a:rPr lang="it-IT" sz="1600" dirty="0"/>
+                  <a:t> effettuando delle proiezioni sui piani (</a:t>
                 </a:r>
                 <a14:m>
                   <m:oMath xmlns:m="http://schemas.openxmlformats.org/officeDocument/2006/math">
                     <m:sSub>
                       <m:sSubPr>
                         <m:ctrlPr>
-                          <a:rPr lang="it-IT" sz="1800" i="1" dirty="0" smtClean="0">
-                            <a:latin typeface="Cambria Math" panose="02040503050406030204" pitchFamily="18" charset="0"/>
-                          </a:rPr>
+                          <a:rPr lang="it-IT" sz="1600" i="1" dirty="0" smtClean="0"/>
                         </m:ctrlPr>
                       </m:sSubPr>
                       <m:e>
                         <m:r>
-                          <a:rPr lang="it-IT" sz="1800" b="0" i="1" dirty="0" smtClean="0">
-                            <a:latin typeface="Cambria Math" panose="02040503050406030204" pitchFamily="18" charset="0"/>
-                          </a:rPr>
+                          <a:rPr lang="it-IT" sz="1600" b="0" i="1" dirty="0" smtClean="0"/>
                           <m:t>h</m:t>
                         </m:r>
                       </m:e>
                       <m:sub>
                         <m:r>
-                          <a:rPr lang="it-IT" sz="1800" b="0" i="1" dirty="0" smtClean="0">
-                            <a:latin typeface="Cambria Math" panose="02040503050406030204" pitchFamily="18" charset="0"/>
-                          </a:rPr>
+                          <a:rPr lang="it-IT" sz="1600" b="0" i="1" dirty="0" smtClean="0"/>
                           <m:t>1</m:t>
                         </m:r>
                       </m:sub>
@@ -8845,7 +8849,7 @@
                   </m:oMath>
                 </a14:m>
                 <a:r>
-                  <a:rPr lang="it-IT" sz="1800" dirty="0"/>
+                  <a:rPr lang="it-IT" sz="1600" dirty="0"/>
                   <a:t>, </a:t>
                 </a:r>
                 <a14:m>
@@ -8853,24 +8857,18 @@
                     <m:sSub>
                       <m:sSubPr>
                         <m:ctrlPr>
-                          <a:rPr lang="it-IT" sz="1800" i="1" dirty="0">
-                            <a:latin typeface="Cambria Math" panose="02040503050406030204" pitchFamily="18" charset="0"/>
-                          </a:rPr>
+                          <a:rPr lang="it-IT" sz="1600" i="1" dirty="0"/>
                         </m:ctrlPr>
                       </m:sSubPr>
                       <m:e>
                         <m:r>
-                          <a:rPr lang="it-IT" sz="1800" i="1" dirty="0">
-                            <a:latin typeface="Cambria Math" panose="02040503050406030204" pitchFamily="18" charset="0"/>
-                          </a:rPr>
+                          <a:rPr lang="it-IT" sz="1600" i="1" dirty="0"/>
                           <m:t>h</m:t>
                         </m:r>
                       </m:e>
                       <m:sub>
                         <m:r>
-                          <a:rPr lang="it-IT" sz="1800" b="0" i="1" dirty="0" smtClean="0">
-                            <a:latin typeface="Cambria Math" panose="02040503050406030204" pitchFamily="18" charset="0"/>
-                          </a:rPr>
+                          <a:rPr lang="it-IT" sz="1600" b="0" i="1" dirty="0" smtClean="0"/>
                           <m:t>3</m:t>
                         </m:r>
                       </m:sub>
@@ -8878,7 +8876,7 @@
                   </m:oMath>
                 </a14:m>
                 <a:r>
-                  <a:rPr lang="it-IT" sz="1800" dirty="0"/>
+                  <a:rPr lang="it-IT" sz="1600" dirty="0"/>
                   <a:t>) e (</a:t>
                 </a:r>
                 <a14:m>
@@ -8886,24 +8884,18 @@
                     <m:sSub>
                       <m:sSubPr>
                         <m:ctrlPr>
-                          <a:rPr lang="it-IT" sz="1800" i="1" dirty="0">
-                            <a:latin typeface="Cambria Math" panose="02040503050406030204" pitchFamily="18" charset="0"/>
-                          </a:rPr>
+                          <a:rPr lang="it-IT" sz="1600" i="1" dirty="0"/>
                         </m:ctrlPr>
                       </m:sSubPr>
                       <m:e>
                         <m:r>
-                          <a:rPr lang="it-IT" sz="1800" i="1" dirty="0">
-                            <a:latin typeface="Cambria Math" panose="02040503050406030204" pitchFamily="18" charset="0"/>
-                          </a:rPr>
+                          <a:rPr lang="it-IT" sz="1600" i="1" dirty="0"/>
                           <m:t>h</m:t>
                         </m:r>
                       </m:e>
                       <m:sub>
                         <m:r>
-                          <a:rPr lang="it-IT" sz="1800" b="0" i="1" dirty="0" smtClean="0">
-                            <a:latin typeface="Cambria Math" panose="02040503050406030204" pitchFamily="18" charset="0"/>
-                          </a:rPr>
+                          <a:rPr lang="it-IT" sz="1600" b="0" i="1" dirty="0" smtClean="0"/>
                           <m:t>2</m:t>
                         </m:r>
                       </m:sub>
@@ -8911,7 +8903,7 @@
                   </m:oMath>
                 </a14:m>
                 <a:r>
-                  <a:rPr lang="it-IT" sz="1800" dirty="0"/>
+                  <a:rPr lang="it-IT" sz="1600" dirty="0"/>
                   <a:t>, </a:t>
                 </a:r>
                 <a14:m>
@@ -8919,24 +8911,18 @@
                     <m:sSub>
                       <m:sSubPr>
                         <m:ctrlPr>
-                          <a:rPr lang="it-IT" sz="1800" i="1" dirty="0">
-                            <a:latin typeface="Cambria Math" panose="02040503050406030204" pitchFamily="18" charset="0"/>
-                          </a:rPr>
+                          <a:rPr lang="it-IT" sz="1600" i="1" dirty="0"/>
                         </m:ctrlPr>
                       </m:sSubPr>
                       <m:e>
                         <m:r>
-                          <a:rPr lang="it-IT" sz="1800" i="1" dirty="0">
-                            <a:latin typeface="Cambria Math" panose="02040503050406030204" pitchFamily="18" charset="0"/>
-                          </a:rPr>
+                          <a:rPr lang="it-IT" sz="1600" i="1" dirty="0"/>
                           <m:t>h</m:t>
                         </m:r>
                       </m:e>
                       <m:sub>
                         <m:r>
-                          <a:rPr lang="it-IT" sz="1800" b="0" i="1" dirty="0" smtClean="0">
-                            <a:latin typeface="Cambria Math" panose="02040503050406030204" pitchFamily="18" charset="0"/>
-                          </a:rPr>
+                          <a:rPr lang="it-IT" sz="1600" b="0" i="1" dirty="0" smtClean="0"/>
                           <m:t>4</m:t>
                         </m:r>
                       </m:sub>
@@ -8944,118 +8930,104 @@
                   </m:oMath>
                 </a14:m>
                 <a:r>
-                  <a:rPr lang="it-IT" sz="1800" dirty="0"/>
+                  <a:rPr lang="it-IT" sz="1600" dirty="0"/>
                   <a:t>).</a:t>
                 </a:r>
               </a:p>
               <a:p>
-                <a:pPr marL="0" indent="0">
+                <a:pPr marL="0" indent="0" algn="just">
                   <a:lnSpc>
                     <a:spcPct val="100000"/>
                   </a:lnSpc>
                   <a:buNone/>
                 </a:pPr>
                 <a:r>
-                  <a:rPr lang="it-IT" sz="1800" dirty="0"/>
+                  <a:rPr lang="it-IT" sz="1600" dirty="0"/>
                   <a:t>I due </a:t>
                 </a:r>
                 <a:r>
-                  <a:rPr lang="it-IT" sz="1800" dirty="0" err="1"/>
+                  <a:rPr lang="it-IT" sz="1600" dirty="0" err="1"/>
                   <a:t>subplot</a:t>
                 </a:r>
                 <a:r>
-                  <a:rPr lang="it-IT" sz="1800" dirty="0"/>
+                  <a:rPr lang="it-IT" sz="1600" dirty="0"/>
                   <a:t> mostrano graficamente le aree ammissibili in cui, al variare dei livelli dei serbatoi, il sistema controllato non violerà mai i vincoli.</a:t>
                 </a:r>
               </a:p>
               <a:p>
-                <a:pPr marL="0" indent="0">
+                <a:pPr marL="0" indent="0" algn="just">
                   <a:lnSpc>
                     <a:spcPct val="100000"/>
                   </a:lnSpc>
                   <a:buNone/>
                 </a:pPr>
                 <a:r>
-                  <a:rPr lang="it-IT" sz="1800" dirty="0"/>
-                  <a:t>è stato scelto di dare un peso molto alto a </a:t>
+                  <a:rPr lang="it-IT" sz="1600" dirty="0"/>
+                  <a:t>Per riflettere la maggior criticità dei serbatoi inferiori </a:t>
+                </a:r>
+                <a14:m>
+                  <m:oMath xmlns:m="http://schemas.openxmlformats.org/officeDocument/2006/math">
+                    <m:r>
+                      <a:rPr lang="it-IT" sz="1600" b="0" i="0" dirty="0" smtClean="0"/>
+                      <m:t>(</m:t>
+                    </m:r>
+                    <m:sSub>
+                      <m:sSubPr>
+                        <m:ctrlPr>
+                          <a:rPr lang="it-IT" sz="1600" i="1" dirty="0"/>
+                        </m:ctrlPr>
+                      </m:sSubPr>
+                      <m:e>
+                        <m:r>
+                          <a:rPr lang="it-IT" sz="1600" i="1" dirty="0"/>
+                          <m:t>h</m:t>
+                        </m:r>
+                      </m:e>
+                      <m:sub>
+                        <m:r>
+                          <a:rPr lang="it-IT" sz="1600" i="1" dirty="0"/>
+                          <m:t>1</m:t>
+                        </m:r>
+                      </m:sub>
+                    </m:sSub>
+                  </m:oMath>
+                </a14:m>
+                <a:r>
+                  <a:rPr lang="it-IT" sz="1600" i="1" dirty="0"/>
+                  <a:t>, </a:t>
                 </a:r>
                 <a14:m>
                   <m:oMath xmlns:m="http://schemas.openxmlformats.org/officeDocument/2006/math">
                     <m:sSub>
                       <m:sSubPr>
                         <m:ctrlPr>
-                          <a:rPr lang="it-IT" sz="1800" i="1" dirty="0">
-                            <a:latin typeface="Cambria Math" panose="02040503050406030204" pitchFamily="18" charset="0"/>
-                          </a:rPr>
+                          <a:rPr lang="it-IT" sz="1600" i="1" dirty="0" smtClean="0"/>
                         </m:ctrlPr>
                       </m:sSubPr>
                       <m:e>
                         <m:r>
-                          <a:rPr lang="it-IT" sz="1800" i="1" dirty="0">
-                            <a:latin typeface="Cambria Math" panose="02040503050406030204" pitchFamily="18" charset="0"/>
-                          </a:rPr>
+                          <a:rPr lang="it-IT" sz="1600" i="1" dirty="0"/>
                           <m:t>h</m:t>
                         </m:r>
                       </m:e>
                       <m:sub>
                         <m:r>
-                          <a:rPr lang="it-IT" sz="1800" i="1" dirty="0">
-                            <a:latin typeface="Cambria Math" panose="02040503050406030204" pitchFamily="18" charset="0"/>
-                          </a:rPr>
-                          <m:t>3</m:t>
+                          <a:rPr lang="it-IT" sz="1600" b="0" i="1" dirty="0" smtClean="0"/>
+                          <m:t>2</m:t>
                         </m:r>
                       </m:sub>
                     </m:sSub>
                   </m:oMath>
                 </a14:m>
                 <a:r>
-                  <a:rPr lang="it-IT" sz="1800" dirty="0"/>
-                  <a:t> e </a:t>
-                </a:r>
-                <a14:m>
-                  <m:oMath xmlns:m="http://schemas.openxmlformats.org/officeDocument/2006/math">
-                    <m:sSub>
-                      <m:sSubPr>
-                        <m:ctrlPr>
-                          <a:rPr lang="it-IT" sz="1800" i="1" dirty="0">
-                            <a:latin typeface="Cambria Math" panose="02040503050406030204" pitchFamily="18" charset="0"/>
-                          </a:rPr>
-                        </m:ctrlPr>
-                      </m:sSubPr>
-                      <m:e>
-                        <m:r>
-                          <a:rPr lang="it-IT" sz="1800" i="1" dirty="0">
-                            <a:latin typeface="Cambria Math" panose="02040503050406030204" pitchFamily="18" charset="0"/>
-                          </a:rPr>
-                          <m:t>h</m:t>
-                        </m:r>
-                      </m:e>
-                      <m:sub>
-                        <m:r>
-                          <a:rPr lang="it-IT" sz="1800" i="1" dirty="0">
-                            <a:latin typeface="Cambria Math" panose="02040503050406030204" pitchFamily="18" charset="0"/>
-                          </a:rPr>
-                          <m:t>4</m:t>
-                        </m:r>
-                      </m:sub>
-                    </m:sSub>
-                    <m:r>
-                      <a:rPr lang="it-IT" sz="1800" i="1" dirty="0">
-                        <a:latin typeface="Cambria Math" panose="02040503050406030204" pitchFamily="18" charset="0"/>
-                      </a:rPr>
-                      <m:t> </m:t>
-                    </m:r>
-                  </m:oMath>
-                </a14:m>
-                <a:r>
-                  <a:rPr lang="it-IT" sz="1800" dirty="0"/>
-                  <a:t>in Q perché qualsiasi scostamento di quei livelli è particolarmente critico. Allo stesso tempo un R elevato penalizza duramente le variazioni di ingresso, spingendo il regolatore ad operare più lentamente.</a:t>
+                  <a:rPr lang="it-IT" sz="1600" dirty="0"/>
+                  <a:t>), è stata adottata la seguente struttura per la funzione di costo:</a:t>
                 </a:r>
               </a:p>
             </p:txBody>
           </p:sp>
         </mc:Choice>
-        <mc:Fallback xmlns="">
+        <mc:Fallback>
           <p:sp>
             <p:nvSpPr>
               <p:cNvPr id="3" name="Segnaposto contenuto 2">
@@ -9074,13 +9046,13 @@
             </p:nvSpPr>
             <p:spPr>
               <a:xfrm>
-                <a:off x="640080" y="2706624"/>
-                <a:ext cx="6894576" cy="3483864"/>
+                <a:off x="640080" y="2706625"/>
+                <a:ext cx="8263402" cy="2176272"/>
               </a:xfrm>
               <a:blipFill>
                 <a:blip r:embed="rId2"/>
                 <a:stretch>
-                  <a:fillRect l="-707" t="-699"/>
+                  <a:fillRect l="-369" t="-840" r="-369"/>
                 </a:stretch>
               </a:blipFill>
             </p:spPr>
@@ -9101,7 +9073,7 @@
       </mc:AlternateContent>
       <p:pic>
         <p:nvPicPr>
-          <p:cNvPr id="6" name="Immagine 5" descr="Immagine che contiene testo, schermata, Carattere, Rettangolo&#10;&#10;Il contenuto generato dall'IA potrebbe non essere corretto.">
+          <p:cNvPr id="6" name="Immagine 5">
             <a:extLst>
               <a:ext uri="{FF2B5EF4-FFF2-40B4-BE49-F238E27FC236}">
                 <a16:creationId xmlns:a16="http://schemas.microsoft.com/office/drawing/2014/main" id="{080DB302-574D-7005-25CF-98B1896C3A65}"/>
@@ -9114,15 +9086,20 @@
           <p:nvPr/>
         </p:nvPicPr>
         <p:blipFill>
-          <a:blip r:embed="rId3"/>
-          <a:stretch>
-            <a:fillRect/>
-          </a:stretch>
+          <a:blip r:embed="rId3">
+            <a:extLst>
+              <a:ext uri="{28A0092B-C50C-407E-A947-70E740481C1C}">
+                <a14:useLocalDpi xmlns:a14="http://schemas.microsoft.com/office/drawing/2010/main" val="0"/>
+              </a:ext>
+            </a:extLst>
+          </a:blip>
+          <a:srcRect/>
+          <a:stretch/>
         </p:blipFill>
         <p:spPr>
           <a:xfrm>
-            <a:off x="7863840" y="749583"/>
-            <a:ext cx="4014216" cy="2589169"/>
+            <a:off x="9041331" y="620124"/>
+            <a:ext cx="3013376" cy="2848086"/>
           </a:xfrm>
           <a:prstGeom prst="rect">
             <a:avLst/>
@@ -9131,7 +9108,7 @@
       </p:pic>
       <p:pic>
         <p:nvPicPr>
-          <p:cNvPr id="8" name="Immagine 7" descr="Immagine che contiene testo, schermata, Carattere, Rettangolo&#10;&#10;Il contenuto generato dall'IA potrebbe non essere corretto.">
+          <p:cNvPr id="8" name="Immagine 7">
             <a:extLst>
               <a:ext uri="{FF2B5EF4-FFF2-40B4-BE49-F238E27FC236}">
                 <a16:creationId xmlns:a16="http://schemas.microsoft.com/office/drawing/2014/main" id="{962D0D91-8968-ADF7-E85A-075F231DED67}"/>
@@ -9144,15 +9121,20 @@
           <p:nvPr/>
         </p:nvPicPr>
         <p:blipFill>
-          <a:blip r:embed="rId4"/>
-          <a:stretch>
-            <a:fillRect/>
-          </a:stretch>
+          <a:blip r:embed="rId4">
+            <a:extLst>
+              <a:ext uri="{28A0092B-C50C-407E-A947-70E740481C1C}">
+                <a14:useLocalDpi xmlns:a14="http://schemas.microsoft.com/office/drawing/2010/main" val="0"/>
+              </a:ext>
+            </a:extLst>
+          </a:blip>
+          <a:srcRect/>
+          <a:stretch/>
         </p:blipFill>
         <p:spPr>
           <a:xfrm>
-            <a:off x="7863840" y="3525330"/>
-            <a:ext cx="3956859" cy="2176272"/>
+            <a:off x="9041503" y="3603652"/>
+            <a:ext cx="3009600" cy="2676596"/>
           </a:xfrm>
           <a:prstGeom prst="rect">
             <a:avLst/>
@@ -9199,41 +9181,383 @@
           </a:p>
         </p:txBody>
       </p:sp>
-      <p:pic>
-        <p:nvPicPr>
-          <p:cNvPr id="10" name="Immagine 9">
-            <a:extLst>
-              <a:ext uri="{FF2B5EF4-FFF2-40B4-BE49-F238E27FC236}">
-                <a16:creationId xmlns:a16="http://schemas.microsoft.com/office/drawing/2014/main" id="{1A157387-469B-C094-2B9F-B2D82EF88159}"/>
-              </a:ext>
-            </a:extLst>
-          </p:cNvPr>
-          <p:cNvPicPr>
-            <a:picLocks noChangeAspect="1"/>
-          </p:cNvPicPr>
-          <p:nvPr/>
-        </p:nvPicPr>
-        <p:blipFill>
-          <a:blip r:embed="rId5"/>
-          <a:stretch>
-            <a:fillRect/>
-          </a:stretch>
-        </p:blipFill>
-        <p:spPr>
-          <a:xfrm>
-            <a:off x="704667" y="6119754"/>
-            <a:ext cx="2629267" cy="419158"/>
-          </a:xfrm>
-          <a:prstGeom prst="rect">
-            <a:avLst/>
-          </a:prstGeom>
-          <a:ln>
-            <a:solidFill>
-              <a:schemeClr val="tx1"/>
-            </a:solidFill>
-          </a:ln>
-        </p:spPr>
-      </p:pic>
+      <mc:AlternateContent xmlns:mc="http://schemas.openxmlformats.org/markup-compatibility/2006">
+        <mc:Choice xmlns:a14="http://schemas.microsoft.com/office/drawing/2010/main" Requires="a14">
+          <p:sp>
+            <p:nvSpPr>
+              <p:cNvPr id="7" name="Segnaposto contenuto 2">
+                <a:extLst>
+                  <a:ext uri="{FF2B5EF4-FFF2-40B4-BE49-F238E27FC236}">
+                    <a16:creationId xmlns:a16="http://schemas.microsoft.com/office/drawing/2014/main" id="{24351AC5-39D2-E209-69F6-BD57B333C368}"/>
+                  </a:ext>
+                </a:extLst>
+              </p:cNvPr>
+              <p:cNvSpPr txBox="1">
+                <a:spLocks/>
+              </p:cNvSpPr>
+              <p:nvPr/>
+            </p:nvSpPr>
+            <p:spPr>
+              <a:xfrm>
+                <a:off x="640080" y="4813096"/>
+                <a:ext cx="8263402" cy="1397351"/>
+              </a:xfrm>
+              <a:prstGeom prst="rect">
+                <a:avLst/>
+              </a:prstGeom>
+            </p:spPr>
+            <p:txBody>
+              <a:bodyPr vert="horz" lIns="91440" tIns="45720" rIns="91440" bIns="45720" rtlCol="0">
+                <a:normAutofit/>
+              </a:bodyPr>
+              <a:lstStyle>
+                <a:lvl1pPr marL="228600" indent="-228600" algn="l" defTabSz="914400" rtl="0" eaLnBrk="1" latinLnBrk="0" hangingPunct="1">
+                  <a:lnSpc>
+                    <a:spcPct val="90000"/>
+                  </a:lnSpc>
+                  <a:spcBef>
+                    <a:spcPts val="1000"/>
+                  </a:spcBef>
+                  <a:buFont typeface="Arial" panose="020B0604020202020204" pitchFamily="34" charset="0"/>
+                  <a:buChar char="•"/>
+                  <a:defRPr sz="2800" kern="1200">
+                    <a:solidFill>
+                      <a:schemeClr val="tx1"/>
+                    </a:solidFill>
+                    <a:latin typeface="+mn-lt"/>
+                    <a:ea typeface="+mn-ea"/>
+                    <a:cs typeface="+mn-cs"/>
+                  </a:defRPr>
+                </a:lvl1pPr>
+                <a:lvl2pPr marL="685800" indent="-228600" algn="l" defTabSz="914400" rtl="0" eaLnBrk="1" latinLnBrk="0" hangingPunct="1">
+                  <a:lnSpc>
+                    <a:spcPct val="90000"/>
+                  </a:lnSpc>
+                  <a:spcBef>
+                    <a:spcPts val="500"/>
+                  </a:spcBef>
+                  <a:buFont typeface="Arial" panose="020B0604020202020204" pitchFamily="34" charset="0"/>
+                  <a:buChar char="•"/>
+                  <a:defRPr sz="2400" kern="1200">
+                    <a:solidFill>
+                      <a:schemeClr val="tx1"/>
+                    </a:solidFill>
+                    <a:latin typeface="+mn-lt"/>
+                    <a:ea typeface="+mn-ea"/>
+                    <a:cs typeface="+mn-cs"/>
+                  </a:defRPr>
+                </a:lvl2pPr>
+                <a:lvl3pPr marL="1143000" indent="-228600" algn="l" defTabSz="914400" rtl="0" eaLnBrk="1" latinLnBrk="0" hangingPunct="1">
+                  <a:lnSpc>
+                    <a:spcPct val="90000"/>
+                  </a:lnSpc>
+                  <a:spcBef>
+                    <a:spcPts val="500"/>
+                  </a:spcBef>
+                  <a:buFont typeface="Arial" panose="020B0604020202020204" pitchFamily="34" charset="0"/>
+                  <a:buChar char="•"/>
+                  <a:defRPr sz="2000" kern="1200">
+                    <a:solidFill>
+                      <a:schemeClr val="tx1"/>
+                    </a:solidFill>
+                    <a:latin typeface="+mn-lt"/>
+                    <a:ea typeface="+mn-ea"/>
+                    <a:cs typeface="+mn-cs"/>
+                  </a:defRPr>
+                </a:lvl3pPr>
+                <a:lvl4pPr marL="1600200" indent="-228600" algn="l" defTabSz="914400" rtl="0" eaLnBrk="1" latinLnBrk="0" hangingPunct="1">
+                  <a:lnSpc>
+                    <a:spcPct val="90000"/>
+                  </a:lnSpc>
+                  <a:spcBef>
+                    <a:spcPts val="500"/>
+                  </a:spcBef>
+                  <a:buFont typeface="Arial" panose="020B0604020202020204" pitchFamily="34" charset="0"/>
+                  <a:buChar char="•"/>
+                  <a:defRPr sz="1800" kern="1200">
+                    <a:solidFill>
+                      <a:schemeClr val="tx1"/>
+                    </a:solidFill>
+                    <a:latin typeface="+mn-lt"/>
+                    <a:ea typeface="+mn-ea"/>
+                    <a:cs typeface="+mn-cs"/>
+                  </a:defRPr>
+                </a:lvl4pPr>
+                <a:lvl5pPr marL="2057400" indent="-228600" algn="l" defTabSz="914400" rtl="0" eaLnBrk="1" latinLnBrk="0" hangingPunct="1">
+                  <a:lnSpc>
+                    <a:spcPct val="90000"/>
+                  </a:lnSpc>
+                  <a:spcBef>
+                    <a:spcPts val="500"/>
+                  </a:spcBef>
+                  <a:buFont typeface="Arial" panose="020B0604020202020204" pitchFamily="34" charset="0"/>
+                  <a:buChar char="•"/>
+                  <a:defRPr sz="1800" kern="1200">
+                    <a:solidFill>
+                      <a:schemeClr val="tx1"/>
+                    </a:solidFill>
+                    <a:latin typeface="+mn-lt"/>
+                    <a:ea typeface="+mn-ea"/>
+                    <a:cs typeface="+mn-cs"/>
+                  </a:defRPr>
+                </a:lvl5pPr>
+                <a:lvl6pPr marL="2514600" indent="-228600" algn="l" defTabSz="914400" rtl="0" eaLnBrk="1" latinLnBrk="0" hangingPunct="1">
+                  <a:lnSpc>
+                    <a:spcPct val="90000"/>
+                  </a:lnSpc>
+                  <a:spcBef>
+                    <a:spcPts val="500"/>
+                  </a:spcBef>
+                  <a:buFont typeface="Arial" panose="020B0604020202020204" pitchFamily="34" charset="0"/>
+                  <a:buChar char="•"/>
+                  <a:defRPr sz="1800" kern="1200">
+                    <a:solidFill>
+                      <a:schemeClr val="tx1"/>
+                    </a:solidFill>
+                    <a:latin typeface="+mn-lt"/>
+                    <a:ea typeface="+mn-ea"/>
+                    <a:cs typeface="+mn-cs"/>
+                  </a:defRPr>
+                </a:lvl6pPr>
+                <a:lvl7pPr marL="2971800" indent="-228600" algn="l" defTabSz="914400" rtl="0" eaLnBrk="1" latinLnBrk="0" hangingPunct="1">
+                  <a:lnSpc>
+                    <a:spcPct val="90000"/>
+                  </a:lnSpc>
+                  <a:spcBef>
+                    <a:spcPts val="500"/>
+                  </a:spcBef>
+                  <a:buFont typeface="Arial" panose="020B0604020202020204" pitchFamily="34" charset="0"/>
+                  <a:buChar char="•"/>
+                  <a:defRPr sz="1800" kern="1200">
+                    <a:solidFill>
+                      <a:schemeClr val="tx1"/>
+                    </a:solidFill>
+                    <a:latin typeface="+mn-lt"/>
+                    <a:ea typeface="+mn-ea"/>
+                    <a:cs typeface="+mn-cs"/>
+                  </a:defRPr>
+                </a:lvl7pPr>
+                <a:lvl8pPr marL="3429000" indent="-228600" algn="l" defTabSz="914400" rtl="0" eaLnBrk="1" latinLnBrk="0" hangingPunct="1">
+                  <a:lnSpc>
+                    <a:spcPct val="90000"/>
+                  </a:lnSpc>
+                  <a:spcBef>
+                    <a:spcPts val="500"/>
+                  </a:spcBef>
+                  <a:buFont typeface="Arial" panose="020B0604020202020204" pitchFamily="34" charset="0"/>
+                  <a:buChar char="•"/>
+                  <a:defRPr sz="1800" kern="1200">
+                    <a:solidFill>
+                      <a:schemeClr val="tx1"/>
+                    </a:solidFill>
+                    <a:latin typeface="+mn-lt"/>
+                    <a:ea typeface="+mn-ea"/>
+                    <a:cs typeface="+mn-cs"/>
+                  </a:defRPr>
+                </a:lvl8pPr>
+                <a:lvl9pPr marL="3886200" indent="-228600" algn="l" defTabSz="914400" rtl="0" eaLnBrk="1" latinLnBrk="0" hangingPunct="1">
+                  <a:lnSpc>
+                    <a:spcPct val="90000"/>
+                  </a:lnSpc>
+                  <a:spcBef>
+                    <a:spcPts val="500"/>
+                  </a:spcBef>
+                  <a:buFont typeface="Arial" panose="020B0604020202020204" pitchFamily="34" charset="0"/>
+                  <a:buChar char="•"/>
+                  <a:defRPr sz="1800" kern="1200">
+                    <a:solidFill>
+                      <a:schemeClr val="tx1"/>
+                    </a:solidFill>
+                    <a:latin typeface="+mn-lt"/>
+                    <a:ea typeface="+mn-ea"/>
+                    <a:cs typeface="+mn-cs"/>
+                  </a:defRPr>
+                </a:lvl9pPr>
+              </a:lstStyle>
+              <a:p>
+                <a:pPr algn="just">
+                  <a:lnSpc>
+                    <a:spcPct val="100000"/>
+                  </a:lnSpc>
+                </a:pPr>
+                <a:r>
+                  <a:rPr lang="it-IT" sz="1600" dirty="0"/>
+                  <a:t>Q = </a:t>
+                </a:r>
+                <a:r>
+                  <a:rPr lang="it-IT" sz="1600" dirty="0" err="1"/>
+                  <a:t>diag</a:t>
+                </a:r>
+                <a:r>
+                  <a:rPr lang="it-IT" sz="1600" dirty="0"/>
+                  <a:t>([100,100,1,1])</a:t>
+                </a:r>
+              </a:p>
+              <a:p>
+                <a:pPr lvl="1" algn="just">
+                  <a:lnSpc>
+                    <a:spcPct val="100000"/>
+                  </a:lnSpc>
+                  <a:buFont typeface="Wingdings" panose="05000000000000000000" pitchFamily="2" charset="2"/>
+                  <a:buChar char="§"/>
+                </a:pPr>
+                <a:r>
+                  <a:rPr lang="it-IT" sz="1200" dirty="0"/>
+                  <a:t>Pesi elevati su </a:t>
+                </a:r>
+                <a14:m>
+                  <m:oMath xmlns:m="http://schemas.openxmlformats.org/officeDocument/2006/math">
+                    <m:r>
+                      <a:rPr lang="it-IT" sz="1200" dirty="0">
+                        <a:latin typeface="Cambria Math" panose="02040503050406030204" pitchFamily="18" charset="0"/>
+                      </a:rPr>
+                      <m:t>(</m:t>
+                    </m:r>
+                    <m:sSub>
+                      <m:sSubPr>
+                        <m:ctrlPr>
+                          <a:rPr lang="it-IT" sz="1200" i="1" dirty="0">
+                            <a:latin typeface="Cambria Math" panose="02040503050406030204" pitchFamily="18" charset="0"/>
+                          </a:rPr>
+                        </m:ctrlPr>
+                      </m:sSubPr>
+                      <m:e>
+                        <m:r>
+                          <a:rPr lang="it-IT" sz="1200" i="1" dirty="0">
+                            <a:latin typeface="Cambria Math" panose="02040503050406030204" pitchFamily="18" charset="0"/>
+                          </a:rPr>
+                          <m:t>h</m:t>
+                        </m:r>
+                      </m:e>
+                      <m:sub>
+                        <m:r>
+                          <a:rPr lang="it-IT" sz="1200" i="1" dirty="0">
+                            <a:latin typeface="Cambria Math" panose="02040503050406030204" pitchFamily="18" charset="0"/>
+                          </a:rPr>
+                          <m:t>1</m:t>
+                        </m:r>
+                      </m:sub>
+                    </m:sSub>
+                  </m:oMath>
+                </a14:m>
+                <a:r>
+                  <a:rPr lang="it-IT" sz="1200" i="1" dirty="0"/>
+                  <a:t>, </a:t>
+                </a:r>
+                <a14:m>
+                  <m:oMath xmlns:m="http://schemas.openxmlformats.org/officeDocument/2006/math">
+                    <m:sSub>
+                      <m:sSubPr>
+                        <m:ctrlPr>
+                          <a:rPr lang="it-IT" sz="1200" i="1" dirty="0">
+                            <a:latin typeface="Cambria Math" panose="02040503050406030204" pitchFamily="18" charset="0"/>
+                          </a:rPr>
+                        </m:ctrlPr>
+                      </m:sSubPr>
+                      <m:e>
+                        <m:r>
+                          <a:rPr lang="it-IT" sz="1200" i="1" dirty="0">
+                            <a:latin typeface="Cambria Math" panose="02040503050406030204" pitchFamily="18" charset="0"/>
+                          </a:rPr>
+                          <m:t>h</m:t>
+                        </m:r>
+                      </m:e>
+                      <m:sub>
+                        <m:r>
+                          <a:rPr lang="it-IT" sz="1200" i="1" dirty="0">
+                            <a:latin typeface="Cambria Math" panose="02040503050406030204" pitchFamily="18" charset="0"/>
+                          </a:rPr>
+                          <m:t>2</m:t>
+                        </m:r>
+                      </m:sub>
+                    </m:sSub>
+                  </m:oMath>
+                </a14:m>
+                <a:r>
+                  <a:rPr lang="it-IT" sz="1200" dirty="0"/>
+                  <a:t>) che rappresentano i livelli più critici da controllare.</a:t>
+                </a:r>
+              </a:p>
+              <a:p>
+                <a:pPr algn="just">
+                  <a:lnSpc>
+                    <a:spcPct val="100000"/>
+                  </a:lnSpc>
+                </a:pPr>
+                <a:r>
+                  <a:rPr lang="it-IT" sz="1600" dirty="0"/>
+                  <a:t>R = 10 *</a:t>
+                </a:r>
+                <a:r>
+                  <a:rPr lang="it-IT" sz="1600" dirty="0" err="1"/>
+                  <a:t>eye</a:t>
+                </a:r>
+                <a:r>
+                  <a:rPr lang="it-IT" sz="1600" dirty="0"/>
+                  <a:t>(2)</a:t>
+                </a:r>
+              </a:p>
+              <a:p>
+                <a:pPr lvl="1" algn="just">
+                  <a:lnSpc>
+                    <a:spcPct val="100000"/>
+                  </a:lnSpc>
+                  <a:buFont typeface="Wingdings" panose="05000000000000000000" pitchFamily="2" charset="2"/>
+                  <a:buChar char="§"/>
+                </a:pPr>
+                <a:r>
+                  <a:rPr lang="it-IT" sz="1200" dirty="0"/>
+                  <a:t>Penalizzazione moderata sulle variazioni dell’ingresso per evitare comandi troppo aggressivi alle pompe.</a:t>
+                </a:r>
+              </a:p>
+            </p:txBody>
+          </p:sp>
+        </mc:Choice>
+        <mc:Fallback>
+          <p:sp>
+            <p:nvSpPr>
+              <p:cNvPr id="7" name="Segnaposto contenuto 2">
+                <a:extLst>
+                  <a:ext uri="{FF2B5EF4-FFF2-40B4-BE49-F238E27FC236}">
+                    <a16:creationId xmlns:a16="http://schemas.microsoft.com/office/drawing/2014/main" id="{24351AC5-39D2-E209-69F6-BD57B333C368}"/>
+                  </a:ext>
+                </a:extLst>
+              </p:cNvPr>
+              <p:cNvSpPr txBox="1">
+                <a:spLocks noRot="1" noChangeAspect="1" noMove="1" noResize="1" noEditPoints="1" noAdjustHandles="1" noChangeArrowheads="1" noChangeShapeType="1" noTextEdit="1"/>
+              </p:cNvSpPr>
+              <p:nvPr/>
+            </p:nvSpPr>
+            <p:spPr>
+              <a:xfrm>
+                <a:off x="640080" y="4813096"/>
+                <a:ext cx="8263402" cy="1397351"/>
+              </a:xfrm>
+              <a:prstGeom prst="rect">
+                <a:avLst/>
+              </a:prstGeom>
+              <a:blipFill>
+                <a:blip r:embed="rId5"/>
+                <a:stretch>
+                  <a:fillRect l="-295" t="-1310"/>
+                </a:stretch>
+              </a:blipFill>
+            </p:spPr>
+            <p:txBody>
+              <a:bodyPr/>
+              <a:lstStyle/>
+              <a:p>
+                <a:r>
+                  <a:rPr lang="it-IT">
+                    <a:noFill/>
+                  </a:rPr>
+                  <a:t> </a:t>
+                </a:r>
+              </a:p>
+            </p:txBody>
+          </p:sp>
+        </mc:Fallback>
+      </mc:AlternateContent>
     </p:spTree>
     <p:extLst>
       <p:ext uri="{BB962C8B-B14F-4D97-AF65-F5344CB8AC3E}">
@@ -9361,13 +9685,21 @@
           <a:lstStyle/>
           <a:p>
             <a:r>
-              <a:rPr lang="it-IT" sz="4600"/>
-              <a:t>Calcolo N-step controllable set</a:t>
+              <a:rPr lang="it-IT" sz="4600" dirty="0"/>
+              <a:t>Calcolo N-step </a:t>
+            </a:r>
+            <a:r>
+              <a:rPr lang="it-IT" sz="4600" dirty="0" err="1"/>
+              <a:t>controllable</a:t>
+            </a:r>
+            <a:r>
+              <a:rPr lang="it-IT" sz="4600" dirty="0"/>
+              <a:t> set</a:t>
             </a:r>
             <a:br>
-              <a:rPr lang="it-IT" sz="4600"/>
+              <a:rPr lang="it-IT" sz="4600" dirty="0"/>
             </a:br>
-            <a:endParaRPr lang="it-IT" sz="4600"/>
+            <a:endParaRPr lang="it-IT" sz="4600" dirty="0"/>
           </a:p>
         </p:txBody>
       </p:sp>
@@ -10033,8 +10365,8 @@
           </a:p>
         </p:txBody>
       </p:sp>
-      <mc:AlternateContent xmlns:mc="http://schemas.openxmlformats.org/markup-compatibility/2006" xmlns:a14="http://schemas.microsoft.com/office/drawing/2010/main">
-        <mc:Choice Requires="a14">
+      <mc:AlternateContent xmlns:mc="http://schemas.openxmlformats.org/markup-compatibility/2006">
+        <mc:Choice xmlns:a14="http://schemas.microsoft.com/office/drawing/2010/main" Requires="a14">
           <p:sp>
             <p:nvSpPr>
               <p:cNvPr id="7" name="Rectangle 1">
@@ -10097,7 +10429,7 @@
               </a:bodyPr>
               <a:lstStyle/>
               <a:p>
-                <a:pPr marL="0" marR="0" lvl="0" indent="0" defTabSz="914400" rtl="0" eaLnBrk="0" fontAlgn="base" latinLnBrk="0" hangingPunct="0">
+                <a:pPr marL="0" marR="0" lvl="0" indent="0" algn="just" defTabSz="914400" rtl="0" eaLnBrk="0" fontAlgn="base" latinLnBrk="0" hangingPunct="0">
                   <a:spcBef>
                     <a:spcPct val="0"/>
                   </a:spcBef>
@@ -10139,7 +10471,7 @@
                 </a:r>
               </a:p>
               <a:p>
-                <a:pPr marL="0" marR="0" lvl="0" indent="0" defTabSz="914400" rtl="0" eaLnBrk="0" fontAlgn="base" latinLnBrk="0" hangingPunct="0">
+                <a:pPr marL="0" marR="0" lvl="0" indent="0" algn="just" defTabSz="914400" rtl="0" eaLnBrk="0" fontAlgn="base" latinLnBrk="0" hangingPunct="0">
                   <a:spcBef>
                     <a:spcPct val="0"/>
                   </a:spcBef>
@@ -10181,7 +10513,7 @@
                 </a:r>
               </a:p>
               <a:p>
-                <a:pPr eaLnBrk="0" fontAlgn="base" hangingPunct="0">
+                <a:pPr algn="just" eaLnBrk="0" fontAlgn="base" hangingPunct="0">
                   <a:spcBef>
                     <a:spcPct val="0"/>
                   </a:spcBef>
@@ -10300,7 +10632,7 @@
                 </a:r>
               </a:p>
               <a:p>
-                <a:pPr eaLnBrk="0" fontAlgn="base" hangingPunct="0">
+                <a:pPr algn="just" eaLnBrk="0" fontAlgn="base" hangingPunct="0">
                   <a:spcBef>
                     <a:spcPct val="0"/>
                   </a:spcBef>
@@ -10382,7 +10714,7 @@
                 </a:r>
               </a:p>
               <a:p>
-                <a:pPr marL="0" marR="0" lvl="0" indent="0" defTabSz="914400" rtl="0" eaLnBrk="0" fontAlgn="base" latinLnBrk="0" hangingPunct="0">
+                <a:pPr marL="0" marR="0" lvl="0" indent="0" algn="just" defTabSz="914400" rtl="0" eaLnBrk="0" fontAlgn="base" latinLnBrk="0" hangingPunct="0">
                   <a:spcBef>
                     <a:spcPct val="0"/>
                   </a:spcBef>
@@ -10487,7 +10819,7 @@
                 </a:r>
               </a:p>
               <a:p>
-                <a:pPr marL="0" marR="0" lvl="0" indent="0" defTabSz="914400" rtl="0" eaLnBrk="0" fontAlgn="base" latinLnBrk="0" hangingPunct="0">
+                <a:pPr marL="0" marR="0" lvl="0" indent="0" algn="just" defTabSz="914400" rtl="0" eaLnBrk="0" fontAlgn="base" latinLnBrk="0" hangingPunct="0">
                   <a:spcBef>
                     <a:spcPct val="0"/>
                   </a:spcBef>
@@ -10507,7 +10839,31 @@
                     </a:ln>
                     <a:effectLst/>
                   </a:rPr>
-                  <a:t>Ripetendo il processo per N passi, l’insieme si espande gradualmente, includendo tutti gli stati da cui è garantito raggiungere il set target in al più N mosse. Il risultato finale è il N-step </a:t>
+                  <a:t>Ripetendo il processo per N passi, l’insieme si espande gradualmente, includendo tutti gli stati da cui è garantito raggiungere il set target in al più N mosse.</a:t>
+                </a:r>
+              </a:p>
+              <a:p>
+                <a:pPr marL="0" marR="0" lvl="0" indent="0" algn="just" defTabSz="914400" rtl="0" eaLnBrk="0" fontAlgn="base" latinLnBrk="0" hangingPunct="0">
+                  <a:spcBef>
+                    <a:spcPct val="0"/>
+                  </a:spcBef>
+                  <a:spcAft>
+                    <a:spcPts val="600"/>
+                  </a:spcAft>
+                  <a:buClrTx/>
+                  <a:buSzTx/>
+                  <a:buFontTx/>
+                  <a:buNone/>
+                  <a:tabLst/>
+                </a:pPr>
+                <a:r>
+                  <a:rPr kumimoji="0" lang="it-IT" altLang="it-IT" sz="1500" i="0" u="none" strike="noStrike" cap="none" normalizeH="0" baseline="0" dirty="0">
+                    <a:ln>
+                      <a:noFill/>
+                    </a:ln>
+                    <a:effectLst/>
+                  </a:rPr>
+                  <a:t>Il risultato finale è il N-step </a:t>
                 </a:r>
                 <a:r>
                   <a:rPr kumimoji="0" lang="it-IT" altLang="it-IT" sz="1500" i="0" u="none" strike="noStrike" cap="none" normalizeH="0" baseline="0" dirty="0" err="1">
@@ -10531,7 +10887,7 @@
             </p:txBody>
           </p:sp>
         </mc:Choice>
-        <mc:Fallback xmlns="">
+        <mc:Fallback>
           <p:sp>
             <p:nvSpPr>
               <p:cNvPr id="7" name="Rectangle 1">
@@ -10559,7 +10915,7 @@
               <a:blipFill>
                 <a:blip r:embed="rId2"/>
                 <a:stretch>
-                  <a:fillRect l="-363" t="-740"/>
+                  <a:fillRect l="-363" t="-740" r="-363"/>
                 </a:stretch>
               </a:blipFill>
               <a:extLst>
@@ -10794,7 +11150,7 @@
         <p:spPr>
           <a:xfrm>
             <a:off x="640080" y="329184"/>
-            <a:ext cx="6894576" cy="1783080"/>
+            <a:ext cx="8413178" cy="1783080"/>
           </a:xfrm>
         </p:spPr>
         <p:txBody>
@@ -11161,136 +11517,318 @@
           </a:p>
         </p:txBody>
       </p:sp>
-      <p:sp>
-        <p:nvSpPr>
-          <p:cNvPr id="3" name="Segnaposto contenuto 2">
-            <a:extLst>
-              <a:ext uri="{FF2B5EF4-FFF2-40B4-BE49-F238E27FC236}">
-                <a16:creationId xmlns:a16="http://schemas.microsoft.com/office/drawing/2014/main" id="{1AB11CCA-47B4-9509-7533-3E635B5D12DE}"/>
-              </a:ext>
-            </a:extLst>
-          </p:cNvPr>
-          <p:cNvSpPr>
-            <a:spLocks noGrp="1"/>
-          </p:cNvSpPr>
-          <p:nvPr>
-            <p:ph idx="1"/>
-          </p:nvPr>
-        </p:nvSpPr>
-        <p:spPr>
-          <a:xfrm>
-            <a:off x="640080" y="2706624"/>
-            <a:ext cx="6894576" cy="3483864"/>
-          </a:xfrm>
-        </p:spPr>
-        <p:txBody>
-          <a:bodyPr>
-            <a:normAutofit/>
-          </a:bodyPr>
-          <a:lstStyle/>
-          <a:p>
-            <a:pPr marL="0" lvl="0" indent="0" eaLnBrk="0" fontAlgn="base" hangingPunct="0">
-              <a:lnSpc>
-                <a:spcPct val="100000"/>
-              </a:lnSpc>
-              <a:spcBef>
-                <a:spcPct val="0"/>
-              </a:spcBef>
-              <a:spcAft>
-                <a:spcPct val="0"/>
-              </a:spcAft>
-              <a:buNone/>
-            </a:pPr>
-            <a:r>
-              <a:rPr lang="it-IT" altLang="it-IT" sz="1700" dirty="0"/>
-              <a:t>Per N = 4 passi viene chiamata la funzione </a:t>
-            </a:r>
-            <a:r>
-              <a:rPr lang="it-IT" altLang="it-IT" sz="1700" dirty="0" err="1"/>
-              <a:t>controllable_set</a:t>
-            </a:r>
-            <a:r>
-              <a:rPr lang="it-IT" altLang="it-IT" sz="1700" dirty="0"/>
-              <a:t> usando il CIS come set target e in maniera da ottenere le disuguaglianze (</a:t>
-            </a:r>
-            <a:r>
-              <a:rPr lang="it-IT" altLang="it-IT" sz="1700" dirty="0" err="1"/>
-              <a:t>Np_steps_H</a:t>
-            </a:r>
-            <a:r>
-              <a:rPr lang="it-IT" altLang="it-IT" sz="1700" dirty="0"/>
-              <a:t>, </a:t>
-            </a:r>
-            <a:r>
-              <a:rPr lang="it-IT" altLang="it-IT" sz="1700" dirty="0" err="1"/>
-              <a:t>Np_steps_h</a:t>
-            </a:r>
-            <a:r>
-              <a:rPr lang="it-IT" altLang="it-IT" sz="1700" dirty="0"/>
-              <a:t>) che definiscono il poliedro di tutti gli stati da cui in al massimo 4 mosse, rispettando i vincoli, si entra nel CIS. Viene trasformato questo risultato in un oggetto </a:t>
-            </a:r>
-            <a:r>
-              <a:rPr lang="it-IT" altLang="it-IT" sz="1700" dirty="0" err="1"/>
-              <a:t>Polyhedron</a:t>
-            </a:r>
-            <a:r>
-              <a:rPr lang="it-IT" altLang="it-IT" sz="1700" dirty="0"/>
-              <a:t> proiettando la regione sui piani (</a:t>
-            </a:r>
-            <a:r>
-              <a:rPr lang="it-IT" altLang="it-IT" sz="1700" dirty="0" err="1"/>
-              <a:t>h₁,h</a:t>
-            </a:r>
-            <a:r>
-              <a:rPr lang="it-IT" altLang="it-IT" sz="1700" dirty="0"/>
-              <a:t>₃) e (</a:t>
-            </a:r>
-            <a:r>
-              <a:rPr lang="it-IT" altLang="it-IT" sz="1700" dirty="0" err="1"/>
-              <a:t>h₂,h</a:t>
-            </a:r>
-            <a:r>
-              <a:rPr lang="it-IT" altLang="it-IT" sz="1700" dirty="0"/>
-              <a:t>₄).</a:t>
-            </a:r>
-          </a:p>
-          <a:p>
-            <a:pPr marL="0" lvl="0" indent="0" eaLnBrk="0" fontAlgn="base" hangingPunct="0">
-              <a:lnSpc>
-                <a:spcPct val="100000"/>
-              </a:lnSpc>
-              <a:spcBef>
-                <a:spcPct val="0"/>
-              </a:spcBef>
-              <a:spcAft>
-                <a:spcPct val="0"/>
-              </a:spcAft>
-              <a:buNone/>
-            </a:pPr>
-            <a:r>
-              <a:rPr lang="it-IT" altLang="it-IT" sz="1700" dirty="0"/>
-              <a:t>Nei due </a:t>
-            </a:r>
-            <a:r>
-              <a:rPr lang="it-IT" altLang="it-IT" sz="1700" dirty="0" err="1"/>
-              <a:t>subplot</a:t>
-            </a:r>
-            <a:r>
-              <a:rPr lang="it-IT" altLang="it-IT" sz="1700" dirty="0"/>
-              <a:t> vengono visualizzati insieme il CIS e l’N-step set e si può osservare che l’N-step </a:t>
-            </a:r>
-            <a:r>
-              <a:rPr lang="it-IT" altLang="it-IT" sz="1700" dirty="0" err="1"/>
-              <a:t>controllable</a:t>
-            </a:r>
-            <a:r>
-              <a:rPr lang="it-IT" altLang="it-IT" sz="1700" dirty="0"/>
-              <a:t> set ingloba il CIS e si estende al di fuori: quelle aree extra rappresentano combinazioni di livelli iniziali non stazionarie ma comunque riportabili in sicurezza in 4 passi. </a:t>
-            </a:r>
-            <a:endParaRPr lang="it-IT" sz="2200" dirty="0"/>
-          </a:p>
-        </p:txBody>
-      </p:sp>
+      <mc:AlternateContent xmlns:mc="http://schemas.openxmlformats.org/markup-compatibility/2006">
+        <mc:Choice xmlns:a14="http://schemas.microsoft.com/office/drawing/2010/main" Requires="a14">
+          <p:sp>
+            <p:nvSpPr>
+              <p:cNvPr id="3" name="Segnaposto contenuto 2">
+                <a:extLst>
+                  <a:ext uri="{FF2B5EF4-FFF2-40B4-BE49-F238E27FC236}">
+                    <a16:creationId xmlns:a16="http://schemas.microsoft.com/office/drawing/2014/main" id="{1AB11CCA-47B4-9509-7533-3E635B5D12DE}"/>
+                  </a:ext>
+                </a:extLst>
+              </p:cNvPr>
+              <p:cNvSpPr>
+                <a:spLocks noGrp="1"/>
+              </p:cNvSpPr>
+              <p:nvPr>
+                <p:ph idx="1"/>
+              </p:nvPr>
+            </p:nvSpPr>
+            <p:spPr>
+              <a:xfrm>
+                <a:off x="640080" y="2706624"/>
+                <a:ext cx="6894576" cy="3483864"/>
+              </a:xfrm>
+            </p:spPr>
+            <p:txBody>
+              <a:bodyPr>
+                <a:normAutofit/>
+              </a:bodyPr>
+              <a:lstStyle/>
+              <a:p>
+                <a:pPr marL="0" lvl="0" indent="0" algn="just" eaLnBrk="0" fontAlgn="base" hangingPunct="0">
+                  <a:lnSpc>
+                    <a:spcPct val="100000"/>
+                  </a:lnSpc>
+                  <a:spcBef>
+                    <a:spcPct val="0"/>
+                  </a:spcBef>
+                  <a:spcAft>
+                    <a:spcPct val="0"/>
+                  </a:spcAft>
+                  <a:buNone/>
+                </a:pPr>
+                <a:r>
+                  <a:rPr lang="it-IT" altLang="it-IT" sz="1700" dirty="0"/>
+                  <a:t>Per N = 3 passi viene chiamata la funzione </a:t>
+                </a:r>
+                <a:r>
+                  <a:rPr lang="it-IT" altLang="it-IT" sz="1700" dirty="0" err="1"/>
+                  <a:t>controllable_set</a:t>
+                </a:r>
+                <a:r>
+                  <a:rPr lang="it-IT" altLang="it-IT" sz="1700" dirty="0"/>
+                  <a:t> usando il CIS come set target e in maniera da ottenere le disuguaglianze (</a:t>
+                </a:r>
+                <a:r>
+                  <a:rPr lang="it-IT" altLang="it-IT" sz="1700" dirty="0" err="1"/>
+                  <a:t>Np_steps_H</a:t>
+                </a:r>
+                <a:r>
+                  <a:rPr lang="it-IT" altLang="it-IT" sz="1700" dirty="0"/>
+                  <a:t>, </a:t>
+                </a:r>
+                <a:r>
+                  <a:rPr lang="it-IT" altLang="it-IT" sz="1700" dirty="0" err="1"/>
+                  <a:t>Np_steps_h</a:t>
+                </a:r>
+                <a:r>
+                  <a:rPr lang="it-IT" altLang="it-IT" sz="1700" dirty="0"/>
+                  <a:t>) che definiscono il poliedro di tutti gli stati da cui in al massimo 3 mosse, rispettando i vincoli, si entra nel CIS. Viene trasformato questo risultato in un oggetto </a:t>
+                </a:r>
+                <a:r>
+                  <a:rPr lang="it-IT" altLang="it-IT" sz="1700" dirty="0" err="1"/>
+                  <a:t>Polyhedron</a:t>
+                </a:r>
+                <a:r>
+                  <a:rPr lang="it-IT" altLang="it-IT" sz="1700" dirty="0"/>
+                  <a:t> proiettando la regione sui piani </a:t>
+                </a:r>
+                <a:r>
+                  <a:rPr lang="it-IT" sz="1800" dirty="0"/>
+                  <a:t>(</a:t>
+                </a:r>
+                <a14:m>
+                  <m:oMath xmlns:m="http://schemas.openxmlformats.org/officeDocument/2006/math">
+                    <m:sSub>
+                      <m:sSubPr>
+                        <m:ctrlPr>
+                          <a:rPr lang="it-IT" sz="1800" i="1" dirty="0">
+                            <a:latin typeface="Cambria Math" panose="02040503050406030204" pitchFamily="18" charset="0"/>
+                          </a:rPr>
+                        </m:ctrlPr>
+                      </m:sSubPr>
+                      <m:e>
+                        <m:r>
+                          <a:rPr lang="it-IT" sz="1800" i="1" dirty="0">
+                            <a:latin typeface="Cambria Math" panose="02040503050406030204" pitchFamily="18" charset="0"/>
+                          </a:rPr>
+                          <m:t>h</m:t>
+                        </m:r>
+                      </m:e>
+                      <m:sub>
+                        <m:r>
+                          <a:rPr lang="it-IT" sz="1800" i="1" dirty="0">
+                            <a:latin typeface="Cambria Math" panose="02040503050406030204" pitchFamily="18" charset="0"/>
+                          </a:rPr>
+                          <m:t>1</m:t>
+                        </m:r>
+                      </m:sub>
+                    </m:sSub>
+                  </m:oMath>
+                </a14:m>
+                <a:r>
+                  <a:rPr lang="it-IT" sz="1800" dirty="0"/>
+                  <a:t>, </a:t>
+                </a:r>
+                <a14:m>
+                  <m:oMath xmlns:m="http://schemas.openxmlformats.org/officeDocument/2006/math">
+                    <m:sSub>
+                      <m:sSubPr>
+                        <m:ctrlPr>
+                          <a:rPr lang="it-IT" sz="1800" i="1" dirty="0">
+                            <a:latin typeface="Cambria Math" panose="02040503050406030204" pitchFamily="18" charset="0"/>
+                          </a:rPr>
+                        </m:ctrlPr>
+                      </m:sSubPr>
+                      <m:e>
+                        <m:r>
+                          <a:rPr lang="it-IT" sz="1800" i="1" dirty="0">
+                            <a:latin typeface="Cambria Math" panose="02040503050406030204" pitchFamily="18" charset="0"/>
+                          </a:rPr>
+                          <m:t>h</m:t>
+                        </m:r>
+                      </m:e>
+                      <m:sub>
+                        <m:r>
+                          <a:rPr lang="it-IT" sz="1800" i="1" dirty="0">
+                            <a:latin typeface="Cambria Math" panose="02040503050406030204" pitchFamily="18" charset="0"/>
+                          </a:rPr>
+                          <m:t>3</m:t>
+                        </m:r>
+                      </m:sub>
+                    </m:sSub>
+                  </m:oMath>
+                </a14:m>
+                <a:r>
+                  <a:rPr lang="it-IT" sz="1800" dirty="0"/>
+                  <a:t>) e (</a:t>
+                </a:r>
+                <a14:m>
+                  <m:oMath xmlns:m="http://schemas.openxmlformats.org/officeDocument/2006/math">
+                    <m:sSub>
+                      <m:sSubPr>
+                        <m:ctrlPr>
+                          <a:rPr lang="it-IT" sz="1800" i="1" dirty="0">
+                            <a:latin typeface="Cambria Math" panose="02040503050406030204" pitchFamily="18" charset="0"/>
+                          </a:rPr>
+                        </m:ctrlPr>
+                      </m:sSubPr>
+                      <m:e>
+                        <m:r>
+                          <a:rPr lang="it-IT" sz="1800" i="1" dirty="0">
+                            <a:latin typeface="Cambria Math" panose="02040503050406030204" pitchFamily="18" charset="0"/>
+                          </a:rPr>
+                          <m:t>h</m:t>
+                        </m:r>
+                      </m:e>
+                      <m:sub>
+                        <m:r>
+                          <a:rPr lang="it-IT" sz="1800" i="1" dirty="0">
+                            <a:latin typeface="Cambria Math" panose="02040503050406030204" pitchFamily="18" charset="0"/>
+                          </a:rPr>
+                          <m:t>2</m:t>
+                        </m:r>
+                      </m:sub>
+                    </m:sSub>
+                  </m:oMath>
+                </a14:m>
+                <a:r>
+                  <a:rPr lang="it-IT" sz="1800" dirty="0"/>
+                  <a:t>, </a:t>
+                </a:r>
+                <a14:m>
+                  <m:oMath xmlns:m="http://schemas.openxmlformats.org/officeDocument/2006/math">
+                    <m:sSub>
+                      <m:sSubPr>
+                        <m:ctrlPr>
+                          <a:rPr lang="it-IT" sz="1800" i="1" dirty="0">
+                            <a:latin typeface="Cambria Math" panose="02040503050406030204" pitchFamily="18" charset="0"/>
+                          </a:rPr>
+                        </m:ctrlPr>
+                      </m:sSubPr>
+                      <m:e>
+                        <m:r>
+                          <a:rPr lang="it-IT" sz="1800" i="1" dirty="0">
+                            <a:latin typeface="Cambria Math" panose="02040503050406030204" pitchFamily="18" charset="0"/>
+                          </a:rPr>
+                          <m:t>h</m:t>
+                        </m:r>
+                      </m:e>
+                      <m:sub>
+                        <m:r>
+                          <a:rPr lang="it-IT" sz="1800" i="1" dirty="0">
+                            <a:latin typeface="Cambria Math" panose="02040503050406030204" pitchFamily="18" charset="0"/>
+                          </a:rPr>
+                          <m:t>4</m:t>
+                        </m:r>
+                      </m:sub>
+                    </m:sSub>
+                  </m:oMath>
+                </a14:m>
+                <a:r>
+                  <a:rPr lang="it-IT" sz="1800" dirty="0"/>
+                  <a:t>).</a:t>
+                </a:r>
+              </a:p>
+              <a:p>
+                <a:pPr marL="0" lvl="0" indent="0" algn="just" eaLnBrk="0" fontAlgn="base" hangingPunct="0">
+                  <a:lnSpc>
+                    <a:spcPct val="100000"/>
+                  </a:lnSpc>
+                  <a:spcBef>
+                    <a:spcPct val="0"/>
+                  </a:spcBef>
+                  <a:spcAft>
+                    <a:spcPct val="0"/>
+                  </a:spcAft>
+                  <a:buNone/>
+                </a:pPr>
+                <a:endParaRPr lang="it-IT" sz="1800" dirty="0"/>
+              </a:p>
+              <a:p>
+                <a:pPr marL="0" lvl="0" indent="0" algn="just" eaLnBrk="0" fontAlgn="base" hangingPunct="0">
+                  <a:lnSpc>
+                    <a:spcPct val="100000"/>
+                  </a:lnSpc>
+                  <a:spcBef>
+                    <a:spcPct val="0"/>
+                  </a:spcBef>
+                  <a:spcAft>
+                    <a:spcPct val="0"/>
+                  </a:spcAft>
+                  <a:buNone/>
+                </a:pPr>
+                <a:r>
+                  <a:rPr lang="it-IT" altLang="it-IT" sz="1700" dirty="0"/>
+                  <a:t>Nei due </a:t>
+                </a:r>
+                <a:r>
+                  <a:rPr lang="it-IT" altLang="it-IT" sz="1700" dirty="0" err="1"/>
+                  <a:t>subplot</a:t>
+                </a:r>
+                <a:r>
+                  <a:rPr lang="it-IT" altLang="it-IT" sz="1700" dirty="0"/>
+                  <a:t> vengono visualizzati insieme il CIS e l’N-step set e si può osservare che l’N-step </a:t>
+                </a:r>
+                <a:r>
+                  <a:rPr lang="it-IT" altLang="it-IT" sz="1700" dirty="0" err="1"/>
+                  <a:t>controllable</a:t>
+                </a:r>
+                <a:r>
+                  <a:rPr lang="it-IT" altLang="it-IT" sz="1700" dirty="0"/>
+                  <a:t> set ingloba il CIS e si estende al di fuori: quelle aree extra rappresentano combinazioni di livelli iniziali non stazionarie ma comunque riportabili in sicurezza in 3 passi. </a:t>
+                </a:r>
+                <a:endParaRPr lang="it-IT" sz="2200" dirty="0"/>
+              </a:p>
+            </p:txBody>
+          </p:sp>
+        </mc:Choice>
+        <mc:Fallback>
+          <p:sp>
+            <p:nvSpPr>
+              <p:cNvPr id="3" name="Segnaposto contenuto 2">
+                <a:extLst>
+                  <a:ext uri="{FF2B5EF4-FFF2-40B4-BE49-F238E27FC236}">
+                    <a16:creationId xmlns:a16="http://schemas.microsoft.com/office/drawing/2014/main" id="{1AB11CCA-47B4-9509-7533-3E635B5D12DE}"/>
+                  </a:ext>
+                </a:extLst>
+              </p:cNvPr>
+              <p:cNvSpPr>
+                <a:spLocks noGrp="1" noRot="1" noChangeAspect="1" noMove="1" noResize="1" noEditPoints="1" noAdjustHandles="1" noChangeArrowheads="1" noChangeShapeType="1" noTextEdit="1"/>
+              </p:cNvSpPr>
+              <p:nvPr>
+                <p:ph idx="1"/>
+              </p:nvPr>
+            </p:nvSpPr>
+            <p:spPr>
+              <a:xfrm>
+                <a:off x="640080" y="2706624"/>
+                <a:ext cx="6894576" cy="3483864"/>
+              </a:xfrm>
+              <a:blipFill>
+                <a:blip r:embed="rId2"/>
+                <a:stretch>
+                  <a:fillRect l="-531" t="-350" r="-531"/>
+                </a:stretch>
+              </a:blipFill>
+            </p:spPr>
+            <p:txBody>
+              <a:bodyPr/>
+              <a:lstStyle/>
+              <a:p>
+                <a:r>
+                  <a:rPr lang="it-IT">
+                    <a:noFill/>
+                  </a:rPr>
+                  <a:t> </a:t>
+                </a:r>
+              </a:p>
+            </p:txBody>
+          </p:sp>
+        </mc:Fallback>
+      </mc:AlternateContent>
       <p:pic>
         <p:nvPicPr>
           <p:cNvPr id="6" name="Immagine 5">
@@ -11306,15 +11844,20 @@
           <p:nvPr/>
         </p:nvPicPr>
         <p:blipFill>
-          <a:blip r:embed="rId2"/>
-          <a:stretch>
-            <a:fillRect/>
-          </a:stretch>
+          <a:blip r:embed="rId3">
+            <a:extLst>
+              <a:ext uri="{28A0092B-C50C-407E-A947-70E740481C1C}">
+                <a14:useLocalDpi xmlns:a14="http://schemas.microsoft.com/office/drawing/2010/main" val="0"/>
+              </a:ext>
+            </a:extLst>
+          </a:blip>
+          <a:srcRect/>
+          <a:stretch/>
         </p:blipFill>
         <p:spPr>
           <a:xfrm>
-            <a:off x="8369777" y="329183"/>
-            <a:ext cx="3360233" cy="3099815"/>
+            <a:off x="9315672" y="147703"/>
+            <a:ext cx="2710908" cy="3099815"/>
           </a:xfrm>
           <a:prstGeom prst="rect">
             <a:avLst/>
@@ -11336,15 +11879,20 @@
           <p:nvPr/>
         </p:nvPicPr>
         <p:blipFill>
-          <a:blip r:embed="rId3"/>
-          <a:stretch>
-            <a:fillRect/>
-          </a:stretch>
+          <a:blip r:embed="rId4">
+            <a:extLst>
+              <a:ext uri="{28A0092B-C50C-407E-A947-70E740481C1C}">
+                <a14:useLocalDpi xmlns:a14="http://schemas.microsoft.com/office/drawing/2010/main" val="0"/>
+              </a:ext>
+            </a:extLst>
+          </a:blip>
+          <a:srcRect/>
+          <a:stretch/>
         </p:blipFill>
         <p:spPr>
           <a:xfrm>
-            <a:off x="8385938" y="3429000"/>
-            <a:ext cx="3360233" cy="3099816"/>
+            <a:off x="9315672" y="3429000"/>
+            <a:ext cx="2710908" cy="3099816"/>
           </a:xfrm>
           <a:prstGeom prst="rect">
             <a:avLst/>
@@ -11527,15 +12075,7 @@
             </a:r>
             <a:r>
               <a:rPr lang="it-IT" sz="5000" dirty="0"/>
-              <a:t> Control (</a:t>
-            </a:r>
-            <a:r>
-              <a:rPr lang="it-IT" sz="5000" dirty="0" err="1"/>
-              <a:t>mpc</a:t>
-            </a:r>
-            <a:r>
-              <a:rPr lang="it-IT" sz="5000" dirty="0"/>
-              <a:t>)</a:t>
+              <a:t> Control (MPC)</a:t>
             </a:r>
           </a:p>
         </p:txBody>
@@ -11831,8 +12371,8 @@
         </p:nvSpPr>
         <p:spPr>
           <a:xfrm>
-            <a:off x="630936" y="2660904"/>
-            <a:ext cx="4818888" cy="3547872"/>
+            <a:off x="630935" y="2660904"/>
+            <a:ext cx="5198841" cy="3547872"/>
           </a:xfrm>
         </p:spPr>
         <p:txBody>
@@ -11841,7 +12381,7 @@
           </a:bodyPr>
           <a:lstStyle/>
           <a:p>
-            <a:pPr marL="0" lvl="0" indent="0" eaLnBrk="0" fontAlgn="base" hangingPunct="0">
+            <a:pPr marL="0" lvl="0" indent="0" algn="just" eaLnBrk="0" fontAlgn="base" hangingPunct="0">
               <a:spcBef>
                 <a:spcPct val="0"/>
               </a:spcBef>
@@ -11864,7 +12404,7 @@
             </a:r>
           </a:p>
           <a:p>
-            <a:pPr marL="0" lvl="0" indent="0" eaLnBrk="0" fontAlgn="base" hangingPunct="0">
+            <a:pPr marL="0" lvl="0" indent="0" algn="just" eaLnBrk="0" fontAlgn="base" hangingPunct="0">
               <a:spcBef>
                 <a:spcPct val="0"/>
               </a:spcBef>
@@ -11887,7 +12427,7 @@
             </a:r>
           </a:p>
           <a:p>
-            <a:pPr marL="0" lvl="0" indent="0" eaLnBrk="0" fontAlgn="base" hangingPunct="0">
+            <a:pPr marL="0" lvl="0" indent="0" algn="just" eaLnBrk="0" fontAlgn="base" hangingPunct="0">
               <a:spcBef>
                 <a:spcPct val="0"/>
               </a:spcBef>
@@ -11902,7 +12442,7 @@
             </a:r>
           </a:p>
           <a:p>
-            <a:pPr marL="0" lvl="0" indent="0" eaLnBrk="0" fontAlgn="base" hangingPunct="0">
+            <a:pPr marL="0" lvl="0" indent="0" algn="just" eaLnBrk="0" fontAlgn="base" hangingPunct="0">
               <a:spcBef>
                 <a:spcPct val="0"/>
               </a:spcBef>
@@ -12123,7 +12663,7 @@
           <a:lstStyle/>
           <a:p>
             <a:r>
-              <a:rPr lang="it-IT" sz="5400"/>
+              <a:rPr lang="it-IT" sz="5400" dirty="0"/>
               <a:t>Simulazione MPC</a:t>
             </a:r>
           </a:p>
@@ -12490,8 +13030,8 @@
         </p:nvSpPr>
         <p:spPr>
           <a:xfrm>
-            <a:off x="640080" y="2706624"/>
-            <a:ext cx="6894576" cy="3483864"/>
+            <a:off x="640079" y="2706624"/>
+            <a:ext cx="7812885" cy="3483864"/>
           </a:xfrm>
         </p:spPr>
         <p:txBody>
@@ -12500,15 +13040,43 @@
           </a:bodyPr>
           <a:lstStyle/>
           <a:p>
-            <a:pPr marL="0" indent="0">
+            <a:pPr marL="0" indent="0" algn="just">
+              <a:lnSpc>
+                <a:spcPct val="100000"/>
+              </a:lnSpc>
               <a:buNone/>
             </a:pPr>
             <a:r>
               <a:rPr lang="it-IT" sz="2000" dirty="0"/>
-              <a:t>Durante la simulazione, il controllore MPC calcola l’ingresso ottimale a ogni istante, tenendo conto dello stato attuale e dei vincoli imposti. L’ingresso viene applicato al sistema non lineare reale, aggiornando il suo comportamento passo dopo passo. I grafici mostrano che le traiettorie restano all’interno dei vincoli (CIS) e convergono verso il riferimento, garantendo una risposta corretta anche in presenza di una dinamica non lineare.</a:t>
-            </a:r>
-          </a:p>
-          <a:p>
+              <a:t>Durante la simulazione, il controllore MPC calcola l’ingresso ottimale a ogni istante, tenendo conto dello stato attuale e dei vincoli imposti.</a:t>
+            </a:r>
+          </a:p>
+          <a:p>
+            <a:pPr marL="0" indent="0" algn="just">
+              <a:lnSpc>
+                <a:spcPct val="100000"/>
+              </a:lnSpc>
+              <a:buNone/>
+            </a:pPr>
+            <a:r>
+              <a:rPr lang="it-IT" sz="2000" dirty="0"/>
+              <a:t>L’ingresso viene applicato al sistema non lineare reale, aggiornando il suo comportamento passo dopo passo.</a:t>
+            </a:r>
+          </a:p>
+          <a:p>
+            <a:pPr marL="0" indent="0" algn="just">
+              <a:lnSpc>
+                <a:spcPct val="100000"/>
+              </a:lnSpc>
+              <a:buNone/>
+            </a:pPr>
+            <a:r>
+              <a:rPr lang="it-IT" sz="2000" dirty="0"/>
+              <a:t>I grafici mostrano che le traiettorie restano all’interno dei vincoli (CIS) e convergono verso il riferimento, garantendo una risposta corretta anche in presenza di una dinamica non lineare.</a:t>
+            </a:r>
+          </a:p>
+          <a:p>
+            <a:pPr algn="just"/>
             <a:endParaRPr lang="it-IT" sz="2200" dirty="0"/>
           </a:p>
         </p:txBody>
@@ -12528,15 +13096,20 @@
           <p:nvPr/>
         </p:nvPicPr>
         <p:blipFill>
-          <a:blip r:embed="rId2"/>
-          <a:stretch>
-            <a:fillRect/>
-          </a:stretch>
+          <a:blip r:embed="rId2">
+            <a:extLst>
+              <a:ext uri="{28A0092B-C50C-407E-A947-70E740481C1C}">
+                <a14:useLocalDpi xmlns:a14="http://schemas.microsoft.com/office/drawing/2010/main" val="0"/>
+              </a:ext>
+            </a:extLst>
+          </a:blip>
+          <a:srcRect/>
+          <a:stretch/>
         </p:blipFill>
         <p:spPr>
           <a:xfrm>
-            <a:off x="8778839" y="108317"/>
-            <a:ext cx="3058118" cy="3252104"/>
+            <a:off x="9171502" y="108317"/>
+            <a:ext cx="2846088" cy="3252104"/>
           </a:xfrm>
           <a:prstGeom prst="rect">
             <a:avLst/>
@@ -12558,15 +13131,20 @@
           <p:nvPr/>
         </p:nvPicPr>
         <p:blipFill>
-          <a:blip r:embed="rId3"/>
-          <a:stretch>
-            <a:fillRect/>
-          </a:stretch>
+          <a:blip r:embed="rId3">
+            <a:extLst>
+              <a:ext uri="{28A0092B-C50C-407E-A947-70E740481C1C}">
+                <a14:useLocalDpi xmlns:a14="http://schemas.microsoft.com/office/drawing/2010/main" val="0"/>
+              </a:ext>
+            </a:extLst>
+          </a:blip>
+          <a:srcRect/>
+          <a:stretch/>
         </p:blipFill>
         <p:spPr>
           <a:xfrm>
-            <a:off x="8778838" y="3360419"/>
-            <a:ext cx="3058119" cy="3463851"/>
+            <a:off x="9171502" y="3472099"/>
+            <a:ext cx="2846088" cy="3250800"/>
           </a:xfrm>
           <a:prstGeom prst="rect">
             <a:avLst/>
@@ -12740,7 +13318,7 @@
           <a:lstStyle/>
           <a:p>
             <a:r>
-              <a:rPr lang="it-IT" sz="5400"/>
+              <a:rPr lang="it-IT" sz="5400" dirty="0"/>
               <a:t>Andamento degli stati e degli ingressi</a:t>
             </a:r>
           </a:p>
@@ -13108,34 +13686,87 @@
         <p:spPr>
           <a:xfrm>
             <a:off x="612648" y="2504819"/>
-            <a:ext cx="6986016" cy="3672144"/>
+            <a:ext cx="5941268" cy="3884672"/>
           </a:xfrm>
         </p:spPr>
         <p:txBody>
           <a:bodyPr>
-            <a:normAutofit lnSpcReduction="10000"/>
+            <a:normAutofit fontScale="92500" lnSpcReduction="20000"/>
           </a:bodyPr>
           <a:lstStyle/>
           <a:p>
-            <a:pPr marL="0" indent="0">
+            <a:pPr marL="0" indent="0" algn="just">
+              <a:lnSpc>
+                <a:spcPct val="120000"/>
+              </a:lnSpc>
               <a:buNone/>
             </a:pPr>
             <a:r>
-              <a:rPr lang="it-IT" sz="2200" dirty="0"/>
-              <a:t>Nel primo grafico sono riportati gli ingressi di controllo, l’azione iniziale è più decisa per correggere rapidamente la dinamica del sistema, ma si attenua progressivamente man mano che ci si avvicina al riferimento.</a:t>
-            </a:r>
-          </a:p>
-          <a:p>
-            <a:pPr marL="0" indent="0">
+              <a:rPr lang="it-IT" sz="1600" u="sng" dirty="0"/>
+              <a:t>Grafico 1 – Andamento degli stati</a:t>
+            </a:r>
+          </a:p>
+          <a:p>
+            <a:pPr algn="just">
+              <a:lnSpc>
+                <a:spcPct val="120000"/>
+              </a:lnSpc>
+            </a:pPr>
+            <a:r>
+              <a:rPr lang="it-IT" sz="1600" dirty="0"/>
+              <a:t>Mostra l’evoluzione nel tempo dei livelli nei quattro serbatoi includendo anche i rispettivi riferimenti.</a:t>
+            </a:r>
+          </a:p>
+          <a:p>
+            <a:pPr algn="just">
+              <a:lnSpc>
+                <a:spcPct val="120000"/>
+              </a:lnSpc>
+            </a:pPr>
+            <a:r>
+              <a:rPr lang="it-IT" sz="1600" dirty="0"/>
+              <a:t>Nei primi minuti di simulazione si osserva un superamento temporaneo del livello di riferimento per i serbatoi 1,3 e 4. Il livello del serbatoio 2, invece, raggiunge rapidamente il valore di riferimento senza superarlo, coerentemente con la priorità assegnata alla funzione di costo.</a:t>
+            </a:r>
+          </a:p>
+          <a:p>
+            <a:pPr marL="0" indent="0" algn="just">
+              <a:lnSpc>
+                <a:spcPct val="120000"/>
+              </a:lnSpc>
               <a:buNone/>
             </a:pPr>
             <a:r>
-              <a:rPr lang="it-IT" sz="2200" dirty="0"/>
-              <a:t>Nel secondo grafico viene mostrato l’andamento degli stati del sistema nel tempo. Si osserva che tutte le variabili restano sempre entro i limiti imposti e si avvicinano in modo graduale e regolare ai valori di riferimento. Questo dimostra l’efficacia della strategia MPC nel guidare il sistema verso l’obiettivo senza oscillazioni né violazioni.</a:t>
-            </a:r>
-          </a:p>
-          <a:p>
-            <a:pPr marL="0" indent="0">
+              <a:rPr lang="it-IT" sz="1600" u="sng" dirty="0"/>
+              <a:t>Grafico 2 – Ingressi di controllo</a:t>
+            </a:r>
+          </a:p>
+          <a:p>
+            <a:pPr algn="just">
+              <a:lnSpc>
+                <a:spcPct val="120000"/>
+              </a:lnSpc>
+            </a:pPr>
+            <a:r>
+              <a:rPr lang="it-IT" sz="1600" dirty="0"/>
+              <a:t>Mostra l’andamento delle tensioni applicate alle pompe u1 e u2.</a:t>
+            </a:r>
+          </a:p>
+          <a:p>
+            <a:pPr algn="just">
+              <a:lnSpc>
+                <a:spcPct val="120000"/>
+              </a:lnSpc>
+            </a:pPr>
+            <a:r>
+              <a:rPr lang="it-IT" sz="1600" dirty="0"/>
+              <a:t>Si nota che per un breve periodo di tempo si ha una saturazione sul controllo dovuta dalla differenza elevata del livello del serbatoio 2 dal suo riferimento.</a:t>
+            </a:r>
+          </a:p>
+          <a:p>
+            <a:pPr marL="0" indent="0" algn="just">
+              <a:lnSpc>
+                <a:spcPct val="120000"/>
+              </a:lnSpc>
               <a:buNone/>
             </a:pPr>
             <a:endParaRPr lang="it-IT" sz="2200" dirty="0"/>
@@ -13165,7 +13796,7 @@
         </p:blipFill>
         <p:spPr>
           <a:xfrm>
-            <a:off x="8686237" y="70468"/>
+            <a:off x="8686237" y="217048"/>
             <a:ext cx="2893115" cy="2954644"/>
           </a:xfrm>
           <a:prstGeom prst="rect">
@@ -13173,87 +13804,6 @@
           </a:prstGeom>
         </p:spPr>
       </p:pic>
-      <p:grpSp>
-        <p:nvGrpSpPr>
-          <p:cNvPr id="11" name="Gruppo 10">
-            <a:extLst>
-              <a:ext uri="{FF2B5EF4-FFF2-40B4-BE49-F238E27FC236}">
-                <a16:creationId xmlns:a16="http://schemas.microsoft.com/office/drawing/2014/main" id="{D8CF0733-353F-2E63-EE8F-F8B82C457062}"/>
-              </a:ext>
-            </a:extLst>
-          </p:cNvPr>
-          <p:cNvGrpSpPr/>
-          <p:nvPr/>
-        </p:nvGrpSpPr>
-        <p:grpSpPr>
-          <a:xfrm>
-            <a:off x="7598663" y="3117438"/>
-            <a:ext cx="4518021" cy="3102387"/>
-            <a:chOff x="7798372" y="3204499"/>
-            <a:chExt cx="4152836" cy="2690249"/>
-          </a:xfrm>
-        </p:grpSpPr>
-        <p:pic>
-          <p:nvPicPr>
-            <p:cNvPr id="10" name="Immagine 9">
-              <a:extLst>
-                <a:ext uri="{FF2B5EF4-FFF2-40B4-BE49-F238E27FC236}">
-                  <a16:creationId xmlns:a16="http://schemas.microsoft.com/office/drawing/2014/main" id="{9B19564C-9399-6ECC-A1A3-FA5D58115E29}"/>
-                </a:ext>
-              </a:extLst>
-            </p:cNvPr>
-            <p:cNvPicPr>
-              <a:picLocks noChangeAspect="1"/>
-            </p:cNvPicPr>
-            <p:nvPr/>
-          </p:nvPicPr>
-          <p:blipFill>
-            <a:blip r:embed="rId3"/>
-            <a:stretch>
-              <a:fillRect/>
-            </a:stretch>
-          </p:blipFill>
-          <p:spPr>
-            <a:xfrm>
-              <a:off x="7836408" y="3204499"/>
-              <a:ext cx="4114800" cy="1296162"/>
-            </a:xfrm>
-            <a:prstGeom prst="rect">
-              <a:avLst/>
-            </a:prstGeom>
-          </p:spPr>
-        </p:pic>
-        <p:pic>
-          <p:nvPicPr>
-            <p:cNvPr id="8" name="Immagine 7">
-              <a:extLst>
-                <a:ext uri="{FF2B5EF4-FFF2-40B4-BE49-F238E27FC236}">
-                  <a16:creationId xmlns:a16="http://schemas.microsoft.com/office/drawing/2014/main" id="{374797C8-43E3-A256-9601-755B8BF55309}"/>
-                </a:ext>
-              </a:extLst>
-            </p:cNvPr>
-            <p:cNvPicPr>
-              <a:picLocks noChangeAspect="1"/>
-            </p:cNvPicPr>
-            <p:nvPr/>
-          </p:nvPicPr>
-          <p:blipFill>
-            <a:blip r:embed="rId4"/>
-            <a:stretch>
-              <a:fillRect/>
-            </a:stretch>
-          </p:blipFill>
-          <p:spPr>
-            <a:xfrm>
-              <a:off x="7798372" y="4598586"/>
-              <a:ext cx="4114801" cy="1296162"/>
-            </a:xfrm>
-            <a:prstGeom prst="rect">
-              <a:avLst/>
-            </a:prstGeom>
-          </p:spPr>
-        </p:pic>
-      </p:grpSp>
       <p:sp>
         <p:nvSpPr>
           <p:cNvPr id="4" name="Segnaposto piè di pagina 3">
@@ -13294,6 +13844,41 @@
           </a:p>
         </p:txBody>
       </p:sp>
+      <p:pic>
+        <p:nvPicPr>
+          <p:cNvPr id="7" name="Immagine 6">
+            <a:extLst>
+              <a:ext uri="{FF2B5EF4-FFF2-40B4-BE49-F238E27FC236}">
+                <a16:creationId xmlns:a16="http://schemas.microsoft.com/office/drawing/2014/main" id="{66D0226E-61AE-2637-8D53-2FA7E92EFF11}"/>
+              </a:ext>
+            </a:extLst>
+          </p:cNvPr>
+          <p:cNvPicPr>
+            <a:picLocks noChangeAspect="1"/>
+          </p:cNvPicPr>
+          <p:nvPr/>
+        </p:nvPicPr>
+        <p:blipFill>
+          <a:blip r:embed="rId3">
+            <a:extLst>
+              <a:ext uri="{28A0092B-C50C-407E-A947-70E740481C1C}">
+                <a14:useLocalDpi xmlns:a14="http://schemas.microsoft.com/office/drawing/2010/main" val="0"/>
+              </a:ext>
+            </a:extLst>
+          </a:blip>
+          <a:srcRect/>
+          <a:stretch/>
+        </p:blipFill>
+        <p:spPr>
+          <a:xfrm>
+            <a:off x="6638126" y="3329186"/>
+            <a:ext cx="5455073" cy="2688362"/>
+          </a:xfrm>
+          <a:prstGeom prst="rect">
+            <a:avLst/>
+          </a:prstGeom>
+        </p:spPr>
+      </p:pic>
     </p:spTree>
     <p:extLst>
       <p:ext uri="{BB962C8B-B14F-4D97-AF65-F5344CB8AC3E}">
@@ -20319,7 +20904,7 @@
           <a:lstStyle/>
           <a:p>
             <a:r>
-              <a:rPr lang="it-IT" sz="5400"/>
+              <a:rPr lang="it-IT" sz="5400" dirty="0"/>
               <a:t>Obiettivi di progetto</a:t>
             </a:r>
           </a:p>
@@ -21039,7 +21624,7 @@
               <a:tabLst/>
             </a:pPr>
             <a:r>
-              <a:rPr kumimoji="0" lang="it-IT" altLang="it-IT" sz="2200" i="0" u="none" strike="noStrike" cap="none" normalizeH="0" baseline="0">
+              <a:rPr kumimoji="0" lang="it-IT" altLang="it-IT" sz="2200" i="0" u="none" strike="noStrike" cap="none" normalizeH="0" baseline="0" dirty="0">
                 <a:ln>
                   <a:noFill/>
                 </a:ln>
@@ -21048,7 +21633,7 @@
               <a:t>Progettare un controllore MPC  per portare il sistema da (h1,h2,h3,h4)=(1.3767, 2.2772, 0.8386, 0.5604)</a:t>
             </a:r>
             <a:br>
-              <a:rPr kumimoji="0" lang="it-IT" altLang="it-IT" sz="2200" i="0" u="none" strike="noStrike" cap="none" normalizeH="0" baseline="0">
+              <a:rPr kumimoji="0" lang="it-IT" altLang="it-IT" sz="2200" i="0" u="none" strike="noStrike" cap="none" normalizeH="0" baseline="0" dirty="0">
                 <a:ln>
                   <a:noFill/>
                 </a:ln>
@@ -21056,7 +21641,7 @@
               </a:rPr>
             </a:br>
             <a:r>
-              <a:rPr kumimoji="0" lang="it-IT" altLang="it-IT" sz="2200" i="0" u="none" strike="noStrike" cap="none" normalizeH="0" baseline="0">
+              <a:rPr kumimoji="0" lang="it-IT" altLang="it-IT" sz="2200" i="0" u="none" strike="noStrike" cap="none" normalizeH="0" baseline="0" dirty="0">
                 <a:ln>
                   <a:noFill/>
                 </a:ln>
@@ -21065,11 +21650,11 @@
               <a:t>all’equilibrio desiderato (7.8253, 18.7323, 3.3545, 7.8801)</a:t>
             </a:r>
             <a:r>
-              <a:rPr lang="it-IT" altLang="it-IT" sz="2200"/>
+              <a:rPr lang="it-IT" altLang="it-IT" sz="2200" dirty="0"/>
               <a:t> </a:t>
             </a:r>
             <a:r>
-              <a:rPr kumimoji="0" lang="it-IT" altLang="it-IT" sz="2200" i="0" u="none" strike="noStrike" cap="none" normalizeH="0" baseline="0">
+              <a:rPr kumimoji="0" lang="it-IT" altLang="it-IT" sz="2200" i="0" u="none" strike="noStrike" cap="none" normalizeH="0" baseline="0" dirty="0">
                 <a:ln>
                   <a:noFill/>
                 </a:ln>
@@ -21093,7 +21678,7 @@
               <a:tabLst/>
             </a:pPr>
             <a:r>
-              <a:rPr kumimoji="0" lang="it-IT" altLang="it-IT" sz="2200" i="0" u="none" strike="noStrike" cap="none" normalizeH="0" baseline="0">
+              <a:rPr kumimoji="0" lang="it-IT" altLang="it-IT" sz="2200" i="0" u="none" strike="noStrike" cap="none" normalizeH="0" baseline="0" dirty="0">
                 <a:ln>
                   <a:noFill/>
                 </a:ln>
@@ -21117,7 +21702,7 @@
               <a:tabLst/>
             </a:pPr>
             <a:r>
-              <a:rPr kumimoji="0" lang="it-IT" altLang="it-IT" sz="2200" i="0" u="none" strike="noStrike" cap="none" normalizeH="0" baseline="0">
+              <a:rPr kumimoji="0" lang="it-IT" altLang="it-IT" sz="2200" i="0" u="none" strike="noStrike" cap="none" normalizeH="0" baseline="0" dirty="0">
                 <a:ln>
                   <a:noFill/>
                 </a:ln>
@@ -21141,7 +21726,7 @@
               <a:tabLst/>
             </a:pPr>
             <a:r>
-              <a:rPr kumimoji="0" lang="it-IT" altLang="it-IT" sz="2200" i="0" u="none" strike="noStrike" cap="none" normalizeH="0" baseline="0">
+              <a:rPr kumimoji="0" lang="it-IT" altLang="it-IT" sz="2200" i="0" u="none" strike="noStrike" cap="none" normalizeH="0" baseline="0" dirty="0">
                 <a:ln>
                   <a:noFill/>
                 </a:ln>
@@ -21165,7 +21750,7 @@
               <a:tabLst/>
             </a:pPr>
             <a:r>
-              <a:rPr kumimoji="0" lang="it-IT" altLang="it-IT" sz="2200" i="0" u="none" strike="noStrike" cap="none" normalizeH="0" baseline="0">
+              <a:rPr kumimoji="0" lang="it-IT" altLang="it-IT" sz="2200" i="0" u="none" strike="noStrike" cap="none" normalizeH="0" baseline="0" dirty="0">
                 <a:ln>
                   <a:noFill/>
                 </a:ln>
@@ -21189,7 +21774,7 @@
               <a:tabLst/>
             </a:pPr>
             <a:r>
-              <a:rPr kumimoji="0" lang="it-IT" altLang="it-IT" sz="2200" i="0" u="none" strike="noStrike" cap="none" normalizeH="0" baseline="0">
+              <a:rPr kumimoji="0" lang="it-IT" altLang="it-IT" sz="2200" i="0" u="none" strike="noStrike" cap="none" normalizeH="0" baseline="0" dirty="0">
                 <a:ln>
                   <a:noFill/>
                 </a:ln>
@@ -24430,7 +25015,7 @@
       </p:pic>
       <p:pic>
         <p:nvPicPr>
-          <p:cNvPr id="7" name="Immagine 6" descr="Immagine che contiene linea, Diagramma, diagramma, testo&#10;&#10;Il contenuto generato dall'IA potrebbe non essere corretto.">
+          <p:cNvPr id="7" name="Immagine 6">
             <a:extLst>
               <a:ext uri="{FF2B5EF4-FFF2-40B4-BE49-F238E27FC236}">
                 <a16:creationId xmlns:a16="http://schemas.microsoft.com/office/drawing/2014/main" id="{CF0676DF-4D88-4F13-6FF4-65CBB5C29B5C}"/>
@@ -24450,14 +25035,13 @@
               </a:ext>
             </a:extLst>
           </a:blip>
-          <a:stretch>
-            <a:fillRect/>
-          </a:stretch>
+          <a:srcRect/>
+          <a:stretch/>
         </p:blipFill>
         <p:spPr>
           <a:xfrm>
-            <a:off x="6198781" y="3787847"/>
-            <a:ext cx="5523082" cy="2005679"/>
+            <a:off x="6198781" y="4123300"/>
+            <a:ext cx="5523082" cy="1334772"/>
           </a:xfrm>
           <a:prstGeom prst="rect">
             <a:avLst/>

--- a/cam.pptx
+++ b/cam.pptx
@@ -5,7 +5,7 @@
     <p:sldMasterId id="2147483648" r:id="rId1"/>
   </p:sldMasterIdLst>
   <p:notesMasterIdLst>
-    <p:notesMasterId r:id="rId30"/>
+    <p:notesMasterId r:id="rId34"/>
   </p:notesMasterIdLst>
   <p:sldIdLst>
     <p:sldId id="256" r:id="rId2"/>
@@ -27,15 +27,19 @@
     <p:sldId id="273" r:id="rId18"/>
     <p:sldId id="274" r:id="rId19"/>
     <p:sldId id="275" r:id="rId20"/>
-    <p:sldId id="277" r:id="rId21"/>
-    <p:sldId id="282" r:id="rId22"/>
-    <p:sldId id="280" r:id="rId23"/>
-    <p:sldId id="283" r:id="rId24"/>
-    <p:sldId id="286" r:id="rId25"/>
-    <p:sldId id="284" r:id="rId26"/>
-    <p:sldId id="287" r:id="rId27"/>
-    <p:sldId id="285" r:id="rId28"/>
-    <p:sldId id="288" r:id="rId29"/>
+    <p:sldId id="289" r:id="rId21"/>
+    <p:sldId id="290" r:id="rId22"/>
+    <p:sldId id="291" r:id="rId23"/>
+    <p:sldId id="292" r:id="rId24"/>
+    <p:sldId id="277" r:id="rId25"/>
+    <p:sldId id="282" r:id="rId26"/>
+    <p:sldId id="280" r:id="rId27"/>
+    <p:sldId id="283" r:id="rId28"/>
+    <p:sldId id="286" r:id="rId29"/>
+    <p:sldId id="284" r:id="rId30"/>
+    <p:sldId id="287" r:id="rId31"/>
+    <p:sldId id="285" r:id="rId32"/>
+    <p:sldId id="288" r:id="rId33"/>
   </p:sldIdLst>
   <p:sldSz cx="12192000" cy="6858000"/>
   <p:notesSz cx="6858000" cy="9144000"/>
@@ -9403,7 +9407,7 @@
                 </a:pPr>
                 <a:r>
                   <a:rPr lang="it-IT" sz="1200" dirty="0"/>
-                  <a:t>Pesi elevati su </a:t>
+                  <a:t>Pesi più elevati su </a:t>
                 </a:r>
                 <a14:m>
                   <m:oMath xmlns:m="http://schemas.openxmlformats.org/officeDocument/2006/math">
@@ -9686,15 +9690,7 @@
           <a:p>
             <a:r>
               <a:rPr lang="it-IT" sz="4600" dirty="0"/>
-              <a:t>Calcolo N-step </a:t>
-            </a:r>
-            <a:r>
-              <a:rPr lang="it-IT" sz="4600" dirty="0" err="1"/>
-              <a:t>controllable</a:t>
-            </a:r>
-            <a:r>
-              <a:rPr lang="it-IT" sz="4600" dirty="0"/>
-              <a:t> set</a:t>
+              <a:t>Calcolo N-step controllable set</a:t>
             </a:r>
             <a:br>
               <a:rPr lang="it-IT" sz="4600" dirty="0"/>
@@ -10863,25 +10859,7 @@
                     </a:ln>
                     <a:effectLst/>
                   </a:rPr>
-                  <a:t>Il risultato finale è il N-step </a:t>
-                </a:r>
-                <a:r>
-                  <a:rPr kumimoji="0" lang="it-IT" altLang="it-IT" sz="1500" i="0" u="none" strike="noStrike" cap="none" normalizeH="0" baseline="0" dirty="0" err="1">
-                    <a:ln>
-                      <a:noFill/>
-                    </a:ln>
-                    <a:effectLst/>
-                  </a:rPr>
-                  <a:t>controllable</a:t>
-                </a:r>
-                <a:r>
-                  <a:rPr kumimoji="0" lang="it-IT" altLang="it-IT" sz="1500" i="0" u="none" strike="noStrike" cap="none" normalizeH="0" baseline="0" dirty="0">
-                    <a:ln>
-                      <a:noFill/>
-                    </a:ln>
-                    <a:effectLst/>
-                  </a:rPr>
-                  <a:t> set, descritto da matrici​.</a:t>
+                  <a:t>Il risultato finale è il N-step controllable set, descritto da matrici​.</a:t>
                 </a:r>
               </a:p>
             </p:txBody>
@@ -11161,15 +11139,7 @@
           <a:p>
             <a:r>
               <a:rPr lang="it-IT" sz="5400" dirty="0"/>
-              <a:t>Plot N-step </a:t>
-            </a:r>
-            <a:r>
-              <a:rPr lang="it-IT" sz="5400" dirty="0" err="1"/>
-              <a:t>controllable</a:t>
-            </a:r>
-            <a:r>
-              <a:rPr lang="it-IT" sz="5400" dirty="0"/>
-              <a:t> set</a:t>
+              <a:t>Plot N-step controllable set</a:t>
             </a:r>
           </a:p>
         </p:txBody>
@@ -11770,15 +11740,7 @@
                 </a:r>
                 <a:r>
                   <a:rPr lang="it-IT" altLang="it-IT" sz="1700" dirty="0"/>
-                  <a:t> vengono visualizzati insieme il CIS e l’N-step set e si può osservare che l’N-step </a:t>
-                </a:r>
-                <a:r>
-                  <a:rPr lang="it-IT" altLang="it-IT" sz="1700" dirty="0" err="1"/>
-                  <a:t>controllable</a:t>
-                </a:r>
-                <a:r>
-                  <a:rPr lang="it-IT" altLang="it-IT" sz="1700" dirty="0"/>
-                  <a:t> set ingloba il CIS e si estende al di fuori: quelle aree extra rappresentano combinazioni di livelli iniziali non stazionarie ma comunque riportabili in sicurezza in 3 passi. </a:t>
+                  <a:t> vengono visualizzati insieme il CIS e l’N-step set e si può osservare che l’N-step controllable set ingloba il CIS e si estende al di fuori: quelle aree extra rappresentano combinazioni di livelli iniziali non stazionarie ma comunque riportabili in sicurezza in 3 passi. </a:t>
                 </a:r>
                 <a:endParaRPr lang="it-IT" sz="2200" dirty="0"/>
               </a:p>
@@ -13012,75 +12974,208 @@
           </a:p>
         </p:txBody>
       </p:sp>
-      <p:sp>
-        <p:nvSpPr>
-          <p:cNvPr id="3" name="Segnaposto contenuto 2">
-            <a:extLst>
-              <a:ext uri="{FF2B5EF4-FFF2-40B4-BE49-F238E27FC236}">
-                <a16:creationId xmlns:a16="http://schemas.microsoft.com/office/drawing/2014/main" id="{A7140573-7A9E-EB19-3D87-50CB9DB4852A}"/>
-              </a:ext>
-            </a:extLst>
-          </p:cNvPr>
-          <p:cNvSpPr>
-            <a:spLocks noGrp="1"/>
-          </p:cNvSpPr>
-          <p:nvPr>
-            <p:ph idx="1"/>
-          </p:nvPr>
-        </p:nvSpPr>
-        <p:spPr>
-          <a:xfrm>
-            <a:off x="640079" y="2706624"/>
-            <a:ext cx="7812885" cy="3483864"/>
-          </a:xfrm>
-        </p:spPr>
-        <p:txBody>
-          <a:bodyPr>
-            <a:normAutofit/>
-          </a:bodyPr>
-          <a:lstStyle/>
-          <a:p>
-            <a:pPr marL="0" indent="0" algn="just">
-              <a:lnSpc>
-                <a:spcPct val="100000"/>
-              </a:lnSpc>
-              <a:buNone/>
-            </a:pPr>
-            <a:r>
-              <a:rPr lang="it-IT" sz="2000" dirty="0"/>
-              <a:t>Durante la simulazione, il controllore MPC calcola l’ingresso ottimale a ogni istante, tenendo conto dello stato attuale e dei vincoli imposti.</a:t>
-            </a:r>
-          </a:p>
-          <a:p>
-            <a:pPr marL="0" indent="0" algn="just">
-              <a:lnSpc>
-                <a:spcPct val="100000"/>
-              </a:lnSpc>
-              <a:buNone/>
-            </a:pPr>
-            <a:r>
-              <a:rPr lang="it-IT" sz="2000" dirty="0"/>
-              <a:t>L’ingresso viene applicato al sistema non lineare reale, aggiornando il suo comportamento passo dopo passo.</a:t>
-            </a:r>
-          </a:p>
-          <a:p>
-            <a:pPr marL="0" indent="0" algn="just">
-              <a:lnSpc>
-                <a:spcPct val="100000"/>
-              </a:lnSpc>
-              <a:buNone/>
-            </a:pPr>
-            <a:r>
-              <a:rPr lang="it-IT" sz="2000" dirty="0"/>
-              <a:t>I grafici mostrano che le traiettorie restano all’interno dei vincoli (CIS) e convergono verso il riferimento, garantendo una risposta corretta anche in presenza di una dinamica non lineare.</a:t>
-            </a:r>
-          </a:p>
-          <a:p>
-            <a:pPr algn="just"/>
-            <a:endParaRPr lang="it-IT" sz="2200" dirty="0"/>
-          </a:p>
-        </p:txBody>
-      </p:sp>
+      <mc:AlternateContent xmlns:mc="http://schemas.openxmlformats.org/markup-compatibility/2006">
+        <mc:Choice xmlns:a14="http://schemas.microsoft.com/office/drawing/2010/main" Requires="a14">
+          <p:sp>
+            <p:nvSpPr>
+              <p:cNvPr id="3" name="Segnaposto contenuto 2">
+                <a:extLst>
+                  <a:ext uri="{FF2B5EF4-FFF2-40B4-BE49-F238E27FC236}">
+                    <a16:creationId xmlns:a16="http://schemas.microsoft.com/office/drawing/2014/main" id="{A7140573-7A9E-EB19-3D87-50CB9DB4852A}"/>
+                  </a:ext>
+                </a:extLst>
+              </p:cNvPr>
+              <p:cNvSpPr>
+                <a:spLocks noGrp="1"/>
+              </p:cNvSpPr>
+              <p:nvPr>
+                <p:ph idx="1"/>
+              </p:nvPr>
+            </p:nvSpPr>
+            <p:spPr>
+              <a:xfrm>
+                <a:off x="640079" y="2706624"/>
+                <a:ext cx="7812885" cy="3483864"/>
+              </a:xfrm>
+            </p:spPr>
+            <p:txBody>
+              <a:bodyPr>
+                <a:normAutofit fontScale="85000" lnSpcReduction="20000"/>
+              </a:bodyPr>
+              <a:lstStyle/>
+              <a:p>
+                <a:pPr marL="0" indent="0" algn="just">
+                  <a:lnSpc>
+                    <a:spcPct val="100000"/>
+                  </a:lnSpc>
+                  <a:buNone/>
+                </a:pPr>
+                <a:r>
+                  <a:rPr lang="it-IT" sz="2000" dirty="0"/>
+                  <a:t>Durante la simulazione, il controllore MPC calcola l’ingresso ottimale a ogni istante, tenendo conto dello stato attuale e dei vincoli imposti.</a:t>
+                </a:r>
+              </a:p>
+              <a:p>
+                <a:pPr marL="0" indent="0" algn="just">
+                  <a:lnSpc>
+                    <a:spcPct val="100000"/>
+                  </a:lnSpc>
+                  <a:buNone/>
+                </a:pPr>
+                <a:r>
+                  <a:rPr lang="it-IT" sz="2000" dirty="0"/>
+                  <a:t>L’ingresso viene applicato al sistema non lineare reale, aggiornando il suo comportamento passo dopo passo.</a:t>
+                </a:r>
+              </a:p>
+              <a:p>
+                <a:pPr marL="0" indent="0" algn="just">
+                  <a:lnSpc>
+                    <a:spcPct val="100000"/>
+                  </a:lnSpc>
+                  <a:buNone/>
+                </a:pPr>
+                <a:r>
+                  <a:rPr lang="it-IT" sz="2000" dirty="0"/>
+                  <a:t>I grafici mostrano che le traiettorie restano all’interno dei vincoli (CIS) e convergono verso il riferimento, garantendo una risposta corretta anche in presenza di una dinamica non lineare.</a:t>
+                </a:r>
+              </a:p>
+              <a:p>
+                <a:pPr marL="0" indent="0" algn="just">
+                  <a:lnSpc>
+                    <a:spcPct val="100000"/>
+                  </a:lnSpc>
+                  <a:buNone/>
+                </a:pPr>
+                <a:r>
+                  <a:rPr lang="it-IT" sz="2000" dirty="0"/>
+                  <a:t>Dal grafico si osserva che gli stati (</a:t>
+                </a:r>
+                <a14:m>
+                  <m:oMath xmlns:m="http://schemas.openxmlformats.org/officeDocument/2006/math">
+                    <m:sSub>
+                      <m:sSubPr>
+                        <m:ctrlPr>
+                          <a:rPr lang="it-IT" sz="2000" i="1" dirty="0"/>
+                        </m:ctrlPr>
+                      </m:sSubPr>
+                      <m:e>
+                        <m:r>
+                          <a:rPr lang="it-IT" sz="2000" i="1" dirty="0"/>
+                          <m:t>h</m:t>
+                        </m:r>
+                      </m:e>
+                      <m:sub>
+                        <m:r>
+                          <a:rPr lang="it-IT" sz="2000" i="1" dirty="0"/>
+                          <m:t>2</m:t>
+                        </m:r>
+                      </m:sub>
+                    </m:sSub>
+                  </m:oMath>
+                </a14:m>
+                <a:r>
+                  <a:rPr lang="it-IT" sz="2000" dirty="0"/>
+                  <a:t>, </a:t>
+                </a:r>
+                <a14:m>
+                  <m:oMath xmlns:m="http://schemas.openxmlformats.org/officeDocument/2006/math">
+                    <m:sSub>
+                      <m:sSubPr>
+                        <m:ctrlPr>
+                          <a:rPr lang="it-IT" sz="2000" i="1" dirty="0"/>
+                        </m:ctrlPr>
+                      </m:sSubPr>
+                      <m:e>
+                        <m:r>
+                          <a:rPr lang="it-IT" sz="2000" i="1" dirty="0"/>
+                          <m:t>h</m:t>
+                        </m:r>
+                      </m:e>
+                      <m:sub>
+                        <m:r>
+                          <a:rPr lang="it-IT" sz="2000" i="1" dirty="0"/>
+                          <m:t>4</m:t>
+                        </m:r>
+                      </m:sub>
+                    </m:sSub>
+                  </m:oMath>
+                </a14:m>
+                <a:r>
+                  <a:rPr lang="it-IT" sz="2000" dirty="0"/>
+                  <a:t>) non appartengono al 3- step controllable set.</a:t>
+                </a:r>
+              </a:p>
+              <a:p>
+                <a:pPr marL="0" indent="0" algn="just">
+                  <a:lnSpc>
+                    <a:spcPct val="100000"/>
+                  </a:lnSpc>
+                  <a:buNone/>
+                </a:pPr>
+                <a:r>
+                  <a:rPr lang="it-IT" sz="2000" dirty="0"/>
+                  <a:t>Questo implica che, con un orizzonte di predizione pari a 3, il sistema non è in grado di garantire la raggiungibilità del CIS rispettando i passi prefissati.</a:t>
+                </a:r>
+              </a:p>
+              <a:p>
+                <a:pPr marL="0" indent="0" algn="just">
+                  <a:lnSpc>
+                    <a:spcPct val="100000"/>
+                  </a:lnSpc>
+                  <a:buNone/>
+                </a:pPr>
+                <a:r>
+                  <a:rPr lang="it-IT" sz="2000" dirty="0"/>
+                  <a:t>Nonostante ciò come si nota dal grafico è comunque in grado di trovare una soluzione anche se lo stato iniziale è fuori dal N-step controllable set.</a:t>
+                </a:r>
+              </a:p>
+            </p:txBody>
+          </p:sp>
+        </mc:Choice>
+        <mc:Fallback>
+          <p:sp>
+            <p:nvSpPr>
+              <p:cNvPr id="3" name="Segnaposto contenuto 2">
+                <a:extLst>
+                  <a:ext uri="{FF2B5EF4-FFF2-40B4-BE49-F238E27FC236}">
+                    <a16:creationId xmlns:a16="http://schemas.microsoft.com/office/drawing/2014/main" id="{A7140573-7A9E-EB19-3D87-50CB9DB4852A}"/>
+                  </a:ext>
+                </a:extLst>
+              </p:cNvPr>
+              <p:cNvSpPr>
+                <a:spLocks noGrp="1" noRot="1" noChangeAspect="1" noMove="1" noResize="1" noEditPoints="1" noAdjustHandles="1" noChangeArrowheads="1" noChangeShapeType="1" noTextEdit="1"/>
+              </p:cNvSpPr>
+              <p:nvPr>
+                <p:ph idx="1"/>
+              </p:nvPr>
+            </p:nvSpPr>
+            <p:spPr>
+              <a:xfrm>
+                <a:off x="640079" y="2706624"/>
+                <a:ext cx="7812885" cy="3483864"/>
+              </a:xfrm>
+              <a:blipFill>
+                <a:blip r:embed="rId2"/>
+                <a:stretch>
+                  <a:fillRect l="-468" t="-1573" r="-468" b="-874"/>
+                </a:stretch>
+              </a:blipFill>
+            </p:spPr>
+            <p:txBody>
+              <a:bodyPr/>
+              <a:lstStyle/>
+              <a:p>
+                <a:r>
+                  <a:rPr lang="it-IT">
+                    <a:noFill/>
+                  </a:rPr>
+                  <a:t> </a:t>
+                </a:r>
+              </a:p>
+            </p:txBody>
+          </p:sp>
+        </mc:Fallback>
+      </mc:AlternateContent>
       <p:pic>
         <p:nvPicPr>
           <p:cNvPr id="8" name="Immagine 7">
@@ -13096,7 +13191,7 @@
           <p:nvPr/>
         </p:nvPicPr>
         <p:blipFill>
-          <a:blip r:embed="rId2">
+          <a:blip r:embed="rId3">
             <a:extLst>
               <a:ext uri="{28A0092B-C50C-407E-A947-70E740481C1C}">
                 <a14:useLocalDpi xmlns:a14="http://schemas.microsoft.com/office/drawing/2010/main" val="0"/>
@@ -13131,7 +13226,7 @@
           <p:nvPr/>
         </p:nvPicPr>
         <p:blipFill>
-          <a:blip r:embed="rId3">
+          <a:blip r:embed="rId4">
             <a:extLst>
               <a:ext uri="{28A0092B-C50C-407E-A947-70E740481C1C}">
                 <a14:useLocalDpi xmlns:a14="http://schemas.microsoft.com/office/drawing/2010/main" val="0"/>
@@ -14460,6 +14555,2406 @@
 <file path=ppt/slides/slide20.xml><?xml version="1.0" encoding="utf-8"?>
 <p:sld xmlns:a="http://schemas.openxmlformats.org/drawingml/2006/main" xmlns:r="http://schemas.openxmlformats.org/officeDocument/2006/relationships" xmlns:p="http://schemas.openxmlformats.org/presentationml/2006/main">
   <p:cSld>
+    <p:bg>
+      <p:bgPr>
+        <a:solidFill>
+          <a:schemeClr val="bg1"/>
+        </a:solidFill>
+        <a:effectLst/>
+      </p:bgPr>
+    </p:bg>
+    <p:spTree>
+      <p:nvGrpSpPr>
+        <p:cNvPr id="1" name="">
+          <a:extLst>
+            <a:ext uri="{FF2B5EF4-FFF2-40B4-BE49-F238E27FC236}">
+              <a16:creationId xmlns:a16="http://schemas.microsoft.com/office/drawing/2014/main" id="{DD76C4B1-FA71-96DB-C33F-D73DBB2495B5}"/>
+            </a:ext>
+          </a:extLst>
+        </p:cNvPr>
+        <p:cNvGrpSpPr/>
+        <p:nvPr/>
+      </p:nvGrpSpPr>
+      <p:grpSpPr>
+        <a:xfrm>
+          <a:off x="0" y="0"/>
+          <a:ext cx="0" cy="0"/>
+          <a:chOff x="0" y="0"/>
+          <a:chExt cx="0" cy="0"/>
+        </a:xfrm>
+      </p:grpSpPr>
+      <p:sp useBgFill="1">
+        <p:nvSpPr>
+          <p:cNvPr id="13" name="Rectangle 12">
+            <a:extLst>
+              <a:ext uri="{FF2B5EF4-FFF2-40B4-BE49-F238E27FC236}">
+                <a16:creationId xmlns:a16="http://schemas.microsoft.com/office/drawing/2014/main" id="{72B6D291-1897-C9CA-502D-11977EB1BD54}"/>
+              </a:ext>
+              <a:ext uri="{C183D7F6-B498-43B3-948B-1728B52AA6E4}">
+                <adec:decorative xmlns:adec="http://schemas.microsoft.com/office/drawing/2017/decorative" val="1"/>
+              </a:ext>
+            </a:extLst>
+          </p:cNvPr>
+          <p:cNvSpPr>
+            <a:spLocks noGrp="1" noRot="1" noChangeAspect="1" noMove="1" noResize="1" noEditPoints="1" noAdjustHandles="1" noChangeArrowheads="1" noChangeShapeType="1" noTextEdit="1"/>
+          </p:cNvSpPr>
+          <p:nvPr>
+            <p:extLst>
+              <p:ext uri="{386F3935-93C4-4BCD-93E2-E3B085C9AB24}">
+                <p16:designElem xmlns:p16="http://schemas.microsoft.com/office/powerpoint/2015/main" val="1"/>
+              </p:ext>
+            </p:extLst>
+          </p:nvPr>
+        </p:nvSpPr>
+        <p:spPr>
+          <a:xfrm>
+            <a:off x="0" y="0"/>
+            <a:ext cx="12188952" cy="6858000"/>
+          </a:xfrm>
+          <a:prstGeom prst="rect">
+            <a:avLst/>
+          </a:prstGeom>
+          <a:ln>
+            <a:noFill/>
+          </a:ln>
+        </p:spPr>
+        <p:style>
+          <a:lnRef idx="2">
+            <a:schemeClr val="accent1">
+              <a:shade val="50000"/>
+            </a:schemeClr>
+          </a:lnRef>
+          <a:fillRef idx="1">
+            <a:schemeClr val="accent1"/>
+          </a:fillRef>
+          <a:effectRef idx="0">
+            <a:schemeClr val="accent1"/>
+          </a:effectRef>
+          <a:fontRef idx="minor">
+            <a:schemeClr val="lt1"/>
+          </a:fontRef>
+        </p:style>
+        <p:txBody>
+          <a:bodyPr rtlCol="0" anchor="ctr"/>
+          <a:lstStyle/>
+          <a:p>
+            <a:pPr algn="ctr"/>
+            <a:endParaRPr lang="en-US"/>
+          </a:p>
+        </p:txBody>
+      </p:sp>
+      <p:sp>
+        <p:nvSpPr>
+          <p:cNvPr id="2" name="Titolo 1">
+            <a:extLst>
+              <a:ext uri="{FF2B5EF4-FFF2-40B4-BE49-F238E27FC236}">
+                <a16:creationId xmlns:a16="http://schemas.microsoft.com/office/drawing/2014/main" id="{4AD9B986-9393-D649-7610-C2B98A260F32}"/>
+              </a:ext>
+            </a:extLst>
+          </p:cNvPr>
+          <p:cNvSpPr>
+            <a:spLocks noGrp="1"/>
+          </p:cNvSpPr>
+          <p:nvPr>
+            <p:ph type="title"/>
+          </p:nvPr>
+        </p:nvSpPr>
+        <p:spPr>
+          <a:xfrm>
+            <a:off x="640079" y="329184"/>
+            <a:ext cx="8475999" cy="1783080"/>
+          </a:xfrm>
+        </p:spPr>
+        <p:txBody>
+          <a:bodyPr anchor="b">
+            <a:normAutofit/>
+          </a:bodyPr>
+          <a:lstStyle/>
+          <a:p>
+            <a:r>
+              <a:rPr lang="it-IT" sz="5400" dirty="0"/>
+              <a:t>Simulazione MPC </a:t>
+            </a:r>
+            <a:r>
+              <a:rPr lang="it-IT" sz="3600" dirty="0"/>
+              <a:t>(N=7)</a:t>
+            </a:r>
+            <a:endParaRPr lang="it-IT" sz="5400" dirty="0"/>
+          </a:p>
+        </p:txBody>
+      </p:sp>
+      <p:sp>
+        <p:nvSpPr>
+          <p:cNvPr id="15" name="sketch line">
+            <a:extLst>
+              <a:ext uri="{FF2B5EF4-FFF2-40B4-BE49-F238E27FC236}">
+                <a16:creationId xmlns:a16="http://schemas.microsoft.com/office/drawing/2014/main" id="{DBDD62DC-E915-8E9C-BDA1-B3E606967DBB}"/>
+              </a:ext>
+              <a:ext uri="{C183D7F6-B498-43B3-948B-1728B52AA6E4}">
+                <adec:decorative xmlns:adec="http://schemas.microsoft.com/office/drawing/2017/decorative" val="1"/>
+              </a:ext>
+            </a:extLst>
+          </p:cNvPr>
+          <p:cNvSpPr>
+            <a:spLocks noGrp="1" noRot="1" noChangeAspect="1" noMove="1" noResize="1" noEditPoints="1" noAdjustHandles="1" noChangeArrowheads="1" noChangeShapeType="1" noTextEdit="1"/>
+          </p:cNvSpPr>
+          <p:nvPr>
+            <p:extLst>
+              <p:ext uri="{386F3935-93C4-4BCD-93E2-E3B085C9AB24}">
+                <p16:designElem xmlns:p16="http://schemas.microsoft.com/office/powerpoint/2015/main" val="1"/>
+              </p:ext>
+            </p:extLst>
+          </p:nvPr>
+        </p:nvSpPr>
+        <p:spPr>
+          <a:xfrm>
+            <a:off x="758952" y="2395728"/>
+            <a:ext cx="4243589" cy="18288"/>
+          </a:xfrm>
+          <a:custGeom>
+            <a:avLst/>
+            <a:gdLst>
+              <a:gd name="connsiteX0" fmla="*/ 0 w 4243589"/>
+              <a:gd name="connsiteY0" fmla="*/ 0 h 18288"/>
+              <a:gd name="connsiteX1" fmla="*/ 478919 w 4243589"/>
+              <a:gd name="connsiteY1" fmla="*/ 0 h 18288"/>
+              <a:gd name="connsiteX2" fmla="*/ 957839 w 4243589"/>
+              <a:gd name="connsiteY2" fmla="*/ 0 h 18288"/>
+              <a:gd name="connsiteX3" fmla="*/ 1521630 w 4243589"/>
+              <a:gd name="connsiteY3" fmla="*/ 0 h 18288"/>
+              <a:gd name="connsiteX4" fmla="*/ 2212729 w 4243589"/>
+              <a:gd name="connsiteY4" fmla="*/ 0 h 18288"/>
+              <a:gd name="connsiteX5" fmla="*/ 2734084 w 4243589"/>
+              <a:gd name="connsiteY5" fmla="*/ 0 h 18288"/>
+              <a:gd name="connsiteX6" fmla="*/ 3255439 w 4243589"/>
+              <a:gd name="connsiteY6" fmla="*/ 0 h 18288"/>
+              <a:gd name="connsiteX7" fmla="*/ 4243589 w 4243589"/>
+              <a:gd name="connsiteY7" fmla="*/ 0 h 18288"/>
+              <a:gd name="connsiteX8" fmla="*/ 4243589 w 4243589"/>
+              <a:gd name="connsiteY8" fmla="*/ 18288 h 18288"/>
+              <a:gd name="connsiteX9" fmla="*/ 3594926 w 4243589"/>
+              <a:gd name="connsiteY9" fmla="*/ 18288 h 18288"/>
+              <a:gd name="connsiteX10" fmla="*/ 3073571 w 4243589"/>
+              <a:gd name="connsiteY10" fmla="*/ 18288 h 18288"/>
+              <a:gd name="connsiteX11" fmla="*/ 2552216 w 4243589"/>
+              <a:gd name="connsiteY11" fmla="*/ 18288 h 18288"/>
+              <a:gd name="connsiteX12" fmla="*/ 1903553 w 4243589"/>
+              <a:gd name="connsiteY12" fmla="*/ 18288 h 18288"/>
+              <a:gd name="connsiteX13" fmla="*/ 1212454 w 4243589"/>
+              <a:gd name="connsiteY13" fmla="*/ 18288 h 18288"/>
+              <a:gd name="connsiteX14" fmla="*/ 733535 w 4243589"/>
+              <a:gd name="connsiteY14" fmla="*/ 18288 h 18288"/>
+              <a:gd name="connsiteX15" fmla="*/ 0 w 4243589"/>
+              <a:gd name="connsiteY15" fmla="*/ 18288 h 18288"/>
+              <a:gd name="connsiteX16" fmla="*/ 0 w 4243589"/>
+              <a:gd name="connsiteY16" fmla="*/ 0 h 18288"/>
+            </a:gdLst>
+            <a:ahLst/>
+            <a:cxnLst>
+              <a:cxn ang="0">
+                <a:pos x="connsiteX0" y="connsiteY0"/>
+              </a:cxn>
+              <a:cxn ang="0">
+                <a:pos x="connsiteX1" y="connsiteY1"/>
+              </a:cxn>
+              <a:cxn ang="0">
+                <a:pos x="connsiteX2" y="connsiteY2"/>
+              </a:cxn>
+              <a:cxn ang="0">
+                <a:pos x="connsiteX3" y="connsiteY3"/>
+              </a:cxn>
+              <a:cxn ang="0">
+                <a:pos x="connsiteX4" y="connsiteY4"/>
+              </a:cxn>
+              <a:cxn ang="0">
+                <a:pos x="connsiteX5" y="connsiteY5"/>
+              </a:cxn>
+              <a:cxn ang="0">
+                <a:pos x="connsiteX6" y="connsiteY6"/>
+              </a:cxn>
+              <a:cxn ang="0">
+                <a:pos x="connsiteX7" y="connsiteY7"/>
+              </a:cxn>
+              <a:cxn ang="0">
+                <a:pos x="connsiteX8" y="connsiteY8"/>
+              </a:cxn>
+              <a:cxn ang="0">
+                <a:pos x="connsiteX9" y="connsiteY9"/>
+              </a:cxn>
+              <a:cxn ang="0">
+                <a:pos x="connsiteX10" y="connsiteY10"/>
+              </a:cxn>
+              <a:cxn ang="0">
+                <a:pos x="connsiteX11" y="connsiteY11"/>
+              </a:cxn>
+              <a:cxn ang="0">
+                <a:pos x="connsiteX12" y="connsiteY12"/>
+              </a:cxn>
+              <a:cxn ang="0">
+                <a:pos x="connsiteX13" y="connsiteY13"/>
+              </a:cxn>
+              <a:cxn ang="0">
+                <a:pos x="connsiteX14" y="connsiteY14"/>
+              </a:cxn>
+              <a:cxn ang="0">
+                <a:pos x="connsiteX15" y="connsiteY15"/>
+              </a:cxn>
+              <a:cxn ang="0">
+                <a:pos x="connsiteX16" y="connsiteY16"/>
+              </a:cxn>
+            </a:cxnLst>
+            <a:rect l="l" t="t" r="r" b="b"/>
+            <a:pathLst>
+              <a:path w="4243589" h="18288" fill="none" extrusionOk="0">
+                <a:moveTo>
+                  <a:pt x="0" y="0"/>
+                </a:moveTo>
+                <a:cubicBezTo>
+                  <a:pt x="213395" y="-21006"/>
+                  <a:pt x="307421" y="-18116"/>
+                  <a:pt x="478919" y="0"/>
+                </a:cubicBezTo>
+                <a:cubicBezTo>
+                  <a:pt x="650417" y="18116"/>
+                  <a:pt x="831092" y="-21237"/>
+                  <a:pt x="957839" y="0"/>
+                </a:cubicBezTo>
+                <a:cubicBezTo>
+                  <a:pt x="1084586" y="21237"/>
+                  <a:pt x="1301682" y="25124"/>
+                  <a:pt x="1521630" y="0"/>
+                </a:cubicBezTo>
+                <a:cubicBezTo>
+                  <a:pt x="1741578" y="-25124"/>
+                  <a:pt x="1970269" y="-29139"/>
+                  <a:pt x="2212729" y="0"/>
+                </a:cubicBezTo>
+                <a:cubicBezTo>
+                  <a:pt x="2455189" y="29139"/>
+                  <a:pt x="2558847" y="-4796"/>
+                  <a:pt x="2734084" y="0"/>
+                </a:cubicBezTo>
+                <a:cubicBezTo>
+                  <a:pt x="2909321" y="4796"/>
+                  <a:pt x="3097217" y="-13409"/>
+                  <a:pt x="3255439" y="0"/>
+                </a:cubicBezTo>
+                <a:cubicBezTo>
+                  <a:pt x="3413662" y="13409"/>
+                  <a:pt x="3979999" y="-10121"/>
+                  <a:pt x="4243589" y="0"/>
+                </a:cubicBezTo>
+                <a:cubicBezTo>
+                  <a:pt x="4244484" y="8974"/>
+                  <a:pt x="4243043" y="9359"/>
+                  <a:pt x="4243589" y="18288"/>
+                </a:cubicBezTo>
+                <a:cubicBezTo>
+                  <a:pt x="4058777" y="31246"/>
+                  <a:pt x="3910348" y="3158"/>
+                  <a:pt x="3594926" y="18288"/>
+                </a:cubicBezTo>
+                <a:cubicBezTo>
+                  <a:pt x="3279504" y="33418"/>
+                  <a:pt x="3319955" y="-3977"/>
+                  <a:pt x="3073571" y="18288"/>
+                </a:cubicBezTo>
+                <a:cubicBezTo>
+                  <a:pt x="2827187" y="40553"/>
+                  <a:pt x="2767387" y="1863"/>
+                  <a:pt x="2552216" y="18288"/>
+                </a:cubicBezTo>
+                <a:cubicBezTo>
+                  <a:pt x="2337046" y="34713"/>
+                  <a:pt x="2181871" y="19527"/>
+                  <a:pt x="1903553" y="18288"/>
+                </a:cubicBezTo>
+                <a:cubicBezTo>
+                  <a:pt x="1625235" y="17049"/>
+                  <a:pt x="1557672" y="24174"/>
+                  <a:pt x="1212454" y="18288"/>
+                </a:cubicBezTo>
+                <a:cubicBezTo>
+                  <a:pt x="867236" y="12402"/>
+                  <a:pt x="874382" y="15627"/>
+                  <a:pt x="733535" y="18288"/>
+                </a:cubicBezTo>
+                <a:cubicBezTo>
+                  <a:pt x="592688" y="20949"/>
+                  <a:pt x="183477" y="14753"/>
+                  <a:pt x="0" y="18288"/>
+                </a:cubicBezTo>
+                <a:cubicBezTo>
+                  <a:pt x="-229" y="14222"/>
+                  <a:pt x="509" y="5816"/>
+                  <a:pt x="0" y="0"/>
+                </a:cubicBezTo>
+                <a:close/>
+              </a:path>
+              <a:path w="4243589" h="18288" stroke="0" extrusionOk="0">
+                <a:moveTo>
+                  <a:pt x="0" y="0"/>
+                </a:moveTo>
+                <a:cubicBezTo>
+                  <a:pt x="143690" y="16630"/>
+                  <a:pt x="266667" y="14847"/>
+                  <a:pt x="521355" y="0"/>
+                </a:cubicBezTo>
+                <a:cubicBezTo>
+                  <a:pt x="776043" y="-14847"/>
+                  <a:pt x="814491" y="-17363"/>
+                  <a:pt x="1000275" y="0"/>
+                </a:cubicBezTo>
+                <a:cubicBezTo>
+                  <a:pt x="1186059" y="17363"/>
+                  <a:pt x="1352504" y="-23507"/>
+                  <a:pt x="1521630" y="0"/>
+                </a:cubicBezTo>
+                <a:cubicBezTo>
+                  <a:pt x="1690756" y="23507"/>
+                  <a:pt x="1889525" y="5871"/>
+                  <a:pt x="2127857" y="0"/>
+                </a:cubicBezTo>
+                <a:cubicBezTo>
+                  <a:pt x="2366189" y="-5871"/>
+                  <a:pt x="2620628" y="-27997"/>
+                  <a:pt x="2776520" y="0"/>
+                </a:cubicBezTo>
+                <a:cubicBezTo>
+                  <a:pt x="2932412" y="27997"/>
+                  <a:pt x="3131683" y="-25073"/>
+                  <a:pt x="3467618" y="0"/>
+                </a:cubicBezTo>
+                <a:cubicBezTo>
+                  <a:pt x="3803553" y="25073"/>
+                  <a:pt x="4017371" y="3071"/>
+                  <a:pt x="4243589" y="0"/>
+                </a:cubicBezTo>
+                <a:cubicBezTo>
+                  <a:pt x="4243134" y="6162"/>
+                  <a:pt x="4243492" y="11775"/>
+                  <a:pt x="4243589" y="18288"/>
+                </a:cubicBezTo>
+                <a:cubicBezTo>
+                  <a:pt x="4017834" y="-5779"/>
+                  <a:pt x="3834586" y="13376"/>
+                  <a:pt x="3594926" y="18288"/>
+                </a:cubicBezTo>
+                <a:cubicBezTo>
+                  <a:pt x="3355266" y="23200"/>
+                  <a:pt x="3204179" y="2869"/>
+                  <a:pt x="2903827" y="18288"/>
+                </a:cubicBezTo>
+                <a:cubicBezTo>
+                  <a:pt x="2603475" y="33707"/>
+                  <a:pt x="2526187" y="46187"/>
+                  <a:pt x="2212729" y="18288"/>
+                </a:cubicBezTo>
+                <a:cubicBezTo>
+                  <a:pt x="1899271" y="-9611"/>
+                  <a:pt x="1966289" y="29692"/>
+                  <a:pt x="1733809" y="18288"/>
+                </a:cubicBezTo>
+                <a:cubicBezTo>
+                  <a:pt x="1501329" y="6884"/>
+                  <a:pt x="1343612" y="12492"/>
+                  <a:pt x="1085146" y="18288"/>
+                </a:cubicBezTo>
+                <a:cubicBezTo>
+                  <a:pt x="826680" y="24084"/>
+                  <a:pt x="778184" y="35607"/>
+                  <a:pt x="521355" y="18288"/>
+                </a:cubicBezTo>
+                <a:cubicBezTo>
+                  <a:pt x="264526" y="969"/>
+                  <a:pt x="120277" y="4268"/>
+                  <a:pt x="0" y="18288"/>
+                </a:cubicBezTo>
+                <a:cubicBezTo>
+                  <a:pt x="766" y="10800"/>
+                  <a:pt x="-457" y="8180"/>
+                  <a:pt x="0" y="0"/>
+                </a:cubicBezTo>
+                <a:close/>
+              </a:path>
+            </a:pathLst>
+          </a:custGeom>
+          <a:solidFill>
+            <a:schemeClr val="accent2"/>
+          </a:solidFill>
+          <a:ln w="41275" cap="rnd">
+            <a:solidFill>
+              <a:schemeClr val="accent2"/>
+            </a:solidFill>
+            <a:round/>
+            <a:extLst>
+              <a:ext uri="{C807C97D-BFC1-408E-A445-0C87EB9F89A2}">
+                <ask:lineSketchStyleProps xmlns:ask="http://schemas.microsoft.com/office/drawing/2018/sketchyshapes" sd="2727557108">
+                  <a:prstGeom prst="rect">
+                    <a:avLst/>
+                  </a:prstGeom>
+                  <ask:type>
+                    <ask:lineSketchFreehand/>
+                  </ask:type>
+                </ask:lineSketchStyleProps>
+              </a:ext>
+            </a:extLst>
+          </a:ln>
+        </p:spPr>
+        <p:style>
+          <a:lnRef idx="2">
+            <a:schemeClr val="accent1">
+              <a:shade val="50000"/>
+            </a:schemeClr>
+          </a:lnRef>
+          <a:fillRef idx="1">
+            <a:schemeClr val="accent1"/>
+          </a:fillRef>
+          <a:effectRef idx="0">
+            <a:schemeClr val="accent1"/>
+          </a:effectRef>
+          <a:fontRef idx="minor">
+            <a:schemeClr val="lt1"/>
+          </a:fontRef>
+        </p:style>
+        <p:txBody>
+          <a:bodyPr rtlCol="0" anchor="ctr"/>
+          <a:lstStyle/>
+          <a:p>
+            <a:pPr algn="ctr"/>
+            <a:endParaRPr lang="en-US"/>
+          </a:p>
+        </p:txBody>
+      </p:sp>
+      <p:sp>
+        <p:nvSpPr>
+          <p:cNvPr id="3" name="Segnaposto contenuto 2">
+            <a:extLst>
+              <a:ext uri="{FF2B5EF4-FFF2-40B4-BE49-F238E27FC236}">
+                <a16:creationId xmlns:a16="http://schemas.microsoft.com/office/drawing/2014/main" id="{1C3C95B7-67A4-7411-0E10-28F8072A0377}"/>
+              </a:ext>
+            </a:extLst>
+          </p:cNvPr>
+          <p:cNvSpPr>
+            <a:spLocks noGrp="1"/>
+          </p:cNvSpPr>
+          <p:nvPr>
+            <p:ph idx="1"/>
+          </p:nvPr>
+        </p:nvSpPr>
+        <p:spPr>
+          <a:xfrm>
+            <a:off x="640079" y="2706624"/>
+            <a:ext cx="7812885" cy="3483864"/>
+          </a:xfrm>
+        </p:spPr>
+        <p:txBody>
+          <a:bodyPr>
+            <a:normAutofit/>
+          </a:bodyPr>
+          <a:lstStyle/>
+          <a:p>
+            <a:pPr marL="0" indent="0" algn="just">
+              <a:lnSpc>
+                <a:spcPct val="100000"/>
+              </a:lnSpc>
+              <a:buNone/>
+            </a:pPr>
+            <a:r>
+              <a:rPr lang="it-IT" sz="2100" dirty="0"/>
+              <a:t>Modificando l’orizzonte di predizione a 7 passi, lo stato iniziale rientra nel controllable set, garantendo la possibilità di raggiungere l’insieme terminale (CIS) in 7 passi nel rispetto di tutti i vincoli.</a:t>
+            </a:r>
+          </a:p>
+          <a:p>
+            <a:pPr marL="0" indent="0" algn="just">
+              <a:lnSpc>
+                <a:spcPct val="100000"/>
+              </a:lnSpc>
+              <a:buNone/>
+            </a:pPr>
+            <a:r>
+              <a:rPr lang="it-IT" sz="2100" dirty="0"/>
+              <a:t>In generale, se lo stato iniziale appartiene all’N-step controllable set, è garantito che esiste una sequenza di ingressi ammissibili che porta il sistema nel CIS in N passi, senza violare i vincoli su stato e ingresso. Questo assicura la fattibilità del problema di controllo e favorisce la convergenza verso il riferimento.</a:t>
+            </a:r>
+          </a:p>
+        </p:txBody>
+      </p:sp>
+      <p:pic>
+        <p:nvPicPr>
+          <p:cNvPr id="8" name="Immagine 7">
+            <a:extLst>
+              <a:ext uri="{FF2B5EF4-FFF2-40B4-BE49-F238E27FC236}">
+                <a16:creationId xmlns:a16="http://schemas.microsoft.com/office/drawing/2014/main" id="{4F03F129-7F8B-D655-8AEE-AB4EBCC4E79B}"/>
+              </a:ext>
+            </a:extLst>
+          </p:cNvPr>
+          <p:cNvPicPr>
+            <a:picLocks noChangeAspect="1"/>
+          </p:cNvPicPr>
+          <p:nvPr/>
+        </p:nvPicPr>
+        <p:blipFill>
+          <a:blip r:embed="rId2">
+            <a:extLst>
+              <a:ext uri="{28A0092B-C50C-407E-A947-70E740481C1C}">
+                <a14:useLocalDpi xmlns:a14="http://schemas.microsoft.com/office/drawing/2010/main" val="0"/>
+              </a:ext>
+            </a:extLst>
+          </a:blip>
+          <a:srcRect/>
+          <a:stretch/>
+        </p:blipFill>
+        <p:spPr>
+          <a:xfrm>
+            <a:off x="9185818" y="108317"/>
+            <a:ext cx="2817455" cy="3252104"/>
+          </a:xfrm>
+          <a:prstGeom prst="rect">
+            <a:avLst/>
+          </a:prstGeom>
+        </p:spPr>
+      </p:pic>
+      <p:pic>
+        <p:nvPicPr>
+          <p:cNvPr id="6" name="Immagine 5">
+            <a:extLst>
+              <a:ext uri="{FF2B5EF4-FFF2-40B4-BE49-F238E27FC236}">
+                <a16:creationId xmlns:a16="http://schemas.microsoft.com/office/drawing/2014/main" id="{5D28E634-AC71-61B5-69C0-2380851383CF}"/>
+              </a:ext>
+            </a:extLst>
+          </p:cNvPr>
+          <p:cNvPicPr>
+            <a:picLocks noChangeAspect="1"/>
+          </p:cNvPicPr>
+          <p:nvPr/>
+        </p:nvPicPr>
+        <p:blipFill>
+          <a:blip r:embed="rId3">
+            <a:extLst>
+              <a:ext uri="{28A0092B-C50C-407E-A947-70E740481C1C}">
+                <a14:useLocalDpi xmlns:a14="http://schemas.microsoft.com/office/drawing/2010/main" val="0"/>
+              </a:ext>
+            </a:extLst>
+          </a:blip>
+          <a:srcRect/>
+          <a:stretch/>
+        </p:blipFill>
+        <p:spPr>
+          <a:xfrm>
+            <a:off x="9185818" y="3472099"/>
+            <a:ext cx="2798548" cy="3250800"/>
+          </a:xfrm>
+          <a:prstGeom prst="rect">
+            <a:avLst/>
+          </a:prstGeom>
+        </p:spPr>
+      </p:pic>
+      <p:sp>
+        <p:nvSpPr>
+          <p:cNvPr id="4" name="Segnaposto piè di pagina 3">
+            <a:extLst>
+              <a:ext uri="{FF2B5EF4-FFF2-40B4-BE49-F238E27FC236}">
+                <a16:creationId xmlns:a16="http://schemas.microsoft.com/office/drawing/2014/main" id="{C9C2AF7B-87FB-EA2C-0817-42A992118470}"/>
+              </a:ext>
+            </a:extLst>
+          </p:cNvPr>
+          <p:cNvSpPr>
+            <a:spLocks noGrp="1"/>
+          </p:cNvSpPr>
+          <p:nvPr>
+            <p:ph type="ftr" sz="quarter" idx="11"/>
+          </p:nvPr>
+        </p:nvSpPr>
+        <p:spPr>
+          <a:xfrm>
+            <a:off x="4038600" y="6356350"/>
+            <a:ext cx="4114800" cy="365125"/>
+          </a:xfrm>
+        </p:spPr>
+        <p:txBody>
+          <a:bodyPr>
+            <a:normAutofit/>
+          </a:bodyPr>
+          <a:lstStyle/>
+          <a:p>
+            <a:pPr>
+              <a:spcAft>
+                <a:spcPts val="600"/>
+              </a:spcAft>
+            </a:pPr>
+            <a:r>
+              <a:rPr lang="it-IT"/>
+              <a:t>Davide Brambilla [1080752], Giorgio Passarella[1079287]</a:t>
+            </a:r>
+          </a:p>
+        </p:txBody>
+      </p:sp>
+    </p:spTree>
+    <p:extLst>
+      <p:ext uri="{BB962C8B-B14F-4D97-AF65-F5344CB8AC3E}">
+        <p14:creationId xmlns:p14="http://schemas.microsoft.com/office/powerpoint/2010/main" val="1818450990"/>
+      </p:ext>
+    </p:extLst>
+  </p:cSld>
+  <p:clrMapOvr>
+    <a:masterClrMapping/>
+  </p:clrMapOvr>
+</p:sld>
+</file>
+
+<file path=ppt/slides/slide21.xml><?xml version="1.0" encoding="utf-8"?>
+<p:sld xmlns:a="http://schemas.openxmlformats.org/drawingml/2006/main" xmlns:r="http://schemas.openxmlformats.org/officeDocument/2006/relationships" xmlns:p="http://schemas.openxmlformats.org/presentationml/2006/main">
+  <p:cSld>
+    <p:bg>
+      <p:bgPr>
+        <a:solidFill>
+          <a:schemeClr val="bg1"/>
+        </a:solidFill>
+        <a:effectLst/>
+      </p:bgPr>
+    </p:bg>
+    <p:spTree>
+      <p:nvGrpSpPr>
+        <p:cNvPr id="1" name="">
+          <a:extLst>
+            <a:ext uri="{FF2B5EF4-FFF2-40B4-BE49-F238E27FC236}">
+              <a16:creationId xmlns:a16="http://schemas.microsoft.com/office/drawing/2014/main" id="{C7CD0031-47B0-9801-13B7-1BDCF98CDEB1}"/>
+            </a:ext>
+          </a:extLst>
+        </p:cNvPr>
+        <p:cNvGrpSpPr/>
+        <p:nvPr/>
+      </p:nvGrpSpPr>
+      <p:grpSpPr>
+        <a:xfrm>
+          <a:off x="0" y="0"/>
+          <a:ext cx="0" cy="0"/>
+          <a:chOff x="0" y="0"/>
+          <a:chExt cx="0" cy="0"/>
+        </a:xfrm>
+      </p:grpSpPr>
+      <p:sp useBgFill="1">
+        <p:nvSpPr>
+          <p:cNvPr id="15" name="Rectangle 14">
+            <a:extLst>
+              <a:ext uri="{FF2B5EF4-FFF2-40B4-BE49-F238E27FC236}">
+                <a16:creationId xmlns:a16="http://schemas.microsoft.com/office/drawing/2014/main" id="{6F0CA64E-14FA-35ED-DC69-A8053A9DA2BD}"/>
+              </a:ext>
+              <a:ext uri="{C183D7F6-B498-43B3-948B-1728B52AA6E4}">
+                <adec:decorative xmlns:adec="http://schemas.microsoft.com/office/drawing/2017/decorative" val="1"/>
+              </a:ext>
+            </a:extLst>
+          </p:cNvPr>
+          <p:cNvSpPr>
+            <a:spLocks noGrp="1" noRot="1" noChangeAspect="1" noMove="1" noResize="1" noEditPoints="1" noAdjustHandles="1" noChangeArrowheads="1" noChangeShapeType="1" noTextEdit="1"/>
+          </p:cNvSpPr>
+          <p:nvPr>
+            <p:extLst>
+              <p:ext uri="{386F3935-93C4-4BCD-93E2-E3B085C9AB24}">
+                <p16:designElem xmlns:p16="http://schemas.microsoft.com/office/powerpoint/2015/main" val="1"/>
+              </p:ext>
+            </p:extLst>
+          </p:nvPr>
+        </p:nvSpPr>
+        <p:spPr>
+          <a:xfrm>
+            <a:off x="0" y="0"/>
+            <a:ext cx="12188952" cy="6858000"/>
+          </a:xfrm>
+          <a:prstGeom prst="rect">
+            <a:avLst/>
+          </a:prstGeom>
+          <a:ln>
+            <a:noFill/>
+          </a:ln>
+        </p:spPr>
+        <p:style>
+          <a:lnRef idx="2">
+            <a:schemeClr val="accent1">
+              <a:shade val="50000"/>
+            </a:schemeClr>
+          </a:lnRef>
+          <a:fillRef idx="1">
+            <a:schemeClr val="accent1"/>
+          </a:fillRef>
+          <a:effectRef idx="0">
+            <a:schemeClr val="accent1"/>
+          </a:effectRef>
+          <a:fontRef idx="minor">
+            <a:schemeClr val="lt1"/>
+          </a:fontRef>
+        </p:style>
+        <p:txBody>
+          <a:bodyPr rtlCol="0" anchor="ctr"/>
+          <a:lstStyle/>
+          <a:p>
+            <a:pPr algn="ctr"/>
+            <a:endParaRPr lang="en-US"/>
+          </a:p>
+        </p:txBody>
+      </p:sp>
+      <p:sp>
+        <p:nvSpPr>
+          <p:cNvPr id="2" name="Titolo 1">
+            <a:extLst>
+              <a:ext uri="{FF2B5EF4-FFF2-40B4-BE49-F238E27FC236}">
+                <a16:creationId xmlns:a16="http://schemas.microsoft.com/office/drawing/2014/main" id="{7B5689DA-9DA9-EEA0-F38F-C7B5451A254B}"/>
+              </a:ext>
+            </a:extLst>
+          </p:cNvPr>
+          <p:cNvSpPr>
+            <a:spLocks noGrp="1"/>
+          </p:cNvSpPr>
+          <p:nvPr>
+            <p:ph type="title"/>
+          </p:nvPr>
+        </p:nvSpPr>
+        <p:spPr>
+          <a:xfrm>
+            <a:off x="612649" y="365125"/>
+            <a:ext cx="6437306" cy="1776484"/>
+          </a:xfrm>
+        </p:spPr>
+        <p:txBody>
+          <a:bodyPr anchor="b">
+            <a:normAutofit/>
+          </a:bodyPr>
+          <a:lstStyle/>
+          <a:p>
+            <a:r>
+              <a:rPr lang="it-IT" sz="5400" dirty="0"/>
+              <a:t>Andamento degli stati e degli ingressi </a:t>
+            </a:r>
+            <a:r>
+              <a:rPr lang="it-IT" sz="3600" dirty="0"/>
+              <a:t>(N=7)</a:t>
+            </a:r>
+            <a:endParaRPr lang="it-IT" sz="5400" dirty="0"/>
+          </a:p>
+        </p:txBody>
+      </p:sp>
+      <p:sp>
+        <p:nvSpPr>
+          <p:cNvPr id="17" name="sketch line">
+            <a:extLst>
+              <a:ext uri="{FF2B5EF4-FFF2-40B4-BE49-F238E27FC236}">
+                <a16:creationId xmlns:a16="http://schemas.microsoft.com/office/drawing/2014/main" id="{0FE9F1AF-FFFA-A25E-26FC-D67B2A5FC89E}"/>
+              </a:ext>
+              <a:ext uri="{C183D7F6-B498-43B3-948B-1728B52AA6E4}">
+                <adec:decorative xmlns:adec="http://schemas.microsoft.com/office/drawing/2017/decorative" val="1"/>
+              </a:ext>
+            </a:extLst>
+          </p:cNvPr>
+          <p:cNvSpPr>
+            <a:spLocks noGrp="1" noRot="1" noChangeAspect="1" noMove="1" noResize="1" noEditPoints="1" noAdjustHandles="1" noChangeArrowheads="1" noChangeShapeType="1" noTextEdit="1"/>
+          </p:cNvSpPr>
+          <p:nvPr>
+            <p:extLst>
+              <p:ext uri="{386F3935-93C4-4BCD-93E2-E3B085C9AB24}">
+                <p16:designElem xmlns:p16="http://schemas.microsoft.com/office/powerpoint/2015/main" val="1"/>
+              </p:ext>
+            </p:extLst>
+          </p:nvPr>
+        </p:nvSpPr>
+        <p:spPr>
+          <a:xfrm>
+            <a:off x="838200" y="2315691"/>
+            <a:ext cx="4343400" cy="18288"/>
+          </a:xfrm>
+          <a:custGeom>
+            <a:avLst/>
+            <a:gdLst>
+              <a:gd name="connsiteX0" fmla="*/ 0 w 4343400"/>
+              <a:gd name="connsiteY0" fmla="*/ 0 h 18288"/>
+              <a:gd name="connsiteX1" fmla="*/ 577052 w 4343400"/>
+              <a:gd name="connsiteY1" fmla="*/ 0 h 18288"/>
+              <a:gd name="connsiteX2" fmla="*/ 1067235 w 4343400"/>
+              <a:gd name="connsiteY2" fmla="*/ 0 h 18288"/>
+              <a:gd name="connsiteX3" fmla="*/ 1600853 w 4343400"/>
+              <a:gd name="connsiteY3" fmla="*/ 0 h 18288"/>
+              <a:gd name="connsiteX4" fmla="*/ 2264773 w 4343400"/>
+              <a:gd name="connsiteY4" fmla="*/ 0 h 18288"/>
+              <a:gd name="connsiteX5" fmla="*/ 2841825 w 4343400"/>
+              <a:gd name="connsiteY5" fmla="*/ 0 h 18288"/>
+              <a:gd name="connsiteX6" fmla="*/ 3375442 w 4343400"/>
+              <a:gd name="connsiteY6" fmla="*/ 0 h 18288"/>
+              <a:gd name="connsiteX7" fmla="*/ 4343400 w 4343400"/>
+              <a:gd name="connsiteY7" fmla="*/ 0 h 18288"/>
+              <a:gd name="connsiteX8" fmla="*/ 4343400 w 4343400"/>
+              <a:gd name="connsiteY8" fmla="*/ 18288 h 18288"/>
+              <a:gd name="connsiteX9" fmla="*/ 3722914 w 4343400"/>
+              <a:gd name="connsiteY9" fmla="*/ 18288 h 18288"/>
+              <a:gd name="connsiteX10" fmla="*/ 3189297 w 4343400"/>
+              <a:gd name="connsiteY10" fmla="*/ 18288 h 18288"/>
+              <a:gd name="connsiteX11" fmla="*/ 2481943 w 4343400"/>
+              <a:gd name="connsiteY11" fmla="*/ 18288 h 18288"/>
+              <a:gd name="connsiteX12" fmla="*/ 1904891 w 4343400"/>
+              <a:gd name="connsiteY12" fmla="*/ 18288 h 18288"/>
+              <a:gd name="connsiteX13" fmla="*/ 1414707 w 4343400"/>
+              <a:gd name="connsiteY13" fmla="*/ 18288 h 18288"/>
+              <a:gd name="connsiteX14" fmla="*/ 750788 w 4343400"/>
+              <a:gd name="connsiteY14" fmla="*/ 18288 h 18288"/>
+              <a:gd name="connsiteX15" fmla="*/ 0 w 4343400"/>
+              <a:gd name="connsiteY15" fmla="*/ 18288 h 18288"/>
+              <a:gd name="connsiteX16" fmla="*/ 0 w 4343400"/>
+              <a:gd name="connsiteY16" fmla="*/ 0 h 18288"/>
+            </a:gdLst>
+            <a:ahLst/>
+            <a:cxnLst>
+              <a:cxn ang="0">
+                <a:pos x="connsiteX0" y="connsiteY0"/>
+              </a:cxn>
+              <a:cxn ang="0">
+                <a:pos x="connsiteX1" y="connsiteY1"/>
+              </a:cxn>
+              <a:cxn ang="0">
+                <a:pos x="connsiteX2" y="connsiteY2"/>
+              </a:cxn>
+              <a:cxn ang="0">
+                <a:pos x="connsiteX3" y="connsiteY3"/>
+              </a:cxn>
+              <a:cxn ang="0">
+                <a:pos x="connsiteX4" y="connsiteY4"/>
+              </a:cxn>
+              <a:cxn ang="0">
+                <a:pos x="connsiteX5" y="connsiteY5"/>
+              </a:cxn>
+              <a:cxn ang="0">
+                <a:pos x="connsiteX6" y="connsiteY6"/>
+              </a:cxn>
+              <a:cxn ang="0">
+                <a:pos x="connsiteX7" y="connsiteY7"/>
+              </a:cxn>
+              <a:cxn ang="0">
+                <a:pos x="connsiteX8" y="connsiteY8"/>
+              </a:cxn>
+              <a:cxn ang="0">
+                <a:pos x="connsiteX9" y="connsiteY9"/>
+              </a:cxn>
+              <a:cxn ang="0">
+                <a:pos x="connsiteX10" y="connsiteY10"/>
+              </a:cxn>
+              <a:cxn ang="0">
+                <a:pos x="connsiteX11" y="connsiteY11"/>
+              </a:cxn>
+              <a:cxn ang="0">
+                <a:pos x="connsiteX12" y="connsiteY12"/>
+              </a:cxn>
+              <a:cxn ang="0">
+                <a:pos x="connsiteX13" y="connsiteY13"/>
+              </a:cxn>
+              <a:cxn ang="0">
+                <a:pos x="connsiteX14" y="connsiteY14"/>
+              </a:cxn>
+              <a:cxn ang="0">
+                <a:pos x="connsiteX15" y="connsiteY15"/>
+              </a:cxn>
+              <a:cxn ang="0">
+                <a:pos x="connsiteX16" y="connsiteY16"/>
+              </a:cxn>
+            </a:cxnLst>
+            <a:rect l="l" t="t" r="r" b="b"/>
+            <a:pathLst>
+              <a:path w="4343400" h="18288" fill="none" extrusionOk="0">
+                <a:moveTo>
+                  <a:pt x="0" y="0"/>
+                </a:moveTo>
+                <a:cubicBezTo>
+                  <a:pt x="233209" y="-19550"/>
+                  <a:pt x="330816" y="19068"/>
+                  <a:pt x="577052" y="0"/>
+                </a:cubicBezTo>
+                <a:cubicBezTo>
+                  <a:pt x="823288" y="-19068"/>
+                  <a:pt x="875077" y="10360"/>
+                  <a:pt x="1067235" y="0"/>
+                </a:cubicBezTo>
+                <a:cubicBezTo>
+                  <a:pt x="1259393" y="-10360"/>
+                  <a:pt x="1410699" y="2939"/>
+                  <a:pt x="1600853" y="0"/>
+                </a:cubicBezTo>
+                <a:cubicBezTo>
+                  <a:pt x="1791007" y="-2939"/>
+                  <a:pt x="2101644" y="-26225"/>
+                  <a:pt x="2264773" y="0"/>
+                </a:cubicBezTo>
+                <a:cubicBezTo>
+                  <a:pt x="2427902" y="26225"/>
+                  <a:pt x="2690426" y="-27726"/>
+                  <a:pt x="2841825" y="0"/>
+                </a:cubicBezTo>
+                <a:cubicBezTo>
+                  <a:pt x="2993224" y="27726"/>
+                  <a:pt x="3172320" y="-18569"/>
+                  <a:pt x="3375442" y="0"/>
+                </a:cubicBezTo>
+                <a:cubicBezTo>
+                  <a:pt x="3578564" y="18569"/>
+                  <a:pt x="4003119" y="21909"/>
+                  <a:pt x="4343400" y="0"/>
+                </a:cubicBezTo>
+                <a:cubicBezTo>
+                  <a:pt x="4343798" y="7429"/>
+                  <a:pt x="4343380" y="10822"/>
+                  <a:pt x="4343400" y="18288"/>
+                </a:cubicBezTo>
+                <a:cubicBezTo>
+                  <a:pt x="4109047" y="14709"/>
+                  <a:pt x="3996986" y="7919"/>
+                  <a:pt x="3722914" y="18288"/>
+                </a:cubicBezTo>
+                <a:cubicBezTo>
+                  <a:pt x="3448842" y="28657"/>
+                  <a:pt x="3340973" y="29252"/>
+                  <a:pt x="3189297" y="18288"/>
+                </a:cubicBezTo>
+                <a:cubicBezTo>
+                  <a:pt x="3037621" y="7324"/>
+                  <a:pt x="2636891" y="-9539"/>
+                  <a:pt x="2481943" y="18288"/>
+                </a:cubicBezTo>
+                <a:cubicBezTo>
+                  <a:pt x="2326995" y="46115"/>
+                  <a:pt x="2131632" y="740"/>
+                  <a:pt x="1904891" y="18288"/>
+                </a:cubicBezTo>
+                <a:cubicBezTo>
+                  <a:pt x="1678150" y="35836"/>
+                  <a:pt x="1575362" y="-3381"/>
+                  <a:pt x="1414707" y="18288"/>
+                </a:cubicBezTo>
+                <a:cubicBezTo>
+                  <a:pt x="1254052" y="39957"/>
+                  <a:pt x="1051093" y="-335"/>
+                  <a:pt x="750788" y="18288"/>
+                </a:cubicBezTo>
+                <a:cubicBezTo>
+                  <a:pt x="450483" y="36911"/>
+                  <a:pt x="293781" y="22900"/>
+                  <a:pt x="0" y="18288"/>
+                </a:cubicBezTo>
+                <a:cubicBezTo>
+                  <a:pt x="-591" y="13205"/>
+                  <a:pt x="-663" y="6329"/>
+                  <a:pt x="0" y="0"/>
+                </a:cubicBezTo>
+                <a:close/>
+              </a:path>
+              <a:path w="4343400" h="18288" stroke="0" extrusionOk="0">
+                <a:moveTo>
+                  <a:pt x="0" y="0"/>
+                </a:moveTo>
+                <a:cubicBezTo>
+                  <a:pt x="212719" y="-28531"/>
+                  <a:pt x="340561" y="-1164"/>
+                  <a:pt x="577052" y="0"/>
+                </a:cubicBezTo>
+                <a:cubicBezTo>
+                  <a:pt x="813543" y="1164"/>
+                  <a:pt x="866967" y="-9376"/>
+                  <a:pt x="1067235" y="0"/>
+                </a:cubicBezTo>
+                <a:cubicBezTo>
+                  <a:pt x="1267503" y="9376"/>
+                  <a:pt x="1485778" y="-20470"/>
+                  <a:pt x="1774589" y="0"/>
+                </a:cubicBezTo>
+                <a:cubicBezTo>
+                  <a:pt x="2063400" y="20470"/>
+                  <a:pt x="2090152" y="-14502"/>
+                  <a:pt x="2351641" y="0"/>
+                </a:cubicBezTo>
+                <a:cubicBezTo>
+                  <a:pt x="2613130" y="14502"/>
+                  <a:pt x="2802864" y="19125"/>
+                  <a:pt x="2928693" y="0"/>
+                </a:cubicBezTo>
+                <a:cubicBezTo>
+                  <a:pt x="3054522" y="-19125"/>
+                  <a:pt x="3482611" y="-2038"/>
+                  <a:pt x="3636046" y="0"/>
+                </a:cubicBezTo>
+                <a:cubicBezTo>
+                  <a:pt x="3789481" y="2038"/>
+                  <a:pt x="4012363" y="973"/>
+                  <a:pt x="4343400" y="0"/>
+                </a:cubicBezTo>
+                <a:cubicBezTo>
+                  <a:pt x="4342514" y="5429"/>
+                  <a:pt x="4344221" y="14046"/>
+                  <a:pt x="4343400" y="18288"/>
+                </a:cubicBezTo>
+                <a:cubicBezTo>
+                  <a:pt x="4078870" y="-6138"/>
+                  <a:pt x="4015967" y="29658"/>
+                  <a:pt x="3809782" y="18288"/>
+                </a:cubicBezTo>
+                <a:cubicBezTo>
+                  <a:pt x="3603597" y="6918"/>
+                  <a:pt x="3495552" y="24439"/>
+                  <a:pt x="3189297" y="18288"/>
+                </a:cubicBezTo>
+                <a:cubicBezTo>
+                  <a:pt x="2883042" y="12137"/>
+                  <a:pt x="2850610" y="32583"/>
+                  <a:pt x="2568811" y="18288"/>
+                </a:cubicBezTo>
+                <a:cubicBezTo>
+                  <a:pt x="2287012" y="3993"/>
+                  <a:pt x="2279820" y="23580"/>
+                  <a:pt x="1991759" y="18288"/>
+                </a:cubicBezTo>
+                <a:cubicBezTo>
+                  <a:pt x="1703698" y="12996"/>
+                  <a:pt x="1616455" y="23157"/>
+                  <a:pt x="1284405" y="18288"/>
+                </a:cubicBezTo>
+                <a:cubicBezTo>
+                  <a:pt x="952355" y="13419"/>
+                  <a:pt x="783530" y="16053"/>
+                  <a:pt x="577052" y="18288"/>
+                </a:cubicBezTo>
+                <a:cubicBezTo>
+                  <a:pt x="370574" y="20523"/>
+                  <a:pt x="173929" y="5195"/>
+                  <a:pt x="0" y="18288"/>
+                </a:cubicBezTo>
+                <a:cubicBezTo>
+                  <a:pt x="668" y="13665"/>
+                  <a:pt x="578" y="5675"/>
+                  <a:pt x="0" y="0"/>
+                </a:cubicBezTo>
+                <a:close/>
+              </a:path>
+            </a:pathLst>
+          </a:custGeom>
+          <a:solidFill>
+            <a:schemeClr val="accent2"/>
+          </a:solidFill>
+          <a:ln w="41275" cap="rnd">
+            <a:solidFill>
+              <a:schemeClr val="accent2"/>
+            </a:solidFill>
+            <a:round/>
+            <a:extLst>
+              <a:ext uri="{C807C97D-BFC1-408E-A445-0C87EB9F89A2}">
+                <ask:lineSketchStyleProps xmlns:ask="http://schemas.microsoft.com/office/drawing/2018/sketchyshapes" sd="1219033472">
+                  <a:prstGeom prst="rect">
+                    <a:avLst/>
+                  </a:prstGeom>
+                  <ask:type>
+                    <ask:lineSketchFreehand/>
+                  </ask:type>
+                </ask:lineSketchStyleProps>
+              </a:ext>
+            </a:extLst>
+          </a:ln>
+        </p:spPr>
+        <p:style>
+          <a:lnRef idx="2">
+            <a:schemeClr val="accent1">
+              <a:shade val="50000"/>
+            </a:schemeClr>
+          </a:lnRef>
+          <a:fillRef idx="1">
+            <a:schemeClr val="accent1"/>
+          </a:fillRef>
+          <a:effectRef idx="0">
+            <a:schemeClr val="accent1"/>
+          </a:effectRef>
+          <a:fontRef idx="minor">
+            <a:schemeClr val="lt1"/>
+          </a:fontRef>
+        </p:style>
+        <p:txBody>
+          <a:bodyPr rtlCol="0" anchor="ctr"/>
+          <a:lstStyle/>
+          <a:p>
+            <a:pPr algn="ctr"/>
+            <a:endParaRPr lang="en-US"/>
+          </a:p>
+        </p:txBody>
+      </p:sp>
+      <p:sp>
+        <p:nvSpPr>
+          <p:cNvPr id="3" name="Segnaposto contenuto 2">
+            <a:extLst>
+              <a:ext uri="{FF2B5EF4-FFF2-40B4-BE49-F238E27FC236}">
+                <a16:creationId xmlns:a16="http://schemas.microsoft.com/office/drawing/2014/main" id="{1E026B63-63ED-2CE5-637B-90BDF9BEBBE1}"/>
+              </a:ext>
+            </a:extLst>
+          </p:cNvPr>
+          <p:cNvSpPr>
+            <a:spLocks noGrp="1"/>
+          </p:cNvSpPr>
+          <p:nvPr>
+            <p:ph idx="1"/>
+          </p:nvPr>
+        </p:nvSpPr>
+        <p:spPr>
+          <a:xfrm>
+            <a:off x="612648" y="2504819"/>
+            <a:ext cx="5941268" cy="3884672"/>
+          </a:xfrm>
+        </p:spPr>
+        <p:txBody>
+          <a:bodyPr>
+            <a:normAutofit/>
+          </a:bodyPr>
+          <a:lstStyle/>
+          <a:p>
+            <a:pPr marL="0" indent="0" algn="just">
+              <a:lnSpc>
+                <a:spcPct val="120000"/>
+              </a:lnSpc>
+              <a:buNone/>
+            </a:pPr>
+            <a:r>
+              <a:rPr lang="it-IT" sz="1600" u="sng" dirty="0"/>
+              <a:t>Grafico 1 – Andamento degli stati</a:t>
+            </a:r>
+          </a:p>
+          <a:p>
+            <a:pPr algn="just">
+              <a:lnSpc>
+                <a:spcPct val="120000"/>
+              </a:lnSpc>
+            </a:pPr>
+            <a:r>
+              <a:rPr lang="it-IT" sz="1600" dirty="0"/>
+              <a:t>Rispetto al caso con N=3 si nota che il superamento dei riferimenti avviene in anticipo (con stesso valore di picco) permettendo così un raggiungimento in tempi più brevi del valore di riferimento dello stato.</a:t>
+            </a:r>
+          </a:p>
+          <a:p>
+            <a:pPr marL="0" indent="0" algn="just">
+              <a:lnSpc>
+                <a:spcPct val="120000"/>
+              </a:lnSpc>
+              <a:buNone/>
+            </a:pPr>
+            <a:r>
+              <a:rPr lang="it-IT" sz="1600" u="sng" dirty="0"/>
+              <a:t>Grafico 2 – Ingressi di controllo</a:t>
+            </a:r>
+          </a:p>
+          <a:p>
+            <a:pPr algn="just">
+              <a:lnSpc>
+                <a:spcPct val="120000"/>
+              </a:lnSpc>
+            </a:pPr>
+            <a:r>
+              <a:rPr lang="it-IT" sz="1600" dirty="0"/>
+              <a:t>Anche la saturazione sul controllo viene anticipata e prolungata rispetto al caso precedente con orizzonte temporale N=3.</a:t>
+            </a:r>
+          </a:p>
+          <a:p>
+            <a:pPr marL="0" indent="0" algn="just">
+              <a:lnSpc>
+                <a:spcPct val="120000"/>
+              </a:lnSpc>
+              <a:buNone/>
+            </a:pPr>
+            <a:endParaRPr lang="it-IT" sz="2200" dirty="0"/>
+          </a:p>
+        </p:txBody>
+      </p:sp>
+      <p:sp>
+        <p:nvSpPr>
+          <p:cNvPr id="4" name="Segnaposto piè di pagina 3">
+            <a:extLst>
+              <a:ext uri="{FF2B5EF4-FFF2-40B4-BE49-F238E27FC236}">
+                <a16:creationId xmlns:a16="http://schemas.microsoft.com/office/drawing/2014/main" id="{3C0B0E1D-FAC5-232D-6EBF-C46100884034}"/>
+              </a:ext>
+            </a:extLst>
+          </p:cNvPr>
+          <p:cNvSpPr>
+            <a:spLocks noGrp="1"/>
+          </p:cNvSpPr>
+          <p:nvPr>
+            <p:ph type="ftr" sz="quarter" idx="11"/>
+          </p:nvPr>
+        </p:nvSpPr>
+        <p:spPr>
+          <a:xfrm>
+            <a:off x="4038600" y="6356350"/>
+            <a:ext cx="4114800" cy="365125"/>
+          </a:xfrm>
+        </p:spPr>
+        <p:txBody>
+          <a:bodyPr>
+            <a:normAutofit/>
+          </a:bodyPr>
+          <a:lstStyle/>
+          <a:p>
+            <a:pPr>
+              <a:spcAft>
+                <a:spcPts val="600"/>
+              </a:spcAft>
+            </a:pPr>
+            <a:r>
+              <a:rPr lang="it-IT"/>
+              <a:t>Davide Brambilla [1080752], Giorgio Passarella[1079287]</a:t>
+            </a:r>
+          </a:p>
+        </p:txBody>
+      </p:sp>
+      <p:pic>
+        <p:nvPicPr>
+          <p:cNvPr id="7" name="Immagine 6">
+            <a:extLst>
+              <a:ext uri="{FF2B5EF4-FFF2-40B4-BE49-F238E27FC236}">
+                <a16:creationId xmlns:a16="http://schemas.microsoft.com/office/drawing/2014/main" id="{56C824A4-4DAC-FD53-63B9-D33C9825C5CF}"/>
+              </a:ext>
+            </a:extLst>
+          </p:cNvPr>
+          <p:cNvPicPr>
+            <a:picLocks noChangeAspect="1"/>
+          </p:cNvPicPr>
+          <p:nvPr/>
+        </p:nvPicPr>
+        <p:blipFill>
+          <a:blip r:embed="rId2">
+            <a:extLst>
+              <a:ext uri="{28A0092B-C50C-407E-A947-70E740481C1C}">
+                <a14:useLocalDpi xmlns:a14="http://schemas.microsoft.com/office/drawing/2010/main" val="0"/>
+              </a:ext>
+            </a:extLst>
+          </a:blip>
+          <a:srcRect/>
+          <a:stretch/>
+        </p:blipFill>
+        <p:spPr>
+          <a:xfrm>
+            <a:off x="6757252" y="2959238"/>
+            <a:ext cx="5216821" cy="2688362"/>
+          </a:xfrm>
+          <a:prstGeom prst="rect">
+            <a:avLst/>
+          </a:prstGeom>
+        </p:spPr>
+      </p:pic>
+    </p:spTree>
+    <p:extLst>
+      <p:ext uri="{BB962C8B-B14F-4D97-AF65-F5344CB8AC3E}">
+        <p14:creationId xmlns:p14="http://schemas.microsoft.com/office/powerpoint/2010/main" val="1462901433"/>
+      </p:ext>
+    </p:extLst>
+  </p:cSld>
+  <p:clrMapOvr>
+    <a:masterClrMapping/>
+  </p:clrMapOvr>
+</p:sld>
+</file>
+
+<file path=ppt/slides/slide22.xml><?xml version="1.0" encoding="utf-8"?>
+<p:sld xmlns:a="http://schemas.openxmlformats.org/drawingml/2006/main" xmlns:r="http://schemas.openxmlformats.org/officeDocument/2006/relationships" xmlns:p="http://schemas.openxmlformats.org/presentationml/2006/main">
+  <p:cSld>
+    <p:bg>
+      <p:bgPr>
+        <a:solidFill>
+          <a:schemeClr val="bg1"/>
+        </a:solidFill>
+        <a:effectLst/>
+      </p:bgPr>
+    </p:bg>
+    <p:spTree>
+      <p:nvGrpSpPr>
+        <p:cNvPr id="1" name="">
+          <a:extLst>
+            <a:ext uri="{FF2B5EF4-FFF2-40B4-BE49-F238E27FC236}">
+              <a16:creationId xmlns:a16="http://schemas.microsoft.com/office/drawing/2014/main" id="{379BE220-CF77-7613-FA00-97B58B278AA5}"/>
+            </a:ext>
+          </a:extLst>
+        </p:cNvPr>
+        <p:cNvGrpSpPr/>
+        <p:nvPr/>
+      </p:nvGrpSpPr>
+      <p:grpSpPr>
+        <a:xfrm>
+          <a:off x="0" y="0"/>
+          <a:ext cx="0" cy="0"/>
+          <a:chOff x="0" y="0"/>
+          <a:chExt cx="0" cy="0"/>
+        </a:xfrm>
+      </p:grpSpPr>
+      <p:sp useBgFill="1">
+        <p:nvSpPr>
+          <p:cNvPr id="13" name="Rectangle 12">
+            <a:extLst>
+              <a:ext uri="{FF2B5EF4-FFF2-40B4-BE49-F238E27FC236}">
+                <a16:creationId xmlns:a16="http://schemas.microsoft.com/office/drawing/2014/main" id="{F4EAA2AD-0B1B-08F5-2EB0-7DD4CB999645}"/>
+              </a:ext>
+              <a:ext uri="{C183D7F6-B498-43B3-948B-1728B52AA6E4}">
+                <adec:decorative xmlns:adec="http://schemas.microsoft.com/office/drawing/2017/decorative" val="1"/>
+              </a:ext>
+            </a:extLst>
+          </p:cNvPr>
+          <p:cNvSpPr>
+            <a:spLocks noGrp="1" noRot="1" noChangeAspect="1" noMove="1" noResize="1" noEditPoints="1" noAdjustHandles="1" noChangeArrowheads="1" noChangeShapeType="1" noTextEdit="1"/>
+          </p:cNvSpPr>
+          <p:nvPr>
+            <p:extLst>
+              <p:ext uri="{386F3935-93C4-4BCD-93E2-E3B085C9AB24}">
+                <p16:designElem xmlns:p16="http://schemas.microsoft.com/office/powerpoint/2015/main" val="1"/>
+              </p:ext>
+            </p:extLst>
+          </p:nvPr>
+        </p:nvSpPr>
+        <p:spPr>
+          <a:xfrm>
+            <a:off x="0" y="0"/>
+            <a:ext cx="12188952" cy="6858000"/>
+          </a:xfrm>
+          <a:prstGeom prst="rect">
+            <a:avLst/>
+          </a:prstGeom>
+          <a:ln>
+            <a:noFill/>
+          </a:ln>
+        </p:spPr>
+        <p:style>
+          <a:lnRef idx="2">
+            <a:schemeClr val="accent1">
+              <a:shade val="50000"/>
+            </a:schemeClr>
+          </a:lnRef>
+          <a:fillRef idx="1">
+            <a:schemeClr val="accent1"/>
+          </a:fillRef>
+          <a:effectRef idx="0">
+            <a:schemeClr val="accent1"/>
+          </a:effectRef>
+          <a:fontRef idx="minor">
+            <a:schemeClr val="lt1"/>
+          </a:fontRef>
+        </p:style>
+        <p:txBody>
+          <a:bodyPr rtlCol="0" anchor="ctr"/>
+          <a:lstStyle/>
+          <a:p>
+            <a:pPr algn="ctr"/>
+            <a:endParaRPr lang="en-US"/>
+          </a:p>
+        </p:txBody>
+      </p:sp>
+      <p:sp>
+        <p:nvSpPr>
+          <p:cNvPr id="2" name="Titolo 1">
+            <a:extLst>
+              <a:ext uri="{FF2B5EF4-FFF2-40B4-BE49-F238E27FC236}">
+                <a16:creationId xmlns:a16="http://schemas.microsoft.com/office/drawing/2014/main" id="{57CB8C5D-FCFE-9351-C194-230E67F197F2}"/>
+              </a:ext>
+            </a:extLst>
+          </p:cNvPr>
+          <p:cNvSpPr>
+            <a:spLocks noGrp="1"/>
+          </p:cNvSpPr>
+          <p:nvPr>
+            <p:ph type="title"/>
+          </p:nvPr>
+        </p:nvSpPr>
+        <p:spPr>
+          <a:xfrm>
+            <a:off x="640079" y="329184"/>
+            <a:ext cx="8475999" cy="1783080"/>
+          </a:xfrm>
+        </p:spPr>
+        <p:txBody>
+          <a:bodyPr anchor="b">
+            <a:normAutofit/>
+          </a:bodyPr>
+          <a:lstStyle/>
+          <a:p>
+            <a:r>
+              <a:rPr lang="it-IT" sz="5400" dirty="0"/>
+              <a:t>Simulazione MPC </a:t>
+            </a:r>
+            <a:r>
+              <a:rPr lang="it-IT" sz="3600" dirty="0"/>
+              <a:t>(altri valori)</a:t>
+            </a:r>
+            <a:endParaRPr lang="it-IT" sz="5400" dirty="0"/>
+          </a:p>
+        </p:txBody>
+      </p:sp>
+      <p:sp>
+        <p:nvSpPr>
+          <p:cNvPr id="15" name="sketch line">
+            <a:extLst>
+              <a:ext uri="{FF2B5EF4-FFF2-40B4-BE49-F238E27FC236}">
+                <a16:creationId xmlns:a16="http://schemas.microsoft.com/office/drawing/2014/main" id="{2696030A-6F3A-B464-FFAD-A6241BE33648}"/>
+              </a:ext>
+              <a:ext uri="{C183D7F6-B498-43B3-948B-1728B52AA6E4}">
+                <adec:decorative xmlns:adec="http://schemas.microsoft.com/office/drawing/2017/decorative" val="1"/>
+              </a:ext>
+            </a:extLst>
+          </p:cNvPr>
+          <p:cNvSpPr>
+            <a:spLocks noGrp="1" noRot="1" noChangeAspect="1" noMove="1" noResize="1" noEditPoints="1" noAdjustHandles="1" noChangeArrowheads="1" noChangeShapeType="1" noTextEdit="1"/>
+          </p:cNvSpPr>
+          <p:nvPr>
+            <p:extLst>
+              <p:ext uri="{386F3935-93C4-4BCD-93E2-E3B085C9AB24}">
+                <p16:designElem xmlns:p16="http://schemas.microsoft.com/office/powerpoint/2015/main" val="1"/>
+              </p:ext>
+            </p:extLst>
+          </p:nvPr>
+        </p:nvSpPr>
+        <p:spPr>
+          <a:xfrm>
+            <a:off x="758952" y="2395728"/>
+            <a:ext cx="4243589" cy="18288"/>
+          </a:xfrm>
+          <a:custGeom>
+            <a:avLst/>
+            <a:gdLst>
+              <a:gd name="connsiteX0" fmla="*/ 0 w 4243589"/>
+              <a:gd name="connsiteY0" fmla="*/ 0 h 18288"/>
+              <a:gd name="connsiteX1" fmla="*/ 478919 w 4243589"/>
+              <a:gd name="connsiteY1" fmla="*/ 0 h 18288"/>
+              <a:gd name="connsiteX2" fmla="*/ 957839 w 4243589"/>
+              <a:gd name="connsiteY2" fmla="*/ 0 h 18288"/>
+              <a:gd name="connsiteX3" fmla="*/ 1521630 w 4243589"/>
+              <a:gd name="connsiteY3" fmla="*/ 0 h 18288"/>
+              <a:gd name="connsiteX4" fmla="*/ 2212729 w 4243589"/>
+              <a:gd name="connsiteY4" fmla="*/ 0 h 18288"/>
+              <a:gd name="connsiteX5" fmla="*/ 2734084 w 4243589"/>
+              <a:gd name="connsiteY5" fmla="*/ 0 h 18288"/>
+              <a:gd name="connsiteX6" fmla="*/ 3255439 w 4243589"/>
+              <a:gd name="connsiteY6" fmla="*/ 0 h 18288"/>
+              <a:gd name="connsiteX7" fmla="*/ 4243589 w 4243589"/>
+              <a:gd name="connsiteY7" fmla="*/ 0 h 18288"/>
+              <a:gd name="connsiteX8" fmla="*/ 4243589 w 4243589"/>
+              <a:gd name="connsiteY8" fmla="*/ 18288 h 18288"/>
+              <a:gd name="connsiteX9" fmla="*/ 3594926 w 4243589"/>
+              <a:gd name="connsiteY9" fmla="*/ 18288 h 18288"/>
+              <a:gd name="connsiteX10" fmla="*/ 3073571 w 4243589"/>
+              <a:gd name="connsiteY10" fmla="*/ 18288 h 18288"/>
+              <a:gd name="connsiteX11" fmla="*/ 2552216 w 4243589"/>
+              <a:gd name="connsiteY11" fmla="*/ 18288 h 18288"/>
+              <a:gd name="connsiteX12" fmla="*/ 1903553 w 4243589"/>
+              <a:gd name="connsiteY12" fmla="*/ 18288 h 18288"/>
+              <a:gd name="connsiteX13" fmla="*/ 1212454 w 4243589"/>
+              <a:gd name="connsiteY13" fmla="*/ 18288 h 18288"/>
+              <a:gd name="connsiteX14" fmla="*/ 733535 w 4243589"/>
+              <a:gd name="connsiteY14" fmla="*/ 18288 h 18288"/>
+              <a:gd name="connsiteX15" fmla="*/ 0 w 4243589"/>
+              <a:gd name="connsiteY15" fmla="*/ 18288 h 18288"/>
+              <a:gd name="connsiteX16" fmla="*/ 0 w 4243589"/>
+              <a:gd name="connsiteY16" fmla="*/ 0 h 18288"/>
+            </a:gdLst>
+            <a:ahLst/>
+            <a:cxnLst>
+              <a:cxn ang="0">
+                <a:pos x="connsiteX0" y="connsiteY0"/>
+              </a:cxn>
+              <a:cxn ang="0">
+                <a:pos x="connsiteX1" y="connsiteY1"/>
+              </a:cxn>
+              <a:cxn ang="0">
+                <a:pos x="connsiteX2" y="connsiteY2"/>
+              </a:cxn>
+              <a:cxn ang="0">
+                <a:pos x="connsiteX3" y="connsiteY3"/>
+              </a:cxn>
+              <a:cxn ang="0">
+                <a:pos x="connsiteX4" y="connsiteY4"/>
+              </a:cxn>
+              <a:cxn ang="0">
+                <a:pos x="connsiteX5" y="connsiteY5"/>
+              </a:cxn>
+              <a:cxn ang="0">
+                <a:pos x="connsiteX6" y="connsiteY6"/>
+              </a:cxn>
+              <a:cxn ang="0">
+                <a:pos x="connsiteX7" y="connsiteY7"/>
+              </a:cxn>
+              <a:cxn ang="0">
+                <a:pos x="connsiteX8" y="connsiteY8"/>
+              </a:cxn>
+              <a:cxn ang="0">
+                <a:pos x="connsiteX9" y="connsiteY9"/>
+              </a:cxn>
+              <a:cxn ang="0">
+                <a:pos x="connsiteX10" y="connsiteY10"/>
+              </a:cxn>
+              <a:cxn ang="0">
+                <a:pos x="connsiteX11" y="connsiteY11"/>
+              </a:cxn>
+              <a:cxn ang="0">
+                <a:pos x="connsiteX12" y="connsiteY12"/>
+              </a:cxn>
+              <a:cxn ang="0">
+                <a:pos x="connsiteX13" y="connsiteY13"/>
+              </a:cxn>
+              <a:cxn ang="0">
+                <a:pos x="connsiteX14" y="connsiteY14"/>
+              </a:cxn>
+              <a:cxn ang="0">
+                <a:pos x="connsiteX15" y="connsiteY15"/>
+              </a:cxn>
+              <a:cxn ang="0">
+                <a:pos x="connsiteX16" y="connsiteY16"/>
+              </a:cxn>
+            </a:cxnLst>
+            <a:rect l="l" t="t" r="r" b="b"/>
+            <a:pathLst>
+              <a:path w="4243589" h="18288" fill="none" extrusionOk="0">
+                <a:moveTo>
+                  <a:pt x="0" y="0"/>
+                </a:moveTo>
+                <a:cubicBezTo>
+                  <a:pt x="213395" y="-21006"/>
+                  <a:pt x="307421" y="-18116"/>
+                  <a:pt x="478919" y="0"/>
+                </a:cubicBezTo>
+                <a:cubicBezTo>
+                  <a:pt x="650417" y="18116"/>
+                  <a:pt x="831092" y="-21237"/>
+                  <a:pt x="957839" y="0"/>
+                </a:cubicBezTo>
+                <a:cubicBezTo>
+                  <a:pt x="1084586" y="21237"/>
+                  <a:pt x="1301682" y="25124"/>
+                  <a:pt x="1521630" y="0"/>
+                </a:cubicBezTo>
+                <a:cubicBezTo>
+                  <a:pt x="1741578" y="-25124"/>
+                  <a:pt x="1970269" y="-29139"/>
+                  <a:pt x="2212729" y="0"/>
+                </a:cubicBezTo>
+                <a:cubicBezTo>
+                  <a:pt x="2455189" y="29139"/>
+                  <a:pt x="2558847" y="-4796"/>
+                  <a:pt x="2734084" y="0"/>
+                </a:cubicBezTo>
+                <a:cubicBezTo>
+                  <a:pt x="2909321" y="4796"/>
+                  <a:pt x="3097217" y="-13409"/>
+                  <a:pt x="3255439" y="0"/>
+                </a:cubicBezTo>
+                <a:cubicBezTo>
+                  <a:pt x="3413662" y="13409"/>
+                  <a:pt x="3979999" y="-10121"/>
+                  <a:pt x="4243589" y="0"/>
+                </a:cubicBezTo>
+                <a:cubicBezTo>
+                  <a:pt x="4244484" y="8974"/>
+                  <a:pt x="4243043" y="9359"/>
+                  <a:pt x="4243589" y="18288"/>
+                </a:cubicBezTo>
+                <a:cubicBezTo>
+                  <a:pt x="4058777" y="31246"/>
+                  <a:pt x="3910348" y="3158"/>
+                  <a:pt x="3594926" y="18288"/>
+                </a:cubicBezTo>
+                <a:cubicBezTo>
+                  <a:pt x="3279504" y="33418"/>
+                  <a:pt x="3319955" y="-3977"/>
+                  <a:pt x="3073571" y="18288"/>
+                </a:cubicBezTo>
+                <a:cubicBezTo>
+                  <a:pt x="2827187" y="40553"/>
+                  <a:pt x="2767387" y="1863"/>
+                  <a:pt x="2552216" y="18288"/>
+                </a:cubicBezTo>
+                <a:cubicBezTo>
+                  <a:pt x="2337046" y="34713"/>
+                  <a:pt x="2181871" y="19527"/>
+                  <a:pt x="1903553" y="18288"/>
+                </a:cubicBezTo>
+                <a:cubicBezTo>
+                  <a:pt x="1625235" y="17049"/>
+                  <a:pt x="1557672" y="24174"/>
+                  <a:pt x="1212454" y="18288"/>
+                </a:cubicBezTo>
+                <a:cubicBezTo>
+                  <a:pt x="867236" y="12402"/>
+                  <a:pt x="874382" y="15627"/>
+                  <a:pt x="733535" y="18288"/>
+                </a:cubicBezTo>
+                <a:cubicBezTo>
+                  <a:pt x="592688" y="20949"/>
+                  <a:pt x="183477" y="14753"/>
+                  <a:pt x="0" y="18288"/>
+                </a:cubicBezTo>
+                <a:cubicBezTo>
+                  <a:pt x="-229" y="14222"/>
+                  <a:pt x="509" y="5816"/>
+                  <a:pt x="0" y="0"/>
+                </a:cubicBezTo>
+                <a:close/>
+              </a:path>
+              <a:path w="4243589" h="18288" stroke="0" extrusionOk="0">
+                <a:moveTo>
+                  <a:pt x="0" y="0"/>
+                </a:moveTo>
+                <a:cubicBezTo>
+                  <a:pt x="143690" y="16630"/>
+                  <a:pt x="266667" y="14847"/>
+                  <a:pt x="521355" y="0"/>
+                </a:cubicBezTo>
+                <a:cubicBezTo>
+                  <a:pt x="776043" y="-14847"/>
+                  <a:pt x="814491" y="-17363"/>
+                  <a:pt x="1000275" y="0"/>
+                </a:cubicBezTo>
+                <a:cubicBezTo>
+                  <a:pt x="1186059" y="17363"/>
+                  <a:pt x="1352504" y="-23507"/>
+                  <a:pt x="1521630" y="0"/>
+                </a:cubicBezTo>
+                <a:cubicBezTo>
+                  <a:pt x="1690756" y="23507"/>
+                  <a:pt x="1889525" y="5871"/>
+                  <a:pt x="2127857" y="0"/>
+                </a:cubicBezTo>
+                <a:cubicBezTo>
+                  <a:pt x="2366189" y="-5871"/>
+                  <a:pt x="2620628" y="-27997"/>
+                  <a:pt x="2776520" y="0"/>
+                </a:cubicBezTo>
+                <a:cubicBezTo>
+                  <a:pt x="2932412" y="27997"/>
+                  <a:pt x="3131683" y="-25073"/>
+                  <a:pt x="3467618" y="0"/>
+                </a:cubicBezTo>
+                <a:cubicBezTo>
+                  <a:pt x="3803553" y="25073"/>
+                  <a:pt x="4017371" y="3071"/>
+                  <a:pt x="4243589" y="0"/>
+                </a:cubicBezTo>
+                <a:cubicBezTo>
+                  <a:pt x="4243134" y="6162"/>
+                  <a:pt x="4243492" y="11775"/>
+                  <a:pt x="4243589" y="18288"/>
+                </a:cubicBezTo>
+                <a:cubicBezTo>
+                  <a:pt x="4017834" y="-5779"/>
+                  <a:pt x="3834586" y="13376"/>
+                  <a:pt x="3594926" y="18288"/>
+                </a:cubicBezTo>
+                <a:cubicBezTo>
+                  <a:pt x="3355266" y="23200"/>
+                  <a:pt x="3204179" y="2869"/>
+                  <a:pt x="2903827" y="18288"/>
+                </a:cubicBezTo>
+                <a:cubicBezTo>
+                  <a:pt x="2603475" y="33707"/>
+                  <a:pt x="2526187" y="46187"/>
+                  <a:pt x="2212729" y="18288"/>
+                </a:cubicBezTo>
+                <a:cubicBezTo>
+                  <a:pt x="1899271" y="-9611"/>
+                  <a:pt x="1966289" y="29692"/>
+                  <a:pt x="1733809" y="18288"/>
+                </a:cubicBezTo>
+                <a:cubicBezTo>
+                  <a:pt x="1501329" y="6884"/>
+                  <a:pt x="1343612" y="12492"/>
+                  <a:pt x="1085146" y="18288"/>
+                </a:cubicBezTo>
+                <a:cubicBezTo>
+                  <a:pt x="826680" y="24084"/>
+                  <a:pt x="778184" y="35607"/>
+                  <a:pt x="521355" y="18288"/>
+                </a:cubicBezTo>
+                <a:cubicBezTo>
+                  <a:pt x="264526" y="969"/>
+                  <a:pt x="120277" y="4268"/>
+                  <a:pt x="0" y="18288"/>
+                </a:cubicBezTo>
+                <a:cubicBezTo>
+                  <a:pt x="766" y="10800"/>
+                  <a:pt x="-457" y="8180"/>
+                  <a:pt x="0" y="0"/>
+                </a:cubicBezTo>
+                <a:close/>
+              </a:path>
+            </a:pathLst>
+          </a:custGeom>
+          <a:solidFill>
+            <a:schemeClr val="accent2"/>
+          </a:solidFill>
+          <a:ln w="41275" cap="rnd">
+            <a:solidFill>
+              <a:schemeClr val="accent2"/>
+            </a:solidFill>
+            <a:round/>
+            <a:extLst>
+              <a:ext uri="{C807C97D-BFC1-408E-A445-0C87EB9F89A2}">
+                <ask:lineSketchStyleProps xmlns:ask="http://schemas.microsoft.com/office/drawing/2018/sketchyshapes" sd="2727557108">
+                  <a:prstGeom prst="rect">
+                    <a:avLst/>
+                  </a:prstGeom>
+                  <ask:type>
+                    <ask:lineSketchFreehand/>
+                  </ask:type>
+                </ask:lineSketchStyleProps>
+              </a:ext>
+            </a:extLst>
+          </a:ln>
+        </p:spPr>
+        <p:style>
+          <a:lnRef idx="2">
+            <a:schemeClr val="accent1">
+              <a:shade val="50000"/>
+            </a:schemeClr>
+          </a:lnRef>
+          <a:fillRef idx="1">
+            <a:schemeClr val="accent1"/>
+          </a:fillRef>
+          <a:effectRef idx="0">
+            <a:schemeClr val="accent1"/>
+          </a:effectRef>
+          <a:fontRef idx="minor">
+            <a:schemeClr val="lt1"/>
+          </a:fontRef>
+        </p:style>
+        <p:txBody>
+          <a:bodyPr rtlCol="0" anchor="ctr"/>
+          <a:lstStyle/>
+          <a:p>
+            <a:pPr algn="ctr"/>
+            <a:endParaRPr lang="en-US"/>
+          </a:p>
+        </p:txBody>
+      </p:sp>
+      <mc:AlternateContent xmlns:mc="http://schemas.openxmlformats.org/markup-compatibility/2006">
+        <mc:Choice xmlns:a14="http://schemas.microsoft.com/office/drawing/2010/main" Requires="a14">
+          <p:sp>
+            <p:nvSpPr>
+              <p:cNvPr id="3" name="Segnaposto contenuto 2">
+                <a:extLst>
+                  <a:ext uri="{FF2B5EF4-FFF2-40B4-BE49-F238E27FC236}">
+                    <a16:creationId xmlns:a16="http://schemas.microsoft.com/office/drawing/2014/main" id="{557CDEE9-58B5-F11D-29EA-6C53072DC639}"/>
+                  </a:ext>
+                </a:extLst>
+              </p:cNvPr>
+              <p:cNvSpPr>
+                <a:spLocks noGrp="1"/>
+              </p:cNvSpPr>
+              <p:nvPr>
+                <p:ph idx="1"/>
+              </p:nvPr>
+            </p:nvSpPr>
+            <p:spPr>
+              <a:xfrm>
+                <a:off x="640079" y="2706624"/>
+                <a:ext cx="7812885" cy="3483864"/>
+              </a:xfrm>
+            </p:spPr>
+            <p:txBody>
+              <a:bodyPr>
+                <a:normAutofit lnSpcReduction="10000"/>
+              </a:bodyPr>
+              <a:lstStyle/>
+              <a:p>
+                <a:pPr marL="0" indent="0" algn="just">
+                  <a:lnSpc>
+                    <a:spcPct val="100000"/>
+                  </a:lnSpc>
+                  <a:buNone/>
+                </a:pPr>
+                <a:r>
+                  <a:rPr lang="it-IT" sz="1600" dirty="0"/>
+                  <a:t>Dalle simulazioni fatte in precedenza abbiamo capito che rendere il controllo più aggressivo per quanto riguarda il raggiungimento del riferimento del livello del serbatoio 2 era la scelta giusta, ma il problema era il tempo di calcolo troppo elevato.</a:t>
+                </a:r>
+              </a:p>
+              <a:p>
+                <a:pPr marL="0" indent="0" algn="just">
+                  <a:lnSpc>
+                    <a:spcPct val="100000"/>
+                  </a:lnSpc>
+                  <a:buNone/>
+                </a:pPr>
+                <a:r>
+                  <a:rPr lang="it-IT" sz="1600" dirty="0"/>
+                  <a:t>La causa era il valore di Q scelto che generava una quantità di vincoli molto numerosa nel calcolo del controllable set.</a:t>
+                </a:r>
+              </a:p>
+              <a:p>
+                <a:pPr marL="0" indent="0" algn="just">
+                  <a:lnSpc>
+                    <a:spcPct val="100000"/>
+                  </a:lnSpc>
+                  <a:buNone/>
+                </a:pPr>
+                <a:r>
+                  <a:rPr lang="it-IT" sz="1600" dirty="0"/>
+                  <a:t>Per rendere più semplice il calcolo abbiamo scelto i seguenti valori:</a:t>
+                </a:r>
+              </a:p>
+              <a:p>
+                <a:pPr algn="just">
+                  <a:lnSpc>
+                    <a:spcPct val="100000"/>
+                  </a:lnSpc>
+                </a:pPr>
+                <a:r>
+                  <a:rPr lang="it-IT" sz="1600" dirty="0"/>
+                  <a:t>Q = </a:t>
+                </a:r>
+                <a:r>
+                  <a:rPr lang="it-IT" sz="1600" dirty="0" err="1"/>
+                  <a:t>diag</a:t>
+                </a:r>
+                <a:r>
+                  <a:rPr lang="it-IT" sz="1600" dirty="0"/>
+                  <a:t>([1,100,100,1])</a:t>
+                </a:r>
+              </a:p>
+              <a:p>
+                <a:pPr lvl="1" algn="just">
+                  <a:lnSpc>
+                    <a:spcPct val="100000"/>
+                  </a:lnSpc>
+                  <a:buFont typeface="Wingdings" panose="05000000000000000000" pitchFamily="2" charset="2"/>
+                  <a:buChar char="§"/>
+                </a:pPr>
+                <a:r>
+                  <a:rPr lang="it-IT" sz="1200" dirty="0"/>
+                  <a:t>Pesi più elevati su </a:t>
+                </a:r>
+                <a14:m>
+                  <m:oMath xmlns:m="http://schemas.openxmlformats.org/officeDocument/2006/math">
+                    <m:r>
+                      <a:rPr lang="it-IT" sz="1200" dirty="0">
+                        <a:latin typeface="Cambria Math" panose="02040503050406030204" pitchFamily="18" charset="0"/>
+                      </a:rPr>
+                      <m:t>(</m:t>
+                    </m:r>
+                    <m:sSub>
+                      <m:sSubPr>
+                        <m:ctrlPr>
+                          <a:rPr lang="it-IT" sz="1200" i="1" dirty="0">
+                            <a:latin typeface="Cambria Math" panose="02040503050406030204" pitchFamily="18" charset="0"/>
+                          </a:rPr>
+                        </m:ctrlPr>
+                      </m:sSubPr>
+                      <m:e>
+                        <m:r>
+                          <a:rPr lang="it-IT" sz="1200" i="1" dirty="0">
+                            <a:latin typeface="Cambria Math" panose="02040503050406030204" pitchFamily="18" charset="0"/>
+                          </a:rPr>
+                          <m:t>h</m:t>
+                        </m:r>
+                      </m:e>
+                      <m:sub>
+                        <m:r>
+                          <a:rPr lang="it-IT" sz="1200" b="0" i="1" dirty="0" smtClean="0">
+                            <a:latin typeface="Cambria Math" panose="02040503050406030204" pitchFamily="18" charset="0"/>
+                          </a:rPr>
+                          <m:t>2</m:t>
+                        </m:r>
+                      </m:sub>
+                    </m:sSub>
+                  </m:oMath>
+                </a14:m>
+                <a:r>
+                  <a:rPr lang="it-IT" sz="1200" i="1" dirty="0"/>
+                  <a:t>, </a:t>
+                </a:r>
+                <a14:m>
+                  <m:oMath xmlns:m="http://schemas.openxmlformats.org/officeDocument/2006/math">
+                    <m:sSub>
+                      <m:sSubPr>
+                        <m:ctrlPr>
+                          <a:rPr lang="it-IT" sz="1200" i="1" dirty="0">
+                            <a:latin typeface="Cambria Math" panose="02040503050406030204" pitchFamily="18" charset="0"/>
+                          </a:rPr>
+                        </m:ctrlPr>
+                      </m:sSubPr>
+                      <m:e>
+                        <m:r>
+                          <a:rPr lang="it-IT" sz="1200" i="1" dirty="0">
+                            <a:latin typeface="Cambria Math" panose="02040503050406030204" pitchFamily="18" charset="0"/>
+                          </a:rPr>
+                          <m:t>h</m:t>
+                        </m:r>
+                      </m:e>
+                      <m:sub>
+                        <m:r>
+                          <a:rPr lang="it-IT" sz="1200" b="0" i="1" dirty="0" smtClean="0">
+                            <a:latin typeface="Cambria Math" panose="02040503050406030204" pitchFamily="18" charset="0"/>
+                          </a:rPr>
+                          <m:t>3</m:t>
+                        </m:r>
+                      </m:sub>
+                    </m:sSub>
+                  </m:oMath>
+                </a14:m>
+                <a:r>
+                  <a:rPr lang="it-IT" sz="1200" dirty="0"/>
+                  <a:t>).</a:t>
+                </a:r>
+              </a:p>
+              <a:p>
+                <a:pPr algn="just">
+                  <a:lnSpc>
+                    <a:spcPct val="100000"/>
+                  </a:lnSpc>
+                </a:pPr>
+                <a:r>
+                  <a:rPr lang="it-IT" sz="1600" dirty="0"/>
+                  <a:t>R = 10 *</a:t>
+                </a:r>
+                <a:r>
+                  <a:rPr lang="it-IT" sz="1600" dirty="0" err="1"/>
+                  <a:t>eye</a:t>
+                </a:r>
+                <a:r>
+                  <a:rPr lang="it-IT" sz="1600" dirty="0"/>
+                  <a:t>(2)</a:t>
+                </a:r>
+              </a:p>
+              <a:p>
+                <a:pPr lvl="1" algn="just">
+                  <a:lnSpc>
+                    <a:spcPct val="100000"/>
+                  </a:lnSpc>
+                  <a:buFont typeface="Wingdings" panose="05000000000000000000" pitchFamily="2" charset="2"/>
+                  <a:buChar char="§"/>
+                </a:pPr>
+                <a:r>
+                  <a:rPr lang="it-IT" sz="1200" dirty="0"/>
+                  <a:t>Penalizzazione moderata sulle variazioni dell’ingresso per evitare comandi troppo aggressivi alle pompe.</a:t>
+                </a:r>
+              </a:p>
+              <a:p>
+                <a:pPr algn="just">
+                  <a:lnSpc>
+                    <a:spcPct val="100000"/>
+                  </a:lnSpc>
+                </a:pPr>
+                <a:r>
+                  <a:rPr lang="it-IT" sz="1600" dirty="0"/>
+                  <a:t>N = 10</a:t>
+                </a:r>
+              </a:p>
+              <a:p>
+                <a:pPr lvl="1" algn="just">
+                  <a:lnSpc>
+                    <a:spcPct val="100000"/>
+                  </a:lnSpc>
+                  <a:buFont typeface="Wingdings" panose="05000000000000000000" pitchFamily="2" charset="2"/>
+                  <a:buChar char="§"/>
+                </a:pPr>
+                <a:r>
+                  <a:rPr lang="it-IT" sz="1200" dirty="0"/>
+                  <a:t>Valore minimo di orizzonte di predizione per cui lo stato iniziale è contenuto del controllable set</a:t>
+                </a:r>
+              </a:p>
+            </p:txBody>
+          </p:sp>
+        </mc:Choice>
+        <mc:Fallback>
+          <p:sp>
+            <p:nvSpPr>
+              <p:cNvPr id="3" name="Segnaposto contenuto 2">
+                <a:extLst>
+                  <a:ext uri="{FF2B5EF4-FFF2-40B4-BE49-F238E27FC236}">
+                    <a16:creationId xmlns:a16="http://schemas.microsoft.com/office/drawing/2014/main" id="{557CDEE9-58B5-F11D-29EA-6C53072DC639}"/>
+                  </a:ext>
+                </a:extLst>
+              </p:cNvPr>
+              <p:cNvSpPr>
+                <a:spLocks noGrp="1" noRot="1" noChangeAspect="1" noMove="1" noResize="1" noEditPoints="1" noAdjustHandles="1" noChangeArrowheads="1" noChangeShapeType="1" noTextEdit="1"/>
+              </p:cNvSpPr>
+              <p:nvPr>
+                <p:ph idx="1"/>
+              </p:nvPr>
+            </p:nvSpPr>
+            <p:spPr>
+              <a:xfrm>
+                <a:off x="640079" y="2706624"/>
+                <a:ext cx="7812885" cy="3483864"/>
+              </a:xfrm>
+              <a:blipFill>
+                <a:blip r:embed="rId2"/>
+                <a:stretch>
+                  <a:fillRect l="-390" t="-1224" r="-390"/>
+                </a:stretch>
+              </a:blipFill>
+            </p:spPr>
+            <p:txBody>
+              <a:bodyPr/>
+              <a:lstStyle/>
+              <a:p>
+                <a:r>
+                  <a:rPr lang="it-IT">
+                    <a:noFill/>
+                  </a:rPr>
+                  <a:t> </a:t>
+                </a:r>
+              </a:p>
+            </p:txBody>
+          </p:sp>
+        </mc:Fallback>
+      </mc:AlternateContent>
+      <p:pic>
+        <p:nvPicPr>
+          <p:cNvPr id="8" name="Immagine 7">
+            <a:extLst>
+              <a:ext uri="{FF2B5EF4-FFF2-40B4-BE49-F238E27FC236}">
+                <a16:creationId xmlns:a16="http://schemas.microsoft.com/office/drawing/2014/main" id="{0D352828-7CCC-BE9E-1B07-BE5C60A08F2F}"/>
+              </a:ext>
+            </a:extLst>
+          </p:cNvPr>
+          <p:cNvPicPr>
+            <a:picLocks noChangeAspect="1"/>
+          </p:cNvPicPr>
+          <p:nvPr/>
+        </p:nvPicPr>
+        <p:blipFill>
+          <a:blip r:embed="rId3">
+            <a:extLst>
+              <a:ext uri="{28A0092B-C50C-407E-A947-70E740481C1C}">
+                <a14:useLocalDpi xmlns:a14="http://schemas.microsoft.com/office/drawing/2010/main" val="0"/>
+              </a:ext>
+            </a:extLst>
+          </a:blip>
+          <a:srcRect/>
+          <a:stretch/>
+        </p:blipFill>
+        <p:spPr>
+          <a:xfrm>
+            <a:off x="9203502" y="108317"/>
+            <a:ext cx="2755040" cy="3252104"/>
+          </a:xfrm>
+          <a:prstGeom prst="rect">
+            <a:avLst/>
+          </a:prstGeom>
+        </p:spPr>
+      </p:pic>
+      <p:pic>
+        <p:nvPicPr>
+          <p:cNvPr id="6" name="Immagine 5">
+            <a:extLst>
+              <a:ext uri="{FF2B5EF4-FFF2-40B4-BE49-F238E27FC236}">
+                <a16:creationId xmlns:a16="http://schemas.microsoft.com/office/drawing/2014/main" id="{9D3AF918-3120-F5F2-A502-87E8A7DF9824}"/>
+              </a:ext>
+            </a:extLst>
+          </p:cNvPr>
+          <p:cNvPicPr>
+            <a:picLocks noChangeAspect="1"/>
+          </p:cNvPicPr>
+          <p:nvPr/>
+        </p:nvPicPr>
+        <p:blipFill>
+          <a:blip r:embed="rId4">
+            <a:extLst>
+              <a:ext uri="{28A0092B-C50C-407E-A947-70E740481C1C}">
+                <a14:useLocalDpi xmlns:a14="http://schemas.microsoft.com/office/drawing/2010/main" val="0"/>
+              </a:ext>
+            </a:extLst>
+          </a:blip>
+          <a:srcRect/>
+          <a:stretch/>
+        </p:blipFill>
+        <p:spPr>
+          <a:xfrm>
+            <a:off x="9203502" y="3472099"/>
+            <a:ext cx="2763179" cy="3250800"/>
+          </a:xfrm>
+          <a:prstGeom prst="rect">
+            <a:avLst/>
+          </a:prstGeom>
+        </p:spPr>
+      </p:pic>
+      <p:sp>
+        <p:nvSpPr>
+          <p:cNvPr id="4" name="Segnaposto piè di pagina 3">
+            <a:extLst>
+              <a:ext uri="{FF2B5EF4-FFF2-40B4-BE49-F238E27FC236}">
+                <a16:creationId xmlns:a16="http://schemas.microsoft.com/office/drawing/2014/main" id="{C016617F-BF4F-716A-25F4-41C2C16FD084}"/>
+              </a:ext>
+            </a:extLst>
+          </p:cNvPr>
+          <p:cNvSpPr>
+            <a:spLocks noGrp="1"/>
+          </p:cNvSpPr>
+          <p:nvPr>
+            <p:ph type="ftr" sz="quarter" idx="11"/>
+          </p:nvPr>
+        </p:nvSpPr>
+        <p:spPr>
+          <a:xfrm>
+            <a:off x="4038600" y="6356350"/>
+            <a:ext cx="4114800" cy="365125"/>
+          </a:xfrm>
+        </p:spPr>
+        <p:txBody>
+          <a:bodyPr>
+            <a:normAutofit/>
+          </a:bodyPr>
+          <a:lstStyle/>
+          <a:p>
+            <a:pPr>
+              <a:spcAft>
+                <a:spcPts val="600"/>
+              </a:spcAft>
+            </a:pPr>
+            <a:r>
+              <a:rPr lang="it-IT"/>
+              <a:t>Davide Brambilla [1080752], Giorgio Passarella[1079287]</a:t>
+            </a:r>
+          </a:p>
+        </p:txBody>
+      </p:sp>
+    </p:spTree>
+    <p:extLst>
+      <p:ext uri="{BB962C8B-B14F-4D97-AF65-F5344CB8AC3E}">
+        <p14:creationId xmlns:p14="http://schemas.microsoft.com/office/powerpoint/2010/main" val="1005196418"/>
+      </p:ext>
+    </p:extLst>
+  </p:cSld>
+  <p:clrMapOvr>
+    <a:masterClrMapping/>
+  </p:clrMapOvr>
+</p:sld>
+</file>
+
+<file path=ppt/slides/slide23.xml><?xml version="1.0" encoding="utf-8"?>
+<p:sld xmlns:a="http://schemas.openxmlformats.org/drawingml/2006/main" xmlns:r="http://schemas.openxmlformats.org/officeDocument/2006/relationships" xmlns:p="http://schemas.openxmlformats.org/presentationml/2006/main">
+  <p:cSld>
+    <p:spTree>
+      <p:nvGrpSpPr>
+        <p:cNvPr id="1" name="">
+          <a:extLst>
+            <a:ext uri="{FF2B5EF4-FFF2-40B4-BE49-F238E27FC236}">
+              <a16:creationId xmlns:a16="http://schemas.microsoft.com/office/drawing/2014/main" id="{66041F11-945C-274B-6825-0312530E9AF4}"/>
+            </a:ext>
+          </a:extLst>
+        </p:cNvPr>
+        <p:cNvGrpSpPr/>
+        <p:nvPr/>
+      </p:nvGrpSpPr>
+      <p:grpSpPr>
+        <a:xfrm>
+          <a:off x="0" y="0"/>
+          <a:ext cx="0" cy="0"/>
+          <a:chOff x="0" y="0"/>
+          <a:chExt cx="0" cy="0"/>
+        </a:xfrm>
+      </p:grpSpPr>
+      <p:sp>
+        <p:nvSpPr>
+          <p:cNvPr id="2" name="Titolo 1">
+            <a:extLst>
+              <a:ext uri="{FF2B5EF4-FFF2-40B4-BE49-F238E27FC236}">
+                <a16:creationId xmlns:a16="http://schemas.microsoft.com/office/drawing/2014/main" id="{09D3B9A3-9302-509C-7A0B-9B064539FF3A}"/>
+              </a:ext>
+            </a:extLst>
+          </p:cNvPr>
+          <p:cNvSpPr>
+            <a:spLocks noGrp="1"/>
+          </p:cNvSpPr>
+          <p:nvPr>
+            <p:ph type="title"/>
+          </p:nvPr>
+        </p:nvSpPr>
+        <p:spPr>
+          <a:xfrm>
+            <a:off x="612649" y="365125"/>
+            <a:ext cx="6437306" cy="1776484"/>
+          </a:xfrm>
+        </p:spPr>
+        <p:txBody>
+          <a:bodyPr anchor="b">
+            <a:normAutofit/>
+          </a:bodyPr>
+          <a:lstStyle/>
+          <a:p>
+            <a:r>
+              <a:rPr lang="it-IT" sz="5400" dirty="0"/>
+              <a:t>Andamento degli stati e degli ingressi </a:t>
+            </a:r>
+            <a:r>
+              <a:rPr lang="it-IT" sz="3600" dirty="0"/>
+              <a:t>(altri valori)</a:t>
+            </a:r>
+            <a:endParaRPr lang="it-IT" sz="5400" dirty="0"/>
+          </a:p>
+        </p:txBody>
+      </p:sp>
+      <p:sp>
+        <p:nvSpPr>
+          <p:cNvPr id="3" name="Segnaposto contenuto 2">
+            <a:extLst>
+              <a:ext uri="{FF2B5EF4-FFF2-40B4-BE49-F238E27FC236}">
+                <a16:creationId xmlns:a16="http://schemas.microsoft.com/office/drawing/2014/main" id="{4139916A-250A-FA5B-4D65-FC80452AB8F4}"/>
+              </a:ext>
+            </a:extLst>
+          </p:cNvPr>
+          <p:cNvSpPr>
+            <a:spLocks noGrp="1"/>
+          </p:cNvSpPr>
+          <p:nvPr>
+            <p:ph idx="1"/>
+          </p:nvPr>
+        </p:nvSpPr>
+        <p:spPr>
+          <a:xfrm>
+            <a:off x="612648" y="2504819"/>
+            <a:ext cx="5369343" cy="3884672"/>
+          </a:xfrm>
+        </p:spPr>
+        <p:txBody>
+          <a:bodyPr>
+            <a:normAutofit lnSpcReduction="10000"/>
+          </a:bodyPr>
+          <a:lstStyle/>
+          <a:p>
+            <a:pPr marL="0" indent="0" algn="just">
+              <a:lnSpc>
+                <a:spcPct val="120000"/>
+              </a:lnSpc>
+              <a:buNone/>
+            </a:pPr>
+            <a:r>
+              <a:rPr lang="it-IT" sz="1600" u="sng" dirty="0"/>
+              <a:t>Grafico 1 – Andamento degli stati</a:t>
+            </a:r>
+          </a:p>
+          <a:p>
+            <a:pPr algn="just">
+              <a:lnSpc>
+                <a:spcPct val="120000"/>
+              </a:lnSpc>
+            </a:pPr>
+            <a:r>
+              <a:rPr lang="it-IT" sz="1600" dirty="0"/>
+              <a:t>Dal grafico si nota che gli stati dei serbatoi 2,3 e 4 raggiungono il riferimento in tempi simili al caso precedente. Tuttavia, a differenza di quest’ultimo, lo stato del serbatoio 2 raggiunge il riferimento in anticipo. Questo evidenzia un miglioramento nelle prestazioni del controllore MPC.</a:t>
+            </a:r>
+          </a:p>
+          <a:p>
+            <a:pPr marL="0" indent="0" algn="just">
+              <a:lnSpc>
+                <a:spcPct val="120000"/>
+              </a:lnSpc>
+              <a:buNone/>
+            </a:pPr>
+            <a:r>
+              <a:rPr lang="it-IT" sz="1600" u="sng" dirty="0"/>
+              <a:t>Grafico 2 – Ingressi di controllo</a:t>
+            </a:r>
+          </a:p>
+          <a:p>
+            <a:pPr algn="just">
+              <a:lnSpc>
+                <a:spcPct val="120000"/>
+              </a:lnSpc>
+            </a:pPr>
+            <a:r>
+              <a:rPr lang="it-IT" sz="1600" dirty="0"/>
+              <a:t>Come nel caso precedente si verifica ancora saturazione degli ingressi. Tuttavia essa avviene in modo anticipato, contribuendo a un raggiungimento più rapido del riferimento.</a:t>
+            </a:r>
+          </a:p>
+          <a:p>
+            <a:pPr marL="0" indent="0" algn="just">
+              <a:lnSpc>
+                <a:spcPct val="120000"/>
+              </a:lnSpc>
+              <a:buNone/>
+            </a:pPr>
+            <a:endParaRPr lang="it-IT" sz="2200" dirty="0"/>
+          </a:p>
+        </p:txBody>
+      </p:sp>
+      <p:sp>
+        <p:nvSpPr>
+          <p:cNvPr id="4" name="Segnaposto piè di pagina 3">
+            <a:extLst>
+              <a:ext uri="{FF2B5EF4-FFF2-40B4-BE49-F238E27FC236}">
+                <a16:creationId xmlns:a16="http://schemas.microsoft.com/office/drawing/2014/main" id="{7FAB3FBE-B8F8-6C3E-6BF4-06BFDD5E4505}"/>
+              </a:ext>
+            </a:extLst>
+          </p:cNvPr>
+          <p:cNvSpPr>
+            <a:spLocks noGrp="1"/>
+          </p:cNvSpPr>
+          <p:nvPr>
+            <p:ph type="ftr" sz="quarter" idx="11"/>
+          </p:nvPr>
+        </p:nvSpPr>
+        <p:spPr>
+          <a:xfrm>
+            <a:off x="4038600" y="6356350"/>
+            <a:ext cx="4114800" cy="365125"/>
+          </a:xfrm>
+        </p:spPr>
+        <p:txBody>
+          <a:bodyPr>
+            <a:normAutofit/>
+          </a:bodyPr>
+          <a:lstStyle/>
+          <a:p>
+            <a:pPr>
+              <a:spcAft>
+                <a:spcPts val="600"/>
+              </a:spcAft>
+            </a:pPr>
+            <a:r>
+              <a:rPr lang="it-IT"/>
+              <a:t>Davide Brambilla [1080752], Giorgio Passarella[1079287]</a:t>
+            </a:r>
+          </a:p>
+        </p:txBody>
+      </p:sp>
+      <p:pic>
+        <p:nvPicPr>
+          <p:cNvPr id="7" name="Immagine 6">
+            <a:extLst>
+              <a:ext uri="{FF2B5EF4-FFF2-40B4-BE49-F238E27FC236}">
+                <a16:creationId xmlns:a16="http://schemas.microsoft.com/office/drawing/2014/main" id="{A98C5989-7AD1-4504-043B-80D8CD6BB6AC}"/>
+              </a:ext>
+            </a:extLst>
+          </p:cNvPr>
+          <p:cNvPicPr>
+            <a:picLocks noChangeAspect="1"/>
+          </p:cNvPicPr>
+          <p:nvPr/>
+        </p:nvPicPr>
+        <p:blipFill>
+          <a:blip r:embed="rId2">
+            <a:extLst>
+              <a:ext uri="{28A0092B-C50C-407E-A947-70E740481C1C}">
+                <a14:useLocalDpi xmlns:a14="http://schemas.microsoft.com/office/drawing/2010/main" val="0"/>
+              </a:ext>
+            </a:extLst>
+          </a:blip>
+          <a:srcRect/>
+          <a:stretch/>
+        </p:blipFill>
+        <p:spPr>
+          <a:xfrm>
+            <a:off x="6278865" y="2470978"/>
+            <a:ext cx="5827759" cy="3092206"/>
+          </a:xfrm>
+          <a:prstGeom prst="rect">
+            <a:avLst/>
+          </a:prstGeom>
+        </p:spPr>
+      </p:pic>
+    </p:spTree>
+    <p:extLst>
+      <p:ext uri="{BB962C8B-B14F-4D97-AF65-F5344CB8AC3E}">
+        <p14:creationId xmlns:p14="http://schemas.microsoft.com/office/powerpoint/2010/main" val="1934517246"/>
+      </p:ext>
+    </p:extLst>
+  </p:cSld>
+  <p:clrMapOvr>
+    <a:masterClrMapping/>
+  </p:clrMapOvr>
+</p:sld>
+</file>
+
+<file path=ppt/slides/slide24.xml><?xml version="1.0" encoding="utf-8"?>
+<p:sld xmlns:a="http://schemas.openxmlformats.org/drawingml/2006/main" xmlns:r="http://schemas.openxmlformats.org/officeDocument/2006/relationships" xmlns:p="http://schemas.openxmlformats.org/presentationml/2006/main">
+  <p:cSld>
     <p:spTree>
       <p:nvGrpSpPr>
         <p:cNvPr id="1" name="">
@@ -14613,7 +17108,7 @@
 </p:sld>
 </file>
 
-<file path=ppt/slides/slide21.xml><?xml version="1.0" encoding="utf-8"?>
+<file path=ppt/slides/slide25.xml><?xml version="1.0" encoding="utf-8"?>
 <p:sld xmlns:a="http://schemas.openxmlformats.org/drawingml/2006/main" xmlns:r="http://schemas.openxmlformats.org/officeDocument/2006/relationships" xmlns:p="http://schemas.openxmlformats.org/presentationml/2006/main">
   <p:cSld>
     <p:spTree>
@@ -14896,7 +17391,7 @@
 </p:sld>
 </file>
 
-<file path=ppt/slides/slide22.xml><?xml version="1.0" encoding="utf-8"?>
+<file path=ppt/slides/slide26.xml><?xml version="1.0" encoding="utf-8"?>
 <p:sld xmlns:a="http://schemas.openxmlformats.org/drawingml/2006/main" xmlns:r="http://schemas.openxmlformats.org/officeDocument/2006/relationships" xmlns:p="http://schemas.openxmlformats.org/presentationml/2006/main">
   <p:cSld>
     <p:bg>
@@ -15478,7 +17973,7 @@
 </p:sld>
 </file>
 
-<file path=ppt/slides/slide23.xml><?xml version="1.0" encoding="utf-8"?>
+<file path=ppt/slides/slide27.xml><?xml version="1.0" encoding="utf-8"?>
 <p:sld xmlns:a="http://schemas.openxmlformats.org/drawingml/2006/main" xmlns:r="http://schemas.openxmlformats.org/officeDocument/2006/relationships" xmlns:p="http://schemas.openxmlformats.org/presentationml/2006/main">
   <p:cSld>
     <p:bg>
@@ -16396,7 +18891,7 @@
 </p:sld>
 </file>
 
-<file path=ppt/slides/slide24.xml><?xml version="1.0" encoding="utf-8"?>
+<file path=ppt/slides/slide28.xml><?xml version="1.0" encoding="utf-8"?>
 <p:sld xmlns:a="http://schemas.openxmlformats.org/drawingml/2006/main" xmlns:r="http://schemas.openxmlformats.org/officeDocument/2006/relationships" xmlns:p="http://schemas.openxmlformats.org/presentationml/2006/main">
   <p:cSld>
     <p:bg>
@@ -17048,7 +19543,7 @@
 </p:sld>
 </file>
 
-<file path=ppt/slides/slide25.xml><?xml version="1.0" encoding="utf-8"?>
+<file path=ppt/slides/slide29.xml><?xml version="1.0" encoding="utf-8"?>
 <p:sld xmlns:a="http://schemas.openxmlformats.org/drawingml/2006/main" xmlns:r="http://schemas.openxmlformats.org/officeDocument/2006/relationships" xmlns:p="http://schemas.openxmlformats.org/presentationml/2006/main">
   <p:cSld>
     <p:bg>
@@ -18196,7 +20691,1055 @@
 </p:sld>
 </file>
 
-<file path=ppt/slides/slide26.xml><?xml version="1.0" encoding="utf-8"?>
+<file path=ppt/slides/slide3.xml><?xml version="1.0" encoding="utf-8"?>
+<p:sld xmlns:a="http://schemas.openxmlformats.org/drawingml/2006/main" xmlns:r="http://schemas.openxmlformats.org/officeDocument/2006/relationships" xmlns:p="http://schemas.openxmlformats.org/presentationml/2006/main">
+  <p:cSld>
+    <p:bg>
+      <p:bgPr>
+        <a:solidFill>
+          <a:schemeClr val="bg1"/>
+        </a:solidFill>
+        <a:effectLst/>
+      </p:bgPr>
+    </p:bg>
+    <p:spTree>
+      <p:nvGrpSpPr>
+        <p:cNvPr id="1" name=""/>
+        <p:cNvGrpSpPr/>
+        <p:nvPr/>
+      </p:nvGrpSpPr>
+      <p:grpSpPr>
+        <a:xfrm>
+          <a:off x="0" y="0"/>
+          <a:ext cx="0" cy="0"/>
+          <a:chOff x="0" y="0"/>
+          <a:chExt cx="0" cy="0"/>
+        </a:xfrm>
+      </p:grpSpPr>
+      <p:sp useBgFill="1">
+        <p:nvSpPr>
+          <p:cNvPr id="19" name="Rectangle 18">
+            <a:extLst>
+              <a:ext uri="{FF2B5EF4-FFF2-40B4-BE49-F238E27FC236}">
+                <a16:creationId xmlns:a16="http://schemas.microsoft.com/office/drawing/2014/main" id="{100EDD19-6802-4EC3-95CE-CFFAB042CFD6}"/>
+              </a:ext>
+              <a:ext uri="{C183D7F6-B498-43B3-948B-1728B52AA6E4}">
+                <adec:decorative xmlns:adec="http://schemas.microsoft.com/office/drawing/2017/decorative" val="1"/>
+              </a:ext>
+            </a:extLst>
+          </p:cNvPr>
+          <p:cNvSpPr>
+            <a:spLocks noGrp="1" noRot="1" noChangeAspect="1" noMove="1" noResize="1" noEditPoints="1" noAdjustHandles="1" noChangeArrowheads="1" noChangeShapeType="1" noTextEdit="1"/>
+          </p:cNvSpPr>
+          <p:nvPr>
+            <p:extLst>
+              <p:ext uri="{386F3935-93C4-4BCD-93E2-E3B085C9AB24}">
+                <p16:designElem xmlns:p16="http://schemas.microsoft.com/office/powerpoint/2015/main" val="1"/>
+              </p:ext>
+            </p:extLst>
+          </p:nvPr>
+        </p:nvSpPr>
+        <p:spPr>
+          <a:xfrm>
+            <a:off x="0" y="0"/>
+            <a:ext cx="12188952" cy="6858000"/>
+          </a:xfrm>
+          <a:prstGeom prst="rect">
+            <a:avLst/>
+          </a:prstGeom>
+          <a:ln>
+            <a:noFill/>
+          </a:ln>
+        </p:spPr>
+        <p:style>
+          <a:lnRef idx="2">
+            <a:schemeClr val="accent1">
+              <a:shade val="50000"/>
+            </a:schemeClr>
+          </a:lnRef>
+          <a:fillRef idx="1">
+            <a:schemeClr val="accent1"/>
+          </a:fillRef>
+          <a:effectRef idx="0">
+            <a:schemeClr val="accent1"/>
+          </a:effectRef>
+          <a:fontRef idx="minor">
+            <a:schemeClr val="lt1"/>
+          </a:fontRef>
+        </p:style>
+        <p:txBody>
+          <a:bodyPr rtlCol="0" anchor="ctr"/>
+          <a:lstStyle/>
+          <a:p>
+            <a:pPr algn="ctr"/>
+            <a:endParaRPr lang="en-US"/>
+          </a:p>
+        </p:txBody>
+      </p:sp>
+      <p:sp>
+        <p:nvSpPr>
+          <p:cNvPr id="2" name="Titolo 1">
+            <a:extLst>
+              <a:ext uri="{FF2B5EF4-FFF2-40B4-BE49-F238E27FC236}">
+                <a16:creationId xmlns:a16="http://schemas.microsoft.com/office/drawing/2014/main" id="{55A17A00-D385-922D-91F8-CB9EE8C3E0AD}"/>
+              </a:ext>
+            </a:extLst>
+          </p:cNvPr>
+          <p:cNvSpPr>
+            <a:spLocks noGrp="1"/>
+          </p:cNvSpPr>
+          <p:nvPr>
+            <p:ph type="title"/>
+          </p:nvPr>
+        </p:nvSpPr>
+        <p:spPr>
+          <a:xfrm>
+            <a:off x="838200" y="365125"/>
+            <a:ext cx="10515600" cy="1325563"/>
+          </a:xfrm>
+        </p:spPr>
+        <p:txBody>
+          <a:bodyPr>
+            <a:normAutofit/>
+          </a:bodyPr>
+          <a:lstStyle/>
+          <a:p>
+            <a:r>
+              <a:rPr lang="it-IT" sz="5400" dirty="0"/>
+              <a:t>Obiettivi di progetto</a:t>
+            </a:r>
+          </a:p>
+        </p:txBody>
+      </p:sp>
+      <p:sp>
+        <p:nvSpPr>
+          <p:cNvPr id="21" name="sketch line">
+            <a:extLst>
+              <a:ext uri="{FF2B5EF4-FFF2-40B4-BE49-F238E27FC236}">
+                <a16:creationId xmlns:a16="http://schemas.microsoft.com/office/drawing/2014/main" id="{DB17E863-922E-4C26-BD64-E8FD41D28661}"/>
+              </a:ext>
+              <a:ext uri="{C183D7F6-B498-43B3-948B-1728B52AA6E4}">
+                <adec:decorative xmlns:adec="http://schemas.microsoft.com/office/drawing/2017/decorative" val="1"/>
+              </a:ext>
+            </a:extLst>
+          </p:cNvPr>
+          <p:cNvSpPr>
+            <a:spLocks noGrp="1" noRot="1" noChangeAspect="1" noMove="1" noResize="1" noEditPoints="1" noAdjustHandles="1" noChangeArrowheads="1" noChangeShapeType="1" noTextEdit="1"/>
+          </p:cNvSpPr>
+          <p:nvPr>
+            <p:extLst>
+              <p:ext uri="{386F3935-93C4-4BCD-93E2-E3B085C9AB24}">
+                <p16:designElem xmlns:p16="http://schemas.microsoft.com/office/powerpoint/2015/main" val="1"/>
+              </p:ext>
+            </p:extLst>
+          </p:nvPr>
+        </p:nvSpPr>
+        <p:spPr>
+          <a:xfrm>
+            <a:off x="669036" y="1677373"/>
+            <a:ext cx="10853928" cy="18288"/>
+          </a:xfrm>
+          <a:custGeom>
+            <a:avLst/>
+            <a:gdLst>
+              <a:gd name="connsiteX0" fmla="*/ 0 w 10853928"/>
+              <a:gd name="connsiteY0" fmla="*/ 0 h 18288"/>
+              <a:gd name="connsiteX1" fmla="*/ 461292 w 10853928"/>
+              <a:gd name="connsiteY1" fmla="*/ 0 h 18288"/>
+              <a:gd name="connsiteX2" fmla="*/ 1139662 w 10853928"/>
+              <a:gd name="connsiteY2" fmla="*/ 0 h 18288"/>
+              <a:gd name="connsiteX3" fmla="*/ 1926572 w 10853928"/>
+              <a:gd name="connsiteY3" fmla="*/ 0 h 18288"/>
+              <a:gd name="connsiteX4" fmla="*/ 2279325 w 10853928"/>
+              <a:gd name="connsiteY4" fmla="*/ 0 h 18288"/>
+              <a:gd name="connsiteX5" fmla="*/ 2632078 w 10853928"/>
+              <a:gd name="connsiteY5" fmla="*/ 0 h 18288"/>
+              <a:gd name="connsiteX6" fmla="*/ 3527527 w 10853928"/>
+              <a:gd name="connsiteY6" fmla="*/ 0 h 18288"/>
+              <a:gd name="connsiteX7" fmla="*/ 4205897 w 10853928"/>
+              <a:gd name="connsiteY7" fmla="*/ 0 h 18288"/>
+              <a:gd name="connsiteX8" fmla="*/ 4558650 w 10853928"/>
+              <a:gd name="connsiteY8" fmla="*/ 0 h 18288"/>
+              <a:gd name="connsiteX9" fmla="*/ 5237020 w 10853928"/>
+              <a:gd name="connsiteY9" fmla="*/ 0 h 18288"/>
+              <a:gd name="connsiteX10" fmla="*/ 6132469 w 10853928"/>
+              <a:gd name="connsiteY10" fmla="*/ 0 h 18288"/>
+              <a:gd name="connsiteX11" fmla="*/ 6702301 w 10853928"/>
+              <a:gd name="connsiteY11" fmla="*/ 0 h 18288"/>
+              <a:gd name="connsiteX12" fmla="*/ 7272132 w 10853928"/>
+              <a:gd name="connsiteY12" fmla="*/ 0 h 18288"/>
+              <a:gd name="connsiteX13" fmla="*/ 7950502 w 10853928"/>
+              <a:gd name="connsiteY13" fmla="*/ 0 h 18288"/>
+              <a:gd name="connsiteX14" fmla="*/ 8737412 w 10853928"/>
+              <a:gd name="connsiteY14" fmla="*/ 0 h 18288"/>
+              <a:gd name="connsiteX15" fmla="*/ 9524322 w 10853928"/>
+              <a:gd name="connsiteY15" fmla="*/ 0 h 18288"/>
+              <a:gd name="connsiteX16" fmla="*/ 10853928 w 10853928"/>
+              <a:gd name="connsiteY16" fmla="*/ 0 h 18288"/>
+              <a:gd name="connsiteX17" fmla="*/ 10853928 w 10853928"/>
+              <a:gd name="connsiteY17" fmla="*/ 18288 h 18288"/>
+              <a:gd name="connsiteX18" fmla="*/ 10392636 w 10853928"/>
+              <a:gd name="connsiteY18" fmla="*/ 18288 h 18288"/>
+              <a:gd name="connsiteX19" fmla="*/ 9497187 w 10853928"/>
+              <a:gd name="connsiteY19" fmla="*/ 18288 h 18288"/>
+              <a:gd name="connsiteX20" fmla="*/ 8818817 w 10853928"/>
+              <a:gd name="connsiteY20" fmla="*/ 18288 h 18288"/>
+              <a:gd name="connsiteX21" fmla="*/ 8466064 w 10853928"/>
+              <a:gd name="connsiteY21" fmla="*/ 18288 h 18288"/>
+              <a:gd name="connsiteX22" fmla="*/ 7787693 w 10853928"/>
+              <a:gd name="connsiteY22" fmla="*/ 18288 h 18288"/>
+              <a:gd name="connsiteX23" fmla="*/ 7217862 w 10853928"/>
+              <a:gd name="connsiteY23" fmla="*/ 18288 h 18288"/>
+              <a:gd name="connsiteX24" fmla="*/ 6648031 w 10853928"/>
+              <a:gd name="connsiteY24" fmla="*/ 18288 h 18288"/>
+              <a:gd name="connsiteX25" fmla="*/ 6078200 w 10853928"/>
+              <a:gd name="connsiteY25" fmla="*/ 18288 h 18288"/>
+              <a:gd name="connsiteX26" fmla="*/ 5508368 w 10853928"/>
+              <a:gd name="connsiteY26" fmla="*/ 18288 h 18288"/>
+              <a:gd name="connsiteX27" fmla="*/ 4721459 w 10853928"/>
+              <a:gd name="connsiteY27" fmla="*/ 18288 h 18288"/>
+              <a:gd name="connsiteX28" fmla="*/ 4043088 w 10853928"/>
+              <a:gd name="connsiteY28" fmla="*/ 18288 h 18288"/>
+              <a:gd name="connsiteX29" fmla="*/ 3690336 w 10853928"/>
+              <a:gd name="connsiteY29" fmla="*/ 18288 h 18288"/>
+              <a:gd name="connsiteX30" fmla="*/ 3120504 w 10853928"/>
+              <a:gd name="connsiteY30" fmla="*/ 18288 h 18288"/>
+              <a:gd name="connsiteX31" fmla="*/ 2333595 w 10853928"/>
+              <a:gd name="connsiteY31" fmla="*/ 18288 h 18288"/>
+              <a:gd name="connsiteX32" fmla="*/ 1872303 w 10853928"/>
+              <a:gd name="connsiteY32" fmla="*/ 18288 h 18288"/>
+              <a:gd name="connsiteX33" fmla="*/ 976854 w 10853928"/>
+              <a:gd name="connsiteY33" fmla="*/ 18288 h 18288"/>
+              <a:gd name="connsiteX34" fmla="*/ 0 w 10853928"/>
+              <a:gd name="connsiteY34" fmla="*/ 18288 h 18288"/>
+              <a:gd name="connsiteX35" fmla="*/ 0 w 10853928"/>
+              <a:gd name="connsiteY35" fmla="*/ 0 h 18288"/>
+            </a:gdLst>
+            <a:ahLst/>
+            <a:cxnLst>
+              <a:cxn ang="0">
+                <a:pos x="connsiteX0" y="connsiteY0"/>
+              </a:cxn>
+              <a:cxn ang="0">
+                <a:pos x="connsiteX1" y="connsiteY1"/>
+              </a:cxn>
+              <a:cxn ang="0">
+                <a:pos x="connsiteX2" y="connsiteY2"/>
+              </a:cxn>
+              <a:cxn ang="0">
+                <a:pos x="connsiteX3" y="connsiteY3"/>
+              </a:cxn>
+              <a:cxn ang="0">
+                <a:pos x="connsiteX4" y="connsiteY4"/>
+              </a:cxn>
+              <a:cxn ang="0">
+                <a:pos x="connsiteX5" y="connsiteY5"/>
+              </a:cxn>
+              <a:cxn ang="0">
+                <a:pos x="connsiteX6" y="connsiteY6"/>
+              </a:cxn>
+              <a:cxn ang="0">
+                <a:pos x="connsiteX7" y="connsiteY7"/>
+              </a:cxn>
+              <a:cxn ang="0">
+                <a:pos x="connsiteX8" y="connsiteY8"/>
+              </a:cxn>
+              <a:cxn ang="0">
+                <a:pos x="connsiteX9" y="connsiteY9"/>
+              </a:cxn>
+              <a:cxn ang="0">
+                <a:pos x="connsiteX10" y="connsiteY10"/>
+              </a:cxn>
+              <a:cxn ang="0">
+                <a:pos x="connsiteX11" y="connsiteY11"/>
+              </a:cxn>
+              <a:cxn ang="0">
+                <a:pos x="connsiteX12" y="connsiteY12"/>
+              </a:cxn>
+              <a:cxn ang="0">
+                <a:pos x="connsiteX13" y="connsiteY13"/>
+              </a:cxn>
+              <a:cxn ang="0">
+                <a:pos x="connsiteX14" y="connsiteY14"/>
+              </a:cxn>
+              <a:cxn ang="0">
+                <a:pos x="connsiteX15" y="connsiteY15"/>
+              </a:cxn>
+              <a:cxn ang="0">
+                <a:pos x="connsiteX16" y="connsiteY16"/>
+              </a:cxn>
+              <a:cxn ang="0">
+                <a:pos x="connsiteX17" y="connsiteY17"/>
+              </a:cxn>
+              <a:cxn ang="0">
+                <a:pos x="connsiteX18" y="connsiteY18"/>
+              </a:cxn>
+              <a:cxn ang="0">
+                <a:pos x="connsiteX19" y="connsiteY19"/>
+              </a:cxn>
+              <a:cxn ang="0">
+                <a:pos x="connsiteX20" y="connsiteY20"/>
+              </a:cxn>
+              <a:cxn ang="0">
+                <a:pos x="connsiteX21" y="connsiteY21"/>
+              </a:cxn>
+              <a:cxn ang="0">
+                <a:pos x="connsiteX22" y="connsiteY22"/>
+              </a:cxn>
+              <a:cxn ang="0">
+                <a:pos x="connsiteX23" y="connsiteY23"/>
+              </a:cxn>
+              <a:cxn ang="0">
+                <a:pos x="connsiteX24" y="connsiteY24"/>
+              </a:cxn>
+              <a:cxn ang="0">
+                <a:pos x="connsiteX25" y="connsiteY25"/>
+              </a:cxn>
+              <a:cxn ang="0">
+                <a:pos x="connsiteX26" y="connsiteY26"/>
+              </a:cxn>
+              <a:cxn ang="0">
+                <a:pos x="connsiteX27" y="connsiteY27"/>
+              </a:cxn>
+              <a:cxn ang="0">
+                <a:pos x="connsiteX28" y="connsiteY28"/>
+              </a:cxn>
+              <a:cxn ang="0">
+                <a:pos x="connsiteX29" y="connsiteY29"/>
+              </a:cxn>
+              <a:cxn ang="0">
+                <a:pos x="connsiteX30" y="connsiteY30"/>
+              </a:cxn>
+              <a:cxn ang="0">
+                <a:pos x="connsiteX31" y="connsiteY31"/>
+              </a:cxn>
+              <a:cxn ang="0">
+                <a:pos x="connsiteX32" y="connsiteY32"/>
+              </a:cxn>
+              <a:cxn ang="0">
+                <a:pos x="connsiteX33" y="connsiteY33"/>
+              </a:cxn>
+              <a:cxn ang="0">
+                <a:pos x="connsiteX34" y="connsiteY34"/>
+              </a:cxn>
+              <a:cxn ang="0">
+                <a:pos x="connsiteX35" y="connsiteY35"/>
+              </a:cxn>
+            </a:cxnLst>
+            <a:rect l="l" t="t" r="r" b="b"/>
+            <a:pathLst>
+              <a:path w="10853928" h="18288" fill="none" extrusionOk="0">
+                <a:moveTo>
+                  <a:pt x="0" y="0"/>
+                </a:moveTo>
+                <a:cubicBezTo>
+                  <a:pt x="146993" y="-19076"/>
+                  <a:pt x="347684" y="-4790"/>
+                  <a:pt x="461292" y="0"/>
+                </a:cubicBezTo>
+                <a:cubicBezTo>
+                  <a:pt x="574900" y="4790"/>
+                  <a:pt x="808367" y="19821"/>
+                  <a:pt x="1139662" y="0"/>
+                </a:cubicBezTo>
+                <a:cubicBezTo>
+                  <a:pt x="1470957" y="-19821"/>
+                  <a:pt x="1627405" y="5721"/>
+                  <a:pt x="1926572" y="0"/>
+                </a:cubicBezTo>
+                <a:cubicBezTo>
+                  <a:pt x="2225739" y="-5721"/>
+                  <a:pt x="2137730" y="-3235"/>
+                  <a:pt x="2279325" y="0"/>
+                </a:cubicBezTo>
+                <a:cubicBezTo>
+                  <a:pt x="2420920" y="3235"/>
+                  <a:pt x="2456518" y="9685"/>
+                  <a:pt x="2632078" y="0"/>
+                </a:cubicBezTo>
+                <a:cubicBezTo>
+                  <a:pt x="2807638" y="-9685"/>
+                  <a:pt x="3211516" y="-43007"/>
+                  <a:pt x="3527527" y="0"/>
+                </a:cubicBezTo>
+                <a:cubicBezTo>
+                  <a:pt x="3843538" y="43007"/>
+                  <a:pt x="4058833" y="22042"/>
+                  <a:pt x="4205897" y="0"/>
+                </a:cubicBezTo>
+                <a:cubicBezTo>
+                  <a:pt x="4352961" y="-22042"/>
+                  <a:pt x="4474805" y="-11846"/>
+                  <a:pt x="4558650" y="0"/>
+                </a:cubicBezTo>
+                <a:cubicBezTo>
+                  <a:pt x="4642495" y="11846"/>
+                  <a:pt x="5041928" y="-6069"/>
+                  <a:pt x="5237020" y="0"/>
+                </a:cubicBezTo>
+                <a:cubicBezTo>
+                  <a:pt x="5432112" y="6069"/>
+                  <a:pt x="5943266" y="-17479"/>
+                  <a:pt x="6132469" y="0"/>
+                </a:cubicBezTo>
+                <a:cubicBezTo>
+                  <a:pt x="6321672" y="17479"/>
+                  <a:pt x="6483872" y="26234"/>
+                  <a:pt x="6702301" y="0"/>
+                </a:cubicBezTo>
+                <a:cubicBezTo>
+                  <a:pt x="6920730" y="-26234"/>
+                  <a:pt x="6991194" y="-15156"/>
+                  <a:pt x="7272132" y="0"/>
+                </a:cubicBezTo>
+                <a:cubicBezTo>
+                  <a:pt x="7553070" y="15156"/>
+                  <a:pt x="7684444" y="-32961"/>
+                  <a:pt x="7950502" y="0"/>
+                </a:cubicBezTo>
+                <a:cubicBezTo>
+                  <a:pt x="8216560" y="32961"/>
+                  <a:pt x="8493290" y="-10491"/>
+                  <a:pt x="8737412" y="0"/>
+                </a:cubicBezTo>
+                <a:cubicBezTo>
+                  <a:pt x="8981534" y="10491"/>
+                  <a:pt x="9191586" y="-13899"/>
+                  <a:pt x="9524322" y="0"/>
+                </a:cubicBezTo>
+                <a:cubicBezTo>
+                  <a:pt x="9857058" y="13899"/>
+                  <a:pt x="10297509" y="7485"/>
+                  <a:pt x="10853928" y="0"/>
+                </a:cubicBezTo>
+                <a:cubicBezTo>
+                  <a:pt x="10854574" y="4451"/>
+                  <a:pt x="10854418" y="9226"/>
+                  <a:pt x="10853928" y="18288"/>
+                </a:cubicBezTo>
+                <a:cubicBezTo>
+                  <a:pt x="10691638" y="28522"/>
+                  <a:pt x="10574319" y="29578"/>
+                  <a:pt x="10392636" y="18288"/>
+                </a:cubicBezTo>
+                <a:cubicBezTo>
+                  <a:pt x="10210953" y="6998"/>
+                  <a:pt x="9836277" y="-16742"/>
+                  <a:pt x="9497187" y="18288"/>
+                </a:cubicBezTo>
+                <a:cubicBezTo>
+                  <a:pt x="9158097" y="53318"/>
+                  <a:pt x="9119479" y="30714"/>
+                  <a:pt x="8818817" y="18288"/>
+                </a:cubicBezTo>
+                <a:cubicBezTo>
+                  <a:pt x="8518155" y="5863"/>
+                  <a:pt x="8640037" y="6483"/>
+                  <a:pt x="8466064" y="18288"/>
+                </a:cubicBezTo>
+                <a:cubicBezTo>
+                  <a:pt x="8292091" y="30093"/>
+                  <a:pt x="7997656" y="18914"/>
+                  <a:pt x="7787693" y="18288"/>
+                </a:cubicBezTo>
+                <a:cubicBezTo>
+                  <a:pt x="7577730" y="17662"/>
+                  <a:pt x="7412468" y="21416"/>
+                  <a:pt x="7217862" y="18288"/>
+                </a:cubicBezTo>
+                <a:cubicBezTo>
+                  <a:pt x="7023256" y="15160"/>
+                  <a:pt x="6898018" y="14824"/>
+                  <a:pt x="6648031" y="18288"/>
+                </a:cubicBezTo>
+                <a:cubicBezTo>
+                  <a:pt x="6398044" y="21752"/>
+                  <a:pt x="6254402" y="38625"/>
+                  <a:pt x="6078200" y="18288"/>
+                </a:cubicBezTo>
+                <a:cubicBezTo>
+                  <a:pt x="5901998" y="-2049"/>
+                  <a:pt x="5622886" y="3213"/>
+                  <a:pt x="5508368" y="18288"/>
+                </a:cubicBezTo>
+                <a:cubicBezTo>
+                  <a:pt x="5393850" y="33363"/>
+                  <a:pt x="5036260" y="26830"/>
+                  <a:pt x="4721459" y="18288"/>
+                </a:cubicBezTo>
+                <a:cubicBezTo>
+                  <a:pt x="4406658" y="9746"/>
+                  <a:pt x="4239221" y="41551"/>
+                  <a:pt x="4043088" y="18288"/>
+                </a:cubicBezTo>
+                <a:cubicBezTo>
+                  <a:pt x="3846955" y="-4975"/>
+                  <a:pt x="3818802" y="34658"/>
+                  <a:pt x="3690336" y="18288"/>
+                </a:cubicBezTo>
+                <a:cubicBezTo>
+                  <a:pt x="3561870" y="1918"/>
+                  <a:pt x="3265491" y="42194"/>
+                  <a:pt x="3120504" y="18288"/>
+                </a:cubicBezTo>
+                <a:cubicBezTo>
+                  <a:pt x="2975517" y="-5618"/>
+                  <a:pt x="2720254" y="36673"/>
+                  <a:pt x="2333595" y="18288"/>
+                </a:cubicBezTo>
+                <a:cubicBezTo>
+                  <a:pt x="1946936" y="-97"/>
+                  <a:pt x="2097241" y="5776"/>
+                  <a:pt x="1872303" y="18288"/>
+                </a:cubicBezTo>
+                <a:cubicBezTo>
+                  <a:pt x="1647365" y="30800"/>
+                  <a:pt x="1282708" y="45380"/>
+                  <a:pt x="976854" y="18288"/>
+                </a:cubicBezTo>
+                <a:cubicBezTo>
+                  <a:pt x="671000" y="-8804"/>
+                  <a:pt x="408401" y="-12775"/>
+                  <a:pt x="0" y="18288"/>
+                </a:cubicBezTo>
+                <a:cubicBezTo>
+                  <a:pt x="-213" y="9468"/>
+                  <a:pt x="187" y="4459"/>
+                  <a:pt x="0" y="0"/>
+                </a:cubicBezTo>
+                <a:close/>
+              </a:path>
+              <a:path w="10853928" h="18288" stroke="0" extrusionOk="0">
+                <a:moveTo>
+                  <a:pt x="0" y="0"/>
+                </a:moveTo>
+                <a:cubicBezTo>
+                  <a:pt x="267322" y="15284"/>
+                  <a:pt x="415388" y="-21048"/>
+                  <a:pt x="569831" y="0"/>
+                </a:cubicBezTo>
+                <a:cubicBezTo>
+                  <a:pt x="724274" y="21048"/>
+                  <a:pt x="769333" y="-2353"/>
+                  <a:pt x="922584" y="0"/>
+                </a:cubicBezTo>
+                <a:cubicBezTo>
+                  <a:pt x="1075835" y="2353"/>
+                  <a:pt x="1399490" y="-145"/>
+                  <a:pt x="1818033" y="0"/>
+                </a:cubicBezTo>
+                <a:cubicBezTo>
+                  <a:pt x="2236576" y="145"/>
+                  <a:pt x="2145330" y="5482"/>
+                  <a:pt x="2387864" y="0"/>
+                </a:cubicBezTo>
+                <a:cubicBezTo>
+                  <a:pt x="2630398" y="-5482"/>
+                  <a:pt x="2793207" y="18487"/>
+                  <a:pt x="2957695" y="0"/>
+                </a:cubicBezTo>
+                <a:cubicBezTo>
+                  <a:pt x="3122183" y="-18487"/>
+                  <a:pt x="3579141" y="19003"/>
+                  <a:pt x="3853144" y="0"/>
+                </a:cubicBezTo>
+                <a:cubicBezTo>
+                  <a:pt x="4127147" y="-19003"/>
+                  <a:pt x="4209857" y="12211"/>
+                  <a:pt x="4314436" y="0"/>
+                </a:cubicBezTo>
+                <a:cubicBezTo>
+                  <a:pt x="4419015" y="-12211"/>
+                  <a:pt x="4762459" y="-17220"/>
+                  <a:pt x="5209885" y="0"/>
+                </a:cubicBezTo>
+                <a:cubicBezTo>
+                  <a:pt x="5657311" y="17220"/>
+                  <a:pt x="5692663" y="-3290"/>
+                  <a:pt x="6105335" y="0"/>
+                </a:cubicBezTo>
+                <a:cubicBezTo>
+                  <a:pt x="6518007" y="3290"/>
+                  <a:pt x="6455516" y="-5124"/>
+                  <a:pt x="6783705" y="0"/>
+                </a:cubicBezTo>
+                <a:cubicBezTo>
+                  <a:pt x="7111894" y="5124"/>
+                  <a:pt x="7441941" y="-17829"/>
+                  <a:pt x="7679154" y="0"/>
+                </a:cubicBezTo>
+                <a:cubicBezTo>
+                  <a:pt x="7916367" y="17829"/>
+                  <a:pt x="8102967" y="-24363"/>
+                  <a:pt x="8248985" y="0"/>
+                </a:cubicBezTo>
+                <a:cubicBezTo>
+                  <a:pt x="8395003" y="24363"/>
+                  <a:pt x="8552393" y="25505"/>
+                  <a:pt x="8818817" y="0"/>
+                </a:cubicBezTo>
+                <a:cubicBezTo>
+                  <a:pt x="9085241" y="-25505"/>
+                  <a:pt x="9411308" y="38000"/>
+                  <a:pt x="9605726" y="0"/>
+                </a:cubicBezTo>
+                <a:cubicBezTo>
+                  <a:pt x="9800144" y="-38000"/>
+                  <a:pt x="10006468" y="-25741"/>
+                  <a:pt x="10175558" y="0"/>
+                </a:cubicBezTo>
+                <a:cubicBezTo>
+                  <a:pt x="10344648" y="25741"/>
+                  <a:pt x="10696282" y="695"/>
+                  <a:pt x="10853928" y="0"/>
+                </a:cubicBezTo>
+                <a:cubicBezTo>
+                  <a:pt x="10853521" y="8690"/>
+                  <a:pt x="10853774" y="14141"/>
+                  <a:pt x="10853928" y="18288"/>
+                </a:cubicBezTo>
+                <a:cubicBezTo>
+                  <a:pt x="10608124" y="24255"/>
+                  <a:pt x="10343415" y="22307"/>
+                  <a:pt x="10067018" y="18288"/>
+                </a:cubicBezTo>
+                <a:cubicBezTo>
+                  <a:pt x="9790621" y="14270"/>
+                  <a:pt x="9843266" y="3564"/>
+                  <a:pt x="9714266" y="18288"/>
+                </a:cubicBezTo>
+                <a:cubicBezTo>
+                  <a:pt x="9585266" y="33012"/>
+                  <a:pt x="9379484" y="1875"/>
+                  <a:pt x="9252974" y="18288"/>
+                </a:cubicBezTo>
+                <a:cubicBezTo>
+                  <a:pt x="9126464" y="34701"/>
+                  <a:pt x="8580678" y="-4904"/>
+                  <a:pt x="8357525" y="18288"/>
+                </a:cubicBezTo>
+                <a:cubicBezTo>
+                  <a:pt x="8134372" y="41480"/>
+                  <a:pt x="7903199" y="26458"/>
+                  <a:pt x="7679154" y="18288"/>
+                </a:cubicBezTo>
+                <a:cubicBezTo>
+                  <a:pt x="7455109" y="10118"/>
+                  <a:pt x="7435944" y="27109"/>
+                  <a:pt x="7217862" y="18288"/>
+                </a:cubicBezTo>
+                <a:cubicBezTo>
+                  <a:pt x="6999780" y="9467"/>
+                  <a:pt x="6680409" y="18985"/>
+                  <a:pt x="6539492" y="18288"/>
+                </a:cubicBezTo>
+                <a:cubicBezTo>
+                  <a:pt x="6398575" y="17592"/>
+                  <a:pt x="6312077" y="33018"/>
+                  <a:pt x="6186739" y="18288"/>
+                </a:cubicBezTo>
+                <a:cubicBezTo>
+                  <a:pt x="6061401" y="3558"/>
+                  <a:pt x="5947033" y="12075"/>
+                  <a:pt x="5833986" y="18288"/>
+                </a:cubicBezTo>
+                <a:cubicBezTo>
+                  <a:pt x="5720939" y="24501"/>
+                  <a:pt x="5482226" y="8586"/>
+                  <a:pt x="5155616" y="18288"/>
+                </a:cubicBezTo>
+                <a:cubicBezTo>
+                  <a:pt x="4829006" y="27991"/>
+                  <a:pt x="4841274" y="29316"/>
+                  <a:pt x="4694324" y="18288"/>
+                </a:cubicBezTo>
+                <a:cubicBezTo>
+                  <a:pt x="4547374" y="7260"/>
+                  <a:pt x="4077675" y="7013"/>
+                  <a:pt x="3907414" y="18288"/>
+                </a:cubicBezTo>
+                <a:cubicBezTo>
+                  <a:pt x="3737153" y="29564"/>
+                  <a:pt x="3538393" y="21630"/>
+                  <a:pt x="3446122" y="18288"/>
+                </a:cubicBezTo>
+                <a:cubicBezTo>
+                  <a:pt x="3353851" y="14946"/>
+                  <a:pt x="2990320" y="-8091"/>
+                  <a:pt x="2659212" y="18288"/>
+                </a:cubicBezTo>
+                <a:cubicBezTo>
+                  <a:pt x="2328104" y="44667"/>
+                  <a:pt x="2427653" y="9607"/>
+                  <a:pt x="2306460" y="18288"/>
+                </a:cubicBezTo>
+                <a:cubicBezTo>
+                  <a:pt x="2185267" y="26969"/>
+                  <a:pt x="1719763" y="3717"/>
+                  <a:pt x="1519550" y="18288"/>
+                </a:cubicBezTo>
+                <a:cubicBezTo>
+                  <a:pt x="1319337" y="32860"/>
+                  <a:pt x="1167371" y="17040"/>
+                  <a:pt x="1058258" y="18288"/>
+                </a:cubicBezTo>
+                <a:cubicBezTo>
+                  <a:pt x="949145" y="19536"/>
+                  <a:pt x="780234" y="31447"/>
+                  <a:pt x="705505" y="18288"/>
+                </a:cubicBezTo>
+                <a:cubicBezTo>
+                  <a:pt x="630776" y="5129"/>
+                  <a:pt x="215796" y="30056"/>
+                  <a:pt x="0" y="18288"/>
+                </a:cubicBezTo>
+                <a:cubicBezTo>
+                  <a:pt x="-53" y="11301"/>
+                  <a:pt x="-649" y="7756"/>
+                  <a:pt x="0" y="0"/>
+                </a:cubicBezTo>
+                <a:close/>
+              </a:path>
+            </a:pathLst>
+          </a:custGeom>
+          <a:solidFill>
+            <a:schemeClr val="accent2"/>
+          </a:solidFill>
+          <a:ln w="41275" cap="rnd">
+            <a:solidFill>
+              <a:schemeClr val="accent2"/>
+            </a:solidFill>
+            <a:round/>
+            <a:extLst>
+              <a:ext uri="{C807C97D-BFC1-408E-A445-0C87EB9F89A2}">
+                <ask:lineSketchStyleProps xmlns:ask="http://schemas.microsoft.com/office/drawing/2018/sketchyshapes" sd="1219033472">
+                  <a:prstGeom prst="rect">
+                    <a:avLst/>
+                  </a:prstGeom>
+                  <ask:type>
+                    <ask:lineSketchFreehand/>
+                  </ask:type>
+                </ask:lineSketchStyleProps>
+              </a:ext>
+            </a:extLst>
+          </a:ln>
+        </p:spPr>
+        <p:style>
+          <a:lnRef idx="2">
+            <a:schemeClr val="accent1">
+              <a:shade val="50000"/>
+            </a:schemeClr>
+          </a:lnRef>
+          <a:fillRef idx="1">
+            <a:schemeClr val="accent1"/>
+          </a:fillRef>
+          <a:effectRef idx="0">
+            <a:schemeClr val="accent1"/>
+          </a:effectRef>
+          <a:fontRef idx="minor">
+            <a:schemeClr val="lt1"/>
+          </a:fontRef>
+        </p:style>
+        <p:txBody>
+          <a:bodyPr rtlCol="0" anchor="ctr"/>
+          <a:lstStyle/>
+          <a:p>
+            <a:pPr algn="ctr"/>
+            <a:endParaRPr lang="en-US"/>
+          </a:p>
+        </p:txBody>
+      </p:sp>
+      <p:sp>
+        <p:nvSpPr>
+          <p:cNvPr id="4" name="Rectangle 1">
+            <a:extLst>
+              <a:ext uri="{FF2B5EF4-FFF2-40B4-BE49-F238E27FC236}">
+                <a16:creationId xmlns:a16="http://schemas.microsoft.com/office/drawing/2014/main" id="{8EC02B46-22B0-7F99-5B2D-B1C0AC5C0A02}"/>
+              </a:ext>
+            </a:extLst>
+          </p:cNvPr>
+          <p:cNvSpPr>
+            <a:spLocks noGrp="1" noChangeArrowheads="1"/>
+          </p:cNvSpPr>
+          <p:nvPr>
+            <p:ph idx="1"/>
+          </p:nvPr>
+        </p:nvSpPr>
+        <p:spPr bwMode="auto">
+          <a:xfrm>
+            <a:off x="838200" y="1929384"/>
+            <a:ext cx="10515600" cy="4251960"/>
+          </a:xfrm>
+          <a:prstGeom prst="rect">
+            <a:avLst/>
+          </a:prstGeom>
+          <a:extLst>
+            <a:ext uri="{909E8E84-426E-40DD-AFC4-6F175D3DCCD1}">
+              <a14:hiddenFill xmlns:a14="http://schemas.microsoft.com/office/drawing/2010/main">
+                <a:solidFill>
+                  <a:schemeClr val="accent1"/>
+                </a:solidFill>
+              </a14:hiddenFill>
+            </a:ext>
+            <a:ext uri="{91240B29-F687-4F45-9708-019B960494DF}">
+              <a14:hiddenLine xmlns:a14="http://schemas.microsoft.com/office/drawing/2010/main" w="9525">
+                <a:solidFill>
+                  <a:schemeClr val="tx1"/>
+                </a:solidFill>
+                <a:miter lim="800000"/>
+                <a:headEnd/>
+                <a:tailEnd/>
+              </a14:hiddenLine>
+            </a:ext>
+            <a:ext uri="{AF507438-7753-43E0-B8FC-AC1667EBCBE1}">
+              <a14:hiddenEffects xmlns:a14="http://schemas.microsoft.com/office/drawing/2010/main">
+                <a:effectLst>
+                  <a:outerShdw dist="35921" dir="2700000" algn="ctr" rotWithShape="0">
+                    <a:schemeClr val="bg2"/>
+                  </a:outerShdw>
+                </a:effectLst>
+              </a14:hiddenEffects>
+            </a:ext>
+          </a:extLst>
+        </p:spPr>
+        <p:txBody>
+          <a:bodyPr vert="horz" lIns="91440" tIns="45720" rIns="91440" bIns="45720" numCol="1" anchorCtr="0" compatLnSpc="1">
+            <a:prstTxWarp prst="textNoShape">
+              <a:avLst/>
+            </a:prstTxWarp>
+            <a:normAutofit/>
+          </a:bodyPr>
+          <a:lstStyle/>
+          <a:p>
+            <a:pPr marL="342900" marR="0" lvl="0" indent="-342900" defTabSz="914400" rtl="0" eaLnBrk="0" fontAlgn="base" latinLnBrk="0" hangingPunct="0">
+              <a:spcBef>
+                <a:spcPct val="0"/>
+              </a:spcBef>
+              <a:spcAft>
+                <a:spcPts val="600"/>
+              </a:spcAft>
+              <a:buClrTx/>
+              <a:buSzTx/>
+              <a:buFont typeface="+mj-lt"/>
+              <a:buAutoNum type="arabicPeriod"/>
+              <a:tabLst/>
+            </a:pPr>
+            <a:r>
+              <a:rPr kumimoji="0" lang="it-IT" altLang="it-IT" sz="2200" i="0" u="none" strike="noStrike" cap="none" normalizeH="0" baseline="0" dirty="0">
+                <a:ln>
+                  <a:noFill/>
+                </a:ln>
+                <a:effectLst/>
+              </a:rPr>
+              <a:t>Progettare un controllore MPC  per portare il sistema da (h1,h2,h3,h4)=(1.3767, 2.2772, 0.8386, 0.5604)</a:t>
+            </a:r>
+            <a:br>
+              <a:rPr kumimoji="0" lang="it-IT" altLang="it-IT" sz="2200" i="0" u="none" strike="noStrike" cap="none" normalizeH="0" baseline="0" dirty="0">
+                <a:ln>
+                  <a:noFill/>
+                </a:ln>
+                <a:effectLst/>
+              </a:rPr>
+            </a:br>
+            <a:r>
+              <a:rPr kumimoji="0" lang="it-IT" altLang="it-IT" sz="2200" i="0" u="none" strike="noStrike" cap="none" normalizeH="0" baseline="0" dirty="0">
+                <a:ln>
+                  <a:noFill/>
+                </a:ln>
+                <a:effectLst/>
+              </a:rPr>
+              <a:t>all’equilibrio desiderato (7.8253, 18.7323, 3.3545, 7.8801)</a:t>
+            </a:r>
+            <a:r>
+              <a:rPr lang="it-IT" altLang="it-IT" sz="2200" dirty="0"/>
+              <a:t> </a:t>
+            </a:r>
+            <a:r>
+              <a:rPr kumimoji="0" lang="it-IT" altLang="it-IT" sz="2200" i="0" u="none" strike="noStrike" cap="none" normalizeH="0" baseline="0" dirty="0">
+                <a:ln>
+                  <a:noFill/>
+                </a:ln>
+                <a:effectLst/>
+              </a:rPr>
+              <a:t>rispettando i vincoli su stati e ingressi.</a:t>
+            </a:r>
+          </a:p>
+          <a:p>
+            <a:pPr marL="342900" marR="0" lvl="0" indent="-342900" defTabSz="914400" rtl="0" eaLnBrk="0" fontAlgn="base" latinLnBrk="0" hangingPunct="0">
+              <a:spcBef>
+                <a:spcPct val="0"/>
+              </a:spcBef>
+              <a:spcAft>
+                <a:spcPts val="600"/>
+              </a:spcAft>
+              <a:buClrTx/>
+              <a:buSzTx/>
+              <a:buFont typeface="+mj-lt"/>
+              <a:buAutoNum type="arabicPeriod"/>
+              <a:tabLst/>
+            </a:pPr>
+            <a:r>
+              <a:rPr kumimoji="0" lang="it-IT" altLang="it-IT" sz="2200" i="0" u="none" strike="noStrike" cap="none" normalizeH="0" baseline="0" dirty="0">
+                <a:ln>
+                  <a:noFill/>
+                </a:ln>
+                <a:effectLst/>
+              </a:rPr>
+              <a:t>Confrontare le prestazioni del controllore MPC variando:</a:t>
+            </a:r>
+          </a:p>
+          <a:p>
+            <a:pPr marL="342900" marR="0" lvl="0" indent="-342900" defTabSz="914400" rtl="0" eaLnBrk="0" fontAlgn="base" latinLnBrk="0" hangingPunct="0">
+              <a:spcBef>
+                <a:spcPct val="0"/>
+              </a:spcBef>
+              <a:spcAft>
+                <a:spcPts val="600"/>
+              </a:spcAft>
+              <a:buClrTx/>
+              <a:buSzTx/>
+              <a:buFont typeface="+mj-lt"/>
+              <a:buAutoNum type="arabicPeriod"/>
+              <a:tabLst/>
+            </a:pPr>
+            <a:r>
+              <a:rPr kumimoji="0" lang="it-IT" altLang="it-IT" sz="2200" i="0" u="none" strike="noStrike" cap="none" normalizeH="0" baseline="0" dirty="0">
+                <a:ln>
+                  <a:noFill/>
+                </a:ln>
+                <a:effectLst/>
+              </a:rPr>
+              <a:t>Il vincolo terminale (uguaglianza vs disuguaglianza)</a:t>
+            </a:r>
+          </a:p>
+          <a:p>
+            <a:pPr marL="342900" marR="0" lvl="0" indent="-342900" defTabSz="914400" rtl="0" eaLnBrk="0" fontAlgn="base" latinLnBrk="0" hangingPunct="0">
+              <a:spcBef>
+                <a:spcPct val="0"/>
+              </a:spcBef>
+              <a:spcAft>
+                <a:spcPts val="600"/>
+              </a:spcAft>
+              <a:buClrTx/>
+              <a:buSzTx/>
+              <a:buFont typeface="+mj-lt"/>
+              <a:buAutoNum type="arabicPeriod"/>
+              <a:tabLst/>
+            </a:pPr>
+            <a:r>
+              <a:rPr kumimoji="0" lang="it-IT" altLang="it-IT" sz="2200" i="0" u="none" strike="noStrike" cap="none" normalizeH="0" baseline="0" dirty="0">
+                <a:ln>
+                  <a:noFill/>
+                </a:ln>
+                <a:effectLst/>
+              </a:rPr>
+              <a:t>Le matrici di costo Q e R</a:t>
+            </a:r>
+          </a:p>
+          <a:p>
+            <a:pPr marL="342900" marR="0" lvl="0" indent="-342900" defTabSz="914400" rtl="0" eaLnBrk="0" fontAlgn="base" latinLnBrk="0" hangingPunct="0">
+              <a:spcBef>
+                <a:spcPct val="0"/>
+              </a:spcBef>
+              <a:spcAft>
+                <a:spcPts val="600"/>
+              </a:spcAft>
+              <a:buClrTx/>
+              <a:buSzTx/>
+              <a:buFont typeface="+mj-lt"/>
+              <a:buAutoNum type="arabicPeriod"/>
+              <a:tabLst/>
+            </a:pPr>
+            <a:r>
+              <a:rPr kumimoji="0" lang="it-IT" altLang="it-IT" sz="2200" i="0" u="none" strike="noStrike" cap="none" normalizeH="0" baseline="0" dirty="0">
+                <a:ln>
+                  <a:noFill/>
+                </a:ln>
+                <a:effectLst/>
+              </a:rPr>
+              <a:t>L’orizzonte di predizione </a:t>
+            </a:r>
+          </a:p>
+          <a:p>
+            <a:pPr marL="342900" marR="0" lvl="0" indent="-342900" defTabSz="914400" rtl="0" eaLnBrk="0" fontAlgn="base" latinLnBrk="0" hangingPunct="0">
+              <a:spcBef>
+                <a:spcPct val="0"/>
+              </a:spcBef>
+              <a:spcAft>
+                <a:spcPts val="600"/>
+              </a:spcAft>
+              <a:buClrTx/>
+              <a:buSzTx/>
+              <a:buFont typeface="+mj-lt"/>
+              <a:buAutoNum type="arabicPeriod"/>
+              <a:tabLst/>
+            </a:pPr>
+            <a:r>
+              <a:rPr kumimoji="0" lang="it-IT" altLang="it-IT" sz="2200" i="0" u="none" strike="noStrike" cap="none" normalizeH="0" baseline="0" dirty="0">
+                <a:ln>
+                  <a:noFill/>
+                </a:ln>
+                <a:effectLst/>
+              </a:rPr>
+              <a:t>Il tempo di campionamento Ts≥1 </a:t>
+            </a:r>
+          </a:p>
+        </p:txBody>
+      </p:sp>
+      <p:sp>
+        <p:nvSpPr>
+          <p:cNvPr id="5" name="Segnaposto piè di pagina 4">
+            <a:extLst>
+              <a:ext uri="{FF2B5EF4-FFF2-40B4-BE49-F238E27FC236}">
+                <a16:creationId xmlns:a16="http://schemas.microsoft.com/office/drawing/2014/main" id="{A3AC0D33-E7ED-A445-E441-7324FF53B8A5}"/>
+              </a:ext>
+            </a:extLst>
+          </p:cNvPr>
+          <p:cNvSpPr>
+            <a:spLocks noGrp="1"/>
+          </p:cNvSpPr>
+          <p:nvPr>
+            <p:ph type="ftr" sz="quarter" idx="11"/>
+          </p:nvPr>
+        </p:nvSpPr>
+        <p:spPr>
+          <a:xfrm>
+            <a:off x="4038600" y="6356350"/>
+            <a:ext cx="4114800" cy="365125"/>
+          </a:xfrm>
+        </p:spPr>
+        <p:txBody>
+          <a:bodyPr>
+            <a:normAutofit/>
+          </a:bodyPr>
+          <a:lstStyle/>
+          <a:p>
+            <a:pPr>
+              <a:spcAft>
+                <a:spcPts val="600"/>
+              </a:spcAft>
+            </a:pPr>
+            <a:r>
+              <a:rPr lang="it-IT"/>
+              <a:t>Davide Brambilla [1080752], Giorgio Passarella[1079287]</a:t>
+            </a:r>
+          </a:p>
+        </p:txBody>
+      </p:sp>
+    </p:spTree>
+    <p:extLst>
+      <p:ext uri="{BB962C8B-B14F-4D97-AF65-F5344CB8AC3E}">
+        <p14:creationId xmlns:p14="http://schemas.microsoft.com/office/powerpoint/2010/main" val="3269629714"/>
+      </p:ext>
+    </p:extLst>
+  </p:cSld>
+  <p:clrMapOvr>
+    <a:masterClrMapping/>
+  </p:clrMapOvr>
+</p:sld>
+</file>
+
+<file path=ppt/slides/slide30.xml><?xml version="1.0" encoding="utf-8"?>
 <p:sld xmlns:a="http://schemas.openxmlformats.org/drawingml/2006/main" xmlns:r="http://schemas.openxmlformats.org/officeDocument/2006/relationships" xmlns:p="http://schemas.openxmlformats.org/presentationml/2006/main">
   <p:cSld>
     <p:bg>
@@ -18811,7 +22354,7 @@
 </p:sld>
 </file>
 
-<file path=ppt/slides/slide27.xml><?xml version="1.0" encoding="utf-8"?>
+<file path=ppt/slides/slide31.xml><?xml version="1.0" encoding="utf-8"?>
 <p:sld xmlns:a="http://schemas.openxmlformats.org/drawingml/2006/main" xmlns:r="http://schemas.openxmlformats.org/officeDocument/2006/relationships" xmlns:p="http://schemas.openxmlformats.org/presentationml/2006/main">
   <p:cSld>
     <p:bg>
@@ -19964,7 +23507,7 @@
 </p:sld>
 </file>
 
-<file path=ppt/slides/slide28.xml><?xml version="1.0" encoding="utf-8"?>
+<file path=ppt/slides/slide32.xml><?xml version="1.0" encoding="utf-8"?>
 <p:sld xmlns:a="http://schemas.openxmlformats.org/drawingml/2006/main" xmlns:r="http://schemas.openxmlformats.org/officeDocument/2006/relationships" xmlns:p="http://schemas.openxmlformats.org/presentationml/2006/main">
   <p:cSld>
     <p:bg>
@@ -20781,1054 +24324,6 @@
     <p:extLst>
       <p:ext uri="{BB962C8B-B14F-4D97-AF65-F5344CB8AC3E}">
         <p14:creationId xmlns:p14="http://schemas.microsoft.com/office/powerpoint/2010/main" val="3061413352"/>
-      </p:ext>
-    </p:extLst>
-  </p:cSld>
-  <p:clrMapOvr>
-    <a:masterClrMapping/>
-  </p:clrMapOvr>
-</p:sld>
-</file>
-
-<file path=ppt/slides/slide3.xml><?xml version="1.0" encoding="utf-8"?>
-<p:sld xmlns:a="http://schemas.openxmlformats.org/drawingml/2006/main" xmlns:r="http://schemas.openxmlformats.org/officeDocument/2006/relationships" xmlns:p="http://schemas.openxmlformats.org/presentationml/2006/main">
-  <p:cSld>
-    <p:bg>
-      <p:bgPr>
-        <a:solidFill>
-          <a:schemeClr val="bg1"/>
-        </a:solidFill>
-        <a:effectLst/>
-      </p:bgPr>
-    </p:bg>
-    <p:spTree>
-      <p:nvGrpSpPr>
-        <p:cNvPr id="1" name=""/>
-        <p:cNvGrpSpPr/>
-        <p:nvPr/>
-      </p:nvGrpSpPr>
-      <p:grpSpPr>
-        <a:xfrm>
-          <a:off x="0" y="0"/>
-          <a:ext cx="0" cy="0"/>
-          <a:chOff x="0" y="0"/>
-          <a:chExt cx="0" cy="0"/>
-        </a:xfrm>
-      </p:grpSpPr>
-      <p:sp useBgFill="1">
-        <p:nvSpPr>
-          <p:cNvPr id="19" name="Rectangle 18">
-            <a:extLst>
-              <a:ext uri="{FF2B5EF4-FFF2-40B4-BE49-F238E27FC236}">
-                <a16:creationId xmlns:a16="http://schemas.microsoft.com/office/drawing/2014/main" id="{100EDD19-6802-4EC3-95CE-CFFAB042CFD6}"/>
-              </a:ext>
-              <a:ext uri="{C183D7F6-B498-43B3-948B-1728B52AA6E4}">
-                <adec:decorative xmlns:adec="http://schemas.microsoft.com/office/drawing/2017/decorative" val="1"/>
-              </a:ext>
-            </a:extLst>
-          </p:cNvPr>
-          <p:cNvSpPr>
-            <a:spLocks noGrp="1" noRot="1" noChangeAspect="1" noMove="1" noResize="1" noEditPoints="1" noAdjustHandles="1" noChangeArrowheads="1" noChangeShapeType="1" noTextEdit="1"/>
-          </p:cNvSpPr>
-          <p:nvPr>
-            <p:extLst>
-              <p:ext uri="{386F3935-93C4-4BCD-93E2-E3B085C9AB24}">
-                <p16:designElem xmlns:p16="http://schemas.microsoft.com/office/powerpoint/2015/main" val="1"/>
-              </p:ext>
-            </p:extLst>
-          </p:nvPr>
-        </p:nvSpPr>
-        <p:spPr>
-          <a:xfrm>
-            <a:off x="0" y="0"/>
-            <a:ext cx="12188952" cy="6858000"/>
-          </a:xfrm>
-          <a:prstGeom prst="rect">
-            <a:avLst/>
-          </a:prstGeom>
-          <a:ln>
-            <a:noFill/>
-          </a:ln>
-        </p:spPr>
-        <p:style>
-          <a:lnRef idx="2">
-            <a:schemeClr val="accent1">
-              <a:shade val="50000"/>
-            </a:schemeClr>
-          </a:lnRef>
-          <a:fillRef idx="1">
-            <a:schemeClr val="accent1"/>
-          </a:fillRef>
-          <a:effectRef idx="0">
-            <a:schemeClr val="accent1"/>
-          </a:effectRef>
-          <a:fontRef idx="minor">
-            <a:schemeClr val="lt1"/>
-          </a:fontRef>
-        </p:style>
-        <p:txBody>
-          <a:bodyPr rtlCol="0" anchor="ctr"/>
-          <a:lstStyle/>
-          <a:p>
-            <a:pPr algn="ctr"/>
-            <a:endParaRPr lang="en-US"/>
-          </a:p>
-        </p:txBody>
-      </p:sp>
-      <p:sp>
-        <p:nvSpPr>
-          <p:cNvPr id="2" name="Titolo 1">
-            <a:extLst>
-              <a:ext uri="{FF2B5EF4-FFF2-40B4-BE49-F238E27FC236}">
-                <a16:creationId xmlns:a16="http://schemas.microsoft.com/office/drawing/2014/main" id="{55A17A00-D385-922D-91F8-CB9EE8C3E0AD}"/>
-              </a:ext>
-            </a:extLst>
-          </p:cNvPr>
-          <p:cNvSpPr>
-            <a:spLocks noGrp="1"/>
-          </p:cNvSpPr>
-          <p:nvPr>
-            <p:ph type="title"/>
-          </p:nvPr>
-        </p:nvSpPr>
-        <p:spPr>
-          <a:xfrm>
-            <a:off x="838200" y="365125"/>
-            <a:ext cx="10515600" cy="1325563"/>
-          </a:xfrm>
-        </p:spPr>
-        <p:txBody>
-          <a:bodyPr>
-            <a:normAutofit/>
-          </a:bodyPr>
-          <a:lstStyle/>
-          <a:p>
-            <a:r>
-              <a:rPr lang="it-IT" sz="5400" dirty="0"/>
-              <a:t>Obiettivi di progetto</a:t>
-            </a:r>
-          </a:p>
-        </p:txBody>
-      </p:sp>
-      <p:sp>
-        <p:nvSpPr>
-          <p:cNvPr id="21" name="sketch line">
-            <a:extLst>
-              <a:ext uri="{FF2B5EF4-FFF2-40B4-BE49-F238E27FC236}">
-                <a16:creationId xmlns:a16="http://schemas.microsoft.com/office/drawing/2014/main" id="{DB17E863-922E-4C26-BD64-E8FD41D28661}"/>
-              </a:ext>
-              <a:ext uri="{C183D7F6-B498-43B3-948B-1728B52AA6E4}">
-                <adec:decorative xmlns:adec="http://schemas.microsoft.com/office/drawing/2017/decorative" val="1"/>
-              </a:ext>
-            </a:extLst>
-          </p:cNvPr>
-          <p:cNvSpPr>
-            <a:spLocks noGrp="1" noRot="1" noChangeAspect="1" noMove="1" noResize="1" noEditPoints="1" noAdjustHandles="1" noChangeArrowheads="1" noChangeShapeType="1" noTextEdit="1"/>
-          </p:cNvSpPr>
-          <p:nvPr>
-            <p:extLst>
-              <p:ext uri="{386F3935-93C4-4BCD-93E2-E3B085C9AB24}">
-                <p16:designElem xmlns:p16="http://schemas.microsoft.com/office/powerpoint/2015/main" val="1"/>
-              </p:ext>
-            </p:extLst>
-          </p:nvPr>
-        </p:nvSpPr>
-        <p:spPr>
-          <a:xfrm>
-            <a:off x="669036" y="1677373"/>
-            <a:ext cx="10853928" cy="18288"/>
-          </a:xfrm>
-          <a:custGeom>
-            <a:avLst/>
-            <a:gdLst>
-              <a:gd name="connsiteX0" fmla="*/ 0 w 10853928"/>
-              <a:gd name="connsiteY0" fmla="*/ 0 h 18288"/>
-              <a:gd name="connsiteX1" fmla="*/ 461292 w 10853928"/>
-              <a:gd name="connsiteY1" fmla="*/ 0 h 18288"/>
-              <a:gd name="connsiteX2" fmla="*/ 1139662 w 10853928"/>
-              <a:gd name="connsiteY2" fmla="*/ 0 h 18288"/>
-              <a:gd name="connsiteX3" fmla="*/ 1926572 w 10853928"/>
-              <a:gd name="connsiteY3" fmla="*/ 0 h 18288"/>
-              <a:gd name="connsiteX4" fmla="*/ 2279325 w 10853928"/>
-              <a:gd name="connsiteY4" fmla="*/ 0 h 18288"/>
-              <a:gd name="connsiteX5" fmla="*/ 2632078 w 10853928"/>
-              <a:gd name="connsiteY5" fmla="*/ 0 h 18288"/>
-              <a:gd name="connsiteX6" fmla="*/ 3527527 w 10853928"/>
-              <a:gd name="connsiteY6" fmla="*/ 0 h 18288"/>
-              <a:gd name="connsiteX7" fmla="*/ 4205897 w 10853928"/>
-              <a:gd name="connsiteY7" fmla="*/ 0 h 18288"/>
-              <a:gd name="connsiteX8" fmla="*/ 4558650 w 10853928"/>
-              <a:gd name="connsiteY8" fmla="*/ 0 h 18288"/>
-              <a:gd name="connsiteX9" fmla="*/ 5237020 w 10853928"/>
-              <a:gd name="connsiteY9" fmla="*/ 0 h 18288"/>
-              <a:gd name="connsiteX10" fmla="*/ 6132469 w 10853928"/>
-              <a:gd name="connsiteY10" fmla="*/ 0 h 18288"/>
-              <a:gd name="connsiteX11" fmla="*/ 6702301 w 10853928"/>
-              <a:gd name="connsiteY11" fmla="*/ 0 h 18288"/>
-              <a:gd name="connsiteX12" fmla="*/ 7272132 w 10853928"/>
-              <a:gd name="connsiteY12" fmla="*/ 0 h 18288"/>
-              <a:gd name="connsiteX13" fmla="*/ 7950502 w 10853928"/>
-              <a:gd name="connsiteY13" fmla="*/ 0 h 18288"/>
-              <a:gd name="connsiteX14" fmla="*/ 8737412 w 10853928"/>
-              <a:gd name="connsiteY14" fmla="*/ 0 h 18288"/>
-              <a:gd name="connsiteX15" fmla="*/ 9524322 w 10853928"/>
-              <a:gd name="connsiteY15" fmla="*/ 0 h 18288"/>
-              <a:gd name="connsiteX16" fmla="*/ 10853928 w 10853928"/>
-              <a:gd name="connsiteY16" fmla="*/ 0 h 18288"/>
-              <a:gd name="connsiteX17" fmla="*/ 10853928 w 10853928"/>
-              <a:gd name="connsiteY17" fmla="*/ 18288 h 18288"/>
-              <a:gd name="connsiteX18" fmla="*/ 10392636 w 10853928"/>
-              <a:gd name="connsiteY18" fmla="*/ 18288 h 18288"/>
-              <a:gd name="connsiteX19" fmla="*/ 9497187 w 10853928"/>
-              <a:gd name="connsiteY19" fmla="*/ 18288 h 18288"/>
-              <a:gd name="connsiteX20" fmla="*/ 8818817 w 10853928"/>
-              <a:gd name="connsiteY20" fmla="*/ 18288 h 18288"/>
-              <a:gd name="connsiteX21" fmla="*/ 8466064 w 10853928"/>
-              <a:gd name="connsiteY21" fmla="*/ 18288 h 18288"/>
-              <a:gd name="connsiteX22" fmla="*/ 7787693 w 10853928"/>
-              <a:gd name="connsiteY22" fmla="*/ 18288 h 18288"/>
-              <a:gd name="connsiteX23" fmla="*/ 7217862 w 10853928"/>
-              <a:gd name="connsiteY23" fmla="*/ 18288 h 18288"/>
-              <a:gd name="connsiteX24" fmla="*/ 6648031 w 10853928"/>
-              <a:gd name="connsiteY24" fmla="*/ 18288 h 18288"/>
-              <a:gd name="connsiteX25" fmla="*/ 6078200 w 10853928"/>
-              <a:gd name="connsiteY25" fmla="*/ 18288 h 18288"/>
-              <a:gd name="connsiteX26" fmla="*/ 5508368 w 10853928"/>
-              <a:gd name="connsiteY26" fmla="*/ 18288 h 18288"/>
-              <a:gd name="connsiteX27" fmla="*/ 4721459 w 10853928"/>
-              <a:gd name="connsiteY27" fmla="*/ 18288 h 18288"/>
-              <a:gd name="connsiteX28" fmla="*/ 4043088 w 10853928"/>
-              <a:gd name="connsiteY28" fmla="*/ 18288 h 18288"/>
-              <a:gd name="connsiteX29" fmla="*/ 3690336 w 10853928"/>
-              <a:gd name="connsiteY29" fmla="*/ 18288 h 18288"/>
-              <a:gd name="connsiteX30" fmla="*/ 3120504 w 10853928"/>
-              <a:gd name="connsiteY30" fmla="*/ 18288 h 18288"/>
-              <a:gd name="connsiteX31" fmla="*/ 2333595 w 10853928"/>
-              <a:gd name="connsiteY31" fmla="*/ 18288 h 18288"/>
-              <a:gd name="connsiteX32" fmla="*/ 1872303 w 10853928"/>
-              <a:gd name="connsiteY32" fmla="*/ 18288 h 18288"/>
-              <a:gd name="connsiteX33" fmla="*/ 976854 w 10853928"/>
-              <a:gd name="connsiteY33" fmla="*/ 18288 h 18288"/>
-              <a:gd name="connsiteX34" fmla="*/ 0 w 10853928"/>
-              <a:gd name="connsiteY34" fmla="*/ 18288 h 18288"/>
-              <a:gd name="connsiteX35" fmla="*/ 0 w 10853928"/>
-              <a:gd name="connsiteY35" fmla="*/ 0 h 18288"/>
-            </a:gdLst>
-            <a:ahLst/>
-            <a:cxnLst>
-              <a:cxn ang="0">
-                <a:pos x="connsiteX0" y="connsiteY0"/>
-              </a:cxn>
-              <a:cxn ang="0">
-                <a:pos x="connsiteX1" y="connsiteY1"/>
-              </a:cxn>
-              <a:cxn ang="0">
-                <a:pos x="connsiteX2" y="connsiteY2"/>
-              </a:cxn>
-              <a:cxn ang="0">
-                <a:pos x="connsiteX3" y="connsiteY3"/>
-              </a:cxn>
-              <a:cxn ang="0">
-                <a:pos x="connsiteX4" y="connsiteY4"/>
-              </a:cxn>
-              <a:cxn ang="0">
-                <a:pos x="connsiteX5" y="connsiteY5"/>
-              </a:cxn>
-              <a:cxn ang="0">
-                <a:pos x="connsiteX6" y="connsiteY6"/>
-              </a:cxn>
-              <a:cxn ang="0">
-                <a:pos x="connsiteX7" y="connsiteY7"/>
-              </a:cxn>
-              <a:cxn ang="0">
-                <a:pos x="connsiteX8" y="connsiteY8"/>
-              </a:cxn>
-              <a:cxn ang="0">
-                <a:pos x="connsiteX9" y="connsiteY9"/>
-              </a:cxn>
-              <a:cxn ang="0">
-                <a:pos x="connsiteX10" y="connsiteY10"/>
-              </a:cxn>
-              <a:cxn ang="0">
-                <a:pos x="connsiteX11" y="connsiteY11"/>
-              </a:cxn>
-              <a:cxn ang="0">
-                <a:pos x="connsiteX12" y="connsiteY12"/>
-              </a:cxn>
-              <a:cxn ang="0">
-                <a:pos x="connsiteX13" y="connsiteY13"/>
-              </a:cxn>
-              <a:cxn ang="0">
-                <a:pos x="connsiteX14" y="connsiteY14"/>
-              </a:cxn>
-              <a:cxn ang="0">
-                <a:pos x="connsiteX15" y="connsiteY15"/>
-              </a:cxn>
-              <a:cxn ang="0">
-                <a:pos x="connsiteX16" y="connsiteY16"/>
-              </a:cxn>
-              <a:cxn ang="0">
-                <a:pos x="connsiteX17" y="connsiteY17"/>
-              </a:cxn>
-              <a:cxn ang="0">
-                <a:pos x="connsiteX18" y="connsiteY18"/>
-              </a:cxn>
-              <a:cxn ang="0">
-                <a:pos x="connsiteX19" y="connsiteY19"/>
-              </a:cxn>
-              <a:cxn ang="0">
-                <a:pos x="connsiteX20" y="connsiteY20"/>
-              </a:cxn>
-              <a:cxn ang="0">
-                <a:pos x="connsiteX21" y="connsiteY21"/>
-              </a:cxn>
-              <a:cxn ang="0">
-                <a:pos x="connsiteX22" y="connsiteY22"/>
-              </a:cxn>
-              <a:cxn ang="0">
-                <a:pos x="connsiteX23" y="connsiteY23"/>
-              </a:cxn>
-              <a:cxn ang="0">
-                <a:pos x="connsiteX24" y="connsiteY24"/>
-              </a:cxn>
-              <a:cxn ang="0">
-                <a:pos x="connsiteX25" y="connsiteY25"/>
-              </a:cxn>
-              <a:cxn ang="0">
-                <a:pos x="connsiteX26" y="connsiteY26"/>
-              </a:cxn>
-              <a:cxn ang="0">
-                <a:pos x="connsiteX27" y="connsiteY27"/>
-              </a:cxn>
-              <a:cxn ang="0">
-                <a:pos x="connsiteX28" y="connsiteY28"/>
-              </a:cxn>
-              <a:cxn ang="0">
-                <a:pos x="connsiteX29" y="connsiteY29"/>
-              </a:cxn>
-              <a:cxn ang="0">
-                <a:pos x="connsiteX30" y="connsiteY30"/>
-              </a:cxn>
-              <a:cxn ang="0">
-                <a:pos x="connsiteX31" y="connsiteY31"/>
-              </a:cxn>
-              <a:cxn ang="0">
-                <a:pos x="connsiteX32" y="connsiteY32"/>
-              </a:cxn>
-              <a:cxn ang="0">
-                <a:pos x="connsiteX33" y="connsiteY33"/>
-              </a:cxn>
-              <a:cxn ang="0">
-                <a:pos x="connsiteX34" y="connsiteY34"/>
-              </a:cxn>
-              <a:cxn ang="0">
-                <a:pos x="connsiteX35" y="connsiteY35"/>
-              </a:cxn>
-            </a:cxnLst>
-            <a:rect l="l" t="t" r="r" b="b"/>
-            <a:pathLst>
-              <a:path w="10853928" h="18288" fill="none" extrusionOk="0">
-                <a:moveTo>
-                  <a:pt x="0" y="0"/>
-                </a:moveTo>
-                <a:cubicBezTo>
-                  <a:pt x="146993" y="-19076"/>
-                  <a:pt x="347684" y="-4790"/>
-                  <a:pt x="461292" y="0"/>
-                </a:cubicBezTo>
-                <a:cubicBezTo>
-                  <a:pt x="574900" y="4790"/>
-                  <a:pt x="808367" y="19821"/>
-                  <a:pt x="1139662" y="0"/>
-                </a:cubicBezTo>
-                <a:cubicBezTo>
-                  <a:pt x="1470957" y="-19821"/>
-                  <a:pt x="1627405" y="5721"/>
-                  <a:pt x="1926572" y="0"/>
-                </a:cubicBezTo>
-                <a:cubicBezTo>
-                  <a:pt x="2225739" y="-5721"/>
-                  <a:pt x="2137730" y="-3235"/>
-                  <a:pt x="2279325" y="0"/>
-                </a:cubicBezTo>
-                <a:cubicBezTo>
-                  <a:pt x="2420920" y="3235"/>
-                  <a:pt x="2456518" y="9685"/>
-                  <a:pt x="2632078" y="0"/>
-                </a:cubicBezTo>
-                <a:cubicBezTo>
-                  <a:pt x="2807638" y="-9685"/>
-                  <a:pt x="3211516" y="-43007"/>
-                  <a:pt x="3527527" y="0"/>
-                </a:cubicBezTo>
-                <a:cubicBezTo>
-                  <a:pt x="3843538" y="43007"/>
-                  <a:pt x="4058833" y="22042"/>
-                  <a:pt x="4205897" y="0"/>
-                </a:cubicBezTo>
-                <a:cubicBezTo>
-                  <a:pt x="4352961" y="-22042"/>
-                  <a:pt x="4474805" y="-11846"/>
-                  <a:pt x="4558650" y="0"/>
-                </a:cubicBezTo>
-                <a:cubicBezTo>
-                  <a:pt x="4642495" y="11846"/>
-                  <a:pt x="5041928" y="-6069"/>
-                  <a:pt x="5237020" y="0"/>
-                </a:cubicBezTo>
-                <a:cubicBezTo>
-                  <a:pt x="5432112" y="6069"/>
-                  <a:pt x="5943266" y="-17479"/>
-                  <a:pt x="6132469" y="0"/>
-                </a:cubicBezTo>
-                <a:cubicBezTo>
-                  <a:pt x="6321672" y="17479"/>
-                  <a:pt x="6483872" y="26234"/>
-                  <a:pt x="6702301" y="0"/>
-                </a:cubicBezTo>
-                <a:cubicBezTo>
-                  <a:pt x="6920730" y="-26234"/>
-                  <a:pt x="6991194" y="-15156"/>
-                  <a:pt x="7272132" y="0"/>
-                </a:cubicBezTo>
-                <a:cubicBezTo>
-                  <a:pt x="7553070" y="15156"/>
-                  <a:pt x="7684444" y="-32961"/>
-                  <a:pt x="7950502" y="0"/>
-                </a:cubicBezTo>
-                <a:cubicBezTo>
-                  <a:pt x="8216560" y="32961"/>
-                  <a:pt x="8493290" y="-10491"/>
-                  <a:pt x="8737412" y="0"/>
-                </a:cubicBezTo>
-                <a:cubicBezTo>
-                  <a:pt x="8981534" y="10491"/>
-                  <a:pt x="9191586" y="-13899"/>
-                  <a:pt x="9524322" y="0"/>
-                </a:cubicBezTo>
-                <a:cubicBezTo>
-                  <a:pt x="9857058" y="13899"/>
-                  <a:pt x="10297509" y="7485"/>
-                  <a:pt x="10853928" y="0"/>
-                </a:cubicBezTo>
-                <a:cubicBezTo>
-                  <a:pt x="10854574" y="4451"/>
-                  <a:pt x="10854418" y="9226"/>
-                  <a:pt x="10853928" y="18288"/>
-                </a:cubicBezTo>
-                <a:cubicBezTo>
-                  <a:pt x="10691638" y="28522"/>
-                  <a:pt x="10574319" y="29578"/>
-                  <a:pt x="10392636" y="18288"/>
-                </a:cubicBezTo>
-                <a:cubicBezTo>
-                  <a:pt x="10210953" y="6998"/>
-                  <a:pt x="9836277" y="-16742"/>
-                  <a:pt x="9497187" y="18288"/>
-                </a:cubicBezTo>
-                <a:cubicBezTo>
-                  <a:pt x="9158097" y="53318"/>
-                  <a:pt x="9119479" y="30714"/>
-                  <a:pt x="8818817" y="18288"/>
-                </a:cubicBezTo>
-                <a:cubicBezTo>
-                  <a:pt x="8518155" y="5863"/>
-                  <a:pt x="8640037" y="6483"/>
-                  <a:pt x="8466064" y="18288"/>
-                </a:cubicBezTo>
-                <a:cubicBezTo>
-                  <a:pt x="8292091" y="30093"/>
-                  <a:pt x="7997656" y="18914"/>
-                  <a:pt x="7787693" y="18288"/>
-                </a:cubicBezTo>
-                <a:cubicBezTo>
-                  <a:pt x="7577730" y="17662"/>
-                  <a:pt x="7412468" y="21416"/>
-                  <a:pt x="7217862" y="18288"/>
-                </a:cubicBezTo>
-                <a:cubicBezTo>
-                  <a:pt x="7023256" y="15160"/>
-                  <a:pt x="6898018" y="14824"/>
-                  <a:pt x="6648031" y="18288"/>
-                </a:cubicBezTo>
-                <a:cubicBezTo>
-                  <a:pt x="6398044" y="21752"/>
-                  <a:pt x="6254402" y="38625"/>
-                  <a:pt x="6078200" y="18288"/>
-                </a:cubicBezTo>
-                <a:cubicBezTo>
-                  <a:pt x="5901998" y="-2049"/>
-                  <a:pt x="5622886" y="3213"/>
-                  <a:pt x="5508368" y="18288"/>
-                </a:cubicBezTo>
-                <a:cubicBezTo>
-                  <a:pt x="5393850" y="33363"/>
-                  <a:pt x="5036260" y="26830"/>
-                  <a:pt x="4721459" y="18288"/>
-                </a:cubicBezTo>
-                <a:cubicBezTo>
-                  <a:pt x="4406658" y="9746"/>
-                  <a:pt x="4239221" y="41551"/>
-                  <a:pt x="4043088" y="18288"/>
-                </a:cubicBezTo>
-                <a:cubicBezTo>
-                  <a:pt x="3846955" y="-4975"/>
-                  <a:pt x="3818802" y="34658"/>
-                  <a:pt x="3690336" y="18288"/>
-                </a:cubicBezTo>
-                <a:cubicBezTo>
-                  <a:pt x="3561870" y="1918"/>
-                  <a:pt x="3265491" y="42194"/>
-                  <a:pt x="3120504" y="18288"/>
-                </a:cubicBezTo>
-                <a:cubicBezTo>
-                  <a:pt x="2975517" y="-5618"/>
-                  <a:pt x="2720254" y="36673"/>
-                  <a:pt x="2333595" y="18288"/>
-                </a:cubicBezTo>
-                <a:cubicBezTo>
-                  <a:pt x="1946936" y="-97"/>
-                  <a:pt x="2097241" y="5776"/>
-                  <a:pt x="1872303" y="18288"/>
-                </a:cubicBezTo>
-                <a:cubicBezTo>
-                  <a:pt x="1647365" y="30800"/>
-                  <a:pt x="1282708" y="45380"/>
-                  <a:pt x="976854" y="18288"/>
-                </a:cubicBezTo>
-                <a:cubicBezTo>
-                  <a:pt x="671000" y="-8804"/>
-                  <a:pt x="408401" y="-12775"/>
-                  <a:pt x="0" y="18288"/>
-                </a:cubicBezTo>
-                <a:cubicBezTo>
-                  <a:pt x="-213" y="9468"/>
-                  <a:pt x="187" y="4459"/>
-                  <a:pt x="0" y="0"/>
-                </a:cubicBezTo>
-                <a:close/>
-              </a:path>
-              <a:path w="10853928" h="18288" stroke="0" extrusionOk="0">
-                <a:moveTo>
-                  <a:pt x="0" y="0"/>
-                </a:moveTo>
-                <a:cubicBezTo>
-                  <a:pt x="267322" y="15284"/>
-                  <a:pt x="415388" y="-21048"/>
-                  <a:pt x="569831" y="0"/>
-                </a:cubicBezTo>
-                <a:cubicBezTo>
-                  <a:pt x="724274" y="21048"/>
-                  <a:pt x="769333" y="-2353"/>
-                  <a:pt x="922584" y="0"/>
-                </a:cubicBezTo>
-                <a:cubicBezTo>
-                  <a:pt x="1075835" y="2353"/>
-                  <a:pt x="1399490" y="-145"/>
-                  <a:pt x="1818033" y="0"/>
-                </a:cubicBezTo>
-                <a:cubicBezTo>
-                  <a:pt x="2236576" y="145"/>
-                  <a:pt x="2145330" y="5482"/>
-                  <a:pt x="2387864" y="0"/>
-                </a:cubicBezTo>
-                <a:cubicBezTo>
-                  <a:pt x="2630398" y="-5482"/>
-                  <a:pt x="2793207" y="18487"/>
-                  <a:pt x="2957695" y="0"/>
-                </a:cubicBezTo>
-                <a:cubicBezTo>
-                  <a:pt x="3122183" y="-18487"/>
-                  <a:pt x="3579141" y="19003"/>
-                  <a:pt x="3853144" y="0"/>
-                </a:cubicBezTo>
-                <a:cubicBezTo>
-                  <a:pt x="4127147" y="-19003"/>
-                  <a:pt x="4209857" y="12211"/>
-                  <a:pt x="4314436" y="0"/>
-                </a:cubicBezTo>
-                <a:cubicBezTo>
-                  <a:pt x="4419015" y="-12211"/>
-                  <a:pt x="4762459" y="-17220"/>
-                  <a:pt x="5209885" y="0"/>
-                </a:cubicBezTo>
-                <a:cubicBezTo>
-                  <a:pt x="5657311" y="17220"/>
-                  <a:pt x="5692663" y="-3290"/>
-                  <a:pt x="6105335" y="0"/>
-                </a:cubicBezTo>
-                <a:cubicBezTo>
-                  <a:pt x="6518007" y="3290"/>
-                  <a:pt x="6455516" y="-5124"/>
-                  <a:pt x="6783705" y="0"/>
-                </a:cubicBezTo>
-                <a:cubicBezTo>
-                  <a:pt x="7111894" y="5124"/>
-                  <a:pt x="7441941" y="-17829"/>
-                  <a:pt x="7679154" y="0"/>
-                </a:cubicBezTo>
-                <a:cubicBezTo>
-                  <a:pt x="7916367" y="17829"/>
-                  <a:pt x="8102967" y="-24363"/>
-                  <a:pt x="8248985" y="0"/>
-                </a:cubicBezTo>
-                <a:cubicBezTo>
-                  <a:pt x="8395003" y="24363"/>
-                  <a:pt x="8552393" y="25505"/>
-                  <a:pt x="8818817" y="0"/>
-                </a:cubicBezTo>
-                <a:cubicBezTo>
-                  <a:pt x="9085241" y="-25505"/>
-                  <a:pt x="9411308" y="38000"/>
-                  <a:pt x="9605726" y="0"/>
-                </a:cubicBezTo>
-                <a:cubicBezTo>
-                  <a:pt x="9800144" y="-38000"/>
-                  <a:pt x="10006468" y="-25741"/>
-                  <a:pt x="10175558" y="0"/>
-                </a:cubicBezTo>
-                <a:cubicBezTo>
-                  <a:pt x="10344648" y="25741"/>
-                  <a:pt x="10696282" y="695"/>
-                  <a:pt x="10853928" y="0"/>
-                </a:cubicBezTo>
-                <a:cubicBezTo>
-                  <a:pt x="10853521" y="8690"/>
-                  <a:pt x="10853774" y="14141"/>
-                  <a:pt x="10853928" y="18288"/>
-                </a:cubicBezTo>
-                <a:cubicBezTo>
-                  <a:pt x="10608124" y="24255"/>
-                  <a:pt x="10343415" y="22307"/>
-                  <a:pt x="10067018" y="18288"/>
-                </a:cubicBezTo>
-                <a:cubicBezTo>
-                  <a:pt x="9790621" y="14270"/>
-                  <a:pt x="9843266" y="3564"/>
-                  <a:pt x="9714266" y="18288"/>
-                </a:cubicBezTo>
-                <a:cubicBezTo>
-                  <a:pt x="9585266" y="33012"/>
-                  <a:pt x="9379484" y="1875"/>
-                  <a:pt x="9252974" y="18288"/>
-                </a:cubicBezTo>
-                <a:cubicBezTo>
-                  <a:pt x="9126464" y="34701"/>
-                  <a:pt x="8580678" y="-4904"/>
-                  <a:pt x="8357525" y="18288"/>
-                </a:cubicBezTo>
-                <a:cubicBezTo>
-                  <a:pt x="8134372" y="41480"/>
-                  <a:pt x="7903199" y="26458"/>
-                  <a:pt x="7679154" y="18288"/>
-                </a:cubicBezTo>
-                <a:cubicBezTo>
-                  <a:pt x="7455109" y="10118"/>
-                  <a:pt x="7435944" y="27109"/>
-                  <a:pt x="7217862" y="18288"/>
-                </a:cubicBezTo>
-                <a:cubicBezTo>
-                  <a:pt x="6999780" y="9467"/>
-                  <a:pt x="6680409" y="18985"/>
-                  <a:pt x="6539492" y="18288"/>
-                </a:cubicBezTo>
-                <a:cubicBezTo>
-                  <a:pt x="6398575" y="17592"/>
-                  <a:pt x="6312077" y="33018"/>
-                  <a:pt x="6186739" y="18288"/>
-                </a:cubicBezTo>
-                <a:cubicBezTo>
-                  <a:pt x="6061401" y="3558"/>
-                  <a:pt x="5947033" y="12075"/>
-                  <a:pt x="5833986" y="18288"/>
-                </a:cubicBezTo>
-                <a:cubicBezTo>
-                  <a:pt x="5720939" y="24501"/>
-                  <a:pt x="5482226" y="8586"/>
-                  <a:pt x="5155616" y="18288"/>
-                </a:cubicBezTo>
-                <a:cubicBezTo>
-                  <a:pt x="4829006" y="27991"/>
-                  <a:pt x="4841274" y="29316"/>
-                  <a:pt x="4694324" y="18288"/>
-                </a:cubicBezTo>
-                <a:cubicBezTo>
-                  <a:pt x="4547374" y="7260"/>
-                  <a:pt x="4077675" y="7013"/>
-                  <a:pt x="3907414" y="18288"/>
-                </a:cubicBezTo>
-                <a:cubicBezTo>
-                  <a:pt x="3737153" y="29564"/>
-                  <a:pt x="3538393" y="21630"/>
-                  <a:pt x="3446122" y="18288"/>
-                </a:cubicBezTo>
-                <a:cubicBezTo>
-                  <a:pt x="3353851" y="14946"/>
-                  <a:pt x="2990320" y="-8091"/>
-                  <a:pt x="2659212" y="18288"/>
-                </a:cubicBezTo>
-                <a:cubicBezTo>
-                  <a:pt x="2328104" y="44667"/>
-                  <a:pt x="2427653" y="9607"/>
-                  <a:pt x="2306460" y="18288"/>
-                </a:cubicBezTo>
-                <a:cubicBezTo>
-                  <a:pt x="2185267" y="26969"/>
-                  <a:pt x="1719763" y="3717"/>
-                  <a:pt x="1519550" y="18288"/>
-                </a:cubicBezTo>
-                <a:cubicBezTo>
-                  <a:pt x="1319337" y="32860"/>
-                  <a:pt x="1167371" y="17040"/>
-                  <a:pt x="1058258" y="18288"/>
-                </a:cubicBezTo>
-                <a:cubicBezTo>
-                  <a:pt x="949145" y="19536"/>
-                  <a:pt x="780234" y="31447"/>
-                  <a:pt x="705505" y="18288"/>
-                </a:cubicBezTo>
-                <a:cubicBezTo>
-                  <a:pt x="630776" y="5129"/>
-                  <a:pt x="215796" y="30056"/>
-                  <a:pt x="0" y="18288"/>
-                </a:cubicBezTo>
-                <a:cubicBezTo>
-                  <a:pt x="-53" y="11301"/>
-                  <a:pt x="-649" y="7756"/>
-                  <a:pt x="0" y="0"/>
-                </a:cubicBezTo>
-                <a:close/>
-              </a:path>
-            </a:pathLst>
-          </a:custGeom>
-          <a:solidFill>
-            <a:schemeClr val="accent2"/>
-          </a:solidFill>
-          <a:ln w="41275" cap="rnd">
-            <a:solidFill>
-              <a:schemeClr val="accent2"/>
-            </a:solidFill>
-            <a:round/>
-            <a:extLst>
-              <a:ext uri="{C807C97D-BFC1-408E-A445-0C87EB9F89A2}">
-                <ask:lineSketchStyleProps xmlns:ask="http://schemas.microsoft.com/office/drawing/2018/sketchyshapes" sd="1219033472">
-                  <a:prstGeom prst="rect">
-                    <a:avLst/>
-                  </a:prstGeom>
-                  <ask:type>
-                    <ask:lineSketchFreehand/>
-                  </ask:type>
-                </ask:lineSketchStyleProps>
-              </a:ext>
-            </a:extLst>
-          </a:ln>
-        </p:spPr>
-        <p:style>
-          <a:lnRef idx="2">
-            <a:schemeClr val="accent1">
-              <a:shade val="50000"/>
-            </a:schemeClr>
-          </a:lnRef>
-          <a:fillRef idx="1">
-            <a:schemeClr val="accent1"/>
-          </a:fillRef>
-          <a:effectRef idx="0">
-            <a:schemeClr val="accent1"/>
-          </a:effectRef>
-          <a:fontRef idx="minor">
-            <a:schemeClr val="lt1"/>
-          </a:fontRef>
-        </p:style>
-        <p:txBody>
-          <a:bodyPr rtlCol="0" anchor="ctr"/>
-          <a:lstStyle/>
-          <a:p>
-            <a:pPr algn="ctr"/>
-            <a:endParaRPr lang="en-US"/>
-          </a:p>
-        </p:txBody>
-      </p:sp>
-      <p:sp>
-        <p:nvSpPr>
-          <p:cNvPr id="4" name="Rectangle 1">
-            <a:extLst>
-              <a:ext uri="{FF2B5EF4-FFF2-40B4-BE49-F238E27FC236}">
-                <a16:creationId xmlns:a16="http://schemas.microsoft.com/office/drawing/2014/main" id="{8EC02B46-22B0-7F99-5B2D-B1C0AC5C0A02}"/>
-              </a:ext>
-            </a:extLst>
-          </p:cNvPr>
-          <p:cNvSpPr>
-            <a:spLocks noGrp="1" noChangeArrowheads="1"/>
-          </p:cNvSpPr>
-          <p:nvPr>
-            <p:ph idx="1"/>
-          </p:nvPr>
-        </p:nvSpPr>
-        <p:spPr bwMode="auto">
-          <a:xfrm>
-            <a:off x="838200" y="1929384"/>
-            <a:ext cx="10515600" cy="4251960"/>
-          </a:xfrm>
-          <a:prstGeom prst="rect">
-            <a:avLst/>
-          </a:prstGeom>
-          <a:extLst>
-            <a:ext uri="{909E8E84-426E-40DD-AFC4-6F175D3DCCD1}">
-              <a14:hiddenFill xmlns:a14="http://schemas.microsoft.com/office/drawing/2010/main">
-                <a:solidFill>
-                  <a:schemeClr val="accent1"/>
-                </a:solidFill>
-              </a14:hiddenFill>
-            </a:ext>
-            <a:ext uri="{91240B29-F687-4F45-9708-019B960494DF}">
-              <a14:hiddenLine xmlns:a14="http://schemas.microsoft.com/office/drawing/2010/main" w="9525">
-                <a:solidFill>
-                  <a:schemeClr val="tx1"/>
-                </a:solidFill>
-                <a:miter lim="800000"/>
-                <a:headEnd/>
-                <a:tailEnd/>
-              </a14:hiddenLine>
-            </a:ext>
-            <a:ext uri="{AF507438-7753-43E0-B8FC-AC1667EBCBE1}">
-              <a14:hiddenEffects xmlns:a14="http://schemas.microsoft.com/office/drawing/2010/main">
-                <a:effectLst>
-                  <a:outerShdw dist="35921" dir="2700000" algn="ctr" rotWithShape="0">
-                    <a:schemeClr val="bg2"/>
-                  </a:outerShdw>
-                </a:effectLst>
-              </a14:hiddenEffects>
-            </a:ext>
-          </a:extLst>
-        </p:spPr>
-        <p:txBody>
-          <a:bodyPr vert="horz" lIns="91440" tIns="45720" rIns="91440" bIns="45720" numCol="1" anchorCtr="0" compatLnSpc="1">
-            <a:prstTxWarp prst="textNoShape">
-              <a:avLst/>
-            </a:prstTxWarp>
-            <a:normAutofit/>
-          </a:bodyPr>
-          <a:lstStyle/>
-          <a:p>
-            <a:pPr marL="342900" marR="0" lvl="0" indent="-342900" defTabSz="914400" rtl="0" eaLnBrk="0" fontAlgn="base" latinLnBrk="0" hangingPunct="0">
-              <a:spcBef>
-                <a:spcPct val="0"/>
-              </a:spcBef>
-              <a:spcAft>
-                <a:spcPts val="600"/>
-              </a:spcAft>
-              <a:buClrTx/>
-              <a:buSzTx/>
-              <a:buFont typeface="+mj-lt"/>
-              <a:buAutoNum type="arabicPeriod"/>
-              <a:tabLst/>
-            </a:pPr>
-            <a:r>
-              <a:rPr kumimoji="0" lang="it-IT" altLang="it-IT" sz="2200" i="0" u="none" strike="noStrike" cap="none" normalizeH="0" baseline="0" dirty="0">
-                <a:ln>
-                  <a:noFill/>
-                </a:ln>
-                <a:effectLst/>
-              </a:rPr>
-              <a:t>Progettare un controllore MPC  per portare il sistema da (h1,h2,h3,h4)=(1.3767, 2.2772, 0.8386, 0.5604)</a:t>
-            </a:r>
-            <a:br>
-              <a:rPr kumimoji="0" lang="it-IT" altLang="it-IT" sz="2200" i="0" u="none" strike="noStrike" cap="none" normalizeH="0" baseline="0" dirty="0">
-                <a:ln>
-                  <a:noFill/>
-                </a:ln>
-                <a:effectLst/>
-              </a:rPr>
-            </a:br>
-            <a:r>
-              <a:rPr kumimoji="0" lang="it-IT" altLang="it-IT" sz="2200" i="0" u="none" strike="noStrike" cap="none" normalizeH="0" baseline="0" dirty="0">
-                <a:ln>
-                  <a:noFill/>
-                </a:ln>
-                <a:effectLst/>
-              </a:rPr>
-              <a:t>all’equilibrio desiderato (7.8253, 18.7323, 3.3545, 7.8801)</a:t>
-            </a:r>
-            <a:r>
-              <a:rPr lang="it-IT" altLang="it-IT" sz="2200" dirty="0"/>
-              <a:t> </a:t>
-            </a:r>
-            <a:r>
-              <a:rPr kumimoji="0" lang="it-IT" altLang="it-IT" sz="2200" i="0" u="none" strike="noStrike" cap="none" normalizeH="0" baseline="0" dirty="0">
-                <a:ln>
-                  <a:noFill/>
-                </a:ln>
-                <a:effectLst/>
-              </a:rPr>
-              <a:t>rispettando i vincoli su stati e ingressi.</a:t>
-            </a:r>
-          </a:p>
-          <a:p>
-            <a:pPr marL="342900" marR="0" lvl="0" indent="-342900" defTabSz="914400" rtl="0" eaLnBrk="0" fontAlgn="base" latinLnBrk="0" hangingPunct="0">
-              <a:spcBef>
-                <a:spcPct val="0"/>
-              </a:spcBef>
-              <a:spcAft>
-                <a:spcPts val="600"/>
-              </a:spcAft>
-              <a:buClrTx/>
-              <a:buSzTx/>
-              <a:buFont typeface="+mj-lt"/>
-              <a:buAutoNum type="arabicPeriod"/>
-              <a:tabLst/>
-            </a:pPr>
-            <a:r>
-              <a:rPr kumimoji="0" lang="it-IT" altLang="it-IT" sz="2200" i="0" u="none" strike="noStrike" cap="none" normalizeH="0" baseline="0" dirty="0">
-                <a:ln>
-                  <a:noFill/>
-                </a:ln>
-                <a:effectLst/>
-              </a:rPr>
-              <a:t>Confrontare le prestazioni del controllore MPC variando:</a:t>
-            </a:r>
-          </a:p>
-          <a:p>
-            <a:pPr marL="342900" marR="0" lvl="0" indent="-342900" defTabSz="914400" rtl="0" eaLnBrk="0" fontAlgn="base" latinLnBrk="0" hangingPunct="0">
-              <a:spcBef>
-                <a:spcPct val="0"/>
-              </a:spcBef>
-              <a:spcAft>
-                <a:spcPts val="600"/>
-              </a:spcAft>
-              <a:buClrTx/>
-              <a:buSzTx/>
-              <a:buFont typeface="+mj-lt"/>
-              <a:buAutoNum type="arabicPeriod"/>
-              <a:tabLst/>
-            </a:pPr>
-            <a:r>
-              <a:rPr kumimoji="0" lang="it-IT" altLang="it-IT" sz="2200" i="0" u="none" strike="noStrike" cap="none" normalizeH="0" baseline="0" dirty="0">
-                <a:ln>
-                  <a:noFill/>
-                </a:ln>
-                <a:effectLst/>
-              </a:rPr>
-              <a:t>Il vincolo terminale (uguaglianza vs disuguaglianza)</a:t>
-            </a:r>
-          </a:p>
-          <a:p>
-            <a:pPr marL="342900" marR="0" lvl="0" indent="-342900" defTabSz="914400" rtl="0" eaLnBrk="0" fontAlgn="base" latinLnBrk="0" hangingPunct="0">
-              <a:spcBef>
-                <a:spcPct val="0"/>
-              </a:spcBef>
-              <a:spcAft>
-                <a:spcPts val="600"/>
-              </a:spcAft>
-              <a:buClrTx/>
-              <a:buSzTx/>
-              <a:buFont typeface="+mj-lt"/>
-              <a:buAutoNum type="arabicPeriod"/>
-              <a:tabLst/>
-            </a:pPr>
-            <a:r>
-              <a:rPr kumimoji="0" lang="it-IT" altLang="it-IT" sz="2200" i="0" u="none" strike="noStrike" cap="none" normalizeH="0" baseline="0" dirty="0">
-                <a:ln>
-                  <a:noFill/>
-                </a:ln>
-                <a:effectLst/>
-              </a:rPr>
-              <a:t>Le matrici di costo Q e R</a:t>
-            </a:r>
-          </a:p>
-          <a:p>
-            <a:pPr marL="342900" marR="0" lvl="0" indent="-342900" defTabSz="914400" rtl="0" eaLnBrk="0" fontAlgn="base" latinLnBrk="0" hangingPunct="0">
-              <a:spcBef>
-                <a:spcPct val="0"/>
-              </a:spcBef>
-              <a:spcAft>
-                <a:spcPts val="600"/>
-              </a:spcAft>
-              <a:buClrTx/>
-              <a:buSzTx/>
-              <a:buFont typeface="+mj-lt"/>
-              <a:buAutoNum type="arabicPeriod"/>
-              <a:tabLst/>
-            </a:pPr>
-            <a:r>
-              <a:rPr kumimoji="0" lang="it-IT" altLang="it-IT" sz="2200" i="0" u="none" strike="noStrike" cap="none" normalizeH="0" baseline="0" dirty="0">
-                <a:ln>
-                  <a:noFill/>
-                </a:ln>
-                <a:effectLst/>
-              </a:rPr>
-              <a:t>L’orizzonte di predizione </a:t>
-            </a:r>
-          </a:p>
-          <a:p>
-            <a:pPr marL="342900" marR="0" lvl="0" indent="-342900" defTabSz="914400" rtl="0" eaLnBrk="0" fontAlgn="base" latinLnBrk="0" hangingPunct="0">
-              <a:spcBef>
-                <a:spcPct val="0"/>
-              </a:spcBef>
-              <a:spcAft>
-                <a:spcPts val="600"/>
-              </a:spcAft>
-              <a:buClrTx/>
-              <a:buSzTx/>
-              <a:buFont typeface="+mj-lt"/>
-              <a:buAutoNum type="arabicPeriod"/>
-              <a:tabLst/>
-            </a:pPr>
-            <a:r>
-              <a:rPr kumimoji="0" lang="it-IT" altLang="it-IT" sz="2200" i="0" u="none" strike="noStrike" cap="none" normalizeH="0" baseline="0" dirty="0">
-                <a:ln>
-                  <a:noFill/>
-                </a:ln>
-                <a:effectLst/>
-              </a:rPr>
-              <a:t>Il tempo di campionamento Ts≥1 </a:t>
-            </a:r>
-          </a:p>
-        </p:txBody>
-      </p:sp>
-      <p:sp>
-        <p:nvSpPr>
-          <p:cNvPr id="5" name="Segnaposto piè di pagina 4">
-            <a:extLst>
-              <a:ext uri="{FF2B5EF4-FFF2-40B4-BE49-F238E27FC236}">
-                <a16:creationId xmlns:a16="http://schemas.microsoft.com/office/drawing/2014/main" id="{A3AC0D33-E7ED-A445-E441-7324FF53B8A5}"/>
-              </a:ext>
-            </a:extLst>
-          </p:cNvPr>
-          <p:cNvSpPr>
-            <a:spLocks noGrp="1"/>
-          </p:cNvSpPr>
-          <p:nvPr>
-            <p:ph type="ftr" sz="quarter" idx="11"/>
-          </p:nvPr>
-        </p:nvSpPr>
-        <p:spPr>
-          <a:xfrm>
-            <a:off x="4038600" y="6356350"/>
-            <a:ext cx="4114800" cy="365125"/>
-          </a:xfrm>
-        </p:spPr>
-        <p:txBody>
-          <a:bodyPr>
-            <a:normAutofit/>
-          </a:bodyPr>
-          <a:lstStyle/>
-          <a:p>
-            <a:pPr>
-              <a:spcAft>
-                <a:spcPts val="600"/>
-              </a:spcAft>
-            </a:pPr>
-            <a:r>
-              <a:rPr lang="it-IT"/>
-              <a:t>Davide Brambilla [1080752], Giorgio Passarella[1079287]</a:t>
-            </a:r>
-          </a:p>
-        </p:txBody>
-      </p:sp>
-    </p:spTree>
-    <p:extLst>
-      <p:ext uri="{BB962C8B-B14F-4D97-AF65-F5344CB8AC3E}">
-        <p14:creationId xmlns:p14="http://schemas.microsoft.com/office/powerpoint/2010/main" val="3269629714"/>
       </p:ext>
     </p:extLst>
   </p:cSld>

--- a/cam.pptx
+++ b/cam.pptx
@@ -5058,7 +5058,7 @@
                 </a:ln>
                 <a:effectLst/>
               </a:rPr>
-              <a:t>controllabile</a:t>
+              <a:t>raggiungibile</a:t>
             </a:r>
             <a:r>
               <a:rPr kumimoji="0" lang="en-US" altLang="it-IT" sz="2200" strike="noStrike" cap="none" normalizeH="0" baseline="0" dirty="0">
@@ -5219,7 +5219,7 @@
                 </a:ln>
                 <a:effectLst/>
               </a:rPr>
-              <a:t>controllabilità</a:t>
+              <a:t>raggiungibilità</a:t>
             </a:r>
             <a:r>
               <a:rPr kumimoji="0" lang="en-US" altLang="it-IT" sz="2200" strike="noStrike" cap="none" normalizeH="0" baseline="0" dirty="0">
@@ -5806,8 +5806,8 @@
           </a:p>
         </p:txBody>
       </p:sp>
-      <mc:AlternateContent xmlns:mc="http://schemas.openxmlformats.org/markup-compatibility/2006" xmlns:a14="http://schemas.microsoft.com/office/drawing/2010/main">
-        <mc:Choice Requires="a14">
+      <mc:AlternateContent xmlns:mc="http://schemas.openxmlformats.org/markup-compatibility/2006">
+        <mc:Choice xmlns:a14="http://schemas.microsoft.com/office/drawing/2010/main" Requires="a14">
           <p:sp>
             <p:nvSpPr>
               <p:cNvPr id="7" name="CasellaDiTesto 6">
@@ -6221,11 +6221,19 @@
                 </a14:m>
                 <a:r>
                   <a:rPr lang="en-US" altLang="it-IT" sz="1400" dirty="0"/>
-                  <a:t>) e li </a:t>
+                  <a:t>) e </a:t>
                 </a:r>
                 <a:r>
                   <a:rPr lang="en-US" altLang="it-IT" sz="1400" dirty="0" err="1"/>
-                  <a:t>abbiamo</a:t>
+                  <a:t>sono</a:t>
+                </a:r>
+                <a:r>
+                  <a:rPr lang="en-US" altLang="it-IT" sz="1400" dirty="0"/>
+                  <a:t> </a:t>
+                </a:r>
+                <a:r>
+                  <a:rPr lang="en-US" altLang="it-IT" sz="1400" dirty="0" err="1"/>
+                  <a:t>stati</a:t>
                 </a:r>
                 <a:r>
                   <a:rPr lang="en-US" altLang="it-IT" sz="1400" dirty="0"/>
@@ -6734,7 +6742,7 @@
             </p:txBody>
           </p:sp>
         </mc:Choice>
-        <mc:Fallback xmlns="">
+        <mc:Fallback>
           <p:sp>
             <p:nvSpPr>
               <p:cNvPr id="7" name="CasellaDiTesto 6">
@@ -7835,8 +7843,8 @@
           </a:p>
         </p:txBody>
       </p:sp>
-      <mc:AlternateContent xmlns:mc="http://schemas.openxmlformats.org/markup-compatibility/2006">
-        <mc:Choice xmlns:a14="http://schemas.microsoft.com/office/drawing/2010/main" Requires="a14">
+      <mc:AlternateContent xmlns:mc="http://schemas.openxmlformats.org/markup-compatibility/2006" xmlns:a14="http://schemas.microsoft.com/office/drawing/2010/main">
+        <mc:Choice Requires="a14">
           <p:sp>
             <p:nvSpPr>
               <p:cNvPr id="3" name="Segnaposto contenuto 2">
@@ -8182,7 +8190,7 @@
             </p:txBody>
           </p:sp>
         </mc:Choice>
-        <mc:Fallback>
+        <mc:Fallback xmlns="">
           <p:sp>
             <p:nvSpPr>
               <p:cNvPr id="3" name="Segnaposto contenuto 2">
@@ -8773,8 +8781,8 @@
           </a:p>
         </p:txBody>
       </p:sp>
-      <mc:AlternateContent xmlns:mc="http://schemas.openxmlformats.org/markup-compatibility/2006">
-        <mc:Choice xmlns:a14="http://schemas.microsoft.com/office/drawing/2010/main" Requires="a14">
+      <mc:AlternateContent xmlns:mc="http://schemas.openxmlformats.org/markup-compatibility/2006" xmlns:a14="http://schemas.microsoft.com/office/drawing/2010/main">
+        <mc:Choice Requires="a14">
           <p:sp>
             <p:nvSpPr>
               <p:cNvPr id="3" name="Segnaposto contenuto 2">
@@ -8834,18 +8842,24 @@
                     <m:sSub>
                       <m:sSubPr>
                         <m:ctrlPr>
-                          <a:rPr lang="it-IT" sz="1600" i="1" dirty="0" smtClean="0"/>
+                          <a:rPr lang="it-IT" sz="1600" i="1" dirty="0" smtClean="0">
+                            <a:latin typeface="Cambria Math" panose="02040503050406030204" pitchFamily="18" charset="0"/>
+                          </a:rPr>
                         </m:ctrlPr>
                       </m:sSubPr>
                       <m:e>
                         <m:r>
-                          <a:rPr lang="it-IT" sz="1600" b="0" i="1" dirty="0" smtClean="0"/>
+                          <a:rPr lang="it-IT" sz="1600" b="0" i="1" dirty="0" smtClean="0">
+                            <a:latin typeface="Cambria Math" panose="02040503050406030204" pitchFamily="18" charset="0"/>
+                          </a:rPr>
                           <m:t>h</m:t>
                         </m:r>
                       </m:e>
                       <m:sub>
                         <m:r>
-                          <a:rPr lang="it-IT" sz="1600" b="0" i="1" dirty="0" smtClean="0"/>
+                          <a:rPr lang="it-IT" sz="1600" b="0" i="1" dirty="0" smtClean="0">
+                            <a:latin typeface="Cambria Math" panose="02040503050406030204" pitchFamily="18" charset="0"/>
+                          </a:rPr>
                           <m:t>1</m:t>
                         </m:r>
                       </m:sub>
@@ -8861,18 +8875,24 @@
                     <m:sSub>
                       <m:sSubPr>
                         <m:ctrlPr>
-                          <a:rPr lang="it-IT" sz="1600" i="1" dirty="0"/>
+                          <a:rPr lang="it-IT" sz="1600" i="1" dirty="0">
+                            <a:latin typeface="Cambria Math" panose="02040503050406030204" pitchFamily="18" charset="0"/>
+                          </a:rPr>
                         </m:ctrlPr>
                       </m:sSubPr>
                       <m:e>
                         <m:r>
-                          <a:rPr lang="it-IT" sz="1600" i="1" dirty="0"/>
+                          <a:rPr lang="it-IT" sz="1600" i="1" dirty="0">
+                            <a:latin typeface="Cambria Math" panose="02040503050406030204" pitchFamily="18" charset="0"/>
+                          </a:rPr>
                           <m:t>h</m:t>
                         </m:r>
                       </m:e>
                       <m:sub>
                         <m:r>
-                          <a:rPr lang="it-IT" sz="1600" b="0" i="1" dirty="0" smtClean="0"/>
+                          <a:rPr lang="it-IT" sz="1600" b="0" i="1" dirty="0" smtClean="0">
+                            <a:latin typeface="Cambria Math" panose="02040503050406030204" pitchFamily="18" charset="0"/>
+                          </a:rPr>
                           <m:t>3</m:t>
                         </m:r>
                       </m:sub>
@@ -8888,18 +8908,24 @@
                     <m:sSub>
                       <m:sSubPr>
                         <m:ctrlPr>
-                          <a:rPr lang="it-IT" sz="1600" i="1" dirty="0"/>
+                          <a:rPr lang="it-IT" sz="1600" i="1" dirty="0">
+                            <a:latin typeface="Cambria Math" panose="02040503050406030204" pitchFamily="18" charset="0"/>
+                          </a:rPr>
                         </m:ctrlPr>
                       </m:sSubPr>
                       <m:e>
                         <m:r>
-                          <a:rPr lang="it-IT" sz="1600" i="1" dirty="0"/>
+                          <a:rPr lang="it-IT" sz="1600" i="1" dirty="0">
+                            <a:latin typeface="Cambria Math" panose="02040503050406030204" pitchFamily="18" charset="0"/>
+                          </a:rPr>
                           <m:t>h</m:t>
                         </m:r>
                       </m:e>
                       <m:sub>
                         <m:r>
-                          <a:rPr lang="it-IT" sz="1600" b="0" i="1" dirty="0" smtClean="0"/>
+                          <a:rPr lang="it-IT" sz="1600" b="0" i="1" dirty="0" smtClean="0">
+                            <a:latin typeface="Cambria Math" panose="02040503050406030204" pitchFamily="18" charset="0"/>
+                          </a:rPr>
                           <m:t>2</m:t>
                         </m:r>
                       </m:sub>
@@ -8915,18 +8941,24 @@
                     <m:sSub>
                       <m:sSubPr>
                         <m:ctrlPr>
-                          <a:rPr lang="it-IT" sz="1600" i="1" dirty="0"/>
+                          <a:rPr lang="it-IT" sz="1600" i="1" dirty="0">
+                            <a:latin typeface="Cambria Math" panose="02040503050406030204" pitchFamily="18" charset="0"/>
+                          </a:rPr>
                         </m:ctrlPr>
                       </m:sSubPr>
                       <m:e>
                         <m:r>
-                          <a:rPr lang="it-IT" sz="1600" i="1" dirty="0"/>
+                          <a:rPr lang="it-IT" sz="1600" i="1" dirty="0">
+                            <a:latin typeface="Cambria Math" panose="02040503050406030204" pitchFamily="18" charset="0"/>
+                          </a:rPr>
                           <m:t>h</m:t>
                         </m:r>
                       </m:e>
                       <m:sub>
                         <m:r>
-                          <a:rPr lang="it-IT" sz="1600" b="0" i="1" dirty="0" smtClean="0"/>
+                          <a:rPr lang="it-IT" sz="1600" b="0" i="1" dirty="0" smtClean="0">
+                            <a:latin typeface="Cambria Math" panose="02040503050406030204" pitchFamily="18" charset="0"/>
+                          </a:rPr>
                           <m:t>4</m:t>
                         </m:r>
                       </m:sub>
@@ -8972,24 +9004,32 @@
                 <a14:m>
                   <m:oMath xmlns:m="http://schemas.openxmlformats.org/officeDocument/2006/math">
                     <m:r>
-                      <a:rPr lang="it-IT" sz="1600" b="0" i="0" dirty="0" smtClean="0"/>
+                      <a:rPr lang="it-IT" sz="1600" b="0" i="0" dirty="0" smtClean="0">
+                        <a:latin typeface="Cambria Math" panose="02040503050406030204" pitchFamily="18" charset="0"/>
+                      </a:rPr>
                       <m:t>(</m:t>
                     </m:r>
                     <m:sSub>
                       <m:sSubPr>
                         <m:ctrlPr>
-                          <a:rPr lang="it-IT" sz="1600" i="1" dirty="0"/>
+                          <a:rPr lang="it-IT" sz="1600" i="1" dirty="0">
+                            <a:latin typeface="Cambria Math" panose="02040503050406030204" pitchFamily="18" charset="0"/>
+                          </a:rPr>
                         </m:ctrlPr>
                       </m:sSubPr>
                       <m:e>
                         <m:r>
-                          <a:rPr lang="it-IT" sz="1600" i="1" dirty="0"/>
+                          <a:rPr lang="it-IT" sz="1600" i="1" dirty="0">
+                            <a:latin typeface="Cambria Math" panose="02040503050406030204" pitchFamily="18" charset="0"/>
+                          </a:rPr>
                           <m:t>h</m:t>
                         </m:r>
                       </m:e>
                       <m:sub>
                         <m:r>
-                          <a:rPr lang="it-IT" sz="1600" i="1" dirty="0"/>
+                          <a:rPr lang="it-IT" sz="1600" i="1" dirty="0">
+                            <a:latin typeface="Cambria Math" panose="02040503050406030204" pitchFamily="18" charset="0"/>
+                          </a:rPr>
                           <m:t>1</m:t>
                         </m:r>
                       </m:sub>
@@ -9005,18 +9045,24 @@
                     <m:sSub>
                       <m:sSubPr>
                         <m:ctrlPr>
-                          <a:rPr lang="it-IT" sz="1600" i="1" dirty="0" smtClean="0"/>
+                          <a:rPr lang="it-IT" sz="1600" i="1" dirty="0" smtClean="0">
+                            <a:latin typeface="Cambria Math" panose="02040503050406030204" pitchFamily="18" charset="0"/>
+                          </a:rPr>
                         </m:ctrlPr>
                       </m:sSubPr>
                       <m:e>
                         <m:r>
-                          <a:rPr lang="it-IT" sz="1600" i="1" dirty="0"/>
+                          <a:rPr lang="it-IT" sz="1600" i="1" dirty="0">
+                            <a:latin typeface="Cambria Math" panose="02040503050406030204" pitchFamily="18" charset="0"/>
+                          </a:rPr>
                           <m:t>h</m:t>
                         </m:r>
                       </m:e>
                       <m:sub>
                         <m:r>
-                          <a:rPr lang="it-IT" sz="1600" b="0" i="1" dirty="0" smtClean="0"/>
+                          <a:rPr lang="it-IT" sz="1600" b="0" i="1" dirty="0" smtClean="0">
+                            <a:latin typeface="Cambria Math" panose="02040503050406030204" pitchFamily="18" charset="0"/>
+                          </a:rPr>
                           <m:t>2</m:t>
                         </m:r>
                       </m:sub>
@@ -9031,7 +9077,7 @@
             </p:txBody>
           </p:sp>
         </mc:Choice>
-        <mc:Fallback>
+        <mc:Fallback xmlns="">
           <p:sp>
             <p:nvSpPr>
               <p:cNvPr id="3" name="Segnaposto contenuto 2">
@@ -9185,8 +9231,8 @@
           </a:p>
         </p:txBody>
       </p:sp>
-      <mc:AlternateContent xmlns:mc="http://schemas.openxmlformats.org/markup-compatibility/2006">
-        <mc:Choice xmlns:a14="http://schemas.microsoft.com/office/drawing/2010/main" Requires="a14">
+      <mc:AlternateContent xmlns:mc="http://schemas.openxmlformats.org/markup-compatibility/2006" xmlns:a14="http://schemas.microsoft.com/office/drawing/2010/main">
+        <mc:Choice Requires="a14">
           <p:sp>
             <p:nvSpPr>
               <p:cNvPr id="7" name="Segnaposto contenuto 2">
@@ -9517,7 +9563,7 @@
             </p:txBody>
           </p:sp>
         </mc:Choice>
-        <mc:Fallback>
+        <mc:Fallback xmlns="">
           <p:sp>
             <p:nvSpPr>
               <p:cNvPr id="7" name="Segnaposto contenuto 2">
@@ -10361,8 +10407,8 @@
           </a:p>
         </p:txBody>
       </p:sp>
-      <mc:AlternateContent xmlns:mc="http://schemas.openxmlformats.org/markup-compatibility/2006">
-        <mc:Choice xmlns:a14="http://schemas.microsoft.com/office/drawing/2010/main" Requires="a14">
+      <mc:AlternateContent xmlns:mc="http://schemas.openxmlformats.org/markup-compatibility/2006" xmlns:a14="http://schemas.microsoft.com/office/drawing/2010/main">
+        <mc:Choice Requires="a14">
           <p:sp>
             <p:nvSpPr>
               <p:cNvPr id="7" name="Rectangle 1">
@@ -10865,7 +10911,7 @@
             </p:txBody>
           </p:sp>
         </mc:Choice>
-        <mc:Fallback>
+        <mc:Fallback xmlns="">
           <p:sp>
             <p:nvSpPr>
               <p:cNvPr id="7" name="Rectangle 1">
@@ -11487,8 +11533,8 @@
           </a:p>
         </p:txBody>
       </p:sp>
-      <mc:AlternateContent xmlns:mc="http://schemas.openxmlformats.org/markup-compatibility/2006">
-        <mc:Choice xmlns:a14="http://schemas.microsoft.com/office/drawing/2010/main" Requires="a14">
+      <mc:AlternateContent xmlns:mc="http://schemas.openxmlformats.org/markup-compatibility/2006" xmlns:a14="http://schemas.microsoft.com/office/drawing/2010/main">
+        <mc:Choice Requires="a14">
           <p:sp>
             <p:nvSpPr>
               <p:cNvPr id="3" name="Segnaposto contenuto 2">
@@ -11747,7 +11793,7 @@
             </p:txBody>
           </p:sp>
         </mc:Choice>
-        <mc:Fallback>
+        <mc:Fallback xmlns="">
           <p:sp>
             <p:nvSpPr>
               <p:cNvPr id="3" name="Segnaposto contenuto 2">
@@ -12974,8 +13020,8 @@
           </a:p>
         </p:txBody>
       </p:sp>
-      <mc:AlternateContent xmlns:mc="http://schemas.openxmlformats.org/markup-compatibility/2006">
-        <mc:Choice xmlns:a14="http://schemas.microsoft.com/office/drawing/2010/main" Requires="a14">
+      <mc:AlternateContent xmlns:mc="http://schemas.openxmlformats.org/markup-compatibility/2006" xmlns:a14="http://schemas.microsoft.com/office/drawing/2010/main">
+        <mc:Choice Requires="a14">
           <p:sp>
             <p:nvSpPr>
               <p:cNvPr id="3" name="Segnaposto contenuto 2">
@@ -13055,18 +13101,24 @@
                     <m:sSub>
                       <m:sSubPr>
                         <m:ctrlPr>
-                          <a:rPr lang="it-IT" sz="2000" i="1" dirty="0"/>
+                          <a:rPr lang="it-IT" sz="2000" i="1" dirty="0">
+                            <a:latin typeface="Cambria Math" panose="02040503050406030204" pitchFamily="18" charset="0"/>
+                          </a:rPr>
                         </m:ctrlPr>
                       </m:sSubPr>
                       <m:e>
                         <m:r>
-                          <a:rPr lang="it-IT" sz="2000" i="1" dirty="0"/>
+                          <a:rPr lang="it-IT" sz="2000" i="1" dirty="0">
+                            <a:latin typeface="Cambria Math" panose="02040503050406030204" pitchFamily="18" charset="0"/>
+                          </a:rPr>
                           <m:t>h</m:t>
                         </m:r>
                       </m:e>
                       <m:sub>
                         <m:r>
-                          <a:rPr lang="it-IT" sz="2000" i="1" dirty="0"/>
+                          <a:rPr lang="it-IT" sz="2000" i="1" dirty="0">
+                            <a:latin typeface="Cambria Math" panose="02040503050406030204" pitchFamily="18" charset="0"/>
+                          </a:rPr>
                           <m:t>2</m:t>
                         </m:r>
                       </m:sub>
@@ -13082,18 +13134,24 @@
                     <m:sSub>
                       <m:sSubPr>
                         <m:ctrlPr>
-                          <a:rPr lang="it-IT" sz="2000" i="1" dirty="0"/>
+                          <a:rPr lang="it-IT" sz="2000" i="1" dirty="0">
+                            <a:latin typeface="Cambria Math" panose="02040503050406030204" pitchFamily="18" charset="0"/>
+                          </a:rPr>
                         </m:ctrlPr>
                       </m:sSubPr>
                       <m:e>
                         <m:r>
-                          <a:rPr lang="it-IT" sz="2000" i="1" dirty="0"/>
+                          <a:rPr lang="it-IT" sz="2000" i="1" dirty="0">
+                            <a:latin typeface="Cambria Math" panose="02040503050406030204" pitchFamily="18" charset="0"/>
+                          </a:rPr>
                           <m:t>h</m:t>
                         </m:r>
                       </m:e>
                       <m:sub>
                         <m:r>
-                          <a:rPr lang="it-IT" sz="2000" i="1" dirty="0"/>
+                          <a:rPr lang="it-IT" sz="2000" i="1" dirty="0">
+                            <a:latin typeface="Cambria Math" panose="02040503050406030204" pitchFamily="18" charset="0"/>
+                          </a:rPr>
                           <m:t>4</m:t>
                         </m:r>
                       </m:sub>
@@ -13132,7 +13190,7 @@
             </p:txBody>
           </p:sp>
         </mc:Choice>
-        <mc:Fallback>
+        <mc:Fallback xmlns="">
           <p:sp>
             <p:nvSpPr>
               <p:cNvPr id="3" name="Segnaposto contenuto 2">
@@ -16322,8 +16380,8 @@
           </a:p>
         </p:txBody>
       </p:sp>
-      <mc:AlternateContent xmlns:mc="http://schemas.openxmlformats.org/markup-compatibility/2006">
-        <mc:Choice xmlns:a14="http://schemas.microsoft.com/office/drawing/2010/main" Requires="a14">
+      <mc:AlternateContent xmlns:mc="http://schemas.openxmlformats.org/markup-compatibility/2006" xmlns:a14="http://schemas.microsoft.com/office/drawing/2010/main">
+        <mc:Choice Requires="a14">
           <p:sp>
             <p:nvSpPr>
               <p:cNvPr id="3" name="Segnaposto contenuto 2">
@@ -16550,7 +16608,7 @@
             </p:txBody>
           </p:sp>
         </mc:Choice>
-        <mc:Fallback>
+        <mc:Fallback xmlns="">
           <p:sp>
             <p:nvSpPr>
               <p:cNvPr id="3" name="Segnaposto contenuto 2">
@@ -17247,15 +17305,7 @@
             </a:pPr>
             <a:r>
               <a:rPr lang="it-IT" sz="2300" dirty="0"/>
-              <a:t>È stato scelto l’</a:t>
-            </a:r>
-            <a:r>
-              <a:rPr lang="it-IT" sz="2300" dirty="0" err="1"/>
-              <a:t>orizzionte</a:t>
-            </a:r>
-            <a:r>
-              <a:rPr lang="it-IT" sz="2300" dirty="0"/>
-              <a:t> predittivo N, ovvero il numero di passi futuri che il controllore considera per:</a:t>
+              <a:t>È stato scelto l’orizzonte predittivo N, ovvero il numero di passi futuri che il controllore considera per:</a:t>
             </a:r>
           </a:p>
           <a:p>
@@ -28455,8 +28505,8 @@
           </a:p>
         </p:txBody>
       </p:sp>
-      <mc:AlternateContent xmlns:mc="http://schemas.openxmlformats.org/markup-compatibility/2006" xmlns:a14="http://schemas.microsoft.com/office/drawing/2010/main">
-        <mc:Choice Requires="a14">
+      <mc:AlternateContent xmlns:mc="http://schemas.openxmlformats.org/markup-compatibility/2006">
+        <mc:Choice xmlns:a14="http://schemas.microsoft.com/office/drawing/2010/main" Requires="a14">
           <p:sp>
             <p:nvSpPr>
               <p:cNvPr id="3" name="Segnaposto contenuto 2">
@@ -28573,21 +28623,13 @@
               <a:p>
                 <a:r>
                   <a:rPr lang="it-IT" sz="1800" dirty="0"/>
-                  <a:t>Osservando gli autovalori si </a:t>
-                </a:r>
-                <a:r>
-                  <a:rPr lang="it-IT" sz="1800" dirty="0" err="1"/>
-                  <a:t>puo</a:t>
-                </a:r>
-                <a:r>
-                  <a:rPr lang="it-IT" sz="1800" dirty="0"/>
-                  <a:t> notare che il sistema linearizzato è asintoticamente stabile quindi tende naturalmente al punto di equilibrio senza divergere</a:t>
+                  <a:t>Osservando gli autovalori si può notare che il sistema linearizzato è asintoticamente stabile quindi tende naturalmente al punto di equilibrio senza divergere</a:t>
                 </a:r>
               </a:p>
             </p:txBody>
           </p:sp>
         </mc:Choice>
-        <mc:Fallback xmlns="">
+        <mc:Fallback>
           <p:sp>
             <p:nvSpPr>
               <p:cNvPr id="3" name="Segnaposto contenuto 2">

--- a/cam.pptx
+++ b/cam.pptx
@@ -5,7 +5,7 @@
     <p:sldMasterId id="2147483648" r:id="rId1"/>
   </p:sldMasterIdLst>
   <p:notesMasterIdLst>
-    <p:notesMasterId r:id="rId34"/>
+    <p:notesMasterId r:id="rId35"/>
   </p:notesMasterIdLst>
   <p:sldIdLst>
     <p:sldId id="256" r:id="rId2"/>
@@ -31,15 +31,16 @@
     <p:sldId id="290" r:id="rId22"/>
     <p:sldId id="291" r:id="rId23"/>
     <p:sldId id="292" r:id="rId24"/>
-    <p:sldId id="277" r:id="rId25"/>
-    <p:sldId id="282" r:id="rId26"/>
-    <p:sldId id="280" r:id="rId27"/>
-    <p:sldId id="283" r:id="rId28"/>
-    <p:sldId id="286" r:id="rId29"/>
-    <p:sldId id="284" r:id="rId30"/>
-    <p:sldId id="287" r:id="rId31"/>
-    <p:sldId id="285" r:id="rId32"/>
-    <p:sldId id="288" r:id="rId33"/>
+    <p:sldId id="293" r:id="rId25"/>
+    <p:sldId id="277" r:id="rId26"/>
+    <p:sldId id="282" r:id="rId27"/>
+    <p:sldId id="280" r:id="rId28"/>
+    <p:sldId id="283" r:id="rId29"/>
+    <p:sldId id="286" r:id="rId30"/>
+    <p:sldId id="284" r:id="rId31"/>
+    <p:sldId id="287" r:id="rId32"/>
+    <p:sldId id="285" r:id="rId33"/>
+    <p:sldId id="288" r:id="rId34"/>
   </p:sldIdLst>
   <p:sldSz cx="12192000" cy="6858000"/>
   <p:notesSz cx="6858000" cy="9144000"/>
@@ -493,6 +494,1796 @@
     </a:lvl9pPr>
   </p:notesStyle>
 </p:notesMaster>
+</file>
+
+<file path=ppt/notesSlides/notesSlide1.xml><?xml version="1.0" encoding="utf-8"?>
+<p:notes xmlns:a="http://schemas.openxmlformats.org/drawingml/2006/main" xmlns:r="http://schemas.openxmlformats.org/officeDocument/2006/relationships" xmlns:p="http://schemas.openxmlformats.org/presentationml/2006/main">
+  <p:cSld>
+    <p:spTree>
+      <p:nvGrpSpPr>
+        <p:cNvPr id="1" name=""/>
+        <p:cNvGrpSpPr/>
+        <p:nvPr/>
+      </p:nvGrpSpPr>
+      <p:grpSpPr>
+        <a:xfrm>
+          <a:off x="0" y="0"/>
+          <a:ext cx="0" cy="0"/>
+          <a:chOff x="0" y="0"/>
+          <a:chExt cx="0" cy="0"/>
+        </a:xfrm>
+      </p:grpSpPr>
+      <p:sp>
+        <p:nvSpPr>
+          <p:cNvPr id="2" name="Segnaposto immagine diapositiva 1"/>
+          <p:cNvSpPr>
+            <a:spLocks noGrp="1" noRot="1" noChangeAspect="1"/>
+          </p:cNvSpPr>
+          <p:nvPr>
+            <p:ph type="sldImg"/>
+          </p:nvPr>
+        </p:nvSpPr>
+        <p:spPr/>
+      </p:sp>
+      <p:sp>
+        <p:nvSpPr>
+          <p:cNvPr id="3" name="Segnaposto note 2"/>
+          <p:cNvSpPr>
+            <a:spLocks noGrp="1"/>
+          </p:cNvSpPr>
+          <p:nvPr>
+            <p:ph type="body" idx="1"/>
+          </p:nvPr>
+        </p:nvSpPr>
+        <p:spPr/>
+        <p:txBody>
+          <a:bodyPr/>
+          <a:lstStyle/>
+          <a:p>
+            <a:endParaRPr lang="it-IT" sz="1200" b="0" i="0" kern="1200" dirty="0">
+              <a:solidFill>
+                <a:schemeClr val="tx1"/>
+              </a:solidFill>
+              <a:effectLst/>
+              <a:latin typeface="+mn-lt"/>
+              <a:ea typeface="+mn-ea"/>
+              <a:cs typeface="+mn-cs"/>
+            </a:endParaRPr>
+          </a:p>
+          <a:p>
+            <a:r>
+              <a:rPr lang="it-IT" sz="1200" dirty="0"/>
+              <a:t>l(x(N–1),u(N–1)) ad ogni step</a:t>
+            </a:r>
+          </a:p>
+          <a:p>
+            <a:endParaRPr lang="it-IT" sz="1200" b="0" i="0" kern="1200" dirty="0">
+              <a:solidFill>
+                <a:schemeClr val="tx1"/>
+              </a:solidFill>
+              <a:effectLst/>
+              <a:latin typeface="+mn-lt"/>
+              <a:ea typeface="+mn-ea"/>
+              <a:cs typeface="+mn-cs"/>
+            </a:endParaRPr>
+          </a:p>
+          <a:p>
+            <a:r>
+              <a:rPr lang="it-IT" sz="1200" b="0" i="0" kern="1200" dirty="0">
+                <a:solidFill>
+                  <a:schemeClr val="tx1"/>
+                </a:solidFill>
+                <a:effectLst/>
+                <a:latin typeface="+mn-lt"/>
+                <a:ea typeface="+mn-ea"/>
+                <a:cs typeface="+mn-cs"/>
+              </a:rPr>
+              <a:t>Significa che:</a:t>
+            </a:r>
+          </a:p>
+          <a:p>
+            <a:r>
+              <a:rPr lang="it-IT" sz="1200" b="0" i="0" kern="1200" dirty="0">
+                <a:solidFill>
+                  <a:schemeClr val="tx1"/>
+                </a:solidFill>
+                <a:effectLst/>
+                <a:latin typeface="+mn-lt"/>
+                <a:ea typeface="+mn-ea"/>
+                <a:cs typeface="+mn-cs"/>
+              </a:rPr>
+              <a:t>La funzione </a:t>
+            </a:r>
+            <a:r>
+              <a:rPr lang="it-IT" sz="1200" b="0" i="0" kern="1200" dirty="0" err="1">
+                <a:solidFill>
+                  <a:schemeClr val="tx1"/>
+                </a:solidFill>
+                <a:effectLst/>
+                <a:latin typeface="+mn-lt"/>
+                <a:ea typeface="+mn-ea"/>
+                <a:cs typeface="+mn-cs"/>
+              </a:rPr>
+              <a:t>Vf</a:t>
+            </a:r>
+            <a:r>
+              <a:rPr lang="it-IT" sz="1200" b="0" i="0" kern="1200" dirty="0">
+                <a:solidFill>
+                  <a:schemeClr val="tx1"/>
+                </a:solidFill>
+                <a:effectLst/>
+                <a:latin typeface="+mn-lt"/>
+                <a:ea typeface="+mn-ea"/>
+                <a:cs typeface="+mn-cs"/>
+              </a:rPr>
+              <a:t>(x)</a:t>
+            </a:r>
+            <a:r>
+              <a:rPr lang="it-IT" sz="1200" b="0" i="1" kern="1200" dirty="0" err="1">
+                <a:solidFill>
+                  <a:schemeClr val="tx1"/>
+                </a:solidFill>
+                <a:effectLst/>
+                <a:latin typeface="+mn-lt"/>
+                <a:ea typeface="+mn-ea"/>
+                <a:cs typeface="+mn-cs"/>
+              </a:rPr>
+              <a:t>Vf</a:t>
+            </a:r>
+            <a:r>
+              <a:rPr lang="it-IT" sz="1200" b="0" i="0" kern="1200" dirty="0">
+                <a:solidFill>
+                  <a:schemeClr val="tx1"/>
+                </a:solidFill>
+                <a:effectLst/>
+                <a:latin typeface="+mn-lt"/>
+                <a:ea typeface="+mn-ea"/>
+                <a:cs typeface="+mn-cs"/>
+              </a:rPr>
+              <a:t>​(</a:t>
+            </a:r>
+            <a:r>
+              <a:rPr lang="it-IT" sz="1200" b="0" i="1" kern="1200" dirty="0">
+                <a:solidFill>
+                  <a:schemeClr val="tx1"/>
+                </a:solidFill>
+                <a:effectLst/>
+                <a:latin typeface="+mn-lt"/>
+                <a:ea typeface="+mn-ea"/>
+                <a:cs typeface="+mn-cs"/>
+              </a:rPr>
+              <a:t>x</a:t>
+            </a:r>
+            <a:r>
+              <a:rPr lang="it-IT" sz="1200" b="0" i="0" kern="1200" dirty="0">
+                <a:solidFill>
+                  <a:schemeClr val="tx1"/>
+                </a:solidFill>
+                <a:effectLst/>
+                <a:latin typeface="+mn-lt"/>
+                <a:ea typeface="+mn-ea"/>
+                <a:cs typeface="+mn-cs"/>
+              </a:rPr>
+              <a:t>) è </a:t>
+            </a:r>
+            <a:r>
+              <a:rPr lang="it-IT" sz="1200" b="1" i="0" kern="1200" dirty="0">
+                <a:solidFill>
+                  <a:schemeClr val="tx1"/>
+                </a:solidFill>
+                <a:effectLst/>
+                <a:latin typeface="+mn-lt"/>
+                <a:ea typeface="+mn-ea"/>
+                <a:cs typeface="+mn-cs"/>
+              </a:rPr>
+              <a:t>costruita appositamente</a:t>
+            </a:r>
+            <a:r>
+              <a:rPr lang="it-IT" sz="1200" b="0" i="0" kern="1200" dirty="0">
+                <a:solidFill>
+                  <a:schemeClr val="tx1"/>
+                </a:solidFill>
+                <a:effectLst/>
+                <a:latin typeface="+mn-lt"/>
+                <a:ea typeface="+mn-ea"/>
+                <a:cs typeface="+mn-cs"/>
+              </a:rPr>
+              <a:t> (o scelta) in modo tale che, </a:t>
+            </a:r>
+            <a:r>
+              <a:rPr lang="it-IT" sz="1200" b="1" i="0" kern="1200" dirty="0">
+                <a:solidFill>
+                  <a:schemeClr val="tx1"/>
+                </a:solidFill>
+                <a:effectLst/>
+                <a:latin typeface="+mn-lt"/>
+                <a:ea typeface="+mn-ea"/>
+                <a:cs typeface="+mn-cs"/>
+              </a:rPr>
+              <a:t>quando si applica il controllo ottimo</a:t>
+            </a:r>
+            <a:r>
+              <a:rPr lang="it-IT" sz="1200" b="0" i="0" kern="1200" dirty="0">
+                <a:solidFill>
+                  <a:schemeClr val="tx1"/>
+                </a:solidFill>
+                <a:effectLst/>
+                <a:latin typeface="+mn-lt"/>
+                <a:ea typeface="+mn-ea"/>
+                <a:cs typeface="+mn-cs"/>
+              </a:rPr>
+              <a:t>, essa </a:t>
+            </a:r>
+            <a:r>
+              <a:rPr lang="it-IT" sz="1200" b="1" i="0" kern="1200" dirty="0">
+                <a:solidFill>
+                  <a:schemeClr val="tx1"/>
+                </a:solidFill>
+                <a:effectLst/>
+                <a:latin typeface="+mn-lt"/>
+                <a:ea typeface="+mn-ea"/>
+                <a:cs typeface="+mn-cs"/>
+              </a:rPr>
+              <a:t>diminuisce</a:t>
+            </a:r>
+            <a:r>
+              <a:rPr lang="it-IT" sz="1200" b="0" i="0" kern="1200" dirty="0">
+                <a:solidFill>
+                  <a:schemeClr val="tx1"/>
+                </a:solidFill>
+                <a:effectLst/>
+                <a:latin typeface="+mn-lt"/>
+                <a:ea typeface="+mn-ea"/>
+                <a:cs typeface="+mn-cs"/>
+              </a:rPr>
+              <a:t> di almeno il costo istantaneo dell’ultimo step della predizione.</a:t>
+            </a:r>
+          </a:p>
+          <a:p>
+            <a:r>
+              <a:rPr lang="it-IT" sz="1200" b="0" i="0" kern="1200" dirty="0">
+                <a:solidFill>
+                  <a:schemeClr val="tx1"/>
+                </a:solidFill>
+                <a:effectLst/>
+                <a:latin typeface="+mn-lt"/>
+                <a:ea typeface="+mn-ea"/>
+                <a:cs typeface="+mn-cs"/>
+              </a:rPr>
+              <a:t>Questo garantisce che il </a:t>
+            </a:r>
+            <a:r>
+              <a:rPr lang="it-IT" sz="1200" b="1" i="0" kern="1200" dirty="0">
+                <a:solidFill>
+                  <a:schemeClr val="tx1"/>
+                </a:solidFill>
+                <a:effectLst/>
+                <a:latin typeface="+mn-lt"/>
+                <a:ea typeface="+mn-ea"/>
+                <a:cs typeface="+mn-cs"/>
+              </a:rPr>
+              <a:t>valore della funzione costo totale</a:t>
+            </a:r>
+            <a:r>
+              <a:rPr lang="it-IT" sz="1200" b="0" i="0" kern="1200" dirty="0">
+                <a:solidFill>
+                  <a:schemeClr val="tx1"/>
+                </a:solidFill>
+                <a:effectLst/>
+                <a:latin typeface="+mn-lt"/>
+                <a:ea typeface="+mn-ea"/>
+                <a:cs typeface="+mn-cs"/>
+              </a:rPr>
+              <a:t> decresca nel tempo, e quindi il sistema </a:t>
+            </a:r>
+            <a:r>
+              <a:rPr lang="it-IT" sz="1200" b="1" i="0" kern="1200" dirty="0">
+                <a:solidFill>
+                  <a:schemeClr val="tx1"/>
+                </a:solidFill>
+                <a:effectLst/>
+                <a:latin typeface="+mn-lt"/>
+                <a:ea typeface="+mn-ea"/>
+                <a:cs typeface="+mn-cs"/>
+              </a:rPr>
+              <a:t>si stabilizzi</a:t>
+            </a:r>
+            <a:r>
+              <a:rPr lang="it-IT" sz="1200" b="0" i="0" kern="1200" dirty="0">
+                <a:solidFill>
+                  <a:schemeClr val="tx1"/>
+                </a:solidFill>
+                <a:effectLst/>
+                <a:latin typeface="+mn-lt"/>
+                <a:ea typeface="+mn-ea"/>
+                <a:cs typeface="+mn-cs"/>
+              </a:rPr>
+              <a:t>.</a:t>
+            </a:r>
+          </a:p>
+          <a:p>
+            <a:r>
+              <a:rPr lang="it-IT" sz="1200" b="0" i="0" kern="1200" dirty="0">
+                <a:solidFill>
+                  <a:schemeClr val="tx1"/>
+                </a:solidFill>
+                <a:effectLst/>
+                <a:latin typeface="+mn-lt"/>
+                <a:ea typeface="+mn-ea"/>
+                <a:cs typeface="+mn-cs"/>
+              </a:rPr>
+              <a:t>Il termine “</a:t>
+            </a:r>
+            <a:r>
+              <a:rPr lang="it-IT" sz="1200" b="1" i="0" kern="1200" dirty="0">
+                <a:solidFill>
+                  <a:schemeClr val="tx1"/>
+                </a:solidFill>
+                <a:effectLst/>
+                <a:latin typeface="+mn-lt"/>
+                <a:ea typeface="+mn-ea"/>
+                <a:cs typeface="+mn-cs"/>
+              </a:rPr>
+              <a:t>locale</a:t>
+            </a:r>
+            <a:r>
+              <a:rPr lang="it-IT" sz="1200" b="0" i="0" kern="1200" dirty="0">
+                <a:solidFill>
+                  <a:schemeClr val="tx1"/>
+                </a:solidFill>
+                <a:effectLst/>
+                <a:latin typeface="+mn-lt"/>
+                <a:ea typeface="+mn-ea"/>
+                <a:cs typeface="+mn-cs"/>
+              </a:rPr>
+              <a:t>” indica che questa proprietà vale </a:t>
+            </a:r>
+            <a:r>
+              <a:rPr lang="it-IT" sz="1200" b="1" i="0" kern="1200" dirty="0">
+                <a:solidFill>
+                  <a:schemeClr val="tx1"/>
+                </a:solidFill>
+                <a:effectLst/>
+                <a:latin typeface="+mn-lt"/>
+                <a:ea typeface="+mn-ea"/>
+                <a:cs typeface="+mn-cs"/>
+              </a:rPr>
+              <a:t>in un intorno dell’equilibrio</a:t>
+            </a:r>
+            <a:r>
+              <a:rPr lang="it-IT" sz="1200" b="0" i="0" kern="1200" dirty="0">
+                <a:solidFill>
+                  <a:schemeClr val="tx1"/>
+                </a:solidFill>
+                <a:effectLst/>
+                <a:latin typeface="+mn-lt"/>
+                <a:ea typeface="+mn-ea"/>
+                <a:cs typeface="+mn-cs"/>
+              </a:rPr>
+              <a:t>, non necessariamente globalmente.</a:t>
+            </a:r>
+          </a:p>
+          <a:p>
+            <a:endParaRPr lang="it-IT" sz="1200" b="0" i="0" kern="1200" dirty="0">
+              <a:solidFill>
+                <a:schemeClr val="tx1"/>
+              </a:solidFill>
+              <a:effectLst/>
+              <a:latin typeface="+mn-lt"/>
+              <a:ea typeface="+mn-ea"/>
+              <a:cs typeface="+mn-cs"/>
+            </a:endParaRPr>
+          </a:p>
+          <a:p>
+            <a:r>
+              <a:rPr lang="it-IT" sz="1200" b="0" i="0" kern="1200" dirty="0">
+                <a:solidFill>
+                  <a:schemeClr val="tx1"/>
+                </a:solidFill>
+                <a:effectLst/>
+                <a:latin typeface="+mn-lt"/>
+                <a:ea typeface="+mn-ea"/>
+                <a:cs typeface="+mn-cs"/>
+              </a:rPr>
+              <a:t>Il </a:t>
+            </a:r>
+            <a:r>
+              <a:rPr lang="it-IT" sz="1200" b="1" i="0" kern="1200" dirty="0">
+                <a:solidFill>
+                  <a:schemeClr val="tx1"/>
+                </a:solidFill>
+                <a:effectLst/>
+                <a:latin typeface="+mn-lt"/>
+                <a:ea typeface="+mn-ea"/>
+                <a:cs typeface="+mn-cs"/>
+              </a:rPr>
+              <a:t>Control </a:t>
+            </a:r>
+            <a:r>
+              <a:rPr lang="it-IT" sz="1200" b="1" i="0" kern="1200" dirty="0" err="1">
+                <a:solidFill>
+                  <a:schemeClr val="tx1"/>
+                </a:solidFill>
+                <a:effectLst/>
+                <a:latin typeface="+mn-lt"/>
+                <a:ea typeface="+mn-ea"/>
+                <a:cs typeface="+mn-cs"/>
+              </a:rPr>
+              <a:t>Invariant</a:t>
+            </a:r>
+            <a:r>
+              <a:rPr lang="it-IT" sz="1200" b="1" i="0" kern="1200" dirty="0">
+                <a:solidFill>
+                  <a:schemeClr val="tx1"/>
+                </a:solidFill>
+                <a:effectLst/>
+                <a:latin typeface="+mn-lt"/>
+                <a:ea typeface="+mn-ea"/>
+                <a:cs typeface="+mn-cs"/>
+              </a:rPr>
+              <a:t> Set</a:t>
+            </a:r>
+            <a:r>
+              <a:rPr lang="it-IT" sz="1200" b="0" i="0" kern="1200" dirty="0">
+                <a:solidFill>
+                  <a:schemeClr val="tx1"/>
+                </a:solidFill>
+                <a:effectLst/>
+                <a:latin typeface="+mn-lt"/>
+                <a:ea typeface="+mn-ea"/>
+                <a:cs typeface="+mn-cs"/>
+              </a:rPr>
+              <a:t> (CIS) è un insieme di stati del sistema da cui è </a:t>
+            </a:r>
+            <a:r>
+              <a:rPr lang="it-IT" sz="1200" b="1" i="0" kern="1200" dirty="0">
+                <a:solidFill>
+                  <a:schemeClr val="tx1"/>
+                </a:solidFill>
+                <a:effectLst/>
+                <a:latin typeface="+mn-lt"/>
+                <a:ea typeface="+mn-ea"/>
+                <a:cs typeface="+mn-cs"/>
+              </a:rPr>
+              <a:t>sempre possibile rimanere all’interno dei vincoli</a:t>
+            </a:r>
+            <a:r>
+              <a:rPr lang="it-IT" sz="1200" b="0" i="0" kern="1200" dirty="0">
+                <a:solidFill>
+                  <a:schemeClr val="tx1"/>
+                </a:solidFill>
+                <a:effectLst/>
+                <a:latin typeface="+mn-lt"/>
+                <a:ea typeface="+mn-ea"/>
+                <a:cs typeface="+mn-cs"/>
+              </a:rPr>
+              <a:t>, applicando una legge di controllo ammissibile (es. LQR), </a:t>
+            </a:r>
+            <a:r>
+              <a:rPr lang="it-IT" sz="1200" b="1" i="0" kern="1200" dirty="0">
+                <a:solidFill>
+                  <a:schemeClr val="tx1"/>
+                </a:solidFill>
+                <a:effectLst/>
+                <a:latin typeface="+mn-lt"/>
+                <a:ea typeface="+mn-ea"/>
+                <a:cs typeface="+mn-cs"/>
+              </a:rPr>
+              <a:t>per sempre</a:t>
+            </a:r>
+            <a:r>
+              <a:rPr lang="it-IT" sz="1200" b="0" i="0" kern="1200" dirty="0">
+                <a:solidFill>
+                  <a:schemeClr val="tx1"/>
+                </a:solidFill>
+                <a:effectLst/>
+                <a:latin typeface="+mn-lt"/>
+                <a:ea typeface="+mn-ea"/>
+                <a:cs typeface="+mn-cs"/>
+              </a:rPr>
+              <a:t>.</a:t>
+            </a:r>
+          </a:p>
+        </p:txBody>
+      </p:sp>
+      <p:sp>
+        <p:nvSpPr>
+          <p:cNvPr id="4" name="Segnaposto numero diapositiva 3"/>
+          <p:cNvSpPr>
+            <a:spLocks noGrp="1"/>
+          </p:cNvSpPr>
+          <p:nvPr>
+            <p:ph type="sldNum" sz="quarter" idx="5"/>
+          </p:nvPr>
+        </p:nvSpPr>
+        <p:spPr/>
+        <p:txBody>
+          <a:bodyPr/>
+          <a:lstStyle/>
+          <a:p>
+            <a:fld id="{B056405F-A823-461D-BCED-389D230F5E77}" type="slidenum">
+              <a:rPr lang="it-IT" smtClean="0"/>
+              <a:t>12</a:t>
+            </a:fld>
+            <a:endParaRPr lang="it-IT"/>
+          </a:p>
+        </p:txBody>
+      </p:sp>
+    </p:spTree>
+    <p:extLst>
+      <p:ext uri="{BB962C8B-B14F-4D97-AF65-F5344CB8AC3E}">
+        <p14:creationId xmlns:p14="http://schemas.microsoft.com/office/powerpoint/2010/main" val="2234474980"/>
+      </p:ext>
+    </p:extLst>
+  </p:cSld>
+  <p:clrMapOvr>
+    <a:masterClrMapping/>
+  </p:clrMapOvr>
+</p:notes>
+</file>
+
+<file path=ppt/notesSlides/notesSlide2.xml><?xml version="1.0" encoding="utf-8"?>
+<p:notes xmlns:a="http://schemas.openxmlformats.org/drawingml/2006/main" xmlns:r="http://schemas.openxmlformats.org/officeDocument/2006/relationships" xmlns:p="http://schemas.openxmlformats.org/presentationml/2006/main">
+  <p:cSld>
+    <p:spTree>
+      <p:nvGrpSpPr>
+        <p:cNvPr id="1" name=""/>
+        <p:cNvGrpSpPr/>
+        <p:nvPr/>
+      </p:nvGrpSpPr>
+      <p:grpSpPr>
+        <a:xfrm>
+          <a:off x="0" y="0"/>
+          <a:ext cx="0" cy="0"/>
+          <a:chOff x="0" y="0"/>
+          <a:chExt cx="0" cy="0"/>
+        </a:xfrm>
+      </p:grpSpPr>
+      <p:sp>
+        <p:nvSpPr>
+          <p:cNvPr id="2" name="Segnaposto immagine diapositiva 1"/>
+          <p:cNvSpPr>
+            <a:spLocks noGrp="1" noRot="1" noChangeAspect="1"/>
+          </p:cNvSpPr>
+          <p:nvPr>
+            <p:ph type="sldImg"/>
+          </p:nvPr>
+        </p:nvSpPr>
+        <p:spPr/>
+      </p:sp>
+      <p:sp>
+        <p:nvSpPr>
+          <p:cNvPr id="3" name="Segnaposto note 2"/>
+          <p:cNvSpPr>
+            <a:spLocks noGrp="1"/>
+          </p:cNvSpPr>
+          <p:nvPr>
+            <p:ph type="body" idx="1"/>
+          </p:nvPr>
+        </p:nvSpPr>
+        <p:spPr/>
+        <p:txBody>
+          <a:bodyPr/>
+          <a:lstStyle/>
+          <a:p>
+            <a:r>
+              <a:rPr lang="it-IT" dirty="0"/>
+              <a:t>Obiettivo del codice: determinare l’insieme di stati in cui il  sistema può rimanere indefinitamente all’interno dei vincoli, usando un controllore LQR.</a:t>
+            </a:r>
+          </a:p>
+          <a:p>
+            <a:r>
+              <a:rPr lang="it-IT" sz="1200" b="0" i="0" kern="1200" dirty="0">
+                <a:solidFill>
+                  <a:schemeClr val="tx1"/>
+                </a:solidFill>
+                <a:effectLst/>
+                <a:latin typeface="+mn-lt"/>
+                <a:ea typeface="+mn-ea"/>
+                <a:cs typeface="+mn-cs"/>
+              </a:rPr>
+              <a:t>Fx * x ≤ </a:t>
+            </a:r>
+            <a:r>
+              <a:rPr lang="it-IT" sz="1200" b="0" i="0" kern="1200" dirty="0" err="1">
+                <a:solidFill>
+                  <a:schemeClr val="tx1"/>
+                </a:solidFill>
+                <a:effectLst/>
+                <a:latin typeface="+mn-lt"/>
+                <a:ea typeface="+mn-ea"/>
+                <a:cs typeface="+mn-cs"/>
+              </a:rPr>
+              <a:t>fx</a:t>
+            </a:r>
+            <a:r>
+              <a:rPr lang="it-IT" sz="1200" b="0" i="0" kern="1200" dirty="0">
+                <a:solidFill>
+                  <a:schemeClr val="tx1"/>
+                </a:solidFill>
+                <a:effectLst/>
+                <a:latin typeface="+mn-lt"/>
+                <a:ea typeface="+mn-ea"/>
+                <a:cs typeface="+mn-cs"/>
+              </a:rPr>
+              <a:t>: vincoli sullo stato ( FX-&gt; matrice che definisce i vincoli sugli stati 	</a:t>
+            </a:r>
+            <a:r>
+              <a:rPr lang="it-IT" sz="1200" b="0" i="0" kern="1200" dirty="0" err="1">
+                <a:solidFill>
+                  <a:schemeClr val="tx1"/>
+                </a:solidFill>
+                <a:effectLst/>
+                <a:latin typeface="+mn-lt"/>
+                <a:ea typeface="+mn-ea"/>
+                <a:cs typeface="+mn-cs"/>
+              </a:rPr>
+              <a:t>fx</a:t>
+            </a:r>
+            <a:r>
+              <a:rPr lang="it-IT" sz="1200" b="0" i="0" kern="1200" dirty="0">
+                <a:solidFill>
+                  <a:schemeClr val="tx1"/>
+                </a:solidFill>
+                <a:effectLst/>
+                <a:latin typeface="+mn-lt"/>
+                <a:ea typeface="+mn-ea"/>
+                <a:cs typeface="+mn-cs"/>
+              </a:rPr>
+              <a:t>-&gt; vettore termini noti)</a:t>
+            </a:r>
+          </a:p>
+          <a:p>
+            <a:r>
+              <a:rPr lang="it-IT" sz="1200" b="0" i="0" kern="1200" dirty="0">
+                <a:solidFill>
+                  <a:schemeClr val="tx1"/>
+                </a:solidFill>
+                <a:effectLst/>
+                <a:latin typeface="+mn-lt"/>
+                <a:ea typeface="+mn-ea"/>
+                <a:cs typeface="+mn-cs"/>
+              </a:rPr>
+              <a:t>Fu * u ≤ fu: vincoli sull'ingresso</a:t>
+            </a:r>
+          </a:p>
+          <a:p>
+            <a:endParaRPr lang="it-IT" dirty="0"/>
+          </a:p>
+          <a:p>
+            <a:r>
+              <a:rPr lang="it-IT" dirty="0"/>
+              <a:t>Il ciclo termina quando il cis non cambia più ovvero è invariante sotto la dinamica chiusa e rispetta i vincoli</a:t>
+            </a:r>
+          </a:p>
+        </p:txBody>
+      </p:sp>
+      <p:sp>
+        <p:nvSpPr>
+          <p:cNvPr id="4" name="Segnaposto numero diapositiva 3"/>
+          <p:cNvSpPr>
+            <a:spLocks noGrp="1"/>
+          </p:cNvSpPr>
+          <p:nvPr>
+            <p:ph type="sldNum" sz="quarter" idx="5"/>
+          </p:nvPr>
+        </p:nvSpPr>
+        <p:spPr/>
+        <p:txBody>
+          <a:bodyPr/>
+          <a:lstStyle/>
+          <a:p>
+            <a:fld id="{B056405F-A823-461D-BCED-389D230F5E77}" type="slidenum">
+              <a:rPr lang="it-IT" smtClean="0"/>
+              <a:t>13</a:t>
+            </a:fld>
+            <a:endParaRPr lang="it-IT"/>
+          </a:p>
+        </p:txBody>
+      </p:sp>
+    </p:spTree>
+    <p:extLst>
+      <p:ext uri="{BB962C8B-B14F-4D97-AF65-F5344CB8AC3E}">
+        <p14:creationId xmlns:p14="http://schemas.microsoft.com/office/powerpoint/2010/main" val="33909665"/>
+      </p:ext>
+    </p:extLst>
+  </p:cSld>
+  <p:clrMapOvr>
+    <a:masterClrMapping/>
+  </p:clrMapOvr>
+</p:notes>
+</file>
+
+<file path=ppt/notesSlides/notesSlide3.xml><?xml version="1.0" encoding="utf-8"?>
+<p:notes xmlns:a="http://schemas.openxmlformats.org/drawingml/2006/main" xmlns:r="http://schemas.openxmlformats.org/officeDocument/2006/relationships" xmlns:p="http://schemas.openxmlformats.org/presentationml/2006/main">
+  <p:cSld>
+    <p:spTree>
+      <p:nvGrpSpPr>
+        <p:cNvPr id="1" name=""/>
+        <p:cNvGrpSpPr/>
+        <p:nvPr/>
+      </p:nvGrpSpPr>
+      <p:grpSpPr>
+        <a:xfrm>
+          <a:off x="0" y="0"/>
+          <a:ext cx="0" cy="0"/>
+          <a:chOff x="0" y="0"/>
+          <a:chExt cx="0" cy="0"/>
+        </a:xfrm>
+      </p:grpSpPr>
+      <p:sp>
+        <p:nvSpPr>
+          <p:cNvPr id="2" name="Segnaposto immagine diapositiva 1"/>
+          <p:cNvSpPr>
+            <a:spLocks noGrp="1" noRot="1" noChangeAspect="1"/>
+          </p:cNvSpPr>
+          <p:nvPr>
+            <p:ph type="sldImg"/>
+          </p:nvPr>
+        </p:nvSpPr>
+        <p:spPr/>
+      </p:sp>
+      <p:sp>
+        <p:nvSpPr>
+          <p:cNvPr id="3" name="Segnaposto note 2"/>
+          <p:cNvSpPr>
+            <a:spLocks noGrp="1"/>
+          </p:cNvSpPr>
+          <p:nvPr>
+            <p:ph type="body" idx="1"/>
+          </p:nvPr>
+        </p:nvSpPr>
+        <p:spPr/>
+        <p:txBody>
+          <a:bodyPr/>
+          <a:lstStyle/>
+          <a:p>
+            <a:r>
+              <a:rPr lang="it-IT" sz="1200" kern="1200" dirty="0">
+                <a:solidFill>
+                  <a:schemeClr val="tx1"/>
+                </a:solidFill>
+                <a:effectLst/>
+                <a:latin typeface="+mn-lt"/>
+                <a:ea typeface="+mn-ea"/>
+                <a:cs typeface="+mn-cs"/>
+              </a:rPr>
+              <a:t>Abbiamo rappresentato graficamente il Control </a:t>
+            </a:r>
+            <a:r>
+              <a:rPr lang="it-IT" sz="1200" kern="1200" dirty="0" err="1">
+                <a:solidFill>
+                  <a:schemeClr val="tx1"/>
+                </a:solidFill>
+                <a:effectLst/>
+                <a:latin typeface="+mn-lt"/>
+                <a:ea typeface="+mn-ea"/>
+                <a:cs typeface="+mn-cs"/>
+              </a:rPr>
+              <a:t>Invariant</a:t>
+            </a:r>
+            <a:r>
+              <a:rPr lang="it-IT" sz="1200" kern="1200" dirty="0">
+                <a:solidFill>
+                  <a:schemeClr val="tx1"/>
+                </a:solidFill>
+                <a:effectLst/>
+                <a:latin typeface="+mn-lt"/>
+                <a:ea typeface="+mn-ea"/>
+                <a:cs typeface="+mn-cs"/>
+              </a:rPr>
+              <a:t> Set (CIS) utilizzando l’oggetto </a:t>
+            </a:r>
+            <a:r>
+              <a:rPr lang="it-IT" sz="1200" kern="1200" dirty="0" err="1">
+                <a:solidFill>
+                  <a:schemeClr val="tx1"/>
+                </a:solidFill>
+                <a:effectLst/>
+                <a:latin typeface="+mn-lt"/>
+                <a:ea typeface="+mn-ea"/>
+                <a:cs typeface="+mn-cs"/>
+              </a:rPr>
+              <a:t>Polyhedron</a:t>
+            </a:r>
+            <a:r>
+              <a:rPr lang="it-IT" sz="1200" kern="1200" dirty="0">
+                <a:solidFill>
+                  <a:schemeClr val="tx1"/>
+                </a:solidFill>
+                <a:effectLst/>
+                <a:latin typeface="+mn-lt"/>
+                <a:ea typeface="+mn-ea"/>
+                <a:cs typeface="+mn-cs"/>
+              </a:rPr>
+              <a:t>. Poiché il CIS risultava definito in uno spazio a 4 dimensioni (corrispondenti ai livelli dei quattro serbatoi), abbiamo suddiviso la visualizzazione in due proiezioni bidimensionali: una relativa ai livelli dei serbatoi 1 e 3, e l’altra ai livelli dei serbatoi 2 e 4, ovvero combinazioni rappresentative dei serbatoi alti e bassi. </a:t>
+            </a:r>
+          </a:p>
+          <a:p>
+            <a:endParaRPr lang="it-IT" sz="1200" kern="1200" dirty="0">
+              <a:solidFill>
+                <a:schemeClr val="tx1"/>
+              </a:solidFill>
+              <a:effectLst/>
+              <a:latin typeface="+mn-lt"/>
+              <a:ea typeface="+mn-ea"/>
+              <a:cs typeface="+mn-cs"/>
+            </a:endParaRPr>
+          </a:p>
+          <a:p>
+            <a:r>
+              <a:rPr lang="it-IT" sz="1200" b="0" i="1" u="none" kern="1200" dirty="0">
+                <a:solidFill>
+                  <a:schemeClr val="tx1"/>
+                </a:solidFill>
+                <a:effectLst>
+                  <a:outerShdw blurRad="38100" dist="38100" dir="2700000" algn="tl">
+                    <a:srgbClr val="000000">
+                      <a:alpha val="43137"/>
+                    </a:srgbClr>
+                  </a:outerShdw>
+                </a:effectLst>
+                <a:latin typeface="+mn-lt"/>
+                <a:ea typeface="+mn-ea"/>
+                <a:cs typeface="+mn-cs"/>
+              </a:rPr>
+              <a:t>Dall’analisi delle proiezioni del CIS si osserva che i serbatoi 1 e 3 (alto e basso) presentano una regione ammissibile più ampia rispetto ai serbatoi 2 e 4, suggerendo una maggiore flessibilità del sistema in quella combinazione. Questo può essere dovuto a una migliore controllabilità o a vincoli meno stringenti su quei livelli.</a:t>
+            </a:r>
+            <a:endParaRPr lang="it-IT" u="none" dirty="0">
+              <a:effectLst>
+                <a:outerShdw blurRad="38100" dist="38100" dir="2700000" algn="tl">
+                  <a:srgbClr val="000000">
+                    <a:alpha val="43137"/>
+                  </a:srgbClr>
+                </a:outerShdw>
+              </a:effectLst>
+            </a:endParaRPr>
+          </a:p>
+        </p:txBody>
+      </p:sp>
+      <p:sp>
+        <p:nvSpPr>
+          <p:cNvPr id="4" name="Segnaposto numero diapositiva 3"/>
+          <p:cNvSpPr>
+            <a:spLocks noGrp="1"/>
+          </p:cNvSpPr>
+          <p:nvPr>
+            <p:ph type="sldNum" sz="quarter" idx="5"/>
+          </p:nvPr>
+        </p:nvSpPr>
+        <p:spPr/>
+        <p:txBody>
+          <a:bodyPr/>
+          <a:lstStyle/>
+          <a:p>
+            <a:fld id="{B056405F-A823-461D-BCED-389D230F5E77}" type="slidenum">
+              <a:rPr lang="it-IT" smtClean="0"/>
+              <a:t>14</a:t>
+            </a:fld>
+            <a:endParaRPr lang="it-IT"/>
+          </a:p>
+        </p:txBody>
+      </p:sp>
+    </p:spTree>
+    <p:extLst>
+      <p:ext uri="{BB962C8B-B14F-4D97-AF65-F5344CB8AC3E}">
+        <p14:creationId xmlns:p14="http://schemas.microsoft.com/office/powerpoint/2010/main" val="3664843342"/>
+      </p:ext>
+    </p:extLst>
+  </p:cSld>
+  <p:clrMapOvr>
+    <a:masterClrMapping/>
+  </p:clrMapOvr>
+</p:notes>
+</file>
+
+<file path=ppt/notesSlides/notesSlide4.xml><?xml version="1.0" encoding="utf-8"?>
+<p:notes xmlns:a="http://schemas.openxmlformats.org/drawingml/2006/main" xmlns:r="http://schemas.openxmlformats.org/officeDocument/2006/relationships" xmlns:p="http://schemas.openxmlformats.org/presentationml/2006/main">
+  <p:cSld>
+    <p:spTree>
+      <p:nvGrpSpPr>
+        <p:cNvPr id="1" name=""/>
+        <p:cNvGrpSpPr/>
+        <p:nvPr/>
+      </p:nvGrpSpPr>
+      <p:grpSpPr>
+        <a:xfrm>
+          <a:off x="0" y="0"/>
+          <a:ext cx="0" cy="0"/>
+          <a:chOff x="0" y="0"/>
+          <a:chExt cx="0" cy="0"/>
+        </a:xfrm>
+      </p:grpSpPr>
+      <p:sp>
+        <p:nvSpPr>
+          <p:cNvPr id="2" name="Segnaposto immagine diapositiva 1"/>
+          <p:cNvSpPr>
+            <a:spLocks noGrp="1" noRot="1" noChangeAspect="1"/>
+          </p:cNvSpPr>
+          <p:nvPr>
+            <p:ph type="sldImg"/>
+          </p:nvPr>
+        </p:nvSpPr>
+        <p:spPr/>
+      </p:sp>
+      <p:sp>
+        <p:nvSpPr>
+          <p:cNvPr id="3" name="Segnaposto note 2"/>
+          <p:cNvSpPr>
+            <a:spLocks noGrp="1"/>
+          </p:cNvSpPr>
+          <p:nvPr>
+            <p:ph type="body" idx="1"/>
+          </p:nvPr>
+        </p:nvSpPr>
+        <p:spPr/>
+        <p:txBody>
+          <a:bodyPr/>
+          <a:lstStyle/>
+          <a:p>
+            <a:r>
+              <a:rPr lang="it-IT" dirty="0"/>
+              <a:t>Obiettivo: </a:t>
+            </a:r>
+            <a:r>
+              <a:rPr lang="it-IT" sz="1200" b="0" i="0" kern="1200" dirty="0">
+                <a:solidFill>
+                  <a:schemeClr val="tx1"/>
+                </a:solidFill>
+                <a:effectLst/>
+                <a:latin typeface="+mn-lt"/>
+                <a:ea typeface="+mn-ea"/>
+                <a:cs typeface="+mn-cs"/>
+              </a:rPr>
+              <a:t>Determinare l’insieme degli stati da cui è possibile raggiungere un </a:t>
+            </a:r>
+            <a:r>
+              <a:rPr lang="it-IT" sz="1200" b="1" i="0" kern="1200" dirty="0">
+                <a:solidFill>
+                  <a:schemeClr val="tx1"/>
+                </a:solidFill>
+                <a:effectLst/>
+                <a:latin typeface="+mn-lt"/>
+                <a:ea typeface="+mn-ea"/>
+                <a:cs typeface="+mn-cs"/>
+              </a:rPr>
+              <a:t>set target</a:t>
+            </a:r>
+            <a:r>
+              <a:rPr lang="it-IT" sz="1200" b="0" i="0" kern="1200" dirty="0">
+                <a:solidFill>
+                  <a:schemeClr val="tx1"/>
+                </a:solidFill>
+                <a:effectLst/>
+                <a:latin typeface="+mn-lt"/>
+                <a:ea typeface="+mn-ea"/>
+                <a:cs typeface="+mn-cs"/>
+              </a:rPr>
+              <a:t> in </a:t>
+            </a:r>
+            <a:r>
+              <a:rPr lang="it-IT" sz="1200" b="1" i="0" kern="1200" dirty="0">
+                <a:solidFill>
+                  <a:schemeClr val="tx1"/>
+                </a:solidFill>
+                <a:effectLst/>
+                <a:latin typeface="+mn-lt"/>
+                <a:ea typeface="+mn-ea"/>
+                <a:cs typeface="+mn-cs"/>
+              </a:rPr>
+              <a:t>N passi</a:t>
+            </a:r>
+            <a:r>
+              <a:rPr lang="it-IT" sz="1200" b="0" i="0" kern="1200" dirty="0">
+                <a:solidFill>
+                  <a:schemeClr val="tx1"/>
+                </a:solidFill>
+                <a:effectLst/>
+                <a:latin typeface="+mn-lt"/>
+                <a:ea typeface="+mn-ea"/>
+                <a:cs typeface="+mn-cs"/>
+              </a:rPr>
+              <a:t>, rispettando i vincoli su stato e ingresso.</a:t>
+            </a:r>
+          </a:p>
+          <a:p>
+            <a:endParaRPr lang="it-IT" sz="1200" b="0" i="0" kern="1200" dirty="0">
+              <a:solidFill>
+                <a:schemeClr val="tx1"/>
+              </a:solidFill>
+              <a:effectLst/>
+              <a:latin typeface="+mn-lt"/>
+              <a:ea typeface="+mn-ea"/>
+              <a:cs typeface="+mn-cs"/>
+            </a:endParaRPr>
+          </a:p>
+          <a:p>
+            <a:pPr marL="0" marR="0" lvl="0" indent="0" algn="l" defTabSz="914400" rtl="0" eaLnBrk="1" fontAlgn="auto" latinLnBrk="0" hangingPunct="1">
+              <a:lnSpc>
+                <a:spcPct val="100000"/>
+              </a:lnSpc>
+              <a:spcBef>
+                <a:spcPts val="0"/>
+              </a:spcBef>
+              <a:spcAft>
+                <a:spcPts val="0"/>
+              </a:spcAft>
+              <a:buClrTx/>
+              <a:buSzTx/>
+              <a:buFontTx/>
+              <a:buNone/>
+              <a:tabLst/>
+              <a:defRPr/>
+            </a:pPr>
+            <a:r>
+              <a:rPr lang="it-IT" sz="1200" b="0" i="0" kern="1200" dirty="0">
+                <a:solidFill>
+                  <a:schemeClr val="tx1"/>
+                </a:solidFill>
+                <a:effectLst/>
+                <a:latin typeface="+mn-lt"/>
+                <a:ea typeface="+mn-ea"/>
+                <a:cs typeface="+mn-cs"/>
+              </a:rPr>
+              <a:t>Restituisce l’insieme degli stati da cui si può raggiungere il target in </a:t>
+            </a:r>
+            <a:r>
+              <a:rPr lang="it-IT" dirty="0"/>
+              <a:t>N</a:t>
+            </a:r>
+            <a:r>
+              <a:rPr lang="it-IT" sz="1200" b="0" i="0" kern="1200" dirty="0">
+                <a:solidFill>
+                  <a:schemeClr val="tx1"/>
+                </a:solidFill>
+                <a:effectLst/>
+                <a:latin typeface="+mn-lt"/>
+                <a:ea typeface="+mn-ea"/>
+                <a:cs typeface="+mn-cs"/>
+              </a:rPr>
+              <a:t> passi, rispettando tutti i vincoli.</a:t>
+            </a:r>
+          </a:p>
+          <a:p>
+            <a:r>
+              <a:rPr lang="pt-BR" dirty="0"/>
+              <a:t>H_nsteps = H_ii_steps;</a:t>
+            </a:r>
+          </a:p>
+          <a:p>
+            <a:r>
+              <a:rPr lang="pt-BR" dirty="0"/>
+              <a:t>h_nsteps = h_ii_steps;</a:t>
+            </a:r>
+            <a:endParaRPr lang="it-IT" sz="1200" b="0" i="0" kern="1200" dirty="0">
+              <a:solidFill>
+                <a:schemeClr val="tx1"/>
+              </a:solidFill>
+              <a:effectLst/>
+              <a:latin typeface="+mn-lt"/>
+              <a:ea typeface="+mn-ea"/>
+              <a:cs typeface="+mn-cs"/>
+            </a:endParaRPr>
+          </a:p>
+        </p:txBody>
+      </p:sp>
+      <p:sp>
+        <p:nvSpPr>
+          <p:cNvPr id="4" name="Segnaposto numero diapositiva 3"/>
+          <p:cNvSpPr>
+            <a:spLocks noGrp="1"/>
+          </p:cNvSpPr>
+          <p:nvPr>
+            <p:ph type="sldNum" sz="quarter" idx="5"/>
+          </p:nvPr>
+        </p:nvSpPr>
+        <p:spPr/>
+        <p:txBody>
+          <a:bodyPr/>
+          <a:lstStyle/>
+          <a:p>
+            <a:fld id="{B056405F-A823-461D-BCED-389D230F5E77}" type="slidenum">
+              <a:rPr lang="it-IT" smtClean="0"/>
+              <a:t>15</a:t>
+            </a:fld>
+            <a:endParaRPr lang="it-IT"/>
+          </a:p>
+        </p:txBody>
+      </p:sp>
+    </p:spTree>
+    <p:extLst>
+      <p:ext uri="{BB962C8B-B14F-4D97-AF65-F5344CB8AC3E}">
+        <p14:creationId xmlns:p14="http://schemas.microsoft.com/office/powerpoint/2010/main" val="1923451656"/>
+      </p:ext>
+    </p:extLst>
+  </p:cSld>
+  <p:clrMapOvr>
+    <a:masterClrMapping/>
+  </p:clrMapOvr>
+</p:notes>
+</file>
+
+<file path=ppt/notesSlides/notesSlide5.xml><?xml version="1.0" encoding="utf-8"?>
+<p:notes xmlns:a="http://schemas.openxmlformats.org/drawingml/2006/main" xmlns:r="http://schemas.openxmlformats.org/officeDocument/2006/relationships" xmlns:p="http://schemas.openxmlformats.org/presentationml/2006/main">
+  <p:cSld>
+    <p:spTree>
+      <p:nvGrpSpPr>
+        <p:cNvPr id="1" name=""/>
+        <p:cNvGrpSpPr/>
+        <p:nvPr/>
+      </p:nvGrpSpPr>
+      <p:grpSpPr>
+        <a:xfrm>
+          <a:off x="0" y="0"/>
+          <a:ext cx="0" cy="0"/>
+          <a:chOff x="0" y="0"/>
+          <a:chExt cx="0" cy="0"/>
+        </a:xfrm>
+      </p:grpSpPr>
+      <p:sp>
+        <p:nvSpPr>
+          <p:cNvPr id="2" name="Segnaposto immagine diapositiva 1"/>
+          <p:cNvSpPr>
+            <a:spLocks noGrp="1" noRot="1" noChangeAspect="1"/>
+          </p:cNvSpPr>
+          <p:nvPr>
+            <p:ph type="sldImg"/>
+          </p:nvPr>
+        </p:nvSpPr>
+        <p:spPr/>
+      </p:sp>
+      <p:sp>
+        <p:nvSpPr>
+          <p:cNvPr id="3" name="Segnaposto note 2"/>
+          <p:cNvSpPr>
+            <a:spLocks noGrp="1"/>
+          </p:cNvSpPr>
+          <p:nvPr>
+            <p:ph type="body" idx="1"/>
+          </p:nvPr>
+        </p:nvSpPr>
+        <p:spPr/>
+        <p:txBody>
+          <a:bodyPr/>
+          <a:lstStyle/>
+          <a:p>
+            <a:r>
+              <a:rPr lang="it-IT" dirty="0"/>
+              <a:t>Obiettivo: </a:t>
+            </a:r>
+            <a:r>
+              <a:rPr lang="it-IT" sz="1200" b="0" i="0" kern="1200" dirty="0">
+                <a:solidFill>
+                  <a:schemeClr val="tx1"/>
+                </a:solidFill>
+                <a:effectLst/>
+                <a:latin typeface="+mn-lt"/>
+                <a:ea typeface="+mn-ea"/>
+                <a:cs typeface="+mn-cs"/>
+              </a:rPr>
+              <a:t>Costruire una struttura </a:t>
+            </a:r>
+            <a:r>
+              <a:rPr lang="it-IT" dirty="0" err="1"/>
+              <a:t>mpc</a:t>
+            </a:r>
+            <a:r>
+              <a:rPr lang="it-IT" sz="1200" b="0" i="0" kern="1200" dirty="0">
+                <a:solidFill>
+                  <a:schemeClr val="tx1"/>
+                </a:solidFill>
+                <a:effectLst/>
+                <a:latin typeface="+mn-lt"/>
+                <a:ea typeface="+mn-ea"/>
+                <a:cs typeface="+mn-cs"/>
+              </a:rPr>
+              <a:t> che contiene tutte le matrici necessarie per risolvere un problema di </a:t>
+            </a:r>
+            <a:r>
+              <a:rPr lang="it-IT" sz="1200" b="1" i="0" kern="1200" dirty="0">
+                <a:solidFill>
+                  <a:schemeClr val="tx1"/>
+                </a:solidFill>
+                <a:effectLst/>
+                <a:latin typeface="+mn-lt"/>
+                <a:ea typeface="+mn-ea"/>
+                <a:cs typeface="+mn-cs"/>
+              </a:rPr>
+              <a:t>controllo predittivo vincolato</a:t>
+            </a:r>
+            <a:r>
+              <a:rPr lang="it-IT" sz="1200" b="0" i="0" kern="1200" dirty="0">
+                <a:solidFill>
+                  <a:schemeClr val="tx1"/>
+                </a:solidFill>
+                <a:effectLst/>
+                <a:latin typeface="+mn-lt"/>
+                <a:ea typeface="+mn-ea"/>
+                <a:cs typeface="+mn-cs"/>
+              </a:rPr>
+              <a:t> (Model </a:t>
+            </a:r>
+            <a:r>
+              <a:rPr lang="it-IT" sz="1200" b="0" i="0" kern="1200" dirty="0" err="1">
+                <a:solidFill>
+                  <a:schemeClr val="tx1"/>
+                </a:solidFill>
+                <a:effectLst/>
+                <a:latin typeface="+mn-lt"/>
+                <a:ea typeface="+mn-ea"/>
+                <a:cs typeface="+mn-cs"/>
+              </a:rPr>
+              <a:t>Predictive</a:t>
+            </a:r>
+            <a:r>
+              <a:rPr lang="it-IT" sz="1200" b="0" i="0" kern="1200" dirty="0">
+                <a:solidFill>
+                  <a:schemeClr val="tx1"/>
+                </a:solidFill>
+                <a:effectLst/>
+                <a:latin typeface="+mn-lt"/>
+                <a:ea typeface="+mn-ea"/>
+                <a:cs typeface="+mn-cs"/>
+              </a:rPr>
+              <a:t> Control) su un orizzonte di predizione </a:t>
+            </a:r>
+            <a:r>
+              <a:rPr lang="it-IT" dirty="0"/>
+              <a:t>Np</a:t>
+            </a:r>
+            <a:r>
+              <a:rPr lang="it-IT" sz="1200" b="0" i="0" kern="1200" dirty="0">
+                <a:solidFill>
+                  <a:schemeClr val="tx1"/>
+                </a:solidFill>
+                <a:effectLst/>
+                <a:latin typeface="+mn-lt"/>
+                <a:ea typeface="+mn-ea"/>
+                <a:cs typeface="+mn-cs"/>
+              </a:rPr>
+              <a:t>.</a:t>
+            </a:r>
+          </a:p>
+          <a:p>
+            <a:endParaRPr lang="it-IT" sz="1200" b="0" i="0" kern="1200" dirty="0">
+              <a:solidFill>
+                <a:schemeClr val="tx1"/>
+              </a:solidFill>
+              <a:effectLst/>
+              <a:latin typeface="+mn-lt"/>
+              <a:ea typeface="+mn-ea"/>
+              <a:cs typeface="+mn-cs"/>
+            </a:endParaRPr>
+          </a:p>
+          <a:p>
+            <a:pPr marL="0" marR="0" lvl="0" indent="0" algn="l" defTabSz="914400" rtl="0" eaLnBrk="1" fontAlgn="auto" latinLnBrk="0" hangingPunct="1">
+              <a:lnSpc>
+                <a:spcPct val="100000"/>
+              </a:lnSpc>
+              <a:spcBef>
+                <a:spcPts val="0"/>
+              </a:spcBef>
+              <a:spcAft>
+                <a:spcPts val="0"/>
+              </a:spcAft>
+              <a:buClrTx/>
+              <a:buSzTx/>
+              <a:buFontTx/>
+              <a:buNone/>
+              <a:tabLst/>
+              <a:defRPr/>
+            </a:pPr>
+            <a:r>
+              <a:rPr lang="it-IT" sz="1200" b="0" i="0" kern="1200" dirty="0">
+                <a:solidFill>
+                  <a:schemeClr val="tx1"/>
+                </a:solidFill>
+                <a:effectLst/>
+                <a:latin typeface="+mn-lt"/>
+                <a:ea typeface="+mn-ea"/>
+                <a:cs typeface="+mn-cs"/>
+              </a:rPr>
+              <a:t>CIS_H, </a:t>
+            </a:r>
+            <a:r>
+              <a:rPr lang="it-IT" sz="1200" b="0" i="0" kern="1200" dirty="0" err="1">
+                <a:solidFill>
+                  <a:schemeClr val="tx1"/>
+                </a:solidFill>
+                <a:effectLst/>
+                <a:latin typeface="+mn-lt"/>
+                <a:ea typeface="+mn-ea"/>
+                <a:cs typeface="+mn-cs"/>
+              </a:rPr>
+              <a:t>CIS_h</a:t>
+            </a:r>
+            <a:r>
+              <a:rPr lang="it-IT" sz="1200" b="0" i="0" kern="1200" dirty="0">
+                <a:solidFill>
+                  <a:schemeClr val="tx1"/>
+                </a:solidFill>
+                <a:effectLst/>
+                <a:latin typeface="+mn-lt"/>
+                <a:ea typeface="+mn-ea"/>
+                <a:cs typeface="+mn-cs"/>
+              </a:rPr>
+              <a:t>: vincoli terminali (CIS = Control </a:t>
+            </a:r>
+            <a:r>
+              <a:rPr lang="it-IT" sz="1200" b="0" i="0" kern="1200" dirty="0" err="1">
+                <a:solidFill>
+                  <a:schemeClr val="tx1"/>
+                </a:solidFill>
+                <a:effectLst/>
+                <a:latin typeface="+mn-lt"/>
+                <a:ea typeface="+mn-ea"/>
+                <a:cs typeface="+mn-cs"/>
+              </a:rPr>
+              <a:t>Invariant</a:t>
+            </a:r>
+            <a:r>
+              <a:rPr lang="it-IT" sz="1200" b="0" i="0" kern="1200" dirty="0">
+                <a:solidFill>
+                  <a:schemeClr val="tx1"/>
+                </a:solidFill>
+                <a:effectLst/>
+                <a:latin typeface="+mn-lt"/>
+                <a:ea typeface="+mn-ea"/>
+                <a:cs typeface="+mn-cs"/>
+              </a:rPr>
+              <a:t> Set)</a:t>
+            </a:r>
+          </a:p>
+          <a:p>
+            <a:endParaRPr lang="it-IT" dirty="0"/>
+          </a:p>
+          <a:p>
+            <a:r>
+              <a:rPr lang="it-IT" sz="1200" b="0" i="0" kern="1200" dirty="0" err="1">
+                <a:solidFill>
+                  <a:schemeClr val="tx1"/>
+                </a:solidFill>
+                <a:effectLst/>
+                <a:latin typeface="+mn-lt"/>
+                <a:ea typeface="+mn-ea"/>
+                <a:cs typeface="+mn-cs"/>
+              </a:rPr>
+              <a:t>A_cal</a:t>
+            </a:r>
+            <a:r>
+              <a:rPr lang="it-IT" sz="1200" b="0" i="0" kern="1200" dirty="0">
+                <a:solidFill>
+                  <a:schemeClr val="tx1"/>
+                </a:solidFill>
+                <a:effectLst/>
+                <a:latin typeface="+mn-lt"/>
+                <a:ea typeface="+mn-ea"/>
+                <a:cs typeface="+mn-cs"/>
+              </a:rPr>
+              <a:t>: predizione degli stati futuri in funzione dello stato iniziale</a:t>
+            </a:r>
+          </a:p>
+          <a:p>
+            <a:r>
+              <a:rPr lang="it-IT" sz="1200" b="0" i="0" kern="1200" dirty="0" err="1">
+                <a:solidFill>
+                  <a:schemeClr val="tx1"/>
+                </a:solidFill>
+                <a:effectLst/>
+                <a:latin typeface="+mn-lt"/>
+                <a:ea typeface="+mn-ea"/>
+                <a:cs typeface="+mn-cs"/>
+              </a:rPr>
+              <a:t>B_cal</a:t>
+            </a:r>
+            <a:r>
+              <a:rPr lang="it-IT" sz="1200" b="0" i="0" kern="1200" dirty="0">
+                <a:solidFill>
+                  <a:schemeClr val="tx1"/>
+                </a:solidFill>
+                <a:effectLst/>
+                <a:latin typeface="+mn-lt"/>
+                <a:ea typeface="+mn-ea"/>
+                <a:cs typeface="+mn-cs"/>
+              </a:rPr>
+              <a:t>: predizione degli stati futuri in funzione degli ingressi futuri</a:t>
+            </a:r>
+          </a:p>
+          <a:p>
+            <a:r>
+              <a:rPr lang="it-IT" sz="1200" b="0" i="0" kern="1200" dirty="0" err="1">
+                <a:solidFill>
+                  <a:schemeClr val="tx1"/>
+                </a:solidFill>
+                <a:effectLst/>
+                <a:latin typeface="+mn-lt"/>
+                <a:ea typeface="+mn-ea"/>
+                <a:cs typeface="+mn-cs"/>
+              </a:rPr>
+              <a:t>Q_cal</a:t>
+            </a:r>
+            <a:r>
+              <a:rPr lang="it-IT" sz="1200" b="0" i="0" kern="1200" dirty="0">
+                <a:solidFill>
+                  <a:schemeClr val="tx1"/>
+                </a:solidFill>
+                <a:effectLst/>
+                <a:latin typeface="+mn-lt"/>
+                <a:ea typeface="+mn-ea"/>
+                <a:cs typeface="+mn-cs"/>
+              </a:rPr>
+              <a:t>, </a:t>
+            </a:r>
+            <a:r>
+              <a:rPr lang="it-IT" sz="1200" b="0" i="0" kern="1200" dirty="0" err="1">
+                <a:solidFill>
+                  <a:schemeClr val="tx1"/>
+                </a:solidFill>
+                <a:effectLst/>
+                <a:latin typeface="+mn-lt"/>
+                <a:ea typeface="+mn-ea"/>
+                <a:cs typeface="+mn-cs"/>
+              </a:rPr>
+              <a:t>R_cal</a:t>
+            </a:r>
+            <a:r>
+              <a:rPr lang="it-IT" sz="1200" b="0" i="0" kern="1200" dirty="0">
+                <a:solidFill>
+                  <a:schemeClr val="tx1"/>
+                </a:solidFill>
+                <a:effectLst/>
+                <a:latin typeface="+mn-lt"/>
+                <a:ea typeface="+mn-ea"/>
+                <a:cs typeface="+mn-cs"/>
+              </a:rPr>
+              <a:t>: matrici di costo estese su tutto l’orizzonte</a:t>
+            </a:r>
+          </a:p>
+          <a:p>
+            <a:endParaRPr lang="it-IT" dirty="0"/>
+          </a:p>
+          <a:p>
+            <a:r>
+              <a:rPr lang="it-IT" sz="1200" b="0" i="0" kern="1200" dirty="0">
+                <a:solidFill>
+                  <a:schemeClr val="tx1"/>
+                </a:solidFill>
+                <a:effectLst/>
+                <a:latin typeface="+mn-lt"/>
+                <a:ea typeface="+mn-ea"/>
+                <a:cs typeface="+mn-cs"/>
+              </a:rPr>
+              <a:t>F: matrice hessiana della funzione costo (quadratica) -&gt; serve per risolvere il problema di ottimizzazione dell’MPC -&gt; usata da </a:t>
+            </a:r>
+            <a:r>
+              <a:rPr lang="it-IT" sz="1200" b="0" i="0" kern="1200" dirty="0" err="1">
+                <a:solidFill>
+                  <a:schemeClr val="tx1"/>
+                </a:solidFill>
+                <a:effectLst/>
+                <a:latin typeface="+mn-lt"/>
+                <a:ea typeface="+mn-ea"/>
+                <a:cs typeface="+mn-cs"/>
+              </a:rPr>
+              <a:t>quadProg</a:t>
+            </a:r>
+            <a:endParaRPr lang="it-IT" sz="1200" b="0" i="0" kern="1200" dirty="0">
+              <a:solidFill>
+                <a:schemeClr val="tx1"/>
+              </a:solidFill>
+              <a:effectLst/>
+              <a:latin typeface="+mn-lt"/>
+              <a:ea typeface="+mn-ea"/>
+              <a:cs typeface="+mn-cs"/>
+            </a:endParaRPr>
+          </a:p>
+          <a:p>
+            <a:r>
+              <a:rPr lang="it-IT" sz="1200" b="0" i="0" kern="1200" dirty="0">
+                <a:solidFill>
+                  <a:schemeClr val="tx1"/>
+                </a:solidFill>
+                <a:effectLst/>
+                <a:latin typeface="+mn-lt"/>
+                <a:ea typeface="+mn-ea"/>
+                <a:cs typeface="+mn-cs"/>
+              </a:rPr>
+              <a:t>f: parte lineare della funzione costo</a:t>
+            </a:r>
+          </a:p>
+          <a:p>
+            <a:endParaRPr lang="it-IT" dirty="0"/>
+          </a:p>
+          <a:p>
+            <a:pPr marL="0" marR="0" lvl="0" indent="0" algn="l" defTabSz="914400" rtl="0" eaLnBrk="1" fontAlgn="auto" latinLnBrk="0" hangingPunct="1">
+              <a:lnSpc>
+                <a:spcPct val="100000"/>
+              </a:lnSpc>
+              <a:spcBef>
+                <a:spcPts val="0"/>
+              </a:spcBef>
+              <a:spcAft>
+                <a:spcPts val="0"/>
+              </a:spcAft>
+              <a:buClrTx/>
+              <a:buSzTx/>
+              <a:buFontTx/>
+              <a:buNone/>
+              <a:tabLst/>
+              <a:defRPr/>
+            </a:pPr>
+            <a:r>
+              <a:rPr lang="it-IT" sz="1200" b="0" i="0" kern="1200" dirty="0" err="1">
+                <a:solidFill>
+                  <a:schemeClr val="tx1"/>
+                </a:solidFill>
+                <a:effectLst/>
+                <a:latin typeface="+mn-lt"/>
+                <a:ea typeface="+mn-ea"/>
+                <a:cs typeface="+mn-cs"/>
+              </a:rPr>
+              <a:t>A_ineq</a:t>
+            </a:r>
+            <a:r>
+              <a:rPr lang="it-IT" sz="1200" b="0" i="0" kern="1200" dirty="0">
+                <a:solidFill>
+                  <a:schemeClr val="tx1"/>
+                </a:solidFill>
+                <a:effectLst/>
+                <a:latin typeface="+mn-lt"/>
+                <a:ea typeface="+mn-ea"/>
+                <a:cs typeface="+mn-cs"/>
+              </a:rPr>
+              <a:t> * u ≤ </a:t>
+            </a:r>
+            <a:r>
+              <a:rPr lang="it-IT" sz="1200" b="0" i="0" kern="1200" dirty="0" err="1">
+                <a:solidFill>
+                  <a:schemeClr val="tx1"/>
+                </a:solidFill>
+                <a:effectLst/>
+                <a:latin typeface="+mn-lt"/>
+                <a:ea typeface="+mn-ea"/>
+                <a:cs typeface="+mn-cs"/>
+              </a:rPr>
+              <a:t>b_ineq</a:t>
+            </a:r>
+            <a:r>
+              <a:rPr lang="it-IT" sz="1200" b="0" i="0" kern="1200" dirty="0">
+                <a:solidFill>
+                  <a:schemeClr val="tx1"/>
+                </a:solidFill>
+                <a:effectLst/>
+                <a:latin typeface="+mn-lt"/>
+                <a:ea typeface="+mn-ea"/>
+                <a:cs typeface="+mn-cs"/>
+              </a:rPr>
+              <a:t> rappresenta tutti i vincoli sul controllo predittivo.</a:t>
+            </a:r>
+          </a:p>
+          <a:p>
+            <a:endParaRPr lang="it-IT" dirty="0"/>
+          </a:p>
+        </p:txBody>
+      </p:sp>
+      <p:sp>
+        <p:nvSpPr>
+          <p:cNvPr id="4" name="Segnaposto numero diapositiva 3"/>
+          <p:cNvSpPr>
+            <a:spLocks noGrp="1"/>
+          </p:cNvSpPr>
+          <p:nvPr>
+            <p:ph type="sldNum" sz="quarter" idx="5"/>
+          </p:nvPr>
+        </p:nvSpPr>
+        <p:spPr/>
+        <p:txBody>
+          <a:bodyPr/>
+          <a:lstStyle/>
+          <a:p>
+            <a:fld id="{B056405F-A823-461D-BCED-389D230F5E77}" type="slidenum">
+              <a:rPr lang="it-IT" smtClean="0"/>
+              <a:t>17</a:t>
+            </a:fld>
+            <a:endParaRPr lang="it-IT"/>
+          </a:p>
+        </p:txBody>
+      </p:sp>
+    </p:spTree>
+    <p:extLst>
+      <p:ext uri="{BB962C8B-B14F-4D97-AF65-F5344CB8AC3E}">
+        <p14:creationId xmlns:p14="http://schemas.microsoft.com/office/powerpoint/2010/main" val="3207129386"/>
+      </p:ext>
+    </p:extLst>
+  </p:cSld>
+  <p:clrMapOvr>
+    <a:masterClrMapping/>
+  </p:clrMapOvr>
+</p:notes>
+</file>
+
+<file path=ppt/notesSlides/notesSlide6.xml><?xml version="1.0" encoding="utf-8"?>
+<p:notes xmlns:a="http://schemas.openxmlformats.org/drawingml/2006/main" xmlns:r="http://schemas.openxmlformats.org/officeDocument/2006/relationships" xmlns:p="http://schemas.openxmlformats.org/presentationml/2006/main">
+  <p:cSld>
+    <p:spTree>
+      <p:nvGrpSpPr>
+        <p:cNvPr id="1" name=""/>
+        <p:cNvGrpSpPr/>
+        <p:nvPr/>
+      </p:nvGrpSpPr>
+      <p:grpSpPr>
+        <a:xfrm>
+          <a:off x="0" y="0"/>
+          <a:ext cx="0" cy="0"/>
+          <a:chOff x="0" y="0"/>
+          <a:chExt cx="0" cy="0"/>
+        </a:xfrm>
+      </p:grpSpPr>
+      <p:sp>
+        <p:nvSpPr>
+          <p:cNvPr id="2" name="Segnaposto immagine diapositiva 1"/>
+          <p:cNvSpPr>
+            <a:spLocks noGrp="1" noRot="1" noChangeAspect="1"/>
+          </p:cNvSpPr>
+          <p:nvPr>
+            <p:ph type="sldImg"/>
+          </p:nvPr>
+        </p:nvSpPr>
+        <p:spPr/>
+      </p:sp>
+      <p:sp>
+        <p:nvSpPr>
+          <p:cNvPr id="3" name="Segnaposto note 2"/>
+          <p:cNvSpPr>
+            <a:spLocks noGrp="1"/>
+          </p:cNvSpPr>
+          <p:nvPr>
+            <p:ph type="body" idx="1"/>
+          </p:nvPr>
+        </p:nvSpPr>
+        <p:spPr/>
+        <p:txBody>
+          <a:bodyPr/>
+          <a:lstStyle/>
+          <a:p>
+            <a:r>
+              <a:rPr lang="it-IT" sz="1200" b="0" i="0" kern="1200" dirty="0">
+                <a:solidFill>
+                  <a:schemeClr val="tx1"/>
+                </a:solidFill>
+                <a:effectLst/>
+                <a:latin typeface="+mn-lt"/>
+                <a:ea typeface="+mn-ea"/>
+                <a:cs typeface="+mn-cs"/>
+              </a:rPr>
+              <a:t>Se una delle due proiezioni è </a:t>
+            </a:r>
+            <a:r>
+              <a:rPr lang="it-IT" sz="1200" b="1" i="0" kern="1200" dirty="0">
+                <a:solidFill>
+                  <a:schemeClr val="tx1"/>
+                </a:solidFill>
+                <a:effectLst/>
+                <a:latin typeface="+mn-lt"/>
+                <a:ea typeface="+mn-ea"/>
+                <a:cs typeface="+mn-cs"/>
+              </a:rPr>
+              <a:t>più ampia</a:t>
+            </a:r>
+            <a:r>
+              <a:rPr lang="it-IT" sz="1200" b="0" i="0" kern="1200" dirty="0">
+                <a:solidFill>
+                  <a:schemeClr val="tx1"/>
+                </a:solidFill>
+                <a:effectLst/>
+                <a:latin typeface="+mn-lt"/>
+                <a:ea typeface="+mn-ea"/>
+                <a:cs typeface="+mn-cs"/>
+              </a:rPr>
+              <a:t>, significa che in quella combinazione di serbatoi il sistema ha </a:t>
+            </a:r>
+            <a:r>
+              <a:rPr lang="it-IT" sz="1200" b="1" i="0" kern="1200" dirty="0">
+                <a:solidFill>
+                  <a:schemeClr val="tx1"/>
+                </a:solidFill>
+                <a:effectLst/>
+                <a:latin typeface="+mn-lt"/>
+                <a:ea typeface="+mn-ea"/>
+                <a:cs typeface="+mn-cs"/>
+              </a:rPr>
+              <a:t>maggiore libertà di manovra</a:t>
+            </a:r>
+            <a:r>
+              <a:rPr lang="it-IT" sz="1200" b="0" i="0" kern="1200" dirty="0">
+                <a:solidFill>
+                  <a:schemeClr val="tx1"/>
+                </a:solidFill>
+                <a:effectLst/>
+                <a:latin typeface="+mn-lt"/>
+                <a:ea typeface="+mn-ea"/>
+                <a:cs typeface="+mn-cs"/>
+              </a:rPr>
+              <a:t>.</a:t>
+            </a:r>
+          </a:p>
+          <a:p>
+            <a:r>
+              <a:rPr lang="it-IT" sz="1200" b="0" i="0" kern="1200" dirty="0">
+                <a:solidFill>
+                  <a:schemeClr val="tx1"/>
+                </a:solidFill>
+                <a:effectLst/>
+                <a:latin typeface="+mn-lt"/>
+                <a:ea typeface="+mn-ea"/>
+                <a:cs typeface="+mn-cs"/>
+              </a:rPr>
+              <a:t>Se una è </a:t>
+            </a:r>
+            <a:r>
+              <a:rPr lang="it-IT" sz="1200" b="1" i="0" kern="1200" dirty="0">
+                <a:solidFill>
+                  <a:schemeClr val="tx1"/>
+                </a:solidFill>
+                <a:effectLst/>
+                <a:latin typeface="+mn-lt"/>
+                <a:ea typeface="+mn-ea"/>
+                <a:cs typeface="+mn-cs"/>
+              </a:rPr>
+              <a:t>più ristretta</a:t>
+            </a:r>
+            <a:r>
+              <a:rPr lang="it-IT" sz="1200" b="0" i="0" kern="1200" dirty="0">
+                <a:solidFill>
+                  <a:schemeClr val="tx1"/>
+                </a:solidFill>
+                <a:effectLst/>
+                <a:latin typeface="+mn-lt"/>
+                <a:ea typeface="+mn-ea"/>
+                <a:cs typeface="+mn-cs"/>
+              </a:rPr>
+              <a:t>, potrebbe essere utile analizzare se i vincoli su ingresso o stato sono più limitanti per quei serbatoi.</a:t>
+            </a:r>
+          </a:p>
+          <a:p>
+            <a:endParaRPr lang="it-IT" dirty="0"/>
+          </a:p>
+        </p:txBody>
+      </p:sp>
+      <p:sp>
+        <p:nvSpPr>
+          <p:cNvPr id="4" name="Segnaposto numero diapositiva 3"/>
+          <p:cNvSpPr>
+            <a:spLocks noGrp="1"/>
+          </p:cNvSpPr>
+          <p:nvPr>
+            <p:ph type="sldNum" sz="quarter" idx="5"/>
+          </p:nvPr>
+        </p:nvSpPr>
+        <p:spPr/>
+        <p:txBody>
+          <a:bodyPr/>
+          <a:lstStyle/>
+          <a:p>
+            <a:fld id="{B056405F-A823-461D-BCED-389D230F5E77}" type="slidenum">
+              <a:rPr lang="it-IT" smtClean="0"/>
+              <a:t>22</a:t>
+            </a:fld>
+            <a:endParaRPr lang="it-IT"/>
+          </a:p>
+        </p:txBody>
+      </p:sp>
+    </p:spTree>
+    <p:extLst>
+      <p:ext uri="{BB962C8B-B14F-4D97-AF65-F5344CB8AC3E}">
+        <p14:creationId xmlns:p14="http://schemas.microsoft.com/office/powerpoint/2010/main" val="3687905697"/>
+      </p:ext>
+    </p:extLst>
+  </p:cSld>
+  <p:clrMapOvr>
+    <a:masterClrMapping/>
+  </p:clrMapOvr>
+</p:notes>
 </file>
 
 <file path=ppt/slideLayouts/slideLayout1.xml><?xml version="1.0" encoding="utf-8"?>
@@ -7835,8 +9626,8 @@
           </a:p>
         </p:txBody>
       </p:sp>
-      <mc:AlternateContent xmlns:mc="http://schemas.openxmlformats.org/markup-compatibility/2006">
-        <mc:Choice xmlns:a14="http://schemas.microsoft.com/office/drawing/2010/main" Requires="a14">
+      <mc:AlternateContent xmlns:mc="http://schemas.openxmlformats.org/markup-compatibility/2006" xmlns:a14="http://schemas.microsoft.com/office/drawing/2010/main">
+        <mc:Choice Requires="a14">
           <p:sp>
             <p:nvSpPr>
               <p:cNvPr id="3" name="Segnaposto contenuto 2">
@@ -8182,7 +9973,7 @@
             </p:txBody>
           </p:sp>
         </mc:Choice>
-        <mc:Fallback>
+        <mc:Fallback xmlns="">
           <p:sp>
             <p:nvSpPr>
               <p:cNvPr id="3" name="Segnaposto contenuto 2">
@@ -8205,7 +9996,7 @@
                 <a:ext cx="6713552" cy="4119172"/>
               </a:xfrm>
               <a:blipFill>
-                <a:blip r:embed="rId2"/>
+                <a:blip r:embed="rId3"/>
                 <a:stretch>
                   <a:fillRect l="-272" t="-296" r="-272"/>
                 </a:stretch>
@@ -8241,7 +10032,7 @@
           <p:nvPr/>
         </p:nvPicPr>
         <p:blipFill>
-          <a:blip r:embed="rId3"/>
+          <a:blip r:embed="rId4"/>
           <a:srcRect r="2141" b="-5"/>
           <a:stretch>
             <a:fillRect/>
@@ -8773,8 +10564,8 @@
           </a:p>
         </p:txBody>
       </p:sp>
-      <mc:AlternateContent xmlns:mc="http://schemas.openxmlformats.org/markup-compatibility/2006">
-        <mc:Choice xmlns:a14="http://schemas.microsoft.com/office/drawing/2010/main" Requires="a14">
+      <mc:AlternateContent xmlns:mc="http://schemas.openxmlformats.org/markup-compatibility/2006" xmlns:a14="http://schemas.microsoft.com/office/drawing/2010/main">
+        <mc:Choice Requires="a14">
           <p:sp>
             <p:nvSpPr>
               <p:cNvPr id="3" name="Segnaposto contenuto 2">
@@ -8834,18 +10625,24 @@
                     <m:sSub>
                       <m:sSubPr>
                         <m:ctrlPr>
-                          <a:rPr lang="it-IT" sz="1600" i="1" dirty="0" smtClean="0"/>
+                          <a:rPr lang="it-IT" sz="1600" i="1" dirty="0" smtClean="0">
+                            <a:latin typeface="Cambria Math" panose="02040503050406030204" pitchFamily="18" charset="0"/>
+                          </a:rPr>
                         </m:ctrlPr>
                       </m:sSubPr>
                       <m:e>
                         <m:r>
-                          <a:rPr lang="it-IT" sz="1600" b="0" i="1" dirty="0" smtClean="0"/>
+                          <a:rPr lang="it-IT" sz="1600" b="0" i="1" dirty="0" smtClean="0">
+                            <a:latin typeface="Cambria Math" panose="02040503050406030204" pitchFamily="18" charset="0"/>
+                          </a:rPr>
                           <m:t>h</m:t>
                         </m:r>
                       </m:e>
                       <m:sub>
                         <m:r>
-                          <a:rPr lang="it-IT" sz="1600" b="0" i="1" dirty="0" smtClean="0"/>
+                          <a:rPr lang="it-IT" sz="1600" b="0" i="1" dirty="0" smtClean="0">
+                            <a:latin typeface="Cambria Math" panose="02040503050406030204" pitchFamily="18" charset="0"/>
+                          </a:rPr>
                           <m:t>1</m:t>
                         </m:r>
                       </m:sub>
@@ -8861,18 +10658,24 @@
                     <m:sSub>
                       <m:sSubPr>
                         <m:ctrlPr>
-                          <a:rPr lang="it-IT" sz="1600" i="1" dirty="0"/>
+                          <a:rPr lang="it-IT" sz="1600" i="1" dirty="0">
+                            <a:latin typeface="Cambria Math" panose="02040503050406030204" pitchFamily="18" charset="0"/>
+                          </a:rPr>
                         </m:ctrlPr>
                       </m:sSubPr>
                       <m:e>
                         <m:r>
-                          <a:rPr lang="it-IT" sz="1600" i="1" dirty="0"/>
+                          <a:rPr lang="it-IT" sz="1600" i="1" dirty="0">
+                            <a:latin typeface="Cambria Math" panose="02040503050406030204" pitchFamily="18" charset="0"/>
+                          </a:rPr>
                           <m:t>h</m:t>
                         </m:r>
                       </m:e>
                       <m:sub>
                         <m:r>
-                          <a:rPr lang="it-IT" sz="1600" b="0" i="1" dirty="0" smtClean="0"/>
+                          <a:rPr lang="it-IT" sz="1600" b="0" i="1" dirty="0" smtClean="0">
+                            <a:latin typeface="Cambria Math" panose="02040503050406030204" pitchFamily="18" charset="0"/>
+                          </a:rPr>
                           <m:t>3</m:t>
                         </m:r>
                       </m:sub>
@@ -8888,18 +10691,24 @@
                     <m:sSub>
                       <m:sSubPr>
                         <m:ctrlPr>
-                          <a:rPr lang="it-IT" sz="1600" i="1" dirty="0"/>
+                          <a:rPr lang="it-IT" sz="1600" i="1" dirty="0">
+                            <a:latin typeface="Cambria Math" panose="02040503050406030204" pitchFamily="18" charset="0"/>
+                          </a:rPr>
                         </m:ctrlPr>
                       </m:sSubPr>
                       <m:e>
                         <m:r>
-                          <a:rPr lang="it-IT" sz="1600" i="1" dirty="0"/>
+                          <a:rPr lang="it-IT" sz="1600" i="1" dirty="0">
+                            <a:latin typeface="Cambria Math" panose="02040503050406030204" pitchFamily="18" charset="0"/>
+                          </a:rPr>
                           <m:t>h</m:t>
                         </m:r>
                       </m:e>
                       <m:sub>
                         <m:r>
-                          <a:rPr lang="it-IT" sz="1600" b="0" i="1" dirty="0" smtClean="0"/>
+                          <a:rPr lang="it-IT" sz="1600" b="0" i="1" dirty="0" smtClean="0">
+                            <a:latin typeface="Cambria Math" panose="02040503050406030204" pitchFamily="18" charset="0"/>
+                          </a:rPr>
                           <m:t>2</m:t>
                         </m:r>
                       </m:sub>
@@ -8915,18 +10724,24 @@
                     <m:sSub>
                       <m:sSubPr>
                         <m:ctrlPr>
-                          <a:rPr lang="it-IT" sz="1600" i="1" dirty="0"/>
+                          <a:rPr lang="it-IT" sz="1600" i="1" dirty="0">
+                            <a:latin typeface="Cambria Math" panose="02040503050406030204" pitchFamily="18" charset="0"/>
+                          </a:rPr>
                         </m:ctrlPr>
                       </m:sSubPr>
                       <m:e>
                         <m:r>
-                          <a:rPr lang="it-IT" sz="1600" i="1" dirty="0"/>
+                          <a:rPr lang="it-IT" sz="1600" i="1" dirty="0">
+                            <a:latin typeface="Cambria Math" panose="02040503050406030204" pitchFamily="18" charset="0"/>
+                          </a:rPr>
                           <m:t>h</m:t>
                         </m:r>
                       </m:e>
                       <m:sub>
                         <m:r>
-                          <a:rPr lang="it-IT" sz="1600" b="0" i="1" dirty="0" smtClean="0"/>
+                          <a:rPr lang="it-IT" sz="1600" b="0" i="1" dirty="0" smtClean="0">
+                            <a:latin typeface="Cambria Math" panose="02040503050406030204" pitchFamily="18" charset="0"/>
+                          </a:rPr>
                           <m:t>4</m:t>
                         </m:r>
                       </m:sub>
@@ -8972,24 +10787,32 @@
                 <a14:m>
                   <m:oMath xmlns:m="http://schemas.openxmlformats.org/officeDocument/2006/math">
                     <m:r>
-                      <a:rPr lang="it-IT" sz="1600" b="0" i="0" dirty="0" smtClean="0"/>
+                      <a:rPr lang="it-IT" sz="1600" b="0" i="0" dirty="0" smtClean="0">
+                        <a:latin typeface="Cambria Math" panose="02040503050406030204" pitchFamily="18" charset="0"/>
+                      </a:rPr>
                       <m:t>(</m:t>
                     </m:r>
                     <m:sSub>
                       <m:sSubPr>
                         <m:ctrlPr>
-                          <a:rPr lang="it-IT" sz="1600" i="1" dirty="0"/>
+                          <a:rPr lang="it-IT" sz="1600" i="1" dirty="0">
+                            <a:latin typeface="Cambria Math" panose="02040503050406030204" pitchFamily="18" charset="0"/>
+                          </a:rPr>
                         </m:ctrlPr>
                       </m:sSubPr>
                       <m:e>
                         <m:r>
-                          <a:rPr lang="it-IT" sz="1600" i="1" dirty="0"/>
+                          <a:rPr lang="it-IT" sz="1600" i="1" dirty="0">
+                            <a:latin typeface="Cambria Math" panose="02040503050406030204" pitchFamily="18" charset="0"/>
+                          </a:rPr>
                           <m:t>h</m:t>
                         </m:r>
                       </m:e>
                       <m:sub>
                         <m:r>
-                          <a:rPr lang="it-IT" sz="1600" i="1" dirty="0"/>
+                          <a:rPr lang="it-IT" sz="1600" i="1" dirty="0">
+                            <a:latin typeface="Cambria Math" panose="02040503050406030204" pitchFamily="18" charset="0"/>
+                          </a:rPr>
                           <m:t>1</m:t>
                         </m:r>
                       </m:sub>
@@ -9005,18 +10828,24 @@
                     <m:sSub>
                       <m:sSubPr>
                         <m:ctrlPr>
-                          <a:rPr lang="it-IT" sz="1600" i="1" dirty="0" smtClean="0"/>
+                          <a:rPr lang="it-IT" sz="1600" i="1" dirty="0" smtClean="0">
+                            <a:latin typeface="Cambria Math" panose="02040503050406030204" pitchFamily="18" charset="0"/>
+                          </a:rPr>
                         </m:ctrlPr>
                       </m:sSubPr>
                       <m:e>
                         <m:r>
-                          <a:rPr lang="it-IT" sz="1600" i="1" dirty="0"/>
+                          <a:rPr lang="it-IT" sz="1600" i="1" dirty="0">
+                            <a:latin typeface="Cambria Math" panose="02040503050406030204" pitchFamily="18" charset="0"/>
+                          </a:rPr>
                           <m:t>h</m:t>
                         </m:r>
                       </m:e>
                       <m:sub>
                         <m:r>
-                          <a:rPr lang="it-IT" sz="1600" b="0" i="1" dirty="0" smtClean="0"/>
+                          <a:rPr lang="it-IT" sz="1600" b="0" i="1" dirty="0" smtClean="0">
+                            <a:latin typeface="Cambria Math" panose="02040503050406030204" pitchFamily="18" charset="0"/>
+                          </a:rPr>
                           <m:t>2</m:t>
                         </m:r>
                       </m:sub>
@@ -9031,7 +10860,7 @@
             </p:txBody>
           </p:sp>
         </mc:Choice>
-        <mc:Fallback>
+        <mc:Fallback xmlns="">
           <p:sp>
             <p:nvSpPr>
               <p:cNvPr id="3" name="Segnaposto contenuto 2">
@@ -9054,7 +10883,7 @@
                 <a:ext cx="8263402" cy="2176272"/>
               </a:xfrm>
               <a:blipFill>
-                <a:blip r:embed="rId2"/>
+                <a:blip r:embed="rId3"/>
                 <a:stretch>
                   <a:fillRect l="-369" t="-840" r="-369"/>
                 </a:stretch>
@@ -9090,7 +10919,7 @@
           <p:nvPr/>
         </p:nvPicPr>
         <p:blipFill>
-          <a:blip r:embed="rId3">
+          <a:blip r:embed="rId4">
             <a:extLst>
               <a:ext uri="{28A0092B-C50C-407E-A947-70E740481C1C}">
                 <a14:useLocalDpi xmlns:a14="http://schemas.microsoft.com/office/drawing/2010/main" val="0"/>
@@ -9125,7 +10954,7 @@
           <p:nvPr/>
         </p:nvPicPr>
         <p:blipFill>
-          <a:blip r:embed="rId4">
+          <a:blip r:embed="rId5">
             <a:extLst>
               <a:ext uri="{28A0092B-C50C-407E-A947-70E740481C1C}">
                 <a14:useLocalDpi xmlns:a14="http://schemas.microsoft.com/office/drawing/2010/main" val="0"/>
@@ -9185,8 +11014,8 @@
           </a:p>
         </p:txBody>
       </p:sp>
-      <mc:AlternateContent xmlns:mc="http://schemas.openxmlformats.org/markup-compatibility/2006">
-        <mc:Choice xmlns:a14="http://schemas.microsoft.com/office/drawing/2010/main" Requires="a14">
+      <mc:AlternateContent xmlns:mc="http://schemas.openxmlformats.org/markup-compatibility/2006" xmlns:a14="http://schemas.microsoft.com/office/drawing/2010/main">
+        <mc:Choice Requires="a14">
           <p:sp>
             <p:nvSpPr>
               <p:cNvPr id="7" name="Segnaposto contenuto 2">
@@ -9517,7 +11346,7 @@
             </p:txBody>
           </p:sp>
         </mc:Choice>
-        <mc:Fallback>
+        <mc:Fallback xmlns="">
           <p:sp>
             <p:nvSpPr>
               <p:cNvPr id="7" name="Segnaposto contenuto 2">
@@ -9541,7 +11370,7 @@
                 <a:avLst/>
               </a:prstGeom>
               <a:blipFill>
-                <a:blip r:embed="rId5"/>
+                <a:blip r:embed="rId6"/>
                 <a:stretch>
                   <a:fillRect l="-295" t="-1310"/>
                 </a:stretch>
@@ -10361,8 +12190,8 @@
           </a:p>
         </p:txBody>
       </p:sp>
-      <mc:AlternateContent xmlns:mc="http://schemas.openxmlformats.org/markup-compatibility/2006">
-        <mc:Choice xmlns:a14="http://schemas.microsoft.com/office/drawing/2010/main" Requires="a14">
+      <mc:AlternateContent xmlns:mc="http://schemas.openxmlformats.org/markup-compatibility/2006" xmlns:a14="http://schemas.microsoft.com/office/drawing/2010/main">
+        <mc:Choice Requires="a14">
           <p:sp>
             <p:nvSpPr>
               <p:cNvPr id="7" name="Rectangle 1">
@@ -10865,7 +12694,7 @@
             </p:txBody>
           </p:sp>
         </mc:Choice>
-        <mc:Fallback>
+        <mc:Fallback xmlns="">
           <p:sp>
             <p:nvSpPr>
               <p:cNvPr id="7" name="Rectangle 1">
@@ -10891,7 +12720,7 @@
                 <a:avLst/>
               </a:prstGeom>
               <a:blipFill>
-                <a:blip r:embed="rId2"/>
+                <a:blip r:embed="rId3"/>
                 <a:stretch>
                   <a:fillRect l="-363" t="-740" r="-363"/>
                 </a:stretch>
@@ -10955,7 +12784,7 @@
           <p:nvPr/>
         </p:nvPicPr>
         <p:blipFill>
-          <a:blip r:embed="rId3"/>
+          <a:blip r:embed="rId4"/>
           <a:srcRect r="24239" b="2"/>
           <a:stretch>
             <a:fillRect/>
@@ -11487,8 +13316,8 @@
           </a:p>
         </p:txBody>
       </p:sp>
-      <mc:AlternateContent xmlns:mc="http://schemas.openxmlformats.org/markup-compatibility/2006">
-        <mc:Choice xmlns:a14="http://schemas.microsoft.com/office/drawing/2010/main" Requires="a14">
+      <mc:AlternateContent xmlns:mc="http://schemas.openxmlformats.org/markup-compatibility/2006" xmlns:a14="http://schemas.microsoft.com/office/drawing/2010/main">
+        <mc:Choice Requires="a14">
           <p:sp>
             <p:nvSpPr>
               <p:cNvPr id="3" name="Segnaposto contenuto 2">
@@ -11747,7 +13576,7 @@
             </p:txBody>
           </p:sp>
         </mc:Choice>
-        <mc:Fallback>
+        <mc:Fallback xmlns="">
           <p:sp>
             <p:nvSpPr>
               <p:cNvPr id="3" name="Segnaposto contenuto 2">
@@ -12334,7 +14163,7 @@
         <p:spPr>
           <a:xfrm>
             <a:off x="630935" y="2660904"/>
-            <a:ext cx="5198841" cy="3547872"/>
+            <a:ext cx="5465065" cy="3547872"/>
           </a:xfrm>
         </p:spPr>
         <p:txBody>
@@ -12344,6 +14173,9 @@
           <a:lstStyle/>
           <a:p>
             <a:pPr marL="0" lvl="0" indent="0" algn="just" eaLnBrk="0" fontAlgn="base" hangingPunct="0">
+              <a:lnSpc>
+                <a:spcPct val="100000"/>
+              </a:lnSpc>
               <a:spcBef>
                 <a:spcPct val="0"/>
               </a:spcBef>
@@ -12353,20 +14185,23 @@
               <a:buNone/>
             </a:pPr>
             <a:r>
-              <a:rPr lang="it-IT" altLang="it-IT" sz="1200" dirty="0"/>
+              <a:rPr lang="it-IT" altLang="it-IT" sz="1400" dirty="0"/>
               <a:t>Si parte definendo le dimensioni del sistema: quanti sono gli stati, gli ingressi e i vincoli terminali. Viene poi calcolata la matrice del costo terminale tramite la soluzione dell’equazione di </a:t>
             </a:r>
             <a:r>
-              <a:rPr lang="it-IT" altLang="it-IT" sz="1200" dirty="0" err="1"/>
+              <a:rPr lang="it-IT" altLang="it-IT" sz="1400" dirty="0" err="1"/>
               <a:t>Riccati</a:t>
             </a:r>
             <a:r>
-              <a:rPr lang="it-IT" altLang="it-IT" sz="1200" dirty="0"/>
+              <a:rPr lang="it-IT" altLang="it-IT" sz="1400" dirty="0"/>
               <a:t> (LQR discreto).</a:t>
             </a:r>
           </a:p>
           <a:p>
             <a:pPr marL="0" lvl="0" indent="0" algn="just" eaLnBrk="0" fontAlgn="base" hangingPunct="0">
+              <a:lnSpc>
+                <a:spcPct val="100000"/>
+              </a:lnSpc>
               <a:spcBef>
                 <a:spcPct val="0"/>
               </a:spcBef>
@@ -12376,20 +14211,23 @@
               <a:buNone/>
             </a:pPr>
             <a:r>
-              <a:rPr lang="it-IT" altLang="it-IT" sz="1200" dirty="0"/>
+              <a:rPr lang="it-IT" altLang="it-IT" sz="1400" dirty="0"/>
               <a:t>Si richiama poi una funzione esterna (</a:t>
             </a:r>
             <a:r>
-              <a:rPr lang="it-IT" altLang="it-IT" sz="1200" i="1" dirty="0"/>
+              <a:rPr lang="it-IT" altLang="it-IT" sz="1400" i="1" dirty="0"/>
               <a:t>Calligrafica</a:t>
             </a:r>
             <a:r>
-              <a:rPr lang="it-IT" altLang="it-IT" sz="1200" dirty="0"/>
+              <a:rPr lang="it-IT" altLang="it-IT" sz="1400" dirty="0"/>
               <a:t>) che costruisce le matrici estese della dinamica del sistema su un orizzonte predittivo, includendo anche il contributo dei pesi di costo.</a:t>
             </a:r>
           </a:p>
           <a:p>
             <a:pPr marL="0" lvl="0" indent="0" algn="just" eaLnBrk="0" fontAlgn="base" hangingPunct="0">
+              <a:lnSpc>
+                <a:spcPct val="100000"/>
+              </a:lnSpc>
               <a:spcBef>
                 <a:spcPct val="0"/>
               </a:spcBef>
@@ -12399,12 +14237,15 @@
               <a:buNone/>
             </a:pPr>
             <a:r>
-              <a:rPr lang="it-IT" altLang="it-IT" sz="1200" dirty="0"/>
+              <a:rPr lang="it-IT" altLang="it-IT" sz="1400" dirty="0"/>
               <a:t>Con queste matrici viene definita la funzione costo quadratica dell’MPC, composta da una parte quadratica (la matrice hessiana) e una parte lineare (dipendente dallo stato iniziale e dal riferimento).</a:t>
             </a:r>
           </a:p>
           <a:p>
             <a:pPr marL="0" lvl="0" indent="0" algn="just" eaLnBrk="0" fontAlgn="base" hangingPunct="0">
+              <a:lnSpc>
+                <a:spcPct val="100000"/>
+              </a:lnSpc>
               <a:spcBef>
                 <a:spcPct val="0"/>
               </a:spcBef>
@@ -12414,15 +14255,15 @@
               <a:buNone/>
             </a:pPr>
             <a:r>
-              <a:rPr lang="it-IT" altLang="it-IT" sz="1200" dirty="0"/>
+              <a:rPr lang="it-IT" altLang="it-IT" sz="1400" dirty="0"/>
               <a:t>Vengono poi costruiti i vincoli di disuguaglianza su stato, ingresso e stato finale lungo l’orizzonte temporale, tutti impacchettati in matrici unificate. Infine, tutte queste informazion vengono salvate in una struttura </a:t>
             </a:r>
             <a:r>
-              <a:rPr lang="it-IT" altLang="it-IT" sz="1200" dirty="0" err="1"/>
+              <a:rPr lang="it-IT" altLang="it-IT" sz="1400" dirty="0" err="1"/>
               <a:t>mpc</a:t>
             </a:r>
             <a:r>
-              <a:rPr lang="it-IT" altLang="it-IT" sz="1200" dirty="0"/>
+              <a:rPr lang="it-IT" altLang="it-IT" sz="1400" dirty="0"/>
               <a:t> che verrà usata per calcolare gli ingressi ottimali ad ogni istante.</a:t>
             </a:r>
           </a:p>
@@ -12443,7 +14284,7 @@
           <p:nvPr/>
         </p:nvPicPr>
         <p:blipFill>
-          <a:blip r:embed="rId2"/>
+          <a:blip r:embed="rId3"/>
           <a:stretch>
             <a:fillRect/>
           </a:stretch>
@@ -12974,8 +14815,8 @@
           </a:p>
         </p:txBody>
       </p:sp>
-      <mc:AlternateContent xmlns:mc="http://schemas.openxmlformats.org/markup-compatibility/2006">
-        <mc:Choice xmlns:a14="http://schemas.microsoft.com/office/drawing/2010/main" Requires="a14">
+      <mc:AlternateContent xmlns:mc="http://schemas.openxmlformats.org/markup-compatibility/2006" xmlns:a14="http://schemas.microsoft.com/office/drawing/2010/main">
+        <mc:Choice Requires="a14">
           <p:sp>
             <p:nvSpPr>
               <p:cNvPr id="3" name="Segnaposto contenuto 2">
@@ -13055,18 +14896,24 @@
                     <m:sSub>
                       <m:sSubPr>
                         <m:ctrlPr>
-                          <a:rPr lang="it-IT" sz="2000" i="1" dirty="0"/>
+                          <a:rPr lang="it-IT" sz="2000" i="1" dirty="0">
+                            <a:latin typeface="Cambria Math" panose="02040503050406030204" pitchFamily="18" charset="0"/>
+                          </a:rPr>
                         </m:ctrlPr>
                       </m:sSubPr>
                       <m:e>
                         <m:r>
-                          <a:rPr lang="it-IT" sz="2000" i="1" dirty="0"/>
+                          <a:rPr lang="it-IT" sz="2000" i="1" dirty="0">
+                            <a:latin typeface="Cambria Math" panose="02040503050406030204" pitchFamily="18" charset="0"/>
+                          </a:rPr>
                           <m:t>h</m:t>
                         </m:r>
                       </m:e>
                       <m:sub>
                         <m:r>
-                          <a:rPr lang="it-IT" sz="2000" i="1" dirty="0"/>
+                          <a:rPr lang="it-IT" sz="2000" i="1" dirty="0">
+                            <a:latin typeface="Cambria Math" panose="02040503050406030204" pitchFamily="18" charset="0"/>
+                          </a:rPr>
                           <m:t>2</m:t>
                         </m:r>
                       </m:sub>
@@ -13082,18 +14929,24 @@
                     <m:sSub>
                       <m:sSubPr>
                         <m:ctrlPr>
-                          <a:rPr lang="it-IT" sz="2000" i="1" dirty="0"/>
+                          <a:rPr lang="it-IT" sz="2000" i="1" dirty="0">
+                            <a:latin typeface="Cambria Math" panose="02040503050406030204" pitchFamily="18" charset="0"/>
+                          </a:rPr>
                         </m:ctrlPr>
                       </m:sSubPr>
                       <m:e>
                         <m:r>
-                          <a:rPr lang="it-IT" sz="2000" i="1" dirty="0"/>
+                          <a:rPr lang="it-IT" sz="2000" i="1" dirty="0">
+                            <a:latin typeface="Cambria Math" panose="02040503050406030204" pitchFamily="18" charset="0"/>
+                          </a:rPr>
                           <m:t>h</m:t>
                         </m:r>
                       </m:e>
                       <m:sub>
                         <m:r>
-                          <a:rPr lang="it-IT" sz="2000" i="1" dirty="0"/>
+                          <a:rPr lang="it-IT" sz="2000" i="1" dirty="0">
+                            <a:latin typeface="Cambria Math" panose="02040503050406030204" pitchFamily="18" charset="0"/>
+                          </a:rPr>
                           <m:t>4</m:t>
                         </m:r>
                       </m:sub>
@@ -13132,7 +14985,7 @@
             </p:txBody>
           </p:sp>
         </mc:Choice>
-        <mc:Fallback>
+        <mc:Fallback xmlns="">
           <p:sp>
             <p:nvSpPr>
               <p:cNvPr id="3" name="Segnaposto contenuto 2">
@@ -16322,8 +18175,8 @@
           </a:p>
         </p:txBody>
       </p:sp>
-      <mc:AlternateContent xmlns:mc="http://schemas.openxmlformats.org/markup-compatibility/2006">
-        <mc:Choice xmlns:a14="http://schemas.microsoft.com/office/drawing/2010/main" Requires="a14">
+      <mc:AlternateContent xmlns:mc="http://schemas.openxmlformats.org/markup-compatibility/2006" xmlns:a14="http://schemas.microsoft.com/office/drawing/2010/main">
+        <mc:Choice Requires="a14">
           <p:sp>
             <p:nvSpPr>
               <p:cNvPr id="3" name="Segnaposto contenuto 2">
@@ -16550,7 +18403,7 @@
             </p:txBody>
           </p:sp>
         </mc:Choice>
-        <mc:Fallback>
+        <mc:Fallback xmlns="">
           <p:sp>
             <p:nvSpPr>
               <p:cNvPr id="3" name="Segnaposto contenuto 2">
@@ -16573,7 +18426,7 @@
                 <a:ext cx="7812885" cy="3483864"/>
               </a:xfrm>
               <a:blipFill>
-                <a:blip r:embed="rId2"/>
+                <a:blip r:embed="rId3"/>
                 <a:stretch>
                   <a:fillRect l="-390" t="-1224" r="-390"/>
                 </a:stretch>
@@ -16609,7 +18462,7 @@
           <p:nvPr/>
         </p:nvPicPr>
         <p:blipFill>
-          <a:blip r:embed="rId3">
+          <a:blip r:embed="rId4">
             <a:extLst>
               <a:ext uri="{28A0092B-C50C-407E-A947-70E740481C1C}">
                 <a14:useLocalDpi xmlns:a14="http://schemas.microsoft.com/office/drawing/2010/main" val="0"/>
@@ -16644,7 +18497,7 @@
           <p:nvPr/>
         </p:nvPicPr>
         <p:blipFill>
-          <a:blip r:embed="rId4">
+          <a:blip r:embed="rId5">
             <a:extLst>
               <a:ext uri="{28A0092B-C50C-407E-A947-70E740481C1C}">
                 <a14:useLocalDpi xmlns:a14="http://schemas.microsoft.com/office/drawing/2010/main" val="0"/>
@@ -16960,6 +18813,268 @@
         <p:cNvPr id="1" name="">
           <a:extLst>
             <a:ext uri="{FF2B5EF4-FFF2-40B4-BE49-F238E27FC236}">
+              <a16:creationId xmlns:a16="http://schemas.microsoft.com/office/drawing/2014/main" id="{62BF5379-CC7D-2F7F-95FD-A4F557C67ADC}"/>
+            </a:ext>
+          </a:extLst>
+        </p:cNvPr>
+        <p:cNvGrpSpPr/>
+        <p:nvPr/>
+      </p:nvGrpSpPr>
+      <p:grpSpPr>
+        <a:xfrm>
+          <a:off x="0" y="0"/>
+          <a:ext cx="0" cy="0"/>
+          <a:chOff x="0" y="0"/>
+          <a:chExt cx="0" cy="0"/>
+        </a:xfrm>
+      </p:grpSpPr>
+      <p:sp>
+        <p:nvSpPr>
+          <p:cNvPr id="2" name="Titolo 1">
+            <a:extLst>
+              <a:ext uri="{FF2B5EF4-FFF2-40B4-BE49-F238E27FC236}">
+                <a16:creationId xmlns:a16="http://schemas.microsoft.com/office/drawing/2014/main" id="{C4A3C7FC-B72D-E9F2-6D3A-F7EB30E8679D}"/>
+              </a:ext>
+            </a:extLst>
+          </p:cNvPr>
+          <p:cNvSpPr>
+            <a:spLocks noGrp="1"/>
+          </p:cNvSpPr>
+          <p:nvPr>
+            <p:ph type="title"/>
+          </p:nvPr>
+        </p:nvSpPr>
+        <p:spPr>
+          <a:xfrm>
+            <a:off x="612649" y="183248"/>
+            <a:ext cx="11354938" cy="760895"/>
+          </a:xfrm>
+        </p:spPr>
+        <p:txBody>
+          <a:bodyPr anchor="b">
+            <a:normAutofit/>
+          </a:bodyPr>
+          <a:lstStyle/>
+          <a:p>
+            <a:r>
+              <a:rPr lang="it-IT" sz="3200" dirty="0"/>
+              <a:t>MPC con vincolo terminale di </a:t>
+            </a:r>
+            <a:r>
+              <a:rPr lang="it-IT" sz="3200" dirty="0" err="1"/>
+              <a:t>disugualizanza</a:t>
+            </a:r>
+            <a:r>
+              <a:rPr lang="it-IT" sz="3200" dirty="0"/>
+              <a:t> - Conclusione</a:t>
+            </a:r>
+          </a:p>
+        </p:txBody>
+      </p:sp>
+      <p:sp>
+        <p:nvSpPr>
+          <p:cNvPr id="3" name="Segnaposto contenuto 2">
+            <a:extLst>
+              <a:ext uri="{FF2B5EF4-FFF2-40B4-BE49-F238E27FC236}">
+                <a16:creationId xmlns:a16="http://schemas.microsoft.com/office/drawing/2014/main" id="{1CE15340-31BB-80BE-E935-CC8EE0CA0F75}"/>
+              </a:ext>
+            </a:extLst>
+          </p:cNvPr>
+          <p:cNvSpPr>
+            <a:spLocks noGrp="1"/>
+          </p:cNvSpPr>
+          <p:nvPr>
+            <p:ph idx="1"/>
+          </p:nvPr>
+        </p:nvSpPr>
+        <p:spPr>
+          <a:xfrm>
+            <a:off x="612649" y="1013082"/>
+            <a:ext cx="10983149" cy="2664384"/>
+          </a:xfrm>
+        </p:spPr>
+        <p:txBody>
+          <a:bodyPr>
+            <a:normAutofit/>
+          </a:bodyPr>
+          <a:lstStyle/>
+          <a:p>
+            <a:pPr marL="0" indent="0" algn="just">
+              <a:lnSpc>
+                <a:spcPct val="100000"/>
+              </a:lnSpc>
+              <a:buNone/>
+            </a:pPr>
+            <a:r>
+              <a:rPr lang="it-IT" sz="1600" dirty="0"/>
+              <a:t>Il controllore MPC implementato ha dimostrato di raggiungere l’obiettivo desiderato in tempi inferiori rispetto all’applicazione delle sole tensioni di equilibrio, grazie alla sua capacità di ottimizzare dinamicamente la traiettoria di controllo tenendo conto dello stato attuale del sistema e dei vincoli imposti.</a:t>
+            </a:r>
+          </a:p>
+          <a:p>
+            <a:pPr marL="0" indent="0" algn="just">
+              <a:lnSpc>
+                <a:spcPct val="100000"/>
+              </a:lnSpc>
+              <a:buNone/>
+            </a:pPr>
+            <a:r>
+              <a:rPr lang="it-IT" sz="1600" dirty="0"/>
+              <a:t>Tuttavia, la presenza di saturazione nell’azione di controllo limita le prestazioni del controllore, che probabilmente potrebbe raggiungere il riferimento in tempi ancora più brevi in assenza di tale vincolo.</a:t>
+            </a:r>
+          </a:p>
+          <a:p>
+            <a:pPr marL="0" indent="0" algn="just">
+              <a:lnSpc>
+                <a:spcPct val="100000"/>
+              </a:lnSpc>
+              <a:buNone/>
+            </a:pPr>
+            <a:r>
+              <a:rPr lang="it-IT" sz="1600" dirty="0"/>
+              <a:t>Una possibile causa della saturazione osservata è l’utilizzo di un tempo di campionamento relativamente elevato (nel nostro caso </a:t>
+            </a:r>
+            <a:r>
+              <a:rPr lang="it-IT" sz="1600" dirty="0" err="1"/>
+              <a:t>Ts</a:t>
+            </a:r>
+            <a:r>
+              <a:rPr lang="it-IT" sz="1600" dirty="0"/>
+              <a:t>=15), che costringe il controllore a generare azioni più aggressive per compensare la bassa frequenza di aggiornamento. Tuttavia, una riduzione del tempo di campionamento comporterebbe un aumento significativo del numero di vincoli nel problema di ottimizzazione, con conseguente incremento del tempo di calcolo richiesto.</a:t>
+            </a:r>
+          </a:p>
+        </p:txBody>
+      </p:sp>
+      <p:sp>
+        <p:nvSpPr>
+          <p:cNvPr id="4" name="Segnaposto piè di pagina 3">
+            <a:extLst>
+              <a:ext uri="{FF2B5EF4-FFF2-40B4-BE49-F238E27FC236}">
+                <a16:creationId xmlns:a16="http://schemas.microsoft.com/office/drawing/2014/main" id="{D53ED8FC-8937-3A3C-9FDE-F30E571EB163}"/>
+              </a:ext>
+            </a:extLst>
+          </p:cNvPr>
+          <p:cNvSpPr>
+            <a:spLocks noGrp="1"/>
+          </p:cNvSpPr>
+          <p:nvPr>
+            <p:ph type="ftr" sz="quarter" idx="11"/>
+          </p:nvPr>
+        </p:nvSpPr>
+        <p:spPr>
+          <a:xfrm>
+            <a:off x="4038600" y="6356350"/>
+            <a:ext cx="4114800" cy="365125"/>
+          </a:xfrm>
+        </p:spPr>
+        <p:txBody>
+          <a:bodyPr>
+            <a:normAutofit/>
+          </a:bodyPr>
+          <a:lstStyle/>
+          <a:p>
+            <a:pPr>
+              <a:spcAft>
+                <a:spcPts val="600"/>
+              </a:spcAft>
+            </a:pPr>
+            <a:r>
+              <a:rPr lang="it-IT"/>
+              <a:t>Davide Brambilla [1080752], Giorgio Passarella[1079287]</a:t>
+            </a:r>
+          </a:p>
+        </p:txBody>
+      </p:sp>
+      <p:pic>
+        <p:nvPicPr>
+          <p:cNvPr id="7" name="Immagine 6">
+            <a:extLst>
+              <a:ext uri="{FF2B5EF4-FFF2-40B4-BE49-F238E27FC236}">
+                <a16:creationId xmlns:a16="http://schemas.microsoft.com/office/drawing/2014/main" id="{9CD1B0E1-C6CF-7136-B964-B9156B82F659}"/>
+              </a:ext>
+            </a:extLst>
+          </p:cNvPr>
+          <p:cNvPicPr>
+            <a:picLocks noChangeAspect="1"/>
+          </p:cNvPicPr>
+          <p:nvPr/>
+        </p:nvPicPr>
+        <p:blipFill>
+          <a:blip r:embed="rId2">
+            <a:extLst>
+              <a:ext uri="{28A0092B-C50C-407E-A947-70E740481C1C}">
+                <a14:useLocalDpi xmlns:a14="http://schemas.microsoft.com/office/drawing/2010/main" val="0"/>
+              </a:ext>
+            </a:extLst>
+          </a:blip>
+          <a:srcRect/>
+          <a:stretch/>
+        </p:blipFill>
+        <p:spPr>
+          <a:xfrm>
+            <a:off x="6574338" y="3684716"/>
+            <a:ext cx="5021460" cy="2664384"/>
+          </a:xfrm>
+          <a:prstGeom prst="rect">
+            <a:avLst/>
+          </a:prstGeom>
+        </p:spPr>
+      </p:pic>
+      <p:pic>
+        <p:nvPicPr>
+          <p:cNvPr id="5" name="Immagine 4">
+            <a:extLst>
+              <a:ext uri="{FF2B5EF4-FFF2-40B4-BE49-F238E27FC236}">
+                <a16:creationId xmlns:a16="http://schemas.microsoft.com/office/drawing/2014/main" id="{25F937B4-B8DB-32DD-0938-DDE47E36FD8D}"/>
+              </a:ext>
+            </a:extLst>
+          </p:cNvPr>
+          <p:cNvPicPr>
+            <a:picLocks noChangeAspect="1"/>
+          </p:cNvPicPr>
+          <p:nvPr/>
+        </p:nvPicPr>
+        <p:blipFill>
+          <a:blip r:embed="rId3">
+            <a:extLst>
+              <a:ext uri="{28A0092B-C50C-407E-A947-70E740481C1C}">
+                <a14:useLocalDpi xmlns:a14="http://schemas.microsoft.com/office/drawing/2010/main" val="0"/>
+              </a:ext>
+            </a:extLst>
+          </a:blip>
+          <a:srcRect/>
+          <a:stretch/>
+        </p:blipFill>
+        <p:spPr>
+          <a:xfrm>
+            <a:off x="533983" y="3684716"/>
+            <a:ext cx="4928709" cy="1191129"/>
+          </a:xfrm>
+          <a:prstGeom prst="rect">
+            <a:avLst/>
+          </a:prstGeom>
+        </p:spPr>
+      </p:pic>
+    </p:spTree>
+    <p:extLst>
+      <p:ext uri="{BB962C8B-B14F-4D97-AF65-F5344CB8AC3E}">
+        <p14:creationId xmlns:p14="http://schemas.microsoft.com/office/powerpoint/2010/main" val="1888657171"/>
+      </p:ext>
+    </p:extLst>
+  </p:cSld>
+  <p:clrMapOvr>
+    <a:masterClrMapping/>
+  </p:clrMapOvr>
+</p:sld>
+</file>
+
+<file path=ppt/slides/slide25.xml><?xml version="1.0" encoding="utf-8"?>
+<p:sld xmlns:a="http://schemas.openxmlformats.org/drawingml/2006/main" xmlns:r="http://schemas.openxmlformats.org/officeDocument/2006/relationships" xmlns:p="http://schemas.openxmlformats.org/presentationml/2006/main">
+  <p:cSld>
+    <p:spTree>
+      <p:nvGrpSpPr>
+        <p:cNvPr id="1" name="">
+          <a:extLst>
+            <a:ext uri="{FF2B5EF4-FFF2-40B4-BE49-F238E27FC236}">
               <a16:creationId xmlns:a16="http://schemas.microsoft.com/office/drawing/2014/main" id="{40DC4461-1B3C-409A-1153-B9B1D80D6071}"/>
             </a:ext>
           </a:extLst>
@@ -17108,7 +19223,7 @@
 </p:sld>
 </file>
 
-<file path=ppt/slides/slide25.xml><?xml version="1.0" encoding="utf-8"?>
+<file path=ppt/slides/slide26.xml><?xml version="1.0" encoding="utf-8"?>
 <p:sld xmlns:a="http://schemas.openxmlformats.org/drawingml/2006/main" xmlns:r="http://schemas.openxmlformats.org/officeDocument/2006/relationships" xmlns:p="http://schemas.openxmlformats.org/presentationml/2006/main">
   <p:cSld>
     <p:spTree>
@@ -17391,7 +19506,7 @@
 </p:sld>
 </file>
 
-<file path=ppt/slides/slide26.xml><?xml version="1.0" encoding="utf-8"?>
+<file path=ppt/slides/slide27.xml><?xml version="1.0" encoding="utf-8"?>
 <p:sld xmlns:a="http://schemas.openxmlformats.org/drawingml/2006/main" xmlns:r="http://schemas.openxmlformats.org/officeDocument/2006/relationships" xmlns:p="http://schemas.openxmlformats.org/presentationml/2006/main">
   <p:cSld>
     <p:bg>
@@ -17973,7 +20088,7 @@
 </p:sld>
 </file>
 
-<file path=ppt/slides/slide27.xml><?xml version="1.0" encoding="utf-8"?>
+<file path=ppt/slides/slide28.xml><?xml version="1.0" encoding="utf-8"?>
 <p:sld xmlns:a="http://schemas.openxmlformats.org/drawingml/2006/main" xmlns:r="http://schemas.openxmlformats.org/officeDocument/2006/relationships" xmlns:p="http://schemas.openxmlformats.org/presentationml/2006/main">
   <p:cSld>
     <p:bg>
@@ -18891,7 +21006,7 @@
 </p:sld>
 </file>
 
-<file path=ppt/slides/slide28.xml><?xml version="1.0" encoding="utf-8"?>
+<file path=ppt/slides/slide29.xml><?xml version="1.0" encoding="utf-8"?>
 <p:sld xmlns:a="http://schemas.openxmlformats.org/drawingml/2006/main" xmlns:r="http://schemas.openxmlformats.org/officeDocument/2006/relationships" xmlns:p="http://schemas.openxmlformats.org/presentationml/2006/main">
   <p:cSld>
     <p:bg>
@@ -19543,7 +21658,1055 @@
 </p:sld>
 </file>
 
-<file path=ppt/slides/slide29.xml><?xml version="1.0" encoding="utf-8"?>
+<file path=ppt/slides/slide3.xml><?xml version="1.0" encoding="utf-8"?>
+<p:sld xmlns:a="http://schemas.openxmlformats.org/drawingml/2006/main" xmlns:r="http://schemas.openxmlformats.org/officeDocument/2006/relationships" xmlns:p="http://schemas.openxmlformats.org/presentationml/2006/main">
+  <p:cSld>
+    <p:bg>
+      <p:bgPr>
+        <a:solidFill>
+          <a:schemeClr val="bg1"/>
+        </a:solidFill>
+        <a:effectLst/>
+      </p:bgPr>
+    </p:bg>
+    <p:spTree>
+      <p:nvGrpSpPr>
+        <p:cNvPr id="1" name=""/>
+        <p:cNvGrpSpPr/>
+        <p:nvPr/>
+      </p:nvGrpSpPr>
+      <p:grpSpPr>
+        <a:xfrm>
+          <a:off x="0" y="0"/>
+          <a:ext cx="0" cy="0"/>
+          <a:chOff x="0" y="0"/>
+          <a:chExt cx="0" cy="0"/>
+        </a:xfrm>
+      </p:grpSpPr>
+      <p:sp useBgFill="1">
+        <p:nvSpPr>
+          <p:cNvPr id="19" name="Rectangle 18">
+            <a:extLst>
+              <a:ext uri="{FF2B5EF4-FFF2-40B4-BE49-F238E27FC236}">
+                <a16:creationId xmlns:a16="http://schemas.microsoft.com/office/drawing/2014/main" id="{100EDD19-6802-4EC3-95CE-CFFAB042CFD6}"/>
+              </a:ext>
+              <a:ext uri="{C183D7F6-B498-43B3-948B-1728B52AA6E4}">
+                <adec:decorative xmlns:adec="http://schemas.microsoft.com/office/drawing/2017/decorative" val="1"/>
+              </a:ext>
+            </a:extLst>
+          </p:cNvPr>
+          <p:cNvSpPr>
+            <a:spLocks noGrp="1" noRot="1" noChangeAspect="1" noMove="1" noResize="1" noEditPoints="1" noAdjustHandles="1" noChangeArrowheads="1" noChangeShapeType="1" noTextEdit="1"/>
+          </p:cNvSpPr>
+          <p:nvPr>
+            <p:extLst>
+              <p:ext uri="{386F3935-93C4-4BCD-93E2-E3B085C9AB24}">
+                <p16:designElem xmlns:p16="http://schemas.microsoft.com/office/powerpoint/2015/main" val="1"/>
+              </p:ext>
+            </p:extLst>
+          </p:nvPr>
+        </p:nvSpPr>
+        <p:spPr>
+          <a:xfrm>
+            <a:off x="0" y="0"/>
+            <a:ext cx="12188952" cy="6858000"/>
+          </a:xfrm>
+          <a:prstGeom prst="rect">
+            <a:avLst/>
+          </a:prstGeom>
+          <a:ln>
+            <a:noFill/>
+          </a:ln>
+        </p:spPr>
+        <p:style>
+          <a:lnRef idx="2">
+            <a:schemeClr val="accent1">
+              <a:shade val="50000"/>
+            </a:schemeClr>
+          </a:lnRef>
+          <a:fillRef idx="1">
+            <a:schemeClr val="accent1"/>
+          </a:fillRef>
+          <a:effectRef idx="0">
+            <a:schemeClr val="accent1"/>
+          </a:effectRef>
+          <a:fontRef idx="minor">
+            <a:schemeClr val="lt1"/>
+          </a:fontRef>
+        </p:style>
+        <p:txBody>
+          <a:bodyPr rtlCol="0" anchor="ctr"/>
+          <a:lstStyle/>
+          <a:p>
+            <a:pPr algn="ctr"/>
+            <a:endParaRPr lang="en-US"/>
+          </a:p>
+        </p:txBody>
+      </p:sp>
+      <p:sp>
+        <p:nvSpPr>
+          <p:cNvPr id="2" name="Titolo 1">
+            <a:extLst>
+              <a:ext uri="{FF2B5EF4-FFF2-40B4-BE49-F238E27FC236}">
+                <a16:creationId xmlns:a16="http://schemas.microsoft.com/office/drawing/2014/main" id="{55A17A00-D385-922D-91F8-CB9EE8C3E0AD}"/>
+              </a:ext>
+            </a:extLst>
+          </p:cNvPr>
+          <p:cNvSpPr>
+            <a:spLocks noGrp="1"/>
+          </p:cNvSpPr>
+          <p:nvPr>
+            <p:ph type="title"/>
+          </p:nvPr>
+        </p:nvSpPr>
+        <p:spPr>
+          <a:xfrm>
+            <a:off x="838200" y="365125"/>
+            <a:ext cx="10515600" cy="1325563"/>
+          </a:xfrm>
+        </p:spPr>
+        <p:txBody>
+          <a:bodyPr>
+            <a:normAutofit/>
+          </a:bodyPr>
+          <a:lstStyle/>
+          <a:p>
+            <a:r>
+              <a:rPr lang="it-IT" sz="5400" dirty="0"/>
+              <a:t>Obiettivi di progetto</a:t>
+            </a:r>
+          </a:p>
+        </p:txBody>
+      </p:sp>
+      <p:sp>
+        <p:nvSpPr>
+          <p:cNvPr id="21" name="sketch line">
+            <a:extLst>
+              <a:ext uri="{FF2B5EF4-FFF2-40B4-BE49-F238E27FC236}">
+                <a16:creationId xmlns:a16="http://schemas.microsoft.com/office/drawing/2014/main" id="{DB17E863-922E-4C26-BD64-E8FD41D28661}"/>
+              </a:ext>
+              <a:ext uri="{C183D7F6-B498-43B3-948B-1728B52AA6E4}">
+                <adec:decorative xmlns:adec="http://schemas.microsoft.com/office/drawing/2017/decorative" val="1"/>
+              </a:ext>
+            </a:extLst>
+          </p:cNvPr>
+          <p:cNvSpPr>
+            <a:spLocks noGrp="1" noRot="1" noChangeAspect="1" noMove="1" noResize="1" noEditPoints="1" noAdjustHandles="1" noChangeArrowheads="1" noChangeShapeType="1" noTextEdit="1"/>
+          </p:cNvSpPr>
+          <p:nvPr>
+            <p:extLst>
+              <p:ext uri="{386F3935-93C4-4BCD-93E2-E3B085C9AB24}">
+                <p16:designElem xmlns:p16="http://schemas.microsoft.com/office/powerpoint/2015/main" val="1"/>
+              </p:ext>
+            </p:extLst>
+          </p:nvPr>
+        </p:nvSpPr>
+        <p:spPr>
+          <a:xfrm>
+            <a:off x="669036" y="1677373"/>
+            <a:ext cx="10853928" cy="18288"/>
+          </a:xfrm>
+          <a:custGeom>
+            <a:avLst/>
+            <a:gdLst>
+              <a:gd name="connsiteX0" fmla="*/ 0 w 10853928"/>
+              <a:gd name="connsiteY0" fmla="*/ 0 h 18288"/>
+              <a:gd name="connsiteX1" fmla="*/ 461292 w 10853928"/>
+              <a:gd name="connsiteY1" fmla="*/ 0 h 18288"/>
+              <a:gd name="connsiteX2" fmla="*/ 1139662 w 10853928"/>
+              <a:gd name="connsiteY2" fmla="*/ 0 h 18288"/>
+              <a:gd name="connsiteX3" fmla="*/ 1926572 w 10853928"/>
+              <a:gd name="connsiteY3" fmla="*/ 0 h 18288"/>
+              <a:gd name="connsiteX4" fmla="*/ 2279325 w 10853928"/>
+              <a:gd name="connsiteY4" fmla="*/ 0 h 18288"/>
+              <a:gd name="connsiteX5" fmla="*/ 2632078 w 10853928"/>
+              <a:gd name="connsiteY5" fmla="*/ 0 h 18288"/>
+              <a:gd name="connsiteX6" fmla="*/ 3527527 w 10853928"/>
+              <a:gd name="connsiteY6" fmla="*/ 0 h 18288"/>
+              <a:gd name="connsiteX7" fmla="*/ 4205897 w 10853928"/>
+              <a:gd name="connsiteY7" fmla="*/ 0 h 18288"/>
+              <a:gd name="connsiteX8" fmla="*/ 4558650 w 10853928"/>
+              <a:gd name="connsiteY8" fmla="*/ 0 h 18288"/>
+              <a:gd name="connsiteX9" fmla="*/ 5237020 w 10853928"/>
+              <a:gd name="connsiteY9" fmla="*/ 0 h 18288"/>
+              <a:gd name="connsiteX10" fmla="*/ 6132469 w 10853928"/>
+              <a:gd name="connsiteY10" fmla="*/ 0 h 18288"/>
+              <a:gd name="connsiteX11" fmla="*/ 6702301 w 10853928"/>
+              <a:gd name="connsiteY11" fmla="*/ 0 h 18288"/>
+              <a:gd name="connsiteX12" fmla="*/ 7272132 w 10853928"/>
+              <a:gd name="connsiteY12" fmla="*/ 0 h 18288"/>
+              <a:gd name="connsiteX13" fmla="*/ 7950502 w 10853928"/>
+              <a:gd name="connsiteY13" fmla="*/ 0 h 18288"/>
+              <a:gd name="connsiteX14" fmla="*/ 8737412 w 10853928"/>
+              <a:gd name="connsiteY14" fmla="*/ 0 h 18288"/>
+              <a:gd name="connsiteX15" fmla="*/ 9524322 w 10853928"/>
+              <a:gd name="connsiteY15" fmla="*/ 0 h 18288"/>
+              <a:gd name="connsiteX16" fmla="*/ 10853928 w 10853928"/>
+              <a:gd name="connsiteY16" fmla="*/ 0 h 18288"/>
+              <a:gd name="connsiteX17" fmla="*/ 10853928 w 10853928"/>
+              <a:gd name="connsiteY17" fmla="*/ 18288 h 18288"/>
+              <a:gd name="connsiteX18" fmla="*/ 10392636 w 10853928"/>
+              <a:gd name="connsiteY18" fmla="*/ 18288 h 18288"/>
+              <a:gd name="connsiteX19" fmla="*/ 9497187 w 10853928"/>
+              <a:gd name="connsiteY19" fmla="*/ 18288 h 18288"/>
+              <a:gd name="connsiteX20" fmla="*/ 8818817 w 10853928"/>
+              <a:gd name="connsiteY20" fmla="*/ 18288 h 18288"/>
+              <a:gd name="connsiteX21" fmla="*/ 8466064 w 10853928"/>
+              <a:gd name="connsiteY21" fmla="*/ 18288 h 18288"/>
+              <a:gd name="connsiteX22" fmla="*/ 7787693 w 10853928"/>
+              <a:gd name="connsiteY22" fmla="*/ 18288 h 18288"/>
+              <a:gd name="connsiteX23" fmla="*/ 7217862 w 10853928"/>
+              <a:gd name="connsiteY23" fmla="*/ 18288 h 18288"/>
+              <a:gd name="connsiteX24" fmla="*/ 6648031 w 10853928"/>
+              <a:gd name="connsiteY24" fmla="*/ 18288 h 18288"/>
+              <a:gd name="connsiteX25" fmla="*/ 6078200 w 10853928"/>
+              <a:gd name="connsiteY25" fmla="*/ 18288 h 18288"/>
+              <a:gd name="connsiteX26" fmla="*/ 5508368 w 10853928"/>
+              <a:gd name="connsiteY26" fmla="*/ 18288 h 18288"/>
+              <a:gd name="connsiteX27" fmla="*/ 4721459 w 10853928"/>
+              <a:gd name="connsiteY27" fmla="*/ 18288 h 18288"/>
+              <a:gd name="connsiteX28" fmla="*/ 4043088 w 10853928"/>
+              <a:gd name="connsiteY28" fmla="*/ 18288 h 18288"/>
+              <a:gd name="connsiteX29" fmla="*/ 3690336 w 10853928"/>
+              <a:gd name="connsiteY29" fmla="*/ 18288 h 18288"/>
+              <a:gd name="connsiteX30" fmla="*/ 3120504 w 10853928"/>
+              <a:gd name="connsiteY30" fmla="*/ 18288 h 18288"/>
+              <a:gd name="connsiteX31" fmla="*/ 2333595 w 10853928"/>
+              <a:gd name="connsiteY31" fmla="*/ 18288 h 18288"/>
+              <a:gd name="connsiteX32" fmla="*/ 1872303 w 10853928"/>
+              <a:gd name="connsiteY32" fmla="*/ 18288 h 18288"/>
+              <a:gd name="connsiteX33" fmla="*/ 976854 w 10853928"/>
+              <a:gd name="connsiteY33" fmla="*/ 18288 h 18288"/>
+              <a:gd name="connsiteX34" fmla="*/ 0 w 10853928"/>
+              <a:gd name="connsiteY34" fmla="*/ 18288 h 18288"/>
+              <a:gd name="connsiteX35" fmla="*/ 0 w 10853928"/>
+              <a:gd name="connsiteY35" fmla="*/ 0 h 18288"/>
+            </a:gdLst>
+            <a:ahLst/>
+            <a:cxnLst>
+              <a:cxn ang="0">
+                <a:pos x="connsiteX0" y="connsiteY0"/>
+              </a:cxn>
+              <a:cxn ang="0">
+                <a:pos x="connsiteX1" y="connsiteY1"/>
+              </a:cxn>
+              <a:cxn ang="0">
+                <a:pos x="connsiteX2" y="connsiteY2"/>
+              </a:cxn>
+              <a:cxn ang="0">
+                <a:pos x="connsiteX3" y="connsiteY3"/>
+              </a:cxn>
+              <a:cxn ang="0">
+                <a:pos x="connsiteX4" y="connsiteY4"/>
+              </a:cxn>
+              <a:cxn ang="0">
+                <a:pos x="connsiteX5" y="connsiteY5"/>
+              </a:cxn>
+              <a:cxn ang="0">
+                <a:pos x="connsiteX6" y="connsiteY6"/>
+              </a:cxn>
+              <a:cxn ang="0">
+                <a:pos x="connsiteX7" y="connsiteY7"/>
+              </a:cxn>
+              <a:cxn ang="0">
+                <a:pos x="connsiteX8" y="connsiteY8"/>
+              </a:cxn>
+              <a:cxn ang="0">
+                <a:pos x="connsiteX9" y="connsiteY9"/>
+              </a:cxn>
+              <a:cxn ang="0">
+                <a:pos x="connsiteX10" y="connsiteY10"/>
+              </a:cxn>
+              <a:cxn ang="0">
+                <a:pos x="connsiteX11" y="connsiteY11"/>
+              </a:cxn>
+              <a:cxn ang="0">
+                <a:pos x="connsiteX12" y="connsiteY12"/>
+              </a:cxn>
+              <a:cxn ang="0">
+                <a:pos x="connsiteX13" y="connsiteY13"/>
+              </a:cxn>
+              <a:cxn ang="0">
+                <a:pos x="connsiteX14" y="connsiteY14"/>
+              </a:cxn>
+              <a:cxn ang="0">
+                <a:pos x="connsiteX15" y="connsiteY15"/>
+              </a:cxn>
+              <a:cxn ang="0">
+                <a:pos x="connsiteX16" y="connsiteY16"/>
+              </a:cxn>
+              <a:cxn ang="0">
+                <a:pos x="connsiteX17" y="connsiteY17"/>
+              </a:cxn>
+              <a:cxn ang="0">
+                <a:pos x="connsiteX18" y="connsiteY18"/>
+              </a:cxn>
+              <a:cxn ang="0">
+                <a:pos x="connsiteX19" y="connsiteY19"/>
+              </a:cxn>
+              <a:cxn ang="0">
+                <a:pos x="connsiteX20" y="connsiteY20"/>
+              </a:cxn>
+              <a:cxn ang="0">
+                <a:pos x="connsiteX21" y="connsiteY21"/>
+              </a:cxn>
+              <a:cxn ang="0">
+                <a:pos x="connsiteX22" y="connsiteY22"/>
+              </a:cxn>
+              <a:cxn ang="0">
+                <a:pos x="connsiteX23" y="connsiteY23"/>
+              </a:cxn>
+              <a:cxn ang="0">
+                <a:pos x="connsiteX24" y="connsiteY24"/>
+              </a:cxn>
+              <a:cxn ang="0">
+                <a:pos x="connsiteX25" y="connsiteY25"/>
+              </a:cxn>
+              <a:cxn ang="0">
+                <a:pos x="connsiteX26" y="connsiteY26"/>
+              </a:cxn>
+              <a:cxn ang="0">
+                <a:pos x="connsiteX27" y="connsiteY27"/>
+              </a:cxn>
+              <a:cxn ang="0">
+                <a:pos x="connsiteX28" y="connsiteY28"/>
+              </a:cxn>
+              <a:cxn ang="0">
+                <a:pos x="connsiteX29" y="connsiteY29"/>
+              </a:cxn>
+              <a:cxn ang="0">
+                <a:pos x="connsiteX30" y="connsiteY30"/>
+              </a:cxn>
+              <a:cxn ang="0">
+                <a:pos x="connsiteX31" y="connsiteY31"/>
+              </a:cxn>
+              <a:cxn ang="0">
+                <a:pos x="connsiteX32" y="connsiteY32"/>
+              </a:cxn>
+              <a:cxn ang="0">
+                <a:pos x="connsiteX33" y="connsiteY33"/>
+              </a:cxn>
+              <a:cxn ang="0">
+                <a:pos x="connsiteX34" y="connsiteY34"/>
+              </a:cxn>
+              <a:cxn ang="0">
+                <a:pos x="connsiteX35" y="connsiteY35"/>
+              </a:cxn>
+            </a:cxnLst>
+            <a:rect l="l" t="t" r="r" b="b"/>
+            <a:pathLst>
+              <a:path w="10853928" h="18288" fill="none" extrusionOk="0">
+                <a:moveTo>
+                  <a:pt x="0" y="0"/>
+                </a:moveTo>
+                <a:cubicBezTo>
+                  <a:pt x="146993" y="-19076"/>
+                  <a:pt x="347684" y="-4790"/>
+                  <a:pt x="461292" y="0"/>
+                </a:cubicBezTo>
+                <a:cubicBezTo>
+                  <a:pt x="574900" y="4790"/>
+                  <a:pt x="808367" y="19821"/>
+                  <a:pt x="1139662" y="0"/>
+                </a:cubicBezTo>
+                <a:cubicBezTo>
+                  <a:pt x="1470957" y="-19821"/>
+                  <a:pt x="1627405" y="5721"/>
+                  <a:pt x="1926572" y="0"/>
+                </a:cubicBezTo>
+                <a:cubicBezTo>
+                  <a:pt x="2225739" y="-5721"/>
+                  <a:pt x="2137730" y="-3235"/>
+                  <a:pt x="2279325" y="0"/>
+                </a:cubicBezTo>
+                <a:cubicBezTo>
+                  <a:pt x="2420920" y="3235"/>
+                  <a:pt x="2456518" y="9685"/>
+                  <a:pt x="2632078" y="0"/>
+                </a:cubicBezTo>
+                <a:cubicBezTo>
+                  <a:pt x="2807638" y="-9685"/>
+                  <a:pt x="3211516" y="-43007"/>
+                  <a:pt x="3527527" y="0"/>
+                </a:cubicBezTo>
+                <a:cubicBezTo>
+                  <a:pt x="3843538" y="43007"/>
+                  <a:pt x="4058833" y="22042"/>
+                  <a:pt x="4205897" y="0"/>
+                </a:cubicBezTo>
+                <a:cubicBezTo>
+                  <a:pt x="4352961" y="-22042"/>
+                  <a:pt x="4474805" y="-11846"/>
+                  <a:pt x="4558650" y="0"/>
+                </a:cubicBezTo>
+                <a:cubicBezTo>
+                  <a:pt x="4642495" y="11846"/>
+                  <a:pt x="5041928" y="-6069"/>
+                  <a:pt x="5237020" y="0"/>
+                </a:cubicBezTo>
+                <a:cubicBezTo>
+                  <a:pt x="5432112" y="6069"/>
+                  <a:pt x="5943266" y="-17479"/>
+                  <a:pt x="6132469" y="0"/>
+                </a:cubicBezTo>
+                <a:cubicBezTo>
+                  <a:pt x="6321672" y="17479"/>
+                  <a:pt x="6483872" y="26234"/>
+                  <a:pt x="6702301" y="0"/>
+                </a:cubicBezTo>
+                <a:cubicBezTo>
+                  <a:pt x="6920730" y="-26234"/>
+                  <a:pt x="6991194" y="-15156"/>
+                  <a:pt x="7272132" y="0"/>
+                </a:cubicBezTo>
+                <a:cubicBezTo>
+                  <a:pt x="7553070" y="15156"/>
+                  <a:pt x="7684444" y="-32961"/>
+                  <a:pt x="7950502" y="0"/>
+                </a:cubicBezTo>
+                <a:cubicBezTo>
+                  <a:pt x="8216560" y="32961"/>
+                  <a:pt x="8493290" y="-10491"/>
+                  <a:pt x="8737412" y="0"/>
+                </a:cubicBezTo>
+                <a:cubicBezTo>
+                  <a:pt x="8981534" y="10491"/>
+                  <a:pt x="9191586" y="-13899"/>
+                  <a:pt x="9524322" y="0"/>
+                </a:cubicBezTo>
+                <a:cubicBezTo>
+                  <a:pt x="9857058" y="13899"/>
+                  <a:pt x="10297509" y="7485"/>
+                  <a:pt x="10853928" y="0"/>
+                </a:cubicBezTo>
+                <a:cubicBezTo>
+                  <a:pt x="10854574" y="4451"/>
+                  <a:pt x="10854418" y="9226"/>
+                  <a:pt x="10853928" y="18288"/>
+                </a:cubicBezTo>
+                <a:cubicBezTo>
+                  <a:pt x="10691638" y="28522"/>
+                  <a:pt x="10574319" y="29578"/>
+                  <a:pt x="10392636" y="18288"/>
+                </a:cubicBezTo>
+                <a:cubicBezTo>
+                  <a:pt x="10210953" y="6998"/>
+                  <a:pt x="9836277" y="-16742"/>
+                  <a:pt x="9497187" y="18288"/>
+                </a:cubicBezTo>
+                <a:cubicBezTo>
+                  <a:pt x="9158097" y="53318"/>
+                  <a:pt x="9119479" y="30714"/>
+                  <a:pt x="8818817" y="18288"/>
+                </a:cubicBezTo>
+                <a:cubicBezTo>
+                  <a:pt x="8518155" y="5863"/>
+                  <a:pt x="8640037" y="6483"/>
+                  <a:pt x="8466064" y="18288"/>
+                </a:cubicBezTo>
+                <a:cubicBezTo>
+                  <a:pt x="8292091" y="30093"/>
+                  <a:pt x="7997656" y="18914"/>
+                  <a:pt x="7787693" y="18288"/>
+                </a:cubicBezTo>
+                <a:cubicBezTo>
+                  <a:pt x="7577730" y="17662"/>
+                  <a:pt x="7412468" y="21416"/>
+                  <a:pt x="7217862" y="18288"/>
+                </a:cubicBezTo>
+                <a:cubicBezTo>
+                  <a:pt x="7023256" y="15160"/>
+                  <a:pt x="6898018" y="14824"/>
+                  <a:pt x="6648031" y="18288"/>
+                </a:cubicBezTo>
+                <a:cubicBezTo>
+                  <a:pt x="6398044" y="21752"/>
+                  <a:pt x="6254402" y="38625"/>
+                  <a:pt x="6078200" y="18288"/>
+                </a:cubicBezTo>
+                <a:cubicBezTo>
+                  <a:pt x="5901998" y="-2049"/>
+                  <a:pt x="5622886" y="3213"/>
+                  <a:pt x="5508368" y="18288"/>
+                </a:cubicBezTo>
+                <a:cubicBezTo>
+                  <a:pt x="5393850" y="33363"/>
+                  <a:pt x="5036260" y="26830"/>
+                  <a:pt x="4721459" y="18288"/>
+                </a:cubicBezTo>
+                <a:cubicBezTo>
+                  <a:pt x="4406658" y="9746"/>
+                  <a:pt x="4239221" y="41551"/>
+                  <a:pt x="4043088" y="18288"/>
+                </a:cubicBezTo>
+                <a:cubicBezTo>
+                  <a:pt x="3846955" y="-4975"/>
+                  <a:pt x="3818802" y="34658"/>
+                  <a:pt x="3690336" y="18288"/>
+                </a:cubicBezTo>
+                <a:cubicBezTo>
+                  <a:pt x="3561870" y="1918"/>
+                  <a:pt x="3265491" y="42194"/>
+                  <a:pt x="3120504" y="18288"/>
+                </a:cubicBezTo>
+                <a:cubicBezTo>
+                  <a:pt x="2975517" y="-5618"/>
+                  <a:pt x="2720254" y="36673"/>
+                  <a:pt x="2333595" y="18288"/>
+                </a:cubicBezTo>
+                <a:cubicBezTo>
+                  <a:pt x="1946936" y="-97"/>
+                  <a:pt x="2097241" y="5776"/>
+                  <a:pt x="1872303" y="18288"/>
+                </a:cubicBezTo>
+                <a:cubicBezTo>
+                  <a:pt x="1647365" y="30800"/>
+                  <a:pt x="1282708" y="45380"/>
+                  <a:pt x="976854" y="18288"/>
+                </a:cubicBezTo>
+                <a:cubicBezTo>
+                  <a:pt x="671000" y="-8804"/>
+                  <a:pt x="408401" y="-12775"/>
+                  <a:pt x="0" y="18288"/>
+                </a:cubicBezTo>
+                <a:cubicBezTo>
+                  <a:pt x="-213" y="9468"/>
+                  <a:pt x="187" y="4459"/>
+                  <a:pt x="0" y="0"/>
+                </a:cubicBezTo>
+                <a:close/>
+              </a:path>
+              <a:path w="10853928" h="18288" stroke="0" extrusionOk="0">
+                <a:moveTo>
+                  <a:pt x="0" y="0"/>
+                </a:moveTo>
+                <a:cubicBezTo>
+                  <a:pt x="267322" y="15284"/>
+                  <a:pt x="415388" y="-21048"/>
+                  <a:pt x="569831" y="0"/>
+                </a:cubicBezTo>
+                <a:cubicBezTo>
+                  <a:pt x="724274" y="21048"/>
+                  <a:pt x="769333" y="-2353"/>
+                  <a:pt x="922584" y="0"/>
+                </a:cubicBezTo>
+                <a:cubicBezTo>
+                  <a:pt x="1075835" y="2353"/>
+                  <a:pt x="1399490" y="-145"/>
+                  <a:pt x="1818033" y="0"/>
+                </a:cubicBezTo>
+                <a:cubicBezTo>
+                  <a:pt x="2236576" y="145"/>
+                  <a:pt x="2145330" y="5482"/>
+                  <a:pt x="2387864" y="0"/>
+                </a:cubicBezTo>
+                <a:cubicBezTo>
+                  <a:pt x="2630398" y="-5482"/>
+                  <a:pt x="2793207" y="18487"/>
+                  <a:pt x="2957695" y="0"/>
+                </a:cubicBezTo>
+                <a:cubicBezTo>
+                  <a:pt x="3122183" y="-18487"/>
+                  <a:pt x="3579141" y="19003"/>
+                  <a:pt x="3853144" y="0"/>
+                </a:cubicBezTo>
+                <a:cubicBezTo>
+                  <a:pt x="4127147" y="-19003"/>
+                  <a:pt x="4209857" y="12211"/>
+                  <a:pt x="4314436" y="0"/>
+                </a:cubicBezTo>
+                <a:cubicBezTo>
+                  <a:pt x="4419015" y="-12211"/>
+                  <a:pt x="4762459" y="-17220"/>
+                  <a:pt x="5209885" y="0"/>
+                </a:cubicBezTo>
+                <a:cubicBezTo>
+                  <a:pt x="5657311" y="17220"/>
+                  <a:pt x="5692663" y="-3290"/>
+                  <a:pt x="6105335" y="0"/>
+                </a:cubicBezTo>
+                <a:cubicBezTo>
+                  <a:pt x="6518007" y="3290"/>
+                  <a:pt x="6455516" y="-5124"/>
+                  <a:pt x="6783705" y="0"/>
+                </a:cubicBezTo>
+                <a:cubicBezTo>
+                  <a:pt x="7111894" y="5124"/>
+                  <a:pt x="7441941" y="-17829"/>
+                  <a:pt x="7679154" y="0"/>
+                </a:cubicBezTo>
+                <a:cubicBezTo>
+                  <a:pt x="7916367" y="17829"/>
+                  <a:pt x="8102967" y="-24363"/>
+                  <a:pt x="8248985" y="0"/>
+                </a:cubicBezTo>
+                <a:cubicBezTo>
+                  <a:pt x="8395003" y="24363"/>
+                  <a:pt x="8552393" y="25505"/>
+                  <a:pt x="8818817" y="0"/>
+                </a:cubicBezTo>
+                <a:cubicBezTo>
+                  <a:pt x="9085241" y="-25505"/>
+                  <a:pt x="9411308" y="38000"/>
+                  <a:pt x="9605726" y="0"/>
+                </a:cubicBezTo>
+                <a:cubicBezTo>
+                  <a:pt x="9800144" y="-38000"/>
+                  <a:pt x="10006468" y="-25741"/>
+                  <a:pt x="10175558" y="0"/>
+                </a:cubicBezTo>
+                <a:cubicBezTo>
+                  <a:pt x="10344648" y="25741"/>
+                  <a:pt x="10696282" y="695"/>
+                  <a:pt x="10853928" y="0"/>
+                </a:cubicBezTo>
+                <a:cubicBezTo>
+                  <a:pt x="10853521" y="8690"/>
+                  <a:pt x="10853774" y="14141"/>
+                  <a:pt x="10853928" y="18288"/>
+                </a:cubicBezTo>
+                <a:cubicBezTo>
+                  <a:pt x="10608124" y="24255"/>
+                  <a:pt x="10343415" y="22307"/>
+                  <a:pt x="10067018" y="18288"/>
+                </a:cubicBezTo>
+                <a:cubicBezTo>
+                  <a:pt x="9790621" y="14270"/>
+                  <a:pt x="9843266" y="3564"/>
+                  <a:pt x="9714266" y="18288"/>
+                </a:cubicBezTo>
+                <a:cubicBezTo>
+                  <a:pt x="9585266" y="33012"/>
+                  <a:pt x="9379484" y="1875"/>
+                  <a:pt x="9252974" y="18288"/>
+                </a:cubicBezTo>
+                <a:cubicBezTo>
+                  <a:pt x="9126464" y="34701"/>
+                  <a:pt x="8580678" y="-4904"/>
+                  <a:pt x="8357525" y="18288"/>
+                </a:cubicBezTo>
+                <a:cubicBezTo>
+                  <a:pt x="8134372" y="41480"/>
+                  <a:pt x="7903199" y="26458"/>
+                  <a:pt x="7679154" y="18288"/>
+                </a:cubicBezTo>
+                <a:cubicBezTo>
+                  <a:pt x="7455109" y="10118"/>
+                  <a:pt x="7435944" y="27109"/>
+                  <a:pt x="7217862" y="18288"/>
+                </a:cubicBezTo>
+                <a:cubicBezTo>
+                  <a:pt x="6999780" y="9467"/>
+                  <a:pt x="6680409" y="18985"/>
+                  <a:pt x="6539492" y="18288"/>
+                </a:cubicBezTo>
+                <a:cubicBezTo>
+                  <a:pt x="6398575" y="17592"/>
+                  <a:pt x="6312077" y="33018"/>
+                  <a:pt x="6186739" y="18288"/>
+                </a:cubicBezTo>
+                <a:cubicBezTo>
+                  <a:pt x="6061401" y="3558"/>
+                  <a:pt x="5947033" y="12075"/>
+                  <a:pt x="5833986" y="18288"/>
+                </a:cubicBezTo>
+                <a:cubicBezTo>
+                  <a:pt x="5720939" y="24501"/>
+                  <a:pt x="5482226" y="8586"/>
+                  <a:pt x="5155616" y="18288"/>
+                </a:cubicBezTo>
+                <a:cubicBezTo>
+                  <a:pt x="4829006" y="27991"/>
+                  <a:pt x="4841274" y="29316"/>
+                  <a:pt x="4694324" y="18288"/>
+                </a:cubicBezTo>
+                <a:cubicBezTo>
+                  <a:pt x="4547374" y="7260"/>
+                  <a:pt x="4077675" y="7013"/>
+                  <a:pt x="3907414" y="18288"/>
+                </a:cubicBezTo>
+                <a:cubicBezTo>
+                  <a:pt x="3737153" y="29564"/>
+                  <a:pt x="3538393" y="21630"/>
+                  <a:pt x="3446122" y="18288"/>
+                </a:cubicBezTo>
+                <a:cubicBezTo>
+                  <a:pt x="3353851" y="14946"/>
+                  <a:pt x="2990320" y="-8091"/>
+                  <a:pt x="2659212" y="18288"/>
+                </a:cubicBezTo>
+                <a:cubicBezTo>
+                  <a:pt x="2328104" y="44667"/>
+                  <a:pt x="2427653" y="9607"/>
+                  <a:pt x="2306460" y="18288"/>
+                </a:cubicBezTo>
+                <a:cubicBezTo>
+                  <a:pt x="2185267" y="26969"/>
+                  <a:pt x="1719763" y="3717"/>
+                  <a:pt x="1519550" y="18288"/>
+                </a:cubicBezTo>
+                <a:cubicBezTo>
+                  <a:pt x="1319337" y="32860"/>
+                  <a:pt x="1167371" y="17040"/>
+                  <a:pt x="1058258" y="18288"/>
+                </a:cubicBezTo>
+                <a:cubicBezTo>
+                  <a:pt x="949145" y="19536"/>
+                  <a:pt x="780234" y="31447"/>
+                  <a:pt x="705505" y="18288"/>
+                </a:cubicBezTo>
+                <a:cubicBezTo>
+                  <a:pt x="630776" y="5129"/>
+                  <a:pt x="215796" y="30056"/>
+                  <a:pt x="0" y="18288"/>
+                </a:cubicBezTo>
+                <a:cubicBezTo>
+                  <a:pt x="-53" y="11301"/>
+                  <a:pt x="-649" y="7756"/>
+                  <a:pt x="0" y="0"/>
+                </a:cubicBezTo>
+                <a:close/>
+              </a:path>
+            </a:pathLst>
+          </a:custGeom>
+          <a:solidFill>
+            <a:schemeClr val="accent2"/>
+          </a:solidFill>
+          <a:ln w="41275" cap="rnd">
+            <a:solidFill>
+              <a:schemeClr val="accent2"/>
+            </a:solidFill>
+            <a:round/>
+            <a:extLst>
+              <a:ext uri="{C807C97D-BFC1-408E-A445-0C87EB9F89A2}">
+                <ask:lineSketchStyleProps xmlns:ask="http://schemas.microsoft.com/office/drawing/2018/sketchyshapes" sd="1219033472">
+                  <a:prstGeom prst="rect">
+                    <a:avLst/>
+                  </a:prstGeom>
+                  <ask:type>
+                    <ask:lineSketchFreehand/>
+                  </ask:type>
+                </ask:lineSketchStyleProps>
+              </a:ext>
+            </a:extLst>
+          </a:ln>
+        </p:spPr>
+        <p:style>
+          <a:lnRef idx="2">
+            <a:schemeClr val="accent1">
+              <a:shade val="50000"/>
+            </a:schemeClr>
+          </a:lnRef>
+          <a:fillRef idx="1">
+            <a:schemeClr val="accent1"/>
+          </a:fillRef>
+          <a:effectRef idx="0">
+            <a:schemeClr val="accent1"/>
+          </a:effectRef>
+          <a:fontRef idx="minor">
+            <a:schemeClr val="lt1"/>
+          </a:fontRef>
+        </p:style>
+        <p:txBody>
+          <a:bodyPr rtlCol="0" anchor="ctr"/>
+          <a:lstStyle/>
+          <a:p>
+            <a:pPr algn="ctr"/>
+            <a:endParaRPr lang="en-US"/>
+          </a:p>
+        </p:txBody>
+      </p:sp>
+      <p:sp>
+        <p:nvSpPr>
+          <p:cNvPr id="4" name="Rectangle 1">
+            <a:extLst>
+              <a:ext uri="{FF2B5EF4-FFF2-40B4-BE49-F238E27FC236}">
+                <a16:creationId xmlns:a16="http://schemas.microsoft.com/office/drawing/2014/main" id="{8EC02B46-22B0-7F99-5B2D-B1C0AC5C0A02}"/>
+              </a:ext>
+            </a:extLst>
+          </p:cNvPr>
+          <p:cNvSpPr>
+            <a:spLocks noGrp="1" noChangeArrowheads="1"/>
+          </p:cNvSpPr>
+          <p:nvPr>
+            <p:ph idx="1"/>
+          </p:nvPr>
+        </p:nvSpPr>
+        <p:spPr bwMode="auto">
+          <a:xfrm>
+            <a:off x="838200" y="1929384"/>
+            <a:ext cx="10515600" cy="4251960"/>
+          </a:xfrm>
+          <a:prstGeom prst="rect">
+            <a:avLst/>
+          </a:prstGeom>
+          <a:extLst>
+            <a:ext uri="{909E8E84-426E-40DD-AFC4-6F175D3DCCD1}">
+              <a14:hiddenFill xmlns:a14="http://schemas.microsoft.com/office/drawing/2010/main">
+                <a:solidFill>
+                  <a:schemeClr val="accent1"/>
+                </a:solidFill>
+              </a14:hiddenFill>
+            </a:ext>
+            <a:ext uri="{91240B29-F687-4F45-9708-019B960494DF}">
+              <a14:hiddenLine xmlns:a14="http://schemas.microsoft.com/office/drawing/2010/main" w="9525">
+                <a:solidFill>
+                  <a:schemeClr val="tx1"/>
+                </a:solidFill>
+                <a:miter lim="800000"/>
+                <a:headEnd/>
+                <a:tailEnd/>
+              </a14:hiddenLine>
+            </a:ext>
+            <a:ext uri="{AF507438-7753-43E0-B8FC-AC1667EBCBE1}">
+              <a14:hiddenEffects xmlns:a14="http://schemas.microsoft.com/office/drawing/2010/main">
+                <a:effectLst>
+                  <a:outerShdw dist="35921" dir="2700000" algn="ctr" rotWithShape="0">
+                    <a:schemeClr val="bg2"/>
+                  </a:outerShdw>
+                </a:effectLst>
+              </a14:hiddenEffects>
+            </a:ext>
+          </a:extLst>
+        </p:spPr>
+        <p:txBody>
+          <a:bodyPr vert="horz" lIns="91440" tIns="45720" rIns="91440" bIns="45720" numCol="1" anchorCtr="0" compatLnSpc="1">
+            <a:prstTxWarp prst="textNoShape">
+              <a:avLst/>
+            </a:prstTxWarp>
+            <a:normAutofit/>
+          </a:bodyPr>
+          <a:lstStyle/>
+          <a:p>
+            <a:pPr marL="342900" marR="0" lvl="0" indent="-342900" defTabSz="914400" rtl="0" eaLnBrk="0" fontAlgn="base" latinLnBrk="0" hangingPunct="0">
+              <a:spcBef>
+                <a:spcPct val="0"/>
+              </a:spcBef>
+              <a:spcAft>
+                <a:spcPts val="600"/>
+              </a:spcAft>
+              <a:buClrTx/>
+              <a:buSzTx/>
+              <a:buFont typeface="+mj-lt"/>
+              <a:buAutoNum type="arabicPeriod"/>
+              <a:tabLst/>
+            </a:pPr>
+            <a:r>
+              <a:rPr kumimoji="0" lang="it-IT" altLang="it-IT" sz="2200" i="0" u="none" strike="noStrike" cap="none" normalizeH="0" baseline="0" dirty="0">
+                <a:ln>
+                  <a:noFill/>
+                </a:ln>
+                <a:effectLst/>
+              </a:rPr>
+              <a:t>Progettare un controllore MPC  per portare il sistema da (h1,h2,h3,h4)=(1.3767, 2.2772, 0.8386, 0.5604)</a:t>
+            </a:r>
+            <a:br>
+              <a:rPr kumimoji="0" lang="it-IT" altLang="it-IT" sz="2200" i="0" u="none" strike="noStrike" cap="none" normalizeH="0" baseline="0" dirty="0">
+                <a:ln>
+                  <a:noFill/>
+                </a:ln>
+                <a:effectLst/>
+              </a:rPr>
+            </a:br>
+            <a:r>
+              <a:rPr kumimoji="0" lang="it-IT" altLang="it-IT" sz="2200" i="0" u="none" strike="noStrike" cap="none" normalizeH="0" baseline="0" dirty="0">
+                <a:ln>
+                  <a:noFill/>
+                </a:ln>
+                <a:effectLst/>
+              </a:rPr>
+              <a:t>all’equilibrio desiderato (7.8253, 18.7323, 3.3545, 7.8801)</a:t>
+            </a:r>
+            <a:r>
+              <a:rPr lang="it-IT" altLang="it-IT" sz="2200" dirty="0"/>
+              <a:t> </a:t>
+            </a:r>
+            <a:r>
+              <a:rPr kumimoji="0" lang="it-IT" altLang="it-IT" sz="2200" i="0" u="none" strike="noStrike" cap="none" normalizeH="0" baseline="0" dirty="0">
+                <a:ln>
+                  <a:noFill/>
+                </a:ln>
+                <a:effectLst/>
+              </a:rPr>
+              <a:t>rispettando i vincoli su stati e ingressi.</a:t>
+            </a:r>
+          </a:p>
+          <a:p>
+            <a:pPr marL="342900" marR="0" lvl="0" indent="-342900" defTabSz="914400" rtl="0" eaLnBrk="0" fontAlgn="base" latinLnBrk="0" hangingPunct="0">
+              <a:spcBef>
+                <a:spcPct val="0"/>
+              </a:spcBef>
+              <a:spcAft>
+                <a:spcPts val="600"/>
+              </a:spcAft>
+              <a:buClrTx/>
+              <a:buSzTx/>
+              <a:buFont typeface="+mj-lt"/>
+              <a:buAutoNum type="arabicPeriod"/>
+              <a:tabLst/>
+            </a:pPr>
+            <a:r>
+              <a:rPr kumimoji="0" lang="it-IT" altLang="it-IT" sz="2200" i="0" u="none" strike="noStrike" cap="none" normalizeH="0" baseline="0" dirty="0">
+                <a:ln>
+                  <a:noFill/>
+                </a:ln>
+                <a:effectLst/>
+              </a:rPr>
+              <a:t>Confrontare le prestazioni del controllore MPC variando:</a:t>
+            </a:r>
+          </a:p>
+          <a:p>
+            <a:pPr marL="342900" marR="0" lvl="0" indent="-342900" defTabSz="914400" rtl="0" eaLnBrk="0" fontAlgn="base" latinLnBrk="0" hangingPunct="0">
+              <a:spcBef>
+                <a:spcPct val="0"/>
+              </a:spcBef>
+              <a:spcAft>
+                <a:spcPts val="600"/>
+              </a:spcAft>
+              <a:buClrTx/>
+              <a:buSzTx/>
+              <a:buFont typeface="+mj-lt"/>
+              <a:buAutoNum type="arabicPeriod"/>
+              <a:tabLst/>
+            </a:pPr>
+            <a:r>
+              <a:rPr kumimoji="0" lang="it-IT" altLang="it-IT" sz="2200" i="0" u="none" strike="noStrike" cap="none" normalizeH="0" baseline="0" dirty="0">
+                <a:ln>
+                  <a:noFill/>
+                </a:ln>
+                <a:effectLst/>
+              </a:rPr>
+              <a:t>Il vincolo terminale (uguaglianza vs disuguaglianza)</a:t>
+            </a:r>
+          </a:p>
+          <a:p>
+            <a:pPr marL="342900" marR="0" lvl="0" indent="-342900" defTabSz="914400" rtl="0" eaLnBrk="0" fontAlgn="base" latinLnBrk="0" hangingPunct="0">
+              <a:spcBef>
+                <a:spcPct val="0"/>
+              </a:spcBef>
+              <a:spcAft>
+                <a:spcPts val="600"/>
+              </a:spcAft>
+              <a:buClrTx/>
+              <a:buSzTx/>
+              <a:buFont typeface="+mj-lt"/>
+              <a:buAutoNum type="arabicPeriod"/>
+              <a:tabLst/>
+            </a:pPr>
+            <a:r>
+              <a:rPr kumimoji="0" lang="it-IT" altLang="it-IT" sz="2200" i="0" u="none" strike="noStrike" cap="none" normalizeH="0" baseline="0" dirty="0">
+                <a:ln>
+                  <a:noFill/>
+                </a:ln>
+                <a:effectLst/>
+              </a:rPr>
+              <a:t>Le matrici di costo Q e R</a:t>
+            </a:r>
+          </a:p>
+          <a:p>
+            <a:pPr marL="342900" marR="0" lvl="0" indent="-342900" defTabSz="914400" rtl="0" eaLnBrk="0" fontAlgn="base" latinLnBrk="0" hangingPunct="0">
+              <a:spcBef>
+                <a:spcPct val="0"/>
+              </a:spcBef>
+              <a:spcAft>
+                <a:spcPts val="600"/>
+              </a:spcAft>
+              <a:buClrTx/>
+              <a:buSzTx/>
+              <a:buFont typeface="+mj-lt"/>
+              <a:buAutoNum type="arabicPeriod"/>
+              <a:tabLst/>
+            </a:pPr>
+            <a:r>
+              <a:rPr kumimoji="0" lang="it-IT" altLang="it-IT" sz="2200" i="0" u="none" strike="noStrike" cap="none" normalizeH="0" baseline="0" dirty="0">
+                <a:ln>
+                  <a:noFill/>
+                </a:ln>
+                <a:effectLst/>
+              </a:rPr>
+              <a:t>L’orizzonte di predizione </a:t>
+            </a:r>
+          </a:p>
+          <a:p>
+            <a:pPr marL="342900" marR="0" lvl="0" indent="-342900" defTabSz="914400" rtl="0" eaLnBrk="0" fontAlgn="base" latinLnBrk="0" hangingPunct="0">
+              <a:spcBef>
+                <a:spcPct val="0"/>
+              </a:spcBef>
+              <a:spcAft>
+                <a:spcPts val="600"/>
+              </a:spcAft>
+              <a:buClrTx/>
+              <a:buSzTx/>
+              <a:buFont typeface="+mj-lt"/>
+              <a:buAutoNum type="arabicPeriod"/>
+              <a:tabLst/>
+            </a:pPr>
+            <a:r>
+              <a:rPr kumimoji="0" lang="it-IT" altLang="it-IT" sz="2200" i="0" u="none" strike="noStrike" cap="none" normalizeH="0" baseline="0" dirty="0">
+                <a:ln>
+                  <a:noFill/>
+                </a:ln>
+                <a:effectLst/>
+              </a:rPr>
+              <a:t>Il tempo di campionamento Ts≥1 </a:t>
+            </a:r>
+          </a:p>
+        </p:txBody>
+      </p:sp>
+      <p:sp>
+        <p:nvSpPr>
+          <p:cNvPr id="5" name="Segnaposto piè di pagina 4">
+            <a:extLst>
+              <a:ext uri="{FF2B5EF4-FFF2-40B4-BE49-F238E27FC236}">
+                <a16:creationId xmlns:a16="http://schemas.microsoft.com/office/drawing/2014/main" id="{A3AC0D33-E7ED-A445-E441-7324FF53B8A5}"/>
+              </a:ext>
+            </a:extLst>
+          </p:cNvPr>
+          <p:cNvSpPr>
+            <a:spLocks noGrp="1"/>
+          </p:cNvSpPr>
+          <p:nvPr>
+            <p:ph type="ftr" sz="quarter" idx="11"/>
+          </p:nvPr>
+        </p:nvSpPr>
+        <p:spPr>
+          <a:xfrm>
+            <a:off x="4038600" y="6356350"/>
+            <a:ext cx="4114800" cy="365125"/>
+          </a:xfrm>
+        </p:spPr>
+        <p:txBody>
+          <a:bodyPr>
+            <a:normAutofit/>
+          </a:bodyPr>
+          <a:lstStyle/>
+          <a:p>
+            <a:pPr>
+              <a:spcAft>
+                <a:spcPts val="600"/>
+              </a:spcAft>
+            </a:pPr>
+            <a:r>
+              <a:rPr lang="it-IT"/>
+              <a:t>Davide Brambilla [1080752], Giorgio Passarella[1079287]</a:t>
+            </a:r>
+          </a:p>
+        </p:txBody>
+      </p:sp>
+    </p:spTree>
+    <p:extLst>
+      <p:ext uri="{BB962C8B-B14F-4D97-AF65-F5344CB8AC3E}">
+        <p14:creationId xmlns:p14="http://schemas.microsoft.com/office/powerpoint/2010/main" val="3269629714"/>
+      </p:ext>
+    </p:extLst>
+  </p:cSld>
+  <p:clrMapOvr>
+    <a:masterClrMapping/>
+  </p:clrMapOvr>
+</p:sld>
+</file>
+
+<file path=ppt/slides/slide30.xml><?xml version="1.0" encoding="utf-8"?>
 <p:sld xmlns:a="http://schemas.openxmlformats.org/drawingml/2006/main" xmlns:r="http://schemas.openxmlformats.org/officeDocument/2006/relationships" xmlns:p="http://schemas.openxmlformats.org/presentationml/2006/main">
   <p:cSld>
     <p:bg>
@@ -20691,1055 +23854,7 @@
 </p:sld>
 </file>
 
-<file path=ppt/slides/slide3.xml><?xml version="1.0" encoding="utf-8"?>
-<p:sld xmlns:a="http://schemas.openxmlformats.org/drawingml/2006/main" xmlns:r="http://schemas.openxmlformats.org/officeDocument/2006/relationships" xmlns:p="http://schemas.openxmlformats.org/presentationml/2006/main">
-  <p:cSld>
-    <p:bg>
-      <p:bgPr>
-        <a:solidFill>
-          <a:schemeClr val="bg1"/>
-        </a:solidFill>
-        <a:effectLst/>
-      </p:bgPr>
-    </p:bg>
-    <p:spTree>
-      <p:nvGrpSpPr>
-        <p:cNvPr id="1" name=""/>
-        <p:cNvGrpSpPr/>
-        <p:nvPr/>
-      </p:nvGrpSpPr>
-      <p:grpSpPr>
-        <a:xfrm>
-          <a:off x="0" y="0"/>
-          <a:ext cx="0" cy="0"/>
-          <a:chOff x="0" y="0"/>
-          <a:chExt cx="0" cy="0"/>
-        </a:xfrm>
-      </p:grpSpPr>
-      <p:sp useBgFill="1">
-        <p:nvSpPr>
-          <p:cNvPr id="19" name="Rectangle 18">
-            <a:extLst>
-              <a:ext uri="{FF2B5EF4-FFF2-40B4-BE49-F238E27FC236}">
-                <a16:creationId xmlns:a16="http://schemas.microsoft.com/office/drawing/2014/main" id="{100EDD19-6802-4EC3-95CE-CFFAB042CFD6}"/>
-              </a:ext>
-              <a:ext uri="{C183D7F6-B498-43B3-948B-1728B52AA6E4}">
-                <adec:decorative xmlns:adec="http://schemas.microsoft.com/office/drawing/2017/decorative" val="1"/>
-              </a:ext>
-            </a:extLst>
-          </p:cNvPr>
-          <p:cNvSpPr>
-            <a:spLocks noGrp="1" noRot="1" noChangeAspect="1" noMove="1" noResize="1" noEditPoints="1" noAdjustHandles="1" noChangeArrowheads="1" noChangeShapeType="1" noTextEdit="1"/>
-          </p:cNvSpPr>
-          <p:nvPr>
-            <p:extLst>
-              <p:ext uri="{386F3935-93C4-4BCD-93E2-E3B085C9AB24}">
-                <p16:designElem xmlns:p16="http://schemas.microsoft.com/office/powerpoint/2015/main" val="1"/>
-              </p:ext>
-            </p:extLst>
-          </p:nvPr>
-        </p:nvSpPr>
-        <p:spPr>
-          <a:xfrm>
-            <a:off x="0" y="0"/>
-            <a:ext cx="12188952" cy="6858000"/>
-          </a:xfrm>
-          <a:prstGeom prst="rect">
-            <a:avLst/>
-          </a:prstGeom>
-          <a:ln>
-            <a:noFill/>
-          </a:ln>
-        </p:spPr>
-        <p:style>
-          <a:lnRef idx="2">
-            <a:schemeClr val="accent1">
-              <a:shade val="50000"/>
-            </a:schemeClr>
-          </a:lnRef>
-          <a:fillRef idx="1">
-            <a:schemeClr val="accent1"/>
-          </a:fillRef>
-          <a:effectRef idx="0">
-            <a:schemeClr val="accent1"/>
-          </a:effectRef>
-          <a:fontRef idx="minor">
-            <a:schemeClr val="lt1"/>
-          </a:fontRef>
-        </p:style>
-        <p:txBody>
-          <a:bodyPr rtlCol="0" anchor="ctr"/>
-          <a:lstStyle/>
-          <a:p>
-            <a:pPr algn="ctr"/>
-            <a:endParaRPr lang="en-US"/>
-          </a:p>
-        </p:txBody>
-      </p:sp>
-      <p:sp>
-        <p:nvSpPr>
-          <p:cNvPr id="2" name="Titolo 1">
-            <a:extLst>
-              <a:ext uri="{FF2B5EF4-FFF2-40B4-BE49-F238E27FC236}">
-                <a16:creationId xmlns:a16="http://schemas.microsoft.com/office/drawing/2014/main" id="{55A17A00-D385-922D-91F8-CB9EE8C3E0AD}"/>
-              </a:ext>
-            </a:extLst>
-          </p:cNvPr>
-          <p:cNvSpPr>
-            <a:spLocks noGrp="1"/>
-          </p:cNvSpPr>
-          <p:nvPr>
-            <p:ph type="title"/>
-          </p:nvPr>
-        </p:nvSpPr>
-        <p:spPr>
-          <a:xfrm>
-            <a:off x="838200" y="365125"/>
-            <a:ext cx="10515600" cy="1325563"/>
-          </a:xfrm>
-        </p:spPr>
-        <p:txBody>
-          <a:bodyPr>
-            <a:normAutofit/>
-          </a:bodyPr>
-          <a:lstStyle/>
-          <a:p>
-            <a:r>
-              <a:rPr lang="it-IT" sz="5400" dirty="0"/>
-              <a:t>Obiettivi di progetto</a:t>
-            </a:r>
-          </a:p>
-        </p:txBody>
-      </p:sp>
-      <p:sp>
-        <p:nvSpPr>
-          <p:cNvPr id="21" name="sketch line">
-            <a:extLst>
-              <a:ext uri="{FF2B5EF4-FFF2-40B4-BE49-F238E27FC236}">
-                <a16:creationId xmlns:a16="http://schemas.microsoft.com/office/drawing/2014/main" id="{DB17E863-922E-4C26-BD64-E8FD41D28661}"/>
-              </a:ext>
-              <a:ext uri="{C183D7F6-B498-43B3-948B-1728B52AA6E4}">
-                <adec:decorative xmlns:adec="http://schemas.microsoft.com/office/drawing/2017/decorative" val="1"/>
-              </a:ext>
-            </a:extLst>
-          </p:cNvPr>
-          <p:cNvSpPr>
-            <a:spLocks noGrp="1" noRot="1" noChangeAspect="1" noMove="1" noResize="1" noEditPoints="1" noAdjustHandles="1" noChangeArrowheads="1" noChangeShapeType="1" noTextEdit="1"/>
-          </p:cNvSpPr>
-          <p:nvPr>
-            <p:extLst>
-              <p:ext uri="{386F3935-93C4-4BCD-93E2-E3B085C9AB24}">
-                <p16:designElem xmlns:p16="http://schemas.microsoft.com/office/powerpoint/2015/main" val="1"/>
-              </p:ext>
-            </p:extLst>
-          </p:nvPr>
-        </p:nvSpPr>
-        <p:spPr>
-          <a:xfrm>
-            <a:off x="669036" y="1677373"/>
-            <a:ext cx="10853928" cy="18288"/>
-          </a:xfrm>
-          <a:custGeom>
-            <a:avLst/>
-            <a:gdLst>
-              <a:gd name="connsiteX0" fmla="*/ 0 w 10853928"/>
-              <a:gd name="connsiteY0" fmla="*/ 0 h 18288"/>
-              <a:gd name="connsiteX1" fmla="*/ 461292 w 10853928"/>
-              <a:gd name="connsiteY1" fmla="*/ 0 h 18288"/>
-              <a:gd name="connsiteX2" fmla="*/ 1139662 w 10853928"/>
-              <a:gd name="connsiteY2" fmla="*/ 0 h 18288"/>
-              <a:gd name="connsiteX3" fmla="*/ 1926572 w 10853928"/>
-              <a:gd name="connsiteY3" fmla="*/ 0 h 18288"/>
-              <a:gd name="connsiteX4" fmla="*/ 2279325 w 10853928"/>
-              <a:gd name="connsiteY4" fmla="*/ 0 h 18288"/>
-              <a:gd name="connsiteX5" fmla="*/ 2632078 w 10853928"/>
-              <a:gd name="connsiteY5" fmla="*/ 0 h 18288"/>
-              <a:gd name="connsiteX6" fmla="*/ 3527527 w 10853928"/>
-              <a:gd name="connsiteY6" fmla="*/ 0 h 18288"/>
-              <a:gd name="connsiteX7" fmla="*/ 4205897 w 10853928"/>
-              <a:gd name="connsiteY7" fmla="*/ 0 h 18288"/>
-              <a:gd name="connsiteX8" fmla="*/ 4558650 w 10853928"/>
-              <a:gd name="connsiteY8" fmla="*/ 0 h 18288"/>
-              <a:gd name="connsiteX9" fmla="*/ 5237020 w 10853928"/>
-              <a:gd name="connsiteY9" fmla="*/ 0 h 18288"/>
-              <a:gd name="connsiteX10" fmla="*/ 6132469 w 10853928"/>
-              <a:gd name="connsiteY10" fmla="*/ 0 h 18288"/>
-              <a:gd name="connsiteX11" fmla="*/ 6702301 w 10853928"/>
-              <a:gd name="connsiteY11" fmla="*/ 0 h 18288"/>
-              <a:gd name="connsiteX12" fmla="*/ 7272132 w 10853928"/>
-              <a:gd name="connsiteY12" fmla="*/ 0 h 18288"/>
-              <a:gd name="connsiteX13" fmla="*/ 7950502 w 10853928"/>
-              <a:gd name="connsiteY13" fmla="*/ 0 h 18288"/>
-              <a:gd name="connsiteX14" fmla="*/ 8737412 w 10853928"/>
-              <a:gd name="connsiteY14" fmla="*/ 0 h 18288"/>
-              <a:gd name="connsiteX15" fmla="*/ 9524322 w 10853928"/>
-              <a:gd name="connsiteY15" fmla="*/ 0 h 18288"/>
-              <a:gd name="connsiteX16" fmla="*/ 10853928 w 10853928"/>
-              <a:gd name="connsiteY16" fmla="*/ 0 h 18288"/>
-              <a:gd name="connsiteX17" fmla="*/ 10853928 w 10853928"/>
-              <a:gd name="connsiteY17" fmla="*/ 18288 h 18288"/>
-              <a:gd name="connsiteX18" fmla="*/ 10392636 w 10853928"/>
-              <a:gd name="connsiteY18" fmla="*/ 18288 h 18288"/>
-              <a:gd name="connsiteX19" fmla="*/ 9497187 w 10853928"/>
-              <a:gd name="connsiteY19" fmla="*/ 18288 h 18288"/>
-              <a:gd name="connsiteX20" fmla="*/ 8818817 w 10853928"/>
-              <a:gd name="connsiteY20" fmla="*/ 18288 h 18288"/>
-              <a:gd name="connsiteX21" fmla="*/ 8466064 w 10853928"/>
-              <a:gd name="connsiteY21" fmla="*/ 18288 h 18288"/>
-              <a:gd name="connsiteX22" fmla="*/ 7787693 w 10853928"/>
-              <a:gd name="connsiteY22" fmla="*/ 18288 h 18288"/>
-              <a:gd name="connsiteX23" fmla="*/ 7217862 w 10853928"/>
-              <a:gd name="connsiteY23" fmla="*/ 18288 h 18288"/>
-              <a:gd name="connsiteX24" fmla="*/ 6648031 w 10853928"/>
-              <a:gd name="connsiteY24" fmla="*/ 18288 h 18288"/>
-              <a:gd name="connsiteX25" fmla="*/ 6078200 w 10853928"/>
-              <a:gd name="connsiteY25" fmla="*/ 18288 h 18288"/>
-              <a:gd name="connsiteX26" fmla="*/ 5508368 w 10853928"/>
-              <a:gd name="connsiteY26" fmla="*/ 18288 h 18288"/>
-              <a:gd name="connsiteX27" fmla="*/ 4721459 w 10853928"/>
-              <a:gd name="connsiteY27" fmla="*/ 18288 h 18288"/>
-              <a:gd name="connsiteX28" fmla="*/ 4043088 w 10853928"/>
-              <a:gd name="connsiteY28" fmla="*/ 18288 h 18288"/>
-              <a:gd name="connsiteX29" fmla="*/ 3690336 w 10853928"/>
-              <a:gd name="connsiteY29" fmla="*/ 18288 h 18288"/>
-              <a:gd name="connsiteX30" fmla="*/ 3120504 w 10853928"/>
-              <a:gd name="connsiteY30" fmla="*/ 18288 h 18288"/>
-              <a:gd name="connsiteX31" fmla="*/ 2333595 w 10853928"/>
-              <a:gd name="connsiteY31" fmla="*/ 18288 h 18288"/>
-              <a:gd name="connsiteX32" fmla="*/ 1872303 w 10853928"/>
-              <a:gd name="connsiteY32" fmla="*/ 18288 h 18288"/>
-              <a:gd name="connsiteX33" fmla="*/ 976854 w 10853928"/>
-              <a:gd name="connsiteY33" fmla="*/ 18288 h 18288"/>
-              <a:gd name="connsiteX34" fmla="*/ 0 w 10853928"/>
-              <a:gd name="connsiteY34" fmla="*/ 18288 h 18288"/>
-              <a:gd name="connsiteX35" fmla="*/ 0 w 10853928"/>
-              <a:gd name="connsiteY35" fmla="*/ 0 h 18288"/>
-            </a:gdLst>
-            <a:ahLst/>
-            <a:cxnLst>
-              <a:cxn ang="0">
-                <a:pos x="connsiteX0" y="connsiteY0"/>
-              </a:cxn>
-              <a:cxn ang="0">
-                <a:pos x="connsiteX1" y="connsiteY1"/>
-              </a:cxn>
-              <a:cxn ang="0">
-                <a:pos x="connsiteX2" y="connsiteY2"/>
-              </a:cxn>
-              <a:cxn ang="0">
-                <a:pos x="connsiteX3" y="connsiteY3"/>
-              </a:cxn>
-              <a:cxn ang="0">
-                <a:pos x="connsiteX4" y="connsiteY4"/>
-              </a:cxn>
-              <a:cxn ang="0">
-                <a:pos x="connsiteX5" y="connsiteY5"/>
-              </a:cxn>
-              <a:cxn ang="0">
-                <a:pos x="connsiteX6" y="connsiteY6"/>
-              </a:cxn>
-              <a:cxn ang="0">
-                <a:pos x="connsiteX7" y="connsiteY7"/>
-              </a:cxn>
-              <a:cxn ang="0">
-                <a:pos x="connsiteX8" y="connsiteY8"/>
-              </a:cxn>
-              <a:cxn ang="0">
-                <a:pos x="connsiteX9" y="connsiteY9"/>
-              </a:cxn>
-              <a:cxn ang="0">
-                <a:pos x="connsiteX10" y="connsiteY10"/>
-              </a:cxn>
-              <a:cxn ang="0">
-                <a:pos x="connsiteX11" y="connsiteY11"/>
-              </a:cxn>
-              <a:cxn ang="0">
-                <a:pos x="connsiteX12" y="connsiteY12"/>
-              </a:cxn>
-              <a:cxn ang="0">
-                <a:pos x="connsiteX13" y="connsiteY13"/>
-              </a:cxn>
-              <a:cxn ang="0">
-                <a:pos x="connsiteX14" y="connsiteY14"/>
-              </a:cxn>
-              <a:cxn ang="0">
-                <a:pos x="connsiteX15" y="connsiteY15"/>
-              </a:cxn>
-              <a:cxn ang="0">
-                <a:pos x="connsiteX16" y="connsiteY16"/>
-              </a:cxn>
-              <a:cxn ang="0">
-                <a:pos x="connsiteX17" y="connsiteY17"/>
-              </a:cxn>
-              <a:cxn ang="0">
-                <a:pos x="connsiteX18" y="connsiteY18"/>
-              </a:cxn>
-              <a:cxn ang="0">
-                <a:pos x="connsiteX19" y="connsiteY19"/>
-              </a:cxn>
-              <a:cxn ang="0">
-                <a:pos x="connsiteX20" y="connsiteY20"/>
-              </a:cxn>
-              <a:cxn ang="0">
-                <a:pos x="connsiteX21" y="connsiteY21"/>
-              </a:cxn>
-              <a:cxn ang="0">
-                <a:pos x="connsiteX22" y="connsiteY22"/>
-              </a:cxn>
-              <a:cxn ang="0">
-                <a:pos x="connsiteX23" y="connsiteY23"/>
-              </a:cxn>
-              <a:cxn ang="0">
-                <a:pos x="connsiteX24" y="connsiteY24"/>
-              </a:cxn>
-              <a:cxn ang="0">
-                <a:pos x="connsiteX25" y="connsiteY25"/>
-              </a:cxn>
-              <a:cxn ang="0">
-                <a:pos x="connsiteX26" y="connsiteY26"/>
-              </a:cxn>
-              <a:cxn ang="0">
-                <a:pos x="connsiteX27" y="connsiteY27"/>
-              </a:cxn>
-              <a:cxn ang="0">
-                <a:pos x="connsiteX28" y="connsiteY28"/>
-              </a:cxn>
-              <a:cxn ang="0">
-                <a:pos x="connsiteX29" y="connsiteY29"/>
-              </a:cxn>
-              <a:cxn ang="0">
-                <a:pos x="connsiteX30" y="connsiteY30"/>
-              </a:cxn>
-              <a:cxn ang="0">
-                <a:pos x="connsiteX31" y="connsiteY31"/>
-              </a:cxn>
-              <a:cxn ang="0">
-                <a:pos x="connsiteX32" y="connsiteY32"/>
-              </a:cxn>
-              <a:cxn ang="0">
-                <a:pos x="connsiteX33" y="connsiteY33"/>
-              </a:cxn>
-              <a:cxn ang="0">
-                <a:pos x="connsiteX34" y="connsiteY34"/>
-              </a:cxn>
-              <a:cxn ang="0">
-                <a:pos x="connsiteX35" y="connsiteY35"/>
-              </a:cxn>
-            </a:cxnLst>
-            <a:rect l="l" t="t" r="r" b="b"/>
-            <a:pathLst>
-              <a:path w="10853928" h="18288" fill="none" extrusionOk="0">
-                <a:moveTo>
-                  <a:pt x="0" y="0"/>
-                </a:moveTo>
-                <a:cubicBezTo>
-                  <a:pt x="146993" y="-19076"/>
-                  <a:pt x="347684" y="-4790"/>
-                  <a:pt x="461292" y="0"/>
-                </a:cubicBezTo>
-                <a:cubicBezTo>
-                  <a:pt x="574900" y="4790"/>
-                  <a:pt x="808367" y="19821"/>
-                  <a:pt x="1139662" y="0"/>
-                </a:cubicBezTo>
-                <a:cubicBezTo>
-                  <a:pt x="1470957" y="-19821"/>
-                  <a:pt x="1627405" y="5721"/>
-                  <a:pt x="1926572" y="0"/>
-                </a:cubicBezTo>
-                <a:cubicBezTo>
-                  <a:pt x="2225739" y="-5721"/>
-                  <a:pt x="2137730" y="-3235"/>
-                  <a:pt x="2279325" y="0"/>
-                </a:cubicBezTo>
-                <a:cubicBezTo>
-                  <a:pt x="2420920" y="3235"/>
-                  <a:pt x="2456518" y="9685"/>
-                  <a:pt x="2632078" y="0"/>
-                </a:cubicBezTo>
-                <a:cubicBezTo>
-                  <a:pt x="2807638" y="-9685"/>
-                  <a:pt x="3211516" y="-43007"/>
-                  <a:pt x="3527527" y="0"/>
-                </a:cubicBezTo>
-                <a:cubicBezTo>
-                  <a:pt x="3843538" y="43007"/>
-                  <a:pt x="4058833" y="22042"/>
-                  <a:pt x="4205897" y="0"/>
-                </a:cubicBezTo>
-                <a:cubicBezTo>
-                  <a:pt x="4352961" y="-22042"/>
-                  <a:pt x="4474805" y="-11846"/>
-                  <a:pt x="4558650" y="0"/>
-                </a:cubicBezTo>
-                <a:cubicBezTo>
-                  <a:pt x="4642495" y="11846"/>
-                  <a:pt x="5041928" y="-6069"/>
-                  <a:pt x="5237020" y="0"/>
-                </a:cubicBezTo>
-                <a:cubicBezTo>
-                  <a:pt x="5432112" y="6069"/>
-                  <a:pt x="5943266" y="-17479"/>
-                  <a:pt x="6132469" y="0"/>
-                </a:cubicBezTo>
-                <a:cubicBezTo>
-                  <a:pt x="6321672" y="17479"/>
-                  <a:pt x="6483872" y="26234"/>
-                  <a:pt x="6702301" y="0"/>
-                </a:cubicBezTo>
-                <a:cubicBezTo>
-                  <a:pt x="6920730" y="-26234"/>
-                  <a:pt x="6991194" y="-15156"/>
-                  <a:pt x="7272132" y="0"/>
-                </a:cubicBezTo>
-                <a:cubicBezTo>
-                  <a:pt x="7553070" y="15156"/>
-                  <a:pt x="7684444" y="-32961"/>
-                  <a:pt x="7950502" y="0"/>
-                </a:cubicBezTo>
-                <a:cubicBezTo>
-                  <a:pt x="8216560" y="32961"/>
-                  <a:pt x="8493290" y="-10491"/>
-                  <a:pt x="8737412" y="0"/>
-                </a:cubicBezTo>
-                <a:cubicBezTo>
-                  <a:pt x="8981534" y="10491"/>
-                  <a:pt x="9191586" y="-13899"/>
-                  <a:pt x="9524322" y="0"/>
-                </a:cubicBezTo>
-                <a:cubicBezTo>
-                  <a:pt x="9857058" y="13899"/>
-                  <a:pt x="10297509" y="7485"/>
-                  <a:pt x="10853928" y="0"/>
-                </a:cubicBezTo>
-                <a:cubicBezTo>
-                  <a:pt x="10854574" y="4451"/>
-                  <a:pt x="10854418" y="9226"/>
-                  <a:pt x="10853928" y="18288"/>
-                </a:cubicBezTo>
-                <a:cubicBezTo>
-                  <a:pt x="10691638" y="28522"/>
-                  <a:pt x="10574319" y="29578"/>
-                  <a:pt x="10392636" y="18288"/>
-                </a:cubicBezTo>
-                <a:cubicBezTo>
-                  <a:pt x="10210953" y="6998"/>
-                  <a:pt x="9836277" y="-16742"/>
-                  <a:pt x="9497187" y="18288"/>
-                </a:cubicBezTo>
-                <a:cubicBezTo>
-                  <a:pt x="9158097" y="53318"/>
-                  <a:pt x="9119479" y="30714"/>
-                  <a:pt x="8818817" y="18288"/>
-                </a:cubicBezTo>
-                <a:cubicBezTo>
-                  <a:pt x="8518155" y="5863"/>
-                  <a:pt x="8640037" y="6483"/>
-                  <a:pt x="8466064" y="18288"/>
-                </a:cubicBezTo>
-                <a:cubicBezTo>
-                  <a:pt x="8292091" y="30093"/>
-                  <a:pt x="7997656" y="18914"/>
-                  <a:pt x="7787693" y="18288"/>
-                </a:cubicBezTo>
-                <a:cubicBezTo>
-                  <a:pt x="7577730" y="17662"/>
-                  <a:pt x="7412468" y="21416"/>
-                  <a:pt x="7217862" y="18288"/>
-                </a:cubicBezTo>
-                <a:cubicBezTo>
-                  <a:pt x="7023256" y="15160"/>
-                  <a:pt x="6898018" y="14824"/>
-                  <a:pt x="6648031" y="18288"/>
-                </a:cubicBezTo>
-                <a:cubicBezTo>
-                  <a:pt x="6398044" y="21752"/>
-                  <a:pt x="6254402" y="38625"/>
-                  <a:pt x="6078200" y="18288"/>
-                </a:cubicBezTo>
-                <a:cubicBezTo>
-                  <a:pt x="5901998" y="-2049"/>
-                  <a:pt x="5622886" y="3213"/>
-                  <a:pt x="5508368" y="18288"/>
-                </a:cubicBezTo>
-                <a:cubicBezTo>
-                  <a:pt x="5393850" y="33363"/>
-                  <a:pt x="5036260" y="26830"/>
-                  <a:pt x="4721459" y="18288"/>
-                </a:cubicBezTo>
-                <a:cubicBezTo>
-                  <a:pt x="4406658" y="9746"/>
-                  <a:pt x="4239221" y="41551"/>
-                  <a:pt x="4043088" y="18288"/>
-                </a:cubicBezTo>
-                <a:cubicBezTo>
-                  <a:pt x="3846955" y="-4975"/>
-                  <a:pt x="3818802" y="34658"/>
-                  <a:pt x="3690336" y="18288"/>
-                </a:cubicBezTo>
-                <a:cubicBezTo>
-                  <a:pt x="3561870" y="1918"/>
-                  <a:pt x="3265491" y="42194"/>
-                  <a:pt x="3120504" y="18288"/>
-                </a:cubicBezTo>
-                <a:cubicBezTo>
-                  <a:pt x="2975517" y="-5618"/>
-                  <a:pt x="2720254" y="36673"/>
-                  <a:pt x="2333595" y="18288"/>
-                </a:cubicBezTo>
-                <a:cubicBezTo>
-                  <a:pt x="1946936" y="-97"/>
-                  <a:pt x="2097241" y="5776"/>
-                  <a:pt x="1872303" y="18288"/>
-                </a:cubicBezTo>
-                <a:cubicBezTo>
-                  <a:pt x="1647365" y="30800"/>
-                  <a:pt x="1282708" y="45380"/>
-                  <a:pt x="976854" y="18288"/>
-                </a:cubicBezTo>
-                <a:cubicBezTo>
-                  <a:pt x="671000" y="-8804"/>
-                  <a:pt x="408401" y="-12775"/>
-                  <a:pt x="0" y="18288"/>
-                </a:cubicBezTo>
-                <a:cubicBezTo>
-                  <a:pt x="-213" y="9468"/>
-                  <a:pt x="187" y="4459"/>
-                  <a:pt x="0" y="0"/>
-                </a:cubicBezTo>
-                <a:close/>
-              </a:path>
-              <a:path w="10853928" h="18288" stroke="0" extrusionOk="0">
-                <a:moveTo>
-                  <a:pt x="0" y="0"/>
-                </a:moveTo>
-                <a:cubicBezTo>
-                  <a:pt x="267322" y="15284"/>
-                  <a:pt x="415388" y="-21048"/>
-                  <a:pt x="569831" y="0"/>
-                </a:cubicBezTo>
-                <a:cubicBezTo>
-                  <a:pt x="724274" y="21048"/>
-                  <a:pt x="769333" y="-2353"/>
-                  <a:pt x="922584" y="0"/>
-                </a:cubicBezTo>
-                <a:cubicBezTo>
-                  <a:pt x="1075835" y="2353"/>
-                  <a:pt x="1399490" y="-145"/>
-                  <a:pt x="1818033" y="0"/>
-                </a:cubicBezTo>
-                <a:cubicBezTo>
-                  <a:pt x="2236576" y="145"/>
-                  <a:pt x="2145330" y="5482"/>
-                  <a:pt x="2387864" y="0"/>
-                </a:cubicBezTo>
-                <a:cubicBezTo>
-                  <a:pt x="2630398" y="-5482"/>
-                  <a:pt x="2793207" y="18487"/>
-                  <a:pt x="2957695" y="0"/>
-                </a:cubicBezTo>
-                <a:cubicBezTo>
-                  <a:pt x="3122183" y="-18487"/>
-                  <a:pt x="3579141" y="19003"/>
-                  <a:pt x="3853144" y="0"/>
-                </a:cubicBezTo>
-                <a:cubicBezTo>
-                  <a:pt x="4127147" y="-19003"/>
-                  <a:pt x="4209857" y="12211"/>
-                  <a:pt x="4314436" y="0"/>
-                </a:cubicBezTo>
-                <a:cubicBezTo>
-                  <a:pt x="4419015" y="-12211"/>
-                  <a:pt x="4762459" y="-17220"/>
-                  <a:pt x="5209885" y="0"/>
-                </a:cubicBezTo>
-                <a:cubicBezTo>
-                  <a:pt x="5657311" y="17220"/>
-                  <a:pt x="5692663" y="-3290"/>
-                  <a:pt x="6105335" y="0"/>
-                </a:cubicBezTo>
-                <a:cubicBezTo>
-                  <a:pt x="6518007" y="3290"/>
-                  <a:pt x="6455516" y="-5124"/>
-                  <a:pt x="6783705" y="0"/>
-                </a:cubicBezTo>
-                <a:cubicBezTo>
-                  <a:pt x="7111894" y="5124"/>
-                  <a:pt x="7441941" y="-17829"/>
-                  <a:pt x="7679154" y="0"/>
-                </a:cubicBezTo>
-                <a:cubicBezTo>
-                  <a:pt x="7916367" y="17829"/>
-                  <a:pt x="8102967" y="-24363"/>
-                  <a:pt x="8248985" y="0"/>
-                </a:cubicBezTo>
-                <a:cubicBezTo>
-                  <a:pt x="8395003" y="24363"/>
-                  <a:pt x="8552393" y="25505"/>
-                  <a:pt x="8818817" y="0"/>
-                </a:cubicBezTo>
-                <a:cubicBezTo>
-                  <a:pt x="9085241" y="-25505"/>
-                  <a:pt x="9411308" y="38000"/>
-                  <a:pt x="9605726" y="0"/>
-                </a:cubicBezTo>
-                <a:cubicBezTo>
-                  <a:pt x="9800144" y="-38000"/>
-                  <a:pt x="10006468" y="-25741"/>
-                  <a:pt x="10175558" y="0"/>
-                </a:cubicBezTo>
-                <a:cubicBezTo>
-                  <a:pt x="10344648" y="25741"/>
-                  <a:pt x="10696282" y="695"/>
-                  <a:pt x="10853928" y="0"/>
-                </a:cubicBezTo>
-                <a:cubicBezTo>
-                  <a:pt x="10853521" y="8690"/>
-                  <a:pt x="10853774" y="14141"/>
-                  <a:pt x="10853928" y="18288"/>
-                </a:cubicBezTo>
-                <a:cubicBezTo>
-                  <a:pt x="10608124" y="24255"/>
-                  <a:pt x="10343415" y="22307"/>
-                  <a:pt x="10067018" y="18288"/>
-                </a:cubicBezTo>
-                <a:cubicBezTo>
-                  <a:pt x="9790621" y="14270"/>
-                  <a:pt x="9843266" y="3564"/>
-                  <a:pt x="9714266" y="18288"/>
-                </a:cubicBezTo>
-                <a:cubicBezTo>
-                  <a:pt x="9585266" y="33012"/>
-                  <a:pt x="9379484" y="1875"/>
-                  <a:pt x="9252974" y="18288"/>
-                </a:cubicBezTo>
-                <a:cubicBezTo>
-                  <a:pt x="9126464" y="34701"/>
-                  <a:pt x="8580678" y="-4904"/>
-                  <a:pt x="8357525" y="18288"/>
-                </a:cubicBezTo>
-                <a:cubicBezTo>
-                  <a:pt x="8134372" y="41480"/>
-                  <a:pt x="7903199" y="26458"/>
-                  <a:pt x="7679154" y="18288"/>
-                </a:cubicBezTo>
-                <a:cubicBezTo>
-                  <a:pt x="7455109" y="10118"/>
-                  <a:pt x="7435944" y="27109"/>
-                  <a:pt x="7217862" y="18288"/>
-                </a:cubicBezTo>
-                <a:cubicBezTo>
-                  <a:pt x="6999780" y="9467"/>
-                  <a:pt x="6680409" y="18985"/>
-                  <a:pt x="6539492" y="18288"/>
-                </a:cubicBezTo>
-                <a:cubicBezTo>
-                  <a:pt x="6398575" y="17592"/>
-                  <a:pt x="6312077" y="33018"/>
-                  <a:pt x="6186739" y="18288"/>
-                </a:cubicBezTo>
-                <a:cubicBezTo>
-                  <a:pt x="6061401" y="3558"/>
-                  <a:pt x="5947033" y="12075"/>
-                  <a:pt x="5833986" y="18288"/>
-                </a:cubicBezTo>
-                <a:cubicBezTo>
-                  <a:pt x="5720939" y="24501"/>
-                  <a:pt x="5482226" y="8586"/>
-                  <a:pt x="5155616" y="18288"/>
-                </a:cubicBezTo>
-                <a:cubicBezTo>
-                  <a:pt x="4829006" y="27991"/>
-                  <a:pt x="4841274" y="29316"/>
-                  <a:pt x="4694324" y="18288"/>
-                </a:cubicBezTo>
-                <a:cubicBezTo>
-                  <a:pt x="4547374" y="7260"/>
-                  <a:pt x="4077675" y="7013"/>
-                  <a:pt x="3907414" y="18288"/>
-                </a:cubicBezTo>
-                <a:cubicBezTo>
-                  <a:pt x="3737153" y="29564"/>
-                  <a:pt x="3538393" y="21630"/>
-                  <a:pt x="3446122" y="18288"/>
-                </a:cubicBezTo>
-                <a:cubicBezTo>
-                  <a:pt x="3353851" y="14946"/>
-                  <a:pt x="2990320" y="-8091"/>
-                  <a:pt x="2659212" y="18288"/>
-                </a:cubicBezTo>
-                <a:cubicBezTo>
-                  <a:pt x="2328104" y="44667"/>
-                  <a:pt x="2427653" y="9607"/>
-                  <a:pt x="2306460" y="18288"/>
-                </a:cubicBezTo>
-                <a:cubicBezTo>
-                  <a:pt x="2185267" y="26969"/>
-                  <a:pt x="1719763" y="3717"/>
-                  <a:pt x="1519550" y="18288"/>
-                </a:cubicBezTo>
-                <a:cubicBezTo>
-                  <a:pt x="1319337" y="32860"/>
-                  <a:pt x="1167371" y="17040"/>
-                  <a:pt x="1058258" y="18288"/>
-                </a:cubicBezTo>
-                <a:cubicBezTo>
-                  <a:pt x="949145" y="19536"/>
-                  <a:pt x="780234" y="31447"/>
-                  <a:pt x="705505" y="18288"/>
-                </a:cubicBezTo>
-                <a:cubicBezTo>
-                  <a:pt x="630776" y="5129"/>
-                  <a:pt x="215796" y="30056"/>
-                  <a:pt x="0" y="18288"/>
-                </a:cubicBezTo>
-                <a:cubicBezTo>
-                  <a:pt x="-53" y="11301"/>
-                  <a:pt x="-649" y="7756"/>
-                  <a:pt x="0" y="0"/>
-                </a:cubicBezTo>
-                <a:close/>
-              </a:path>
-            </a:pathLst>
-          </a:custGeom>
-          <a:solidFill>
-            <a:schemeClr val="accent2"/>
-          </a:solidFill>
-          <a:ln w="41275" cap="rnd">
-            <a:solidFill>
-              <a:schemeClr val="accent2"/>
-            </a:solidFill>
-            <a:round/>
-            <a:extLst>
-              <a:ext uri="{C807C97D-BFC1-408E-A445-0C87EB9F89A2}">
-                <ask:lineSketchStyleProps xmlns:ask="http://schemas.microsoft.com/office/drawing/2018/sketchyshapes" sd="1219033472">
-                  <a:prstGeom prst="rect">
-                    <a:avLst/>
-                  </a:prstGeom>
-                  <ask:type>
-                    <ask:lineSketchFreehand/>
-                  </ask:type>
-                </ask:lineSketchStyleProps>
-              </a:ext>
-            </a:extLst>
-          </a:ln>
-        </p:spPr>
-        <p:style>
-          <a:lnRef idx="2">
-            <a:schemeClr val="accent1">
-              <a:shade val="50000"/>
-            </a:schemeClr>
-          </a:lnRef>
-          <a:fillRef idx="1">
-            <a:schemeClr val="accent1"/>
-          </a:fillRef>
-          <a:effectRef idx="0">
-            <a:schemeClr val="accent1"/>
-          </a:effectRef>
-          <a:fontRef idx="minor">
-            <a:schemeClr val="lt1"/>
-          </a:fontRef>
-        </p:style>
-        <p:txBody>
-          <a:bodyPr rtlCol="0" anchor="ctr"/>
-          <a:lstStyle/>
-          <a:p>
-            <a:pPr algn="ctr"/>
-            <a:endParaRPr lang="en-US"/>
-          </a:p>
-        </p:txBody>
-      </p:sp>
-      <p:sp>
-        <p:nvSpPr>
-          <p:cNvPr id="4" name="Rectangle 1">
-            <a:extLst>
-              <a:ext uri="{FF2B5EF4-FFF2-40B4-BE49-F238E27FC236}">
-                <a16:creationId xmlns:a16="http://schemas.microsoft.com/office/drawing/2014/main" id="{8EC02B46-22B0-7F99-5B2D-B1C0AC5C0A02}"/>
-              </a:ext>
-            </a:extLst>
-          </p:cNvPr>
-          <p:cNvSpPr>
-            <a:spLocks noGrp="1" noChangeArrowheads="1"/>
-          </p:cNvSpPr>
-          <p:nvPr>
-            <p:ph idx="1"/>
-          </p:nvPr>
-        </p:nvSpPr>
-        <p:spPr bwMode="auto">
-          <a:xfrm>
-            <a:off x="838200" y="1929384"/>
-            <a:ext cx="10515600" cy="4251960"/>
-          </a:xfrm>
-          <a:prstGeom prst="rect">
-            <a:avLst/>
-          </a:prstGeom>
-          <a:extLst>
-            <a:ext uri="{909E8E84-426E-40DD-AFC4-6F175D3DCCD1}">
-              <a14:hiddenFill xmlns:a14="http://schemas.microsoft.com/office/drawing/2010/main">
-                <a:solidFill>
-                  <a:schemeClr val="accent1"/>
-                </a:solidFill>
-              </a14:hiddenFill>
-            </a:ext>
-            <a:ext uri="{91240B29-F687-4F45-9708-019B960494DF}">
-              <a14:hiddenLine xmlns:a14="http://schemas.microsoft.com/office/drawing/2010/main" w="9525">
-                <a:solidFill>
-                  <a:schemeClr val="tx1"/>
-                </a:solidFill>
-                <a:miter lim="800000"/>
-                <a:headEnd/>
-                <a:tailEnd/>
-              </a14:hiddenLine>
-            </a:ext>
-            <a:ext uri="{AF507438-7753-43E0-B8FC-AC1667EBCBE1}">
-              <a14:hiddenEffects xmlns:a14="http://schemas.microsoft.com/office/drawing/2010/main">
-                <a:effectLst>
-                  <a:outerShdw dist="35921" dir="2700000" algn="ctr" rotWithShape="0">
-                    <a:schemeClr val="bg2"/>
-                  </a:outerShdw>
-                </a:effectLst>
-              </a14:hiddenEffects>
-            </a:ext>
-          </a:extLst>
-        </p:spPr>
-        <p:txBody>
-          <a:bodyPr vert="horz" lIns="91440" tIns="45720" rIns="91440" bIns="45720" numCol="1" anchorCtr="0" compatLnSpc="1">
-            <a:prstTxWarp prst="textNoShape">
-              <a:avLst/>
-            </a:prstTxWarp>
-            <a:normAutofit/>
-          </a:bodyPr>
-          <a:lstStyle/>
-          <a:p>
-            <a:pPr marL="342900" marR="0" lvl="0" indent="-342900" defTabSz="914400" rtl="0" eaLnBrk="0" fontAlgn="base" latinLnBrk="0" hangingPunct="0">
-              <a:spcBef>
-                <a:spcPct val="0"/>
-              </a:spcBef>
-              <a:spcAft>
-                <a:spcPts val="600"/>
-              </a:spcAft>
-              <a:buClrTx/>
-              <a:buSzTx/>
-              <a:buFont typeface="+mj-lt"/>
-              <a:buAutoNum type="arabicPeriod"/>
-              <a:tabLst/>
-            </a:pPr>
-            <a:r>
-              <a:rPr kumimoji="0" lang="it-IT" altLang="it-IT" sz="2200" i="0" u="none" strike="noStrike" cap="none" normalizeH="0" baseline="0" dirty="0">
-                <a:ln>
-                  <a:noFill/>
-                </a:ln>
-                <a:effectLst/>
-              </a:rPr>
-              <a:t>Progettare un controllore MPC  per portare il sistema da (h1,h2,h3,h4)=(1.3767, 2.2772, 0.8386, 0.5604)</a:t>
-            </a:r>
-            <a:br>
-              <a:rPr kumimoji="0" lang="it-IT" altLang="it-IT" sz="2200" i="0" u="none" strike="noStrike" cap="none" normalizeH="0" baseline="0" dirty="0">
-                <a:ln>
-                  <a:noFill/>
-                </a:ln>
-                <a:effectLst/>
-              </a:rPr>
-            </a:br>
-            <a:r>
-              <a:rPr kumimoji="0" lang="it-IT" altLang="it-IT" sz="2200" i="0" u="none" strike="noStrike" cap="none" normalizeH="0" baseline="0" dirty="0">
-                <a:ln>
-                  <a:noFill/>
-                </a:ln>
-                <a:effectLst/>
-              </a:rPr>
-              <a:t>all’equilibrio desiderato (7.8253, 18.7323, 3.3545, 7.8801)</a:t>
-            </a:r>
-            <a:r>
-              <a:rPr lang="it-IT" altLang="it-IT" sz="2200" dirty="0"/>
-              <a:t> </a:t>
-            </a:r>
-            <a:r>
-              <a:rPr kumimoji="0" lang="it-IT" altLang="it-IT" sz="2200" i="0" u="none" strike="noStrike" cap="none" normalizeH="0" baseline="0" dirty="0">
-                <a:ln>
-                  <a:noFill/>
-                </a:ln>
-                <a:effectLst/>
-              </a:rPr>
-              <a:t>rispettando i vincoli su stati e ingressi.</a:t>
-            </a:r>
-          </a:p>
-          <a:p>
-            <a:pPr marL="342900" marR="0" lvl="0" indent="-342900" defTabSz="914400" rtl="0" eaLnBrk="0" fontAlgn="base" latinLnBrk="0" hangingPunct="0">
-              <a:spcBef>
-                <a:spcPct val="0"/>
-              </a:spcBef>
-              <a:spcAft>
-                <a:spcPts val="600"/>
-              </a:spcAft>
-              <a:buClrTx/>
-              <a:buSzTx/>
-              <a:buFont typeface="+mj-lt"/>
-              <a:buAutoNum type="arabicPeriod"/>
-              <a:tabLst/>
-            </a:pPr>
-            <a:r>
-              <a:rPr kumimoji="0" lang="it-IT" altLang="it-IT" sz="2200" i="0" u="none" strike="noStrike" cap="none" normalizeH="0" baseline="0" dirty="0">
-                <a:ln>
-                  <a:noFill/>
-                </a:ln>
-                <a:effectLst/>
-              </a:rPr>
-              <a:t>Confrontare le prestazioni del controllore MPC variando:</a:t>
-            </a:r>
-          </a:p>
-          <a:p>
-            <a:pPr marL="342900" marR="0" lvl="0" indent="-342900" defTabSz="914400" rtl="0" eaLnBrk="0" fontAlgn="base" latinLnBrk="0" hangingPunct="0">
-              <a:spcBef>
-                <a:spcPct val="0"/>
-              </a:spcBef>
-              <a:spcAft>
-                <a:spcPts val="600"/>
-              </a:spcAft>
-              <a:buClrTx/>
-              <a:buSzTx/>
-              <a:buFont typeface="+mj-lt"/>
-              <a:buAutoNum type="arabicPeriod"/>
-              <a:tabLst/>
-            </a:pPr>
-            <a:r>
-              <a:rPr kumimoji="0" lang="it-IT" altLang="it-IT" sz="2200" i="0" u="none" strike="noStrike" cap="none" normalizeH="0" baseline="0" dirty="0">
-                <a:ln>
-                  <a:noFill/>
-                </a:ln>
-                <a:effectLst/>
-              </a:rPr>
-              <a:t>Il vincolo terminale (uguaglianza vs disuguaglianza)</a:t>
-            </a:r>
-          </a:p>
-          <a:p>
-            <a:pPr marL="342900" marR="0" lvl="0" indent="-342900" defTabSz="914400" rtl="0" eaLnBrk="0" fontAlgn="base" latinLnBrk="0" hangingPunct="0">
-              <a:spcBef>
-                <a:spcPct val="0"/>
-              </a:spcBef>
-              <a:spcAft>
-                <a:spcPts val="600"/>
-              </a:spcAft>
-              <a:buClrTx/>
-              <a:buSzTx/>
-              <a:buFont typeface="+mj-lt"/>
-              <a:buAutoNum type="arabicPeriod"/>
-              <a:tabLst/>
-            </a:pPr>
-            <a:r>
-              <a:rPr kumimoji="0" lang="it-IT" altLang="it-IT" sz="2200" i="0" u="none" strike="noStrike" cap="none" normalizeH="0" baseline="0" dirty="0">
-                <a:ln>
-                  <a:noFill/>
-                </a:ln>
-                <a:effectLst/>
-              </a:rPr>
-              <a:t>Le matrici di costo Q e R</a:t>
-            </a:r>
-          </a:p>
-          <a:p>
-            <a:pPr marL="342900" marR="0" lvl="0" indent="-342900" defTabSz="914400" rtl="0" eaLnBrk="0" fontAlgn="base" latinLnBrk="0" hangingPunct="0">
-              <a:spcBef>
-                <a:spcPct val="0"/>
-              </a:spcBef>
-              <a:spcAft>
-                <a:spcPts val="600"/>
-              </a:spcAft>
-              <a:buClrTx/>
-              <a:buSzTx/>
-              <a:buFont typeface="+mj-lt"/>
-              <a:buAutoNum type="arabicPeriod"/>
-              <a:tabLst/>
-            </a:pPr>
-            <a:r>
-              <a:rPr kumimoji="0" lang="it-IT" altLang="it-IT" sz="2200" i="0" u="none" strike="noStrike" cap="none" normalizeH="0" baseline="0" dirty="0">
-                <a:ln>
-                  <a:noFill/>
-                </a:ln>
-                <a:effectLst/>
-              </a:rPr>
-              <a:t>L’orizzonte di predizione </a:t>
-            </a:r>
-          </a:p>
-          <a:p>
-            <a:pPr marL="342900" marR="0" lvl="0" indent="-342900" defTabSz="914400" rtl="0" eaLnBrk="0" fontAlgn="base" latinLnBrk="0" hangingPunct="0">
-              <a:spcBef>
-                <a:spcPct val="0"/>
-              </a:spcBef>
-              <a:spcAft>
-                <a:spcPts val="600"/>
-              </a:spcAft>
-              <a:buClrTx/>
-              <a:buSzTx/>
-              <a:buFont typeface="+mj-lt"/>
-              <a:buAutoNum type="arabicPeriod"/>
-              <a:tabLst/>
-            </a:pPr>
-            <a:r>
-              <a:rPr kumimoji="0" lang="it-IT" altLang="it-IT" sz="2200" i="0" u="none" strike="noStrike" cap="none" normalizeH="0" baseline="0" dirty="0">
-                <a:ln>
-                  <a:noFill/>
-                </a:ln>
-                <a:effectLst/>
-              </a:rPr>
-              <a:t>Il tempo di campionamento Ts≥1 </a:t>
-            </a:r>
-          </a:p>
-        </p:txBody>
-      </p:sp>
-      <p:sp>
-        <p:nvSpPr>
-          <p:cNvPr id="5" name="Segnaposto piè di pagina 4">
-            <a:extLst>
-              <a:ext uri="{FF2B5EF4-FFF2-40B4-BE49-F238E27FC236}">
-                <a16:creationId xmlns:a16="http://schemas.microsoft.com/office/drawing/2014/main" id="{A3AC0D33-E7ED-A445-E441-7324FF53B8A5}"/>
-              </a:ext>
-            </a:extLst>
-          </p:cNvPr>
-          <p:cNvSpPr>
-            <a:spLocks noGrp="1"/>
-          </p:cNvSpPr>
-          <p:nvPr>
-            <p:ph type="ftr" sz="quarter" idx="11"/>
-          </p:nvPr>
-        </p:nvSpPr>
-        <p:spPr>
-          <a:xfrm>
-            <a:off x="4038600" y="6356350"/>
-            <a:ext cx="4114800" cy="365125"/>
-          </a:xfrm>
-        </p:spPr>
-        <p:txBody>
-          <a:bodyPr>
-            <a:normAutofit/>
-          </a:bodyPr>
-          <a:lstStyle/>
-          <a:p>
-            <a:pPr>
-              <a:spcAft>
-                <a:spcPts val="600"/>
-              </a:spcAft>
-            </a:pPr>
-            <a:r>
-              <a:rPr lang="it-IT"/>
-              <a:t>Davide Brambilla [1080752], Giorgio Passarella[1079287]</a:t>
-            </a:r>
-          </a:p>
-        </p:txBody>
-      </p:sp>
-    </p:spTree>
-    <p:extLst>
-      <p:ext uri="{BB962C8B-B14F-4D97-AF65-F5344CB8AC3E}">
-        <p14:creationId xmlns:p14="http://schemas.microsoft.com/office/powerpoint/2010/main" val="3269629714"/>
-      </p:ext>
-    </p:extLst>
-  </p:cSld>
-  <p:clrMapOvr>
-    <a:masterClrMapping/>
-  </p:clrMapOvr>
-</p:sld>
-</file>
-
-<file path=ppt/slides/slide30.xml><?xml version="1.0" encoding="utf-8"?>
+<file path=ppt/slides/slide31.xml><?xml version="1.0" encoding="utf-8"?>
 <p:sld xmlns:a="http://schemas.openxmlformats.org/drawingml/2006/main" xmlns:r="http://schemas.openxmlformats.org/officeDocument/2006/relationships" xmlns:p="http://schemas.openxmlformats.org/presentationml/2006/main">
   <p:cSld>
     <p:bg>
@@ -22354,7 +24469,7 @@
 </p:sld>
 </file>
 
-<file path=ppt/slides/slide31.xml><?xml version="1.0" encoding="utf-8"?>
+<file path=ppt/slides/slide32.xml><?xml version="1.0" encoding="utf-8"?>
 <p:sld xmlns:a="http://schemas.openxmlformats.org/drawingml/2006/main" xmlns:r="http://schemas.openxmlformats.org/officeDocument/2006/relationships" xmlns:p="http://schemas.openxmlformats.org/presentationml/2006/main">
   <p:cSld>
     <p:bg>
@@ -23507,7 +25622,7 @@
 </p:sld>
 </file>
 
-<file path=ppt/slides/slide32.xml><?xml version="1.0" encoding="utf-8"?>
+<file path=ppt/slides/slide33.xml><?xml version="1.0" encoding="utf-8"?>
 <p:sld xmlns:a="http://schemas.openxmlformats.org/drawingml/2006/main" xmlns:r="http://schemas.openxmlformats.org/officeDocument/2006/relationships" xmlns:p="http://schemas.openxmlformats.org/presentationml/2006/main">
   <p:cSld>
     <p:bg>

--- a/cam.pptx
+++ b/cam.pptx
@@ -5,7 +5,7 @@
     <p:sldMasterId id="2147483648" r:id="rId1"/>
   </p:sldMasterIdLst>
   <p:notesMasterIdLst>
-    <p:notesMasterId r:id="rId34"/>
+    <p:notesMasterId r:id="rId35"/>
   </p:notesMasterIdLst>
   <p:sldIdLst>
     <p:sldId id="256" r:id="rId2"/>
@@ -31,15 +31,16 @@
     <p:sldId id="290" r:id="rId22"/>
     <p:sldId id="291" r:id="rId23"/>
     <p:sldId id="292" r:id="rId24"/>
-    <p:sldId id="277" r:id="rId25"/>
-    <p:sldId id="282" r:id="rId26"/>
-    <p:sldId id="280" r:id="rId27"/>
-    <p:sldId id="283" r:id="rId28"/>
-    <p:sldId id="286" r:id="rId29"/>
-    <p:sldId id="284" r:id="rId30"/>
-    <p:sldId id="287" r:id="rId31"/>
-    <p:sldId id="285" r:id="rId32"/>
-    <p:sldId id="288" r:id="rId33"/>
+    <p:sldId id="293" r:id="rId25"/>
+    <p:sldId id="277" r:id="rId26"/>
+    <p:sldId id="282" r:id="rId27"/>
+    <p:sldId id="280" r:id="rId28"/>
+    <p:sldId id="283" r:id="rId29"/>
+    <p:sldId id="286" r:id="rId30"/>
+    <p:sldId id="284" r:id="rId31"/>
+    <p:sldId id="287" r:id="rId32"/>
+    <p:sldId id="285" r:id="rId33"/>
+    <p:sldId id="288" r:id="rId34"/>
   </p:sldIdLst>
   <p:sldSz cx="12192000" cy="6858000"/>
   <p:notesSz cx="6858000" cy="9144000"/>
@@ -493,6 +494,1814 @@
     </a:lvl9pPr>
   </p:notesStyle>
 </p:notesMaster>
+</file>
+
+<file path=ppt/notesSlides/notesSlide1.xml><?xml version="1.0" encoding="utf-8"?>
+<p:notes xmlns:a="http://schemas.openxmlformats.org/drawingml/2006/main" xmlns:r="http://schemas.openxmlformats.org/officeDocument/2006/relationships" xmlns:p="http://schemas.openxmlformats.org/presentationml/2006/main">
+  <p:cSld>
+    <p:spTree>
+      <p:nvGrpSpPr>
+        <p:cNvPr id="1" name=""/>
+        <p:cNvGrpSpPr/>
+        <p:nvPr/>
+      </p:nvGrpSpPr>
+      <p:grpSpPr>
+        <a:xfrm>
+          <a:off x="0" y="0"/>
+          <a:ext cx="0" cy="0"/>
+          <a:chOff x="0" y="0"/>
+          <a:chExt cx="0" cy="0"/>
+        </a:xfrm>
+      </p:grpSpPr>
+      <p:sp>
+        <p:nvSpPr>
+          <p:cNvPr id="2" name="Segnaposto immagine diapositiva 1"/>
+          <p:cNvSpPr>
+            <a:spLocks noGrp="1" noRot="1" noChangeAspect="1"/>
+          </p:cNvSpPr>
+          <p:nvPr>
+            <p:ph type="sldImg"/>
+          </p:nvPr>
+        </p:nvSpPr>
+        <p:spPr/>
+      </p:sp>
+      <p:sp>
+        <p:nvSpPr>
+          <p:cNvPr id="3" name="Segnaposto note 2"/>
+          <p:cNvSpPr>
+            <a:spLocks noGrp="1"/>
+          </p:cNvSpPr>
+          <p:nvPr>
+            <p:ph type="body" idx="1"/>
+          </p:nvPr>
+        </p:nvSpPr>
+        <p:spPr/>
+        <p:txBody>
+          <a:bodyPr/>
+          <a:lstStyle/>
+          <a:p>
+            <a:endParaRPr lang="it-IT" sz="1200" b="0" i="0" kern="1200" dirty="0">
+              <a:solidFill>
+                <a:schemeClr val="tx1"/>
+              </a:solidFill>
+              <a:effectLst/>
+              <a:latin typeface="+mn-lt"/>
+              <a:ea typeface="+mn-ea"/>
+              <a:cs typeface="+mn-cs"/>
+            </a:endParaRPr>
+          </a:p>
+          <a:p>
+            <a:r>
+              <a:rPr lang="it-IT" sz="1200" dirty="0"/>
+              <a:t>l(x(N–1),u(N–1)) ad ogni step</a:t>
+            </a:r>
+          </a:p>
+          <a:p>
+            <a:endParaRPr lang="it-IT" sz="1200" b="0" i="0" kern="1200" dirty="0">
+              <a:solidFill>
+                <a:schemeClr val="tx1"/>
+              </a:solidFill>
+              <a:effectLst/>
+              <a:latin typeface="+mn-lt"/>
+              <a:ea typeface="+mn-ea"/>
+              <a:cs typeface="+mn-cs"/>
+            </a:endParaRPr>
+          </a:p>
+          <a:p>
+            <a:r>
+              <a:rPr lang="it-IT" sz="1200" b="0" i="0" kern="1200" dirty="0">
+                <a:solidFill>
+                  <a:schemeClr val="tx1"/>
+                </a:solidFill>
+                <a:effectLst/>
+                <a:latin typeface="+mn-lt"/>
+                <a:ea typeface="+mn-ea"/>
+                <a:cs typeface="+mn-cs"/>
+              </a:rPr>
+              <a:t>Significa che:</a:t>
+            </a:r>
+          </a:p>
+          <a:p>
+            <a:r>
+              <a:rPr lang="it-IT" sz="1200" b="0" i="0" kern="1200" dirty="0">
+                <a:solidFill>
+                  <a:schemeClr val="tx1"/>
+                </a:solidFill>
+                <a:effectLst/>
+                <a:latin typeface="+mn-lt"/>
+                <a:ea typeface="+mn-ea"/>
+                <a:cs typeface="+mn-cs"/>
+              </a:rPr>
+              <a:t>La funzione </a:t>
+            </a:r>
+            <a:r>
+              <a:rPr lang="it-IT" sz="1200" b="0" i="0" kern="1200" dirty="0" err="1">
+                <a:solidFill>
+                  <a:schemeClr val="tx1"/>
+                </a:solidFill>
+                <a:effectLst/>
+                <a:latin typeface="+mn-lt"/>
+                <a:ea typeface="+mn-ea"/>
+                <a:cs typeface="+mn-cs"/>
+              </a:rPr>
+              <a:t>Vf</a:t>
+            </a:r>
+            <a:r>
+              <a:rPr lang="it-IT" sz="1200" b="0" i="0" kern="1200" dirty="0">
+                <a:solidFill>
+                  <a:schemeClr val="tx1"/>
+                </a:solidFill>
+                <a:effectLst/>
+                <a:latin typeface="+mn-lt"/>
+                <a:ea typeface="+mn-ea"/>
+                <a:cs typeface="+mn-cs"/>
+              </a:rPr>
+              <a:t>(x)</a:t>
+            </a:r>
+            <a:r>
+              <a:rPr lang="it-IT" sz="1200" b="0" i="1" kern="1200" dirty="0" err="1">
+                <a:solidFill>
+                  <a:schemeClr val="tx1"/>
+                </a:solidFill>
+                <a:effectLst/>
+                <a:latin typeface="+mn-lt"/>
+                <a:ea typeface="+mn-ea"/>
+                <a:cs typeface="+mn-cs"/>
+              </a:rPr>
+              <a:t>Vf</a:t>
+            </a:r>
+            <a:r>
+              <a:rPr lang="it-IT" sz="1200" b="0" i="0" kern="1200" dirty="0">
+                <a:solidFill>
+                  <a:schemeClr val="tx1"/>
+                </a:solidFill>
+                <a:effectLst/>
+                <a:latin typeface="+mn-lt"/>
+                <a:ea typeface="+mn-ea"/>
+                <a:cs typeface="+mn-cs"/>
+              </a:rPr>
+              <a:t>​(</a:t>
+            </a:r>
+            <a:r>
+              <a:rPr lang="it-IT" sz="1200" b="0" i="1" kern="1200" dirty="0">
+                <a:solidFill>
+                  <a:schemeClr val="tx1"/>
+                </a:solidFill>
+                <a:effectLst/>
+                <a:latin typeface="+mn-lt"/>
+                <a:ea typeface="+mn-ea"/>
+                <a:cs typeface="+mn-cs"/>
+              </a:rPr>
+              <a:t>x</a:t>
+            </a:r>
+            <a:r>
+              <a:rPr lang="it-IT" sz="1200" b="0" i="0" kern="1200" dirty="0">
+                <a:solidFill>
+                  <a:schemeClr val="tx1"/>
+                </a:solidFill>
+                <a:effectLst/>
+                <a:latin typeface="+mn-lt"/>
+                <a:ea typeface="+mn-ea"/>
+                <a:cs typeface="+mn-cs"/>
+              </a:rPr>
+              <a:t>) è </a:t>
+            </a:r>
+            <a:r>
+              <a:rPr lang="it-IT" sz="1200" b="1" i="0" kern="1200" dirty="0">
+                <a:solidFill>
+                  <a:schemeClr val="tx1"/>
+                </a:solidFill>
+                <a:effectLst/>
+                <a:latin typeface="+mn-lt"/>
+                <a:ea typeface="+mn-ea"/>
+                <a:cs typeface="+mn-cs"/>
+              </a:rPr>
+              <a:t>costruita appositamente</a:t>
+            </a:r>
+            <a:r>
+              <a:rPr lang="it-IT" sz="1200" b="0" i="0" kern="1200" dirty="0">
+                <a:solidFill>
+                  <a:schemeClr val="tx1"/>
+                </a:solidFill>
+                <a:effectLst/>
+                <a:latin typeface="+mn-lt"/>
+                <a:ea typeface="+mn-ea"/>
+                <a:cs typeface="+mn-cs"/>
+              </a:rPr>
+              <a:t> (o scelta) in modo tale che, </a:t>
+            </a:r>
+            <a:r>
+              <a:rPr lang="it-IT" sz="1200" b="1" i="0" kern="1200" dirty="0">
+                <a:solidFill>
+                  <a:schemeClr val="tx1"/>
+                </a:solidFill>
+                <a:effectLst/>
+                <a:latin typeface="+mn-lt"/>
+                <a:ea typeface="+mn-ea"/>
+                <a:cs typeface="+mn-cs"/>
+              </a:rPr>
+              <a:t>quando si applica il controllo ottimo</a:t>
+            </a:r>
+            <a:r>
+              <a:rPr lang="it-IT" sz="1200" b="0" i="0" kern="1200" dirty="0">
+                <a:solidFill>
+                  <a:schemeClr val="tx1"/>
+                </a:solidFill>
+                <a:effectLst/>
+                <a:latin typeface="+mn-lt"/>
+                <a:ea typeface="+mn-ea"/>
+                <a:cs typeface="+mn-cs"/>
+              </a:rPr>
+              <a:t>, essa </a:t>
+            </a:r>
+            <a:r>
+              <a:rPr lang="it-IT" sz="1200" b="1" i="0" kern="1200" dirty="0">
+                <a:solidFill>
+                  <a:schemeClr val="tx1"/>
+                </a:solidFill>
+                <a:effectLst/>
+                <a:latin typeface="+mn-lt"/>
+                <a:ea typeface="+mn-ea"/>
+                <a:cs typeface="+mn-cs"/>
+              </a:rPr>
+              <a:t>diminuisce</a:t>
+            </a:r>
+            <a:r>
+              <a:rPr lang="it-IT" sz="1200" b="0" i="0" kern="1200" dirty="0">
+                <a:solidFill>
+                  <a:schemeClr val="tx1"/>
+                </a:solidFill>
+                <a:effectLst/>
+                <a:latin typeface="+mn-lt"/>
+                <a:ea typeface="+mn-ea"/>
+                <a:cs typeface="+mn-cs"/>
+              </a:rPr>
+              <a:t> di almeno il costo istantaneo dell’ultimo step della predizione.</a:t>
+            </a:r>
+          </a:p>
+          <a:p>
+            <a:r>
+              <a:rPr lang="it-IT" sz="1200" b="0" i="0" kern="1200" dirty="0">
+                <a:solidFill>
+                  <a:schemeClr val="tx1"/>
+                </a:solidFill>
+                <a:effectLst/>
+                <a:latin typeface="+mn-lt"/>
+                <a:ea typeface="+mn-ea"/>
+                <a:cs typeface="+mn-cs"/>
+              </a:rPr>
+              <a:t>Questo garantisce che il </a:t>
+            </a:r>
+            <a:r>
+              <a:rPr lang="it-IT" sz="1200" b="1" i="0" kern="1200" dirty="0">
+                <a:solidFill>
+                  <a:schemeClr val="tx1"/>
+                </a:solidFill>
+                <a:effectLst/>
+                <a:latin typeface="+mn-lt"/>
+                <a:ea typeface="+mn-ea"/>
+                <a:cs typeface="+mn-cs"/>
+              </a:rPr>
+              <a:t>valore della funzione costo totale</a:t>
+            </a:r>
+            <a:r>
+              <a:rPr lang="it-IT" sz="1200" b="0" i="0" kern="1200" dirty="0">
+                <a:solidFill>
+                  <a:schemeClr val="tx1"/>
+                </a:solidFill>
+                <a:effectLst/>
+                <a:latin typeface="+mn-lt"/>
+                <a:ea typeface="+mn-ea"/>
+                <a:cs typeface="+mn-cs"/>
+              </a:rPr>
+              <a:t> decresca nel tempo, e quindi il sistema </a:t>
+            </a:r>
+            <a:r>
+              <a:rPr lang="it-IT" sz="1200" b="1" i="0" kern="1200" dirty="0">
+                <a:solidFill>
+                  <a:schemeClr val="tx1"/>
+                </a:solidFill>
+                <a:effectLst/>
+                <a:latin typeface="+mn-lt"/>
+                <a:ea typeface="+mn-ea"/>
+                <a:cs typeface="+mn-cs"/>
+              </a:rPr>
+              <a:t>si stabilizzi</a:t>
+            </a:r>
+            <a:r>
+              <a:rPr lang="it-IT" sz="1200" b="0" i="0" kern="1200" dirty="0">
+                <a:solidFill>
+                  <a:schemeClr val="tx1"/>
+                </a:solidFill>
+                <a:effectLst/>
+                <a:latin typeface="+mn-lt"/>
+                <a:ea typeface="+mn-ea"/>
+                <a:cs typeface="+mn-cs"/>
+              </a:rPr>
+              <a:t>.</a:t>
+            </a:r>
+          </a:p>
+          <a:p>
+            <a:r>
+              <a:rPr lang="it-IT" sz="1200" b="0" i="0" kern="1200" dirty="0">
+                <a:solidFill>
+                  <a:schemeClr val="tx1"/>
+                </a:solidFill>
+                <a:effectLst/>
+                <a:latin typeface="+mn-lt"/>
+                <a:ea typeface="+mn-ea"/>
+                <a:cs typeface="+mn-cs"/>
+              </a:rPr>
+              <a:t>Il termine “</a:t>
+            </a:r>
+            <a:r>
+              <a:rPr lang="it-IT" sz="1200" b="1" i="0" kern="1200" dirty="0">
+                <a:solidFill>
+                  <a:schemeClr val="tx1"/>
+                </a:solidFill>
+                <a:effectLst/>
+                <a:latin typeface="+mn-lt"/>
+                <a:ea typeface="+mn-ea"/>
+                <a:cs typeface="+mn-cs"/>
+              </a:rPr>
+              <a:t>locale</a:t>
+            </a:r>
+            <a:r>
+              <a:rPr lang="it-IT" sz="1200" b="0" i="0" kern="1200" dirty="0">
+                <a:solidFill>
+                  <a:schemeClr val="tx1"/>
+                </a:solidFill>
+                <a:effectLst/>
+                <a:latin typeface="+mn-lt"/>
+                <a:ea typeface="+mn-ea"/>
+                <a:cs typeface="+mn-cs"/>
+              </a:rPr>
+              <a:t>” indica che questa proprietà vale </a:t>
+            </a:r>
+            <a:r>
+              <a:rPr lang="it-IT" sz="1200" b="1" i="0" kern="1200" dirty="0">
+                <a:solidFill>
+                  <a:schemeClr val="tx1"/>
+                </a:solidFill>
+                <a:effectLst/>
+                <a:latin typeface="+mn-lt"/>
+                <a:ea typeface="+mn-ea"/>
+                <a:cs typeface="+mn-cs"/>
+              </a:rPr>
+              <a:t>in un intorno dell’equilibrio</a:t>
+            </a:r>
+            <a:r>
+              <a:rPr lang="it-IT" sz="1200" b="0" i="0" kern="1200" dirty="0">
+                <a:solidFill>
+                  <a:schemeClr val="tx1"/>
+                </a:solidFill>
+                <a:effectLst/>
+                <a:latin typeface="+mn-lt"/>
+                <a:ea typeface="+mn-ea"/>
+                <a:cs typeface="+mn-cs"/>
+              </a:rPr>
+              <a:t>, non necessariamente globalmente.</a:t>
+            </a:r>
+          </a:p>
+          <a:p>
+            <a:endParaRPr lang="it-IT" sz="1200" b="0" i="0" kern="1200" dirty="0">
+              <a:solidFill>
+                <a:schemeClr val="tx1"/>
+              </a:solidFill>
+              <a:effectLst/>
+              <a:latin typeface="+mn-lt"/>
+              <a:ea typeface="+mn-ea"/>
+              <a:cs typeface="+mn-cs"/>
+            </a:endParaRPr>
+          </a:p>
+          <a:p>
+            <a:r>
+              <a:rPr lang="it-IT" sz="1200" b="0" i="0" kern="1200" dirty="0">
+                <a:solidFill>
+                  <a:schemeClr val="tx1"/>
+                </a:solidFill>
+                <a:effectLst/>
+                <a:latin typeface="+mn-lt"/>
+                <a:ea typeface="+mn-ea"/>
+                <a:cs typeface="+mn-cs"/>
+              </a:rPr>
+              <a:t>Il </a:t>
+            </a:r>
+            <a:r>
+              <a:rPr lang="it-IT" sz="1200" b="1" i="0" kern="1200" dirty="0">
+                <a:solidFill>
+                  <a:schemeClr val="tx1"/>
+                </a:solidFill>
+                <a:effectLst/>
+                <a:latin typeface="+mn-lt"/>
+                <a:ea typeface="+mn-ea"/>
+                <a:cs typeface="+mn-cs"/>
+              </a:rPr>
+              <a:t>Control </a:t>
+            </a:r>
+            <a:r>
+              <a:rPr lang="it-IT" sz="1200" b="1" i="0" kern="1200" dirty="0" err="1">
+                <a:solidFill>
+                  <a:schemeClr val="tx1"/>
+                </a:solidFill>
+                <a:effectLst/>
+                <a:latin typeface="+mn-lt"/>
+                <a:ea typeface="+mn-ea"/>
+                <a:cs typeface="+mn-cs"/>
+              </a:rPr>
+              <a:t>Invariant</a:t>
+            </a:r>
+            <a:r>
+              <a:rPr lang="it-IT" sz="1200" b="1" i="0" kern="1200" dirty="0">
+                <a:solidFill>
+                  <a:schemeClr val="tx1"/>
+                </a:solidFill>
+                <a:effectLst/>
+                <a:latin typeface="+mn-lt"/>
+                <a:ea typeface="+mn-ea"/>
+                <a:cs typeface="+mn-cs"/>
+              </a:rPr>
+              <a:t> Set</a:t>
+            </a:r>
+            <a:r>
+              <a:rPr lang="it-IT" sz="1200" b="0" i="0" kern="1200" dirty="0">
+                <a:solidFill>
+                  <a:schemeClr val="tx1"/>
+                </a:solidFill>
+                <a:effectLst/>
+                <a:latin typeface="+mn-lt"/>
+                <a:ea typeface="+mn-ea"/>
+                <a:cs typeface="+mn-cs"/>
+              </a:rPr>
+              <a:t> (CIS) è un insieme di stati del sistema da cui è </a:t>
+            </a:r>
+            <a:r>
+              <a:rPr lang="it-IT" sz="1200" b="1" i="0" kern="1200" dirty="0">
+                <a:solidFill>
+                  <a:schemeClr val="tx1"/>
+                </a:solidFill>
+                <a:effectLst/>
+                <a:latin typeface="+mn-lt"/>
+                <a:ea typeface="+mn-ea"/>
+                <a:cs typeface="+mn-cs"/>
+              </a:rPr>
+              <a:t>sempre possibile rimanere all’interno dei vincoli</a:t>
+            </a:r>
+            <a:r>
+              <a:rPr lang="it-IT" sz="1200" b="0" i="0" kern="1200" dirty="0">
+                <a:solidFill>
+                  <a:schemeClr val="tx1"/>
+                </a:solidFill>
+                <a:effectLst/>
+                <a:latin typeface="+mn-lt"/>
+                <a:ea typeface="+mn-ea"/>
+                <a:cs typeface="+mn-cs"/>
+              </a:rPr>
+              <a:t>, applicando una legge di controllo ammissibile (es. LQR), </a:t>
+            </a:r>
+            <a:r>
+              <a:rPr lang="it-IT" sz="1200" b="1" i="0" kern="1200" dirty="0">
+                <a:solidFill>
+                  <a:schemeClr val="tx1"/>
+                </a:solidFill>
+                <a:effectLst/>
+                <a:latin typeface="+mn-lt"/>
+                <a:ea typeface="+mn-ea"/>
+                <a:cs typeface="+mn-cs"/>
+              </a:rPr>
+              <a:t>per sempre</a:t>
+            </a:r>
+            <a:r>
+              <a:rPr lang="it-IT" sz="1200" b="0" i="0" kern="1200" dirty="0">
+                <a:solidFill>
+                  <a:schemeClr val="tx1"/>
+                </a:solidFill>
+                <a:effectLst/>
+                <a:latin typeface="+mn-lt"/>
+                <a:ea typeface="+mn-ea"/>
+                <a:cs typeface="+mn-cs"/>
+              </a:rPr>
+              <a:t>.</a:t>
+            </a:r>
+          </a:p>
+          <a:p>
+            <a:endParaRPr lang="it-IT" dirty="0"/>
+          </a:p>
+        </p:txBody>
+      </p:sp>
+      <p:sp>
+        <p:nvSpPr>
+          <p:cNvPr id="4" name="Segnaposto numero diapositiva 3"/>
+          <p:cNvSpPr>
+            <a:spLocks noGrp="1"/>
+          </p:cNvSpPr>
+          <p:nvPr>
+            <p:ph type="sldNum" sz="quarter" idx="5"/>
+          </p:nvPr>
+        </p:nvSpPr>
+        <p:spPr/>
+        <p:txBody>
+          <a:bodyPr/>
+          <a:lstStyle/>
+          <a:p>
+            <a:fld id="{B056405F-A823-461D-BCED-389D230F5E77}" type="slidenum">
+              <a:rPr lang="it-IT" smtClean="0"/>
+              <a:t>12</a:t>
+            </a:fld>
+            <a:endParaRPr lang="it-IT"/>
+          </a:p>
+        </p:txBody>
+      </p:sp>
+    </p:spTree>
+    <p:extLst>
+      <p:ext uri="{BB962C8B-B14F-4D97-AF65-F5344CB8AC3E}">
+        <p14:creationId xmlns:p14="http://schemas.microsoft.com/office/powerpoint/2010/main" val="2478491099"/>
+      </p:ext>
+    </p:extLst>
+  </p:cSld>
+  <p:clrMapOvr>
+    <a:masterClrMapping/>
+  </p:clrMapOvr>
+</p:notes>
+</file>
+
+<file path=ppt/notesSlides/notesSlide2.xml><?xml version="1.0" encoding="utf-8"?>
+<p:notes xmlns:a="http://schemas.openxmlformats.org/drawingml/2006/main" xmlns:r="http://schemas.openxmlformats.org/officeDocument/2006/relationships" xmlns:p="http://schemas.openxmlformats.org/presentationml/2006/main">
+  <p:cSld>
+    <p:spTree>
+      <p:nvGrpSpPr>
+        <p:cNvPr id="1" name=""/>
+        <p:cNvGrpSpPr/>
+        <p:nvPr/>
+      </p:nvGrpSpPr>
+      <p:grpSpPr>
+        <a:xfrm>
+          <a:off x="0" y="0"/>
+          <a:ext cx="0" cy="0"/>
+          <a:chOff x="0" y="0"/>
+          <a:chExt cx="0" cy="0"/>
+        </a:xfrm>
+      </p:grpSpPr>
+      <p:sp>
+        <p:nvSpPr>
+          <p:cNvPr id="2" name="Segnaposto immagine diapositiva 1"/>
+          <p:cNvSpPr>
+            <a:spLocks noGrp="1" noRot="1" noChangeAspect="1"/>
+          </p:cNvSpPr>
+          <p:nvPr>
+            <p:ph type="sldImg"/>
+          </p:nvPr>
+        </p:nvSpPr>
+        <p:spPr/>
+      </p:sp>
+      <p:sp>
+        <p:nvSpPr>
+          <p:cNvPr id="3" name="Segnaposto note 2"/>
+          <p:cNvSpPr>
+            <a:spLocks noGrp="1"/>
+          </p:cNvSpPr>
+          <p:nvPr>
+            <p:ph type="body" idx="1"/>
+          </p:nvPr>
+        </p:nvSpPr>
+        <p:spPr/>
+        <p:txBody>
+          <a:bodyPr/>
+          <a:lstStyle/>
+          <a:p>
+            <a:r>
+              <a:rPr lang="it-IT" dirty="0"/>
+              <a:t>Obiettivo del codice: determinare l’insieme di stati in cui il  sistema può rimanere indefinitamente all’interno dei vincoli, usando un controllore LQR.</a:t>
+            </a:r>
+          </a:p>
+          <a:p>
+            <a:r>
+              <a:rPr lang="it-IT" sz="1200" b="0" i="0" kern="1200" dirty="0">
+                <a:solidFill>
+                  <a:schemeClr val="tx1"/>
+                </a:solidFill>
+                <a:effectLst/>
+                <a:latin typeface="+mn-lt"/>
+                <a:ea typeface="+mn-ea"/>
+                <a:cs typeface="+mn-cs"/>
+              </a:rPr>
+              <a:t>Fx * x ≤ </a:t>
+            </a:r>
+            <a:r>
+              <a:rPr lang="it-IT" sz="1200" b="0" i="0" kern="1200" dirty="0" err="1">
+                <a:solidFill>
+                  <a:schemeClr val="tx1"/>
+                </a:solidFill>
+                <a:effectLst/>
+                <a:latin typeface="+mn-lt"/>
+                <a:ea typeface="+mn-ea"/>
+                <a:cs typeface="+mn-cs"/>
+              </a:rPr>
+              <a:t>fx</a:t>
+            </a:r>
+            <a:r>
+              <a:rPr lang="it-IT" sz="1200" b="0" i="0" kern="1200" dirty="0">
+                <a:solidFill>
+                  <a:schemeClr val="tx1"/>
+                </a:solidFill>
+                <a:effectLst/>
+                <a:latin typeface="+mn-lt"/>
+                <a:ea typeface="+mn-ea"/>
+                <a:cs typeface="+mn-cs"/>
+              </a:rPr>
+              <a:t>: vincoli sullo stato ( FX-&gt; matrice che definisce i vincoli sugli stati 	</a:t>
+            </a:r>
+            <a:r>
+              <a:rPr lang="it-IT" sz="1200" b="0" i="0" kern="1200" dirty="0" err="1">
+                <a:solidFill>
+                  <a:schemeClr val="tx1"/>
+                </a:solidFill>
+                <a:effectLst/>
+                <a:latin typeface="+mn-lt"/>
+                <a:ea typeface="+mn-ea"/>
+                <a:cs typeface="+mn-cs"/>
+              </a:rPr>
+              <a:t>fx</a:t>
+            </a:r>
+            <a:r>
+              <a:rPr lang="it-IT" sz="1200" b="0" i="0" kern="1200" dirty="0">
+                <a:solidFill>
+                  <a:schemeClr val="tx1"/>
+                </a:solidFill>
+                <a:effectLst/>
+                <a:latin typeface="+mn-lt"/>
+                <a:ea typeface="+mn-ea"/>
+                <a:cs typeface="+mn-cs"/>
+              </a:rPr>
+              <a:t>-&gt; vettore termini noti)</a:t>
+            </a:r>
+          </a:p>
+          <a:p>
+            <a:r>
+              <a:rPr lang="it-IT" sz="1200" b="0" i="0" kern="1200" dirty="0">
+                <a:solidFill>
+                  <a:schemeClr val="tx1"/>
+                </a:solidFill>
+                <a:effectLst/>
+                <a:latin typeface="+mn-lt"/>
+                <a:ea typeface="+mn-ea"/>
+                <a:cs typeface="+mn-cs"/>
+              </a:rPr>
+              <a:t>Fu * u ≤ fu: vincoli sull'ingresso</a:t>
+            </a:r>
+          </a:p>
+          <a:p>
+            <a:endParaRPr lang="it-IT" dirty="0"/>
+          </a:p>
+          <a:p>
+            <a:r>
+              <a:rPr lang="it-IT" dirty="0"/>
+              <a:t>Il ciclo termina quando il cis non cambia più ovvero è invariante sotto la dinamica chiusa e rispetta i vincoli</a:t>
+            </a:r>
+          </a:p>
+          <a:p>
+            <a:endParaRPr lang="it-IT" dirty="0"/>
+          </a:p>
+        </p:txBody>
+      </p:sp>
+      <p:sp>
+        <p:nvSpPr>
+          <p:cNvPr id="4" name="Segnaposto numero diapositiva 3"/>
+          <p:cNvSpPr>
+            <a:spLocks noGrp="1"/>
+          </p:cNvSpPr>
+          <p:nvPr>
+            <p:ph type="sldNum" sz="quarter" idx="5"/>
+          </p:nvPr>
+        </p:nvSpPr>
+        <p:spPr/>
+        <p:txBody>
+          <a:bodyPr/>
+          <a:lstStyle/>
+          <a:p>
+            <a:fld id="{B056405F-A823-461D-BCED-389D230F5E77}" type="slidenum">
+              <a:rPr lang="it-IT" smtClean="0"/>
+              <a:t>13</a:t>
+            </a:fld>
+            <a:endParaRPr lang="it-IT"/>
+          </a:p>
+        </p:txBody>
+      </p:sp>
+    </p:spTree>
+    <p:extLst>
+      <p:ext uri="{BB962C8B-B14F-4D97-AF65-F5344CB8AC3E}">
+        <p14:creationId xmlns:p14="http://schemas.microsoft.com/office/powerpoint/2010/main" val="3192655656"/>
+      </p:ext>
+    </p:extLst>
+  </p:cSld>
+  <p:clrMapOvr>
+    <a:masterClrMapping/>
+  </p:clrMapOvr>
+</p:notes>
+</file>
+
+<file path=ppt/notesSlides/notesSlide3.xml><?xml version="1.0" encoding="utf-8"?>
+<p:notes xmlns:a="http://schemas.openxmlformats.org/drawingml/2006/main" xmlns:r="http://schemas.openxmlformats.org/officeDocument/2006/relationships" xmlns:p="http://schemas.openxmlformats.org/presentationml/2006/main">
+  <p:cSld>
+    <p:spTree>
+      <p:nvGrpSpPr>
+        <p:cNvPr id="1" name=""/>
+        <p:cNvGrpSpPr/>
+        <p:nvPr/>
+      </p:nvGrpSpPr>
+      <p:grpSpPr>
+        <a:xfrm>
+          <a:off x="0" y="0"/>
+          <a:ext cx="0" cy="0"/>
+          <a:chOff x="0" y="0"/>
+          <a:chExt cx="0" cy="0"/>
+        </a:xfrm>
+      </p:grpSpPr>
+      <p:sp>
+        <p:nvSpPr>
+          <p:cNvPr id="2" name="Segnaposto immagine diapositiva 1"/>
+          <p:cNvSpPr>
+            <a:spLocks noGrp="1" noRot="1" noChangeAspect="1"/>
+          </p:cNvSpPr>
+          <p:nvPr>
+            <p:ph type="sldImg"/>
+          </p:nvPr>
+        </p:nvSpPr>
+        <p:spPr/>
+      </p:sp>
+      <p:sp>
+        <p:nvSpPr>
+          <p:cNvPr id="3" name="Segnaposto note 2"/>
+          <p:cNvSpPr>
+            <a:spLocks noGrp="1"/>
+          </p:cNvSpPr>
+          <p:nvPr>
+            <p:ph type="body" idx="1"/>
+          </p:nvPr>
+        </p:nvSpPr>
+        <p:spPr/>
+        <p:txBody>
+          <a:bodyPr/>
+          <a:lstStyle/>
+          <a:p>
+            <a:r>
+              <a:rPr lang="it-IT" sz="1200" kern="1200" dirty="0">
+                <a:solidFill>
+                  <a:schemeClr val="tx1"/>
+                </a:solidFill>
+                <a:effectLst/>
+                <a:latin typeface="+mn-lt"/>
+                <a:ea typeface="+mn-ea"/>
+                <a:cs typeface="+mn-cs"/>
+              </a:rPr>
+              <a:t>Abbiamo rappresentato graficamente il Control </a:t>
+            </a:r>
+            <a:r>
+              <a:rPr lang="it-IT" sz="1200" kern="1200" dirty="0" err="1">
+                <a:solidFill>
+                  <a:schemeClr val="tx1"/>
+                </a:solidFill>
+                <a:effectLst/>
+                <a:latin typeface="+mn-lt"/>
+                <a:ea typeface="+mn-ea"/>
+                <a:cs typeface="+mn-cs"/>
+              </a:rPr>
+              <a:t>Invariant</a:t>
+            </a:r>
+            <a:r>
+              <a:rPr lang="it-IT" sz="1200" kern="1200" dirty="0">
+                <a:solidFill>
+                  <a:schemeClr val="tx1"/>
+                </a:solidFill>
+                <a:effectLst/>
+                <a:latin typeface="+mn-lt"/>
+                <a:ea typeface="+mn-ea"/>
+                <a:cs typeface="+mn-cs"/>
+              </a:rPr>
+              <a:t> Set (CIS) utilizzando l’oggetto </a:t>
+            </a:r>
+            <a:r>
+              <a:rPr lang="it-IT" sz="1200" kern="1200" dirty="0" err="1">
+                <a:solidFill>
+                  <a:schemeClr val="tx1"/>
+                </a:solidFill>
+                <a:effectLst/>
+                <a:latin typeface="+mn-lt"/>
+                <a:ea typeface="+mn-ea"/>
+                <a:cs typeface="+mn-cs"/>
+              </a:rPr>
+              <a:t>Polyhedron</a:t>
+            </a:r>
+            <a:r>
+              <a:rPr lang="it-IT" sz="1200" kern="1200" dirty="0">
+                <a:solidFill>
+                  <a:schemeClr val="tx1"/>
+                </a:solidFill>
+                <a:effectLst/>
+                <a:latin typeface="+mn-lt"/>
+                <a:ea typeface="+mn-ea"/>
+                <a:cs typeface="+mn-cs"/>
+              </a:rPr>
+              <a:t>. Poiché il CIS risultava definito in uno spazio a 4 dimensioni (corrispondenti ai livelli dei quattro serbatoi), abbiamo suddiviso la visualizzazione in due proiezioni bidimensionali: una relativa ai livelli dei serbatoi 1 e 3, e l’altra ai livelli dei serbatoi 2 e 4, ovvero combinazioni rappresentative dei serbatoi alti e bassi. </a:t>
+            </a:r>
+          </a:p>
+          <a:p>
+            <a:endParaRPr lang="it-IT" sz="1200" kern="1200" dirty="0">
+              <a:solidFill>
+                <a:schemeClr val="tx1"/>
+              </a:solidFill>
+              <a:effectLst/>
+              <a:latin typeface="+mn-lt"/>
+              <a:ea typeface="+mn-ea"/>
+              <a:cs typeface="+mn-cs"/>
+            </a:endParaRPr>
+          </a:p>
+          <a:p>
+            <a:r>
+              <a:rPr lang="it-IT" sz="1200" b="0" i="1" u="none" kern="1200" dirty="0">
+                <a:solidFill>
+                  <a:schemeClr val="tx1"/>
+                </a:solidFill>
+                <a:effectLst>
+                  <a:outerShdw blurRad="38100" dist="38100" dir="2700000" algn="tl">
+                    <a:srgbClr val="000000">
+                      <a:alpha val="43137"/>
+                    </a:srgbClr>
+                  </a:outerShdw>
+                </a:effectLst>
+                <a:latin typeface="+mn-lt"/>
+                <a:ea typeface="+mn-ea"/>
+                <a:cs typeface="+mn-cs"/>
+              </a:rPr>
+              <a:t>Dall’analisi delle proiezioni del CIS si osserva che i serbatoi 1 e 3 (alto e basso) presentano una regione ammissibile più ampia rispetto ai serbatoi 2 e 4, suggerendo una maggiore flessibilità del sistema in quella combinazione. Questo può essere dovuto a una migliore controllabilità o a vincoli meno stringenti su quei livelli.</a:t>
+            </a:r>
+            <a:endParaRPr lang="it-IT" u="none" dirty="0">
+              <a:effectLst>
+                <a:outerShdw blurRad="38100" dist="38100" dir="2700000" algn="tl">
+                  <a:srgbClr val="000000">
+                    <a:alpha val="43137"/>
+                  </a:srgbClr>
+                </a:outerShdw>
+              </a:effectLst>
+            </a:endParaRPr>
+          </a:p>
+          <a:p>
+            <a:endParaRPr lang="it-IT" dirty="0"/>
+          </a:p>
+        </p:txBody>
+      </p:sp>
+      <p:sp>
+        <p:nvSpPr>
+          <p:cNvPr id="4" name="Segnaposto numero diapositiva 3"/>
+          <p:cNvSpPr>
+            <a:spLocks noGrp="1"/>
+          </p:cNvSpPr>
+          <p:nvPr>
+            <p:ph type="sldNum" sz="quarter" idx="5"/>
+          </p:nvPr>
+        </p:nvSpPr>
+        <p:spPr/>
+        <p:txBody>
+          <a:bodyPr/>
+          <a:lstStyle/>
+          <a:p>
+            <a:fld id="{B056405F-A823-461D-BCED-389D230F5E77}" type="slidenum">
+              <a:rPr lang="it-IT" smtClean="0"/>
+              <a:t>14</a:t>
+            </a:fld>
+            <a:endParaRPr lang="it-IT"/>
+          </a:p>
+        </p:txBody>
+      </p:sp>
+    </p:spTree>
+    <p:extLst>
+      <p:ext uri="{BB962C8B-B14F-4D97-AF65-F5344CB8AC3E}">
+        <p14:creationId xmlns:p14="http://schemas.microsoft.com/office/powerpoint/2010/main" val="598643674"/>
+      </p:ext>
+    </p:extLst>
+  </p:cSld>
+  <p:clrMapOvr>
+    <a:masterClrMapping/>
+  </p:clrMapOvr>
+</p:notes>
+</file>
+
+<file path=ppt/notesSlides/notesSlide4.xml><?xml version="1.0" encoding="utf-8"?>
+<p:notes xmlns:a="http://schemas.openxmlformats.org/drawingml/2006/main" xmlns:r="http://schemas.openxmlformats.org/officeDocument/2006/relationships" xmlns:p="http://schemas.openxmlformats.org/presentationml/2006/main">
+  <p:cSld>
+    <p:spTree>
+      <p:nvGrpSpPr>
+        <p:cNvPr id="1" name=""/>
+        <p:cNvGrpSpPr/>
+        <p:nvPr/>
+      </p:nvGrpSpPr>
+      <p:grpSpPr>
+        <a:xfrm>
+          <a:off x="0" y="0"/>
+          <a:ext cx="0" cy="0"/>
+          <a:chOff x="0" y="0"/>
+          <a:chExt cx="0" cy="0"/>
+        </a:xfrm>
+      </p:grpSpPr>
+      <p:sp>
+        <p:nvSpPr>
+          <p:cNvPr id="2" name="Segnaposto immagine diapositiva 1"/>
+          <p:cNvSpPr>
+            <a:spLocks noGrp="1" noRot="1" noChangeAspect="1"/>
+          </p:cNvSpPr>
+          <p:nvPr>
+            <p:ph type="sldImg"/>
+          </p:nvPr>
+        </p:nvSpPr>
+        <p:spPr/>
+      </p:sp>
+      <p:sp>
+        <p:nvSpPr>
+          <p:cNvPr id="3" name="Segnaposto note 2"/>
+          <p:cNvSpPr>
+            <a:spLocks noGrp="1"/>
+          </p:cNvSpPr>
+          <p:nvPr>
+            <p:ph type="body" idx="1"/>
+          </p:nvPr>
+        </p:nvSpPr>
+        <p:spPr/>
+        <p:txBody>
+          <a:bodyPr/>
+          <a:lstStyle/>
+          <a:p>
+            <a:r>
+              <a:rPr lang="it-IT" dirty="0"/>
+              <a:t>Obiettivo: </a:t>
+            </a:r>
+            <a:r>
+              <a:rPr lang="it-IT" sz="1200" b="0" i="0" kern="1200" dirty="0">
+                <a:solidFill>
+                  <a:schemeClr val="tx1"/>
+                </a:solidFill>
+                <a:effectLst/>
+                <a:latin typeface="+mn-lt"/>
+                <a:ea typeface="+mn-ea"/>
+                <a:cs typeface="+mn-cs"/>
+              </a:rPr>
+              <a:t>Determinare l’insieme degli stati da cui è possibile raggiungere un </a:t>
+            </a:r>
+            <a:r>
+              <a:rPr lang="it-IT" sz="1200" b="1" i="0" kern="1200" dirty="0">
+                <a:solidFill>
+                  <a:schemeClr val="tx1"/>
+                </a:solidFill>
+                <a:effectLst/>
+                <a:latin typeface="+mn-lt"/>
+                <a:ea typeface="+mn-ea"/>
+                <a:cs typeface="+mn-cs"/>
+              </a:rPr>
+              <a:t>set target</a:t>
+            </a:r>
+            <a:r>
+              <a:rPr lang="it-IT" sz="1200" b="0" i="0" kern="1200" dirty="0">
+                <a:solidFill>
+                  <a:schemeClr val="tx1"/>
+                </a:solidFill>
+                <a:effectLst/>
+                <a:latin typeface="+mn-lt"/>
+                <a:ea typeface="+mn-ea"/>
+                <a:cs typeface="+mn-cs"/>
+              </a:rPr>
+              <a:t> in </a:t>
+            </a:r>
+            <a:r>
+              <a:rPr lang="it-IT" sz="1200" b="1" i="0" kern="1200" dirty="0">
+                <a:solidFill>
+                  <a:schemeClr val="tx1"/>
+                </a:solidFill>
+                <a:effectLst/>
+                <a:latin typeface="+mn-lt"/>
+                <a:ea typeface="+mn-ea"/>
+                <a:cs typeface="+mn-cs"/>
+              </a:rPr>
+              <a:t>N passi</a:t>
+            </a:r>
+            <a:r>
+              <a:rPr lang="it-IT" sz="1200" b="0" i="0" kern="1200" dirty="0">
+                <a:solidFill>
+                  <a:schemeClr val="tx1"/>
+                </a:solidFill>
+                <a:effectLst/>
+                <a:latin typeface="+mn-lt"/>
+                <a:ea typeface="+mn-ea"/>
+                <a:cs typeface="+mn-cs"/>
+              </a:rPr>
+              <a:t>, rispettando i vincoli su stato e ingresso.</a:t>
+            </a:r>
+          </a:p>
+          <a:p>
+            <a:endParaRPr lang="it-IT" sz="1200" b="0" i="0" kern="1200" dirty="0">
+              <a:solidFill>
+                <a:schemeClr val="tx1"/>
+              </a:solidFill>
+              <a:effectLst/>
+              <a:latin typeface="+mn-lt"/>
+              <a:ea typeface="+mn-ea"/>
+              <a:cs typeface="+mn-cs"/>
+            </a:endParaRPr>
+          </a:p>
+          <a:p>
+            <a:pPr marL="0" marR="0" lvl="0" indent="0" algn="l" defTabSz="914400" rtl="0" eaLnBrk="1" fontAlgn="auto" latinLnBrk="0" hangingPunct="1">
+              <a:lnSpc>
+                <a:spcPct val="100000"/>
+              </a:lnSpc>
+              <a:spcBef>
+                <a:spcPts val="0"/>
+              </a:spcBef>
+              <a:spcAft>
+                <a:spcPts val="0"/>
+              </a:spcAft>
+              <a:buClrTx/>
+              <a:buSzTx/>
+              <a:buFontTx/>
+              <a:buNone/>
+              <a:tabLst/>
+              <a:defRPr/>
+            </a:pPr>
+            <a:r>
+              <a:rPr lang="it-IT" sz="1200" b="0" i="0" kern="1200" dirty="0">
+                <a:solidFill>
+                  <a:schemeClr val="tx1"/>
+                </a:solidFill>
+                <a:effectLst/>
+                <a:latin typeface="+mn-lt"/>
+                <a:ea typeface="+mn-ea"/>
+                <a:cs typeface="+mn-cs"/>
+              </a:rPr>
+              <a:t>Restituisce l’insieme degli stati da cui si può raggiungere il target in </a:t>
+            </a:r>
+            <a:r>
+              <a:rPr lang="it-IT" dirty="0"/>
+              <a:t>N</a:t>
+            </a:r>
+            <a:r>
+              <a:rPr lang="it-IT" sz="1200" b="0" i="0" kern="1200" dirty="0">
+                <a:solidFill>
+                  <a:schemeClr val="tx1"/>
+                </a:solidFill>
+                <a:effectLst/>
+                <a:latin typeface="+mn-lt"/>
+                <a:ea typeface="+mn-ea"/>
+                <a:cs typeface="+mn-cs"/>
+              </a:rPr>
+              <a:t> passi, rispettando tutti i vincoli.</a:t>
+            </a:r>
+          </a:p>
+          <a:p>
+            <a:r>
+              <a:rPr lang="pt-BR" dirty="0"/>
+              <a:t>H_nsteps = H_ii_steps;</a:t>
+            </a:r>
+          </a:p>
+          <a:p>
+            <a:r>
+              <a:rPr lang="pt-BR" dirty="0"/>
+              <a:t>h_nsteps = h_ii_steps;</a:t>
+            </a:r>
+            <a:endParaRPr lang="it-IT" sz="1200" b="0" i="0" kern="1200" dirty="0">
+              <a:solidFill>
+                <a:schemeClr val="tx1"/>
+              </a:solidFill>
+              <a:effectLst/>
+              <a:latin typeface="+mn-lt"/>
+              <a:ea typeface="+mn-ea"/>
+              <a:cs typeface="+mn-cs"/>
+            </a:endParaRPr>
+          </a:p>
+          <a:p>
+            <a:endParaRPr lang="it-IT" dirty="0"/>
+          </a:p>
+        </p:txBody>
+      </p:sp>
+      <p:sp>
+        <p:nvSpPr>
+          <p:cNvPr id="4" name="Segnaposto numero diapositiva 3"/>
+          <p:cNvSpPr>
+            <a:spLocks noGrp="1"/>
+          </p:cNvSpPr>
+          <p:nvPr>
+            <p:ph type="sldNum" sz="quarter" idx="5"/>
+          </p:nvPr>
+        </p:nvSpPr>
+        <p:spPr/>
+        <p:txBody>
+          <a:bodyPr/>
+          <a:lstStyle/>
+          <a:p>
+            <a:fld id="{B056405F-A823-461D-BCED-389D230F5E77}" type="slidenum">
+              <a:rPr lang="it-IT" smtClean="0"/>
+              <a:t>15</a:t>
+            </a:fld>
+            <a:endParaRPr lang="it-IT"/>
+          </a:p>
+        </p:txBody>
+      </p:sp>
+    </p:spTree>
+    <p:extLst>
+      <p:ext uri="{BB962C8B-B14F-4D97-AF65-F5344CB8AC3E}">
+        <p14:creationId xmlns:p14="http://schemas.microsoft.com/office/powerpoint/2010/main" val="2226140931"/>
+      </p:ext>
+    </p:extLst>
+  </p:cSld>
+  <p:clrMapOvr>
+    <a:masterClrMapping/>
+  </p:clrMapOvr>
+</p:notes>
+</file>
+
+<file path=ppt/notesSlides/notesSlide5.xml><?xml version="1.0" encoding="utf-8"?>
+<p:notes xmlns:a="http://schemas.openxmlformats.org/drawingml/2006/main" xmlns:r="http://schemas.openxmlformats.org/officeDocument/2006/relationships" xmlns:p="http://schemas.openxmlformats.org/presentationml/2006/main">
+  <p:cSld>
+    <p:spTree>
+      <p:nvGrpSpPr>
+        <p:cNvPr id="1" name=""/>
+        <p:cNvGrpSpPr/>
+        <p:nvPr/>
+      </p:nvGrpSpPr>
+      <p:grpSpPr>
+        <a:xfrm>
+          <a:off x="0" y="0"/>
+          <a:ext cx="0" cy="0"/>
+          <a:chOff x="0" y="0"/>
+          <a:chExt cx="0" cy="0"/>
+        </a:xfrm>
+      </p:grpSpPr>
+      <p:sp>
+        <p:nvSpPr>
+          <p:cNvPr id="2" name="Segnaposto immagine diapositiva 1"/>
+          <p:cNvSpPr>
+            <a:spLocks noGrp="1" noRot="1" noChangeAspect="1"/>
+          </p:cNvSpPr>
+          <p:nvPr>
+            <p:ph type="sldImg"/>
+          </p:nvPr>
+        </p:nvSpPr>
+        <p:spPr/>
+      </p:sp>
+      <p:sp>
+        <p:nvSpPr>
+          <p:cNvPr id="3" name="Segnaposto note 2"/>
+          <p:cNvSpPr>
+            <a:spLocks noGrp="1"/>
+          </p:cNvSpPr>
+          <p:nvPr>
+            <p:ph type="body" idx="1"/>
+          </p:nvPr>
+        </p:nvSpPr>
+        <p:spPr/>
+        <p:txBody>
+          <a:bodyPr/>
+          <a:lstStyle/>
+          <a:p>
+            <a:r>
+              <a:rPr lang="it-IT" dirty="0"/>
+              <a:t>Obiettivo: </a:t>
+            </a:r>
+            <a:r>
+              <a:rPr lang="it-IT" sz="1200" b="0" i="0" kern="1200" dirty="0">
+                <a:solidFill>
+                  <a:schemeClr val="tx1"/>
+                </a:solidFill>
+                <a:effectLst/>
+                <a:latin typeface="+mn-lt"/>
+                <a:ea typeface="+mn-ea"/>
+                <a:cs typeface="+mn-cs"/>
+              </a:rPr>
+              <a:t>Costruire una struttura </a:t>
+            </a:r>
+            <a:r>
+              <a:rPr lang="it-IT" dirty="0" err="1"/>
+              <a:t>mpc</a:t>
+            </a:r>
+            <a:r>
+              <a:rPr lang="it-IT" sz="1200" b="0" i="0" kern="1200" dirty="0">
+                <a:solidFill>
+                  <a:schemeClr val="tx1"/>
+                </a:solidFill>
+                <a:effectLst/>
+                <a:latin typeface="+mn-lt"/>
+                <a:ea typeface="+mn-ea"/>
+                <a:cs typeface="+mn-cs"/>
+              </a:rPr>
+              <a:t> che contiene tutte le matrici necessarie per risolvere un problema di </a:t>
+            </a:r>
+            <a:r>
+              <a:rPr lang="it-IT" sz="1200" b="1" i="0" kern="1200" dirty="0">
+                <a:solidFill>
+                  <a:schemeClr val="tx1"/>
+                </a:solidFill>
+                <a:effectLst/>
+                <a:latin typeface="+mn-lt"/>
+                <a:ea typeface="+mn-ea"/>
+                <a:cs typeface="+mn-cs"/>
+              </a:rPr>
+              <a:t>controllo predittivo vincolato</a:t>
+            </a:r>
+            <a:r>
+              <a:rPr lang="it-IT" sz="1200" b="0" i="0" kern="1200" dirty="0">
+                <a:solidFill>
+                  <a:schemeClr val="tx1"/>
+                </a:solidFill>
+                <a:effectLst/>
+                <a:latin typeface="+mn-lt"/>
+                <a:ea typeface="+mn-ea"/>
+                <a:cs typeface="+mn-cs"/>
+              </a:rPr>
+              <a:t> (Model </a:t>
+            </a:r>
+            <a:r>
+              <a:rPr lang="it-IT" sz="1200" b="0" i="0" kern="1200" dirty="0" err="1">
+                <a:solidFill>
+                  <a:schemeClr val="tx1"/>
+                </a:solidFill>
+                <a:effectLst/>
+                <a:latin typeface="+mn-lt"/>
+                <a:ea typeface="+mn-ea"/>
+                <a:cs typeface="+mn-cs"/>
+              </a:rPr>
+              <a:t>Predictive</a:t>
+            </a:r>
+            <a:r>
+              <a:rPr lang="it-IT" sz="1200" b="0" i="0" kern="1200" dirty="0">
+                <a:solidFill>
+                  <a:schemeClr val="tx1"/>
+                </a:solidFill>
+                <a:effectLst/>
+                <a:latin typeface="+mn-lt"/>
+                <a:ea typeface="+mn-ea"/>
+                <a:cs typeface="+mn-cs"/>
+              </a:rPr>
+              <a:t> Control) su un orizzonte di predizione </a:t>
+            </a:r>
+            <a:r>
+              <a:rPr lang="it-IT" dirty="0"/>
+              <a:t>Np</a:t>
+            </a:r>
+            <a:r>
+              <a:rPr lang="it-IT" sz="1200" b="0" i="0" kern="1200" dirty="0">
+                <a:solidFill>
+                  <a:schemeClr val="tx1"/>
+                </a:solidFill>
+                <a:effectLst/>
+                <a:latin typeface="+mn-lt"/>
+                <a:ea typeface="+mn-ea"/>
+                <a:cs typeface="+mn-cs"/>
+              </a:rPr>
+              <a:t>.</a:t>
+            </a:r>
+          </a:p>
+          <a:p>
+            <a:endParaRPr lang="it-IT" sz="1200" b="0" i="0" kern="1200" dirty="0">
+              <a:solidFill>
+                <a:schemeClr val="tx1"/>
+              </a:solidFill>
+              <a:effectLst/>
+              <a:latin typeface="+mn-lt"/>
+              <a:ea typeface="+mn-ea"/>
+              <a:cs typeface="+mn-cs"/>
+            </a:endParaRPr>
+          </a:p>
+          <a:p>
+            <a:pPr marL="0" marR="0" lvl="0" indent="0" algn="l" defTabSz="914400" rtl="0" eaLnBrk="1" fontAlgn="auto" latinLnBrk="0" hangingPunct="1">
+              <a:lnSpc>
+                <a:spcPct val="100000"/>
+              </a:lnSpc>
+              <a:spcBef>
+                <a:spcPts val="0"/>
+              </a:spcBef>
+              <a:spcAft>
+                <a:spcPts val="0"/>
+              </a:spcAft>
+              <a:buClrTx/>
+              <a:buSzTx/>
+              <a:buFontTx/>
+              <a:buNone/>
+              <a:tabLst/>
+              <a:defRPr/>
+            </a:pPr>
+            <a:r>
+              <a:rPr lang="it-IT" sz="1200" b="0" i="0" kern="1200" dirty="0">
+                <a:solidFill>
+                  <a:schemeClr val="tx1"/>
+                </a:solidFill>
+                <a:effectLst/>
+                <a:latin typeface="+mn-lt"/>
+                <a:ea typeface="+mn-ea"/>
+                <a:cs typeface="+mn-cs"/>
+              </a:rPr>
+              <a:t>CIS_H, </a:t>
+            </a:r>
+            <a:r>
+              <a:rPr lang="it-IT" sz="1200" b="0" i="0" kern="1200" dirty="0" err="1">
+                <a:solidFill>
+                  <a:schemeClr val="tx1"/>
+                </a:solidFill>
+                <a:effectLst/>
+                <a:latin typeface="+mn-lt"/>
+                <a:ea typeface="+mn-ea"/>
+                <a:cs typeface="+mn-cs"/>
+              </a:rPr>
+              <a:t>CIS_h</a:t>
+            </a:r>
+            <a:r>
+              <a:rPr lang="it-IT" sz="1200" b="0" i="0" kern="1200" dirty="0">
+                <a:solidFill>
+                  <a:schemeClr val="tx1"/>
+                </a:solidFill>
+                <a:effectLst/>
+                <a:latin typeface="+mn-lt"/>
+                <a:ea typeface="+mn-ea"/>
+                <a:cs typeface="+mn-cs"/>
+              </a:rPr>
+              <a:t>: vincoli terminali (CIS = Control </a:t>
+            </a:r>
+            <a:r>
+              <a:rPr lang="it-IT" sz="1200" b="0" i="0" kern="1200" dirty="0" err="1">
+                <a:solidFill>
+                  <a:schemeClr val="tx1"/>
+                </a:solidFill>
+                <a:effectLst/>
+                <a:latin typeface="+mn-lt"/>
+                <a:ea typeface="+mn-ea"/>
+                <a:cs typeface="+mn-cs"/>
+              </a:rPr>
+              <a:t>Invariant</a:t>
+            </a:r>
+            <a:r>
+              <a:rPr lang="it-IT" sz="1200" b="0" i="0" kern="1200" dirty="0">
+                <a:solidFill>
+                  <a:schemeClr val="tx1"/>
+                </a:solidFill>
+                <a:effectLst/>
+                <a:latin typeface="+mn-lt"/>
+                <a:ea typeface="+mn-ea"/>
+                <a:cs typeface="+mn-cs"/>
+              </a:rPr>
+              <a:t> Set)</a:t>
+            </a:r>
+          </a:p>
+          <a:p>
+            <a:endParaRPr lang="it-IT" dirty="0"/>
+          </a:p>
+          <a:p>
+            <a:r>
+              <a:rPr lang="it-IT" sz="1200" b="0" i="0" kern="1200" dirty="0" err="1">
+                <a:solidFill>
+                  <a:schemeClr val="tx1"/>
+                </a:solidFill>
+                <a:effectLst/>
+                <a:latin typeface="+mn-lt"/>
+                <a:ea typeface="+mn-ea"/>
+                <a:cs typeface="+mn-cs"/>
+              </a:rPr>
+              <a:t>A_cal</a:t>
+            </a:r>
+            <a:r>
+              <a:rPr lang="it-IT" sz="1200" b="0" i="0" kern="1200" dirty="0">
+                <a:solidFill>
+                  <a:schemeClr val="tx1"/>
+                </a:solidFill>
+                <a:effectLst/>
+                <a:latin typeface="+mn-lt"/>
+                <a:ea typeface="+mn-ea"/>
+                <a:cs typeface="+mn-cs"/>
+              </a:rPr>
+              <a:t>: predizione degli stati futuri in funzione dello stato iniziale</a:t>
+            </a:r>
+          </a:p>
+          <a:p>
+            <a:r>
+              <a:rPr lang="it-IT" sz="1200" b="0" i="0" kern="1200" dirty="0" err="1">
+                <a:solidFill>
+                  <a:schemeClr val="tx1"/>
+                </a:solidFill>
+                <a:effectLst/>
+                <a:latin typeface="+mn-lt"/>
+                <a:ea typeface="+mn-ea"/>
+                <a:cs typeface="+mn-cs"/>
+              </a:rPr>
+              <a:t>B_cal</a:t>
+            </a:r>
+            <a:r>
+              <a:rPr lang="it-IT" sz="1200" b="0" i="0" kern="1200" dirty="0">
+                <a:solidFill>
+                  <a:schemeClr val="tx1"/>
+                </a:solidFill>
+                <a:effectLst/>
+                <a:latin typeface="+mn-lt"/>
+                <a:ea typeface="+mn-ea"/>
+                <a:cs typeface="+mn-cs"/>
+              </a:rPr>
+              <a:t>: predizione degli stati futuri in funzione degli ingressi futuri</a:t>
+            </a:r>
+          </a:p>
+          <a:p>
+            <a:r>
+              <a:rPr lang="it-IT" sz="1200" b="0" i="0" kern="1200" dirty="0" err="1">
+                <a:solidFill>
+                  <a:schemeClr val="tx1"/>
+                </a:solidFill>
+                <a:effectLst/>
+                <a:latin typeface="+mn-lt"/>
+                <a:ea typeface="+mn-ea"/>
+                <a:cs typeface="+mn-cs"/>
+              </a:rPr>
+              <a:t>Q_cal</a:t>
+            </a:r>
+            <a:r>
+              <a:rPr lang="it-IT" sz="1200" b="0" i="0" kern="1200" dirty="0">
+                <a:solidFill>
+                  <a:schemeClr val="tx1"/>
+                </a:solidFill>
+                <a:effectLst/>
+                <a:latin typeface="+mn-lt"/>
+                <a:ea typeface="+mn-ea"/>
+                <a:cs typeface="+mn-cs"/>
+              </a:rPr>
+              <a:t>, </a:t>
+            </a:r>
+            <a:r>
+              <a:rPr lang="it-IT" sz="1200" b="0" i="0" kern="1200" dirty="0" err="1">
+                <a:solidFill>
+                  <a:schemeClr val="tx1"/>
+                </a:solidFill>
+                <a:effectLst/>
+                <a:latin typeface="+mn-lt"/>
+                <a:ea typeface="+mn-ea"/>
+                <a:cs typeface="+mn-cs"/>
+              </a:rPr>
+              <a:t>R_cal</a:t>
+            </a:r>
+            <a:r>
+              <a:rPr lang="it-IT" sz="1200" b="0" i="0" kern="1200" dirty="0">
+                <a:solidFill>
+                  <a:schemeClr val="tx1"/>
+                </a:solidFill>
+                <a:effectLst/>
+                <a:latin typeface="+mn-lt"/>
+                <a:ea typeface="+mn-ea"/>
+                <a:cs typeface="+mn-cs"/>
+              </a:rPr>
+              <a:t>: matrici di costo estese su tutto l’orizzonte</a:t>
+            </a:r>
+          </a:p>
+          <a:p>
+            <a:endParaRPr lang="it-IT" dirty="0"/>
+          </a:p>
+          <a:p>
+            <a:r>
+              <a:rPr lang="it-IT" sz="1200" b="0" i="0" kern="1200" dirty="0">
+                <a:solidFill>
+                  <a:schemeClr val="tx1"/>
+                </a:solidFill>
+                <a:effectLst/>
+                <a:latin typeface="+mn-lt"/>
+                <a:ea typeface="+mn-ea"/>
+                <a:cs typeface="+mn-cs"/>
+              </a:rPr>
+              <a:t>F: matrice hessiana della funzione costo (quadratica) -&gt; serve per risolvere il problema di ottimizzazione dell’MPC -&gt; usata da </a:t>
+            </a:r>
+            <a:r>
+              <a:rPr lang="it-IT" sz="1200" b="0" i="0" kern="1200" dirty="0" err="1">
+                <a:solidFill>
+                  <a:schemeClr val="tx1"/>
+                </a:solidFill>
+                <a:effectLst/>
+                <a:latin typeface="+mn-lt"/>
+                <a:ea typeface="+mn-ea"/>
+                <a:cs typeface="+mn-cs"/>
+              </a:rPr>
+              <a:t>quadProg</a:t>
+            </a:r>
+            <a:endParaRPr lang="it-IT" sz="1200" b="0" i="0" kern="1200" dirty="0">
+              <a:solidFill>
+                <a:schemeClr val="tx1"/>
+              </a:solidFill>
+              <a:effectLst/>
+              <a:latin typeface="+mn-lt"/>
+              <a:ea typeface="+mn-ea"/>
+              <a:cs typeface="+mn-cs"/>
+            </a:endParaRPr>
+          </a:p>
+          <a:p>
+            <a:r>
+              <a:rPr lang="it-IT" sz="1200" b="0" i="0" kern="1200" dirty="0">
+                <a:solidFill>
+                  <a:schemeClr val="tx1"/>
+                </a:solidFill>
+                <a:effectLst/>
+                <a:latin typeface="+mn-lt"/>
+                <a:ea typeface="+mn-ea"/>
+                <a:cs typeface="+mn-cs"/>
+              </a:rPr>
+              <a:t>f: parte lineare della funzione costo</a:t>
+            </a:r>
+          </a:p>
+          <a:p>
+            <a:endParaRPr lang="it-IT" dirty="0"/>
+          </a:p>
+          <a:p>
+            <a:pPr marL="0" marR="0" lvl="0" indent="0" algn="l" defTabSz="914400" rtl="0" eaLnBrk="1" fontAlgn="auto" latinLnBrk="0" hangingPunct="1">
+              <a:lnSpc>
+                <a:spcPct val="100000"/>
+              </a:lnSpc>
+              <a:spcBef>
+                <a:spcPts val="0"/>
+              </a:spcBef>
+              <a:spcAft>
+                <a:spcPts val="0"/>
+              </a:spcAft>
+              <a:buClrTx/>
+              <a:buSzTx/>
+              <a:buFontTx/>
+              <a:buNone/>
+              <a:tabLst/>
+              <a:defRPr/>
+            </a:pPr>
+            <a:r>
+              <a:rPr lang="it-IT" sz="1200" b="0" i="0" kern="1200" dirty="0" err="1">
+                <a:solidFill>
+                  <a:schemeClr val="tx1"/>
+                </a:solidFill>
+                <a:effectLst/>
+                <a:latin typeface="+mn-lt"/>
+                <a:ea typeface="+mn-ea"/>
+                <a:cs typeface="+mn-cs"/>
+              </a:rPr>
+              <a:t>A_ineq</a:t>
+            </a:r>
+            <a:r>
+              <a:rPr lang="it-IT" sz="1200" b="0" i="0" kern="1200" dirty="0">
+                <a:solidFill>
+                  <a:schemeClr val="tx1"/>
+                </a:solidFill>
+                <a:effectLst/>
+                <a:latin typeface="+mn-lt"/>
+                <a:ea typeface="+mn-ea"/>
+                <a:cs typeface="+mn-cs"/>
+              </a:rPr>
+              <a:t> * u ≤ </a:t>
+            </a:r>
+            <a:r>
+              <a:rPr lang="it-IT" sz="1200" b="0" i="0" kern="1200" dirty="0" err="1">
+                <a:solidFill>
+                  <a:schemeClr val="tx1"/>
+                </a:solidFill>
+                <a:effectLst/>
+                <a:latin typeface="+mn-lt"/>
+                <a:ea typeface="+mn-ea"/>
+                <a:cs typeface="+mn-cs"/>
+              </a:rPr>
+              <a:t>b_ineq</a:t>
+            </a:r>
+            <a:r>
+              <a:rPr lang="it-IT" sz="1200" b="0" i="0" kern="1200" dirty="0">
+                <a:solidFill>
+                  <a:schemeClr val="tx1"/>
+                </a:solidFill>
+                <a:effectLst/>
+                <a:latin typeface="+mn-lt"/>
+                <a:ea typeface="+mn-ea"/>
+                <a:cs typeface="+mn-cs"/>
+              </a:rPr>
+              <a:t> rappresenta tutti i vincoli sul controllo predittivo.</a:t>
+            </a:r>
+          </a:p>
+          <a:p>
+            <a:endParaRPr lang="it-IT" dirty="0"/>
+          </a:p>
+          <a:p>
+            <a:endParaRPr lang="it-IT" dirty="0"/>
+          </a:p>
+        </p:txBody>
+      </p:sp>
+      <p:sp>
+        <p:nvSpPr>
+          <p:cNvPr id="4" name="Segnaposto numero diapositiva 3"/>
+          <p:cNvSpPr>
+            <a:spLocks noGrp="1"/>
+          </p:cNvSpPr>
+          <p:nvPr>
+            <p:ph type="sldNum" sz="quarter" idx="5"/>
+          </p:nvPr>
+        </p:nvSpPr>
+        <p:spPr/>
+        <p:txBody>
+          <a:bodyPr/>
+          <a:lstStyle/>
+          <a:p>
+            <a:fld id="{B056405F-A823-461D-BCED-389D230F5E77}" type="slidenum">
+              <a:rPr lang="it-IT" smtClean="0"/>
+              <a:t>17</a:t>
+            </a:fld>
+            <a:endParaRPr lang="it-IT"/>
+          </a:p>
+        </p:txBody>
+      </p:sp>
+    </p:spTree>
+    <p:extLst>
+      <p:ext uri="{BB962C8B-B14F-4D97-AF65-F5344CB8AC3E}">
+        <p14:creationId xmlns:p14="http://schemas.microsoft.com/office/powerpoint/2010/main" val="1806966101"/>
+      </p:ext>
+    </p:extLst>
+  </p:cSld>
+  <p:clrMapOvr>
+    <a:masterClrMapping/>
+  </p:clrMapOvr>
+</p:notes>
+</file>
+
+<file path=ppt/notesSlides/notesSlide6.xml><?xml version="1.0" encoding="utf-8"?>
+<p:notes xmlns:a="http://schemas.openxmlformats.org/drawingml/2006/main" xmlns:r="http://schemas.openxmlformats.org/officeDocument/2006/relationships" xmlns:p="http://schemas.openxmlformats.org/presentationml/2006/main">
+  <p:cSld>
+    <p:spTree>
+      <p:nvGrpSpPr>
+        <p:cNvPr id="1" name=""/>
+        <p:cNvGrpSpPr/>
+        <p:nvPr/>
+      </p:nvGrpSpPr>
+      <p:grpSpPr>
+        <a:xfrm>
+          <a:off x="0" y="0"/>
+          <a:ext cx="0" cy="0"/>
+          <a:chOff x="0" y="0"/>
+          <a:chExt cx="0" cy="0"/>
+        </a:xfrm>
+      </p:grpSpPr>
+      <p:sp>
+        <p:nvSpPr>
+          <p:cNvPr id="2" name="Segnaposto immagine diapositiva 1"/>
+          <p:cNvSpPr>
+            <a:spLocks noGrp="1" noRot="1" noChangeAspect="1"/>
+          </p:cNvSpPr>
+          <p:nvPr>
+            <p:ph type="sldImg"/>
+          </p:nvPr>
+        </p:nvSpPr>
+        <p:spPr/>
+      </p:sp>
+      <p:sp>
+        <p:nvSpPr>
+          <p:cNvPr id="3" name="Segnaposto note 2"/>
+          <p:cNvSpPr>
+            <a:spLocks noGrp="1"/>
+          </p:cNvSpPr>
+          <p:nvPr>
+            <p:ph type="body" idx="1"/>
+          </p:nvPr>
+        </p:nvSpPr>
+        <p:spPr/>
+        <p:txBody>
+          <a:bodyPr/>
+          <a:lstStyle/>
+          <a:p>
+            <a:r>
+              <a:rPr lang="it-IT" sz="1200" b="0" i="0" kern="1200" dirty="0">
+                <a:solidFill>
+                  <a:schemeClr val="tx1"/>
+                </a:solidFill>
+                <a:effectLst/>
+                <a:latin typeface="+mn-lt"/>
+                <a:ea typeface="+mn-ea"/>
+                <a:cs typeface="+mn-cs"/>
+              </a:rPr>
+              <a:t>Se una delle due proiezioni è </a:t>
+            </a:r>
+            <a:r>
+              <a:rPr lang="it-IT" sz="1200" b="1" i="0" kern="1200" dirty="0">
+                <a:solidFill>
+                  <a:schemeClr val="tx1"/>
+                </a:solidFill>
+                <a:effectLst/>
+                <a:latin typeface="+mn-lt"/>
+                <a:ea typeface="+mn-ea"/>
+                <a:cs typeface="+mn-cs"/>
+              </a:rPr>
+              <a:t>più ampia</a:t>
+            </a:r>
+            <a:r>
+              <a:rPr lang="it-IT" sz="1200" b="0" i="0" kern="1200" dirty="0">
+                <a:solidFill>
+                  <a:schemeClr val="tx1"/>
+                </a:solidFill>
+                <a:effectLst/>
+                <a:latin typeface="+mn-lt"/>
+                <a:ea typeface="+mn-ea"/>
+                <a:cs typeface="+mn-cs"/>
+              </a:rPr>
+              <a:t>, significa che in quella combinazione di serbatoi il sistema ha </a:t>
+            </a:r>
+            <a:r>
+              <a:rPr lang="it-IT" sz="1200" b="1" i="0" kern="1200" dirty="0">
+                <a:solidFill>
+                  <a:schemeClr val="tx1"/>
+                </a:solidFill>
+                <a:effectLst/>
+                <a:latin typeface="+mn-lt"/>
+                <a:ea typeface="+mn-ea"/>
+                <a:cs typeface="+mn-cs"/>
+              </a:rPr>
+              <a:t>maggiore libertà di manovra</a:t>
+            </a:r>
+            <a:r>
+              <a:rPr lang="it-IT" sz="1200" b="0" i="0" kern="1200" dirty="0">
+                <a:solidFill>
+                  <a:schemeClr val="tx1"/>
+                </a:solidFill>
+                <a:effectLst/>
+                <a:latin typeface="+mn-lt"/>
+                <a:ea typeface="+mn-ea"/>
+                <a:cs typeface="+mn-cs"/>
+              </a:rPr>
+              <a:t>.</a:t>
+            </a:r>
+          </a:p>
+          <a:p>
+            <a:r>
+              <a:rPr lang="it-IT" sz="1200" b="0" i="0" kern="1200" dirty="0">
+                <a:solidFill>
+                  <a:schemeClr val="tx1"/>
+                </a:solidFill>
+                <a:effectLst/>
+                <a:latin typeface="+mn-lt"/>
+                <a:ea typeface="+mn-ea"/>
+                <a:cs typeface="+mn-cs"/>
+              </a:rPr>
+              <a:t>Se una è </a:t>
+            </a:r>
+            <a:r>
+              <a:rPr lang="it-IT" sz="1200" b="1" i="0" kern="1200" dirty="0">
+                <a:solidFill>
+                  <a:schemeClr val="tx1"/>
+                </a:solidFill>
+                <a:effectLst/>
+                <a:latin typeface="+mn-lt"/>
+                <a:ea typeface="+mn-ea"/>
+                <a:cs typeface="+mn-cs"/>
+              </a:rPr>
+              <a:t>più ristretta</a:t>
+            </a:r>
+            <a:r>
+              <a:rPr lang="it-IT" sz="1200" b="0" i="0" kern="1200" dirty="0">
+                <a:solidFill>
+                  <a:schemeClr val="tx1"/>
+                </a:solidFill>
+                <a:effectLst/>
+                <a:latin typeface="+mn-lt"/>
+                <a:ea typeface="+mn-ea"/>
+                <a:cs typeface="+mn-cs"/>
+              </a:rPr>
+              <a:t>, potrebbe essere utile analizzare se i vincoli su ingresso o stato sono più limitanti per quei serbatoi.</a:t>
+            </a:r>
+          </a:p>
+          <a:p>
+            <a:endParaRPr lang="it-IT" dirty="0"/>
+          </a:p>
+          <a:p>
+            <a:endParaRPr lang="it-IT" dirty="0"/>
+          </a:p>
+        </p:txBody>
+      </p:sp>
+      <p:sp>
+        <p:nvSpPr>
+          <p:cNvPr id="4" name="Segnaposto numero diapositiva 3"/>
+          <p:cNvSpPr>
+            <a:spLocks noGrp="1"/>
+          </p:cNvSpPr>
+          <p:nvPr>
+            <p:ph type="sldNum" sz="quarter" idx="5"/>
+          </p:nvPr>
+        </p:nvSpPr>
+        <p:spPr/>
+        <p:txBody>
+          <a:bodyPr/>
+          <a:lstStyle/>
+          <a:p>
+            <a:fld id="{B056405F-A823-461D-BCED-389D230F5E77}" type="slidenum">
+              <a:rPr lang="it-IT" smtClean="0"/>
+              <a:t>22</a:t>
+            </a:fld>
+            <a:endParaRPr lang="it-IT"/>
+          </a:p>
+        </p:txBody>
+      </p:sp>
+    </p:spTree>
+    <p:extLst>
+      <p:ext uri="{BB962C8B-B14F-4D97-AF65-F5344CB8AC3E}">
+        <p14:creationId xmlns:p14="http://schemas.microsoft.com/office/powerpoint/2010/main" val="987527255"/>
+      </p:ext>
+    </p:extLst>
+  </p:cSld>
+  <p:clrMapOvr>
+    <a:masterClrMapping/>
+  </p:clrMapOvr>
+</p:notes>
 </file>
 
 <file path=ppt/slideLayouts/slideLayout1.xml><?xml version="1.0" encoding="utf-8"?>
@@ -5806,8 +7615,8 @@
           </a:p>
         </p:txBody>
       </p:sp>
-      <mc:AlternateContent xmlns:mc="http://schemas.openxmlformats.org/markup-compatibility/2006">
-        <mc:Choice xmlns:a14="http://schemas.microsoft.com/office/drawing/2010/main" Requires="a14">
+      <mc:AlternateContent xmlns:mc="http://schemas.openxmlformats.org/markup-compatibility/2006" xmlns:a14="http://schemas.microsoft.com/office/drawing/2010/main">
+        <mc:Choice Requires="a14">
           <p:sp>
             <p:nvSpPr>
               <p:cNvPr id="7" name="CasellaDiTesto 6">
@@ -6742,7 +8551,7 @@
             </p:txBody>
           </p:sp>
         </mc:Choice>
-        <mc:Fallback>
+        <mc:Fallback xmlns="">
           <p:sp>
             <p:nvSpPr>
               <p:cNvPr id="7" name="CasellaDiTesto 6">
@@ -8213,7 +10022,7 @@
                 <a:ext cx="6713552" cy="4119172"/>
               </a:xfrm>
               <a:blipFill>
-                <a:blip r:embed="rId2"/>
+                <a:blip r:embed="rId3"/>
                 <a:stretch>
                   <a:fillRect l="-272" t="-296" r="-272"/>
                 </a:stretch>
@@ -8249,7 +10058,7 @@
           <p:nvPr/>
         </p:nvPicPr>
         <p:blipFill>
-          <a:blip r:embed="rId3"/>
+          <a:blip r:embed="rId4"/>
           <a:srcRect r="2141" b="-5"/>
           <a:stretch>
             <a:fillRect/>
@@ -9100,7 +10909,7 @@
                 <a:ext cx="8263402" cy="2176272"/>
               </a:xfrm>
               <a:blipFill>
-                <a:blip r:embed="rId2"/>
+                <a:blip r:embed="rId3"/>
                 <a:stretch>
                   <a:fillRect l="-369" t="-840" r="-369"/>
                 </a:stretch>
@@ -9136,7 +10945,7 @@
           <p:nvPr/>
         </p:nvPicPr>
         <p:blipFill>
-          <a:blip r:embed="rId3">
+          <a:blip r:embed="rId4">
             <a:extLst>
               <a:ext uri="{28A0092B-C50C-407E-A947-70E740481C1C}">
                 <a14:useLocalDpi xmlns:a14="http://schemas.microsoft.com/office/drawing/2010/main" val="0"/>
@@ -9171,7 +10980,7 @@
           <p:nvPr/>
         </p:nvPicPr>
         <p:blipFill>
-          <a:blip r:embed="rId4">
+          <a:blip r:embed="rId5">
             <a:extLst>
               <a:ext uri="{28A0092B-C50C-407E-A947-70E740481C1C}">
                 <a14:useLocalDpi xmlns:a14="http://schemas.microsoft.com/office/drawing/2010/main" val="0"/>
@@ -9587,7 +11396,7 @@
                 <a:avLst/>
               </a:prstGeom>
               <a:blipFill>
-                <a:blip r:embed="rId5"/>
+                <a:blip r:embed="rId6"/>
                 <a:stretch>
                   <a:fillRect l="-295" t="-1310"/>
                 </a:stretch>
@@ -10937,7 +12746,7 @@
                 <a:avLst/>
               </a:prstGeom>
               <a:blipFill>
-                <a:blip r:embed="rId2"/>
+                <a:blip r:embed="rId3"/>
                 <a:stretch>
                   <a:fillRect l="-363" t="-740" r="-363"/>
                 </a:stretch>
@@ -11001,7 +12810,7 @@
           <p:nvPr/>
         </p:nvPicPr>
         <p:blipFill>
-          <a:blip r:embed="rId3"/>
+          <a:blip r:embed="rId4"/>
           <a:srcRect r="24239" b="2"/>
           <a:stretch>
             <a:fillRect/>
@@ -12489,7 +14298,7 @@
           <p:nvPr/>
         </p:nvPicPr>
         <p:blipFill>
-          <a:blip r:embed="rId2"/>
+          <a:blip r:embed="rId3"/>
           <a:stretch>
             <a:fillRect/>
           </a:stretch>
@@ -16631,7 +18440,7 @@
                 <a:ext cx="7812885" cy="3483864"/>
               </a:xfrm>
               <a:blipFill>
-                <a:blip r:embed="rId2"/>
+                <a:blip r:embed="rId3"/>
                 <a:stretch>
                   <a:fillRect l="-390" t="-1224" r="-390"/>
                 </a:stretch>
@@ -16667,7 +18476,7 @@
           <p:nvPr/>
         </p:nvPicPr>
         <p:blipFill>
-          <a:blip r:embed="rId3">
+          <a:blip r:embed="rId4">
             <a:extLst>
               <a:ext uri="{28A0092B-C50C-407E-A947-70E740481C1C}">
                 <a14:useLocalDpi xmlns:a14="http://schemas.microsoft.com/office/drawing/2010/main" val="0"/>
@@ -16702,7 +18511,7 @@
           <p:nvPr/>
         </p:nvPicPr>
         <p:blipFill>
-          <a:blip r:embed="rId4">
+          <a:blip r:embed="rId5">
             <a:extLst>
               <a:ext uri="{28A0092B-C50C-407E-A947-70E740481C1C}">
                 <a14:useLocalDpi xmlns:a14="http://schemas.microsoft.com/office/drawing/2010/main" val="0"/>
@@ -17018,6 +18827,268 @@
         <p:cNvPr id="1" name="">
           <a:extLst>
             <a:ext uri="{FF2B5EF4-FFF2-40B4-BE49-F238E27FC236}">
+              <a16:creationId xmlns:a16="http://schemas.microsoft.com/office/drawing/2014/main" id="{62BF5379-CC7D-2F7F-95FD-A4F557C67ADC}"/>
+            </a:ext>
+          </a:extLst>
+        </p:cNvPr>
+        <p:cNvGrpSpPr/>
+        <p:nvPr/>
+      </p:nvGrpSpPr>
+      <p:grpSpPr>
+        <a:xfrm>
+          <a:off x="0" y="0"/>
+          <a:ext cx="0" cy="0"/>
+          <a:chOff x="0" y="0"/>
+          <a:chExt cx="0" cy="0"/>
+        </a:xfrm>
+      </p:grpSpPr>
+      <p:sp>
+        <p:nvSpPr>
+          <p:cNvPr id="2" name="Titolo 1">
+            <a:extLst>
+              <a:ext uri="{FF2B5EF4-FFF2-40B4-BE49-F238E27FC236}">
+                <a16:creationId xmlns:a16="http://schemas.microsoft.com/office/drawing/2014/main" id="{C4A3C7FC-B72D-E9F2-6D3A-F7EB30E8679D}"/>
+              </a:ext>
+            </a:extLst>
+          </p:cNvPr>
+          <p:cNvSpPr>
+            <a:spLocks noGrp="1"/>
+          </p:cNvSpPr>
+          <p:nvPr>
+            <p:ph type="title"/>
+          </p:nvPr>
+        </p:nvSpPr>
+        <p:spPr>
+          <a:xfrm>
+            <a:off x="612649" y="183248"/>
+            <a:ext cx="11354938" cy="760895"/>
+          </a:xfrm>
+        </p:spPr>
+        <p:txBody>
+          <a:bodyPr anchor="b">
+            <a:normAutofit/>
+          </a:bodyPr>
+          <a:lstStyle/>
+          <a:p>
+            <a:r>
+              <a:rPr lang="it-IT" sz="3200" dirty="0"/>
+              <a:t>MPC con vincolo terminale di </a:t>
+            </a:r>
+            <a:r>
+              <a:rPr lang="it-IT" sz="3200" dirty="0" err="1"/>
+              <a:t>disugualizanza</a:t>
+            </a:r>
+            <a:r>
+              <a:rPr lang="it-IT" sz="3200" dirty="0"/>
+              <a:t> - Conclusione</a:t>
+            </a:r>
+          </a:p>
+        </p:txBody>
+      </p:sp>
+      <p:sp>
+        <p:nvSpPr>
+          <p:cNvPr id="3" name="Segnaposto contenuto 2">
+            <a:extLst>
+              <a:ext uri="{FF2B5EF4-FFF2-40B4-BE49-F238E27FC236}">
+                <a16:creationId xmlns:a16="http://schemas.microsoft.com/office/drawing/2014/main" id="{1CE15340-31BB-80BE-E935-CC8EE0CA0F75}"/>
+              </a:ext>
+            </a:extLst>
+          </p:cNvPr>
+          <p:cNvSpPr>
+            <a:spLocks noGrp="1"/>
+          </p:cNvSpPr>
+          <p:nvPr>
+            <p:ph idx="1"/>
+          </p:nvPr>
+        </p:nvSpPr>
+        <p:spPr>
+          <a:xfrm>
+            <a:off x="612649" y="1013082"/>
+            <a:ext cx="10983149" cy="2664384"/>
+          </a:xfrm>
+        </p:spPr>
+        <p:txBody>
+          <a:bodyPr>
+            <a:normAutofit/>
+          </a:bodyPr>
+          <a:lstStyle/>
+          <a:p>
+            <a:pPr marL="0" indent="0" algn="just">
+              <a:lnSpc>
+                <a:spcPct val="100000"/>
+              </a:lnSpc>
+              <a:buNone/>
+            </a:pPr>
+            <a:r>
+              <a:rPr lang="it-IT" sz="1600" dirty="0"/>
+              <a:t>Il controllore MPC implementato ha dimostrato di raggiungere l’obiettivo desiderato in tempi inferiori rispetto all’applicazione delle sole tensioni di equilibrio, grazie alla sua capacità di ottimizzare dinamicamente la traiettoria di controllo tenendo conto dello stato attuale del sistema e dei vincoli imposti.</a:t>
+            </a:r>
+          </a:p>
+          <a:p>
+            <a:pPr marL="0" indent="0" algn="just">
+              <a:lnSpc>
+                <a:spcPct val="100000"/>
+              </a:lnSpc>
+              <a:buNone/>
+            </a:pPr>
+            <a:r>
+              <a:rPr lang="it-IT" sz="1600" dirty="0"/>
+              <a:t>Tuttavia, la presenza di saturazione nell’azione di controllo limita le prestazioni del controllore, che probabilmente potrebbe raggiungere il riferimento in tempi ancora più brevi in assenza di tale vincolo.</a:t>
+            </a:r>
+          </a:p>
+          <a:p>
+            <a:pPr marL="0" indent="0" algn="just">
+              <a:lnSpc>
+                <a:spcPct val="100000"/>
+              </a:lnSpc>
+              <a:buNone/>
+            </a:pPr>
+            <a:r>
+              <a:rPr lang="it-IT" sz="1600" dirty="0"/>
+              <a:t>Una possibile causa della saturazione osservata è l’utilizzo di un tempo di campionamento relativamente elevato (nel nostro caso </a:t>
+            </a:r>
+            <a:r>
+              <a:rPr lang="it-IT" sz="1600" dirty="0" err="1"/>
+              <a:t>Ts</a:t>
+            </a:r>
+            <a:r>
+              <a:rPr lang="it-IT" sz="1600" dirty="0"/>
+              <a:t>=15), che costringe il controllore a generare azioni più aggressive per compensare la bassa frequenza di aggiornamento. Tuttavia, una riduzione del tempo di campionamento comporterebbe un aumento significativo del numero di vincoli nel problema di ottimizzazione, con conseguente incremento del tempo di calcolo richiesto.</a:t>
+            </a:r>
+          </a:p>
+        </p:txBody>
+      </p:sp>
+      <p:sp>
+        <p:nvSpPr>
+          <p:cNvPr id="4" name="Segnaposto piè di pagina 3">
+            <a:extLst>
+              <a:ext uri="{FF2B5EF4-FFF2-40B4-BE49-F238E27FC236}">
+                <a16:creationId xmlns:a16="http://schemas.microsoft.com/office/drawing/2014/main" id="{D53ED8FC-8937-3A3C-9FDE-F30E571EB163}"/>
+              </a:ext>
+            </a:extLst>
+          </p:cNvPr>
+          <p:cNvSpPr>
+            <a:spLocks noGrp="1"/>
+          </p:cNvSpPr>
+          <p:nvPr>
+            <p:ph type="ftr" sz="quarter" idx="11"/>
+          </p:nvPr>
+        </p:nvSpPr>
+        <p:spPr>
+          <a:xfrm>
+            <a:off x="4038600" y="6356350"/>
+            <a:ext cx="4114800" cy="365125"/>
+          </a:xfrm>
+        </p:spPr>
+        <p:txBody>
+          <a:bodyPr>
+            <a:normAutofit/>
+          </a:bodyPr>
+          <a:lstStyle/>
+          <a:p>
+            <a:pPr>
+              <a:spcAft>
+                <a:spcPts val="600"/>
+              </a:spcAft>
+            </a:pPr>
+            <a:r>
+              <a:rPr lang="it-IT"/>
+              <a:t>Davide Brambilla [1080752], Giorgio Passarella[1079287]</a:t>
+            </a:r>
+          </a:p>
+        </p:txBody>
+      </p:sp>
+      <p:pic>
+        <p:nvPicPr>
+          <p:cNvPr id="7" name="Immagine 6">
+            <a:extLst>
+              <a:ext uri="{FF2B5EF4-FFF2-40B4-BE49-F238E27FC236}">
+                <a16:creationId xmlns:a16="http://schemas.microsoft.com/office/drawing/2014/main" id="{9CD1B0E1-C6CF-7136-B964-B9156B82F659}"/>
+              </a:ext>
+            </a:extLst>
+          </p:cNvPr>
+          <p:cNvPicPr>
+            <a:picLocks noChangeAspect="1"/>
+          </p:cNvPicPr>
+          <p:nvPr/>
+        </p:nvPicPr>
+        <p:blipFill>
+          <a:blip r:embed="rId2">
+            <a:extLst>
+              <a:ext uri="{28A0092B-C50C-407E-A947-70E740481C1C}">
+                <a14:useLocalDpi xmlns:a14="http://schemas.microsoft.com/office/drawing/2010/main" val="0"/>
+              </a:ext>
+            </a:extLst>
+          </a:blip>
+          <a:srcRect/>
+          <a:stretch/>
+        </p:blipFill>
+        <p:spPr>
+          <a:xfrm>
+            <a:off x="6574338" y="3684716"/>
+            <a:ext cx="5021460" cy="2664384"/>
+          </a:xfrm>
+          <a:prstGeom prst="rect">
+            <a:avLst/>
+          </a:prstGeom>
+        </p:spPr>
+      </p:pic>
+      <p:pic>
+        <p:nvPicPr>
+          <p:cNvPr id="5" name="Immagine 4">
+            <a:extLst>
+              <a:ext uri="{FF2B5EF4-FFF2-40B4-BE49-F238E27FC236}">
+                <a16:creationId xmlns:a16="http://schemas.microsoft.com/office/drawing/2014/main" id="{25F937B4-B8DB-32DD-0938-DDE47E36FD8D}"/>
+              </a:ext>
+            </a:extLst>
+          </p:cNvPr>
+          <p:cNvPicPr>
+            <a:picLocks noChangeAspect="1"/>
+          </p:cNvPicPr>
+          <p:nvPr/>
+        </p:nvPicPr>
+        <p:blipFill>
+          <a:blip r:embed="rId3">
+            <a:extLst>
+              <a:ext uri="{28A0092B-C50C-407E-A947-70E740481C1C}">
+                <a14:useLocalDpi xmlns:a14="http://schemas.microsoft.com/office/drawing/2010/main" val="0"/>
+              </a:ext>
+            </a:extLst>
+          </a:blip>
+          <a:srcRect/>
+          <a:stretch/>
+        </p:blipFill>
+        <p:spPr>
+          <a:xfrm>
+            <a:off x="533983" y="3684716"/>
+            <a:ext cx="4928709" cy="1191129"/>
+          </a:xfrm>
+          <a:prstGeom prst="rect">
+            <a:avLst/>
+          </a:prstGeom>
+        </p:spPr>
+      </p:pic>
+    </p:spTree>
+    <p:extLst>
+      <p:ext uri="{BB962C8B-B14F-4D97-AF65-F5344CB8AC3E}">
+        <p14:creationId xmlns:p14="http://schemas.microsoft.com/office/powerpoint/2010/main" val="1888657171"/>
+      </p:ext>
+    </p:extLst>
+  </p:cSld>
+  <p:clrMapOvr>
+    <a:masterClrMapping/>
+  </p:clrMapOvr>
+</p:sld>
+</file>
+
+<file path=ppt/slides/slide25.xml><?xml version="1.0" encoding="utf-8"?>
+<p:sld xmlns:a="http://schemas.openxmlformats.org/drawingml/2006/main" xmlns:r="http://schemas.openxmlformats.org/officeDocument/2006/relationships" xmlns:p="http://schemas.openxmlformats.org/presentationml/2006/main">
+  <p:cSld>
+    <p:spTree>
+      <p:nvGrpSpPr>
+        <p:cNvPr id="1" name="">
+          <a:extLst>
+            <a:ext uri="{FF2B5EF4-FFF2-40B4-BE49-F238E27FC236}">
               <a16:creationId xmlns:a16="http://schemas.microsoft.com/office/drawing/2014/main" id="{40DC4461-1B3C-409A-1153-B9B1D80D6071}"/>
             </a:ext>
           </a:extLst>
@@ -17166,7 +19237,7 @@
 </p:sld>
 </file>
 
-<file path=ppt/slides/slide25.xml><?xml version="1.0" encoding="utf-8"?>
+<file path=ppt/slides/slide26.xml><?xml version="1.0" encoding="utf-8"?>
 <p:sld xmlns:a="http://schemas.openxmlformats.org/drawingml/2006/main" xmlns:r="http://schemas.openxmlformats.org/officeDocument/2006/relationships" xmlns:p="http://schemas.openxmlformats.org/presentationml/2006/main">
   <p:cSld>
     <p:spTree>
@@ -17441,7 +19512,7 @@
 </p:sld>
 </file>
 
-<file path=ppt/slides/slide26.xml><?xml version="1.0" encoding="utf-8"?>
+<file path=ppt/slides/slide27.xml><?xml version="1.0" encoding="utf-8"?>
 <p:sld xmlns:a="http://schemas.openxmlformats.org/drawingml/2006/main" xmlns:r="http://schemas.openxmlformats.org/officeDocument/2006/relationships" xmlns:p="http://schemas.openxmlformats.org/presentationml/2006/main">
   <p:cSld>
     <p:bg>
@@ -18023,7 +20094,7 @@
 </p:sld>
 </file>
 
-<file path=ppt/slides/slide27.xml><?xml version="1.0" encoding="utf-8"?>
+<file path=ppt/slides/slide28.xml><?xml version="1.0" encoding="utf-8"?>
 <p:sld xmlns:a="http://schemas.openxmlformats.org/drawingml/2006/main" xmlns:r="http://schemas.openxmlformats.org/officeDocument/2006/relationships" xmlns:p="http://schemas.openxmlformats.org/presentationml/2006/main">
   <p:cSld>
     <p:bg>
@@ -18941,7 +21012,7 @@
 </p:sld>
 </file>
 
-<file path=ppt/slides/slide28.xml><?xml version="1.0" encoding="utf-8"?>
+<file path=ppt/slides/slide29.xml><?xml version="1.0" encoding="utf-8"?>
 <p:sld xmlns:a="http://schemas.openxmlformats.org/drawingml/2006/main" xmlns:r="http://schemas.openxmlformats.org/officeDocument/2006/relationships" xmlns:p="http://schemas.openxmlformats.org/presentationml/2006/main">
   <p:cSld>
     <p:bg>
@@ -19593,7 +21664,1055 @@
 </p:sld>
 </file>
 
-<file path=ppt/slides/slide29.xml><?xml version="1.0" encoding="utf-8"?>
+<file path=ppt/slides/slide3.xml><?xml version="1.0" encoding="utf-8"?>
+<p:sld xmlns:a="http://schemas.openxmlformats.org/drawingml/2006/main" xmlns:r="http://schemas.openxmlformats.org/officeDocument/2006/relationships" xmlns:p="http://schemas.openxmlformats.org/presentationml/2006/main">
+  <p:cSld>
+    <p:bg>
+      <p:bgPr>
+        <a:solidFill>
+          <a:schemeClr val="bg1"/>
+        </a:solidFill>
+        <a:effectLst/>
+      </p:bgPr>
+    </p:bg>
+    <p:spTree>
+      <p:nvGrpSpPr>
+        <p:cNvPr id="1" name=""/>
+        <p:cNvGrpSpPr/>
+        <p:nvPr/>
+      </p:nvGrpSpPr>
+      <p:grpSpPr>
+        <a:xfrm>
+          <a:off x="0" y="0"/>
+          <a:ext cx="0" cy="0"/>
+          <a:chOff x="0" y="0"/>
+          <a:chExt cx="0" cy="0"/>
+        </a:xfrm>
+      </p:grpSpPr>
+      <p:sp useBgFill="1">
+        <p:nvSpPr>
+          <p:cNvPr id="19" name="Rectangle 18">
+            <a:extLst>
+              <a:ext uri="{FF2B5EF4-FFF2-40B4-BE49-F238E27FC236}">
+                <a16:creationId xmlns:a16="http://schemas.microsoft.com/office/drawing/2014/main" id="{100EDD19-6802-4EC3-95CE-CFFAB042CFD6}"/>
+              </a:ext>
+              <a:ext uri="{C183D7F6-B498-43B3-948B-1728B52AA6E4}">
+                <adec:decorative xmlns:adec="http://schemas.microsoft.com/office/drawing/2017/decorative" val="1"/>
+              </a:ext>
+            </a:extLst>
+          </p:cNvPr>
+          <p:cNvSpPr>
+            <a:spLocks noGrp="1" noRot="1" noChangeAspect="1" noMove="1" noResize="1" noEditPoints="1" noAdjustHandles="1" noChangeArrowheads="1" noChangeShapeType="1" noTextEdit="1"/>
+          </p:cNvSpPr>
+          <p:nvPr>
+            <p:extLst>
+              <p:ext uri="{386F3935-93C4-4BCD-93E2-E3B085C9AB24}">
+                <p16:designElem xmlns:p16="http://schemas.microsoft.com/office/powerpoint/2015/main" val="1"/>
+              </p:ext>
+            </p:extLst>
+          </p:nvPr>
+        </p:nvSpPr>
+        <p:spPr>
+          <a:xfrm>
+            <a:off x="0" y="0"/>
+            <a:ext cx="12188952" cy="6858000"/>
+          </a:xfrm>
+          <a:prstGeom prst="rect">
+            <a:avLst/>
+          </a:prstGeom>
+          <a:ln>
+            <a:noFill/>
+          </a:ln>
+        </p:spPr>
+        <p:style>
+          <a:lnRef idx="2">
+            <a:schemeClr val="accent1">
+              <a:shade val="50000"/>
+            </a:schemeClr>
+          </a:lnRef>
+          <a:fillRef idx="1">
+            <a:schemeClr val="accent1"/>
+          </a:fillRef>
+          <a:effectRef idx="0">
+            <a:schemeClr val="accent1"/>
+          </a:effectRef>
+          <a:fontRef idx="minor">
+            <a:schemeClr val="lt1"/>
+          </a:fontRef>
+        </p:style>
+        <p:txBody>
+          <a:bodyPr rtlCol="0" anchor="ctr"/>
+          <a:lstStyle/>
+          <a:p>
+            <a:pPr algn="ctr"/>
+            <a:endParaRPr lang="en-US"/>
+          </a:p>
+        </p:txBody>
+      </p:sp>
+      <p:sp>
+        <p:nvSpPr>
+          <p:cNvPr id="2" name="Titolo 1">
+            <a:extLst>
+              <a:ext uri="{FF2B5EF4-FFF2-40B4-BE49-F238E27FC236}">
+                <a16:creationId xmlns:a16="http://schemas.microsoft.com/office/drawing/2014/main" id="{55A17A00-D385-922D-91F8-CB9EE8C3E0AD}"/>
+              </a:ext>
+            </a:extLst>
+          </p:cNvPr>
+          <p:cNvSpPr>
+            <a:spLocks noGrp="1"/>
+          </p:cNvSpPr>
+          <p:nvPr>
+            <p:ph type="title"/>
+          </p:nvPr>
+        </p:nvSpPr>
+        <p:spPr>
+          <a:xfrm>
+            <a:off x="838200" y="365125"/>
+            <a:ext cx="10515600" cy="1325563"/>
+          </a:xfrm>
+        </p:spPr>
+        <p:txBody>
+          <a:bodyPr>
+            <a:normAutofit/>
+          </a:bodyPr>
+          <a:lstStyle/>
+          <a:p>
+            <a:r>
+              <a:rPr lang="it-IT" sz="5400" dirty="0"/>
+              <a:t>Obiettivi di progetto</a:t>
+            </a:r>
+          </a:p>
+        </p:txBody>
+      </p:sp>
+      <p:sp>
+        <p:nvSpPr>
+          <p:cNvPr id="21" name="sketch line">
+            <a:extLst>
+              <a:ext uri="{FF2B5EF4-FFF2-40B4-BE49-F238E27FC236}">
+                <a16:creationId xmlns:a16="http://schemas.microsoft.com/office/drawing/2014/main" id="{DB17E863-922E-4C26-BD64-E8FD41D28661}"/>
+              </a:ext>
+              <a:ext uri="{C183D7F6-B498-43B3-948B-1728B52AA6E4}">
+                <adec:decorative xmlns:adec="http://schemas.microsoft.com/office/drawing/2017/decorative" val="1"/>
+              </a:ext>
+            </a:extLst>
+          </p:cNvPr>
+          <p:cNvSpPr>
+            <a:spLocks noGrp="1" noRot="1" noChangeAspect="1" noMove="1" noResize="1" noEditPoints="1" noAdjustHandles="1" noChangeArrowheads="1" noChangeShapeType="1" noTextEdit="1"/>
+          </p:cNvSpPr>
+          <p:nvPr>
+            <p:extLst>
+              <p:ext uri="{386F3935-93C4-4BCD-93E2-E3B085C9AB24}">
+                <p16:designElem xmlns:p16="http://schemas.microsoft.com/office/powerpoint/2015/main" val="1"/>
+              </p:ext>
+            </p:extLst>
+          </p:nvPr>
+        </p:nvSpPr>
+        <p:spPr>
+          <a:xfrm>
+            <a:off x="669036" y="1677373"/>
+            <a:ext cx="10853928" cy="18288"/>
+          </a:xfrm>
+          <a:custGeom>
+            <a:avLst/>
+            <a:gdLst>
+              <a:gd name="connsiteX0" fmla="*/ 0 w 10853928"/>
+              <a:gd name="connsiteY0" fmla="*/ 0 h 18288"/>
+              <a:gd name="connsiteX1" fmla="*/ 461292 w 10853928"/>
+              <a:gd name="connsiteY1" fmla="*/ 0 h 18288"/>
+              <a:gd name="connsiteX2" fmla="*/ 1139662 w 10853928"/>
+              <a:gd name="connsiteY2" fmla="*/ 0 h 18288"/>
+              <a:gd name="connsiteX3" fmla="*/ 1926572 w 10853928"/>
+              <a:gd name="connsiteY3" fmla="*/ 0 h 18288"/>
+              <a:gd name="connsiteX4" fmla="*/ 2279325 w 10853928"/>
+              <a:gd name="connsiteY4" fmla="*/ 0 h 18288"/>
+              <a:gd name="connsiteX5" fmla="*/ 2632078 w 10853928"/>
+              <a:gd name="connsiteY5" fmla="*/ 0 h 18288"/>
+              <a:gd name="connsiteX6" fmla="*/ 3527527 w 10853928"/>
+              <a:gd name="connsiteY6" fmla="*/ 0 h 18288"/>
+              <a:gd name="connsiteX7" fmla="*/ 4205897 w 10853928"/>
+              <a:gd name="connsiteY7" fmla="*/ 0 h 18288"/>
+              <a:gd name="connsiteX8" fmla="*/ 4558650 w 10853928"/>
+              <a:gd name="connsiteY8" fmla="*/ 0 h 18288"/>
+              <a:gd name="connsiteX9" fmla="*/ 5237020 w 10853928"/>
+              <a:gd name="connsiteY9" fmla="*/ 0 h 18288"/>
+              <a:gd name="connsiteX10" fmla="*/ 6132469 w 10853928"/>
+              <a:gd name="connsiteY10" fmla="*/ 0 h 18288"/>
+              <a:gd name="connsiteX11" fmla="*/ 6702301 w 10853928"/>
+              <a:gd name="connsiteY11" fmla="*/ 0 h 18288"/>
+              <a:gd name="connsiteX12" fmla="*/ 7272132 w 10853928"/>
+              <a:gd name="connsiteY12" fmla="*/ 0 h 18288"/>
+              <a:gd name="connsiteX13" fmla="*/ 7950502 w 10853928"/>
+              <a:gd name="connsiteY13" fmla="*/ 0 h 18288"/>
+              <a:gd name="connsiteX14" fmla="*/ 8737412 w 10853928"/>
+              <a:gd name="connsiteY14" fmla="*/ 0 h 18288"/>
+              <a:gd name="connsiteX15" fmla="*/ 9524322 w 10853928"/>
+              <a:gd name="connsiteY15" fmla="*/ 0 h 18288"/>
+              <a:gd name="connsiteX16" fmla="*/ 10853928 w 10853928"/>
+              <a:gd name="connsiteY16" fmla="*/ 0 h 18288"/>
+              <a:gd name="connsiteX17" fmla="*/ 10853928 w 10853928"/>
+              <a:gd name="connsiteY17" fmla="*/ 18288 h 18288"/>
+              <a:gd name="connsiteX18" fmla="*/ 10392636 w 10853928"/>
+              <a:gd name="connsiteY18" fmla="*/ 18288 h 18288"/>
+              <a:gd name="connsiteX19" fmla="*/ 9497187 w 10853928"/>
+              <a:gd name="connsiteY19" fmla="*/ 18288 h 18288"/>
+              <a:gd name="connsiteX20" fmla="*/ 8818817 w 10853928"/>
+              <a:gd name="connsiteY20" fmla="*/ 18288 h 18288"/>
+              <a:gd name="connsiteX21" fmla="*/ 8466064 w 10853928"/>
+              <a:gd name="connsiteY21" fmla="*/ 18288 h 18288"/>
+              <a:gd name="connsiteX22" fmla="*/ 7787693 w 10853928"/>
+              <a:gd name="connsiteY22" fmla="*/ 18288 h 18288"/>
+              <a:gd name="connsiteX23" fmla="*/ 7217862 w 10853928"/>
+              <a:gd name="connsiteY23" fmla="*/ 18288 h 18288"/>
+              <a:gd name="connsiteX24" fmla="*/ 6648031 w 10853928"/>
+              <a:gd name="connsiteY24" fmla="*/ 18288 h 18288"/>
+              <a:gd name="connsiteX25" fmla="*/ 6078200 w 10853928"/>
+              <a:gd name="connsiteY25" fmla="*/ 18288 h 18288"/>
+              <a:gd name="connsiteX26" fmla="*/ 5508368 w 10853928"/>
+              <a:gd name="connsiteY26" fmla="*/ 18288 h 18288"/>
+              <a:gd name="connsiteX27" fmla="*/ 4721459 w 10853928"/>
+              <a:gd name="connsiteY27" fmla="*/ 18288 h 18288"/>
+              <a:gd name="connsiteX28" fmla="*/ 4043088 w 10853928"/>
+              <a:gd name="connsiteY28" fmla="*/ 18288 h 18288"/>
+              <a:gd name="connsiteX29" fmla="*/ 3690336 w 10853928"/>
+              <a:gd name="connsiteY29" fmla="*/ 18288 h 18288"/>
+              <a:gd name="connsiteX30" fmla="*/ 3120504 w 10853928"/>
+              <a:gd name="connsiteY30" fmla="*/ 18288 h 18288"/>
+              <a:gd name="connsiteX31" fmla="*/ 2333595 w 10853928"/>
+              <a:gd name="connsiteY31" fmla="*/ 18288 h 18288"/>
+              <a:gd name="connsiteX32" fmla="*/ 1872303 w 10853928"/>
+              <a:gd name="connsiteY32" fmla="*/ 18288 h 18288"/>
+              <a:gd name="connsiteX33" fmla="*/ 976854 w 10853928"/>
+              <a:gd name="connsiteY33" fmla="*/ 18288 h 18288"/>
+              <a:gd name="connsiteX34" fmla="*/ 0 w 10853928"/>
+              <a:gd name="connsiteY34" fmla="*/ 18288 h 18288"/>
+              <a:gd name="connsiteX35" fmla="*/ 0 w 10853928"/>
+              <a:gd name="connsiteY35" fmla="*/ 0 h 18288"/>
+            </a:gdLst>
+            <a:ahLst/>
+            <a:cxnLst>
+              <a:cxn ang="0">
+                <a:pos x="connsiteX0" y="connsiteY0"/>
+              </a:cxn>
+              <a:cxn ang="0">
+                <a:pos x="connsiteX1" y="connsiteY1"/>
+              </a:cxn>
+              <a:cxn ang="0">
+                <a:pos x="connsiteX2" y="connsiteY2"/>
+              </a:cxn>
+              <a:cxn ang="0">
+                <a:pos x="connsiteX3" y="connsiteY3"/>
+              </a:cxn>
+              <a:cxn ang="0">
+                <a:pos x="connsiteX4" y="connsiteY4"/>
+              </a:cxn>
+              <a:cxn ang="0">
+                <a:pos x="connsiteX5" y="connsiteY5"/>
+              </a:cxn>
+              <a:cxn ang="0">
+                <a:pos x="connsiteX6" y="connsiteY6"/>
+              </a:cxn>
+              <a:cxn ang="0">
+                <a:pos x="connsiteX7" y="connsiteY7"/>
+              </a:cxn>
+              <a:cxn ang="0">
+                <a:pos x="connsiteX8" y="connsiteY8"/>
+              </a:cxn>
+              <a:cxn ang="0">
+                <a:pos x="connsiteX9" y="connsiteY9"/>
+              </a:cxn>
+              <a:cxn ang="0">
+                <a:pos x="connsiteX10" y="connsiteY10"/>
+              </a:cxn>
+              <a:cxn ang="0">
+                <a:pos x="connsiteX11" y="connsiteY11"/>
+              </a:cxn>
+              <a:cxn ang="0">
+                <a:pos x="connsiteX12" y="connsiteY12"/>
+              </a:cxn>
+              <a:cxn ang="0">
+                <a:pos x="connsiteX13" y="connsiteY13"/>
+              </a:cxn>
+              <a:cxn ang="0">
+                <a:pos x="connsiteX14" y="connsiteY14"/>
+              </a:cxn>
+              <a:cxn ang="0">
+                <a:pos x="connsiteX15" y="connsiteY15"/>
+              </a:cxn>
+              <a:cxn ang="0">
+                <a:pos x="connsiteX16" y="connsiteY16"/>
+              </a:cxn>
+              <a:cxn ang="0">
+                <a:pos x="connsiteX17" y="connsiteY17"/>
+              </a:cxn>
+              <a:cxn ang="0">
+                <a:pos x="connsiteX18" y="connsiteY18"/>
+              </a:cxn>
+              <a:cxn ang="0">
+                <a:pos x="connsiteX19" y="connsiteY19"/>
+              </a:cxn>
+              <a:cxn ang="0">
+                <a:pos x="connsiteX20" y="connsiteY20"/>
+              </a:cxn>
+              <a:cxn ang="0">
+                <a:pos x="connsiteX21" y="connsiteY21"/>
+              </a:cxn>
+              <a:cxn ang="0">
+                <a:pos x="connsiteX22" y="connsiteY22"/>
+              </a:cxn>
+              <a:cxn ang="0">
+                <a:pos x="connsiteX23" y="connsiteY23"/>
+              </a:cxn>
+              <a:cxn ang="0">
+                <a:pos x="connsiteX24" y="connsiteY24"/>
+              </a:cxn>
+              <a:cxn ang="0">
+                <a:pos x="connsiteX25" y="connsiteY25"/>
+              </a:cxn>
+              <a:cxn ang="0">
+                <a:pos x="connsiteX26" y="connsiteY26"/>
+              </a:cxn>
+              <a:cxn ang="0">
+                <a:pos x="connsiteX27" y="connsiteY27"/>
+              </a:cxn>
+              <a:cxn ang="0">
+                <a:pos x="connsiteX28" y="connsiteY28"/>
+              </a:cxn>
+              <a:cxn ang="0">
+                <a:pos x="connsiteX29" y="connsiteY29"/>
+              </a:cxn>
+              <a:cxn ang="0">
+                <a:pos x="connsiteX30" y="connsiteY30"/>
+              </a:cxn>
+              <a:cxn ang="0">
+                <a:pos x="connsiteX31" y="connsiteY31"/>
+              </a:cxn>
+              <a:cxn ang="0">
+                <a:pos x="connsiteX32" y="connsiteY32"/>
+              </a:cxn>
+              <a:cxn ang="0">
+                <a:pos x="connsiteX33" y="connsiteY33"/>
+              </a:cxn>
+              <a:cxn ang="0">
+                <a:pos x="connsiteX34" y="connsiteY34"/>
+              </a:cxn>
+              <a:cxn ang="0">
+                <a:pos x="connsiteX35" y="connsiteY35"/>
+              </a:cxn>
+            </a:cxnLst>
+            <a:rect l="l" t="t" r="r" b="b"/>
+            <a:pathLst>
+              <a:path w="10853928" h="18288" fill="none" extrusionOk="0">
+                <a:moveTo>
+                  <a:pt x="0" y="0"/>
+                </a:moveTo>
+                <a:cubicBezTo>
+                  <a:pt x="146993" y="-19076"/>
+                  <a:pt x="347684" y="-4790"/>
+                  <a:pt x="461292" y="0"/>
+                </a:cubicBezTo>
+                <a:cubicBezTo>
+                  <a:pt x="574900" y="4790"/>
+                  <a:pt x="808367" y="19821"/>
+                  <a:pt x="1139662" y="0"/>
+                </a:cubicBezTo>
+                <a:cubicBezTo>
+                  <a:pt x="1470957" y="-19821"/>
+                  <a:pt x="1627405" y="5721"/>
+                  <a:pt x="1926572" y="0"/>
+                </a:cubicBezTo>
+                <a:cubicBezTo>
+                  <a:pt x="2225739" y="-5721"/>
+                  <a:pt x="2137730" y="-3235"/>
+                  <a:pt x="2279325" y="0"/>
+                </a:cubicBezTo>
+                <a:cubicBezTo>
+                  <a:pt x="2420920" y="3235"/>
+                  <a:pt x="2456518" y="9685"/>
+                  <a:pt x="2632078" y="0"/>
+                </a:cubicBezTo>
+                <a:cubicBezTo>
+                  <a:pt x="2807638" y="-9685"/>
+                  <a:pt x="3211516" y="-43007"/>
+                  <a:pt x="3527527" y="0"/>
+                </a:cubicBezTo>
+                <a:cubicBezTo>
+                  <a:pt x="3843538" y="43007"/>
+                  <a:pt x="4058833" y="22042"/>
+                  <a:pt x="4205897" y="0"/>
+                </a:cubicBezTo>
+                <a:cubicBezTo>
+                  <a:pt x="4352961" y="-22042"/>
+                  <a:pt x="4474805" y="-11846"/>
+                  <a:pt x="4558650" y="0"/>
+                </a:cubicBezTo>
+                <a:cubicBezTo>
+                  <a:pt x="4642495" y="11846"/>
+                  <a:pt x="5041928" y="-6069"/>
+                  <a:pt x="5237020" y="0"/>
+                </a:cubicBezTo>
+                <a:cubicBezTo>
+                  <a:pt x="5432112" y="6069"/>
+                  <a:pt x="5943266" y="-17479"/>
+                  <a:pt x="6132469" y="0"/>
+                </a:cubicBezTo>
+                <a:cubicBezTo>
+                  <a:pt x="6321672" y="17479"/>
+                  <a:pt x="6483872" y="26234"/>
+                  <a:pt x="6702301" y="0"/>
+                </a:cubicBezTo>
+                <a:cubicBezTo>
+                  <a:pt x="6920730" y="-26234"/>
+                  <a:pt x="6991194" y="-15156"/>
+                  <a:pt x="7272132" y="0"/>
+                </a:cubicBezTo>
+                <a:cubicBezTo>
+                  <a:pt x="7553070" y="15156"/>
+                  <a:pt x="7684444" y="-32961"/>
+                  <a:pt x="7950502" y="0"/>
+                </a:cubicBezTo>
+                <a:cubicBezTo>
+                  <a:pt x="8216560" y="32961"/>
+                  <a:pt x="8493290" y="-10491"/>
+                  <a:pt x="8737412" y="0"/>
+                </a:cubicBezTo>
+                <a:cubicBezTo>
+                  <a:pt x="8981534" y="10491"/>
+                  <a:pt x="9191586" y="-13899"/>
+                  <a:pt x="9524322" y="0"/>
+                </a:cubicBezTo>
+                <a:cubicBezTo>
+                  <a:pt x="9857058" y="13899"/>
+                  <a:pt x="10297509" y="7485"/>
+                  <a:pt x="10853928" y="0"/>
+                </a:cubicBezTo>
+                <a:cubicBezTo>
+                  <a:pt x="10854574" y="4451"/>
+                  <a:pt x="10854418" y="9226"/>
+                  <a:pt x="10853928" y="18288"/>
+                </a:cubicBezTo>
+                <a:cubicBezTo>
+                  <a:pt x="10691638" y="28522"/>
+                  <a:pt x="10574319" y="29578"/>
+                  <a:pt x="10392636" y="18288"/>
+                </a:cubicBezTo>
+                <a:cubicBezTo>
+                  <a:pt x="10210953" y="6998"/>
+                  <a:pt x="9836277" y="-16742"/>
+                  <a:pt x="9497187" y="18288"/>
+                </a:cubicBezTo>
+                <a:cubicBezTo>
+                  <a:pt x="9158097" y="53318"/>
+                  <a:pt x="9119479" y="30714"/>
+                  <a:pt x="8818817" y="18288"/>
+                </a:cubicBezTo>
+                <a:cubicBezTo>
+                  <a:pt x="8518155" y="5863"/>
+                  <a:pt x="8640037" y="6483"/>
+                  <a:pt x="8466064" y="18288"/>
+                </a:cubicBezTo>
+                <a:cubicBezTo>
+                  <a:pt x="8292091" y="30093"/>
+                  <a:pt x="7997656" y="18914"/>
+                  <a:pt x="7787693" y="18288"/>
+                </a:cubicBezTo>
+                <a:cubicBezTo>
+                  <a:pt x="7577730" y="17662"/>
+                  <a:pt x="7412468" y="21416"/>
+                  <a:pt x="7217862" y="18288"/>
+                </a:cubicBezTo>
+                <a:cubicBezTo>
+                  <a:pt x="7023256" y="15160"/>
+                  <a:pt x="6898018" y="14824"/>
+                  <a:pt x="6648031" y="18288"/>
+                </a:cubicBezTo>
+                <a:cubicBezTo>
+                  <a:pt x="6398044" y="21752"/>
+                  <a:pt x="6254402" y="38625"/>
+                  <a:pt x="6078200" y="18288"/>
+                </a:cubicBezTo>
+                <a:cubicBezTo>
+                  <a:pt x="5901998" y="-2049"/>
+                  <a:pt x="5622886" y="3213"/>
+                  <a:pt x="5508368" y="18288"/>
+                </a:cubicBezTo>
+                <a:cubicBezTo>
+                  <a:pt x="5393850" y="33363"/>
+                  <a:pt x="5036260" y="26830"/>
+                  <a:pt x="4721459" y="18288"/>
+                </a:cubicBezTo>
+                <a:cubicBezTo>
+                  <a:pt x="4406658" y="9746"/>
+                  <a:pt x="4239221" y="41551"/>
+                  <a:pt x="4043088" y="18288"/>
+                </a:cubicBezTo>
+                <a:cubicBezTo>
+                  <a:pt x="3846955" y="-4975"/>
+                  <a:pt x="3818802" y="34658"/>
+                  <a:pt x="3690336" y="18288"/>
+                </a:cubicBezTo>
+                <a:cubicBezTo>
+                  <a:pt x="3561870" y="1918"/>
+                  <a:pt x="3265491" y="42194"/>
+                  <a:pt x="3120504" y="18288"/>
+                </a:cubicBezTo>
+                <a:cubicBezTo>
+                  <a:pt x="2975517" y="-5618"/>
+                  <a:pt x="2720254" y="36673"/>
+                  <a:pt x="2333595" y="18288"/>
+                </a:cubicBezTo>
+                <a:cubicBezTo>
+                  <a:pt x="1946936" y="-97"/>
+                  <a:pt x="2097241" y="5776"/>
+                  <a:pt x="1872303" y="18288"/>
+                </a:cubicBezTo>
+                <a:cubicBezTo>
+                  <a:pt x="1647365" y="30800"/>
+                  <a:pt x="1282708" y="45380"/>
+                  <a:pt x="976854" y="18288"/>
+                </a:cubicBezTo>
+                <a:cubicBezTo>
+                  <a:pt x="671000" y="-8804"/>
+                  <a:pt x="408401" y="-12775"/>
+                  <a:pt x="0" y="18288"/>
+                </a:cubicBezTo>
+                <a:cubicBezTo>
+                  <a:pt x="-213" y="9468"/>
+                  <a:pt x="187" y="4459"/>
+                  <a:pt x="0" y="0"/>
+                </a:cubicBezTo>
+                <a:close/>
+              </a:path>
+              <a:path w="10853928" h="18288" stroke="0" extrusionOk="0">
+                <a:moveTo>
+                  <a:pt x="0" y="0"/>
+                </a:moveTo>
+                <a:cubicBezTo>
+                  <a:pt x="267322" y="15284"/>
+                  <a:pt x="415388" y="-21048"/>
+                  <a:pt x="569831" y="0"/>
+                </a:cubicBezTo>
+                <a:cubicBezTo>
+                  <a:pt x="724274" y="21048"/>
+                  <a:pt x="769333" y="-2353"/>
+                  <a:pt x="922584" y="0"/>
+                </a:cubicBezTo>
+                <a:cubicBezTo>
+                  <a:pt x="1075835" y="2353"/>
+                  <a:pt x="1399490" y="-145"/>
+                  <a:pt x="1818033" y="0"/>
+                </a:cubicBezTo>
+                <a:cubicBezTo>
+                  <a:pt x="2236576" y="145"/>
+                  <a:pt x="2145330" y="5482"/>
+                  <a:pt x="2387864" y="0"/>
+                </a:cubicBezTo>
+                <a:cubicBezTo>
+                  <a:pt x="2630398" y="-5482"/>
+                  <a:pt x="2793207" y="18487"/>
+                  <a:pt x="2957695" y="0"/>
+                </a:cubicBezTo>
+                <a:cubicBezTo>
+                  <a:pt x="3122183" y="-18487"/>
+                  <a:pt x="3579141" y="19003"/>
+                  <a:pt x="3853144" y="0"/>
+                </a:cubicBezTo>
+                <a:cubicBezTo>
+                  <a:pt x="4127147" y="-19003"/>
+                  <a:pt x="4209857" y="12211"/>
+                  <a:pt x="4314436" y="0"/>
+                </a:cubicBezTo>
+                <a:cubicBezTo>
+                  <a:pt x="4419015" y="-12211"/>
+                  <a:pt x="4762459" y="-17220"/>
+                  <a:pt x="5209885" y="0"/>
+                </a:cubicBezTo>
+                <a:cubicBezTo>
+                  <a:pt x="5657311" y="17220"/>
+                  <a:pt x="5692663" y="-3290"/>
+                  <a:pt x="6105335" y="0"/>
+                </a:cubicBezTo>
+                <a:cubicBezTo>
+                  <a:pt x="6518007" y="3290"/>
+                  <a:pt x="6455516" y="-5124"/>
+                  <a:pt x="6783705" y="0"/>
+                </a:cubicBezTo>
+                <a:cubicBezTo>
+                  <a:pt x="7111894" y="5124"/>
+                  <a:pt x="7441941" y="-17829"/>
+                  <a:pt x="7679154" y="0"/>
+                </a:cubicBezTo>
+                <a:cubicBezTo>
+                  <a:pt x="7916367" y="17829"/>
+                  <a:pt x="8102967" y="-24363"/>
+                  <a:pt x="8248985" y="0"/>
+                </a:cubicBezTo>
+                <a:cubicBezTo>
+                  <a:pt x="8395003" y="24363"/>
+                  <a:pt x="8552393" y="25505"/>
+                  <a:pt x="8818817" y="0"/>
+                </a:cubicBezTo>
+                <a:cubicBezTo>
+                  <a:pt x="9085241" y="-25505"/>
+                  <a:pt x="9411308" y="38000"/>
+                  <a:pt x="9605726" y="0"/>
+                </a:cubicBezTo>
+                <a:cubicBezTo>
+                  <a:pt x="9800144" y="-38000"/>
+                  <a:pt x="10006468" y="-25741"/>
+                  <a:pt x="10175558" y="0"/>
+                </a:cubicBezTo>
+                <a:cubicBezTo>
+                  <a:pt x="10344648" y="25741"/>
+                  <a:pt x="10696282" y="695"/>
+                  <a:pt x="10853928" y="0"/>
+                </a:cubicBezTo>
+                <a:cubicBezTo>
+                  <a:pt x="10853521" y="8690"/>
+                  <a:pt x="10853774" y="14141"/>
+                  <a:pt x="10853928" y="18288"/>
+                </a:cubicBezTo>
+                <a:cubicBezTo>
+                  <a:pt x="10608124" y="24255"/>
+                  <a:pt x="10343415" y="22307"/>
+                  <a:pt x="10067018" y="18288"/>
+                </a:cubicBezTo>
+                <a:cubicBezTo>
+                  <a:pt x="9790621" y="14270"/>
+                  <a:pt x="9843266" y="3564"/>
+                  <a:pt x="9714266" y="18288"/>
+                </a:cubicBezTo>
+                <a:cubicBezTo>
+                  <a:pt x="9585266" y="33012"/>
+                  <a:pt x="9379484" y="1875"/>
+                  <a:pt x="9252974" y="18288"/>
+                </a:cubicBezTo>
+                <a:cubicBezTo>
+                  <a:pt x="9126464" y="34701"/>
+                  <a:pt x="8580678" y="-4904"/>
+                  <a:pt x="8357525" y="18288"/>
+                </a:cubicBezTo>
+                <a:cubicBezTo>
+                  <a:pt x="8134372" y="41480"/>
+                  <a:pt x="7903199" y="26458"/>
+                  <a:pt x="7679154" y="18288"/>
+                </a:cubicBezTo>
+                <a:cubicBezTo>
+                  <a:pt x="7455109" y="10118"/>
+                  <a:pt x="7435944" y="27109"/>
+                  <a:pt x="7217862" y="18288"/>
+                </a:cubicBezTo>
+                <a:cubicBezTo>
+                  <a:pt x="6999780" y="9467"/>
+                  <a:pt x="6680409" y="18985"/>
+                  <a:pt x="6539492" y="18288"/>
+                </a:cubicBezTo>
+                <a:cubicBezTo>
+                  <a:pt x="6398575" y="17592"/>
+                  <a:pt x="6312077" y="33018"/>
+                  <a:pt x="6186739" y="18288"/>
+                </a:cubicBezTo>
+                <a:cubicBezTo>
+                  <a:pt x="6061401" y="3558"/>
+                  <a:pt x="5947033" y="12075"/>
+                  <a:pt x="5833986" y="18288"/>
+                </a:cubicBezTo>
+                <a:cubicBezTo>
+                  <a:pt x="5720939" y="24501"/>
+                  <a:pt x="5482226" y="8586"/>
+                  <a:pt x="5155616" y="18288"/>
+                </a:cubicBezTo>
+                <a:cubicBezTo>
+                  <a:pt x="4829006" y="27991"/>
+                  <a:pt x="4841274" y="29316"/>
+                  <a:pt x="4694324" y="18288"/>
+                </a:cubicBezTo>
+                <a:cubicBezTo>
+                  <a:pt x="4547374" y="7260"/>
+                  <a:pt x="4077675" y="7013"/>
+                  <a:pt x="3907414" y="18288"/>
+                </a:cubicBezTo>
+                <a:cubicBezTo>
+                  <a:pt x="3737153" y="29564"/>
+                  <a:pt x="3538393" y="21630"/>
+                  <a:pt x="3446122" y="18288"/>
+                </a:cubicBezTo>
+                <a:cubicBezTo>
+                  <a:pt x="3353851" y="14946"/>
+                  <a:pt x="2990320" y="-8091"/>
+                  <a:pt x="2659212" y="18288"/>
+                </a:cubicBezTo>
+                <a:cubicBezTo>
+                  <a:pt x="2328104" y="44667"/>
+                  <a:pt x="2427653" y="9607"/>
+                  <a:pt x="2306460" y="18288"/>
+                </a:cubicBezTo>
+                <a:cubicBezTo>
+                  <a:pt x="2185267" y="26969"/>
+                  <a:pt x="1719763" y="3717"/>
+                  <a:pt x="1519550" y="18288"/>
+                </a:cubicBezTo>
+                <a:cubicBezTo>
+                  <a:pt x="1319337" y="32860"/>
+                  <a:pt x="1167371" y="17040"/>
+                  <a:pt x="1058258" y="18288"/>
+                </a:cubicBezTo>
+                <a:cubicBezTo>
+                  <a:pt x="949145" y="19536"/>
+                  <a:pt x="780234" y="31447"/>
+                  <a:pt x="705505" y="18288"/>
+                </a:cubicBezTo>
+                <a:cubicBezTo>
+                  <a:pt x="630776" y="5129"/>
+                  <a:pt x="215796" y="30056"/>
+                  <a:pt x="0" y="18288"/>
+                </a:cubicBezTo>
+                <a:cubicBezTo>
+                  <a:pt x="-53" y="11301"/>
+                  <a:pt x="-649" y="7756"/>
+                  <a:pt x="0" y="0"/>
+                </a:cubicBezTo>
+                <a:close/>
+              </a:path>
+            </a:pathLst>
+          </a:custGeom>
+          <a:solidFill>
+            <a:schemeClr val="accent2"/>
+          </a:solidFill>
+          <a:ln w="41275" cap="rnd">
+            <a:solidFill>
+              <a:schemeClr val="accent2"/>
+            </a:solidFill>
+            <a:round/>
+            <a:extLst>
+              <a:ext uri="{C807C97D-BFC1-408E-A445-0C87EB9F89A2}">
+                <ask:lineSketchStyleProps xmlns:ask="http://schemas.microsoft.com/office/drawing/2018/sketchyshapes" sd="1219033472">
+                  <a:prstGeom prst="rect">
+                    <a:avLst/>
+                  </a:prstGeom>
+                  <ask:type>
+                    <ask:lineSketchFreehand/>
+                  </ask:type>
+                </ask:lineSketchStyleProps>
+              </a:ext>
+            </a:extLst>
+          </a:ln>
+        </p:spPr>
+        <p:style>
+          <a:lnRef idx="2">
+            <a:schemeClr val="accent1">
+              <a:shade val="50000"/>
+            </a:schemeClr>
+          </a:lnRef>
+          <a:fillRef idx="1">
+            <a:schemeClr val="accent1"/>
+          </a:fillRef>
+          <a:effectRef idx="0">
+            <a:schemeClr val="accent1"/>
+          </a:effectRef>
+          <a:fontRef idx="minor">
+            <a:schemeClr val="lt1"/>
+          </a:fontRef>
+        </p:style>
+        <p:txBody>
+          <a:bodyPr rtlCol="0" anchor="ctr"/>
+          <a:lstStyle/>
+          <a:p>
+            <a:pPr algn="ctr"/>
+            <a:endParaRPr lang="en-US"/>
+          </a:p>
+        </p:txBody>
+      </p:sp>
+      <p:sp>
+        <p:nvSpPr>
+          <p:cNvPr id="4" name="Rectangle 1">
+            <a:extLst>
+              <a:ext uri="{FF2B5EF4-FFF2-40B4-BE49-F238E27FC236}">
+                <a16:creationId xmlns:a16="http://schemas.microsoft.com/office/drawing/2014/main" id="{8EC02B46-22B0-7F99-5B2D-B1C0AC5C0A02}"/>
+              </a:ext>
+            </a:extLst>
+          </p:cNvPr>
+          <p:cNvSpPr>
+            <a:spLocks noGrp="1" noChangeArrowheads="1"/>
+          </p:cNvSpPr>
+          <p:nvPr>
+            <p:ph idx="1"/>
+          </p:nvPr>
+        </p:nvSpPr>
+        <p:spPr bwMode="auto">
+          <a:xfrm>
+            <a:off x="838200" y="1929384"/>
+            <a:ext cx="10515600" cy="4251960"/>
+          </a:xfrm>
+          <a:prstGeom prst="rect">
+            <a:avLst/>
+          </a:prstGeom>
+          <a:extLst>
+            <a:ext uri="{909E8E84-426E-40DD-AFC4-6F175D3DCCD1}">
+              <a14:hiddenFill xmlns:a14="http://schemas.microsoft.com/office/drawing/2010/main">
+                <a:solidFill>
+                  <a:schemeClr val="accent1"/>
+                </a:solidFill>
+              </a14:hiddenFill>
+            </a:ext>
+            <a:ext uri="{91240B29-F687-4F45-9708-019B960494DF}">
+              <a14:hiddenLine xmlns:a14="http://schemas.microsoft.com/office/drawing/2010/main" w="9525">
+                <a:solidFill>
+                  <a:schemeClr val="tx1"/>
+                </a:solidFill>
+                <a:miter lim="800000"/>
+                <a:headEnd/>
+                <a:tailEnd/>
+              </a14:hiddenLine>
+            </a:ext>
+            <a:ext uri="{AF507438-7753-43E0-B8FC-AC1667EBCBE1}">
+              <a14:hiddenEffects xmlns:a14="http://schemas.microsoft.com/office/drawing/2010/main">
+                <a:effectLst>
+                  <a:outerShdw dist="35921" dir="2700000" algn="ctr" rotWithShape="0">
+                    <a:schemeClr val="bg2"/>
+                  </a:outerShdw>
+                </a:effectLst>
+              </a14:hiddenEffects>
+            </a:ext>
+          </a:extLst>
+        </p:spPr>
+        <p:txBody>
+          <a:bodyPr vert="horz" lIns="91440" tIns="45720" rIns="91440" bIns="45720" numCol="1" anchorCtr="0" compatLnSpc="1">
+            <a:prstTxWarp prst="textNoShape">
+              <a:avLst/>
+            </a:prstTxWarp>
+            <a:normAutofit/>
+          </a:bodyPr>
+          <a:lstStyle/>
+          <a:p>
+            <a:pPr marL="342900" marR="0" lvl="0" indent="-342900" defTabSz="914400" rtl="0" eaLnBrk="0" fontAlgn="base" latinLnBrk="0" hangingPunct="0">
+              <a:spcBef>
+                <a:spcPct val="0"/>
+              </a:spcBef>
+              <a:spcAft>
+                <a:spcPts val="600"/>
+              </a:spcAft>
+              <a:buClrTx/>
+              <a:buSzTx/>
+              <a:buFont typeface="+mj-lt"/>
+              <a:buAutoNum type="arabicPeriod"/>
+              <a:tabLst/>
+            </a:pPr>
+            <a:r>
+              <a:rPr kumimoji="0" lang="it-IT" altLang="it-IT" sz="2200" i="0" u="none" strike="noStrike" cap="none" normalizeH="0" baseline="0" dirty="0">
+                <a:ln>
+                  <a:noFill/>
+                </a:ln>
+                <a:effectLst/>
+              </a:rPr>
+              <a:t>Progettare un controllore MPC  per portare il sistema da (h1,h2,h3,h4)=(1.3767, 2.2772, 0.8386, 0.5604)</a:t>
+            </a:r>
+            <a:br>
+              <a:rPr kumimoji="0" lang="it-IT" altLang="it-IT" sz="2200" i="0" u="none" strike="noStrike" cap="none" normalizeH="0" baseline="0" dirty="0">
+                <a:ln>
+                  <a:noFill/>
+                </a:ln>
+                <a:effectLst/>
+              </a:rPr>
+            </a:br>
+            <a:r>
+              <a:rPr kumimoji="0" lang="it-IT" altLang="it-IT" sz="2200" i="0" u="none" strike="noStrike" cap="none" normalizeH="0" baseline="0" dirty="0">
+                <a:ln>
+                  <a:noFill/>
+                </a:ln>
+                <a:effectLst/>
+              </a:rPr>
+              <a:t>all’equilibrio desiderato (7.8253, 18.7323, 3.3545, 7.8801)</a:t>
+            </a:r>
+            <a:r>
+              <a:rPr lang="it-IT" altLang="it-IT" sz="2200" dirty="0"/>
+              <a:t> </a:t>
+            </a:r>
+            <a:r>
+              <a:rPr kumimoji="0" lang="it-IT" altLang="it-IT" sz="2200" i="0" u="none" strike="noStrike" cap="none" normalizeH="0" baseline="0" dirty="0">
+                <a:ln>
+                  <a:noFill/>
+                </a:ln>
+                <a:effectLst/>
+              </a:rPr>
+              <a:t>rispettando i vincoli su stati e ingressi.</a:t>
+            </a:r>
+          </a:p>
+          <a:p>
+            <a:pPr marL="342900" marR="0" lvl="0" indent="-342900" defTabSz="914400" rtl="0" eaLnBrk="0" fontAlgn="base" latinLnBrk="0" hangingPunct="0">
+              <a:spcBef>
+                <a:spcPct val="0"/>
+              </a:spcBef>
+              <a:spcAft>
+                <a:spcPts val="600"/>
+              </a:spcAft>
+              <a:buClrTx/>
+              <a:buSzTx/>
+              <a:buFont typeface="+mj-lt"/>
+              <a:buAutoNum type="arabicPeriod"/>
+              <a:tabLst/>
+            </a:pPr>
+            <a:r>
+              <a:rPr kumimoji="0" lang="it-IT" altLang="it-IT" sz="2200" i="0" u="none" strike="noStrike" cap="none" normalizeH="0" baseline="0" dirty="0">
+                <a:ln>
+                  <a:noFill/>
+                </a:ln>
+                <a:effectLst/>
+              </a:rPr>
+              <a:t>Confrontare le prestazioni del controllore MPC variando:</a:t>
+            </a:r>
+          </a:p>
+          <a:p>
+            <a:pPr marL="342900" marR="0" lvl="0" indent="-342900" defTabSz="914400" rtl="0" eaLnBrk="0" fontAlgn="base" latinLnBrk="0" hangingPunct="0">
+              <a:spcBef>
+                <a:spcPct val="0"/>
+              </a:spcBef>
+              <a:spcAft>
+                <a:spcPts val="600"/>
+              </a:spcAft>
+              <a:buClrTx/>
+              <a:buSzTx/>
+              <a:buFont typeface="+mj-lt"/>
+              <a:buAutoNum type="arabicPeriod"/>
+              <a:tabLst/>
+            </a:pPr>
+            <a:r>
+              <a:rPr kumimoji="0" lang="it-IT" altLang="it-IT" sz="2200" i="0" u="none" strike="noStrike" cap="none" normalizeH="0" baseline="0" dirty="0">
+                <a:ln>
+                  <a:noFill/>
+                </a:ln>
+                <a:effectLst/>
+              </a:rPr>
+              <a:t>Il vincolo terminale (uguaglianza vs disuguaglianza)</a:t>
+            </a:r>
+          </a:p>
+          <a:p>
+            <a:pPr marL="342900" marR="0" lvl="0" indent="-342900" defTabSz="914400" rtl="0" eaLnBrk="0" fontAlgn="base" latinLnBrk="0" hangingPunct="0">
+              <a:spcBef>
+                <a:spcPct val="0"/>
+              </a:spcBef>
+              <a:spcAft>
+                <a:spcPts val="600"/>
+              </a:spcAft>
+              <a:buClrTx/>
+              <a:buSzTx/>
+              <a:buFont typeface="+mj-lt"/>
+              <a:buAutoNum type="arabicPeriod"/>
+              <a:tabLst/>
+            </a:pPr>
+            <a:r>
+              <a:rPr kumimoji="0" lang="it-IT" altLang="it-IT" sz="2200" i="0" u="none" strike="noStrike" cap="none" normalizeH="0" baseline="0" dirty="0">
+                <a:ln>
+                  <a:noFill/>
+                </a:ln>
+                <a:effectLst/>
+              </a:rPr>
+              <a:t>Le matrici di costo Q e R</a:t>
+            </a:r>
+          </a:p>
+          <a:p>
+            <a:pPr marL="342900" marR="0" lvl="0" indent="-342900" defTabSz="914400" rtl="0" eaLnBrk="0" fontAlgn="base" latinLnBrk="0" hangingPunct="0">
+              <a:spcBef>
+                <a:spcPct val="0"/>
+              </a:spcBef>
+              <a:spcAft>
+                <a:spcPts val="600"/>
+              </a:spcAft>
+              <a:buClrTx/>
+              <a:buSzTx/>
+              <a:buFont typeface="+mj-lt"/>
+              <a:buAutoNum type="arabicPeriod"/>
+              <a:tabLst/>
+            </a:pPr>
+            <a:r>
+              <a:rPr kumimoji="0" lang="it-IT" altLang="it-IT" sz="2200" i="0" u="none" strike="noStrike" cap="none" normalizeH="0" baseline="0" dirty="0">
+                <a:ln>
+                  <a:noFill/>
+                </a:ln>
+                <a:effectLst/>
+              </a:rPr>
+              <a:t>L’orizzonte di predizione </a:t>
+            </a:r>
+          </a:p>
+          <a:p>
+            <a:pPr marL="342900" marR="0" lvl="0" indent="-342900" defTabSz="914400" rtl="0" eaLnBrk="0" fontAlgn="base" latinLnBrk="0" hangingPunct="0">
+              <a:spcBef>
+                <a:spcPct val="0"/>
+              </a:spcBef>
+              <a:spcAft>
+                <a:spcPts val="600"/>
+              </a:spcAft>
+              <a:buClrTx/>
+              <a:buSzTx/>
+              <a:buFont typeface="+mj-lt"/>
+              <a:buAutoNum type="arabicPeriod"/>
+              <a:tabLst/>
+            </a:pPr>
+            <a:r>
+              <a:rPr kumimoji="0" lang="it-IT" altLang="it-IT" sz="2200" i="0" u="none" strike="noStrike" cap="none" normalizeH="0" baseline="0" dirty="0">
+                <a:ln>
+                  <a:noFill/>
+                </a:ln>
+                <a:effectLst/>
+              </a:rPr>
+              <a:t>Il tempo di campionamento Ts≥1 </a:t>
+            </a:r>
+          </a:p>
+        </p:txBody>
+      </p:sp>
+      <p:sp>
+        <p:nvSpPr>
+          <p:cNvPr id="5" name="Segnaposto piè di pagina 4">
+            <a:extLst>
+              <a:ext uri="{FF2B5EF4-FFF2-40B4-BE49-F238E27FC236}">
+                <a16:creationId xmlns:a16="http://schemas.microsoft.com/office/drawing/2014/main" id="{A3AC0D33-E7ED-A445-E441-7324FF53B8A5}"/>
+              </a:ext>
+            </a:extLst>
+          </p:cNvPr>
+          <p:cNvSpPr>
+            <a:spLocks noGrp="1"/>
+          </p:cNvSpPr>
+          <p:nvPr>
+            <p:ph type="ftr" sz="quarter" idx="11"/>
+          </p:nvPr>
+        </p:nvSpPr>
+        <p:spPr>
+          <a:xfrm>
+            <a:off x="4038600" y="6356350"/>
+            <a:ext cx="4114800" cy="365125"/>
+          </a:xfrm>
+        </p:spPr>
+        <p:txBody>
+          <a:bodyPr>
+            <a:normAutofit/>
+          </a:bodyPr>
+          <a:lstStyle/>
+          <a:p>
+            <a:pPr>
+              <a:spcAft>
+                <a:spcPts val="600"/>
+              </a:spcAft>
+            </a:pPr>
+            <a:r>
+              <a:rPr lang="it-IT"/>
+              <a:t>Davide Brambilla [1080752], Giorgio Passarella[1079287]</a:t>
+            </a:r>
+          </a:p>
+        </p:txBody>
+      </p:sp>
+    </p:spTree>
+    <p:extLst>
+      <p:ext uri="{BB962C8B-B14F-4D97-AF65-F5344CB8AC3E}">
+        <p14:creationId xmlns:p14="http://schemas.microsoft.com/office/powerpoint/2010/main" val="3269629714"/>
+      </p:ext>
+    </p:extLst>
+  </p:cSld>
+  <p:clrMapOvr>
+    <a:masterClrMapping/>
+  </p:clrMapOvr>
+</p:sld>
+</file>
+
+<file path=ppt/slides/slide30.xml><?xml version="1.0" encoding="utf-8"?>
 <p:sld xmlns:a="http://schemas.openxmlformats.org/drawingml/2006/main" xmlns:r="http://schemas.openxmlformats.org/officeDocument/2006/relationships" xmlns:p="http://schemas.openxmlformats.org/presentationml/2006/main">
   <p:cSld>
     <p:bg>
@@ -20741,1055 +23860,7 @@
 </p:sld>
 </file>
 
-<file path=ppt/slides/slide3.xml><?xml version="1.0" encoding="utf-8"?>
-<p:sld xmlns:a="http://schemas.openxmlformats.org/drawingml/2006/main" xmlns:r="http://schemas.openxmlformats.org/officeDocument/2006/relationships" xmlns:p="http://schemas.openxmlformats.org/presentationml/2006/main">
-  <p:cSld>
-    <p:bg>
-      <p:bgPr>
-        <a:solidFill>
-          <a:schemeClr val="bg1"/>
-        </a:solidFill>
-        <a:effectLst/>
-      </p:bgPr>
-    </p:bg>
-    <p:spTree>
-      <p:nvGrpSpPr>
-        <p:cNvPr id="1" name=""/>
-        <p:cNvGrpSpPr/>
-        <p:nvPr/>
-      </p:nvGrpSpPr>
-      <p:grpSpPr>
-        <a:xfrm>
-          <a:off x="0" y="0"/>
-          <a:ext cx="0" cy="0"/>
-          <a:chOff x="0" y="0"/>
-          <a:chExt cx="0" cy="0"/>
-        </a:xfrm>
-      </p:grpSpPr>
-      <p:sp useBgFill="1">
-        <p:nvSpPr>
-          <p:cNvPr id="19" name="Rectangle 18">
-            <a:extLst>
-              <a:ext uri="{FF2B5EF4-FFF2-40B4-BE49-F238E27FC236}">
-                <a16:creationId xmlns:a16="http://schemas.microsoft.com/office/drawing/2014/main" id="{100EDD19-6802-4EC3-95CE-CFFAB042CFD6}"/>
-              </a:ext>
-              <a:ext uri="{C183D7F6-B498-43B3-948B-1728B52AA6E4}">
-                <adec:decorative xmlns:adec="http://schemas.microsoft.com/office/drawing/2017/decorative" val="1"/>
-              </a:ext>
-            </a:extLst>
-          </p:cNvPr>
-          <p:cNvSpPr>
-            <a:spLocks noGrp="1" noRot="1" noChangeAspect="1" noMove="1" noResize="1" noEditPoints="1" noAdjustHandles="1" noChangeArrowheads="1" noChangeShapeType="1" noTextEdit="1"/>
-          </p:cNvSpPr>
-          <p:nvPr>
-            <p:extLst>
-              <p:ext uri="{386F3935-93C4-4BCD-93E2-E3B085C9AB24}">
-                <p16:designElem xmlns:p16="http://schemas.microsoft.com/office/powerpoint/2015/main" val="1"/>
-              </p:ext>
-            </p:extLst>
-          </p:nvPr>
-        </p:nvSpPr>
-        <p:spPr>
-          <a:xfrm>
-            <a:off x="0" y="0"/>
-            <a:ext cx="12188952" cy="6858000"/>
-          </a:xfrm>
-          <a:prstGeom prst="rect">
-            <a:avLst/>
-          </a:prstGeom>
-          <a:ln>
-            <a:noFill/>
-          </a:ln>
-        </p:spPr>
-        <p:style>
-          <a:lnRef idx="2">
-            <a:schemeClr val="accent1">
-              <a:shade val="50000"/>
-            </a:schemeClr>
-          </a:lnRef>
-          <a:fillRef idx="1">
-            <a:schemeClr val="accent1"/>
-          </a:fillRef>
-          <a:effectRef idx="0">
-            <a:schemeClr val="accent1"/>
-          </a:effectRef>
-          <a:fontRef idx="minor">
-            <a:schemeClr val="lt1"/>
-          </a:fontRef>
-        </p:style>
-        <p:txBody>
-          <a:bodyPr rtlCol="0" anchor="ctr"/>
-          <a:lstStyle/>
-          <a:p>
-            <a:pPr algn="ctr"/>
-            <a:endParaRPr lang="en-US"/>
-          </a:p>
-        </p:txBody>
-      </p:sp>
-      <p:sp>
-        <p:nvSpPr>
-          <p:cNvPr id="2" name="Titolo 1">
-            <a:extLst>
-              <a:ext uri="{FF2B5EF4-FFF2-40B4-BE49-F238E27FC236}">
-                <a16:creationId xmlns:a16="http://schemas.microsoft.com/office/drawing/2014/main" id="{55A17A00-D385-922D-91F8-CB9EE8C3E0AD}"/>
-              </a:ext>
-            </a:extLst>
-          </p:cNvPr>
-          <p:cNvSpPr>
-            <a:spLocks noGrp="1"/>
-          </p:cNvSpPr>
-          <p:nvPr>
-            <p:ph type="title"/>
-          </p:nvPr>
-        </p:nvSpPr>
-        <p:spPr>
-          <a:xfrm>
-            <a:off x="838200" y="365125"/>
-            <a:ext cx="10515600" cy="1325563"/>
-          </a:xfrm>
-        </p:spPr>
-        <p:txBody>
-          <a:bodyPr>
-            <a:normAutofit/>
-          </a:bodyPr>
-          <a:lstStyle/>
-          <a:p>
-            <a:r>
-              <a:rPr lang="it-IT" sz="5400" dirty="0"/>
-              <a:t>Obiettivi di progetto</a:t>
-            </a:r>
-          </a:p>
-        </p:txBody>
-      </p:sp>
-      <p:sp>
-        <p:nvSpPr>
-          <p:cNvPr id="21" name="sketch line">
-            <a:extLst>
-              <a:ext uri="{FF2B5EF4-FFF2-40B4-BE49-F238E27FC236}">
-                <a16:creationId xmlns:a16="http://schemas.microsoft.com/office/drawing/2014/main" id="{DB17E863-922E-4C26-BD64-E8FD41D28661}"/>
-              </a:ext>
-              <a:ext uri="{C183D7F6-B498-43B3-948B-1728B52AA6E4}">
-                <adec:decorative xmlns:adec="http://schemas.microsoft.com/office/drawing/2017/decorative" val="1"/>
-              </a:ext>
-            </a:extLst>
-          </p:cNvPr>
-          <p:cNvSpPr>
-            <a:spLocks noGrp="1" noRot="1" noChangeAspect="1" noMove="1" noResize="1" noEditPoints="1" noAdjustHandles="1" noChangeArrowheads="1" noChangeShapeType="1" noTextEdit="1"/>
-          </p:cNvSpPr>
-          <p:nvPr>
-            <p:extLst>
-              <p:ext uri="{386F3935-93C4-4BCD-93E2-E3B085C9AB24}">
-                <p16:designElem xmlns:p16="http://schemas.microsoft.com/office/powerpoint/2015/main" val="1"/>
-              </p:ext>
-            </p:extLst>
-          </p:nvPr>
-        </p:nvSpPr>
-        <p:spPr>
-          <a:xfrm>
-            <a:off x="669036" y="1677373"/>
-            <a:ext cx="10853928" cy="18288"/>
-          </a:xfrm>
-          <a:custGeom>
-            <a:avLst/>
-            <a:gdLst>
-              <a:gd name="connsiteX0" fmla="*/ 0 w 10853928"/>
-              <a:gd name="connsiteY0" fmla="*/ 0 h 18288"/>
-              <a:gd name="connsiteX1" fmla="*/ 461292 w 10853928"/>
-              <a:gd name="connsiteY1" fmla="*/ 0 h 18288"/>
-              <a:gd name="connsiteX2" fmla="*/ 1139662 w 10853928"/>
-              <a:gd name="connsiteY2" fmla="*/ 0 h 18288"/>
-              <a:gd name="connsiteX3" fmla="*/ 1926572 w 10853928"/>
-              <a:gd name="connsiteY3" fmla="*/ 0 h 18288"/>
-              <a:gd name="connsiteX4" fmla="*/ 2279325 w 10853928"/>
-              <a:gd name="connsiteY4" fmla="*/ 0 h 18288"/>
-              <a:gd name="connsiteX5" fmla="*/ 2632078 w 10853928"/>
-              <a:gd name="connsiteY5" fmla="*/ 0 h 18288"/>
-              <a:gd name="connsiteX6" fmla="*/ 3527527 w 10853928"/>
-              <a:gd name="connsiteY6" fmla="*/ 0 h 18288"/>
-              <a:gd name="connsiteX7" fmla="*/ 4205897 w 10853928"/>
-              <a:gd name="connsiteY7" fmla="*/ 0 h 18288"/>
-              <a:gd name="connsiteX8" fmla="*/ 4558650 w 10853928"/>
-              <a:gd name="connsiteY8" fmla="*/ 0 h 18288"/>
-              <a:gd name="connsiteX9" fmla="*/ 5237020 w 10853928"/>
-              <a:gd name="connsiteY9" fmla="*/ 0 h 18288"/>
-              <a:gd name="connsiteX10" fmla="*/ 6132469 w 10853928"/>
-              <a:gd name="connsiteY10" fmla="*/ 0 h 18288"/>
-              <a:gd name="connsiteX11" fmla="*/ 6702301 w 10853928"/>
-              <a:gd name="connsiteY11" fmla="*/ 0 h 18288"/>
-              <a:gd name="connsiteX12" fmla="*/ 7272132 w 10853928"/>
-              <a:gd name="connsiteY12" fmla="*/ 0 h 18288"/>
-              <a:gd name="connsiteX13" fmla="*/ 7950502 w 10853928"/>
-              <a:gd name="connsiteY13" fmla="*/ 0 h 18288"/>
-              <a:gd name="connsiteX14" fmla="*/ 8737412 w 10853928"/>
-              <a:gd name="connsiteY14" fmla="*/ 0 h 18288"/>
-              <a:gd name="connsiteX15" fmla="*/ 9524322 w 10853928"/>
-              <a:gd name="connsiteY15" fmla="*/ 0 h 18288"/>
-              <a:gd name="connsiteX16" fmla="*/ 10853928 w 10853928"/>
-              <a:gd name="connsiteY16" fmla="*/ 0 h 18288"/>
-              <a:gd name="connsiteX17" fmla="*/ 10853928 w 10853928"/>
-              <a:gd name="connsiteY17" fmla="*/ 18288 h 18288"/>
-              <a:gd name="connsiteX18" fmla="*/ 10392636 w 10853928"/>
-              <a:gd name="connsiteY18" fmla="*/ 18288 h 18288"/>
-              <a:gd name="connsiteX19" fmla="*/ 9497187 w 10853928"/>
-              <a:gd name="connsiteY19" fmla="*/ 18288 h 18288"/>
-              <a:gd name="connsiteX20" fmla="*/ 8818817 w 10853928"/>
-              <a:gd name="connsiteY20" fmla="*/ 18288 h 18288"/>
-              <a:gd name="connsiteX21" fmla="*/ 8466064 w 10853928"/>
-              <a:gd name="connsiteY21" fmla="*/ 18288 h 18288"/>
-              <a:gd name="connsiteX22" fmla="*/ 7787693 w 10853928"/>
-              <a:gd name="connsiteY22" fmla="*/ 18288 h 18288"/>
-              <a:gd name="connsiteX23" fmla="*/ 7217862 w 10853928"/>
-              <a:gd name="connsiteY23" fmla="*/ 18288 h 18288"/>
-              <a:gd name="connsiteX24" fmla="*/ 6648031 w 10853928"/>
-              <a:gd name="connsiteY24" fmla="*/ 18288 h 18288"/>
-              <a:gd name="connsiteX25" fmla="*/ 6078200 w 10853928"/>
-              <a:gd name="connsiteY25" fmla="*/ 18288 h 18288"/>
-              <a:gd name="connsiteX26" fmla="*/ 5508368 w 10853928"/>
-              <a:gd name="connsiteY26" fmla="*/ 18288 h 18288"/>
-              <a:gd name="connsiteX27" fmla="*/ 4721459 w 10853928"/>
-              <a:gd name="connsiteY27" fmla="*/ 18288 h 18288"/>
-              <a:gd name="connsiteX28" fmla="*/ 4043088 w 10853928"/>
-              <a:gd name="connsiteY28" fmla="*/ 18288 h 18288"/>
-              <a:gd name="connsiteX29" fmla="*/ 3690336 w 10853928"/>
-              <a:gd name="connsiteY29" fmla="*/ 18288 h 18288"/>
-              <a:gd name="connsiteX30" fmla="*/ 3120504 w 10853928"/>
-              <a:gd name="connsiteY30" fmla="*/ 18288 h 18288"/>
-              <a:gd name="connsiteX31" fmla="*/ 2333595 w 10853928"/>
-              <a:gd name="connsiteY31" fmla="*/ 18288 h 18288"/>
-              <a:gd name="connsiteX32" fmla="*/ 1872303 w 10853928"/>
-              <a:gd name="connsiteY32" fmla="*/ 18288 h 18288"/>
-              <a:gd name="connsiteX33" fmla="*/ 976854 w 10853928"/>
-              <a:gd name="connsiteY33" fmla="*/ 18288 h 18288"/>
-              <a:gd name="connsiteX34" fmla="*/ 0 w 10853928"/>
-              <a:gd name="connsiteY34" fmla="*/ 18288 h 18288"/>
-              <a:gd name="connsiteX35" fmla="*/ 0 w 10853928"/>
-              <a:gd name="connsiteY35" fmla="*/ 0 h 18288"/>
-            </a:gdLst>
-            <a:ahLst/>
-            <a:cxnLst>
-              <a:cxn ang="0">
-                <a:pos x="connsiteX0" y="connsiteY0"/>
-              </a:cxn>
-              <a:cxn ang="0">
-                <a:pos x="connsiteX1" y="connsiteY1"/>
-              </a:cxn>
-              <a:cxn ang="0">
-                <a:pos x="connsiteX2" y="connsiteY2"/>
-              </a:cxn>
-              <a:cxn ang="0">
-                <a:pos x="connsiteX3" y="connsiteY3"/>
-              </a:cxn>
-              <a:cxn ang="0">
-                <a:pos x="connsiteX4" y="connsiteY4"/>
-              </a:cxn>
-              <a:cxn ang="0">
-                <a:pos x="connsiteX5" y="connsiteY5"/>
-              </a:cxn>
-              <a:cxn ang="0">
-                <a:pos x="connsiteX6" y="connsiteY6"/>
-              </a:cxn>
-              <a:cxn ang="0">
-                <a:pos x="connsiteX7" y="connsiteY7"/>
-              </a:cxn>
-              <a:cxn ang="0">
-                <a:pos x="connsiteX8" y="connsiteY8"/>
-              </a:cxn>
-              <a:cxn ang="0">
-                <a:pos x="connsiteX9" y="connsiteY9"/>
-              </a:cxn>
-              <a:cxn ang="0">
-                <a:pos x="connsiteX10" y="connsiteY10"/>
-              </a:cxn>
-              <a:cxn ang="0">
-                <a:pos x="connsiteX11" y="connsiteY11"/>
-              </a:cxn>
-              <a:cxn ang="0">
-                <a:pos x="connsiteX12" y="connsiteY12"/>
-              </a:cxn>
-              <a:cxn ang="0">
-                <a:pos x="connsiteX13" y="connsiteY13"/>
-              </a:cxn>
-              <a:cxn ang="0">
-                <a:pos x="connsiteX14" y="connsiteY14"/>
-              </a:cxn>
-              <a:cxn ang="0">
-                <a:pos x="connsiteX15" y="connsiteY15"/>
-              </a:cxn>
-              <a:cxn ang="0">
-                <a:pos x="connsiteX16" y="connsiteY16"/>
-              </a:cxn>
-              <a:cxn ang="0">
-                <a:pos x="connsiteX17" y="connsiteY17"/>
-              </a:cxn>
-              <a:cxn ang="0">
-                <a:pos x="connsiteX18" y="connsiteY18"/>
-              </a:cxn>
-              <a:cxn ang="0">
-                <a:pos x="connsiteX19" y="connsiteY19"/>
-              </a:cxn>
-              <a:cxn ang="0">
-                <a:pos x="connsiteX20" y="connsiteY20"/>
-              </a:cxn>
-              <a:cxn ang="0">
-                <a:pos x="connsiteX21" y="connsiteY21"/>
-              </a:cxn>
-              <a:cxn ang="0">
-                <a:pos x="connsiteX22" y="connsiteY22"/>
-              </a:cxn>
-              <a:cxn ang="0">
-                <a:pos x="connsiteX23" y="connsiteY23"/>
-              </a:cxn>
-              <a:cxn ang="0">
-                <a:pos x="connsiteX24" y="connsiteY24"/>
-              </a:cxn>
-              <a:cxn ang="0">
-                <a:pos x="connsiteX25" y="connsiteY25"/>
-              </a:cxn>
-              <a:cxn ang="0">
-                <a:pos x="connsiteX26" y="connsiteY26"/>
-              </a:cxn>
-              <a:cxn ang="0">
-                <a:pos x="connsiteX27" y="connsiteY27"/>
-              </a:cxn>
-              <a:cxn ang="0">
-                <a:pos x="connsiteX28" y="connsiteY28"/>
-              </a:cxn>
-              <a:cxn ang="0">
-                <a:pos x="connsiteX29" y="connsiteY29"/>
-              </a:cxn>
-              <a:cxn ang="0">
-                <a:pos x="connsiteX30" y="connsiteY30"/>
-              </a:cxn>
-              <a:cxn ang="0">
-                <a:pos x="connsiteX31" y="connsiteY31"/>
-              </a:cxn>
-              <a:cxn ang="0">
-                <a:pos x="connsiteX32" y="connsiteY32"/>
-              </a:cxn>
-              <a:cxn ang="0">
-                <a:pos x="connsiteX33" y="connsiteY33"/>
-              </a:cxn>
-              <a:cxn ang="0">
-                <a:pos x="connsiteX34" y="connsiteY34"/>
-              </a:cxn>
-              <a:cxn ang="0">
-                <a:pos x="connsiteX35" y="connsiteY35"/>
-              </a:cxn>
-            </a:cxnLst>
-            <a:rect l="l" t="t" r="r" b="b"/>
-            <a:pathLst>
-              <a:path w="10853928" h="18288" fill="none" extrusionOk="0">
-                <a:moveTo>
-                  <a:pt x="0" y="0"/>
-                </a:moveTo>
-                <a:cubicBezTo>
-                  <a:pt x="146993" y="-19076"/>
-                  <a:pt x="347684" y="-4790"/>
-                  <a:pt x="461292" y="0"/>
-                </a:cubicBezTo>
-                <a:cubicBezTo>
-                  <a:pt x="574900" y="4790"/>
-                  <a:pt x="808367" y="19821"/>
-                  <a:pt x="1139662" y="0"/>
-                </a:cubicBezTo>
-                <a:cubicBezTo>
-                  <a:pt x="1470957" y="-19821"/>
-                  <a:pt x="1627405" y="5721"/>
-                  <a:pt x="1926572" y="0"/>
-                </a:cubicBezTo>
-                <a:cubicBezTo>
-                  <a:pt x="2225739" y="-5721"/>
-                  <a:pt x="2137730" y="-3235"/>
-                  <a:pt x="2279325" y="0"/>
-                </a:cubicBezTo>
-                <a:cubicBezTo>
-                  <a:pt x="2420920" y="3235"/>
-                  <a:pt x="2456518" y="9685"/>
-                  <a:pt x="2632078" y="0"/>
-                </a:cubicBezTo>
-                <a:cubicBezTo>
-                  <a:pt x="2807638" y="-9685"/>
-                  <a:pt x="3211516" y="-43007"/>
-                  <a:pt x="3527527" y="0"/>
-                </a:cubicBezTo>
-                <a:cubicBezTo>
-                  <a:pt x="3843538" y="43007"/>
-                  <a:pt x="4058833" y="22042"/>
-                  <a:pt x="4205897" y="0"/>
-                </a:cubicBezTo>
-                <a:cubicBezTo>
-                  <a:pt x="4352961" y="-22042"/>
-                  <a:pt x="4474805" y="-11846"/>
-                  <a:pt x="4558650" y="0"/>
-                </a:cubicBezTo>
-                <a:cubicBezTo>
-                  <a:pt x="4642495" y="11846"/>
-                  <a:pt x="5041928" y="-6069"/>
-                  <a:pt x="5237020" y="0"/>
-                </a:cubicBezTo>
-                <a:cubicBezTo>
-                  <a:pt x="5432112" y="6069"/>
-                  <a:pt x="5943266" y="-17479"/>
-                  <a:pt x="6132469" y="0"/>
-                </a:cubicBezTo>
-                <a:cubicBezTo>
-                  <a:pt x="6321672" y="17479"/>
-                  <a:pt x="6483872" y="26234"/>
-                  <a:pt x="6702301" y="0"/>
-                </a:cubicBezTo>
-                <a:cubicBezTo>
-                  <a:pt x="6920730" y="-26234"/>
-                  <a:pt x="6991194" y="-15156"/>
-                  <a:pt x="7272132" y="0"/>
-                </a:cubicBezTo>
-                <a:cubicBezTo>
-                  <a:pt x="7553070" y="15156"/>
-                  <a:pt x="7684444" y="-32961"/>
-                  <a:pt x="7950502" y="0"/>
-                </a:cubicBezTo>
-                <a:cubicBezTo>
-                  <a:pt x="8216560" y="32961"/>
-                  <a:pt x="8493290" y="-10491"/>
-                  <a:pt x="8737412" y="0"/>
-                </a:cubicBezTo>
-                <a:cubicBezTo>
-                  <a:pt x="8981534" y="10491"/>
-                  <a:pt x="9191586" y="-13899"/>
-                  <a:pt x="9524322" y="0"/>
-                </a:cubicBezTo>
-                <a:cubicBezTo>
-                  <a:pt x="9857058" y="13899"/>
-                  <a:pt x="10297509" y="7485"/>
-                  <a:pt x="10853928" y="0"/>
-                </a:cubicBezTo>
-                <a:cubicBezTo>
-                  <a:pt x="10854574" y="4451"/>
-                  <a:pt x="10854418" y="9226"/>
-                  <a:pt x="10853928" y="18288"/>
-                </a:cubicBezTo>
-                <a:cubicBezTo>
-                  <a:pt x="10691638" y="28522"/>
-                  <a:pt x="10574319" y="29578"/>
-                  <a:pt x="10392636" y="18288"/>
-                </a:cubicBezTo>
-                <a:cubicBezTo>
-                  <a:pt x="10210953" y="6998"/>
-                  <a:pt x="9836277" y="-16742"/>
-                  <a:pt x="9497187" y="18288"/>
-                </a:cubicBezTo>
-                <a:cubicBezTo>
-                  <a:pt x="9158097" y="53318"/>
-                  <a:pt x="9119479" y="30714"/>
-                  <a:pt x="8818817" y="18288"/>
-                </a:cubicBezTo>
-                <a:cubicBezTo>
-                  <a:pt x="8518155" y="5863"/>
-                  <a:pt x="8640037" y="6483"/>
-                  <a:pt x="8466064" y="18288"/>
-                </a:cubicBezTo>
-                <a:cubicBezTo>
-                  <a:pt x="8292091" y="30093"/>
-                  <a:pt x="7997656" y="18914"/>
-                  <a:pt x="7787693" y="18288"/>
-                </a:cubicBezTo>
-                <a:cubicBezTo>
-                  <a:pt x="7577730" y="17662"/>
-                  <a:pt x="7412468" y="21416"/>
-                  <a:pt x="7217862" y="18288"/>
-                </a:cubicBezTo>
-                <a:cubicBezTo>
-                  <a:pt x="7023256" y="15160"/>
-                  <a:pt x="6898018" y="14824"/>
-                  <a:pt x="6648031" y="18288"/>
-                </a:cubicBezTo>
-                <a:cubicBezTo>
-                  <a:pt x="6398044" y="21752"/>
-                  <a:pt x="6254402" y="38625"/>
-                  <a:pt x="6078200" y="18288"/>
-                </a:cubicBezTo>
-                <a:cubicBezTo>
-                  <a:pt x="5901998" y="-2049"/>
-                  <a:pt x="5622886" y="3213"/>
-                  <a:pt x="5508368" y="18288"/>
-                </a:cubicBezTo>
-                <a:cubicBezTo>
-                  <a:pt x="5393850" y="33363"/>
-                  <a:pt x="5036260" y="26830"/>
-                  <a:pt x="4721459" y="18288"/>
-                </a:cubicBezTo>
-                <a:cubicBezTo>
-                  <a:pt x="4406658" y="9746"/>
-                  <a:pt x="4239221" y="41551"/>
-                  <a:pt x="4043088" y="18288"/>
-                </a:cubicBezTo>
-                <a:cubicBezTo>
-                  <a:pt x="3846955" y="-4975"/>
-                  <a:pt x="3818802" y="34658"/>
-                  <a:pt x="3690336" y="18288"/>
-                </a:cubicBezTo>
-                <a:cubicBezTo>
-                  <a:pt x="3561870" y="1918"/>
-                  <a:pt x="3265491" y="42194"/>
-                  <a:pt x="3120504" y="18288"/>
-                </a:cubicBezTo>
-                <a:cubicBezTo>
-                  <a:pt x="2975517" y="-5618"/>
-                  <a:pt x="2720254" y="36673"/>
-                  <a:pt x="2333595" y="18288"/>
-                </a:cubicBezTo>
-                <a:cubicBezTo>
-                  <a:pt x="1946936" y="-97"/>
-                  <a:pt x="2097241" y="5776"/>
-                  <a:pt x="1872303" y="18288"/>
-                </a:cubicBezTo>
-                <a:cubicBezTo>
-                  <a:pt x="1647365" y="30800"/>
-                  <a:pt x="1282708" y="45380"/>
-                  <a:pt x="976854" y="18288"/>
-                </a:cubicBezTo>
-                <a:cubicBezTo>
-                  <a:pt x="671000" y="-8804"/>
-                  <a:pt x="408401" y="-12775"/>
-                  <a:pt x="0" y="18288"/>
-                </a:cubicBezTo>
-                <a:cubicBezTo>
-                  <a:pt x="-213" y="9468"/>
-                  <a:pt x="187" y="4459"/>
-                  <a:pt x="0" y="0"/>
-                </a:cubicBezTo>
-                <a:close/>
-              </a:path>
-              <a:path w="10853928" h="18288" stroke="0" extrusionOk="0">
-                <a:moveTo>
-                  <a:pt x="0" y="0"/>
-                </a:moveTo>
-                <a:cubicBezTo>
-                  <a:pt x="267322" y="15284"/>
-                  <a:pt x="415388" y="-21048"/>
-                  <a:pt x="569831" y="0"/>
-                </a:cubicBezTo>
-                <a:cubicBezTo>
-                  <a:pt x="724274" y="21048"/>
-                  <a:pt x="769333" y="-2353"/>
-                  <a:pt x="922584" y="0"/>
-                </a:cubicBezTo>
-                <a:cubicBezTo>
-                  <a:pt x="1075835" y="2353"/>
-                  <a:pt x="1399490" y="-145"/>
-                  <a:pt x="1818033" y="0"/>
-                </a:cubicBezTo>
-                <a:cubicBezTo>
-                  <a:pt x="2236576" y="145"/>
-                  <a:pt x="2145330" y="5482"/>
-                  <a:pt x="2387864" y="0"/>
-                </a:cubicBezTo>
-                <a:cubicBezTo>
-                  <a:pt x="2630398" y="-5482"/>
-                  <a:pt x="2793207" y="18487"/>
-                  <a:pt x="2957695" y="0"/>
-                </a:cubicBezTo>
-                <a:cubicBezTo>
-                  <a:pt x="3122183" y="-18487"/>
-                  <a:pt x="3579141" y="19003"/>
-                  <a:pt x="3853144" y="0"/>
-                </a:cubicBezTo>
-                <a:cubicBezTo>
-                  <a:pt x="4127147" y="-19003"/>
-                  <a:pt x="4209857" y="12211"/>
-                  <a:pt x="4314436" y="0"/>
-                </a:cubicBezTo>
-                <a:cubicBezTo>
-                  <a:pt x="4419015" y="-12211"/>
-                  <a:pt x="4762459" y="-17220"/>
-                  <a:pt x="5209885" y="0"/>
-                </a:cubicBezTo>
-                <a:cubicBezTo>
-                  <a:pt x="5657311" y="17220"/>
-                  <a:pt x="5692663" y="-3290"/>
-                  <a:pt x="6105335" y="0"/>
-                </a:cubicBezTo>
-                <a:cubicBezTo>
-                  <a:pt x="6518007" y="3290"/>
-                  <a:pt x="6455516" y="-5124"/>
-                  <a:pt x="6783705" y="0"/>
-                </a:cubicBezTo>
-                <a:cubicBezTo>
-                  <a:pt x="7111894" y="5124"/>
-                  <a:pt x="7441941" y="-17829"/>
-                  <a:pt x="7679154" y="0"/>
-                </a:cubicBezTo>
-                <a:cubicBezTo>
-                  <a:pt x="7916367" y="17829"/>
-                  <a:pt x="8102967" y="-24363"/>
-                  <a:pt x="8248985" y="0"/>
-                </a:cubicBezTo>
-                <a:cubicBezTo>
-                  <a:pt x="8395003" y="24363"/>
-                  <a:pt x="8552393" y="25505"/>
-                  <a:pt x="8818817" y="0"/>
-                </a:cubicBezTo>
-                <a:cubicBezTo>
-                  <a:pt x="9085241" y="-25505"/>
-                  <a:pt x="9411308" y="38000"/>
-                  <a:pt x="9605726" y="0"/>
-                </a:cubicBezTo>
-                <a:cubicBezTo>
-                  <a:pt x="9800144" y="-38000"/>
-                  <a:pt x="10006468" y="-25741"/>
-                  <a:pt x="10175558" y="0"/>
-                </a:cubicBezTo>
-                <a:cubicBezTo>
-                  <a:pt x="10344648" y="25741"/>
-                  <a:pt x="10696282" y="695"/>
-                  <a:pt x="10853928" y="0"/>
-                </a:cubicBezTo>
-                <a:cubicBezTo>
-                  <a:pt x="10853521" y="8690"/>
-                  <a:pt x="10853774" y="14141"/>
-                  <a:pt x="10853928" y="18288"/>
-                </a:cubicBezTo>
-                <a:cubicBezTo>
-                  <a:pt x="10608124" y="24255"/>
-                  <a:pt x="10343415" y="22307"/>
-                  <a:pt x="10067018" y="18288"/>
-                </a:cubicBezTo>
-                <a:cubicBezTo>
-                  <a:pt x="9790621" y="14270"/>
-                  <a:pt x="9843266" y="3564"/>
-                  <a:pt x="9714266" y="18288"/>
-                </a:cubicBezTo>
-                <a:cubicBezTo>
-                  <a:pt x="9585266" y="33012"/>
-                  <a:pt x="9379484" y="1875"/>
-                  <a:pt x="9252974" y="18288"/>
-                </a:cubicBezTo>
-                <a:cubicBezTo>
-                  <a:pt x="9126464" y="34701"/>
-                  <a:pt x="8580678" y="-4904"/>
-                  <a:pt x="8357525" y="18288"/>
-                </a:cubicBezTo>
-                <a:cubicBezTo>
-                  <a:pt x="8134372" y="41480"/>
-                  <a:pt x="7903199" y="26458"/>
-                  <a:pt x="7679154" y="18288"/>
-                </a:cubicBezTo>
-                <a:cubicBezTo>
-                  <a:pt x="7455109" y="10118"/>
-                  <a:pt x="7435944" y="27109"/>
-                  <a:pt x="7217862" y="18288"/>
-                </a:cubicBezTo>
-                <a:cubicBezTo>
-                  <a:pt x="6999780" y="9467"/>
-                  <a:pt x="6680409" y="18985"/>
-                  <a:pt x="6539492" y="18288"/>
-                </a:cubicBezTo>
-                <a:cubicBezTo>
-                  <a:pt x="6398575" y="17592"/>
-                  <a:pt x="6312077" y="33018"/>
-                  <a:pt x="6186739" y="18288"/>
-                </a:cubicBezTo>
-                <a:cubicBezTo>
-                  <a:pt x="6061401" y="3558"/>
-                  <a:pt x="5947033" y="12075"/>
-                  <a:pt x="5833986" y="18288"/>
-                </a:cubicBezTo>
-                <a:cubicBezTo>
-                  <a:pt x="5720939" y="24501"/>
-                  <a:pt x="5482226" y="8586"/>
-                  <a:pt x="5155616" y="18288"/>
-                </a:cubicBezTo>
-                <a:cubicBezTo>
-                  <a:pt x="4829006" y="27991"/>
-                  <a:pt x="4841274" y="29316"/>
-                  <a:pt x="4694324" y="18288"/>
-                </a:cubicBezTo>
-                <a:cubicBezTo>
-                  <a:pt x="4547374" y="7260"/>
-                  <a:pt x="4077675" y="7013"/>
-                  <a:pt x="3907414" y="18288"/>
-                </a:cubicBezTo>
-                <a:cubicBezTo>
-                  <a:pt x="3737153" y="29564"/>
-                  <a:pt x="3538393" y="21630"/>
-                  <a:pt x="3446122" y="18288"/>
-                </a:cubicBezTo>
-                <a:cubicBezTo>
-                  <a:pt x="3353851" y="14946"/>
-                  <a:pt x="2990320" y="-8091"/>
-                  <a:pt x="2659212" y="18288"/>
-                </a:cubicBezTo>
-                <a:cubicBezTo>
-                  <a:pt x="2328104" y="44667"/>
-                  <a:pt x="2427653" y="9607"/>
-                  <a:pt x="2306460" y="18288"/>
-                </a:cubicBezTo>
-                <a:cubicBezTo>
-                  <a:pt x="2185267" y="26969"/>
-                  <a:pt x="1719763" y="3717"/>
-                  <a:pt x="1519550" y="18288"/>
-                </a:cubicBezTo>
-                <a:cubicBezTo>
-                  <a:pt x="1319337" y="32860"/>
-                  <a:pt x="1167371" y="17040"/>
-                  <a:pt x="1058258" y="18288"/>
-                </a:cubicBezTo>
-                <a:cubicBezTo>
-                  <a:pt x="949145" y="19536"/>
-                  <a:pt x="780234" y="31447"/>
-                  <a:pt x="705505" y="18288"/>
-                </a:cubicBezTo>
-                <a:cubicBezTo>
-                  <a:pt x="630776" y="5129"/>
-                  <a:pt x="215796" y="30056"/>
-                  <a:pt x="0" y="18288"/>
-                </a:cubicBezTo>
-                <a:cubicBezTo>
-                  <a:pt x="-53" y="11301"/>
-                  <a:pt x="-649" y="7756"/>
-                  <a:pt x="0" y="0"/>
-                </a:cubicBezTo>
-                <a:close/>
-              </a:path>
-            </a:pathLst>
-          </a:custGeom>
-          <a:solidFill>
-            <a:schemeClr val="accent2"/>
-          </a:solidFill>
-          <a:ln w="41275" cap="rnd">
-            <a:solidFill>
-              <a:schemeClr val="accent2"/>
-            </a:solidFill>
-            <a:round/>
-            <a:extLst>
-              <a:ext uri="{C807C97D-BFC1-408E-A445-0C87EB9F89A2}">
-                <ask:lineSketchStyleProps xmlns:ask="http://schemas.microsoft.com/office/drawing/2018/sketchyshapes" sd="1219033472">
-                  <a:prstGeom prst="rect">
-                    <a:avLst/>
-                  </a:prstGeom>
-                  <ask:type>
-                    <ask:lineSketchFreehand/>
-                  </ask:type>
-                </ask:lineSketchStyleProps>
-              </a:ext>
-            </a:extLst>
-          </a:ln>
-        </p:spPr>
-        <p:style>
-          <a:lnRef idx="2">
-            <a:schemeClr val="accent1">
-              <a:shade val="50000"/>
-            </a:schemeClr>
-          </a:lnRef>
-          <a:fillRef idx="1">
-            <a:schemeClr val="accent1"/>
-          </a:fillRef>
-          <a:effectRef idx="0">
-            <a:schemeClr val="accent1"/>
-          </a:effectRef>
-          <a:fontRef idx="minor">
-            <a:schemeClr val="lt1"/>
-          </a:fontRef>
-        </p:style>
-        <p:txBody>
-          <a:bodyPr rtlCol="0" anchor="ctr"/>
-          <a:lstStyle/>
-          <a:p>
-            <a:pPr algn="ctr"/>
-            <a:endParaRPr lang="en-US"/>
-          </a:p>
-        </p:txBody>
-      </p:sp>
-      <p:sp>
-        <p:nvSpPr>
-          <p:cNvPr id="4" name="Rectangle 1">
-            <a:extLst>
-              <a:ext uri="{FF2B5EF4-FFF2-40B4-BE49-F238E27FC236}">
-                <a16:creationId xmlns:a16="http://schemas.microsoft.com/office/drawing/2014/main" id="{8EC02B46-22B0-7F99-5B2D-B1C0AC5C0A02}"/>
-              </a:ext>
-            </a:extLst>
-          </p:cNvPr>
-          <p:cNvSpPr>
-            <a:spLocks noGrp="1" noChangeArrowheads="1"/>
-          </p:cNvSpPr>
-          <p:nvPr>
-            <p:ph idx="1"/>
-          </p:nvPr>
-        </p:nvSpPr>
-        <p:spPr bwMode="auto">
-          <a:xfrm>
-            <a:off x="838200" y="1929384"/>
-            <a:ext cx="10515600" cy="4251960"/>
-          </a:xfrm>
-          <a:prstGeom prst="rect">
-            <a:avLst/>
-          </a:prstGeom>
-          <a:extLst>
-            <a:ext uri="{909E8E84-426E-40DD-AFC4-6F175D3DCCD1}">
-              <a14:hiddenFill xmlns:a14="http://schemas.microsoft.com/office/drawing/2010/main">
-                <a:solidFill>
-                  <a:schemeClr val="accent1"/>
-                </a:solidFill>
-              </a14:hiddenFill>
-            </a:ext>
-            <a:ext uri="{91240B29-F687-4F45-9708-019B960494DF}">
-              <a14:hiddenLine xmlns:a14="http://schemas.microsoft.com/office/drawing/2010/main" w="9525">
-                <a:solidFill>
-                  <a:schemeClr val="tx1"/>
-                </a:solidFill>
-                <a:miter lim="800000"/>
-                <a:headEnd/>
-                <a:tailEnd/>
-              </a14:hiddenLine>
-            </a:ext>
-            <a:ext uri="{AF507438-7753-43E0-B8FC-AC1667EBCBE1}">
-              <a14:hiddenEffects xmlns:a14="http://schemas.microsoft.com/office/drawing/2010/main">
-                <a:effectLst>
-                  <a:outerShdw dist="35921" dir="2700000" algn="ctr" rotWithShape="0">
-                    <a:schemeClr val="bg2"/>
-                  </a:outerShdw>
-                </a:effectLst>
-              </a14:hiddenEffects>
-            </a:ext>
-          </a:extLst>
-        </p:spPr>
-        <p:txBody>
-          <a:bodyPr vert="horz" lIns="91440" tIns="45720" rIns="91440" bIns="45720" numCol="1" anchorCtr="0" compatLnSpc="1">
-            <a:prstTxWarp prst="textNoShape">
-              <a:avLst/>
-            </a:prstTxWarp>
-            <a:normAutofit/>
-          </a:bodyPr>
-          <a:lstStyle/>
-          <a:p>
-            <a:pPr marL="342900" marR="0" lvl="0" indent="-342900" defTabSz="914400" rtl="0" eaLnBrk="0" fontAlgn="base" latinLnBrk="0" hangingPunct="0">
-              <a:spcBef>
-                <a:spcPct val="0"/>
-              </a:spcBef>
-              <a:spcAft>
-                <a:spcPts val="600"/>
-              </a:spcAft>
-              <a:buClrTx/>
-              <a:buSzTx/>
-              <a:buFont typeface="+mj-lt"/>
-              <a:buAutoNum type="arabicPeriod"/>
-              <a:tabLst/>
-            </a:pPr>
-            <a:r>
-              <a:rPr kumimoji="0" lang="it-IT" altLang="it-IT" sz="2200" i="0" u="none" strike="noStrike" cap="none" normalizeH="0" baseline="0" dirty="0">
-                <a:ln>
-                  <a:noFill/>
-                </a:ln>
-                <a:effectLst/>
-              </a:rPr>
-              <a:t>Progettare un controllore MPC  per portare il sistema da (h1,h2,h3,h4)=(1.3767, 2.2772, 0.8386, 0.5604)</a:t>
-            </a:r>
-            <a:br>
-              <a:rPr kumimoji="0" lang="it-IT" altLang="it-IT" sz="2200" i="0" u="none" strike="noStrike" cap="none" normalizeH="0" baseline="0" dirty="0">
-                <a:ln>
-                  <a:noFill/>
-                </a:ln>
-                <a:effectLst/>
-              </a:rPr>
-            </a:br>
-            <a:r>
-              <a:rPr kumimoji="0" lang="it-IT" altLang="it-IT" sz="2200" i="0" u="none" strike="noStrike" cap="none" normalizeH="0" baseline="0" dirty="0">
-                <a:ln>
-                  <a:noFill/>
-                </a:ln>
-                <a:effectLst/>
-              </a:rPr>
-              <a:t>all’equilibrio desiderato (7.8253, 18.7323, 3.3545, 7.8801)</a:t>
-            </a:r>
-            <a:r>
-              <a:rPr lang="it-IT" altLang="it-IT" sz="2200" dirty="0"/>
-              <a:t> </a:t>
-            </a:r>
-            <a:r>
-              <a:rPr kumimoji="0" lang="it-IT" altLang="it-IT" sz="2200" i="0" u="none" strike="noStrike" cap="none" normalizeH="0" baseline="0" dirty="0">
-                <a:ln>
-                  <a:noFill/>
-                </a:ln>
-                <a:effectLst/>
-              </a:rPr>
-              <a:t>rispettando i vincoli su stati e ingressi.</a:t>
-            </a:r>
-          </a:p>
-          <a:p>
-            <a:pPr marL="342900" marR="0" lvl="0" indent="-342900" defTabSz="914400" rtl="0" eaLnBrk="0" fontAlgn="base" latinLnBrk="0" hangingPunct="0">
-              <a:spcBef>
-                <a:spcPct val="0"/>
-              </a:spcBef>
-              <a:spcAft>
-                <a:spcPts val="600"/>
-              </a:spcAft>
-              <a:buClrTx/>
-              <a:buSzTx/>
-              <a:buFont typeface="+mj-lt"/>
-              <a:buAutoNum type="arabicPeriod"/>
-              <a:tabLst/>
-            </a:pPr>
-            <a:r>
-              <a:rPr kumimoji="0" lang="it-IT" altLang="it-IT" sz="2200" i="0" u="none" strike="noStrike" cap="none" normalizeH="0" baseline="0" dirty="0">
-                <a:ln>
-                  <a:noFill/>
-                </a:ln>
-                <a:effectLst/>
-              </a:rPr>
-              <a:t>Confrontare le prestazioni del controllore MPC variando:</a:t>
-            </a:r>
-          </a:p>
-          <a:p>
-            <a:pPr marL="342900" marR="0" lvl="0" indent="-342900" defTabSz="914400" rtl="0" eaLnBrk="0" fontAlgn="base" latinLnBrk="0" hangingPunct="0">
-              <a:spcBef>
-                <a:spcPct val="0"/>
-              </a:spcBef>
-              <a:spcAft>
-                <a:spcPts val="600"/>
-              </a:spcAft>
-              <a:buClrTx/>
-              <a:buSzTx/>
-              <a:buFont typeface="+mj-lt"/>
-              <a:buAutoNum type="arabicPeriod"/>
-              <a:tabLst/>
-            </a:pPr>
-            <a:r>
-              <a:rPr kumimoji="0" lang="it-IT" altLang="it-IT" sz="2200" i="0" u="none" strike="noStrike" cap="none" normalizeH="0" baseline="0" dirty="0">
-                <a:ln>
-                  <a:noFill/>
-                </a:ln>
-                <a:effectLst/>
-              </a:rPr>
-              <a:t>Il vincolo terminale (uguaglianza vs disuguaglianza)</a:t>
-            </a:r>
-          </a:p>
-          <a:p>
-            <a:pPr marL="342900" marR="0" lvl="0" indent="-342900" defTabSz="914400" rtl="0" eaLnBrk="0" fontAlgn="base" latinLnBrk="0" hangingPunct="0">
-              <a:spcBef>
-                <a:spcPct val="0"/>
-              </a:spcBef>
-              <a:spcAft>
-                <a:spcPts val="600"/>
-              </a:spcAft>
-              <a:buClrTx/>
-              <a:buSzTx/>
-              <a:buFont typeface="+mj-lt"/>
-              <a:buAutoNum type="arabicPeriod"/>
-              <a:tabLst/>
-            </a:pPr>
-            <a:r>
-              <a:rPr kumimoji="0" lang="it-IT" altLang="it-IT" sz="2200" i="0" u="none" strike="noStrike" cap="none" normalizeH="0" baseline="0" dirty="0">
-                <a:ln>
-                  <a:noFill/>
-                </a:ln>
-                <a:effectLst/>
-              </a:rPr>
-              <a:t>Le matrici di costo Q e R</a:t>
-            </a:r>
-          </a:p>
-          <a:p>
-            <a:pPr marL="342900" marR="0" lvl="0" indent="-342900" defTabSz="914400" rtl="0" eaLnBrk="0" fontAlgn="base" latinLnBrk="0" hangingPunct="0">
-              <a:spcBef>
-                <a:spcPct val="0"/>
-              </a:spcBef>
-              <a:spcAft>
-                <a:spcPts val="600"/>
-              </a:spcAft>
-              <a:buClrTx/>
-              <a:buSzTx/>
-              <a:buFont typeface="+mj-lt"/>
-              <a:buAutoNum type="arabicPeriod"/>
-              <a:tabLst/>
-            </a:pPr>
-            <a:r>
-              <a:rPr kumimoji="0" lang="it-IT" altLang="it-IT" sz="2200" i="0" u="none" strike="noStrike" cap="none" normalizeH="0" baseline="0" dirty="0">
-                <a:ln>
-                  <a:noFill/>
-                </a:ln>
-                <a:effectLst/>
-              </a:rPr>
-              <a:t>L’orizzonte di predizione </a:t>
-            </a:r>
-          </a:p>
-          <a:p>
-            <a:pPr marL="342900" marR="0" lvl="0" indent="-342900" defTabSz="914400" rtl="0" eaLnBrk="0" fontAlgn="base" latinLnBrk="0" hangingPunct="0">
-              <a:spcBef>
-                <a:spcPct val="0"/>
-              </a:spcBef>
-              <a:spcAft>
-                <a:spcPts val="600"/>
-              </a:spcAft>
-              <a:buClrTx/>
-              <a:buSzTx/>
-              <a:buFont typeface="+mj-lt"/>
-              <a:buAutoNum type="arabicPeriod"/>
-              <a:tabLst/>
-            </a:pPr>
-            <a:r>
-              <a:rPr kumimoji="0" lang="it-IT" altLang="it-IT" sz="2200" i="0" u="none" strike="noStrike" cap="none" normalizeH="0" baseline="0" dirty="0">
-                <a:ln>
-                  <a:noFill/>
-                </a:ln>
-                <a:effectLst/>
-              </a:rPr>
-              <a:t>Il tempo di campionamento Ts≥1 </a:t>
-            </a:r>
-          </a:p>
-        </p:txBody>
-      </p:sp>
-      <p:sp>
-        <p:nvSpPr>
-          <p:cNvPr id="5" name="Segnaposto piè di pagina 4">
-            <a:extLst>
-              <a:ext uri="{FF2B5EF4-FFF2-40B4-BE49-F238E27FC236}">
-                <a16:creationId xmlns:a16="http://schemas.microsoft.com/office/drawing/2014/main" id="{A3AC0D33-E7ED-A445-E441-7324FF53B8A5}"/>
-              </a:ext>
-            </a:extLst>
-          </p:cNvPr>
-          <p:cNvSpPr>
-            <a:spLocks noGrp="1"/>
-          </p:cNvSpPr>
-          <p:nvPr>
-            <p:ph type="ftr" sz="quarter" idx="11"/>
-          </p:nvPr>
-        </p:nvSpPr>
-        <p:spPr>
-          <a:xfrm>
-            <a:off x="4038600" y="6356350"/>
-            <a:ext cx="4114800" cy="365125"/>
-          </a:xfrm>
-        </p:spPr>
-        <p:txBody>
-          <a:bodyPr>
-            <a:normAutofit/>
-          </a:bodyPr>
-          <a:lstStyle/>
-          <a:p>
-            <a:pPr>
-              <a:spcAft>
-                <a:spcPts val="600"/>
-              </a:spcAft>
-            </a:pPr>
-            <a:r>
-              <a:rPr lang="it-IT"/>
-              <a:t>Davide Brambilla [1080752], Giorgio Passarella[1079287]</a:t>
-            </a:r>
-          </a:p>
-        </p:txBody>
-      </p:sp>
-    </p:spTree>
-    <p:extLst>
-      <p:ext uri="{BB962C8B-B14F-4D97-AF65-F5344CB8AC3E}">
-        <p14:creationId xmlns:p14="http://schemas.microsoft.com/office/powerpoint/2010/main" val="3269629714"/>
-      </p:ext>
-    </p:extLst>
-  </p:cSld>
-  <p:clrMapOvr>
-    <a:masterClrMapping/>
-  </p:clrMapOvr>
-</p:sld>
-</file>
-
-<file path=ppt/slides/slide30.xml><?xml version="1.0" encoding="utf-8"?>
+<file path=ppt/slides/slide31.xml><?xml version="1.0" encoding="utf-8"?>
 <p:sld xmlns:a="http://schemas.openxmlformats.org/drawingml/2006/main" xmlns:r="http://schemas.openxmlformats.org/officeDocument/2006/relationships" xmlns:p="http://schemas.openxmlformats.org/presentationml/2006/main">
   <p:cSld>
     <p:bg>
@@ -22404,7 +24475,7 @@
 </p:sld>
 </file>
 
-<file path=ppt/slides/slide31.xml><?xml version="1.0" encoding="utf-8"?>
+<file path=ppt/slides/slide32.xml><?xml version="1.0" encoding="utf-8"?>
 <p:sld xmlns:a="http://schemas.openxmlformats.org/drawingml/2006/main" xmlns:r="http://schemas.openxmlformats.org/officeDocument/2006/relationships" xmlns:p="http://schemas.openxmlformats.org/presentationml/2006/main">
   <p:cSld>
     <p:bg>
@@ -23557,7 +25628,7 @@
 </p:sld>
 </file>
 
-<file path=ppt/slides/slide32.xml><?xml version="1.0" encoding="utf-8"?>
+<file path=ppt/slides/slide33.xml><?xml version="1.0" encoding="utf-8"?>
 <p:sld xmlns:a="http://schemas.openxmlformats.org/drawingml/2006/main" xmlns:r="http://schemas.openxmlformats.org/officeDocument/2006/relationships" xmlns:p="http://schemas.openxmlformats.org/presentationml/2006/main">
   <p:cSld>
     <p:bg>
@@ -28505,8 +30576,8 @@
           </a:p>
         </p:txBody>
       </p:sp>
-      <mc:AlternateContent xmlns:mc="http://schemas.openxmlformats.org/markup-compatibility/2006">
-        <mc:Choice xmlns:a14="http://schemas.microsoft.com/office/drawing/2010/main" Requires="a14">
+      <mc:AlternateContent xmlns:mc="http://schemas.openxmlformats.org/markup-compatibility/2006" xmlns:a14="http://schemas.microsoft.com/office/drawing/2010/main">
+        <mc:Choice Requires="a14">
           <p:sp>
             <p:nvSpPr>
               <p:cNvPr id="3" name="Segnaposto contenuto 2">
@@ -28629,7 +30700,7 @@
             </p:txBody>
           </p:sp>
         </mc:Choice>
-        <mc:Fallback>
+        <mc:Fallback xmlns="">
           <p:sp>
             <p:nvSpPr>
               <p:cNvPr id="3" name="Segnaposto contenuto 2">
@@ -28747,151 +30818,6 @@
               </a:rPr>
               <a:t>Davide Brambilla [1080752], Giorgio Passarella[1079287]</a:t>
             </a:r>
-          </a:p>
-        </p:txBody>
-      </p:sp>
-      <p:sp>
-        <p:nvSpPr>
-          <p:cNvPr id="6" name="Rectangle 1">
-            <a:extLst>
-              <a:ext uri="{FF2B5EF4-FFF2-40B4-BE49-F238E27FC236}">
-                <a16:creationId xmlns:a16="http://schemas.microsoft.com/office/drawing/2014/main" id="{C85EEB6E-0151-2BBC-9502-D64FECC614D8}"/>
-              </a:ext>
-            </a:extLst>
-          </p:cNvPr>
-          <p:cNvSpPr>
-            <a:spLocks noChangeArrowheads="1"/>
-          </p:cNvSpPr>
-          <p:nvPr/>
-        </p:nvSpPr>
-        <p:spPr bwMode="auto">
-          <a:xfrm>
-            <a:off x="0" y="-361637"/>
-            <a:ext cx="11857733" cy="723275"/>
-          </a:xfrm>
-          <a:prstGeom prst="rect">
-            <a:avLst/>
-          </a:prstGeom>
-          <a:noFill/>
-          <a:ln>
-            <a:noFill/>
-          </a:ln>
-          <a:effectLst/>
-          <a:extLst>
-            <a:ext uri="{909E8E84-426E-40DD-AFC4-6F175D3DCCD1}">
-              <a14:hiddenFill xmlns:a14="http://schemas.microsoft.com/office/drawing/2010/main">
-                <a:solidFill>
-                  <a:schemeClr val="accent1"/>
-                </a:solidFill>
-              </a14:hiddenFill>
-            </a:ext>
-            <a:ext uri="{91240B29-F687-4F45-9708-019B960494DF}">
-              <a14:hiddenLine xmlns:a14="http://schemas.microsoft.com/office/drawing/2010/main" w="9525">
-                <a:solidFill>
-                  <a:schemeClr val="tx1"/>
-                </a:solidFill>
-                <a:miter lim="800000"/>
-                <a:headEnd/>
-                <a:tailEnd/>
-              </a14:hiddenLine>
-            </a:ext>
-            <a:ext uri="{AF507438-7753-43E0-B8FC-AC1667EBCBE1}">
-              <a14:hiddenEffects xmlns:a14="http://schemas.microsoft.com/office/drawing/2010/main">
-                <a:effectLst>
-                  <a:outerShdw dist="35921" dir="2700000" algn="ctr" rotWithShape="0">
-                    <a:schemeClr val="bg2"/>
-                  </a:outerShdw>
-                </a:effectLst>
-              </a14:hiddenEffects>
-            </a:ext>
-          </a:extLst>
-        </p:spPr>
-        <p:txBody>
-          <a:bodyPr vert="horz" wrap="none" lIns="91440" tIns="45720" rIns="91440" bIns="45720" numCol="1" anchor="ctr" anchorCtr="0" compatLnSpc="1">
-            <a:prstTxWarp prst="textNoShape">
-              <a:avLst/>
-            </a:prstTxWarp>
-            <a:spAutoFit/>
-          </a:bodyPr>
-          <a:lstStyle/>
-          <a:p>
-            <a:pPr marL="0" marR="0" lvl="0" indent="0" algn="l" defTabSz="914400" rtl="0" eaLnBrk="0" fontAlgn="base" latinLnBrk="0" hangingPunct="0">
-              <a:spcBef>
-                <a:spcPct val="0"/>
-              </a:spcBef>
-              <a:spcAft>
-                <a:spcPts val="600"/>
-              </a:spcAft>
-              <a:buClrTx/>
-              <a:buSzTx/>
-              <a:buFontTx/>
-              <a:buChar char="•"/>
-              <a:tabLst/>
-            </a:pPr>
-            <a:r>
-              <a:rPr kumimoji="0" lang="it-IT" altLang="it-IT" b="0" i="0" u="none" strike="noStrike" cap="none" normalizeH="0" baseline="0">
-                <a:ln>
-                  <a:noFill/>
-                </a:ln>
-                <a:solidFill>
-                  <a:schemeClr val="tx1"/>
-                </a:solidFill>
-                <a:effectLst/>
-                <a:latin typeface="Arial" panose="020B0604020202020204" pitchFamily="34" charset="0"/>
-              </a:rPr>
-              <a:t>Il sistema </a:t>
-            </a:r>
-            <a:r>
-              <a:rPr kumimoji="0" lang="it-IT" altLang="it-IT" b="1" i="0" u="none" strike="noStrike" cap="none" normalizeH="0" baseline="0">
-                <a:ln>
-                  <a:noFill/>
-                </a:ln>
-                <a:solidFill>
-                  <a:schemeClr val="tx1"/>
-                </a:solidFill>
-                <a:effectLst/>
-                <a:latin typeface="Arial" panose="020B0604020202020204" pitchFamily="34" charset="0"/>
-              </a:rPr>
-              <a:t>linearizzato è asintoticamente stabile</a:t>
-            </a:r>
-            <a:r>
-              <a:rPr kumimoji="0" lang="it-IT" altLang="it-IT" b="0" i="0" u="none" strike="noStrike" cap="none" normalizeH="0" baseline="0">
-                <a:ln>
-                  <a:noFill/>
-                </a:ln>
-                <a:solidFill>
-                  <a:schemeClr val="tx1"/>
-                </a:solidFill>
-                <a:effectLst/>
-                <a:latin typeface="Arial" panose="020B0604020202020204" pitchFamily="34" charset="0"/>
-              </a:rPr>
-              <a:t>, cioè tende naturalmente al punto di equilibrio senza divergere </a:t>
-            </a:r>
-          </a:p>
-          <a:p>
-            <a:pPr marL="0" marR="0" lvl="0" indent="0" algn="l" defTabSz="914400" rtl="0" eaLnBrk="0" fontAlgn="base" latinLnBrk="0" hangingPunct="0">
-              <a:spcBef>
-                <a:spcPct val="0"/>
-              </a:spcBef>
-              <a:spcAft>
-                <a:spcPts val="600"/>
-              </a:spcAft>
-              <a:buClrTx/>
-              <a:buSzTx/>
-              <a:buFontTx/>
-              <a:buNone/>
-              <a:tabLst/>
-            </a:pPr>
-            <a:endParaRPr kumimoji="0" lang="it-IT" altLang="it-IT" b="0" i="0" u="none" strike="noStrike" cap="none" normalizeH="0" baseline="0">
-              <a:ln>
-                <a:noFill/>
-              </a:ln>
-              <a:solidFill>
-                <a:schemeClr val="tx1"/>
-              </a:solidFill>
-              <a:effectLst/>
-              <a:latin typeface="Arial" panose="020B0604020202020204" pitchFamily="34" charset="0"/>
-            </a:endParaRPr>
           </a:p>
         </p:txBody>
       </p:sp>

--- a/cam.pptx
+++ b/cam.pptx
@@ -229,7 +229,7 @@
           <a:p>
             <a:fld id="{56A1F9FD-016A-4124-8D30-0380AF34A37C}" type="datetimeFigureOut">
               <a:rPr lang="it-IT" smtClean="0"/>
-              <a:t>22/07/2025</a:t>
+              <a:t>23/07/2025</a:t>
             </a:fld>
             <a:endParaRPr lang="it-IT"/>
           </a:p>
@@ -2451,7 +2451,7 @@
           <a:p>
             <a:fld id="{F804CF06-F6AA-4421-AC31-3DD167B981C6}" type="datetime1">
               <a:rPr lang="it-IT" smtClean="0"/>
-              <a:t>22/07/2025</a:t>
+              <a:t>23/07/2025</a:t>
             </a:fld>
             <a:endParaRPr lang="it-IT"/>
           </a:p>
@@ -2652,7 +2652,7 @@
           <a:p>
             <a:fld id="{3AC0856E-0EEC-4D9D-B3F3-0F60AC013038}" type="datetime1">
               <a:rPr lang="it-IT" smtClean="0"/>
-              <a:t>22/07/2025</a:t>
+              <a:t>23/07/2025</a:t>
             </a:fld>
             <a:endParaRPr lang="it-IT"/>
           </a:p>
@@ -2863,7 +2863,7 @@
           <a:p>
             <a:fld id="{31FBD0A2-0152-4121-A372-5FF90CF4435C}" type="datetime1">
               <a:rPr lang="it-IT" smtClean="0"/>
-              <a:t>22/07/2025</a:t>
+              <a:t>23/07/2025</a:t>
             </a:fld>
             <a:endParaRPr lang="it-IT"/>
           </a:p>
@@ -3064,7 +3064,7 @@
           <a:p>
             <a:fld id="{1C766833-17E6-48D3-9220-DDB953048839}" type="datetime1">
               <a:rPr lang="it-IT" smtClean="0"/>
-              <a:t>22/07/2025</a:t>
+              <a:t>23/07/2025</a:t>
             </a:fld>
             <a:endParaRPr lang="it-IT"/>
           </a:p>
@@ -3342,7 +3342,7 @@
           <a:p>
             <a:fld id="{469C5ADA-E8F5-431F-84DA-235CA7F5C00B}" type="datetime1">
               <a:rPr lang="it-IT" smtClean="0"/>
-              <a:t>22/07/2025</a:t>
+              <a:t>23/07/2025</a:t>
             </a:fld>
             <a:endParaRPr lang="it-IT"/>
           </a:p>
@@ -3610,7 +3610,7 @@
           <a:p>
             <a:fld id="{A1AA3935-594E-4276-85A8-E7A26E6E2775}" type="datetime1">
               <a:rPr lang="it-IT" smtClean="0"/>
-              <a:t>22/07/2025</a:t>
+              <a:t>23/07/2025</a:t>
             </a:fld>
             <a:endParaRPr lang="it-IT"/>
           </a:p>
@@ -4025,7 +4025,7 @@
           <a:p>
             <a:fld id="{982D92E5-5262-4086-8D05-3F8DB806C94C}" type="datetime1">
               <a:rPr lang="it-IT" smtClean="0"/>
-              <a:t>22/07/2025</a:t>
+              <a:t>23/07/2025</a:t>
             </a:fld>
             <a:endParaRPr lang="it-IT"/>
           </a:p>
@@ -4169,7 +4169,7 @@
           <a:p>
             <a:fld id="{00BC9BF5-FDCD-4A4E-8285-15B626CF0A1C}" type="datetime1">
               <a:rPr lang="it-IT" smtClean="0"/>
-              <a:t>22/07/2025</a:t>
+              <a:t>23/07/2025</a:t>
             </a:fld>
             <a:endParaRPr lang="it-IT"/>
           </a:p>
@@ -4285,7 +4285,7 @@
           <a:p>
             <a:fld id="{3C91FFCA-9EDB-4E57-A3C0-4622103A86AF}" type="datetime1">
               <a:rPr lang="it-IT" smtClean="0"/>
-              <a:t>22/07/2025</a:t>
+              <a:t>23/07/2025</a:t>
             </a:fld>
             <a:endParaRPr lang="it-IT"/>
           </a:p>
@@ -4599,7 +4599,7 @@
           <a:p>
             <a:fld id="{BA1124F2-45D5-40AD-B547-4419BD233EA8}" type="datetime1">
               <a:rPr lang="it-IT" smtClean="0"/>
-              <a:t>22/07/2025</a:t>
+              <a:t>23/07/2025</a:t>
             </a:fld>
             <a:endParaRPr lang="it-IT"/>
           </a:p>
@@ -4890,7 +4890,7 @@
           <a:p>
             <a:fld id="{C75E478A-11ED-433A-926B-EB237C1401CE}" type="datetime1">
               <a:rPr lang="it-IT" smtClean="0"/>
-              <a:t>22/07/2025</a:t>
+              <a:t>23/07/2025</a:t>
             </a:fld>
             <a:endParaRPr lang="it-IT"/>
           </a:p>
@@ -5134,7 +5134,7 @@
           <a:p>
             <a:fld id="{3227FB25-0A6E-4247-90E3-2D54F40238BD}" type="datetime1">
               <a:rPr lang="it-IT" smtClean="0"/>
-              <a:t>22/07/2025</a:t>
+              <a:t>23/07/2025</a:t>
             </a:fld>
             <a:endParaRPr lang="it-IT"/>
           </a:p>
@@ -18872,15 +18872,7 @@
           <a:p>
             <a:r>
               <a:rPr lang="it-IT" sz="3200" dirty="0"/>
-              <a:t>MPC con vincolo terminale di </a:t>
-            </a:r>
-            <a:r>
-              <a:rPr lang="it-IT" sz="3200" dirty="0" err="1"/>
-              <a:t>disugualizanza</a:t>
-            </a:r>
-            <a:r>
-              <a:rPr lang="it-IT" sz="3200" dirty="0"/>
-              <a:t> - Conclusione</a:t>
+              <a:t>MPC con vincolo terminale di disuguaglianza - Conclusione</a:t>
             </a:r>
           </a:p>
         </p:txBody>
@@ -19025,7 +19017,7 @@
         </p:blipFill>
         <p:spPr>
           <a:xfrm>
-            <a:off x="6574338" y="3684716"/>
+            <a:off x="6557891" y="3684716"/>
             <a:ext cx="5021460" cy="2664384"/>
           </a:xfrm>
           <a:prstGeom prst="rect">
@@ -19060,7 +19052,7 @@
         </p:blipFill>
         <p:spPr>
           <a:xfrm>
-            <a:off x="533983" y="3684716"/>
+            <a:off x="612649" y="3684716"/>
             <a:ext cx="4928709" cy="1191129"/>
           </a:xfrm>
           <a:prstGeom prst="rect">

--- a/cam.pptx
+++ b/cam.pptx
@@ -1025,6 +1025,258 @@
 </p:notes>
 </file>
 
+<file path=ppt/notesSlides/notesSlide10.xml><?xml version="1.0" encoding="utf-8"?>
+<p:notes xmlns:a="http://schemas.openxmlformats.org/drawingml/2006/main" xmlns:r="http://schemas.openxmlformats.org/officeDocument/2006/relationships" xmlns:p="http://schemas.openxmlformats.org/presentationml/2006/main">
+  <p:cSld>
+    <p:spTree>
+      <p:nvGrpSpPr>
+        <p:cNvPr id="1" name=""/>
+        <p:cNvGrpSpPr/>
+        <p:nvPr/>
+      </p:nvGrpSpPr>
+      <p:grpSpPr>
+        <a:xfrm>
+          <a:off x="0" y="0"/>
+          <a:ext cx="0" cy="0"/>
+          <a:chOff x="0" y="0"/>
+          <a:chExt cx="0" cy="0"/>
+        </a:xfrm>
+      </p:grpSpPr>
+      <p:sp>
+        <p:nvSpPr>
+          <p:cNvPr id="2" name="Segnaposto immagine diapositiva 1"/>
+          <p:cNvSpPr>
+            <a:spLocks noGrp="1" noRot="1" noChangeAspect="1"/>
+          </p:cNvSpPr>
+          <p:nvPr>
+            <p:ph type="sldImg"/>
+          </p:nvPr>
+        </p:nvSpPr>
+        <p:spPr/>
+      </p:sp>
+      <p:sp>
+        <p:nvSpPr>
+          <p:cNvPr id="3" name="Segnaposto note 2"/>
+          <p:cNvSpPr>
+            <a:spLocks noGrp="1"/>
+          </p:cNvSpPr>
+          <p:nvPr>
+            <p:ph type="body" idx="1"/>
+          </p:nvPr>
+        </p:nvSpPr>
+        <p:spPr/>
+        <p:txBody>
+          <a:bodyPr/>
+          <a:lstStyle/>
+          <a:p>
+            <a:endParaRPr lang="it-IT" dirty="0"/>
+          </a:p>
+        </p:txBody>
+      </p:sp>
+      <p:sp>
+        <p:nvSpPr>
+          <p:cNvPr id="4" name="Segnaposto numero diapositiva 3"/>
+          <p:cNvSpPr>
+            <a:spLocks noGrp="1"/>
+          </p:cNvSpPr>
+          <p:nvPr>
+            <p:ph type="sldNum" sz="quarter" idx="5"/>
+          </p:nvPr>
+        </p:nvSpPr>
+        <p:spPr/>
+        <p:txBody>
+          <a:bodyPr/>
+          <a:lstStyle/>
+          <a:p>
+            <a:fld id="{B056405F-A823-461D-BCED-389D230F5E77}" type="slidenum">
+              <a:rPr lang="it-IT" smtClean="0"/>
+              <a:t>30</a:t>
+            </a:fld>
+            <a:endParaRPr lang="it-IT"/>
+          </a:p>
+        </p:txBody>
+      </p:sp>
+    </p:spTree>
+    <p:extLst>
+      <p:ext uri="{BB962C8B-B14F-4D97-AF65-F5344CB8AC3E}">
+        <p14:creationId xmlns:p14="http://schemas.microsoft.com/office/powerpoint/2010/main" val="1326243484"/>
+      </p:ext>
+    </p:extLst>
+  </p:cSld>
+  <p:clrMapOvr>
+    <a:masterClrMapping/>
+  </p:clrMapOvr>
+</p:notes>
+</file>
+
+<file path=ppt/notesSlides/notesSlide11.xml><?xml version="1.0" encoding="utf-8"?>
+<p:notes xmlns:a="http://schemas.openxmlformats.org/drawingml/2006/main" xmlns:r="http://schemas.openxmlformats.org/officeDocument/2006/relationships" xmlns:p="http://schemas.openxmlformats.org/presentationml/2006/main">
+  <p:cSld>
+    <p:spTree>
+      <p:nvGrpSpPr>
+        <p:cNvPr id="1" name=""/>
+        <p:cNvGrpSpPr/>
+        <p:nvPr/>
+      </p:nvGrpSpPr>
+      <p:grpSpPr>
+        <a:xfrm>
+          <a:off x="0" y="0"/>
+          <a:ext cx="0" cy="0"/>
+          <a:chOff x="0" y="0"/>
+          <a:chExt cx="0" cy="0"/>
+        </a:xfrm>
+      </p:grpSpPr>
+      <p:sp>
+        <p:nvSpPr>
+          <p:cNvPr id="2" name="Segnaposto immagine diapositiva 1"/>
+          <p:cNvSpPr>
+            <a:spLocks noGrp="1" noRot="1" noChangeAspect="1"/>
+          </p:cNvSpPr>
+          <p:nvPr>
+            <p:ph type="sldImg"/>
+          </p:nvPr>
+        </p:nvSpPr>
+        <p:spPr/>
+      </p:sp>
+      <p:sp>
+        <p:nvSpPr>
+          <p:cNvPr id="3" name="Segnaposto note 2"/>
+          <p:cNvSpPr>
+            <a:spLocks noGrp="1"/>
+          </p:cNvSpPr>
+          <p:nvPr>
+            <p:ph type="body" idx="1"/>
+          </p:nvPr>
+        </p:nvSpPr>
+        <p:spPr/>
+        <p:txBody>
+          <a:bodyPr/>
+          <a:lstStyle/>
+          <a:p>
+            <a:endParaRPr lang="it-IT" dirty="0"/>
+          </a:p>
+        </p:txBody>
+      </p:sp>
+      <p:sp>
+        <p:nvSpPr>
+          <p:cNvPr id="4" name="Segnaposto numero diapositiva 3"/>
+          <p:cNvSpPr>
+            <a:spLocks noGrp="1"/>
+          </p:cNvSpPr>
+          <p:nvPr>
+            <p:ph type="sldNum" sz="quarter" idx="5"/>
+          </p:nvPr>
+        </p:nvSpPr>
+        <p:spPr/>
+        <p:txBody>
+          <a:bodyPr/>
+          <a:lstStyle/>
+          <a:p>
+            <a:fld id="{B056405F-A823-461D-BCED-389D230F5E77}" type="slidenum">
+              <a:rPr lang="it-IT" smtClean="0"/>
+              <a:t>31</a:t>
+            </a:fld>
+            <a:endParaRPr lang="it-IT"/>
+          </a:p>
+        </p:txBody>
+      </p:sp>
+    </p:spTree>
+    <p:extLst>
+      <p:ext uri="{BB962C8B-B14F-4D97-AF65-F5344CB8AC3E}">
+        <p14:creationId xmlns:p14="http://schemas.microsoft.com/office/powerpoint/2010/main" val="3718596282"/>
+      </p:ext>
+    </p:extLst>
+  </p:cSld>
+  <p:clrMapOvr>
+    <a:masterClrMapping/>
+  </p:clrMapOvr>
+</p:notes>
+</file>
+
+<file path=ppt/notesSlides/notesSlide12.xml><?xml version="1.0" encoding="utf-8"?>
+<p:notes xmlns:a="http://schemas.openxmlformats.org/drawingml/2006/main" xmlns:r="http://schemas.openxmlformats.org/officeDocument/2006/relationships" xmlns:p="http://schemas.openxmlformats.org/presentationml/2006/main">
+  <p:cSld>
+    <p:spTree>
+      <p:nvGrpSpPr>
+        <p:cNvPr id="1" name=""/>
+        <p:cNvGrpSpPr/>
+        <p:nvPr/>
+      </p:nvGrpSpPr>
+      <p:grpSpPr>
+        <a:xfrm>
+          <a:off x="0" y="0"/>
+          <a:ext cx="0" cy="0"/>
+          <a:chOff x="0" y="0"/>
+          <a:chExt cx="0" cy="0"/>
+        </a:xfrm>
+      </p:grpSpPr>
+      <p:sp>
+        <p:nvSpPr>
+          <p:cNvPr id="2" name="Segnaposto immagine diapositiva 1"/>
+          <p:cNvSpPr>
+            <a:spLocks noGrp="1" noRot="1" noChangeAspect="1"/>
+          </p:cNvSpPr>
+          <p:nvPr>
+            <p:ph type="sldImg"/>
+          </p:nvPr>
+        </p:nvSpPr>
+        <p:spPr/>
+      </p:sp>
+      <p:sp>
+        <p:nvSpPr>
+          <p:cNvPr id="3" name="Segnaposto note 2"/>
+          <p:cNvSpPr>
+            <a:spLocks noGrp="1"/>
+          </p:cNvSpPr>
+          <p:nvPr>
+            <p:ph type="body" idx="1"/>
+          </p:nvPr>
+        </p:nvSpPr>
+        <p:spPr/>
+        <p:txBody>
+          <a:bodyPr/>
+          <a:lstStyle/>
+          <a:p>
+            <a:endParaRPr lang="it-IT" dirty="0"/>
+          </a:p>
+        </p:txBody>
+      </p:sp>
+      <p:sp>
+        <p:nvSpPr>
+          <p:cNvPr id="4" name="Segnaposto numero diapositiva 3"/>
+          <p:cNvSpPr>
+            <a:spLocks noGrp="1"/>
+          </p:cNvSpPr>
+          <p:nvPr>
+            <p:ph type="sldNum" sz="quarter" idx="5"/>
+          </p:nvPr>
+        </p:nvSpPr>
+        <p:spPr/>
+        <p:txBody>
+          <a:bodyPr/>
+          <a:lstStyle/>
+          <a:p>
+            <a:fld id="{B056405F-A823-461D-BCED-389D230F5E77}" type="slidenum">
+              <a:rPr lang="it-IT" smtClean="0"/>
+              <a:t>32</a:t>
+            </a:fld>
+            <a:endParaRPr lang="it-IT"/>
+          </a:p>
+        </p:txBody>
+      </p:sp>
+    </p:spTree>
+    <p:extLst>
+      <p:ext uri="{BB962C8B-B14F-4D97-AF65-F5344CB8AC3E}">
+        <p14:creationId xmlns:p14="http://schemas.microsoft.com/office/powerpoint/2010/main" val="649530958"/>
+      </p:ext>
+    </p:extLst>
+  </p:cSld>
+  <p:clrMapOvr>
+    <a:masterClrMapping/>
+  </p:clrMapOvr>
+</p:notes>
+</file>
+
 <file path=ppt/notesSlides/notesSlide2.xml><?xml version="1.0" encoding="utf-8"?>
 <p:notes xmlns:a="http://schemas.openxmlformats.org/drawingml/2006/main" xmlns:r="http://schemas.openxmlformats.org/officeDocument/2006/relationships" xmlns:p="http://schemas.openxmlformats.org/presentationml/2006/main">
   <p:cSld>
@@ -2295,6 +2547,258 @@
     <p:extLst>
       <p:ext uri="{BB962C8B-B14F-4D97-AF65-F5344CB8AC3E}">
         <p14:creationId xmlns:p14="http://schemas.microsoft.com/office/powerpoint/2010/main" val="987527255"/>
+      </p:ext>
+    </p:extLst>
+  </p:cSld>
+  <p:clrMapOvr>
+    <a:masterClrMapping/>
+  </p:clrMapOvr>
+</p:notes>
+</file>
+
+<file path=ppt/notesSlides/notesSlide7.xml><?xml version="1.0" encoding="utf-8"?>
+<p:notes xmlns:a="http://schemas.openxmlformats.org/drawingml/2006/main" xmlns:r="http://schemas.openxmlformats.org/officeDocument/2006/relationships" xmlns:p="http://schemas.openxmlformats.org/presentationml/2006/main">
+  <p:cSld>
+    <p:spTree>
+      <p:nvGrpSpPr>
+        <p:cNvPr id="1" name=""/>
+        <p:cNvGrpSpPr/>
+        <p:nvPr/>
+      </p:nvGrpSpPr>
+      <p:grpSpPr>
+        <a:xfrm>
+          <a:off x="0" y="0"/>
+          <a:ext cx="0" cy="0"/>
+          <a:chOff x="0" y="0"/>
+          <a:chExt cx="0" cy="0"/>
+        </a:xfrm>
+      </p:grpSpPr>
+      <p:sp>
+        <p:nvSpPr>
+          <p:cNvPr id="2" name="Segnaposto immagine diapositiva 1"/>
+          <p:cNvSpPr>
+            <a:spLocks noGrp="1" noRot="1" noChangeAspect="1"/>
+          </p:cNvSpPr>
+          <p:nvPr>
+            <p:ph type="sldImg"/>
+          </p:nvPr>
+        </p:nvSpPr>
+        <p:spPr/>
+      </p:sp>
+      <p:sp>
+        <p:nvSpPr>
+          <p:cNvPr id="3" name="Segnaposto note 2"/>
+          <p:cNvSpPr>
+            <a:spLocks noGrp="1"/>
+          </p:cNvSpPr>
+          <p:nvPr>
+            <p:ph type="body" idx="1"/>
+          </p:nvPr>
+        </p:nvSpPr>
+        <p:spPr/>
+        <p:txBody>
+          <a:bodyPr/>
+          <a:lstStyle/>
+          <a:p>
+            <a:endParaRPr lang="it-IT" dirty="0"/>
+          </a:p>
+        </p:txBody>
+      </p:sp>
+      <p:sp>
+        <p:nvSpPr>
+          <p:cNvPr id="4" name="Segnaposto numero diapositiva 3"/>
+          <p:cNvSpPr>
+            <a:spLocks noGrp="1"/>
+          </p:cNvSpPr>
+          <p:nvPr>
+            <p:ph type="sldNum" sz="quarter" idx="5"/>
+          </p:nvPr>
+        </p:nvSpPr>
+        <p:spPr/>
+        <p:txBody>
+          <a:bodyPr/>
+          <a:lstStyle/>
+          <a:p>
+            <a:fld id="{B056405F-A823-461D-BCED-389D230F5E77}" type="slidenum">
+              <a:rPr lang="it-IT" smtClean="0"/>
+              <a:t>27</a:t>
+            </a:fld>
+            <a:endParaRPr lang="it-IT"/>
+          </a:p>
+        </p:txBody>
+      </p:sp>
+    </p:spTree>
+    <p:extLst>
+      <p:ext uri="{BB962C8B-B14F-4D97-AF65-F5344CB8AC3E}">
+        <p14:creationId xmlns:p14="http://schemas.microsoft.com/office/powerpoint/2010/main" val="4020016516"/>
+      </p:ext>
+    </p:extLst>
+  </p:cSld>
+  <p:clrMapOvr>
+    <a:masterClrMapping/>
+  </p:clrMapOvr>
+</p:notes>
+</file>
+
+<file path=ppt/notesSlides/notesSlide8.xml><?xml version="1.0" encoding="utf-8"?>
+<p:notes xmlns:a="http://schemas.openxmlformats.org/drawingml/2006/main" xmlns:r="http://schemas.openxmlformats.org/officeDocument/2006/relationships" xmlns:p="http://schemas.openxmlformats.org/presentationml/2006/main">
+  <p:cSld>
+    <p:spTree>
+      <p:nvGrpSpPr>
+        <p:cNvPr id="1" name=""/>
+        <p:cNvGrpSpPr/>
+        <p:nvPr/>
+      </p:nvGrpSpPr>
+      <p:grpSpPr>
+        <a:xfrm>
+          <a:off x="0" y="0"/>
+          <a:ext cx="0" cy="0"/>
+          <a:chOff x="0" y="0"/>
+          <a:chExt cx="0" cy="0"/>
+        </a:xfrm>
+      </p:grpSpPr>
+      <p:sp>
+        <p:nvSpPr>
+          <p:cNvPr id="2" name="Segnaposto immagine diapositiva 1"/>
+          <p:cNvSpPr>
+            <a:spLocks noGrp="1" noRot="1" noChangeAspect="1"/>
+          </p:cNvSpPr>
+          <p:nvPr>
+            <p:ph type="sldImg"/>
+          </p:nvPr>
+        </p:nvSpPr>
+        <p:spPr/>
+      </p:sp>
+      <p:sp>
+        <p:nvSpPr>
+          <p:cNvPr id="3" name="Segnaposto note 2"/>
+          <p:cNvSpPr>
+            <a:spLocks noGrp="1"/>
+          </p:cNvSpPr>
+          <p:nvPr>
+            <p:ph type="body" idx="1"/>
+          </p:nvPr>
+        </p:nvSpPr>
+        <p:spPr/>
+        <p:txBody>
+          <a:bodyPr/>
+          <a:lstStyle/>
+          <a:p>
+            <a:endParaRPr lang="it-IT" dirty="0"/>
+          </a:p>
+        </p:txBody>
+      </p:sp>
+      <p:sp>
+        <p:nvSpPr>
+          <p:cNvPr id="4" name="Segnaposto numero diapositiva 3"/>
+          <p:cNvSpPr>
+            <a:spLocks noGrp="1"/>
+          </p:cNvSpPr>
+          <p:nvPr>
+            <p:ph type="sldNum" sz="quarter" idx="5"/>
+          </p:nvPr>
+        </p:nvSpPr>
+        <p:spPr/>
+        <p:txBody>
+          <a:bodyPr/>
+          <a:lstStyle/>
+          <a:p>
+            <a:fld id="{B056405F-A823-461D-BCED-389D230F5E77}" type="slidenum">
+              <a:rPr lang="it-IT" smtClean="0"/>
+              <a:t>28</a:t>
+            </a:fld>
+            <a:endParaRPr lang="it-IT"/>
+          </a:p>
+        </p:txBody>
+      </p:sp>
+    </p:spTree>
+    <p:extLst>
+      <p:ext uri="{BB962C8B-B14F-4D97-AF65-F5344CB8AC3E}">
+        <p14:creationId xmlns:p14="http://schemas.microsoft.com/office/powerpoint/2010/main" val="1728813001"/>
+      </p:ext>
+    </p:extLst>
+  </p:cSld>
+  <p:clrMapOvr>
+    <a:masterClrMapping/>
+  </p:clrMapOvr>
+</p:notes>
+</file>
+
+<file path=ppt/notesSlides/notesSlide9.xml><?xml version="1.0" encoding="utf-8"?>
+<p:notes xmlns:a="http://schemas.openxmlformats.org/drawingml/2006/main" xmlns:r="http://schemas.openxmlformats.org/officeDocument/2006/relationships" xmlns:p="http://schemas.openxmlformats.org/presentationml/2006/main">
+  <p:cSld>
+    <p:spTree>
+      <p:nvGrpSpPr>
+        <p:cNvPr id="1" name=""/>
+        <p:cNvGrpSpPr/>
+        <p:nvPr/>
+      </p:nvGrpSpPr>
+      <p:grpSpPr>
+        <a:xfrm>
+          <a:off x="0" y="0"/>
+          <a:ext cx="0" cy="0"/>
+          <a:chOff x="0" y="0"/>
+          <a:chExt cx="0" cy="0"/>
+        </a:xfrm>
+      </p:grpSpPr>
+      <p:sp>
+        <p:nvSpPr>
+          <p:cNvPr id="2" name="Segnaposto immagine diapositiva 1"/>
+          <p:cNvSpPr>
+            <a:spLocks noGrp="1" noRot="1" noChangeAspect="1"/>
+          </p:cNvSpPr>
+          <p:nvPr>
+            <p:ph type="sldImg"/>
+          </p:nvPr>
+        </p:nvSpPr>
+        <p:spPr/>
+      </p:sp>
+      <p:sp>
+        <p:nvSpPr>
+          <p:cNvPr id="3" name="Segnaposto note 2"/>
+          <p:cNvSpPr>
+            <a:spLocks noGrp="1"/>
+          </p:cNvSpPr>
+          <p:nvPr>
+            <p:ph type="body" idx="1"/>
+          </p:nvPr>
+        </p:nvSpPr>
+        <p:spPr/>
+        <p:txBody>
+          <a:bodyPr/>
+          <a:lstStyle/>
+          <a:p>
+            <a:endParaRPr lang="it-IT" dirty="0"/>
+          </a:p>
+        </p:txBody>
+      </p:sp>
+      <p:sp>
+        <p:nvSpPr>
+          <p:cNvPr id="4" name="Segnaposto numero diapositiva 3"/>
+          <p:cNvSpPr>
+            <a:spLocks noGrp="1"/>
+          </p:cNvSpPr>
+          <p:nvPr>
+            <p:ph type="sldNum" sz="quarter" idx="5"/>
+          </p:nvPr>
+        </p:nvSpPr>
+        <p:spPr/>
+        <p:txBody>
+          <a:bodyPr/>
+          <a:lstStyle/>
+          <a:p>
+            <a:fld id="{B056405F-A823-461D-BCED-389D230F5E77}" type="slidenum">
+              <a:rPr lang="it-IT" smtClean="0"/>
+              <a:t>29</a:t>
+            </a:fld>
+            <a:endParaRPr lang="it-IT"/>
+          </a:p>
+        </p:txBody>
+      </p:sp>
+    </p:spTree>
+    <p:extLst>
+      <p:ext uri="{BB962C8B-B14F-4D97-AF65-F5344CB8AC3E}">
+        <p14:creationId xmlns:p14="http://schemas.microsoft.com/office/powerpoint/2010/main" val="1654581094"/>
       </p:ext>
     </p:extLst>
   </p:cSld>
@@ -19633,15 +20137,7 @@
             </a:r>
             <a:r>
               <a:rPr lang="it-IT" sz="5000" dirty="0"/>
-              <a:t> Control (</a:t>
-            </a:r>
-            <a:r>
-              <a:rPr lang="it-IT" sz="5000" dirty="0" err="1"/>
-              <a:t>mpc</a:t>
-            </a:r>
-            <a:r>
-              <a:rPr lang="it-IT" sz="5000" dirty="0"/>
-              <a:t>)</a:t>
+              <a:t> Control (MPC)</a:t>
             </a:r>
           </a:p>
         </p:txBody>
@@ -19978,7 +20474,7 @@
           <p:nvPr/>
         </p:nvPicPr>
         <p:blipFill>
-          <a:blip r:embed="rId2">
+          <a:blip r:embed="rId3">
             <a:extLst>
               <a:ext uri="{28A0092B-C50C-407E-A947-70E740481C1C}">
                 <a14:useLocalDpi xmlns:a14="http://schemas.microsoft.com/office/drawing/2010/main" val="0"/>
@@ -20053,7 +20549,7 @@
           <p:nvPr/>
         </p:nvPicPr>
         <p:blipFill>
-          <a:blip r:embed="rId3">
+          <a:blip r:embed="rId4">
             <a:extLst>
               <a:ext uri="{28A0092B-C50C-407E-A947-70E740481C1C}">
                 <a14:useLocalDpi xmlns:a14="http://schemas.microsoft.com/office/drawing/2010/main" val="0"/>
@@ -20652,15 +21148,20 @@
           <p:nvPr/>
         </p:nvPicPr>
         <p:blipFill>
-          <a:blip r:embed="rId2"/>
-          <a:stretch>
-            <a:fillRect/>
-          </a:stretch>
+          <a:blip r:embed="rId3">
+            <a:extLst>
+              <a:ext uri="{28A0092B-C50C-407E-A947-70E740481C1C}">
+                <a14:useLocalDpi xmlns:a14="http://schemas.microsoft.com/office/drawing/2010/main" val="0"/>
+              </a:ext>
+            </a:extLst>
+          </a:blip>
+          <a:srcRect/>
+          <a:stretch/>
         </p:blipFill>
         <p:spPr>
           <a:xfrm>
-            <a:off x="6161851" y="2945035"/>
-            <a:ext cx="5768614" cy="3324689"/>
+            <a:off x="6161851" y="3313956"/>
+            <a:ext cx="5768614" cy="2586846"/>
           </a:xfrm>
           <a:prstGeom prst="rect">
             <a:avLst/>
@@ -20911,15 +21412,15 @@
             </a:pPr>
             <a:r>
               <a:rPr lang="it-IT" sz="1400" dirty="0"/>
-              <a:t>Q  = 10 * </a:t>
+              <a:t>Q  = </a:t>
             </a:r>
             <a:r>
               <a:rPr lang="it-IT" sz="1400" dirty="0" err="1"/>
-              <a:t>eye</a:t>
+              <a:t>diag</a:t>
             </a:r>
             <a:r>
               <a:rPr lang="it-IT" sz="1400" dirty="0"/>
-              <a:t>(4)</a:t>
+              <a:t>([1,100,100,1])</a:t>
             </a:r>
           </a:p>
           <a:p>
@@ -20935,7 +21436,7 @@
             </a:pPr>
             <a:r>
               <a:rPr lang="it-IT" sz="1400" dirty="0"/>
-              <a:t>R = 1000 * </a:t>
+              <a:t>R = 10 *</a:t>
             </a:r>
             <a:r>
               <a:rPr lang="it-IT" sz="1400" dirty="0" err="1"/>
@@ -20943,7 +21444,7 @@
             </a:r>
             <a:r>
               <a:rPr lang="it-IT" sz="1400" dirty="0"/>
-              <a:t>(2)</a:t>
+              <a:t>(2) </a:t>
             </a:r>
           </a:p>
           <a:p>
@@ -20979,7 +21480,7 @@
             </a:r>
             <a:r>
               <a:rPr lang="it-IT" sz="1400" dirty="0"/>
-              <a:t> = 60</a:t>
+              <a:t> = 15 minuti</a:t>
             </a:r>
           </a:p>
           <a:p>
@@ -21491,8 +21992,8 @@
         </p:nvSpPr>
         <p:spPr>
           <a:xfrm>
-            <a:off x="612648" y="2785937"/>
-            <a:ext cx="5008506" cy="3331787"/>
+            <a:off x="612648" y="3161784"/>
+            <a:ext cx="5008506" cy="2580094"/>
           </a:xfrm>
         </p:spPr>
         <p:txBody>
@@ -21506,7 +22007,7 @@
             </a:pPr>
             <a:r>
               <a:rPr lang="it-IT" sz="2200" dirty="0"/>
-              <a:t>Come si nota dai grafici dopo 1.5 minuti dall’inizio della simulazione, il controllo sugli ingressi viene saturato per far convergere lo stato più rapidamente al </a:t>
+              <a:t>Il controllo sugli ingressi viene saturato per far convergere lo stato più rapidamente al </a:t>
             </a:r>
             <a:r>
               <a:rPr lang="it-IT" sz="2200" dirty="0" err="1"/>
@@ -21546,7 +22047,7 @@
           <p:nvPr/>
         </p:nvPicPr>
         <p:blipFill>
-          <a:blip r:embed="rId2">
+          <a:blip r:embed="rId3">
             <a:extLst>
               <a:ext uri="{28A0092B-C50C-407E-A947-70E740481C1C}">
                 <a14:useLocalDpi xmlns:a14="http://schemas.microsoft.com/office/drawing/2010/main" val="0"/>
@@ -21623,7 +22124,7 @@
           <p:nvPr/>
         </p:nvPicPr>
         <p:blipFill>
-          <a:blip r:embed="rId3">
+          <a:blip r:embed="rId4">
             <a:extLst>
               <a:ext uri="{28A0092B-C50C-407E-A947-70E740481C1C}">
                 <a14:useLocalDpi xmlns:a14="http://schemas.microsoft.com/office/drawing/2010/main" val="0"/>
@@ -21635,8 +22136,8 @@
         </p:blipFill>
         <p:spPr>
           <a:xfrm>
-            <a:off x="5741280" y="2785938"/>
-            <a:ext cx="6328800" cy="3331787"/>
+            <a:off x="5741280" y="3161784"/>
+            <a:ext cx="6328800" cy="2580094"/>
           </a:xfrm>
           <a:prstGeom prst="rect">
             <a:avLst/>
@@ -23281,7 +23782,7 @@
           <p:nvPr/>
         </p:nvPicPr>
         <p:blipFill>
-          <a:blip r:embed="rId2">
+          <a:blip r:embed="rId3">
             <a:extLst>
               <a:ext uri="{28A0092B-C50C-407E-A947-70E740481C1C}">
                 <a14:useLocalDpi xmlns:a14="http://schemas.microsoft.com/office/drawing/2010/main" val="0"/>
@@ -23293,8 +23794,8 @@
         </p:blipFill>
         <p:spPr>
           <a:xfrm>
-            <a:off x="6197271" y="2945035"/>
-            <a:ext cx="5697774" cy="3324689"/>
+            <a:off x="6197271" y="3335415"/>
+            <a:ext cx="5697774" cy="2543928"/>
           </a:xfrm>
           <a:prstGeom prst="rect">
             <a:avLst/>
@@ -23529,7 +24030,7 @@
             </a:r>
             <a:r>
               <a:rPr lang="it-IT" sz="1400" dirty="0"/>
-              <a:t> = 5</a:t>
+              <a:t> = 1</a:t>
             </a:r>
           </a:p>
           <a:p>
@@ -23545,7 +24046,7 @@
             </a:pPr>
             <a:r>
               <a:rPr lang="it-IT" sz="1400" dirty="0"/>
-              <a:t>Q  = 10 * </a:t>
+              <a:t>Q  = 1000 * </a:t>
             </a:r>
             <a:r>
               <a:rPr lang="it-IT" sz="1400" dirty="0" err="1"/>
@@ -23569,7 +24070,7 @@
             </a:pPr>
             <a:r>
               <a:rPr lang="it-IT" sz="1400" dirty="0"/>
-              <a:t>R = 500 * </a:t>
+              <a:t>R = 1* </a:t>
             </a:r>
             <a:r>
               <a:rPr lang="it-IT" sz="1400" dirty="0" err="1"/>
@@ -23613,8 +24114,21 @@
             </a:r>
             <a:r>
               <a:rPr lang="it-IT" sz="1400" dirty="0"/>
-              <a:t> = 60</a:t>
-            </a:r>
+              <a:t> = 15 minuti</a:t>
+            </a:r>
+          </a:p>
+          <a:p>
+            <a:pPr algn="just">
+              <a:lnSpc>
+                <a:spcPct val="100000"/>
+              </a:lnSpc>
+              <a:spcBef>
+                <a:spcPts val="0"/>
+              </a:spcBef>
+              <a:buFont typeface="Wingdings" panose="05000000000000000000" pitchFamily="2" charset="2"/>
+              <a:buChar char="§"/>
+            </a:pPr>
+            <a:endParaRPr lang="it-IT" sz="1400" dirty="0"/>
           </a:p>
           <a:p>
             <a:pPr marL="0" indent="0">
@@ -24434,7 +24948,7 @@
           <p:nvPr/>
         </p:nvPicPr>
         <p:blipFill>
-          <a:blip r:embed="rId2">
+          <a:blip r:embed="rId3">
             <a:extLst>
               <a:ext uri="{28A0092B-C50C-407E-A947-70E740481C1C}">
                 <a14:useLocalDpi xmlns:a14="http://schemas.microsoft.com/office/drawing/2010/main" val="0"/>
@@ -24446,8 +24960,8 @@
         </p:blipFill>
         <p:spPr>
           <a:xfrm>
-            <a:off x="5740697" y="2785938"/>
-            <a:ext cx="6329383" cy="3391025"/>
+            <a:off x="5740697" y="2678117"/>
+            <a:ext cx="6329383" cy="2606006"/>
           </a:xfrm>
           <a:prstGeom prst="rect">
             <a:avLst/>
@@ -25048,7 +25562,7 @@
           <p:nvPr/>
         </p:nvPicPr>
         <p:blipFill>
-          <a:blip r:embed="rId2">
+          <a:blip r:embed="rId3">
             <a:extLst>
               <a:ext uri="{28A0092B-C50C-407E-A947-70E740481C1C}">
                 <a14:useLocalDpi xmlns:a14="http://schemas.microsoft.com/office/drawing/2010/main" val="0"/>
@@ -25296,7 +25810,7 @@
             </a:r>
             <a:r>
               <a:rPr lang="it-IT" sz="1400" dirty="0"/>
-              <a:t> = 5</a:t>
+              <a:t> = 1</a:t>
             </a:r>
           </a:p>
           <a:p>
@@ -25380,7 +25894,7 @@
             </a:r>
             <a:r>
               <a:rPr lang="it-IT" sz="1400" dirty="0"/>
-              <a:t> = 60</a:t>
+              <a:t> = 15 minuti</a:t>
             </a:r>
           </a:p>
           <a:p>

--- a/cam.pptx
+++ b/cam.pptx
@@ -24030,7 +24030,7 @@
             </a:r>
             <a:r>
               <a:rPr lang="it-IT" sz="1400" dirty="0"/>
-              <a:t> = 1</a:t>
+              <a:t> = 5</a:t>
             </a:r>
           </a:p>
           <a:p>
@@ -25810,7 +25810,15 @@
             </a:r>
             <a:r>
               <a:rPr lang="it-IT" sz="1400" dirty="0"/>
-              <a:t> = 1</a:t>
+              <a:t> </a:t>
+            </a:r>
+            <a:r>
+              <a:rPr lang="it-IT" sz="1400"/>
+              <a:t>= </a:t>
+            </a:r>
+            <a:r>
+              <a:rPr lang="it-IT" sz="1400" dirty="0"/>
+              <a:t>5</a:t>
             </a:r>
           </a:p>
           <a:p>

--- a/cam.pptx
+++ b/cam.pptx
@@ -5,7 +5,7 @@
     <p:sldMasterId id="2147483648" r:id="rId1"/>
   </p:sldMasterIdLst>
   <p:notesMasterIdLst>
-    <p:notesMasterId r:id="rId35"/>
+    <p:notesMasterId r:id="rId36"/>
   </p:notesMasterIdLst>
   <p:sldIdLst>
     <p:sldId id="256" r:id="rId2"/>
@@ -41,6 +41,7 @@
     <p:sldId id="287" r:id="rId32"/>
     <p:sldId id="285" r:id="rId33"/>
     <p:sldId id="288" r:id="rId34"/>
+    <p:sldId id="294" r:id="rId35"/>
   </p:sldIdLst>
   <p:sldSz cx="12192000" cy="6858000"/>
   <p:notesSz cx="6858000" cy="9144000"/>
@@ -25810,15 +25811,7 @@
             </a:r>
             <a:r>
               <a:rPr lang="it-IT" sz="1400" dirty="0"/>
-              <a:t> </a:t>
-            </a:r>
-            <a:r>
-              <a:rPr lang="it-IT" sz="1400"/>
-              <a:t>= </a:t>
-            </a:r>
-            <a:r>
-              <a:rPr lang="it-IT" sz="1400" dirty="0"/>
-              <a:t>5</a:t>
+              <a:t> = 5</a:t>
             </a:r>
           </a:p>
           <a:p>
@@ -26959,6 +26952,269 @@
     <p:extLst>
       <p:ext uri="{BB962C8B-B14F-4D97-AF65-F5344CB8AC3E}">
         <p14:creationId xmlns:p14="http://schemas.microsoft.com/office/powerpoint/2010/main" val="3061413352"/>
+      </p:ext>
+    </p:extLst>
+  </p:cSld>
+  <p:clrMapOvr>
+    <a:masterClrMapping/>
+  </p:clrMapOvr>
+</p:sld>
+</file>
+
+<file path=ppt/slides/slide34.xml><?xml version="1.0" encoding="utf-8"?>
+<p:sld xmlns:a="http://schemas.openxmlformats.org/drawingml/2006/main" xmlns:r="http://schemas.openxmlformats.org/officeDocument/2006/relationships" xmlns:p="http://schemas.openxmlformats.org/presentationml/2006/main">
+  <p:cSld>
+    <p:spTree>
+      <p:nvGrpSpPr>
+        <p:cNvPr id="1" name="">
+          <a:extLst>
+            <a:ext uri="{FF2B5EF4-FFF2-40B4-BE49-F238E27FC236}">
+              <a16:creationId xmlns:a16="http://schemas.microsoft.com/office/drawing/2014/main" id="{5BA80958-7817-F35A-3023-34E2D4C3C456}"/>
+            </a:ext>
+          </a:extLst>
+        </p:cNvPr>
+        <p:cNvGrpSpPr/>
+        <p:nvPr/>
+      </p:nvGrpSpPr>
+      <p:grpSpPr>
+        <a:xfrm>
+          <a:off x="0" y="0"/>
+          <a:ext cx="0" cy="0"/>
+          <a:chOff x="0" y="0"/>
+          <a:chExt cx="0" cy="0"/>
+        </a:xfrm>
+      </p:grpSpPr>
+      <p:sp>
+        <p:nvSpPr>
+          <p:cNvPr id="2" name="Titolo 1">
+            <a:extLst>
+              <a:ext uri="{FF2B5EF4-FFF2-40B4-BE49-F238E27FC236}">
+                <a16:creationId xmlns:a16="http://schemas.microsoft.com/office/drawing/2014/main" id="{E926C47D-834D-F9E0-9ACE-418ABD04E5FE}"/>
+              </a:ext>
+            </a:extLst>
+          </p:cNvPr>
+          <p:cNvSpPr>
+            <a:spLocks noGrp="1"/>
+          </p:cNvSpPr>
+          <p:nvPr>
+            <p:ph type="title"/>
+          </p:nvPr>
+        </p:nvSpPr>
+        <p:spPr>
+          <a:xfrm>
+            <a:off x="612649" y="183248"/>
+            <a:ext cx="11354938" cy="760895"/>
+          </a:xfrm>
+        </p:spPr>
+        <p:txBody>
+          <a:bodyPr anchor="b">
+            <a:normAutofit/>
+          </a:bodyPr>
+          <a:lstStyle/>
+          <a:p>
+            <a:r>
+              <a:rPr lang="it-IT" sz="3200" dirty="0"/>
+              <a:t>MPC con vincolo terminale di uguaglianza - Conclusione</a:t>
+            </a:r>
+          </a:p>
+        </p:txBody>
+      </p:sp>
+      <p:sp>
+        <p:nvSpPr>
+          <p:cNvPr id="3" name="Segnaposto contenuto 2">
+            <a:extLst>
+              <a:ext uri="{FF2B5EF4-FFF2-40B4-BE49-F238E27FC236}">
+                <a16:creationId xmlns:a16="http://schemas.microsoft.com/office/drawing/2014/main" id="{2D7D3DC2-0EE4-AB82-A01A-F9BC5B3FCCD0}"/>
+              </a:ext>
+            </a:extLst>
+          </p:cNvPr>
+          <p:cNvSpPr>
+            <a:spLocks noGrp="1"/>
+          </p:cNvSpPr>
+          <p:nvPr>
+            <p:ph idx="1"/>
+          </p:nvPr>
+        </p:nvSpPr>
+        <p:spPr>
+          <a:xfrm>
+            <a:off x="612649" y="1013082"/>
+            <a:ext cx="10983149" cy="2664384"/>
+          </a:xfrm>
+        </p:spPr>
+        <p:txBody>
+          <a:bodyPr>
+            <a:normAutofit/>
+          </a:bodyPr>
+          <a:lstStyle/>
+          <a:p>
+            <a:pPr marL="0" indent="0" algn="just">
+              <a:lnSpc>
+                <a:spcPct val="100000"/>
+              </a:lnSpc>
+              <a:buNone/>
+            </a:pPr>
+            <a:r>
+              <a:rPr lang="it-IT" sz="1600" dirty="0"/>
+              <a:t>Il controllore MPC implementato ha dimostrato di raggiungere l’obiettivo desiderato in tempi inferiori rispetto all’applicazione delle sole tensioni di equilibrio, grazie alla sua capacità di ottimizzare dinamicamente la traiettoria di controllo tenendo conto dello stato attuale del sistema e dei vincoli imposti.</a:t>
+            </a:r>
+          </a:p>
+          <a:p>
+            <a:pPr marL="0" indent="0" algn="just">
+              <a:lnSpc>
+                <a:spcPct val="100000"/>
+              </a:lnSpc>
+              <a:buNone/>
+            </a:pPr>
+            <a:r>
+              <a:rPr lang="it-IT" sz="1600" dirty="0"/>
+              <a:t>Tuttavia, la presenza di saturazione nell’azione di controllo limita le prestazioni del controllore, che probabilmente potrebbe raggiungere il riferimento in tempi ancora più brevi in assenza di tale vincolo.</a:t>
+            </a:r>
+          </a:p>
+          <a:p>
+            <a:pPr marL="0" indent="0" algn="just">
+              <a:lnSpc>
+                <a:spcPct val="100000"/>
+              </a:lnSpc>
+              <a:buNone/>
+            </a:pPr>
+            <a:r>
+              <a:rPr lang="it-IT" sz="1600" dirty="0"/>
+              <a:t>Tra i diversi casi presi in considerazione, il più efficace, si è dimostrato essere quello che pesa maggiormente gli stati dei serbatoi 2 e 3 poiché raggiunge il </a:t>
+            </a:r>
+            <a:r>
+              <a:rPr lang="it-IT" sz="1600" dirty="0" err="1"/>
+              <a:t>setpoint</a:t>
+            </a:r>
+            <a:r>
+              <a:rPr lang="it-IT" sz="1600" dirty="0"/>
+              <a:t> in tempi inferiori a discapito di una saturazione degli ingressi prolungata.</a:t>
+            </a:r>
+          </a:p>
+          <a:p>
+            <a:pPr marL="0" indent="0" algn="just">
+              <a:lnSpc>
+                <a:spcPct val="100000"/>
+              </a:lnSpc>
+              <a:buNone/>
+            </a:pPr>
+            <a:endParaRPr lang="it-IT" sz="1600" dirty="0"/>
+          </a:p>
+        </p:txBody>
+      </p:sp>
+      <p:sp>
+        <p:nvSpPr>
+          <p:cNvPr id="4" name="Segnaposto piè di pagina 3">
+            <a:extLst>
+              <a:ext uri="{FF2B5EF4-FFF2-40B4-BE49-F238E27FC236}">
+                <a16:creationId xmlns:a16="http://schemas.microsoft.com/office/drawing/2014/main" id="{F071A5B8-EBCB-93CE-6737-1ECD1F1A4EA2}"/>
+              </a:ext>
+            </a:extLst>
+          </p:cNvPr>
+          <p:cNvSpPr>
+            <a:spLocks noGrp="1"/>
+          </p:cNvSpPr>
+          <p:nvPr>
+            <p:ph type="ftr" sz="quarter" idx="11"/>
+          </p:nvPr>
+        </p:nvSpPr>
+        <p:spPr>
+          <a:xfrm>
+            <a:off x="4038600" y="6356350"/>
+            <a:ext cx="4114800" cy="365125"/>
+          </a:xfrm>
+        </p:spPr>
+        <p:txBody>
+          <a:bodyPr>
+            <a:normAutofit/>
+          </a:bodyPr>
+          <a:lstStyle/>
+          <a:p>
+            <a:pPr>
+              <a:spcAft>
+                <a:spcPts val="600"/>
+              </a:spcAft>
+            </a:pPr>
+            <a:r>
+              <a:rPr lang="it-IT"/>
+              <a:t>Davide Brambilla [1080752], Giorgio Passarella[1079287]</a:t>
+            </a:r>
+          </a:p>
+        </p:txBody>
+      </p:sp>
+      <p:pic>
+        <p:nvPicPr>
+          <p:cNvPr id="7" name="Immagine 6">
+            <a:extLst>
+              <a:ext uri="{FF2B5EF4-FFF2-40B4-BE49-F238E27FC236}">
+                <a16:creationId xmlns:a16="http://schemas.microsoft.com/office/drawing/2014/main" id="{EA809B48-FE05-4173-23AE-2CA914877513}"/>
+              </a:ext>
+            </a:extLst>
+          </p:cNvPr>
+          <p:cNvPicPr>
+            <a:picLocks noChangeAspect="1"/>
+          </p:cNvPicPr>
+          <p:nvPr/>
+        </p:nvPicPr>
+        <p:blipFill>
+          <a:blip r:embed="rId2">
+            <a:extLst>
+              <a:ext uri="{28A0092B-C50C-407E-A947-70E740481C1C}">
+                <a14:useLocalDpi xmlns:a14="http://schemas.microsoft.com/office/drawing/2010/main" val="0"/>
+              </a:ext>
+            </a:extLst>
+          </a:blip>
+          <a:srcRect/>
+          <a:stretch/>
+        </p:blipFill>
+        <p:spPr>
+          <a:xfrm>
+            <a:off x="6557891" y="3993749"/>
+            <a:ext cx="5021460" cy="2046318"/>
+          </a:xfrm>
+          <a:prstGeom prst="rect">
+            <a:avLst/>
+          </a:prstGeom>
+        </p:spPr>
+      </p:pic>
+      <p:pic>
+        <p:nvPicPr>
+          <p:cNvPr id="5" name="Immagine 4">
+            <a:extLst>
+              <a:ext uri="{FF2B5EF4-FFF2-40B4-BE49-F238E27FC236}">
+                <a16:creationId xmlns:a16="http://schemas.microsoft.com/office/drawing/2014/main" id="{CD5DB70D-B214-DCEE-F2ED-8590D3BAD0B6}"/>
+              </a:ext>
+            </a:extLst>
+          </p:cNvPr>
+          <p:cNvPicPr>
+            <a:picLocks noChangeAspect="1"/>
+          </p:cNvPicPr>
+          <p:nvPr/>
+        </p:nvPicPr>
+        <p:blipFill>
+          <a:blip r:embed="rId3">
+            <a:extLst>
+              <a:ext uri="{28A0092B-C50C-407E-A947-70E740481C1C}">
+                <a14:useLocalDpi xmlns:a14="http://schemas.microsoft.com/office/drawing/2010/main" val="0"/>
+              </a:ext>
+            </a:extLst>
+          </a:blip>
+          <a:srcRect/>
+          <a:stretch/>
+        </p:blipFill>
+        <p:spPr>
+          <a:xfrm>
+            <a:off x="612649" y="3993749"/>
+            <a:ext cx="4928709" cy="1191129"/>
+          </a:xfrm>
+          <a:prstGeom prst="rect">
+            <a:avLst/>
+          </a:prstGeom>
+        </p:spPr>
+      </p:pic>
+    </p:spTree>
+    <p:extLst>
+      <p:ext uri="{BB962C8B-B14F-4D97-AF65-F5344CB8AC3E}">
+        <p14:creationId xmlns:p14="http://schemas.microsoft.com/office/powerpoint/2010/main" val="3368661158"/>
       </p:ext>
     </p:extLst>
   </p:cSld>
